--- a/presentation/DS7346_Cloud_Computing_Presentation.pptx
+++ b/presentation/DS7346_Cloud_Computing_Presentation.pptx
@@ -5,27 +5,35 @@
     <p:sldMasterId id="2147483672" r:id="rId1"/>
   </p:sldMasterIdLst>
   <p:notesMasterIdLst>
-    <p:notesMasterId r:id="rId20"/>
+    <p:notesMasterId r:id="rId28"/>
   </p:notesMasterIdLst>
   <p:sldIdLst>
     <p:sldId id="580" r:id="rId2"/>
-    <p:sldId id="622" r:id="rId3"/>
-    <p:sldId id="630" r:id="rId4"/>
-    <p:sldId id="621" r:id="rId5"/>
-    <p:sldId id="623" r:id="rId6"/>
-    <p:sldId id="624" r:id="rId7"/>
-    <p:sldId id="625" r:id="rId8"/>
-    <p:sldId id="626" r:id="rId9"/>
-    <p:sldId id="627" r:id="rId10"/>
-    <p:sldId id="628" r:id="rId11"/>
-    <p:sldId id="629" r:id="rId12"/>
-    <p:sldId id="631" r:id="rId13"/>
-    <p:sldId id="632" r:id="rId14"/>
-    <p:sldId id="633" r:id="rId15"/>
-    <p:sldId id="634" r:id="rId16"/>
-    <p:sldId id="635" r:id="rId17"/>
-    <p:sldId id="636" r:id="rId18"/>
-    <p:sldId id="526" r:id="rId19"/>
+    <p:sldId id="637" r:id="rId3"/>
+    <p:sldId id="638" r:id="rId4"/>
+    <p:sldId id="639" r:id="rId5"/>
+    <p:sldId id="640" r:id="rId6"/>
+    <p:sldId id="641" r:id="rId7"/>
+    <p:sldId id="642" r:id="rId8"/>
+    <p:sldId id="643" r:id="rId9"/>
+    <p:sldId id="644" r:id="rId10"/>
+    <p:sldId id="629" r:id="rId11"/>
+    <p:sldId id="628" r:id="rId12"/>
+    <p:sldId id="634" r:id="rId13"/>
+    <p:sldId id="631" r:id="rId14"/>
+    <p:sldId id="630" r:id="rId15"/>
+    <p:sldId id="627" r:id="rId16"/>
+    <p:sldId id="622" r:id="rId17"/>
+    <p:sldId id="621" r:id="rId18"/>
+    <p:sldId id="623" r:id="rId19"/>
+    <p:sldId id="624" r:id="rId20"/>
+    <p:sldId id="625" r:id="rId21"/>
+    <p:sldId id="626" r:id="rId22"/>
+    <p:sldId id="632" r:id="rId23"/>
+    <p:sldId id="633" r:id="rId24"/>
+    <p:sldId id="635" r:id="rId25"/>
+    <p:sldId id="636" r:id="rId26"/>
+    <p:sldId id="526" r:id="rId27"/>
   </p:sldIdLst>
   <p:sldSz cx="9144000" cy="6858000" type="screen4x3"/>
   <p:notesSz cx="6858000" cy="9144000"/>
@@ -222,7 +230,7 @@
           <a:p>
             <a:fld id="{05A716D1-0E3B-43FE-813B-2DAFF8230A94}" type="datetimeFigureOut">
               <a:rPr lang="en-US" smtClean="0"/>
-              <a:t>11/14/2020</a:t>
+              <a:t>11/22/20</a:t>
             </a:fld>
             <a:endParaRPr lang="en-US"/>
           </a:p>
@@ -609,7 +617,100 @@
     </p:spTree>
     <p:extLst>
       <p:ext uri="{BB962C8B-B14F-4D97-AF65-F5344CB8AC3E}">
-        <p14:creationId xmlns:p14="http://schemas.microsoft.com/office/powerpoint/2010/main" val="1036460107"/>
+        <p14:creationId xmlns:p14="http://schemas.microsoft.com/office/powerpoint/2010/main" val="32997926"/>
+      </p:ext>
+    </p:extLst>
+  </p:cSld>
+  <p:clrMapOvr>
+    <a:masterClrMapping/>
+  </p:clrMapOvr>
+</p:notes>
+</file>
+
+<file path=ppt/notesSlides/notesSlide10.xml><?xml version="1.0" encoding="utf-8"?>
+<p:notes xmlns:a="http://schemas.openxmlformats.org/drawingml/2006/main" xmlns:r="http://schemas.openxmlformats.org/officeDocument/2006/relationships" xmlns:p="http://schemas.openxmlformats.org/presentationml/2006/main">
+  <p:cSld>
+    <p:spTree>
+      <p:nvGrpSpPr>
+        <p:cNvPr id="1" name=""/>
+        <p:cNvGrpSpPr/>
+        <p:nvPr/>
+      </p:nvGrpSpPr>
+      <p:grpSpPr>
+        <a:xfrm>
+          <a:off x="0" y="0"/>
+          <a:ext cx="0" cy="0"/>
+          <a:chOff x="0" y="0"/>
+          <a:chExt cx="0" cy="0"/>
+        </a:xfrm>
+      </p:grpSpPr>
+      <p:sp>
+        <p:nvSpPr>
+          <p:cNvPr id="2" name="Slide Image Placeholder 1"/>
+          <p:cNvSpPr>
+            <a:spLocks noGrp="1" noRot="1" noChangeAspect="1"/>
+          </p:cNvSpPr>
+          <p:nvPr>
+            <p:ph type="sldImg"/>
+          </p:nvPr>
+        </p:nvSpPr>
+        <p:spPr/>
+      </p:sp>
+      <p:sp>
+        <p:nvSpPr>
+          <p:cNvPr id="3" name="Notes Placeholder 2"/>
+          <p:cNvSpPr>
+            <a:spLocks noGrp="1"/>
+          </p:cNvSpPr>
+          <p:nvPr>
+            <p:ph type="body" idx="1"/>
+          </p:nvPr>
+        </p:nvSpPr>
+        <p:spPr/>
+        <p:txBody>
+          <a:bodyPr/>
+          <a:lstStyle/>
+          <a:p>
+            <a:r>
+              <a:rPr lang="en-US" dirty="0"/>
+              <a:t>Florida and Main in particular</a:t>
+            </a:r>
+          </a:p>
+          <a:p>
+            <a:endParaRPr lang="en-US" dirty="0"/>
+          </a:p>
+          <a:p>
+            <a:endParaRPr lang="en-US" dirty="0"/>
+          </a:p>
+        </p:txBody>
+      </p:sp>
+      <p:sp>
+        <p:nvSpPr>
+          <p:cNvPr id="4" name="Slide Number Placeholder 3"/>
+          <p:cNvSpPr>
+            <a:spLocks noGrp="1"/>
+          </p:cNvSpPr>
+          <p:nvPr>
+            <p:ph type="sldNum" sz="quarter" idx="5"/>
+          </p:nvPr>
+        </p:nvSpPr>
+        <p:spPr/>
+        <p:txBody>
+          <a:bodyPr/>
+          <a:lstStyle/>
+          <a:p>
+            <a:fld id="{1B0D91D7-F22D-4CDC-8F75-E7F369B9B3B7}" type="slidenum">
+              <a:rPr lang="en-US" smtClean="0"/>
+              <a:t>24</a:t>
+            </a:fld>
+            <a:endParaRPr lang="en-US"/>
+          </a:p>
+        </p:txBody>
+      </p:sp>
+    </p:spTree>
+    <p:extLst>
+      <p:ext uri="{BB962C8B-B14F-4D97-AF65-F5344CB8AC3E}">
+        <p14:creationId xmlns:p14="http://schemas.microsoft.com/office/powerpoint/2010/main" val="1021268098"/>
       </p:ext>
     </p:extLst>
   </p:cSld>
@@ -663,34 +764,6 @@
           <a:bodyPr/>
           <a:lstStyle/>
           <a:p>
-            <a:r>
-              <a:rPr lang="en-US" sz="1200" b="0" i="0" kern="1200" dirty="0">
-                <a:solidFill>
-                  <a:schemeClr val="tx1"/>
-                </a:solidFill>
-                <a:effectLst/>
-                <a:latin typeface="+mn-lt"/>
-                <a:ea typeface="+mn-ea"/>
-                <a:cs typeface="+mn-cs"/>
-              </a:rPr>
-              <a:t>maximum alcoholic (ABV) beer? Colorado</a:t>
-            </a:r>
-          </a:p>
-          <a:p>
-            <a:r>
-              <a:rPr lang="en-US" sz="1200" b="0" i="0" kern="1200" dirty="0">
-                <a:solidFill>
-                  <a:schemeClr val="tx1"/>
-                </a:solidFill>
-                <a:effectLst/>
-                <a:latin typeface="+mn-lt"/>
-                <a:ea typeface="+mn-ea"/>
-                <a:cs typeface="+mn-cs"/>
-              </a:rPr>
-              <a:t>most bitter (IBU) beer? Oregon</a:t>
-            </a:r>
-          </a:p>
-          <a:p>
             <a:endParaRPr lang="en-US" dirty="0"/>
           </a:p>
         </p:txBody>
@@ -712,7 +785,7 @@
           <a:p>
             <a:fld id="{1B0D91D7-F22D-4CDC-8F75-E7F369B9B3B7}" type="slidenum">
               <a:rPr lang="en-US" smtClean="0"/>
-              <a:t>8</a:t>
+              <a:t>10</a:t>
             </a:fld>
             <a:endParaRPr lang="en-US"/>
           </a:p>
@@ -721,7 +794,7 @@
     </p:spTree>
     <p:extLst>
       <p:ext uri="{BB962C8B-B14F-4D97-AF65-F5344CB8AC3E}">
-        <p14:creationId xmlns:p14="http://schemas.microsoft.com/office/powerpoint/2010/main" val="2715228628"/>
+        <p14:creationId xmlns:p14="http://schemas.microsoft.com/office/powerpoint/2010/main" val="4010390507"/>
       </p:ext>
     </p:extLst>
   </p:cSld>
@@ -785,8 +858,69 @@
                 <a:ea typeface="+mn-ea"/>
                 <a:cs typeface="+mn-cs"/>
               </a:rPr>
-              <a:t>he distribution of the ABV data is slightly right skewed, with most values falling within ~0.014 units of the mean of ~0.06.</a:t>
-            </a:r>
+              <a:t>https://</a:t>
+            </a:r>
+            <a:r>
+              <a:rPr lang="en-US" sz="1200" b="0" i="0" kern="1200" dirty="0" err="1">
+                <a:solidFill>
+                  <a:schemeClr val="tx1"/>
+                </a:solidFill>
+                <a:effectLst/>
+                <a:latin typeface="+mn-lt"/>
+                <a:ea typeface="+mn-ea"/>
+                <a:cs typeface="+mn-cs"/>
+              </a:rPr>
+              <a:t>blog.richardkeller.net</a:t>
+            </a:r>
+            <a:r>
+              <a:rPr lang="en-US" sz="1200" b="0" i="0" kern="1200" dirty="0">
+                <a:solidFill>
+                  <a:schemeClr val="tx1"/>
+                </a:solidFill>
+                <a:effectLst/>
+                <a:latin typeface="+mn-lt"/>
+                <a:ea typeface="+mn-ea"/>
+                <a:cs typeface="+mn-cs"/>
+              </a:rPr>
+              <a:t>/anatomy-of-a-serverless-</a:t>
+            </a:r>
+            <a:r>
+              <a:rPr lang="en-US" sz="1200" b="0" i="0" kern="1200" dirty="0" err="1">
+                <a:solidFill>
+                  <a:schemeClr val="tx1"/>
+                </a:solidFill>
+                <a:effectLst/>
+                <a:latin typeface="+mn-lt"/>
+                <a:ea typeface="+mn-ea"/>
+                <a:cs typeface="+mn-cs"/>
+              </a:rPr>
+              <a:t>yaml</a:t>
+            </a:r>
+            <a:r>
+              <a:rPr lang="en-US" sz="1200" b="0" i="0" kern="1200" dirty="0">
+                <a:solidFill>
+                  <a:schemeClr val="tx1"/>
+                </a:solidFill>
+                <a:effectLst/>
+                <a:latin typeface="+mn-lt"/>
+                <a:ea typeface="+mn-ea"/>
+                <a:cs typeface="+mn-cs"/>
+              </a:rPr>
+              <a:t>-file/#:~:text=Serverless.-,yml,YAML%20file%20is%20the%20provider.</a:t>
+            </a:r>
+          </a:p>
+          <a:p>
+            <a:endParaRPr lang="en-US" sz="1200" b="0" i="0" kern="1200" dirty="0">
+              <a:solidFill>
+                <a:schemeClr val="tx1"/>
+              </a:solidFill>
+              <a:effectLst/>
+              <a:latin typeface="+mn-lt"/>
+              <a:ea typeface="+mn-ea"/>
+              <a:cs typeface="+mn-cs"/>
+            </a:endParaRPr>
+          </a:p>
+          <a:p>
             <a:endParaRPr lang="en-US" dirty="0"/>
           </a:p>
         </p:txBody>
@@ -808,7 +942,7 @@
           <a:p>
             <a:fld id="{1B0D91D7-F22D-4CDC-8F75-E7F369B9B3B7}" type="slidenum">
               <a:rPr lang="en-US" smtClean="0"/>
-              <a:t>10</a:t>
+              <a:t>11</a:t>
             </a:fld>
             <a:endParaRPr lang="en-US"/>
           </a:p>
@@ -871,18 +1005,6 @@
           <a:bodyPr/>
           <a:lstStyle/>
           <a:p>
-            <a:r>
-              <a:rPr lang="en-US" sz="1200" b="0" i="0" kern="1200" dirty="0">
-                <a:solidFill>
-                  <a:schemeClr val="tx1"/>
-                </a:solidFill>
-                <a:effectLst/>
-                <a:latin typeface="+mn-lt"/>
-                <a:ea typeface="+mn-ea"/>
-                <a:cs typeface="+mn-cs"/>
-              </a:rPr>
-              <a:t>Roughly 67% of the variation of a beer’s IBU rating can be explained by the ABV for observations which had both attributes to review.</a:t>
-            </a:r>
             <a:endParaRPr lang="en-US" dirty="0"/>
           </a:p>
         </p:txBody>
@@ -904,7 +1026,7 @@
           <a:p>
             <a:fld id="{1B0D91D7-F22D-4CDC-8F75-E7F369B9B3B7}" type="slidenum">
               <a:rPr lang="en-US" smtClean="0"/>
-              <a:t>11</a:t>
+              <a:t>12</a:t>
             </a:fld>
             <a:endParaRPr lang="en-US"/>
           </a:p>
@@ -913,7 +1035,7 @@
     </p:spTree>
     <p:extLst>
       <p:ext uri="{BB962C8B-B14F-4D97-AF65-F5344CB8AC3E}">
-        <p14:creationId xmlns:p14="http://schemas.microsoft.com/office/powerpoint/2010/main" val="4010390507"/>
+        <p14:creationId xmlns:p14="http://schemas.microsoft.com/office/powerpoint/2010/main" val="853880690"/>
       </p:ext>
     </p:extLst>
   </p:cSld>
@@ -969,14 +1091,162 @@
           <a:p>
             <a:r>
               <a:rPr lang="en-US" dirty="0"/>
-              <a:t>This could be beneficial with the missingness of the IBU values as Alcohol by Volume could serve as a substitute.</a:t>
-            </a:r>
-          </a:p>
-          <a:p>
-            <a:endParaRPr lang="en-US" dirty="0"/>
-          </a:p>
-          <a:p>
-            <a:endParaRPr lang="en-US" dirty="0"/>
+              <a:t>https://</a:t>
+            </a:r>
+            <a:r>
+              <a:rPr lang="en-US" dirty="0" err="1"/>
+              <a:t>github.com</a:t>
+            </a:r>
+            <a:r>
+              <a:rPr lang="en-US" dirty="0"/>
+              <a:t>/</a:t>
+            </a:r>
+            <a:r>
+              <a:rPr lang="en-US" dirty="0" err="1"/>
+              <a:t>lambci</a:t>
+            </a:r>
+            <a:r>
+              <a:rPr lang="en-US" dirty="0"/>
+              <a:t>/docker-lambda</a:t>
+            </a:r>
+          </a:p>
+          <a:p>
+            <a:endParaRPr lang="en-US" dirty="0"/>
+          </a:p>
+          <a:p>
+            <a:r>
+              <a:rPr lang="en-US" dirty="0"/>
+              <a:t>https://</a:t>
+            </a:r>
+            <a:r>
+              <a:rPr lang="en-US" dirty="0" err="1"/>
+              <a:t>www.serverless.com</a:t>
+            </a:r>
+            <a:r>
+              <a:rPr lang="en-US" dirty="0"/>
+              <a:t>/blog/serverless-python-packaging</a:t>
+            </a:r>
+          </a:p>
+          <a:p>
+            <a:endParaRPr lang="en-US" dirty="0"/>
+          </a:p>
+          <a:p>
+            <a:r>
+              <a:rPr lang="en-US" dirty="0"/>
+              <a:t>(</a:t>
+            </a:r>
+            <a:r>
+              <a:rPr lang="en-US" dirty="0" err="1"/>
+              <a:t>venv</a:t>
+            </a:r>
+            <a:r>
+              <a:rPr lang="en-US" dirty="0"/>
+              <a:t>) $ serverless deploy </a:t>
+            </a:r>
+          </a:p>
+          <a:p>
+            <a:r>
+              <a:rPr lang="en-US" sz="1200" u="none" strike="noStrike" kern="1200" dirty="0">
+                <a:solidFill>
+                  <a:schemeClr val="tx1"/>
+                </a:solidFill>
+                <a:effectLst/>
+                <a:latin typeface="+mn-lt"/>
+                <a:ea typeface="+mn-ea"/>
+                <a:cs typeface="+mn-cs"/>
+              </a:rPr>
+              <a:t>2 </a:t>
+            </a:r>
+            <a:r>
+              <a:rPr lang="en-US" dirty="0"/>
+              <a:t>Serverless: Parsing Python </a:t>
+            </a:r>
+            <a:r>
+              <a:rPr lang="en-US" dirty="0" err="1"/>
+              <a:t>requirements.txt</a:t>
+            </a:r>
+            <a:r>
+              <a:rPr lang="en-US" dirty="0"/>
+              <a:t> </a:t>
+            </a:r>
+          </a:p>
+          <a:p>
+            <a:r>
+              <a:rPr lang="en-US" sz="1200" u="none" strike="noStrike" kern="1200" dirty="0">
+                <a:solidFill>
+                  <a:schemeClr val="tx1"/>
+                </a:solidFill>
+                <a:effectLst/>
+                <a:latin typeface="+mn-lt"/>
+                <a:ea typeface="+mn-ea"/>
+                <a:cs typeface="+mn-cs"/>
+              </a:rPr>
+              <a:t>3 </a:t>
+            </a:r>
+            <a:r>
+              <a:rPr lang="en-US" dirty="0"/>
+              <a:t>Serverless: Installing required Python packages </a:t>
+            </a:r>
+            <a:r>
+              <a:rPr lang="en-US" sz="1200" kern="1200" dirty="0">
+                <a:solidFill>
+                  <a:schemeClr val="tx1"/>
+                </a:solidFill>
+                <a:effectLst/>
+                <a:latin typeface="+mn-lt"/>
+                <a:ea typeface="+mn-ea"/>
+                <a:cs typeface="+mn-cs"/>
+              </a:rPr>
+              <a:t>for</a:t>
+            </a:r>
+            <a:r>
+              <a:rPr lang="en-US" dirty="0"/>
+              <a:t> runtime python3.6... </a:t>
+            </a:r>
+          </a:p>
+          <a:p>
+            <a:r>
+              <a:rPr lang="en-US" sz="1200" u="none" strike="noStrike" kern="1200" dirty="0">
+                <a:solidFill>
+                  <a:schemeClr val="tx1"/>
+                </a:solidFill>
+                <a:effectLst/>
+                <a:latin typeface="+mn-lt"/>
+                <a:ea typeface="+mn-ea"/>
+                <a:cs typeface="+mn-cs"/>
+              </a:rPr>
+              <a:t>4 </a:t>
+            </a:r>
+            <a:r>
+              <a:rPr lang="en-US" dirty="0"/>
+              <a:t>Serverless: Docker Image: </a:t>
+            </a:r>
+            <a:r>
+              <a:rPr lang="en-US" dirty="0" err="1"/>
+              <a:t>lambci</a:t>
+            </a:r>
+            <a:r>
+              <a:rPr lang="en-US" dirty="0"/>
+              <a:t>/lambda:build-python3.6 </a:t>
+            </a:r>
+          </a:p>
+          <a:p>
+            <a:r>
+              <a:rPr lang="en-US" sz="1200" u="none" strike="noStrike" kern="1200" dirty="0">
+                <a:solidFill>
+                  <a:schemeClr val="tx1"/>
+                </a:solidFill>
+                <a:effectLst/>
+                <a:latin typeface="+mn-lt"/>
+                <a:ea typeface="+mn-ea"/>
+                <a:cs typeface="+mn-cs"/>
+              </a:rPr>
+              <a:t>5 </a:t>
+            </a:r>
+            <a:r>
+              <a:rPr lang="en-US" dirty="0"/>
+              <a:t>Serverless: Linking required Python packages..</a:t>
+            </a:r>
           </a:p>
         </p:txBody>
       </p:sp>
@@ -1006,7 +1276,7 @@
     </p:spTree>
     <p:extLst>
       <p:ext uri="{BB962C8B-B14F-4D97-AF65-F5344CB8AC3E}">
-        <p14:creationId xmlns:p14="http://schemas.microsoft.com/office/powerpoint/2010/main" val="1838331574"/>
+        <p14:creationId xmlns:p14="http://schemas.microsoft.com/office/powerpoint/2010/main" val="3353241369"/>
       </p:ext>
     </p:extLst>
   </p:cSld>
@@ -1060,18 +1330,52 @@
           <a:bodyPr/>
           <a:lstStyle/>
           <a:p>
-            <a:r>
-              <a:rPr lang="en-US" sz="1200" b="0" i="0" kern="1200" dirty="0">
-                <a:solidFill>
-                  <a:schemeClr val="tx1"/>
-                </a:solidFill>
-                <a:effectLst/>
-                <a:latin typeface="+mn-lt"/>
-                <a:ea typeface="+mn-ea"/>
-                <a:cs typeface="+mn-cs"/>
-              </a:rPr>
-              <a:t>he distribution of the ABV data is slightly right skewed, with most values falling within ~0.014 units of the mean of ~0.06.</a:t>
-            </a:r>
+            <a:pPr marL="0" marR="0" lvl="0" indent="0" algn="l" defTabSz="914400" rtl="0" eaLnBrk="1" fontAlgn="auto" latinLnBrk="0" hangingPunct="1">
+              <a:lnSpc>
+                <a:spcPct val="100000"/>
+              </a:lnSpc>
+              <a:spcBef>
+                <a:spcPts val="0"/>
+              </a:spcBef>
+              <a:spcAft>
+                <a:spcPts val="0"/>
+              </a:spcAft>
+              <a:buClrTx/>
+              <a:buSzTx/>
+              <a:buFontTx/>
+              <a:buNone/>
+              <a:tabLst/>
+              <a:defRPr/>
+            </a:pPr>
+            <a:r>
+              <a:rPr lang="en-US" i="1" dirty="0"/>
+              <a:t>2,410 US craft beers</a:t>
+            </a:r>
+          </a:p>
+          <a:p>
+            <a:pPr marL="0" marR="0" lvl="0" indent="0" algn="l" defTabSz="914400" rtl="0" eaLnBrk="1" fontAlgn="auto" latinLnBrk="0" hangingPunct="1">
+              <a:lnSpc>
+                <a:spcPct val="100000"/>
+              </a:lnSpc>
+              <a:spcBef>
+                <a:spcPts val="0"/>
+              </a:spcBef>
+              <a:spcAft>
+                <a:spcPts val="0"/>
+              </a:spcAft>
+              <a:buClrTx/>
+              <a:buSzTx/>
+              <a:buFontTx/>
+              <a:buNone/>
+              <a:tabLst/>
+              <a:defRPr/>
+            </a:pPr>
+            <a:r>
+              <a:rPr lang="en-US" i="1" dirty="0"/>
+              <a:t>558 US craft breweries</a:t>
+            </a:r>
+          </a:p>
+          <a:p>
             <a:endParaRPr lang="en-US" dirty="0"/>
           </a:p>
         </p:txBody>
@@ -1093,7 +1397,7 @@
           <a:p>
             <a:fld id="{1B0D91D7-F22D-4CDC-8F75-E7F369B9B3B7}" type="slidenum">
               <a:rPr lang="en-US" smtClean="0"/>
-              <a:t>14</a:t>
+              <a:t>16</a:t>
             </a:fld>
             <a:endParaRPr lang="en-US"/>
           </a:p>
@@ -1102,7 +1406,7 @@
     </p:spTree>
     <p:extLst>
       <p:ext uri="{BB962C8B-B14F-4D97-AF65-F5344CB8AC3E}">
-        <p14:creationId xmlns:p14="http://schemas.microsoft.com/office/powerpoint/2010/main" val="903642149"/>
+        <p14:creationId xmlns:p14="http://schemas.microsoft.com/office/powerpoint/2010/main" val="1036460107"/>
       </p:ext>
     </p:extLst>
   </p:cSld>
@@ -1166,8 +1470,24 @@
                 <a:ea typeface="+mn-ea"/>
                 <a:cs typeface="+mn-cs"/>
               </a:rPr>
-              <a:t>Roughly 67% of the variation of a beer’s IBU rating can be explained by the ABV for observations which had both attributes to review.</a:t>
-            </a:r>
+              <a:t>maximum alcoholic (ABV) beer? Colorado</a:t>
+            </a:r>
+          </a:p>
+          <a:p>
+            <a:r>
+              <a:rPr lang="en-US" sz="1200" b="0" i="0" kern="1200" dirty="0">
+                <a:solidFill>
+                  <a:schemeClr val="tx1"/>
+                </a:solidFill>
+                <a:effectLst/>
+                <a:latin typeface="+mn-lt"/>
+                <a:ea typeface="+mn-ea"/>
+                <a:cs typeface="+mn-cs"/>
+              </a:rPr>
+              <a:t>most bitter (IBU) beer? Oregon</a:t>
+            </a:r>
+          </a:p>
+          <a:p>
             <a:endParaRPr lang="en-US" dirty="0"/>
           </a:p>
         </p:txBody>
@@ -1189,7 +1509,7 @@
           <a:p>
             <a:fld id="{1B0D91D7-F22D-4CDC-8F75-E7F369B9B3B7}" type="slidenum">
               <a:rPr lang="en-US" smtClean="0"/>
-              <a:t>15</a:t>
+              <a:t>21</a:t>
             </a:fld>
             <a:endParaRPr lang="en-US"/>
           </a:p>
@@ -1198,7 +1518,7 @@
     </p:spTree>
     <p:extLst>
       <p:ext uri="{BB962C8B-B14F-4D97-AF65-F5344CB8AC3E}">
-        <p14:creationId xmlns:p14="http://schemas.microsoft.com/office/powerpoint/2010/main" val="853880690"/>
+        <p14:creationId xmlns:p14="http://schemas.microsoft.com/office/powerpoint/2010/main" val="2715228628"/>
       </p:ext>
     </p:extLst>
   </p:cSld>
@@ -1254,7 +1574,7 @@
           <a:p>
             <a:r>
               <a:rPr lang="en-US" dirty="0"/>
-              <a:t>Florida and Main in particular</a:t>
+              <a:t>This could be beneficial with the missingness of the IBU values as Alcohol by Volume could serve as a substitute.</a:t>
             </a:r>
           </a:p>
           <a:p>
@@ -1282,7 +1602,7 @@
           <a:p>
             <a:fld id="{1B0D91D7-F22D-4CDC-8F75-E7F369B9B3B7}" type="slidenum">
               <a:rPr lang="en-US" smtClean="0"/>
-              <a:t>16</a:t>
+              <a:t>22</a:t>
             </a:fld>
             <a:endParaRPr lang="en-US"/>
           </a:p>
@@ -1291,7 +1611,103 @@
     </p:spTree>
     <p:extLst>
       <p:ext uri="{BB962C8B-B14F-4D97-AF65-F5344CB8AC3E}">
-        <p14:creationId xmlns:p14="http://schemas.microsoft.com/office/powerpoint/2010/main" val="1021268098"/>
+        <p14:creationId xmlns:p14="http://schemas.microsoft.com/office/powerpoint/2010/main" val="1838331574"/>
+      </p:ext>
+    </p:extLst>
+  </p:cSld>
+  <p:clrMapOvr>
+    <a:masterClrMapping/>
+  </p:clrMapOvr>
+</p:notes>
+</file>
+
+<file path=ppt/notesSlides/notesSlide9.xml><?xml version="1.0" encoding="utf-8"?>
+<p:notes xmlns:a="http://schemas.openxmlformats.org/drawingml/2006/main" xmlns:r="http://schemas.openxmlformats.org/officeDocument/2006/relationships" xmlns:p="http://schemas.openxmlformats.org/presentationml/2006/main">
+  <p:cSld>
+    <p:spTree>
+      <p:nvGrpSpPr>
+        <p:cNvPr id="1" name=""/>
+        <p:cNvGrpSpPr/>
+        <p:nvPr/>
+      </p:nvGrpSpPr>
+      <p:grpSpPr>
+        <a:xfrm>
+          <a:off x="0" y="0"/>
+          <a:ext cx="0" cy="0"/>
+          <a:chOff x="0" y="0"/>
+          <a:chExt cx="0" cy="0"/>
+        </a:xfrm>
+      </p:grpSpPr>
+      <p:sp>
+        <p:nvSpPr>
+          <p:cNvPr id="2" name="Slide Image Placeholder 1"/>
+          <p:cNvSpPr>
+            <a:spLocks noGrp="1" noRot="1" noChangeAspect="1"/>
+          </p:cNvSpPr>
+          <p:nvPr>
+            <p:ph type="sldImg"/>
+          </p:nvPr>
+        </p:nvSpPr>
+        <p:spPr/>
+      </p:sp>
+      <p:sp>
+        <p:nvSpPr>
+          <p:cNvPr id="3" name="Notes Placeholder 2"/>
+          <p:cNvSpPr>
+            <a:spLocks noGrp="1"/>
+          </p:cNvSpPr>
+          <p:nvPr>
+            <p:ph type="body" idx="1"/>
+          </p:nvPr>
+        </p:nvSpPr>
+        <p:spPr/>
+        <p:txBody>
+          <a:bodyPr/>
+          <a:lstStyle/>
+          <a:p>
+            <a:r>
+              <a:rPr lang="en-US" sz="1200" b="0" i="0" kern="1200" dirty="0">
+                <a:solidFill>
+                  <a:schemeClr val="tx1"/>
+                </a:solidFill>
+                <a:effectLst/>
+                <a:latin typeface="+mn-lt"/>
+                <a:ea typeface="+mn-ea"/>
+                <a:cs typeface="+mn-cs"/>
+              </a:rPr>
+              <a:t>he distribution of the ABV data is slightly right skewed, with most values falling within ~0.014 units of the mean of ~0.06.</a:t>
+            </a:r>
+            <a:endParaRPr lang="en-US" dirty="0"/>
+          </a:p>
+        </p:txBody>
+      </p:sp>
+      <p:sp>
+        <p:nvSpPr>
+          <p:cNvPr id="4" name="Slide Number Placeholder 3"/>
+          <p:cNvSpPr>
+            <a:spLocks noGrp="1"/>
+          </p:cNvSpPr>
+          <p:nvPr>
+            <p:ph type="sldNum" sz="quarter" idx="5"/>
+          </p:nvPr>
+        </p:nvSpPr>
+        <p:spPr/>
+        <p:txBody>
+          <a:bodyPr/>
+          <a:lstStyle/>
+          <a:p>
+            <a:fld id="{1B0D91D7-F22D-4CDC-8F75-E7F369B9B3B7}" type="slidenum">
+              <a:rPr lang="en-US" smtClean="0"/>
+              <a:t>23</a:t>
+            </a:fld>
+            <a:endParaRPr lang="en-US"/>
+          </a:p>
+        </p:txBody>
+      </p:sp>
+    </p:spTree>
+    <p:extLst>
+      <p:ext uri="{BB962C8B-B14F-4D97-AF65-F5344CB8AC3E}">
+        <p14:creationId xmlns:p14="http://schemas.microsoft.com/office/powerpoint/2010/main" val="903642149"/>
       </p:ext>
     </p:extLst>
   </p:cSld>
@@ -3570,7 +3986,7 @@
           <a:p>
             <a:r>
               <a:rPr lang="en-US" dirty="0"/>
-              <a:t>Summary Statistics (ABV)</a:t>
+              <a:t>AWS Serverless Predication Flow</a:t>
             </a:r>
           </a:p>
         </p:txBody>
@@ -3593,26 +4009,29 @@
         </p:nvSpPr>
         <p:spPr>
           <a:xfrm>
-            <a:off x="243347" y="1555954"/>
-            <a:ext cx="8155857" cy="5014451"/>
+            <a:off x="709710" y="5767623"/>
+            <a:ext cx="8141108" cy="823900"/>
           </a:xfrm>
         </p:spPr>
         <p:txBody>
           <a:bodyPr/>
           <a:lstStyle/>
           <a:p>
-            <a:r>
-              <a:rPr lang="en-US" sz="2800" dirty="0"/>
-              <a:t>The distribution of the ABV data is slightly right skewed, with most values falling within ~0.014 units of the mean of ~0.06.</a:t>
-            </a:r>
-          </a:p>
-          <a:p>
             <a:pPr marL="0" indent="0">
               <a:buNone/>
             </a:pPr>
-            <a:endParaRPr lang="en-US" dirty="0"/>
-          </a:p>
-          <a:p>
+            <a:r>
+              <a:rPr lang="en-US" sz="2400" dirty="0"/>
+              <a:t>Serverless Framework generates cloud formation code through your project’s </a:t>
+            </a:r>
+            <a:r>
+              <a:rPr lang="en-US" sz="2400" b="1" dirty="0"/>
+              <a:t>YAML</a:t>
+            </a:r>
+            <a:r>
+              <a:rPr lang="en-US" sz="2400" dirty="0"/>
+              <a:t> file configuration.</a:t>
+            </a:r>
             <a:endParaRPr lang="en-US" dirty="0"/>
           </a:p>
           <a:p>
@@ -3649,10 +4068,10 @@
       </p:sp>
       <p:pic>
         <p:nvPicPr>
-          <p:cNvPr id="9" name="Picture 8" descr="A picture containing screenshot&#10;&#10;Description automatically generated">
+          <p:cNvPr id="4" name="Picture 3" descr="A picture containing graphical user interface, diagram&#10;&#10;Description automatically generated">
             <a:extLst>
               <a:ext uri="{FF2B5EF4-FFF2-40B4-BE49-F238E27FC236}">
-                <a16:creationId xmlns:a16="http://schemas.microsoft.com/office/drawing/2014/main" id="{A0999F5D-1C17-405E-862B-4AB0EBEBCDEA}"/>
+                <a16:creationId xmlns:a16="http://schemas.microsoft.com/office/drawing/2014/main" id="{24BB4181-4830-1B42-A19C-73A8F4A0180E}"/>
               </a:ext>
             </a:extLst>
           </p:cNvPr>
@@ -3669,38 +4088,8 @@
         </p:blipFill>
         <p:spPr>
           <a:xfrm>
-            <a:off x="433935" y="3429000"/>
-            <a:ext cx="3887340" cy="2399044"/>
-          </a:xfrm>
-          <a:prstGeom prst="rect">
-            <a:avLst/>
-          </a:prstGeom>
-        </p:spPr>
-      </p:pic>
-      <p:pic>
-        <p:nvPicPr>
-          <p:cNvPr id="3" name="Picture 2">
-            <a:extLst>
-              <a:ext uri="{FF2B5EF4-FFF2-40B4-BE49-F238E27FC236}">
-                <a16:creationId xmlns:a16="http://schemas.microsoft.com/office/drawing/2014/main" id="{5FF184EC-3AA0-4044-AC92-F9F322DAD866}"/>
-              </a:ext>
-            </a:extLst>
-          </p:cNvPr>
-          <p:cNvPicPr>
-            <a:picLocks noChangeAspect="1"/>
-          </p:cNvPicPr>
-          <p:nvPr/>
-        </p:nvPicPr>
-        <p:blipFill>
-          <a:blip r:embed="rId4"/>
-          <a:stretch>
-            <a:fillRect/>
-          </a:stretch>
-        </p:blipFill>
-        <p:spPr>
-          <a:xfrm>
-            <a:off x="5040113" y="3335257"/>
-            <a:ext cx="3359091" cy="2741452"/>
+            <a:off x="730250" y="1537611"/>
+            <a:ext cx="7683500" cy="4064000"/>
           </a:xfrm>
           <a:prstGeom prst="rect">
             <a:avLst/>
@@ -3710,7 +4099,7 @@
     </p:spTree>
     <p:extLst>
       <p:ext uri="{BB962C8B-B14F-4D97-AF65-F5344CB8AC3E}">
-        <p14:creationId xmlns:p14="http://schemas.microsoft.com/office/powerpoint/2010/main" val="3477306886"/>
+        <p14:creationId xmlns:p14="http://schemas.microsoft.com/office/powerpoint/2010/main" val="210876337"/>
       </p:ext>
     </p:extLst>
   </p:cSld>
@@ -3765,7 +4154,7 @@
           <a:p>
             <a:r>
               <a:rPr lang="en-US" dirty="0"/>
-              <a:t>IBU to ABV Relationship</a:t>
+              <a:t>Serverless Framework</a:t>
             </a:r>
           </a:p>
         </p:txBody>
@@ -3788,8 +4177,8 @@
         </p:nvSpPr>
         <p:spPr>
           <a:xfrm>
-            <a:off x="737419" y="5036573"/>
-            <a:ext cx="8141108" cy="1526458"/>
+            <a:off x="243347" y="1555954"/>
+            <a:ext cx="8155857" cy="5014451"/>
           </a:xfrm>
         </p:spPr>
         <p:txBody>
@@ -3797,9 +4186,47 @@
           <a:lstStyle/>
           <a:p>
             <a:r>
-              <a:rPr lang="en-US" sz="2400" dirty="0"/>
-              <a:t>There appears to be a linear relationship between a beer's International Bitterness Units (IBU) and the Alcohol by Volume (ABV).  The stronger a beer is, the more likely it is to rate higher on the bitterness scale.</a:t>
-            </a:r>
+              <a:rPr lang="en-US" sz="2800" dirty="0"/>
+              <a:t>Open-source framework built with </a:t>
+            </a:r>
+            <a:r>
+              <a:rPr lang="en-US" sz="2800" b="1" dirty="0"/>
+              <a:t>Node.js </a:t>
+            </a:r>
+            <a:r>
+              <a:rPr lang="en-US" sz="2800" dirty="0"/>
+              <a:t>(supports a </a:t>
+            </a:r>
+            <a:r>
+              <a:rPr lang="en-US" sz="2800" b="1" dirty="0"/>
+              <a:t>variety</a:t>
+            </a:r>
+            <a:r>
+              <a:rPr lang="en-US" sz="2800" dirty="0"/>
+              <a:t> of </a:t>
+            </a:r>
+            <a:r>
+              <a:rPr lang="en-US" sz="2800" b="1" dirty="0"/>
+              <a:t>cloud platforms </a:t>
+            </a:r>
+            <a:r>
+              <a:rPr lang="en-US" sz="2800" dirty="0"/>
+              <a:t>and </a:t>
+            </a:r>
+            <a:r>
+              <a:rPr lang="en-US" sz="2800" b="1" dirty="0"/>
+              <a:t>programming languages</a:t>
+            </a:r>
+            <a:r>
+              <a:rPr lang="en-US" sz="2800" dirty="0"/>
+              <a:t>)</a:t>
+            </a:r>
+          </a:p>
+          <a:p>
+            <a:pPr marL="0" indent="0">
+              <a:buNone/>
+            </a:pPr>
+            <a:endParaRPr lang="en-US" dirty="0"/>
           </a:p>
           <a:p>
             <a:endParaRPr lang="en-US" dirty="0"/>
@@ -3838,10 +4265,10 @@
       </p:sp>
       <p:pic>
         <p:nvPicPr>
-          <p:cNvPr id="8" name="Picture 7">
+          <p:cNvPr id="10" name="Picture 9">
             <a:extLst>
               <a:ext uri="{FF2B5EF4-FFF2-40B4-BE49-F238E27FC236}">
-                <a16:creationId xmlns:a16="http://schemas.microsoft.com/office/drawing/2014/main" id="{69A0AA06-1A5F-4EE3-8121-1990C58712D3}"/>
+                <a16:creationId xmlns:a16="http://schemas.microsoft.com/office/drawing/2014/main" id="{684AEE9B-6E6E-7544-89C7-464335EA3841}"/>
               </a:ext>
             </a:extLst>
           </p:cNvPr>
@@ -3858,8 +4285,38 @@
         </p:blipFill>
         <p:spPr>
           <a:xfrm>
-            <a:off x="1680778" y="1468291"/>
-            <a:ext cx="5782443" cy="3575657"/>
+            <a:off x="5100930" y="3429000"/>
+            <a:ext cx="3413802" cy="2662336"/>
+          </a:xfrm>
+          <a:prstGeom prst="rect">
+            <a:avLst/>
+          </a:prstGeom>
+        </p:spPr>
+      </p:pic>
+      <p:pic>
+        <p:nvPicPr>
+          <p:cNvPr id="11" name="Picture 10">
+            <a:extLst>
+              <a:ext uri="{FF2B5EF4-FFF2-40B4-BE49-F238E27FC236}">
+                <a16:creationId xmlns:a16="http://schemas.microsoft.com/office/drawing/2014/main" id="{DAD9CDF4-5D64-764C-9985-1A4E768DD5ED}"/>
+              </a:ext>
+            </a:extLst>
+          </p:cNvPr>
+          <p:cNvPicPr>
+            <a:picLocks noChangeAspect="1"/>
+          </p:cNvPicPr>
+          <p:nvPr/>
+        </p:nvPicPr>
+        <p:blipFill>
+          <a:blip r:embed="rId4"/>
+          <a:stretch>
+            <a:fillRect/>
+          </a:stretch>
+        </p:blipFill>
+        <p:spPr>
+          <a:xfrm>
+            <a:off x="360071" y="3452068"/>
+            <a:ext cx="3683000" cy="2616200"/>
           </a:xfrm>
           <a:prstGeom prst="rect">
             <a:avLst/>
@@ -3869,7 +4326,7 @@
     </p:spTree>
     <p:extLst>
       <p:ext uri="{BB962C8B-B14F-4D97-AF65-F5344CB8AC3E}">
-        <p14:creationId xmlns:p14="http://schemas.microsoft.com/office/powerpoint/2010/main" val="210876337"/>
+        <p14:creationId xmlns:p14="http://schemas.microsoft.com/office/powerpoint/2010/main" val="3477306886"/>
       </p:ext>
     </p:extLst>
   </p:cSld>
@@ -3922,13 +4379,9 @@
           <a:bodyPr/>
           <a:lstStyle/>
           <a:p>
-            <a:pPr marL="285750" indent="-285750">
-              <a:buFont typeface="Arial" charset="0"/>
-              <a:buChar char="•"/>
-            </a:pPr>
             <a:r>
               <a:rPr lang="en-US" dirty="0"/>
-              <a:t>IPAs and other types of Ale </a:t>
+              <a:t>Local Setup and Validation</a:t>
             </a:r>
           </a:p>
         </p:txBody>
@@ -3951,8 +4404,8 @@
         </p:nvSpPr>
         <p:spPr>
           <a:xfrm>
-            <a:off x="665543" y="2046237"/>
-            <a:ext cx="8229600" cy="1296458"/>
+            <a:off x="501446" y="1895155"/>
+            <a:ext cx="8141108" cy="889665"/>
           </a:xfrm>
         </p:spPr>
         <p:txBody>
@@ -3960,9 +4413,78 @@
           <a:lstStyle/>
           <a:p>
             <a:r>
-              <a:rPr lang="en-US" dirty="0"/>
-              <a:t>IPA Style beers make up almost ¼ of all beers contained in this study</a:t>
-            </a:r>
+              <a:rPr lang="en-US" sz="2400" dirty="0"/>
+              <a:t>The </a:t>
+            </a:r>
+            <a:r>
+              <a:rPr lang="en-US" sz="2400" b="1" dirty="0" err="1"/>
+              <a:t>sls</a:t>
+            </a:r>
+            <a:r>
+              <a:rPr lang="en-US" sz="2400" b="1" dirty="0"/>
+              <a:t> invoke </a:t>
+            </a:r>
+            <a:r>
+              <a:rPr lang="en-US" sz="2400" dirty="0"/>
+              <a:t>command allows you to </a:t>
+            </a:r>
+            <a:r>
+              <a:rPr lang="en-US" sz="2400" b="1" dirty="0"/>
+              <a:t>test</a:t>
+            </a:r>
+            <a:r>
+              <a:rPr lang="en-US" sz="2400" dirty="0"/>
+              <a:t> the solution </a:t>
+            </a:r>
+            <a:r>
+              <a:rPr lang="en-US" sz="2400" b="1" dirty="0"/>
+              <a:t>locally</a:t>
+            </a:r>
+            <a:r>
+              <a:rPr lang="en-US" sz="2400" dirty="0"/>
+              <a:t> (</a:t>
+            </a:r>
+            <a:r>
+              <a:rPr lang="en-US" sz="2400" dirty="0" err="1"/>
+              <a:t>sls</a:t>
+            </a:r>
+            <a:r>
+              <a:rPr lang="en-US" sz="2400" dirty="0"/>
+              <a:t> is an alias for serverless)</a:t>
+            </a:r>
+          </a:p>
+          <a:p>
+            <a:r>
+              <a:rPr lang="en-US" sz="2400" dirty="0"/>
+              <a:t>As software can change with upgrades, </a:t>
+            </a:r>
+            <a:r>
+              <a:rPr lang="en-US" sz="2400" b="1" dirty="0"/>
+              <a:t>lock</a:t>
+            </a:r>
+            <a:r>
+              <a:rPr lang="en-US" sz="2400" dirty="0"/>
+              <a:t> in your </a:t>
+            </a:r>
+            <a:r>
+              <a:rPr lang="en-US" sz="2400" b="1" dirty="0"/>
+              <a:t>versions</a:t>
+            </a:r>
+            <a:r>
+              <a:rPr lang="en-US" sz="2400" dirty="0"/>
+              <a:t> for </a:t>
+            </a:r>
+            <a:r>
+              <a:rPr lang="en-US" sz="2400" b="1" dirty="0"/>
+              <a:t>reproducibility</a:t>
+            </a:r>
+            <a:endParaRPr lang="en-US" sz="2400" dirty="0"/>
+          </a:p>
+          <a:p>
+            <a:pPr marL="0" indent="0">
+              <a:buNone/>
+            </a:pPr>
+            <a:endParaRPr lang="en-US" sz="2400" dirty="0"/>
           </a:p>
           <a:p>
             <a:endParaRPr lang="en-US" dirty="0"/>
@@ -3986,22 +4508,25 @@
             <a:endParaRPr lang="en-US" sz="1600" i="1" dirty="0"/>
           </a:p>
           <a:p>
-            <a:endParaRPr lang="en-US" dirty="0"/>
-          </a:p>
-          <a:p>
             <a:pPr marL="0" indent="0">
               <a:buNone/>
             </a:pPr>
             <a:endParaRPr lang="en-US" dirty="0"/>
           </a:p>
+          <a:p>
+            <a:pPr marL="0" indent="0">
+              <a:buNone/>
+            </a:pPr>
+            <a:endParaRPr lang="en-US" dirty="0"/>
+          </a:p>
         </p:txBody>
       </p:sp>
       <p:pic>
         <p:nvPicPr>
-          <p:cNvPr id="6" name="Picture 5">
+          <p:cNvPr id="6" name="Picture 5" descr="A picture containing text&#10;&#10;Description automatically generated">
             <a:extLst>
               <a:ext uri="{FF2B5EF4-FFF2-40B4-BE49-F238E27FC236}">
-                <a16:creationId xmlns:a16="http://schemas.microsoft.com/office/drawing/2014/main" id="{1CEF3823-0ACF-44F0-A96E-712967F10882}"/>
+                <a16:creationId xmlns:a16="http://schemas.microsoft.com/office/drawing/2014/main" id="{CECC14ED-8D1E-F546-BAD9-F8F9F1237470}"/>
               </a:ext>
             </a:extLst>
           </p:cNvPr>
@@ -4011,15 +4536,15 @@
           <p:nvPr/>
         </p:nvPicPr>
         <p:blipFill>
-          <a:blip r:embed="rId2"/>
+          <a:blip r:embed="rId3"/>
           <a:stretch>
             <a:fillRect/>
           </a:stretch>
         </p:blipFill>
         <p:spPr>
           <a:xfrm>
-            <a:off x="548593" y="3759384"/>
-            <a:ext cx="8463499" cy="1296458"/>
+            <a:off x="103909" y="4073181"/>
+            <a:ext cx="8936182" cy="1929048"/>
           </a:xfrm>
           <a:prstGeom prst="rect">
             <a:avLst/>
@@ -4029,7 +4554,7 @@
     </p:spTree>
     <p:extLst>
       <p:ext uri="{BB962C8B-B14F-4D97-AF65-F5344CB8AC3E}">
-        <p14:creationId xmlns:p14="http://schemas.microsoft.com/office/powerpoint/2010/main" val="183723319"/>
+        <p14:creationId xmlns:p14="http://schemas.microsoft.com/office/powerpoint/2010/main" val="1289980205"/>
       </p:ext>
     </p:extLst>
   </p:cSld>
@@ -4084,80 +4609,17 @@
           <a:p>
             <a:r>
               <a:rPr lang="en-US" dirty="0"/>
-              <a:t>ABV and IBU Comparisons</a:t>
+              <a:t>Build Dependencies with Docker</a:t>
             </a:r>
           </a:p>
         </p:txBody>
       </p:sp>
-      <p:sp>
-        <p:nvSpPr>
-          <p:cNvPr id="5" name="Content Placeholder 4">
+      <p:pic>
+        <p:nvPicPr>
+          <p:cNvPr id="3" name="Picture 2">
             <a:extLst>
               <a:ext uri="{FF2B5EF4-FFF2-40B4-BE49-F238E27FC236}">
-                <a16:creationId xmlns:a16="http://schemas.microsoft.com/office/drawing/2014/main" id="{375CDB98-7F05-41AD-9F29-81E3D0CFBEFF}"/>
-              </a:ext>
-            </a:extLst>
-          </p:cNvPr>
-          <p:cNvSpPr>
-            <a:spLocks noGrp="1"/>
-          </p:cNvSpPr>
-          <p:nvPr>
-            <p:ph idx="1"/>
-          </p:nvPr>
-        </p:nvSpPr>
-        <p:spPr>
-          <a:xfrm>
-            <a:off x="457199" y="1627905"/>
-            <a:ext cx="8229600" cy="4854011"/>
-          </a:xfrm>
-        </p:spPr>
-        <p:txBody>
-          <a:bodyPr/>
-          <a:lstStyle/>
-          <a:p>
-            <a:r>
-              <a:rPr lang="en-US" dirty="0"/>
-              <a:t>The ABU and IBV data show similarities in spread/ variance</a:t>
-            </a:r>
-          </a:p>
-          <a:p>
-            <a:endParaRPr lang="en-US" dirty="0"/>
-          </a:p>
-          <a:p>
-            <a:endParaRPr lang="en-US" dirty="0"/>
-          </a:p>
-          <a:p>
-            <a:endParaRPr lang="en-US" dirty="0"/>
-          </a:p>
-          <a:p>
-            <a:endParaRPr lang="en-US" dirty="0"/>
-          </a:p>
-          <a:p>
-            <a:endParaRPr lang="en-US" dirty="0"/>
-          </a:p>
-          <a:p>
-            <a:pPr marL="0" indent="0">
-              <a:buNone/>
-            </a:pPr>
-            <a:endParaRPr lang="en-US" sz="1600" i="1" dirty="0"/>
-          </a:p>
-          <a:p>
-            <a:endParaRPr lang="en-US" dirty="0"/>
-          </a:p>
-          <a:p>
-            <a:pPr marL="0" indent="0">
-              <a:buNone/>
-            </a:pPr>
-            <a:endParaRPr lang="en-US" dirty="0"/>
-          </a:p>
-        </p:txBody>
-      </p:sp>
-      <p:pic>
-        <p:nvPicPr>
-          <p:cNvPr id="6" name="Picture 5">
-            <a:extLst>
-              <a:ext uri="{FF2B5EF4-FFF2-40B4-BE49-F238E27FC236}">
-                <a16:creationId xmlns:a16="http://schemas.microsoft.com/office/drawing/2014/main" id="{60AAC40B-54E0-4C58-A5D8-E029F4AC17D3}"/>
+                <a16:creationId xmlns:a16="http://schemas.microsoft.com/office/drawing/2014/main" id="{68D5A061-98E6-F94B-A7C4-61B60B1A63A4}"/>
               </a:ext>
             </a:extLst>
           </p:cNvPr>
@@ -4174,48 +4636,239 @@
         </p:blipFill>
         <p:spPr>
           <a:xfrm>
-            <a:off x="146236" y="2860127"/>
-            <a:ext cx="4197868" cy="3517524"/>
+            <a:off x="1123949" y="1732263"/>
+            <a:ext cx="6896100" cy="2743200"/>
           </a:xfrm>
           <a:prstGeom prst="rect">
             <a:avLst/>
           </a:prstGeom>
         </p:spPr>
       </p:pic>
-      <p:pic>
-        <p:nvPicPr>
-          <p:cNvPr id="7" name="Picture 6">
+      <p:sp>
+        <p:nvSpPr>
+          <p:cNvPr id="9" name="Content Placeholder 4">
             <a:extLst>
               <a:ext uri="{FF2B5EF4-FFF2-40B4-BE49-F238E27FC236}">
-                <a16:creationId xmlns:a16="http://schemas.microsoft.com/office/drawing/2014/main" id="{37A11D5E-512A-49AC-A7C8-282913FA3E42}"/>
+                <a16:creationId xmlns:a16="http://schemas.microsoft.com/office/drawing/2014/main" id="{D860023B-35AA-3440-BA9D-E13E63CED282}"/>
               </a:ext>
             </a:extLst>
           </p:cNvPr>
-          <p:cNvPicPr>
-            <a:picLocks noChangeAspect="1"/>
-          </p:cNvPicPr>
+          <p:cNvSpPr txBox="1">
+            <a:spLocks/>
+          </p:cNvSpPr>
           <p:nvPr/>
-        </p:nvPicPr>
-        <p:blipFill>
-          <a:blip r:embed="rId4"/>
-          <a:stretch>
-            <a:fillRect/>
-          </a:stretch>
-        </p:blipFill>
+        </p:nvSpPr>
         <p:spPr>
           <a:xfrm>
-            <a:off x="4655067" y="2860127"/>
-            <a:ext cx="4187529" cy="3517524"/>
+            <a:off x="486250" y="4836126"/>
+            <a:ext cx="8171499" cy="1696292"/>
           </a:xfrm>
           <a:prstGeom prst="rect">
             <a:avLst/>
           </a:prstGeom>
         </p:spPr>
-      </p:pic>
+        <p:txBody>
+          <a:bodyPr vert="horz" lIns="91440" tIns="45720" rIns="91440" bIns="45720" rtlCol="0">
+            <a:noAutofit/>
+          </a:bodyPr>
+          <a:lstStyle>
+            <a:lvl1pPr marL="342900" indent="-342900" algn="l" defTabSz="914400" rtl="0" eaLnBrk="1" latinLnBrk="0" hangingPunct="1">
+              <a:spcBef>
+                <a:spcPts val="600"/>
+              </a:spcBef>
+              <a:buFont typeface="Arial" charset="0"/>
+              <a:buChar char="•"/>
+              <a:defRPr sz="3200" kern="1200">
+                <a:solidFill>
+                  <a:schemeClr val="tx1"/>
+                </a:solidFill>
+                <a:latin typeface="+mn-lt"/>
+                <a:ea typeface="+mn-ea"/>
+                <a:cs typeface="+mn-cs"/>
+              </a:defRPr>
+            </a:lvl1pPr>
+            <a:lvl2pPr marL="742950" indent="-285750" algn="l" defTabSz="914400" rtl="0" eaLnBrk="1" latinLnBrk="0" hangingPunct="1">
+              <a:spcBef>
+                <a:spcPts val="600"/>
+              </a:spcBef>
+              <a:buFont typeface="Arial" charset="0"/>
+              <a:buChar char="•"/>
+              <a:defRPr sz="2800" b="0" i="0" u="none" kern="1200">
+                <a:solidFill>
+                  <a:schemeClr val="tx1"/>
+                </a:solidFill>
+                <a:latin typeface="+mn-lt"/>
+                <a:ea typeface="+mn-ea"/>
+                <a:cs typeface="+mn-cs"/>
+              </a:defRPr>
+            </a:lvl2pPr>
+            <a:lvl3pPr marL="1143000" indent="-228600" algn="l" defTabSz="914400" rtl="0" eaLnBrk="1" latinLnBrk="0" hangingPunct="1">
+              <a:spcBef>
+                <a:spcPts val="600"/>
+              </a:spcBef>
+              <a:buFont typeface="Arial" charset="0"/>
+              <a:buChar char="•"/>
+              <a:defRPr sz="2400" kern="1200">
+                <a:solidFill>
+                  <a:schemeClr val="tx1"/>
+                </a:solidFill>
+                <a:latin typeface="+mn-lt"/>
+                <a:ea typeface="+mn-ea"/>
+                <a:cs typeface="+mn-cs"/>
+              </a:defRPr>
+            </a:lvl3pPr>
+            <a:lvl4pPr marL="1600200" indent="-228600" algn="l" defTabSz="914400" rtl="0" eaLnBrk="1" latinLnBrk="0" hangingPunct="1">
+              <a:spcBef>
+                <a:spcPts val="600"/>
+              </a:spcBef>
+              <a:buFont typeface="Arial" charset="0"/>
+              <a:buChar char="•"/>
+              <a:defRPr sz="2000" kern="1200">
+                <a:solidFill>
+                  <a:schemeClr val="tx1"/>
+                </a:solidFill>
+                <a:latin typeface="+mn-lt"/>
+                <a:ea typeface="+mn-ea"/>
+                <a:cs typeface="+mn-cs"/>
+              </a:defRPr>
+            </a:lvl4pPr>
+            <a:lvl5pPr marL="2057400" indent="-228600" algn="l" defTabSz="914400" rtl="0" eaLnBrk="1" latinLnBrk="0" hangingPunct="1">
+              <a:spcBef>
+                <a:spcPts val="600"/>
+              </a:spcBef>
+              <a:buFont typeface="Arial" charset="0"/>
+              <a:buChar char="•"/>
+              <a:defRPr sz="2000" kern="1200">
+                <a:solidFill>
+                  <a:schemeClr val="tx1"/>
+                </a:solidFill>
+                <a:latin typeface="+mn-lt"/>
+                <a:ea typeface="+mn-ea"/>
+                <a:cs typeface="+mn-cs"/>
+              </a:defRPr>
+            </a:lvl5pPr>
+            <a:lvl6pPr marL="2514600" indent="-228600" algn="l" defTabSz="914400" rtl="0" eaLnBrk="1" latinLnBrk="0" hangingPunct="1">
+              <a:spcBef>
+                <a:spcPct val="20000"/>
+              </a:spcBef>
+              <a:buFont typeface="Arial" panose="020B0604020202020204" pitchFamily="34" charset="0"/>
+              <a:buChar char="•"/>
+              <a:defRPr sz="2000" kern="1200">
+                <a:solidFill>
+                  <a:schemeClr val="tx1"/>
+                </a:solidFill>
+                <a:latin typeface="+mn-lt"/>
+                <a:ea typeface="+mn-ea"/>
+                <a:cs typeface="+mn-cs"/>
+              </a:defRPr>
+            </a:lvl6pPr>
+            <a:lvl7pPr marL="2971800" indent="-228600" algn="l" defTabSz="914400" rtl="0" eaLnBrk="1" latinLnBrk="0" hangingPunct="1">
+              <a:spcBef>
+                <a:spcPct val="20000"/>
+              </a:spcBef>
+              <a:buFont typeface="Arial" panose="020B0604020202020204" pitchFamily="34" charset="0"/>
+              <a:buChar char="•"/>
+              <a:defRPr sz="2000" kern="1200">
+                <a:solidFill>
+                  <a:schemeClr val="tx1"/>
+                </a:solidFill>
+                <a:latin typeface="+mn-lt"/>
+                <a:ea typeface="+mn-ea"/>
+                <a:cs typeface="+mn-cs"/>
+              </a:defRPr>
+            </a:lvl7pPr>
+            <a:lvl8pPr marL="3429000" indent="-228600" algn="l" defTabSz="914400" rtl="0" eaLnBrk="1" latinLnBrk="0" hangingPunct="1">
+              <a:spcBef>
+                <a:spcPct val="20000"/>
+              </a:spcBef>
+              <a:buFont typeface="Arial" panose="020B0604020202020204" pitchFamily="34" charset="0"/>
+              <a:buChar char="•"/>
+              <a:defRPr sz="2000" kern="1200">
+                <a:solidFill>
+                  <a:schemeClr val="tx1"/>
+                </a:solidFill>
+                <a:latin typeface="+mn-lt"/>
+                <a:ea typeface="+mn-ea"/>
+                <a:cs typeface="+mn-cs"/>
+              </a:defRPr>
+            </a:lvl8pPr>
+            <a:lvl9pPr marL="3886200" indent="-228600" algn="l" defTabSz="914400" rtl="0" eaLnBrk="1" latinLnBrk="0" hangingPunct="1">
+              <a:spcBef>
+                <a:spcPct val="20000"/>
+              </a:spcBef>
+              <a:buFont typeface="Arial" panose="020B0604020202020204" pitchFamily="34" charset="0"/>
+              <a:buChar char="•"/>
+              <a:defRPr sz="2000" kern="1200">
+                <a:solidFill>
+                  <a:schemeClr val="tx1"/>
+                </a:solidFill>
+                <a:latin typeface="+mn-lt"/>
+                <a:ea typeface="+mn-ea"/>
+                <a:cs typeface="+mn-cs"/>
+              </a:defRPr>
+            </a:lvl9pPr>
+          </a:lstStyle>
+          <a:p>
+            <a:pPr marL="0" indent="0">
+              <a:buNone/>
+            </a:pPr>
+            <a:r>
+              <a:rPr lang="en-US" sz="2400" dirty="0"/>
+              <a:t>A sandbox environment that is almost identical to the one set up in AWS Lambda (libraries, environment variables, etc..)</a:t>
+            </a:r>
+          </a:p>
+          <a:p>
+            <a:pPr marL="0" indent="0" algn="ctr">
+              <a:buNone/>
+            </a:pPr>
+            <a:r>
+              <a:rPr lang="en-US" sz="2400" dirty="0">
+                <a:hlinkClick r:id="rId4"/>
+              </a:rPr>
+              <a:t>https://github.com/lambci/docker-lambda</a:t>
+            </a:r>
+            <a:r>
+              <a:rPr lang="en-US" sz="2400" dirty="0"/>
+              <a:t>	 </a:t>
+            </a:r>
+            <a:endParaRPr lang="en-US" dirty="0"/>
+          </a:p>
+          <a:p>
+            <a:pPr marL="0" indent="0">
+              <a:buNone/>
+            </a:pPr>
+            <a:endParaRPr lang="en-US" dirty="0"/>
+          </a:p>
+          <a:p>
+            <a:endParaRPr lang="en-US" dirty="0"/>
+          </a:p>
+          <a:p>
+            <a:pPr marL="0" indent="0">
+              <a:buFont typeface="Arial" charset="0"/>
+              <a:buNone/>
+            </a:pPr>
+            <a:endParaRPr lang="en-US" sz="1600" i="1" dirty="0"/>
+          </a:p>
+          <a:p>
+            <a:pPr marL="0" indent="0">
+              <a:buFont typeface="Arial" charset="0"/>
+              <a:buNone/>
+            </a:pPr>
+            <a:endParaRPr lang="en-US" dirty="0"/>
+          </a:p>
+          <a:p>
+            <a:pPr marL="0" indent="0">
+              <a:buFont typeface="Arial" charset="0"/>
+              <a:buNone/>
+            </a:pPr>
+            <a:endParaRPr lang="en-US" dirty="0"/>
+          </a:p>
+        </p:txBody>
+      </p:sp>
     </p:spTree>
     <p:extLst>
       <p:ext uri="{BB962C8B-B14F-4D97-AF65-F5344CB8AC3E}">
-        <p14:creationId xmlns:p14="http://schemas.microsoft.com/office/powerpoint/2010/main" val="147759718"/>
+        <p14:creationId xmlns:p14="http://schemas.microsoft.com/office/powerpoint/2010/main" val="183723319"/>
       </p:ext>
     </p:extLst>
   </p:cSld>
@@ -4247,1649 +4900,6 @@
           <p:cNvPr id="2" name="Title 1">
             <a:extLst>
               <a:ext uri="{FF2B5EF4-FFF2-40B4-BE49-F238E27FC236}">
-                <a16:creationId xmlns:a16="http://schemas.microsoft.com/office/drawing/2014/main" id="{5B931770-76C9-F749-9B7D-08A4A1F13896}"/>
-              </a:ext>
-            </a:extLst>
-          </p:cNvPr>
-          <p:cNvSpPr>
-            <a:spLocks noGrp="1"/>
-          </p:cNvSpPr>
-          <p:nvPr>
-            <p:ph type="title"/>
-          </p:nvPr>
-        </p:nvSpPr>
-        <p:spPr>
-          <a:xfrm>
-            <a:off x="0" y="228600"/>
-            <a:ext cx="9144000" cy="1143000"/>
-          </a:xfrm>
-        </p:spPr>
-        <p:txBody>
-          <a:bodyPr/>
-          <a:lstStyle/>
-          <a:p>
-            <a:r>
-              <a:rPr lang="en-US" dirty="0"/>
-              <a:t>Beer Style Predictions</a:t>
-            </a:r>
-          </a:p>
-        </p:txBody>
-      </p:sp>
-      <p:sp>
-        <p:nvSpPr>
-          <p:cNvPr id="5" name="Content Placeholder 4">
-            <a:extLst>
-              <a:ext uri="{FF2B5EF4-FFF2-40B4-BE49-F238E27FC236}">
-                <a16:creationId xmlns:a16="http://schemas.microsoft.com/office/drawing/2014/main" id="{375CDB98-7F05-41AD-9F29-81E3D0CFBEFF}"/>
-              </a:ext>
-            </a:extLst>
-          </p:cNvPr>
-          <p:cNvSpPr>
-            <a:spLocks noGrp="1"/>
-          </p:cNvSpPr>
-          <p:nvPr>
-            <p:ph idx="1"/>
-          </p:nvPr>
-        </p:nvSpPr>
-        <p:spPr>
-          <a:xfrm>
-            <a:off x="243347" y="1555954"/>
-            <a:ext cx="8155857" cy="5014451"/>
-          </a:xfrm>
-        </p:spPr>
-        <p:txBody>
-          <a:bodyPr/>
-          <a:lstStyle/>
-          <a:p>
-            <a:r>
-              <a:rPr lang="en-US" sz="2800" dirty="0"/>
-              <a:t>ABV and IBU served as good predictors of a beer’s style</a:t>
-            </a:r>
-          </a:p>
-          <a:p>
-            <a:pPr marL="0" indent="0">
-              <a:buNone/>
-            </a:pPr>
-            <a:endParaRPr lang="en-US" dirty="0"/>
-          </a:p>
-          <a:p>
-            <a:endParaRPr lang="en-US" dirty="0"/>
-          </a:p>
-          <a:p>
-            <a:endParaRPr lang="en-US" dirty="0"/>
-          </a:p>
-          <a:p>
-            <a:endParaRPr lang="en-US" dirty="0"/>
-          </a:p>
-          <a:p>
-            <a:endParaRPr lang="en-US" dirty="0"/>
-          </a:p>
-          <a:p>
-            <a:endParaRPr lang="en-US" dirty="0"/>
-          </a:p>
-          <a:p>
-            <a:pPr marL="0" indent="0">
-              <a:buNone/>
-            </a:pPr>
-            <a:endParaRPr lang="en-US" sz="1600" i="1" dirty="0"/>
-          </a:p>
-          <a:p>
-            <a:pPr marL="0" indent="0">
-              <a:buNone/>
-            </a:pPr>
-            <a:endParaRPr lang="en-US" dirty="0"/>
-          </a:p>
-          <a:p>
-            <a:pPr marL="0" indent="0">
-              <a:buNone/>
-            </a:pPr>
-            <a:endParaRPr lang="en-US" dirty="0"/>
-          </a:p>
-        </p:txBody>
-      </p:sp>
-      <p:pic>
-        <p:nvPicPr>
-          <p:cNvPr id="3" name="Picture 2">
-            <a:extLst>
-              <a:ext uri="{FF2B5EF4-FFF2-40B4-BE49-F238E27FC236}">
-                <a16:creationId xmlns:a16="http://schemas.microsoft.com/office/drawing/2014/main" id="{077B3C9D-2A2B-443B-B3CC-FA13AE7F280E}"/>
-              </a:ext>
-            </a:extLst>
-          </p:cNvPr>
-          <p:cNvPicPr>
-            <a:picLocks noChangeAspect="1"/>
-          </p:cNvPicPr>
-          <p:nvPr/>
-        </p:nvPicPr>
-        <p:blipFill>
-          <a:blip r:embed="rId3"/>
-          <a:stretch>
-            <a:fillRect/>
-          </a:stretch>
-        </p:blipFill>
-        <p:spPr>
-          <a:xfrm>
-            <a:off x="5604070" y="2708056"/>
-            <a:ext cx="2493356" cy="3666700"/>
-          </a:xfrm>
-          <a:prstGeom prst="rect">
-            <a:avLst/>
-          </a:prstGeom>
-        </p:spPr>
-      </p:pic>
-      <p:pic>
-        <p:nvPicPr>
-          <p:cNvPr id="7" name="Picture 6">
-            <a:extLst>
-              <a:ext uri="{FF2B5EF4-FFF2-40B4-BE49-F238E27FC236}">
-                <a16:creationId xmlns:a16="http://schemas.microsoft.com/office/drawing/2014/main" id="{62552021-6B49-4D83-AD44-4791A7C5502D}"/>
-              </a:ext>
-            </a:extLst>
-          </p:cNvPr>
-          <p:cNvPicPr>
-            <a:picLocks noChangeAspect="1"/>
-          </p:cNvPicPr>
-          <p:nvPr/>
-        </p:nvPicPr>
-        <p:blipFill>
-          <a:blip r:embed="rId4"/>
-          <a:stretch>
-            <a:fillRect/>
-          </a:stretch>
-        </p:blipFill>
-        <p:spPr>
-          <a:xfrm>
-            <a:off x="243347" y="2708056"/>
-            <a:ext cx="5058945" cy="3565421"/>
-          </a:xfrm>
-          <a:prstGeom prst="rect">
-            <a:avLst/>
-          </a:prstGeom>
-        </p:spPr>
-      </p:pic>
-    </p:spTree>
-    <p:extLst>
-      <p:ext uri="{BB962C8B-B14F-4D97-AF65-F5344CB8AC3E}">
-        <p14:creationId xmlns:p14="http://schemas.microsoft.com/office/powerpoint/2010/main" val="1044861800"/>
-      </p:ext>
-    </p:extLst>
-  </p:cSld>
-  <p:clrMapOvr>
-    <a:masterClrMapping/>
-  </p:clrMapOvr>
-</p:sld>
-</file>
-
-<file path=ppt/slides/slide15.xml><?xml version="1.0" encoding="utf-8"?>
-<p:sld xmlns:a="http://schemas.openxmlformats.org/drawingml/2006/main" xmlns:r="http://schemas.openxmlformats.org/officeDocument/2006/relationships" xmlns:p="http://schemas.openxmlformats.org/presentationml/2006/main">
-  <p:cSld>
-    <p:spTree>
-      <p:nvGrpSpPr>
-        <p:cNvPr id="1" name=""/>
-        <p:cNvGrpSpPr/>
-        <p:nvPr/>
-      </p:nvGrpSpPr>
-      <p:grpSpPr>
-        <a:xfrm>
-          <a:off x="0" y="0"/>
-          <a:ext cx="0" cy="0"/>
-          <a:chOff x="0" y="0"/>
-          <a:chExt cx="0" cy="0"/>
-        </a:xfrm>
-      </p:grpSpPr>
-      <p:sp>
-        <p:nvSpPr>
-          <p:cNvPr id="2" name="Title 1">
-            <a:extLst>
-              <a:ext uri="{FF2B5EF4-FFF2-40B4-BE49-F238E27FC236}">
-                <a16:creationId xmlns:a16="http://schemas.microsoft.com/office/drawing/2014/main" id="{5B931770-76C9-F749-9B7D-08A4A1F13896}"/>
-              </a:ext>
-            </a:extLst>
-          </p:cNvPr>
-          <p:cNvSpPr>
-            <a:spLocks noGrp="1"/>
-          </p:cNvSpPr>
-          <p:nvPr>
-            <p:ph type="title"/>
-          </p:nvPr>
-        </p:nvSpPr>
-        <p:spPr>
-          <a:xfrm>
-            <a:off x="0" y="228600"/>
-            <a:ext cx="9144000" cy="1143000"/>
-          </a:xfrm>
-        </p:spPr>
-        <p:txBody>
-          <a:bodyPr/>
-          <a:lstStyle/>
-          <a:p>
-            <a:r>
-              <a:rPr lang="en-US" dirty="0"/>
-              <a:t>IBU Concentration</a:t>
-            </a:r>
-          </a:p>
-        </p:txBody>
-      </p:sp>
-      <p:sp>
-        <p:nvSpPr>
-          <p:cNvPr id="5" name="Content Placeholder 4">
-            <a:extLst>
-              <a:ext uri="{FF2B5EF4-FFF2-40B4-BE49-F238E27FC236}">
-                <a16:creationId xmlns:a16="http://schemas.microsoft.com/office/drawing/2014/main" id="{375CDB98-7F05-41AD-9F29-81E3D0CFBEFF}"/>
-              </a:ext>
-            </a:extLst>
-          </p:cNvPr>
-          <p:cNvSpPr>
-            <a:spLocks noGrp="1"/>
-          </p:cNvSpPr>
-          <p:nvPr>
-            <p:ph idx="1"/>
-          </p:nvPr>
-        </p:nvSpPr>
-        <p:spPr>
-          <a:xfrm>
-            <a:off x="597778" y="5363691"/>
-            <a:ext cx="8141108" cy="889665"/>
-          </a:xfrm>
-        </p:spPr>
-        <p:txBody>
-          <a:bodyPr/>
-          <a:lstStyle/>
-          <a:p>
-            <a:r>
-              <a:rPr lang="en-US" sz="2400" dirty="0"/>
-              <a:t>The case could be made that the states in the Northeast and South have the highest concentration of median IBU</a:t>
-            </a:r>
-          </a:p>
-          <a:p>
-            <a:endParaRPr lang="en-US" dirty="0"/>
-          </a:p>
-          <a:p>
-            <a:endParaRPr lang="en-US" dirty="0"/>
-          </a:p>
-          <a:p>
-            <a:endParaRPr lang="en-US" dirty="0"/>
-          </a:p>
-          <a:p>
-            <a:endParaRPr lang="en-US" dirty="0"/>
-          </a:p>
-          <a:p>
-            <a:endParaRPr lang="en-US" dirty="0"/>
-          </a:p>
-          <a:p>
-            <a:pPr marL="0" indent="0">
-              <a:buNone/>
-            </a:pPr>
-            <a:endParaRPr lang="en-US" sz="1600" i="1" dirty="0"/>
-          </a:p>
-          <a:p>
-            <a:pPr marL="0" indent="0">
-              <a:buNone/>
-            </a:pPr>
-            <a:endParaRPr lang="en-US" dirty="0"/>
-          </a:p>
-          <a:p>
-            <a:pPr marL="0" indent="0">
-              <a:buNone/>
-            </a:pPr>
-            <a:endParaRPr lang="en-US" dirty="0"/>
-          </a:p>
-        </p:txBody>
-      </p:sp>
-      <p:pic>
-        <p:nvPicPr>
-          <p:cNvPr id="3" name="Picture 2">
-            <a:extLst>
-              <a:ext uri="{FF2B5EF4-FFF2-40B4-BE49-F238E27FC236}">
-                <a16:creationId xmlns:a16="http://schemas.microsoft.com/office/drawing/2014/main" id="{1C2BC04E-A401-4589-AFAF-488C0CBCBA18}"/>
-              </a:ext>
-            </a:extLst>
-          </p:cNvPr>
-          <p:cNvPicPr>
-            <a:picLocks noChangeAspect="1"/>
-          </p:cNvPicPr>
-          <p:nvPr/>
-        </p:nvPicPr>
-        <p:blipFill>
-          <a:blip r:embed="rId3"/>
-          <a:stretch>
-            <a:fillRect/>
-          </a:stretch>
-        </p:blipFill>
-        <p:spPr>
-          <a:xfrm>
-            <a:off x="1338081" y="1639785"/>
-            <a:ext cx="6467837" cy="3723906"/>
-          </a:xfrm>
-          <a:prstGeom prst="rect">
-            <a:avLst/>
-          </a:prstGeom>
-        </p:spPr>
-      </p:pic>
-    </p:spTree>
-    <p:extLst>
-      <p:ext uri="{BB962C8B-B14F-4D97-AF65-F5344CB8AC3E}">
-        <p14:creationId xmlns:p14="http://schemas.microsoft.com/office/powerpoint/2010/main" val="1289980205"/>
-      </p:ext>
-    </p:extLst>
-  </p:cSld>
-  <p:clrMapOvr>
-    <a:masterClrMapping/>
-  </p:clrMapOvr>
-</p:sld>
-</file>
-
-<file path=ppt/slides/slide16.xml><?xml version="1.0" encoding="utf-8"?>
-<p:sld xmlns:a="http://schemas.openxmlformats.org/drawingml/2006/main" xmlns:r="http://schemas.openxmlformats.org/officeDocument/2006/relationships" xmlns:p="http://schemas.openxmlformats.org/presentationml/2006/main">
-  <p:cSld>
-    <p:spTree>
-      <p:nvGrpSpPr>
-        <p:cNvPr id="1" name=""/>
-        <p:cNvGrpSpPr/>
-        <p:nvPr/>
-      </p:nvGrpSpPr>
-      <p:grpSpPr>
-        <a:xfrm>
-          <a:off x="0" y="0"/>
-          <a:ext cx="0" cy="0"/>
-          <a:chOff x="0" y="0"/>
-          <a:chExt cx="0" cy="0"/>
-        </a:xfrm>
-      </p:grpSpPr>
-      <p:sp>
-        <p:nvSpPr>
-          <p:cNvPr id="2" name="Title 1">
-            <a:extLst>
-              <a:ext uri="{FF2B5EF4-FFF2-40B4-BE49-F238E27FC236}">
-                <a16:creationId xmlns:a16="http://schemas.microsoft.com/office/drawing/2014/main" id="{5B931770-76C9-F749-9B7D-08A4A1F13896}"/>
-              </a:ext>
-            </a:extLst>
-          </p:cNvPr>
-          <p:cNvSpPr>
-            <a:spLocks noGrp="1"/>
-          </p:cNvSpPr>
-          <p:nvPr>
-            <p:ph type="title"/>
-          </p:nvPr>
-        </p:nvSpPr>
-        <p:spPr>
-          <a:xfrm>
-            <a:off x="0" y="228600"/>
-            <a:ext cx="9144000" cy="1143000"/>
-          </a:xfrm>
-        </p:spPr>
-        <p:txBody>
-          <a:bodyPr/>
-          <a:lstStyle/>
-          <a:p>
-            <a:r>
-              <a:rPr lang="en-US" dirty="0"/>
-              <a:t>Regional Comparisons</a:t>
-            </a:r>
-          </a:p>
-        </p:txBody>
-      </p:sp>
-      <p:sp>
-        <p:nvSpPr>
-          <p:cNvPr id="5" name="Content Placeholder 4">
-            <a:extLst>
-              <a:ext uri="{FF2B5EF4-FFF2-40B4-BE49-F238E27FC236}">
-                <a16:creationId xmlns:a16="http://schemas.microsoft.com/office/drawing/2014/main" id="{375CDB98-7F05-41AD-9F29-81E3D0CFBEFF}"/>
-              </a:ext>
-            </a:extLst>
-          </p:cNvPr>
-          <p:cNvSpPr>
-            <a:spLocks noGrp="1"/>
-          </p:cNvSpPr>
-          <p:nvPr>
-            <p:ph idx="1"/>
-          </p:nvPr>
-        </p:nvSpPr>
-        <p:spPr>
-          <a:xfrm>
-            <a:off x="457199" y="1627905"/>
-            <a:ext cx="8229600" cy="4854011"/>
-          </a:xfrm>
-        </p:spPr>
-        <p:txBody>
-          <a:bodyPr/>
-          <a:lstStyle/>
-          <a:p>
-            <a:r>
-              <a:rPr lang="en-US" dirty="0"/>
-              <a:t>Many of these states happen to be in regions with lower craft beer counts</a:t>
-            </a:r>
-          </a:p>
-          <a:p>
-            <a:endParaRPr lang="en-US" dirty="0"/>
-          </a:p>
-          <a:p>
-            <a:endParaRPr lang="en-US" dirty="0"/>
-          </a:p>
-          <a:p>
-            <a:endParaRPr lang="en-US" dirty="0"/>
-          </a:p>
-          <a:p>
-            <a:endParaRPr lang="en-US" dirty="0"/>
-          </a:p>
-          <a:p>
-            <a:endParaRPr lang="en-US" dirty="0"/>
-          </a:p>
-          <a:p>
-            <a:pPr marL="0" indent="0">
-              <a:buNone/>
-            </a:pPr>
-            <a:endParaRPr lang="en-US" sz="1600" i="1" dirty="0"/>
-          </a:p>
-          <a:p>
-            <a:endParaRPr lang="en-US" dirty="0"/>
-          </a:p>
-          <a:p>
-            <a:pPr marL="0" indent="0">
-              <a:buNone/>
-            </a:pPr>
-            <a:endParaRPr lang="en-US" dirty="0"/>
-          </a:p>
-        </p:txBody>
-      </p:sp>
-      <p:pic>
-        <p:nvPicPr>
-          <p:cNvPr id="3" name="Picture 2">
-            <a:extLst>
-              <a:ext uri="{FF2B5EF4-FFF2-40B4-BE49-F238E27FC236}">
-                <a16:creationId xmlns:a16="http://schemas.microsoft.com/office/drawing/2014/main" id="{7904B170-5731-499C-9F4D-1A7AEFB35961}"/>
-              </a:ext>
-            </a:extLst>
-          </p:cNvPr>
-          <p:cNvPicPr>
-            <a:picLocks noChangeAspect="1"/>
-          </p:cNvPicPr>
-          <p:nvPr/>
-        </p:nvPicPr>
-        <p:blipFill>
-          <a:blip r:embed="rId3"/>
-          <a:stretch>
-            <a:fillRect/>
-          </a:stretch>
-        </p:blipFill>
-        <p:spPr>
-          <a:xfrm>
-            <a:off x="1584791" y="2942957"/>
-            <a:ext cx="5776708" cy="3538959"/>
-          </a:xfrm>
-          <a:prstGeom prst="rect">
-            <a:avLst/>
-          </a:prstGeom>
-        </p:spPr>
-      </p:pic>
-    </p:spTree>
-    <p:extLst>
-      <p:ext uri="{BB962C8B-B14F-4D97-AF65-F5344CB8AC3E}">
-        <p14:creationId xmlns:p14="http://schemas.microsoft.com/office/powerpoint/2010/main" val="1683861339"/>
-      </p:ext>
-    </p:extLst>
-  </p:cSld>
-  <p:clrMapOvr>
-    <a:masterClrMapping/>
-  </p:clrMapOvr>
-</p:sld>
-</file>
-
-<file path=ppt/slides/slide17.xml><?xml version="1.0" encoding="utf-8"?>
-<p:sld xmlns:a="http://schemas.openxmlformats.org/drawingml/2006/main" xmlns:r="http://schemas.openxmlformats.org/officeDocument/2006/relationships" xmlns:p="http://schemas.openxmlformats.org/presentationml/2006/main">
-  <p:cSld>
-    <p:spTree>
-      <p:nvGrpSpPr>
-        <p:cNvPr id="1" name=""/>
-        <p:cNvGrpSpPr/>
-        <p:nvPr/>
-      </p:nvGrpSpPr>
-      <p:grpSpPr>
-        <a:xfrm>
-          <a:off x="0" y="0"/>
-          <a:ext cx="0" cy="0"/>
-          <a:chOff x="0" y="0"/>
-          <a:chExt cx="0" cy="0"/>
-        </a:xfrm>
-      </p:grpSpPr>
-      <p:sp>
-        <p:nvSpPr>
-          <p:cNvPr id="2" name="Title 1">
-            <a:extLst>
-              <a:ext uri="{FF2B5EF4-FFF2-40B4-BE49-F238E27FC236}">
-                <a16:creationId xmlns:a16="http://schemas.microsoft.com/office/drawing/2014/main" id="{5B931770-76C9-F749-9B7D-08A4A1F13896}"/>
-              </a:ext>
-            </a:extLst>
-          </p:cNvPr>
-          <p:cNvSpPr>
-            <a:spLocks noGrp="1"/>
-          </p:cNvSpPr>
-          <p:nvPr>
-            <p:ph type="title"/>
-          </p:nvPr>
-        </p:nvSpPr>
-        <p:spPr>
-          <a:xfrm>
-            <a:off x="0" y="228600"/>
-            <a:ext cx="9144000" cy="1143000"/>
-          </a:xfrm>
-        </p:spPr>
-        <p:txBody>
-          <a:bodyPr/>
-          <a:lstStyle/>
-          <a:p>
-            <a:r>
-              <a:rPr lang="en-US" dirty="0"/>
-              <a:t>Conclusion</a:t>
-            </a:r>
-          </a:p>
-        </p:txBody>
-      </p:sp>
-      <p:sp>
-        <p:nvSpPr>
-          <p:cNvPr id="8" name="Content Placeholder 4">
-            <a:extLst>
-              <a:ext uri="{FF2B5EF4-FFF2-40B4-BE49-F238E27FC236}">
-                <a16:creationId xmlns:a16="http://schemas.microsoft.com/office/drawing/2014/main" id="{4642B19D-3DF3-4F9F-B645-7D34C2B298DB}"/>
-              </a:ext>
-            </a:extLst>
-          </p:cNvPr>
-          <p:cNvSpPr txBox="1">
-            <a:spLocks/>
-          </p:cNvSpPr>
-          <p:nvPr/>
-        </p:nvSpPr>
-        <p:spPr>
-          <a:xfrm>
-            <a:off x="457200" y="1631695"/>
-            <a:ext cx="8229600" cy="1885795"/>
-          </a:xfrm>
-          <a:prstGeom prst="rect">
-            <a:avLst/>
-          </a:prstGeom>
-        </p:spPr>
-        <p:txBody>
-          <a:bodyPr vert="horz" lIns="91440" tIns="45720" rIns="91440" bIns="45720" rtlCol="0">
-            <a:noAutofit/>
-          </a:bodyPr>
-          <a:lstStyle>
-            <a:lvl1pPr marL="342900" indent="-342900" algn="l" defTabSz="914400" rtl="0" eaLnBrk="1" latinLnBrk="0" hangingPunct="1">
-              <a:spcBef>
-                <a:spcPts val="600"/>
-              </a:spcBef>
-              <a:buFont typeface="Arial" charset="0"/>
-              <a:buChar char="•"/>
-              <a:defRPr sz="3200" kern="1200">
-                <a:solidFill>
-                  <a:schemeClr val="tx1"/>
-                </a:solidFill>
-                <a:latin typeface="+mn-lt"/>
-                <a:ea typeface="+mn-ea"/>
-                <a:cs typeface="+mn-cs"/>
-              </a:defRPr>
-            </a:lvl1pPr>
-            <a:lvl2pPr marL="742950" indent="-285750" algn="l" defTabSz="914400" rtl="0" eaLnBrk="1" latinLnBrk="0" hangingPunct="1">
-              <a:spcBef>
-                <a:spcPts val="600"/>
-              </a:spcBef>
-              <a:buFont typeface="Arial" charset="0"/>
-              <a:buChar char="•"/>
-              <a:defRPr sz="2800" b="0" i="0" u="none" kern="1200">
-                <a:solidFill>
-                  <a:schemeClr val="tx1"/>
-                </a:solidFill>
-                <a:latin typeface="+mn-lt"/>
-                <a:ea typeface="+mn-ea"/>
-                <a:cs typeface="+mn-cs"/>
-              </a:defRPr>
-            </a:lvl2pPr>
-            <a:lvl3pPr marL="1143000" indent="-228600" algn="l" defTabSz="914400" rtl="0" eaLnBrk="1" latinLnBrk="0" hangingPunct="1">
-              <a:spcBef>
-                <a:spcPts val="600"/>
-              </a:spcBef>
-              <a:buFont typeface="Arial" charset="0"/>
-              <a:buChar char="•"/>
-              <a:defRPr sz="2400" kern="1200">
-                <a:solidFill>
-                  <a:schemeClr val="tx1"/>
-                </a:solidFill>
-                <a:latin typeface="+mn-lt"/>
-                <a:ea typeface="+mn-ea"/>
-                <a:cs typeface="+mn-cs"/>
-              </a:defRPr>
-            </a:lvl3pPr>
-            <a:lvl4pPr marL="1600200" indent="-228600" algn="l" defTabSz="914400" rtl="0" eaLnBrk="1" latinLnBrk="0" hangingPunct="1">
-              <a:spcBef>
-                <a:spcPts val="600"/>
-              </a:spcBef>
-              <a:buFont typeface="Arial" charset="0"/>
-              <a:buChar char="•"/>
-              <a:defRPr sz="2000" kern="1200">
-                <a:solidFill>
-                  <a:schemeClr val="tx1"/>
-                </a:solidFill>
-                <a:latin typeface="+mn-lt"/>
-                <a:ea typeface="+mn-ea"/>
-                <a:cs typeface="+mn-cs"/>
-              </a:defRPr>
-            </a:lvl4pPr>
-            <a:lvl5pPr marL="2057400" indent="-228600" algn="l" defTabSz="914400" rtl="0" eaLnBrk="1" latinLnBrk="0" hangingPunct="1">
-              <a:spcBef>
-                <a:spcPts val="600"/>
-              </a:spcBef>
-              <a:buFont typeface="Arial" charset="0"/>
-              <a:buChar char="•"/>
-              <a:defRPr sz="2000" kern="1200">
-                <a:solidFill>
-                  <a:schemeClr val="tx1"/>
-                </a:solidFill>
-                <a:latin typeface="+mn-lt"/>
-                <a:ea typeface="+mn-ea"/>
-                <a:cs typeface="+mn-cs"/>
-              </a:defRPr>
-            </a:lvl5pPr>
-            <a:lvl6pPr marL="2514600" indent="-228600" algn="l" defTabSz="914400" rtl="0" eaLnBrk="1" latinLnBrk="0" hangingPunct="1">
-              <a:spcBef>
-                <a:spcPct val="20000"/>
-              </a:spcBef>
-              <a:buFont typeface="Arial" panose="020B0604020202020204" pitchFamily="34" charset="0"/>
-              <a:buChar char="•"/>
-              <a:defRPr sz="2000" kern="1200">
-                <a:solidFill>
-                  <a:schemeClr val="tx1"/>
-                </a:solidFill>
-                <a:latin typeface="+mn-lt"/>
-                <a:ea typeface="+mn-ea"/>
-                <a:cs typeface="+mn-cs"/>
-              </a:defRPr>
-            </a:lvl6pPr>
-            <a:lvl7pPr marL="2971800" indent="-228600" algn="l" defTabSz="914400" rtl="0" eaLnBrk="1" latinLnBrk="0" hangingPunct="1">
-              <a:spcBef>
-                <a:spcPct val="20000"/>
-              </a:spcBef>
-              <a:buFont typeface="Arial" panose="020B0604020202020204" pitchFamily="34" charset="0"/>
-              <a:buChar char="•"/>
-              <a:defRPr sz="2000" kern="1200">
-                <a:solidFill>
-                  <a:schemeClr val="tx1"/>
-                </a:solidFill>
-                <a:latin typeface="+mn-lt"/>
-                <a:ea typeface="+mn-ea"/>
-                <a:cs typeface="+mn-cs"/>
-              </a:defRPr>
-            </a:lvl7pPr>
-            <a:lvl8pPr marL="3429000" indent="-228600" algn="l" defTabSz="914400" rtl="0" eaLnBrk="1" latinLnBrk="0" hangingPunct="1">
-              <a:spcBef>
-                <a:spcPct val="20000"/>
-              </a:spcBef>
-              <a:buFont typeface="Arial" panose="020B0604020202020204" pitchFamily="34" charset="0"/>
-              <a:buChar char="•"/>
-              <a:defRPr sz="2000" kern="1200">
-                <a:solidFill>
-                  <a:schemeClr val="tx1"/>
-                </a:solidFill>
-                <a:latin typeface="+mn-lt"/>
-                <a:ea typeface="+mn-ea"/>
-                <a:cs typeface="+mn-cs"/>
-              </a:defRPr>
-            </a:lvl8pPr>
-            <a:lvl9pPr marL="3886200" indent="-228600" algn="l" defTabSz="914400" rtl="0" eaLnBrk="1" latinLnBrk="0" hangingPunct="1">
-              <a:spcBef>
-                <a:spcPct val="20000"/>
-              </a:spcBef>
-              <a:buFont typeface="Arial" panose="020B0604020202020204" pitchFamily="34" charset="0"/>
-              <a:buChar char="•"/>
-              <a:defRPr sz="2000" kern="1200">
-                <a:solidFill>
-                  <a:schemeClr val="tx1"/>
-                </a:solidFill>
-                <a:latin typeface="+mn-lt"/>
-                <a:ea typeface="+mn-ea"/>
-                <a:cs typeface="+mn-cs"/>
-              </a:defRPr>
-            </a:lvl9pPr>
-          </a:lstStyle>
-          <a:p>
-            <a:r>
-              <a:rPr lang="en-US" sz="2800" b="1" dirty="0"/>
-              <a:t>ABV</a:t>
-            </a:r>
-            <a:r>
-              <a:rPr lang="en-US" sz="2800" dirty="0"/>
-              <a:t> (Alcohol by Volume) and </a:t>
-            </a:r>
-            <a:r>
-              <a:rPr lang="en-US" sz="2800" b="1" dirty="0"/>
-              <a:t>IBU</a:t>
-            </a:r>
-            <a:r>
-              <a:rPr lang="en-US" sz="2800" dirty="0"/>
-              <a:t> (International Bitterness Units) serve as good predictors of beer styles</a:t>
-            </a:r>
-          </a:p>
-          <a:p>
-            <a:r>
-              <a:rPr lang="en-US" sz="2800" b="1" dirty="0"/>
-              <a:t>Regional preferences </a:t>
-            </a:r>
-            <a:r>
-              <a:rPr lang="en-US" sz="2800" dirty="0"/>
-              <a:t>can be seen in the charts for a beer’s bitterness</a:t>
-            </a:r>
-          </a:p>
-          <a:p>
-            <a:r>
-              <a:rPr lang="en-US" sz="2800" dirty="0"/>
-              <a:t>There are fewer craft beers/ breweries in the </a:t>
-            </a:r>
-            <a:r>
-              <a:rPr lang="en-US" sz="2800" b="1" dirty="0"/>
-              <a:t>Northeast</a:t>
-            </a:r>
-            <a:r>
-              <a:rPr lang="en-US" sz="2800" dirty="0"/>
-              <a:t> and </a:t>
-            </a:r>
-            <a:r>
-              <a:rPr lang="en-US" sz="2800" b="1" dirty="0"/>
-              <a:t>South</a:t>
-            </a:r>
-            <a:r>
-              <a:rPr lang="en-US" sz="2800" dirty="0"/>
-              <a:t> regions</a:t>
-            </a:r>
-          </a:p>
-          <a:p>
-            <a:r>
-              <a:rPr lang="en-US" sz="2800" b="1" dirty="0"/>
-              <a:t>Opportunities</a:t>
-            </a:r>
-            <a:r>
-              <a:rPr lang="en-US" sz="2800" dirty="0"/>
-              <a:t> for product differentiation with </a:t>
-            </a:r>
-            <a:r>
-              <a:rPr lang="en-US" sz="2800" b="1" dirty="0"/>
-              <a:t>lower IBU </a:t>
-            </a:r>
-            <a:r>
-              <a:rPr lang="en-US" sz="2800" dirty="0"/>
-              <a:t>ratings</a:t>
-            </a:r>
-          </a:p>
-          <a:p>
-            <a:pPr marL="0" indent="0">
-              <a:buFont typeface="Arial" charset="0"/>
-              <a:buNone/>
-            </a:pPr>
-            <a:endParaRPr lang="en-US" sz="1600" i="1" dirty="0"/>
-          </a:p>
-          <a:p>
-            <a:endParaRPr lang="en-US" dirty="0"/>
-          </a:p>
-          <a:p>
-            <a:pPr marL="0" indent="0">
-              <a:buFont typeface="Arial" charset="0"/>
-              <a:buNone/>
-            </a:pPr>
-            <a:endParaRPr lang="en-US" dirty="0"/>
-          </a:p>
-        </p:txBody>
-      </p:sp>
-    </p:spTree>
-    <p:extLst>
-      <p:ext uri="{BB962C8B-B14F-4D97-AF65-F5344CB8AC3E}">
-        <p14:creationId xmlns:p14="http://schemas.microsoft.com/office/powerpoint/2010/main" val="1981835246"/>
-      </p:ext>
-    </p:extLst>
-  </p:cSld>
-  <p:clrMapOvr>
-    <a:masterClrMapping/>
-  </p:clrMapOvr>
-</p:sld>
-</file>
-
-<file path=ppt/slides/slide18.xml><?xml version="1.0" encoding="utf-8"?>
-<p:sld xmlns:a="http://schemas.openxmlformats.org/drawingml/2006/main" xmlns:r="http://schemas.openxmlformats.org/officeDocument/2006/relationships" xmlns:p="http://schemas.openxmlformats.org/presentationml/2006/main">
-  <p:cSld>
-    <p:spTree>
-      <p:nvGrpSpPr>
-        <p:cNvPr id="1" name=""/>
-        <p:cNvGrpSpPr/>
-        <p:nvPr/>
-      </p:nvGrpSpPr>
-      <p:grpSpPr>
-        <a:xfrm>
-          <a:off x="0" y="0"/>
-          <a:ext cx="0" cy="0"/>
-          <a:chOff x="0" y="0"/>
-          <a:chExt cx="0" cy="0"/>
-        </a:xfrm>
-      </p:grpSpPr>
-    </p:spTree>
-    <p:extLst>
-      <p:ext uri="{BB962C8B-B14F-4D97-AF65-F5344CB8AC3E}">
-        <p14:creationId xmlns:p14="http://schemas.microsoft.com/office/powerpoint/2010/main" val="876298325"/>
-      </p:ext>
-    </p:extLst>
-  </p:cSld>
-  <p:clrMapOvr>
-    <a:masterClrMapping/>
-  </p:clrMapOvr>
-</p:sld>
-</file>
-
-<file path=ppt/slides/slide2.xml><?xml version="1.0" encoding="utf-8"?>
-<p:sld xmlns:a="http://schemas.openxmlformats.org/drawingml/2006/main" xmlns:r="http://schemas.openxmlformats.org/officeDocument/2006/relationships" xmlns:p="http://schemas.openxmlformats.org/presentationml/2006/main">
-  <p:cSld>
-    <p:spTree>
-      <p:nvGrpSpPr>
-        <p:cNvPr id="1" name=""/>
-        <p:cNvGrpSpPr/>
-        <p:nvPr/>
-      </p:nvGrpSpPr>
-      <p:grpSpPr>
-        <a:xfrm>
-          <a:off x="0" y="0"/>
-          <a:ext cx="0" cy="0"/>
-          <a:chOff x="0" y="0"/>
-          <a:chExt cx="0" cy="0"/>
-        </a:xfrm>
-      </p:grpSpPr>
-      <p:sp>
-        <p:nvSpPr>
-          <p:cNvPr id="2" name="Title 1">
-            <a:extLst>
-              <a:ext uri="{FF2B5EF4-FFF2-40B4-BE49-F238E27FC236}">
-                <a16:creationId xmlns:a16="http://schemas.microsoft.com/office/drawing/2014/main" id="{5B931770-76C9-F749-9B7D-08A4A1F13896}"/>
-              </a:ext>
-            </a:extLst>
-          </p:cNvPr>
-          <p:cNvSpPr>
-            <a:spLocks noGrp="1"/>
-          </p:cNvSpPr>
-          <p:nvPr>
-            <p:ph type="title"/>
-          </p:nvPr>
-        </p:nvSpPr>
-        <p:spPr>
-          <a:xfrm>
-            <a:off x="0" y="228600"/>
-            <a:ext cx="9144000" cy="1143000"/>
-          </a:xfrm>
-        </p:spPr>
-        <p:txBody>
-          <a:bodyPr/>
-          <a:lstStyle/>
-          <a:p>
-            <a:r>
-              <a:rPr lang="en-US" dirty="0"/>
-              <a:t>Data Sets and Definitions</a:t>
-            </a:r>
-          </a:p>
-        </p:txBody>
-      </p:sp>
-      <p:sp>
-        <p:nvSpPr>
-          <p:cNvPr id="5" name="Content Placeholder 4">
-            <a:extLst>
-              <a:ext uri="{FF2B5EF4-FFF2-40B4-BE49-F238E27FC236}">
-                <a16:creationId xmlns:a16="http://schemas.microsoft.com/office/drawing/2014/main" id="{375CDB98-7F05-41AD-9F29-81E3D0CFBEFF}"/>
-              </a:ext>
-            </a:extLst>
-          </p:cNvPr>
-          <p:cNvSpPr>
-            <a:spLocks noGrp="1"/>
-          </p:cNvSpPr>
-          <p:nvPr>
-            <p:ph idx="1"/>
-          </p:nvPr>
-        </p:nvSpPr>
-        <p:spPr>
-          <a:xfrm>
-            <a:off x="1084006" y="2148682"/>
-            <a:ext cx="2455607" cy="672843"/>
-          </a:xfrm>
-        </p:spPr>
-        <p:txBody>
-          <a:bodyPr/>
-          <a:lstStyle/>
-          <a:p>
-            <a:pPr marL="0" indent="0" algn="ctr">
-              <a:buNone/>
-            </a:pPr>
-            <a:r>
-              <a:rPr lang="en-US" dirty="0"/>
-              <a:t>Beers</a:t>
-            </a:r>
-          </a:p>
-          <a:p>
-            <a:pPr marL="0" indent="0">
-              <a:buNone/>
-            </a:pPr>
-            <a:endParaRPr lang="en-US" dirty="0"/>
-          </a:p>
-          <a:p>
-            <a:endParaRPr lang="en-US" dirty="0"/>
-          </a:p>
-          <a:p>
-            <a:endParaRPr lang="en-US" dirty="0"/>
-          </a:p>
-          <a:p>
-            <a:endParaRPr lang="en-US" dirty="0"/>
-          </a:p>
-          <a:p>
-            <a:endParaRPr lang="en-US" dirty="0"/>
-          </a:p>
-          <a:p>
-            <a:pPr marL="0" indent="0">
-              <a:buNone/>
-            </a:pPr>
-            <a:endParaRPr lang="en-US" dirty="0"/>
-          </a:p>
-        </p:txBody>
-      </p:sp>
-      <p:pic>
-        <p:nvPicPr>
-          <p:cNvPr id="3" name="Picture 2">
-            <a:extLst>
-              <a:ext uri="{FF2B5EF4-FFF2-40B4-BE49-F238E27FC236}">
-                <a16:creationId xmlns:a16="http://schemas.microsoft.com/office/drawing/2014/main" id="{144A0483-CFE7-4D0B-9162-730F48F7B7F4}"/>
-              </a:ext>
-            </a:extLst>
-          </p:cNvPr>
-          <p:cNvPicPr>
-            <a:picLocks noChangeAspect="1"/>
-          </p:cNvPicPr>
-          <p:nvPr/>
-        </p:nvPicPr>
-        <p:blipFill>
-          <a:blip r:embed="rId3"/>
-          <a:stretch>
-            <a:fillRect/>
-          </a:stretch>
-        </p:blipFill>
-        <p:spPr>
-          <a:xfrm>
-            <a:off x="221225" y="2821525"/>
-            <a:ext cx="4181170" cy="2581468"/>
-          </a:xfrm>
-          <a:prstGeom prst="rect">
-            <a:avLst/>
-          </a:prstGeom>
-        </p:spPr>
-      </p:pic>
-      <p:pic>
-        <p:nvPicPr>
-          <p:cNvPr id="4" name="Picture 3">
-            <a:extLst>
-              <a:ext uri="{FF2B5EF4-FFF2-40B4-BE49-F238E27FC236}">
-                <a16:creationId xmlns:a16="http://schemas.microsoft.com/office/drawing/2014/main" id="{DC96259F-E6CE-4B04-9F81-522004CCF1CE}"/>
-              </a:ext>
-            </a:extLst>
-          </p:cNvPr>
-          <p:cNvPicPr>
-            <a:picLocks noChangeAspect="1"/>
-          </p:cNvPicPr>
-          <p:nvPr/>
-        </p:nvPicPr>
-        <p:blipFill>
-          <a:blip r:embed="rId4"/>
-          <a:stretch>
-            <a:fillRect/>
-          </a:stretch>
-        </p:blipFill>
-        <p:spPr>
-          <a:xfrm>
-            <a:off x="4741606" y="2821525"/>
-            <a:ext cx="4223107" cy="1715061"/>
-          </a:xfrm>
-          <a:prstGeom prst="rect">
-            <a:avLst/>
-          </a:prstGeom>
-        </p:spPr>
-      </p:pic>
-      <p:sp>
-        <p:nvSpPr>
-          <p:cNvPr id="8" name="Content Placeholder 4">
-            <a:extLst>
-              <a:ext uri="{FF2B5EF4-FFF2-40B4-BE49-F238E27FC236}">
-                <a16:creationId xmlns:a16="http://schemas.microsoft.com/office/drawing/2014/main" id="{BBBA70E4-5DB7-4EDB-9C20-ED3B83ABB498}"/>
-              </a:ext>
-            </a:extLst>
-          </p:cNvPr>
-          <p:cNvSpPr txBox="1">
-            <a:spLocks/>
-          </p:cNvSpPr>
-          <p:nvPr/>
-        </p:nvSpPr>
-        <p:spPr>
-          <a:xfrm>
-            <a:off x="5625355" y="2172263"/>
-            <a:ext cx="2455607" cy="672843"/>
-          </a:xfrm>
-          <a:prstGeom prst="rect">
-            <a:avLst/>
-          </a:prstGeom>
-        </p:spPr>
-        <p:txBody>
-          <a:bodyPr vert="horz" lIns="91440" tIns="45720" rIns="91440" bIns="45720" rtlCol="0">
-            <a:noAutofit/>
-          </a:bodyPr>
-          <a:lstStyle>
-            <a:lvl1pPr marL="342900" indent="-342900" algn="l" defTabSz="914400" rtl="0" eaLnBrk="1" latinLnBrk="0" hangingPunct="1">
-              <a:spcBef>
-                <a:spcPts val="600"/>
-              </a:spcBef>
-              <a:buFont typeface="Arial" charset="0"/>
-              <a:buChar char="•"/>
-              <a:defRPr sz="3200" kern="1200">
-                <a:solidFill>
-                  <a:schemeClr val="tx1"/>
-                </a:solidFill>
-                <a:latin typeface="+mn-lt"/>
-                <a:ea typeface="+mn-ea"/>
-                <a:cs typeface="+mn-cs"/>
-              </a:defRPr>
-            </a:lvl1pPr>
-            <a:lvl2pPr marL="742950" indent="-285750" algn="l" defTabSz="914400" rtl="0" eaLnBrk="1" latinLnBrk="0" hangingPunct="1">
-              <a:spcBef>
-                <a:spcPts val="600"/>
-              </a:spcBef>
-              <a:buFont typeface="Arial" charset="0"/>
-              <a:buChar char="•"/>
-              <a:defRPr sz="2800" b="0" i="0" u="none" kern="1200">
-                <a:solidFill>
-                  <a:schemeClr val="tx1"/>
-                </a:solidFill>
-                <a:latin typeface="+mn-lt"/>
-                <a:ea typeface="+mn-ea"/>
-                <a:cs typeface="+mn-cs"/>
-              </a:defRPr>
-            </a:lvl2pPr>
-            <a:lvl3pPr marL="1143000" indent="-228600" algn="l" defTabSz="914400" rtl="0" eaLnBrk="1" latinLnBrk="0" hangingPunct="1">
-              <a:spcBef>
-                <a:spcPts val="600"/>
-              </a:spcBef>
-              <a:buFont typeface="Arial" charset="0"/>
-              <a:buChar char="•"/>
-              <a:defRPr sz="2400" kern="1200">
-                <a:solidFill>
-                  <a:schemeClr val="tx1"/>
-                </a:solidFill>
-                <a:latin typeface="+mn-lt"/>
-                <a:ea typeface="+mn-ea"/>
-                <a:cs typeface="+mn-cs"/>
-              </a:defRPr>
-            </a:lvl3pPr>
-            <a:lvl4pPr marL="1600200" indent="-228600" algn="l" defTabSz="914400" rtl="0" eaLnBrk="1" latinLnBrk="0" hangingPunct="1">
-              <a:spcBef>
-                <a:spcPts val="600"/>
-              </a:spcBef>
-              <a:buFont typeface="Arial" charset="0"/>
-              <a:buChar char="•"/>
-              <a:defRPr sz="2000" kern="1200">
-                <a:solidFill>
-                  <a:schemeClr val="tx1"/>
-                </a:solidFill>
-                <a:latin typeface="+mn-lt"/>
-                <a:ea typeface="+mn-ea"/>
-                <a:cs typeface="+mn-cs"/>
-              </a:defRPr>
-            </a:lvl4pPr>
-            <a:lvl5pPr marL="2057400" indent="-228600" algn="l" defTabSz="914400" rtl="0" eaLnBrk="1" latinLnBrk="0" hangingPunct="1">
-              <a:spcBef>
-                <a:spcPts val="600"/>
-              </a:spcBef>
-              <a:buFont typeface="Arial" charset="0"/>
-              <a:buChar char="•"/>
-              <a:defRPr sz="2000" kern="1200">
-                <a:solidFill>
-                  <a:schemeClr val="tx1"/>
-                </a:solidFill>
-                <a:latin typeface="+mn-lt"/>
-                <a:ea typeface="+mn-ea"/>
-                <a:cs typeface="+mn-cs"/>
-              </a:defRPr>
-            </a:lvl5pPr>
-            <a:lvl6pPr marL="2514600" indent="-228600" algn="l" defTabSz="914400" rtl="0" eaLnBrk="1" latinLnBrk="0" hangingPunct="1">
-              <a:spcBef>
-                <a:spcPct val="20000"/>
-              </a:spcBef>
-              <a:buFont typeface="Arial" panose="020B0604020202020204" pitchFamily="34" charset="0"/>
-              <a:buChar char="•"/>
-              <a:defRPr sz="2000" kern="1200">
-                <a:solidFill>
-                  <a:schemeClr val="tx1"/>
-                </a:solidFill>
-                <a:latin typeface="+mn-lt"/>
-                <a:ea typeface="+mn-ea"/>
-                <a:cs typeface="+mn-cs"/>
-              </a:defRPr>
-            </a:lvl6pPr>
-            <a:lvl7pPr marL="2971800" indent="-228600" algn="l" defTabSz="914400" rtl="0" eaLnBrk="1" latinLnBrk="0" hangingPunct="1">
-              <a:spcBef>
-                <a:spcPct val="20000"/>
-              </a:spcBef>
-              <a:buFont typeface="Arial" panose="020B0604020202020204" pitchFamily="34" charset="0"/>
-              <a:buChar char="•"/>
-              <a:defRPr sz="2000" kern="1200">
-                <a:solidFill>
-                  <a:schemeClr val="tx1"/>
-                </a:solidFill>
-                <a:latin typeface="+mn-lt"/>
-                <a:ea typeface="+mn-ea"/>
-                <a:cs typeface="+mn-cs"/>
-              </a:defRPr>
-            </a:lvl7pPr>
-            <a:lvl8pPr marL="3429000" indent="-228600" algn="l" defTabSz="914400" rtl="0" eaLnBrk="1" latinLnBrk="0" hangingPunct="1">
-              <a:spcBef>
-                <a:spcPct val="20000"/>
-              </a:spcBef>
-              <a:buFont typeface="Arial" panose="020B0604020202020204" pitchFamily="34" charset="0"/>
-              <a:buChar char="•"/>
-              <a:defRPr sz="2000" kern="1200">
-                <a:solidFill>
-                  <a:schemeClr val="tx1"/>
-                </a:solidFill>
-                <a:latin typeface="+mn-lt"/>
-                <a:ea typeface="+mn-ea"/>
-                <a:cs typeface="+mn-cs"/>
-              </a:defRPr>
-            </a:lvl8pPr>
-            <a:lvl9pPr marL="3886200" indent="-228600" algn="l" defTabSz="914400" rtl="0" eaLnBrk="1" latinLnBrk="0" hangingPunct="1">
-              <a:spcBef>
-                <a:spcPct val="20000"/>
-              </a:spcBef>
-              <a:buFont typeface="Arial" panose="020B0604020202020204" pitchFamily="34" charset="0"/>
-              <a:buChar char="•"/>
-              <a:defRPr sz="2000" kern="1200">
-                <a:solidFill>
-                  <a:schemeClr val="tx1"/>
-                </a:solidFill>
-                <a:latin typeface="+mn-lt"/>
-                <a:ea typeface="+mn-ea"/>
-                <a:cs typeface="+mn-cs"/>
-              </a:defRPr>
-            </a:lvl9pPr>
-          </a:lstStyle>
-          <a:p>
-            <a:pPr marL="0" indent="0" algn="ctr">
-              <a:buFont typeface="Arial" charset="0"/>
-              <a:buNone/>
-            </a:pPr>
-            <a:r>
-              <a:rPr lang="en-US" dirty="0"/>
-              <a:t>Breweries</a:t>
-            </a:r>
-          </a:p>
-          <a:p>
-            <a:pPr marL="0" indent="0">
-              <a:buFont typeface="Arial" charset="0"/>
-              <a:buNone/>
-            </a:pPr>
-            <a:endParaRPr lang="en-US" dirty="0"/>
-          </a:p>
-          <a:p>
-            <a:endParaRPr lang="en-US" dirty="0"/>
-          </a:p>
-          <a:p>
-            <a:endParaRPr lang="en-US" dirty="0"/>
-          </a:p>
-          <a:p>
-            <a:endParaRPr lang="en-US" dirty="0"/>
-          </a:p>
-          <a:p>
-            <a:endParaRPr lang="en-US" dirty="0"/>
-          </a:p>
-          <a:p>
-            <a:pPr marL="0" indent="0">
-              <a:buFont typeface="Arial" charset="0"/>
-              <a:buNone/>
-            </a:pPr>
-            <a:endParaRPr lang="en-US" dirty="0"/>
-          </a:p>
-        </p:txBody>
-      </p:sp>
-      <p:sp>
-        <p:nvSpPr>
-          <p:cNvPr id="7" name="Content Placeholder 4">
-            <a:extLst>
-              <a:ext uri="{FF2B5EF4-FFF2-40B4-BE49-F238E27FC236}">
-                <a16:creationId xmlns:a16="http://schemas.microsoft.com/office/drawing/2014/main" id="{2FC15A3F-ACC5-4C6F-82AA-3766F8873C78}"/>
-              </a:ext>
-            </a:extLst>
-          </p:cNvPr>
-          <p:cNvSpPr txBox="1">
-            <a:spLocks/>
-          </p:cNvSpPr>
-          <p:nvPr/>
-        </p:nvSpPr>
-        <p:spPr>
-          <a:xfrm>
-            <a:off x="2395960" y="5402993"/>
-            <a:ext cx="2006436" cy="349625"/>
-          </a:xfrm>
-          <a:prstGeom prst="rect">
-            <a:avLst/>
-          </a:prstGeom>
-        </p:spPr>
-        <p:txBody>
-          <a:bodyPr vert="horz" lIns="91440" tIns="45720" rIns="91440" bIns="45720" rtlCol="0">
-            <a:noAutofit/>
-          </a:bodyPr>
-          <a:lstStyle>
-            <a:lvl1pPr marL="342900" indent="-342900" algn="l" defTabSz="914400" rtl="0" eaLnBrk="1" latinLnBrk="0" hangingPunct="1">
-              <a:spcBef>
-                <a:spcPts val="600"/>
-              </a:spcBef>
-              <a:buFont typeface="Arial" charset="0"/>
-              <a:buChar char="•"/>
-              <a:defRPr sz="3200" kern="1200">
-                <a:solidFill>
-                  <a:schemeClr val="tx1"/>
-                </a:solidFill>
-                <a:latin typeface="+mn-lt"/>
-                <a:ea typeface="+mn-ea"/>
-                <a:cs typeface="+mn-cs"/>
-              </a:defRPr>
-            </a:lvl1pPr>
-            <a:lvl2pPr marL="742950" indent="-285750" algn="l" defTabSz="914400" rtl="0" eaLnBrk="1" latinLnBrk="0" hangingPunct="1">
-              <a:spcBef>
-                <a:spcPts val="600"/>
-              </a:spcBef>
-              <a:buFont typeface="Arial" charset="0"/>
-              <a:buChar char="•"/>
-              <a:defRPr sz="2800" b="0" i="0" u="none" kern="1200">
-                <a:solidFill>
-                  <a:schemeClr val="tx1"/>
-                </a:solidFill>
-                <a:latin typeface="+mn-lt"/>
-                <a:ea typeface="+mn-ea"/>
-                <a:cs typeface="+mn-cs"/>
-              </a:defRPr>
-            </a:lvl2pPr>
-            <a:lvl3pPr marL="1143000" indent="-228600" algn="l" defTabSz="914400" rtl="0" eaLnBrk="1" latinLnBrk="0" hangingPunct="1">
-              <a:spcBef>
-                <a:spcPts val="600"/>
-              </a:spcBef>
-              <a:buFont typeface="Arial" charset="0"/>
-              <a:buChar char="•"/>
-              <a:defRPr sz="2400" kern="1200">
-                <a:solidFill>
-                  <a:schemeClr val="tx1"/>
-                </a:solidFill>
-                <a:latin typeface="+mn-lt"/>
-                <a:ea typeface="+mn-ea"/>
-                <a:cs typeface="+mn-cs"/>
-              </a:defRPr>
-            </a:lvl3pPr>
-            <a:lvl4pPr marL="1600200" indent="-228600" algn="l" defTabSz="914400" rtl="0" eaLnBrk="1" latinLnBrk="0" hangingPunct="1">
-              <a:spcBef>
-                <a:spcPts val="600"/>
-              </a:spcBef>
-              <a:buFont typeface="Arial" charset="0"/>
-              <a:buChar char="•"/>
-              <a:defRPr sz="2000" kern="1200">
-                <a:solidFill>
-                  <a:schemeClr val="tx1"/>
-                </a:solidFill>
-                <a:latin typeface="+mn-lt"/>
-                <a:ea typeface="+mn-ea"/>
-                <a:cs typeface="+mn-cs"/>
-              </a:defRPr>
-            </a:lvl4pPr>
-            <a:lvl5pPr marL="2057400" indent="-228600" algn="l" defTabSz="914400" rtl="0" eaLnBrk="1" latinLnBrk="0" hangingPunct="1">
-              <a:spcBef>
-                <a:spcPts val="600"/>
-              </a:spcBef>
-              <a:buFont typeface="Arial" charset="0"/>
-              <a:buChar char="•"/>
-              <a:defRPr sz="2000" kern="1200">
-                <a:solidFill>
-                  <a:schemeClr val="tx1"/>
-                </a:solidFill>
-                <a:latin typeface="+mn-lt"/>
-                <a:ea typeface="+mn-ea"/>
-                <a:cs typeface="+mn-cs"/>
-              </a:defRPr>
-            </a:lvl5pPr>
-            <a:lvl6pPr marL="2514600" indent="-228600" algn="l" defTabSz="914400" rtl="0" eaLnBrk="1" latinLnBrk="0" hangingPunct="1">
-              <a:spcBef>
-                <a:spcPct val="20000"/>
-              </a:spcBef>
-              <a:buFont typeface="Arial" panose="020B0604020202020204" pitchFamily="34" charset="0"/>
-              <a:buChar char="•"/>
-              <a:defRPr sz="2000" kern="1200">
-                <a:solidFill>
-                  <a:schemeClr val="tx1"/>
-                </a:solidFill>
-                <a:latin typeface="+mn-lt"/>
-                <a:ea typeface="+mn-ea"/>
-                <a:cs typeface="+mn-cs"/>
-              </a:defRPr>
-            </a:lvl6pPr>
-            <a:lvl7pPr marL="2971800" indent="-228600" algn="l" defTabSz="914400" rtl="0" eaLnBrk="1" latinLnBrk="0" hangingPunct="1">
-              <a:spcBef>
-                <a:spcPct val="20000"/>
-              </a:spcBef>
-              <a:buFont typeface="Arial" panose="020B0604020202020204" pitchFamily="34" charset="0"/>
-              <a:buChar char="•"/>
-              <a:defRPr sz="2000" kern="1200">
-                <a:solidFill>
-                  <a:schemeClr val="tx1"/>
-                </a:solidFill>
-                <a:latin typeface="+mn-lt"/>
-                <a:ea typeface="+mn-ea"/>
-                <a:cs typeface="+mn-cs"/>
-              </a:defRPr>
-            </a:lvl7pPr>
-            <a:lvl8pPr marL="3429000" indent="-228600" algn="l" defTabSz="914400" rtl="0" eaLnBrk="1" latinLnBrk="0" hangingPunct="1">
-              <a:spcBef>
-                <a:spcPct val="20000"/>
-              </a:spcBef>
-              <a:buFont typeface="Arial" panose="020B0604020202020204" pitchFamily="34" charset="0"/>
-              <a:buChar char="•"/>
-              <a:defRPr sz="2000" kern="1200">
-                <a:solidFill>
-                  <a:schemeClr val="tx1"/>
-                </a:solidFill>
-                <a:latin typeface="+mn-lt"/>
-                <a:ea typeface="+mn-ea"/>
-                <a:cs typeface="+mn-cs"/>
-              </a:defRPr>
-            </a:lvl8pPr>
-            <a:lvl9pPr marL="3886200" indent="-228600" algn="l" defTabSz="914400" rtl="0" eaLnBrk="1" latinLnBrk="0" hangingPunct="1">
-              <a:spcBef>
-                <a:spcPct val="20000"/>
-              </a:spcBef>
-              <a:buFont typeface="Arial" panose="020B0604020202020204" pitchFamily="34" charset="0"/>
-              <a:buChar char="•"/>
-              <a:defRPr sz="2000" kern="1200">
-                <a:solidFill>
-                  <a:schemeClr val="tx1"/>
-                </a:solidFill>
-                <a:latin typeface="+mn-lt"/>
-                <a:ea typeface="+mn-ea"/>
-                <a:cs typeface="+mn-cs"/>
-              </a:defRPr>
-            </a:lvl9pPr>
-          </a:lstStyle>
-          <a:p>
-            <a:pPr marL="0" indent="0" algn="ctr">
-              <a:buFont typeface="Arial" charset="0"/>
-              <a:buNone/>
-            </a:pPr>
-            <a:r>
-              <a:rPr lang="en-US" sz="1200" b="1" i="1" dirty="0"/>
-              <a:t>2,410 US Craft Beers</a:t>
-            </a:r>
-          </a:p>
-          <a:p>
-            <a:pPr marL="0" indent="0">
-              <a:buFont typeface="Arial" charset="0"/>
-              <a:buNone/>
-            </a:pPr>
-            <a:endParaRPr lang="en-US" sz="1200" dirty="0"/>
-          </a:p>
-          <a:p>
-            <a:endParaRPr lang="en-US" dirty="0"/>
-          </a:p>
-          <a:p>
-            <a:endParaRPr lang="en-US" dirty="0"/>
-          </a:p>
-          <a:p>
-            <a:endParaRPr lang="en-US" dirty="0"/>
-          </a:p>
-          <a:p>
-            <a:endParaRPr lang="en-US" dirty="0"/>
-          </a:p>
-          <a:p>
-            <a:pPr marL="0" indent="0">
-              <a:buFont typeface="Arial" charset="0"/>
-              <a:buNone/>
-            </a:pPr>
-            <a:endParaRPr lang="en-US" i="1" dirty="0"/>
-          </a:p>
-        </p:txBody>
-      </p:sp>
-      <p:sp>
-        <p:nvSpPr>
-          <p:cNvPr id="9" name="Content Placeholder 4">
-            <a:extLst>
-              <a:ext uri="{FF2B5EF4-FFF2-40B4-BE49-F238E27FC236}">
-                <a16:creationId xmlns:a16="http://schemas.microsoft.com/office/drawing/2014/main" id="{02F22577-FF19-4B6D-89D9-CFD9B2D65986}"/>
-              </a:ext>
-            </a:extLst>
-          </p:cNvPr>
-          <p:cNvSpPr txBox="1">
-            <a:spLocks/>
-          </p:cNvSpPr>
-          <p:nvPr/>
-        </p:nvSpPr>
-        <p:spPr>
-          <a:xfrm>
-            <a:off x="7581417" y="4582430"/>
-            <a:ext cx="1383295" cy="349625"/>
-          </a:xfrm>
-          <a:prstGeom prst="rect">
-            <a:avLst/>
-          </a:prstGeom>
-        </p:spPr>
-        <p:txBody>
-          <a:bodyPr vert="horz" lIns="91440" tIns="45720" rIns="91440" bIns="45720" rtlCol="0">
-            <a:noAutofit/>
-          </a:bodyPr>
-          <a:lstStyle>
-            <a:lvl1pPr marL="342900" indent="-342900" algn="l" defTabSz="914400" rtl="0" eaLnBrk="1" latinLnBrk="0" hangingPunct="1">
-              <a:spcBef>
-                <a:spcPts val="600"/>
-              </a:spcBef>
-              <a:buFont typeface="Arial" charset="0"/>
-              <a:buChar char="•"/>
-              <a:defRPr sz="3200" kern="1200">
-                <a:solidFill>
-                  <a:schemeClr val="tx1"/>
-                </a:solidFill>
-                <a:latin typeface="+mn-lt"/>
-                <a:ea typeface="+mn-ea"/>
-                <a:cs typeface="+mn-cs"/>
-              </a:defRPr>
-            </a:lvl1pPr>
-            <a:lvl2pPr marL="742950" indent="-285750" algn="l" defTabSz="914400" rtl="0" eaLnBrk="1" latinLnBrk="0" hangingPunct="1">
-              <a:spcBef>
-                <a:spcPts val="600"/>
-              </a:spcBef>
-              <a:buFont typeface="Arial" charset="0"/>
-              <a:buChar char="•"/>
-              <a:defRPr sz="2800" b="0" i="0" u="none" kern="1200">
-                <a:solidFill>
-                  <a:schemeClr val="tx1"/>
-                </a:solidFill>
-                <a:latin typeface="+mn-lt"/>
-                <a:ea typeface="+mn-ea"/>
-                <a:cs typeface="+mn-cs"/>
-              </a:defRPr>
-            </a:lvl2pPr>
-            <a:lvl3pPr marL="1143000" indent="-228600" algn="l" defTabSz="914400" rtl="0" eaLnBrk="1" latinLnBrk="0" hangingPunct="1">
-              <a:spcBef>
-                <a:spcPts val="600"/>
-              </a:spcBef>
-              <a:buFont typeface="Arial" charset="0"/>
-              <a:buChar char="•"/>
-              <a:defRPr sz="2400" kern="1200">
-                <a:solidFill>
-                  <a:schemeClr val="tx1"/>
-                </a:solidFill>
-                <a:latin typeface="+mn-lt"/>
-                <a:ea typeface="+mn-ea"/>
-                <a:cs typeface="+mn-cs"/>
-              </a:defRPr>
-            </a:lvl3pPr>
-            <a:lvl4pPr marL="1600200" indent="-228600" algn="l" defTabSz="914400" rtl="0" eaLnBrk="1" latinLnBrk="0" hangingPunct="1">
-              <a:spcBef>
-                <a:spcPts val="600"/>
-              </a:spcBef>
-              <a:buFont typeface="Arial" charset="0"/>
-              <a:buChar char="•"/>
-              <a:defRPr sz="2000" kern="1200">
-                <a:solidFill>
-                  <a:schemeClr val="tx1"/>
-                </a:solidFill>
-                <a:latin typeface="+mn-lt"/>
-                <a:ea typeface="+mn-ea"/>
-                <a:cs typeface="+mn-cs"/>
-              </a:defRPr>
-            </a:lvl4pPr>
-            <a:lvl5pPr marL="2057400" indent="-228600" algn="l" defTabSz="914400" rtl="0" eaLnBrk="1" latinLnBrk="0" hangingPunct="1">
-              <a:spcBef>
-                <a:spcPts val="600"/>
-              </a:spcBef>
-              <a:buFont typeface="Arial" charset="0"/>
-              <a:buChar char="•"/>
-              <a:defRPr sz="2000" kern="1200">
-                <a:solidFill>
-                  <a:schemeClr val="tx1"/>
-                </a:solidFill>
-                <a:latin typeface="+mn-lt"/>
-                <a:ea typeface="+mn-ea"/>
-                <a:cs typeface="+mn-cs"/>
-              </a:defRPr>
-            </a:lvl5pPr>
-            <a:lvl6pPr marL="2514600" indent="-228600" algn="l" defTabSz="914400" rtl="0" eaLnBrk="1" latinLnBrk="0" hangingPunct="1">
-              <a:spcBef>
-                <a:spcPct val="20000"/>
-              </a:spcBef>
-              <a:buFont typeface="Arial" panose="020B0604020202020204" pitchFamily="34" charset="0"/>
-              <a:buChar char="•"/>
-              <a:defRPr sz="2000" kern="1200">
-                <a:solidFill>
-                  <a:schemeClr val="tx1"/>
-                </a:solidFill>
-                <a:latin typeface="+mn-lt"/>
-                <a:ea typeface="+mn-ea"/>
-                <a:cs typeface="+mn-cs"/>
-              </a:defRPr>
-            </a:lvl6pPr>
-            <a:lvl7pPr marL="2971800" indent="-228600" algn="l" defTabSz="914400" rtl="0" eaLnBrk="1" latinLnBrk="0" hangingPunct="1">
-              <a:spcBef>
-                <a:spcPct val="20000"/>
-              </a:spcBef>
-              <a:buFont typeface="Arial" panose="020B0604020202020204" pitchFamily="34" charset="0"/>
-              <a:buChar char="•"/>
-              <a:defRPr sz="2000" kern="1200">
-                <a:solidFill>
-                  <a:schemeClr val="tx1"/>
-                </a:solidFill>
-                <a:latin typeface="+mn-lt"/>
-                <a:ea typeface="+mn-ea"/>
-                <a:cs typeface="+mn-cs"/>
-              </a:defRPr>
-            </a:lvl7pPr>
-            <a:lvl8pPr marL="3429000" indent="-228600" algn="l" defTabSz="914400" rtl="0" eaLnBrk="1" latinLnBrk="0" hangingPunct="1">
-              <a:spcBef>
-                <a:spcPct val="20000"/>
-              </a:spcBef>
-              <a:buFont typeface="Arial" panose="020B0604020202020204" pitchFamily="34" charset="0"/>
-              <a:buChar char="•"/>
-              <a:defRPr sz="2000" kern="1200">
-                <a:solidFill>
-                  <a:schemeClr val="tx1"/>
-                </a:solidFill>
-                <a:latin typeface="+mn-lt"/>
-                <a:ea typeface="+mn-ea"/>
-                <a:cs typeface="+mn-cs"/>
-              </a:defRPr>
-            </a:lvl8pPr>
-            <a:lvl9pPr marL="3886200" indent="-228600" algn="l" defTabSz="914400" rtl="0" eaLnBrk="1" latinLnBrk="0" hangingPunct="1">
-              <a:spcBef>
-                <a:spcPct val="20000"/>
-              </a:spcBef>
-              <a:buFont typeface="Arial" panose="020B0604020202020204" pitchFamily="34" charset="0"/>
-              <a:buChar char="•"/>
-              <a:defRPr sz="2000" kern="1200">
-                <a:solidFill>
-                  <a:schemeClr val="tx1"/>
-                </a:solidFill>
-                <a:latin typeface="+mn-lt"/>
-                <a:ea typeface="+mn-ea"/>
-                <a:cs typeface="+mn-cs"/>
-              </a:defRPr>
-            </a:lvl9pPr>
-          </a:lstStyle>
-          <a:p>
-            <a:pPr marL="0" indent="0" algn="ctr">
-              <a:buFont typeface="Arial" charset="0"/>
-              <a:buNone/>
-            </a:pPr>
-            <a:r>
-              <a:rPr lang="en-US" sz="1200" b="1" i="1" dirty="0"/>
-              <a:t>558 Breweries</a:t>
-            </a:r>
-          </a:p>
-          <a:p>
-            <a:pPr marL="0" indent="0">
-              <a:buFont typeface="Arial" charset="0"/>
-              <a:buNone/>
-            </a:pPr>
-            <a:endParaRPr lang="en-US" dirty="0"/>
-          </a:p>
-          <a:p>
-            <a:endParaRPr lang="en-US" dirty="0"/>
-          </a:p>
-          <a:p>
-            <a:endParaRPr lang="en-US" dirty="0"/>
-          </a:p>
-          <a:p>
-            <a:endParaRPr lang="en-US" dirty="0"/>
-          </a:p>
-          <a:p>
-            <a:endParaRPr lang="en-US" dirty="0"/>
-          </a:p>
-          <a:p>
-            <a:pPr marL="0" indent="0">
-              <a:buFont typeface="Arial" charset="0"/>
-              <a:buNone/>
-            </a:pPr>
-            <a:endParaRPr lang="en-US" i="1" dirty="0"/>
-          </a:p>
-        </p:txBody>
-      </p:sp>
-    </p:spTree>
-    <p:extLst>
-      <p:ext uri="{BB962C8B-B14F-4D97-AF65-F5344CB8AC3E}">
-        <p14:creationId xmlns:p14="http://schemas.microsoft.com/office/powerpoint/2010/main" val="170715436"/>
-      </p:ext>
-    </p:extLst>
-  </p:cSld>
-  <p:clrMapOvr>
-    <a:masterClrMapping/>
-  </p:clrMapOvr>
-</p:sld>
-</file>
-
-<file path=ppt/slides/slide3.xml><?xml version="1.0" encoding="utf-8"?>
-<p:sld xmlns:a="http://schemas.openxmlformats.org/drawingml/2006/main" xmlns:r="http://schemas.openxmlformats.org/officeDocument/2006/relationships" xmlns:p="http://schemas.openxmlformats.org/presentationml/2006/main">
-  <p:cSld>
-    <p:spTree>
-      <p:nvGrpSpPr>
-        <p:cNvPr id="1" name=""/>
-        <p:cNvGrpSpPr/>
-        <p:nvPr/>
-      </p:nvGrpSpPr>
-      <p:grpSpPr>
-        <a:xfrm>
-          <a:off x="0" y="0"/>
-          <a:ext cx="0" cy="0"/>
-          <a:chOff x="0" y="0"/>
-          <a:chExt cx="0" cy="0"/>
-        </a:xfrm>
-      </p:grpSpPr>
-      <p:sp>
-        <p:nvSpPr>
-          <p:cNvPr id="2" name="Title 1">
-            <a:extLst>
-              <a:ext uri="{FF2B5EF4-FFF2-40B4-BE49-F238E27FC236}">
                 <a16:creationId xmlns:a16="http://schemas.microsoft.com/office/drawing/2014/main" id="{B1AC9C15-90E5-4304-8A55-B2A517ADB20D}"/>
               </a:ext>
             </a:extLst>
@@ -5908,7 +4918,7 @@
           <a:p>
             <a:r>
               <a:rPr lang="en-US" dirty="0"/>
-              <a:t>Questions of Interest</a:t>
+              <a:t>Demo</a:t>
             </a:r>
           </a:p>
         </p:txBody>
@@ -5928,14 +4938,14 @@
           <p:nvPr>
             <p:extLst>
               <p:ext uri="{D42A27DB-BD31-4B8C-83A1-F6EECF244321}">
-                <p14:modId xmlns:p14="http://schemas.microsoft.com/office/powerpoint/2010/main" val="1921884542"/>
+                <p14:modId xmlns:p14="http://schemas.microsoft.com/office/powerpoint/2010/main" val="947288912"/>
               </p:ext>
             </p:extLst>
           </p:nvPr>
         </p:nvGraphicFramePr>
         <p:xfrm>
           <a:off x="457200" y="1795242"/>
-          <a:ext cx="8229600" cy="4646651"/>
+          <a:ext cx="8229600" cy="3063240"/>
         </p:xfrm>
         <a:graphic>
           <a:graphicData uri="http://schemas.openxmlformats.org/drawingml/2006/table">
@@ -5959,7 +4969,7 @@
                   </a:extLst>
                 </a:gridCol>
               </a:tblGrid>
-              <a:tr h="602344">
+              <a:tr h="364500">
                 <a:tc>
                   <a:txBody>
                     <a:bodyPr/>
@@ -6049,7 +5059,7 @@
                   </a:ext>
                 </a:extLst>
               </a:tr>
-              <a:tr h="4044307">
+              <a:tr h="2301422">
                 <a:tc>
                   <a:txBody>
                     <a:bodyPr/>
@@ -6094,7 +5104,7 @@
                           <a:ea typeface="+mn-ea"/>
                           <a:cs typeface="+mn-cs"/>
                         </a:rPr>
-                        <a:t>Brewery Count by State</a:t>
+                        <a:t>Show YAML file configuration</a:t>
                       </a:r>
                     </a:p>
                     <a:p>
@@ -6124,7 +5134,51 @@
                           <a:ea typeface="+mn-ea"/>
                           <a:cs typeface="+mn-cs"/>
                         </a:rPr>
-                        <a:t>Missing Values</a:t>
+                        <a:t>Open </a:t>
+                      </a:r>
+                      <a:r>
+                        <a:rPr lang="en-US" sz="2400" kern="1200" dirty="0" err="1">
+                          <a:solidFill>
+                            <a:schemeClr val="tx1"/>
+                          </a:solidFill>
+                          <a:latin typeface="+mn-lt"/>
+                          <a:ea typeface="+mn-ea"/>
+                          <a:cs typeface="+mn-cs"/>
+                        </a:rPr>
+                        <a:t>Pipfile</a:t>
+                      </a:r>
+                      <a:r>
+                        <a:rPr lang="en-US" sz="2400" kern="1200" dirty="0">
+                          <a:solidFill>
+                            <a:schemeClr val="tx1"/>
+                          </a:solidFill>
+                          <a:latin typeface="+mn-lt"/>
+                          <a:ea typeface="+mn-ea"/>
+                          <a:cs typeface="+mn-cs"/>
+                        </a:rPr>
+                        <a:t> and </a:t>
+                      </a:r>
+                      <a:r>
+                        <a:rPr lang="en-US" sz="2400" kern="1200" dirty="0" err="1">
+                          <a:solidFill>
+                            <a:schemeClr val="tx1"/>
+                          </a:solidFill>
+                          <a:latin typeface="+mn-lt"/>
+                          <a:ea typeface="+mn-ea"/>
+                          <a:cs typeface="+mn-cs"/>
+                        </a:rPr>
+                        <a:t>package.json</a:t>
+                      </a:r>
+                      <a:r>
+                        <a:rPr lang="en-US" sz="2400" kern="1200" dirty="0">
+                          <a:solidFill>
+                            <a:schemeClr val="tx1"/>
+                          </a:solidFill>
+                          <a:latin typeface="+mn-lt"/>
+                          <a:ea typeface="+mn-ea"/>
+                          <a:cs typeface="+mn-cs"/>
+                        </a:rPr>
+                        <a:t> files</a:t>
                       </a:r>
                     </a:p>
                     <a:p>
@@ -6154,7 +5208,7 @@
                           <a:ea typeface="+mn-ea"/>
                           <a:cs typeface="+mn-cs"/>
                         </a:rPr>
-                        <a:t>Median ABV/IBU per State</a:t>
+                        <a:t>Review the python directory structure</a:t>
                       </a:r>
                     </a:p>
                     <a:p>
@@ -6184,7 +5238,7 @@
                           <a:ea typeface="+mn-ea"/>
                           <a:cs typeface="+mn-cs"/>
                         </a:rPr>
-                        <a:t>Maximum Values</a:t>
+                        <a:t>Invoke the lambda function locally</a:t>
                       </a:r>
                     </a:p>
                     <a:p>
@@ -6214,13 +5268,26 @@
                           <a:ea typeface="+mn-ea"/>
                           <a:cs typeface="+mn-cs"/>
                         </a:rPr>
-                        <a:t>ABV Summary Statistics/ Distribution</a:t>
+                        <a:t>Deploy to AWS</a:t>
                       </a:r>
                     </a:p>
                     <a:p>
-                      <a:pPr marL="285750" indent="-285750">
+                      <a:pPr marL="285750" marR="0" lvl="0" indent="-285750" algn="l" defTabSz="457200" rtl="0" eaLnBrk="1" fontAlgn="auto" latinLnBrk="0" hangingPunct="1">
+                        <a:lnSpc>
+                          <a:spcPct val="100000"/>
+                        </a:lnSpc>
+                        <a:spcBef>
+                          <a:spcPts val="0"/>
+                        </a:spcBef>
+                        <a:spcAft>
+                          <a:spcPts val="0"/>
+                        </a:spcAft>
+                        <a:buClrTx/>
+                        <a:buSzTx/>
                         <a:buFont typeface="Arial" charset="0"/>
                         <a:buChar char="•"/>
+                        <a:tabLst/>
+                        <a:defRPr/>
                       </a:pPr>
                       <a:r>
                         <a:rPr lang="en-US" sz="2400" kern="1200" dirty="0">
@@ -6231,41 +5298,7 @@
                           <a:ea typeface="+mn-ea"/>
                           <a:cs typeface="+mn-cs"/>
                         </a:rPr>
-                        <a:t>IBU to ABU Relationship</a:t>
-                      </a:r>
-                    </a:p>
-                    <a:p>
-                      <a:pPr marL="285750" indent="-285750">
-                        <a:buFont typeface="Arial" charset="0"/>
-                        <a:buChar char="•"/>
-                      </a:pPr>
-                      <a:r>
-                        <a:rPr lang="en-US" sz="2400" kern="1200" dirty="0">
-                          <a:solidFill>
-                            <a:schemeClr val="tx1"/>
-                          </a:solidFill>
-                          <a:latin typeface="+mn-lt"/>
-                          <a:ea typeface="+mn-ea"/>
-                          <a:cs typeface="+mn-cs"/>
-                        </a:rPr>
-                        <a:t>IPAs (India Pale Ales) and other types of Ale</a:t>
-                      </a:r>
-                    </a:p>
-                    <a:p>
-                      <a:pPr marL="285750" indent="-285750">
-                        <a:buFont typeface="Arial" charset="0"/>
-                        <a:buChar char="•"/>
-                      </a:pPr>
-                      <a:r>
-                        <a:rPr lang="en-US" sz="2400" kern="1200" dirty="0">
-                          <a:solidFill>
-                            <a:schemeClr val="tx1"/>
-                          </a:solidFill>
-                          <a:latin typeface="+mn-lt"/>
-                          <a:ea typeface="+mn-ea"/>
-                          <a:cs typeface="+mn-cs"/>
-                        </a:rPr>
-                        <a:t>Opportunities </a:t>
+                        <a:t>Confirm the results</a:t>
                       </a:r>
                     </a:p>
                   </a:txBody>
@@ -6300,7 +5333,7 @@
                           <a:latin typeface="Calibri" panose="020F0502020204030204" pitchFamily="34" charset="0"/>
                           <a:cs typeface="Calibri" panose="020F0502020204030204" pitchFamily="34" charset="0"/>
                         </a:rPr>
-                        <a:t>7 minutes</a:t>
+                        <a:t>3 minutes</a:t>
                       </a:r>
                       <a:endParaRPr lang="en-US" sz="2400" dirty="0">
                         <a:latin typeface="Calibri" panose="020F0502020204030204" pitchFamily="34" charset="0"/>
@@ -6352,7 +5385,961 @@
 </p:sld>
 </file>
 
-<file path=ppt/slides/slide4.xml><?xml version="1.0" encoding="utf-8"?>
+<file path=ppt/slides/slide15.xml><?xml version="1.0" encoding="utf-8"?>
+<p:sld xmlns:a="http://schemas.openxmlformats.org/drawingml/2006/main" xmlns:r="http://schemas.openxmlformats.org/officeDocument/2006/relationships" xmlns:p="http://schemas.openxmlformats.org/presentationml/2006/main">
+  <p:cSld>
+    <p:spTree>
+      <p:nvGrpSpPr>
+        <p:cNvPr id="1" name=""/>
+        <p:cNvGrpSpPr/>
+        <p:nvPr/>
+      </p:nvGrpSpPr>
+      <p:grpSpPr>
+        <a:xfrm>
+          <a:off x="0" y="0"/>
+          <a:ext cx="0" cy="0"/>
+          <a:chOff x="0" y="0"/>
+          <a:chExt cx="0" cy="0"/>
+        </a:xfrm>
+      </p:grpSpPr>
+      <p:sp>
+        <p:nvSpPr>
+          <p:cNvPr id="2" name="Title 1">
+            <a:extLst>
+              <a:ext uri="{FF2B5EF4-FFF2-40B4-BE49-F238E27FC236}">
+                <a16:creationId xmlns:a16="http://schemas.microsoft.com/office/drawing/2014/main" id="{5B931770-76C9-F749-9B7D-08A4A1F13896}"/>
+              </a:ext>
+            </a:extLst>
+          </p:cNvPr>
+          <p:cNvSpPr>
+            <a:spLocks noGrp="1"/>
+          </p:cNvSpPr>
+          <p:nvPr>
+            <p:ph type="title"/>
+          </p:nvPr>
+        </p:nvSpPr>
+        <p:spPr>
+          <a:xfrm>
+            <a:off x="0" y="228600"/>
+            <a:ext cx="9144000" cy="1143000"/>
+          </a:xfrm>
+        </p:spPr>
+        <p:txBody>
+          <a:bodyPr/>
+          <a:lstStyle/>
+          <a:p>
+            <a:r>
+              <a:rPr lang="en-US" dirty="0"/>
+              <a:t>Maximum Values by State (IBU)</a:t>
+            </a:r>
+          </a:p>
+        </p:txBody>
+      </p:sp>
+      <p:sp>
+        <p:nvSpPr>
+          <p:cNvPr id="5" name="Content Placeholder 4">
+            <a:extLst>
+              <a:ext uri="{FF2B5EF4-FFF2-40B4-BE49-F238E27FC236}">
+                <a16:creationId xmlns:a16="http://schemas.microsoft.com/office/drawing/2014/main" id="{375CDB98-7F05-41AD-9F29-81E3D0CFBEFF}"/>
+              </a:ext>
+            </a:extLst>
+          </p:cNvPr>
+          <p:cNvSpPr>
+            <a:spLocks noGrp="1"/>
+          </p:cNvSpPr>
+          <p:nvPr>
+            <p:ph idx="1"/>
+          </p:nvPr>
+        </p:nvSpPr>
+        <p:spPr>
+          <a:xfrm>
+            <a:off x="457199" y="1627905"/>
+            <a:ext cx="8229600" cy="4854011"/>
+          </a:xfrm>
+        </p:spPr>
+        <p:txBody>
+          <a:bodyPr/>
+          <a:lstStyle/>
+          <a:p>
+            <a:r>
+              <a:rPr lang="en-US" dirty="0"/>
+              <a:t>Similar differences can be seen across the IBU statistics</a:t>
+            </a:r>
+          </a:p>
+          <a:p>
+            <a:pPr marL="0" indent="0">
+              <a:buNone/>
+            </a:pPr>
+            <a:endParaRPr lang="en-US" dirty="0"/>
+          </a:p>
+          <a:p>
+            <a:endParaRPr lang="en-US" dirty="0"/>
+          </a:p>
+          <a:p>
+            <a:endParaRPr lang="en-US" dirty="0"/>
+          </a:p>
+          <a:p>
+            <a:endParaRPr lang="en-US" dirty="0"/>
+          </a:p>
+          <a:p>
+            <a:endParaRPr lang="en-US" dirty="0"/>
+          </a:p>
+          <a:p>
+            <a:endParaRPr lang="en-US" dirty="0"/>
+          </a:p>
+          <a:p>
+            <a:pPr marL="0" indent="0">
+              <a:buNone/>
+            </a:pPr>
+            <a:endParaRPr lang="en-US" sz="1600" i="1" dirty="0"/>
+          </a:p>
+          <a:p>
+            <a:pPr marL="0" indent="0">
+              <a:buNone/>
+            </a:pPr>
+            <a:endParaRPr lang="en-US" dirty="0"/>
+          </a:p>
+          <a:p>
+            <a:pPr marL="0" indent="0">
+              <a:buNone/>
+            </a:pPr>
+            <a:endParaRPr lang="en-US" dirty="0"/>
+          </a:p>
+        </p:txBody>
+      </p:sp>
+      <p:pic>
+        <p:nvPicPr>
+          <p:cNvPr id="3" name="Picture 2">
+            <a:extLst>
+              <a:ext uri="{FF2B5EF4-FFF2-40B4-BE49-F238E27FC236}">
+                <a16:creationId xmlns:a16="http://schemas.microsoft.com/office/drawing/2014/main" id="{7E916713-11CD-435D-9CAE-60765E7A5662}"/>
+              </a:ext>
+            </a:extLst>
+          </p:cNvPr>
+          <p:cNvPicPr>
+            <a:picLocks noChangeAspect="1"/>
+          </p:cNvPicPr>
+          <p:nvPr/>
+        </p:nvPicPr>
+        <p:blipFill>
+          <a:blip r:embed="rId2"/>
+          <a:stretch>
+            <a:fillRect/>
+          </a:stretch>
+        </p:blipFill>
+        <p:spPr>
+          <a:xfrm>
+            <a:off x="2296137" y="3182435"/>
+            <a:ext cx="4551726" cy="2047660"/>
+          </a:xfrm>
+          <a:prstGeom prst="rect">
+            <a:avLst/>
+          </a:prstGeom>
+        </p:spPr>
+      </p:pic>
+    </p:spTree>
+    <p:extLst>
+      <p:ext uri="{BB962C8B-B14F-4D97-AF65-F5344CB8AC3E}">
+        <p14:creationId xmlns:p14="http://schemas.microsoft.com/office/powerpoint/2010/main" val="724258878"/>
+      </p:ext>
+    </p:extLst>
+  </p:cSld>
+  <p:clrMapOvr>
+    <a:masterClrMapping/>
+  </p:clrMapOvr>
+</p:sld>
+</file>
+
+<file path=ppt/slides/slide16.xml><?xml version="1.0" encoding="utf-8"?>
+<p:sld xmlns:a="http://schemas.openxmlformats.org/drawingml/2006/main" xmlns:r="http://schemas.openxmlformats.org/officeDocument/2006/relationships" xmlns:p="http://schemas.openxmlformats.org/presentationml/2006/main">
+  <p:cSld>
+    <p:spTree>
+      <p:nvGrpSpPr>
+        <p:cNvPr id="1" name=""/>
+        <p:cNvGrpSpPr/>
+        <p:nvPr/>
+      </p:nvGrpSpPr>
+      <p:grpSpPr>
+        <a:xfrm>
+          <a:off x="0" y="0"/>
+          <a:ext cx="0" cy="0"/>
+          <a:chOff x="0" y="0"/>
+          <a:chExt cx="0" cy="0"/>
+        </a:xfrm>
+      </p:grpSpPr>
+      <p:sp>
+        <p:nvSpPr>
+          <p:cNvPr id="2" name="Title 1">
+            <a:extLst>
+              <a:ext uri="{FF2B5EF4-FFF2-40B4-BE49-F238E27FC236}">
+                <a16:creationId xmlns:a16="http://schemas.microsoft.com/office/drawing/2014/main" id="{5B931770-76C9-F749-9B7D-08A4A1F13896}"/>
+              </a:ext>
+            </a:extLst>
+          </p:cNvPr>
+          <p:cNvSpPr>
+            <a:spLocks noGrp="1"/>
+          </p:cNvSpPr>
+          <p:nvPr>
+            <p:ph type="title"/>
+          </p:nvPr>
+        </p:nvSpPr>
+        <p:spPr>
+          <a:xfrm>
+            <a:off x="0" y="228600"/>
+            <a:ext cx="9144000" cy="1143000"/>
+          </a:xfrm>
+        </p:spPr>
+        <p:txBody>
+          <a:bodyPr/>
+          <a:lstStyle/>
+          <a:p>
+            <a:r>
+              <a:rPr lang="en-US" dirty="0"/>
+              <a:t>Data Sets and Definitions</a:t>
+            </a:r>
+          </a:p>
+        </p:txBody>
+      </p:sp>
+      <p:sp>
+        <p:nvSpPr>
+          <p:cNvPr id="5" name="Content Placeholder 4">
+            <a:extLst>
+              <a:ext uri="{FF2B5EF4-FFF2-40B4-BE49-F238E27FC236}">
+                <a16:creationId xmlns:a16="http://schemas.microsoft.com/office/drawing/2014/main" id="{375CDB98-7F05-41AD-9F29-81E3D0CFBEFF}"/>
+              </a:ext>
+            </a:extLst>
+          </p:cNvPr>
+          <p:cNvSpPr>
+            <a:spLocks noGrp="1"/>
+          </p:cNvSpPr>
+          <p:nvPr>
+            <p:ph idx="1"/>
+          </p:nvPr>
+        </p:nvSpPr>
+        <p:spPr>
+          <a:xfrm>
+            <a:off x="1084006" y="2148682"/>
+            <a:ext cx="2455607" cy="672843"/>
+          </a:xfrm>
+        </p:spPr>
+        <p:txBody>
+          <a:bodyPr/>
+          <a:lstStyle/>
+          <a:p>
+            <a:pPr marL="0" indent="0" algn="ctr">
+              <a:buNone/>
+            </a:pPr>
+            <a:r>
+              <a:rPr lang="en-US" dirty="0"/>
+              <a:t>Beers</a:t>
+            </a:r>
+          </a:p>
+          <a:p>
+            <a:pPr marL="0" indent="0">
+              <a:buNone/>
+            </a:pPr>
+            <a:endParaRPr lang="en-US" dirty="0"/>
+          </a:p>
+          <a:p>
+            <a:endParaRPr lang="en-US" dirty="0"/>
+          </a:p>
+          <a:p>
+            <a:endParaRPr lang="en-US" dirty="0"/>
+          </a:p>
+          <a:p>
+            <a:endParaRPr lang="en-US" dirty="0"/>
+          </a:p>
+          <a:p>
+            <a:endParaRPr lang="en-US" dirty="0"/>
+          </a:p>
+          <a:p>
+            <a:pPr marL="0" indent="0">
+              <a:buNone/>
+            </a:pPr>
+            <a:endParaRPr lang="en-US" dirty="0"/>
+          </a:p>
+        </p:txBody>
+      </p:sp>
+      <p:pic>
+        <p:nvPicPr>
+          <p:cNvPr id="3" name="Picture 2">
+            <a:extLst>
+              <a:ext uri="{FF2B5EF4-FFF2-40B4-BE49-F238E27FC236}">
+                <a16:creationId xmlns:a16="http://schemas.microsoft.com/office/drawing/2014/main" id="{144A0483-CFE7-4D0B-9162-730F48F7B7F4}"/>
+              </a:ext>
+            </a:extLst>
+          </p:cNvPr>
+          <p:cNvPicPr>
+            <a:picLocks noChangeAspect="1"/>
+          </p:cNvPicPr>
+          <p:nvPr/>
+        </p:nvPicPr>
+        <p:blipFill>
+          <a:blip r:embed="rId3"/>
+          <a:stretch>
+            <a:fillRect/>
+          </a:stretch>
+        </p:blipFill>
+        <p:spPr>
+          <a:xfrm>
+            <a:off x="221225" y="2821525"/>
+            <a:ext cx="4181170" cy="2581468"/>
+          </a:xfrm>
+          <a:prstGeom prst="rect">
+            <a:avLst/>
+          </a:prstGeom>
+        </p:spPr>
+      </p:pic>
+      <p:pic>
+        <p:nvPicPr>
+          <p:cNvPr id="4" name="Picture 3">
+            <a:extLst>
+              <a:ext uri="{FF2B5EF4-FFF2-40B4-BE49-F238E27FC236}">
+                <a16:creationId xmlns:a16="http://schemas.microsoft.com/office/drawing/2014/main" id="{DC96259F-E6CE-4B04-9F81-522004CCF1CE}"/>
+              </a:ext>
+            </a:extLst>
+          </p:cNvPr>
+          <p:cNvPicPr>
+            <a:picLocks noChangeAspect="1"/>
+          </p:cNvPicPr>
+          <p:nvPr/>
+        </p:nvPicPr>
+        <p:blipFill>
+          <a:blip r:embed="rId4"/>
+          <a:stretch>
+            <a:fillRect/>
+          </a:stretch>
+        </p:blipFill>
+        <p:spPr>
+          <a:xfrm>
+            <a:off x="4741606" y="2821525"/>
+            <a:ext cx="4223107" cy="1715061"/>
+          </a:xfrm>
+          <a:prstGeom prst="rect">
+            <a:avLst/>
+          </a:prstGeom>
+        </p:spPr>
+      </p:pic>
+      <p:sp>
+        <p:nvSpPr>
+          <p:cNvPr id="8" name="Content Placeholder 4">
+            <a:extLst>
+              <a:ext uri="{FF2B5EF4-FFF2-40B4-BE49-F238E27FC236}">
+                <a16:creationId xmlns:a16="http://schemas.microsoft.com/office/drawing/2014/main" id="{BBBA70E4-5DB7-4EDB-9C20-ED3B83ABB498}"/>
+              </a:ext>
+            </a:extLst>
+          </p:cNvPr>
+          <p:cNvSpPr txBox="1">
+            <a:spLocks/>
+          </p:cNvSpPr>
+          <p:nvPr/>
+        </p:nvSpPr>
+        <p:spPr>
+          <a:xfrm>
+            <a:off x="5625355" y="2172263"/>
+            <a:ext cx="2455607" cy="672843"/>
+          </a:xfrm>
+          <a:prstGeom prst="rect">
+            <a:avLst/>
+          </a:prstGeom>
+        </p:spPr>
+        <p:txBody>
+          <a:bodyPr vert="horz" lIns="91440" tIns="45720" rIns="91440" bIns="45720" rtlCol="0">
+            <a:noAutofit/>
+          </a:bodyPr>
+          <a:lstStyle>
+            <a:lvl1pPr marL="342900" indent="-342900" algn="l" defTabSz="914400" rtl="0" eaLnBrk="1" latinLnBrk="0" hangingPunct="1">
+              <a:spcBef>
+                <a:spcPts val="600"/>
+              </a:spcBef>
+              <a:buFont typeface="Arial" charset="0"/>
+              <a:buChar char="•"/>
+              <a:defRPr sz="3200" kern="1200">
+                <a:solidFill>
+                  <a:schemeClr val="tx1"/>
+                </a:solidFill>
+                <a:latin typeface="+mn-lt"/>
+                <a:ea typeface="+mn-ea"/>
+                <a:cs typeface="+mn-cs"/>
+              </a:defRPr>
+            </a:lvl1pPr>
+            <a:lvl2pPr marL="742950" indent="-285750" algn="l" defTabSz="914400" rtl="0" eaLnBrk="1" latinLnBrk="0" hangingPunct="1">
+              <a:spcBef>
+                <a:spcPts val="600"/>
+              </a:spcBef>
+              <a:buFont typeface="Arial" charset="0"/>
+              <a:buChar char="•"/>
+              <a:defRPr sz="2800" b="0" i="0" u="none" kern="1200">
+                <a:solidFill>
+                  <a:schemeClr val="tx1"/>
+                </a:solidFill>
+                <a:latin typeface="+mn-lt"/>
+                <a:ea typeface="+mn-ea"/>
+                <a:cs typeface="+mn-cs"/>
+              </a:defRPr>
+            </a:lvl2pPr>
+            <a:lvl3pPr marL="1143000" indent="-228600" algn="l" defTabSz="914400" rtl="0" eaLnBrk="1" latinLnBrk="0" hangingPunct="1">
+              <a:spcBef>
+                <a:spcPts val="600"/>
+              </a:spcBef>
+              <a:buFont typeface="Arial" charset="0"/>
+              <a:buChar char="•"/>
+              <a:defRPr sz="2400" kern="1200">
+                <a:solidFill>
+                  <a:schemeClr val="tx1"/>
+                </a:solidFill>
+                <a:latin typeface="+mn-lt"/>
+                <a:ea typeface="+mn-ea"/>
+                <a:cs typeface="+mn-cs"/>
+              </a:defRPr>
+            </a:lvl3pPr>
+            <a:lvl4pPr marL="1600200" indent="-228600" algn="l" defTabSz="914400" rtl="0" eaLnBrk="1" latinLnBrk="0" hangingPunct="1">
+              <a:spcBef>
+                <a:spcPts val="600"/>
+              </a:spcBef>
+              <a:buFont typeface="Arial" charset="0"/>
+              <a:buChar char="•"/>
+              <a:defRPr sz="2000" kern="1200">
+                <a:solidFill>
+                  <a:schemeClr val="tx1"/>
+                </a:solidFill>
+                <a:latin typeface="+mn-lt"/>
+                <a:ea typeface="+mn-ea"/>
+                <a:cs typeface="+mn-cs"/>
+              </a:defRPr>
+            </a:lvl4pPr>
+            <a:lvl5pPr marL="2057400" indent="-228600" algn="l" defTabSz="914400" rtl="0" eaLnBrk="1" latinLnBrk="0" hangingPunct="1">
+              <a:spcBef>
+                <a:spcPts val="600"/>
+              </a:spcBef>
+              <a:buFont typeface="Arial" charset="0"/>
+              <a:buChar char="•"/>
+              <a:defRPr sz="2000" kern="1200">
+                <a:solidFill>
+                  <a:schemeClr val="tx1"/>
+                </a:solidFill>
+                <a:latin typeface="+mn-lt"/>
+                <a:ea typeface="+mn-ea"/>
+                <a:cs typeface="+mn-cs"/>
+              </a:defRPr>
+            </a:lvl5pPr>
+            <a:lvl6pPr marL="2514600" indent="-228600" algn="l" defTabSz="914400" rtl="0" eaLnBrk="1" latinLnBrk="0" hangingPunct="1">
+              <a:spcBef>
+                <a:spcPct val="20000"/>
+              </a:spcBef>
+              <a:buFont typeface="Arial" panose="020B0604020202020204" pitchFamily="34" charset="0"/>
+              <a:buChar char="•"/>
+              <a:defRPr sz="2000" kern="1200">
+                <a:solidFill>
+                  <a:schemeClr val="tx1"/>
+                </a:solidFill>
+                <a:latin typeface="+mn-lt"/>
+                <a:ea typeface="+mn-ea"/>
+                <a:cs typeface="+mn-cs"/>
+              </a:defRPr>
+            </a:lvl6pPr>
+            <a:lvl7pPr marL="2971800" indent="-228600" algn="l" defTabSz="914400" rtl="0" eaLnBrk="1" latinLnBrk="0" hangingPunct="1">
+              <a:spcBef>
+                <a:spcPct val="20000"/>
+              </a:spcBef>
+              <a:buFont typeface="Arial" panose="020B0604020202020204" pitchFamily="34" charset="0"/>
+              <a:buChar char="•"/>
+              <a:defRPr sz="2000" kern="1200">
+                <a:solidFill>
+                  <a:schemeClr val="tx1"/>
+                </a:solidFill>
+                <a:latin typeface="+mn-lt"/>
+                <a:ea typeface="+mn-ea"/>
+                <a:cs typeface="+mn-cs"/>
+              </a:defRPr>
+            </a:lvl7pPr>
+            <a:lvl8pPr marL="3429000" indent="-228600" algn="l" defTabSz="914400" rtl="0" eaLnBrk="1" latinLnBrk="0" hangingPunct="1">
+              <a:spcBef>
+                <a:spcPct val="20000"/>
+              </a:spcBef>
+              <a:buFont typeface="Arial" panose="020B0604020202020204" pitchFamily="34" charset="0"/>
+              <a:buChar char="•"/>
+              <a:defRPr sz="2000" kern="1200">
+                <a:solidFill>
+                  <a:schemeClr val="tx1"/>
+                </a:solidFill>
+                <a:latin typeface="+mn-lt"/>
+                <a:ea typeface="+mn-ea"/>
+                <a:cs typeface="+mn-cs"/>
+              </a:defRPr>
+            </a:lvl8pPr>
+            <a:lvl9pPr marL="3886200" indent="-228600" algn="l" defTabSz="914400" rtl="0" eaLnBrk="1" latinLnBrk="0" hangingPunct="1">
+              <a:spcBef>
+                <a:spcPct val="20000"/>
+              </a:spcBef>
+              <a:buFont typeface="Arial" panose="020B0604020202020204" pitchFamily="34" charset="0"/>
+              <a:buChar char="•"/>
+              <a:defRPr sz="2000" kern="1200">
+                <a:solidFill>
+                  <a:schemeClr val="tx1"/>
+                </a:solidFill>
+                <a:latin typeface="+mn-lt"/>
+                <a:ea typeface="+mn-ea"/>
+                <a:cs typeface="+mn-cs"/>
+              </a:defRPr>
+            </a:lvl9pPr>
+          </a:lstStyle>
+          <a:p>
+            <a:pPr marL="0" indent="0" algn="ctr">
+              <a:buFont typeface="Arial" charset="0"/>
+              <a:buNone/>
+            </a:pPr>
+            <a:r>
+              <a:rPr lang="en-US" dirty="0"/>
+              <a:t>Breweries</a:t>
+            </a:r>
+          </a:p>
+          <a:p>
+            <a:pPr marL="0" indent="0">
+              <a:buFont typeface="Arial" charset="0"/>
+              <a:buNone/>
+            </a:pPr>
+            <a:endParaRPr lang="en-US" dirty="0"/>
+          </a:p>
+          <a:p>
+            <a:endParaRPr lang="en-US" dirty="0"/>
+          </a:p>
+          <a:p>
+            <a:endParaRPr lang="en-US" dirty="0"/>
+          </a:p>
+          <a:p>
+            <a:endParaRPr lang="en-US" dirty="0"/>
+          </a:p>
+          <a:p>
+            <a:endParaRPr lang="en-US" dirty="0"/>
+          </a:p>
+          <a:p>
+            <a:pPr marL="0" indent="0">
+              <a:buFont typeface="Arial" charset="0"/>
+              <a:buNone/>
+            </a:pPr>
+            <a:endParaRPr lang="en-US" dirty="0"/>
+          </a:p>
+        </p:txBody>
+      </p:sp>
+      <p:sp>
+        <p:nvSpPr>
+          <p:cNvPr id="7" name="Content Placeholder 4">
+            <a:extLst>
+              <a:ext uri="{FF2B5EF4-FFF2-40B4-BE49-F238E27FC236}">
+                <a16:creationId xmlns:a16="http://schemas.microsoft.com/office/drawing/2014/main" id="{2FC15A3F-ACC5-4C6F-82AA-3766F8873C78}"/>
+              </a:ext>
+            </a:extLst>
+          </p:cNvPr>
+          <p:cNvSpPr txBox="1">
+            <a:spLocks/>
+          </p:cNvSpPr>
+          <p:nvPr/>
+        </p:nvSpPr>
+        <p:spPr>
+          <a:xfrm>
+            <a:off x="2395960" y="5402993"/>
+            <a:ext cx="2006436" cy="349625"/>
+          </a:xfrm>
+          <a:prstGeom prst="rect">
+            <a:avLst/>
+          </a:prstGeom>
+        </p:spPr>
+        <p:txBody>
+          <a:bodyPr vert="horz" lIns="91440" tIns="45720" rIns="91440" bIns="45720" rtlCol="0">
+            <a:noAutofit/>
+          </a:bodyPr>
+          <a:lstStyle>
+            <a:lvl1pPr marL="342900" indent="-342900" algn="l" defTabSz="914400" rtl="0" eaLnBrk="1" latinLnBrk="0" hangingPunct="1">
+              <a:spcBef>
+                <a:spcPts val="600"/>
+              </a:spcBef>
+              <a:buFont typeface="Arial" charset="0"/>
+              <a:buChar char="•"/>
+              <a:defRPr sz="3200" kern="1200">
+                <a:solidFill>
+                  <a:schemeClr val="tx1"/>
+                </a:solidFill>
+                <a:latin typeface="+mn-lt"/>
+                <a:ea typeface="+mn-ea"/>
+                <a:cs typeface="+mn-cs"/>
+              </a:defRPr>
+            </a:lvl1pPr>
+            <a:lvl2pPr marL="742950" indent="-285750" algn="l" defTabSz="914400" rtl="0" eaLnBrk="1" latinLnBrk="0" hangingPunct="1">
+              <a:spcBef>
+                <a:spcPts val="600"/>
+              </a:spcBef>
+              <a:buFont typeface="Arial" charset="0"/>
+              <a:buChar char="•"/>
+              <a:defRPr sz="2800" b="0" i="0" u="none" kern="1200">
+                <a:solidFill>
+                  <a:schemeClr val="tx1"/>
+                </a:solidFill>
+                <a:latin typeface="+mn-lt"/>
+                <a:ea typeface="+mn-ea"/>
+                <a:cs typeface="+mn-cs"/>
+              </a:defRPr>
+            </a:lvl2pPr>
+            <a:lvl3pPr marL="1143000" indent="-228600" algn="l" defTabSz="914400" rtl="0" eaLnBrk="1" latinLnBrk="0" hangingPunct="1">
+              <a:spcBef>
+                <a:spcPts val="600"/>
+              </a:spcBef>
+              <a:buFont typeface="Arial" charset="0"/>
+              <a:buChar char="•"/>
+              <a:defRPr sz="2400" kern="1200">
+                <a:solidFill>
+                  <a:schemeClr val="tx1"/>
+                </a:solidFill>
+                <a:latin typeface="+mn-lt"/>
+                <a:ea typeface="+mn-ea"/>
+                <a:cs typeface="+mn-cs"/>
+              </a:defRPr>
+            </a:lvl3pPr>
+            <a:lvl4pPr marL="1600200" indent="-228600" algn="l" defTabSz="914400" rtl="0" eaLnBrk="1" latinLnBrk="0" hangingPunct="1">
+              <a:spcBef>
+                <a:spcPts val="600"/>
+              </a:spcBef>
+              <a:buFont typeface="Arial" charset="0"/>
+              <a:buChar char="•"/>
+              <a:defRPr sz="2000" kern="1200">
+                <a:solidFill>
+                  <a:schemeClr val="tx1"/>
+                </a:solidFill>
+                <a:latin typeface="+mn-lt"/>
+                <a:ea typeface="+mn-ea"/>
+                <a:cs typeface="+mn-cs"/>
+              </a:defRPr>
+            </a:lvl4pPr>
+            <a:lvl5pPr marL="2057400" indent="-228600" algn="l" defTabSz="914400" rtl="0" eaLnBrk="1" latinLnBrk="0" hangingPunct="1">
+              <a:spcBef>
+                <a:spcPts val="600"/>
+              </a:spcBef>
+              <a:buFont typeface="Arial" charset="0"/>
+              <a:buChar char="•"/>
+              <a:defRPr sz="2000" kern="1200">
+                <a:solidFill>
+                  <a:schemeClr val="tx1"/>
+                </a:solidFill>
+                <a:latin typeface="+mn-lt"/>
+                <a:ea typeface="+mn-ea"/>
+                <a:cs typeface="+mn-cs"/>
+              </a:defRPr>
+            </a:lvl5pPr>
+            <a:lvl6pPr marL="2514600" indent="-228600" algn="l" defTabSz="914400" rtl="0" eaLnBrk="1" latinLnBrk="0" hangingPunct="1">
+              <a:spcBef>
+                <a:spcPct val="20000"/>
+              </a:spcBef>
+              <a:buFont typeface="Arial" panose="020B0604020202020204" pitchFamily="34" charset="0"/>
+              <a:buChar char="•"/>
+              <a:defRPr sz="2000" kern="1200">
+                <a:solidFill>
+                  <a:schemeClr val="tx1"/>
+                </a:solidFill>
+                <a:latin typeface="+mn-lt"/>
+                <a:ea typeface="+mn-ea"/>
+                <a:cs typeface="+mn-cs"/>
+              </a:defRPr>
+            </a:lvl6pPr>
+            <a:lvl7pPr marL="2971800" indent="-228600" algn="l" defTabSz="914400" rtl="0" eaLnBrk="1" latinLnBrk="0" hangingPunct="1">
+              <a:spcBef>
+                <a:spcPct val="20000"/>
+              </a:spcBef>
+              <a:buFont typeface="Arial" panose="020B0604020202020204" pitchFamily="34" charset="0"/>
+              <a:buChar char="•"/>
+              <a:defRPr sz="2000" kern="1200">
+                <a:solidFill>
+                  <a:schemeClr val="tx1"/>
+                </a:solidFill>
+                <a:latin typeface="+mn-lt"/>
+                <a:ea typeface="+mn-ea"/>
+                <a:cs typeface="+mn-cs"/>
+              </a:defRPr>
+            </a:lvl7pPr>
+            <a:lvl8pPr marL="3429000" indent="-228600" algn="l" defTabSz="914400" rtl="0" eaLnBrk="1" latinLnBrk="0" hangingPunct="1">
+              <a:spcBef>
+                <a:spcPct val="20000"/>
+              </a:spcBef>
+              <a:buFont typeface="Arial" panose="020B0604020202020204" pitchFamily="34" charset="0"/>
+              <a:buChar char="•"/>
+              <a:defRPr sz="2000" kern="1200">
+                <a:solidFill>
+                  <a:schemeClr val="tx1"/>
+                </a:solidFill>
+                <a:latin typeface="+mn-lt"/>
+                <a:ea typeface="+mn-ea"/>
+                <a:cs typeface="+mn-cs"/>
+              </a:defRPr>
+            </a:lvl8pPr>
+            <a:lvl9pPr marL="3886200" indent="-228600" algn="l" defTabSz="914400" rtl="0" eaLnBrk="1" latinLnBrk="0" hangingPunct="1">
+              <a:spcBef>
+                <a:spcPct val="20000"/>
+              </a:spcBef>
+              <a:buFont typeface="Arial" panose="020B0604020202020204" pitchFamily="34" charset="0"/>
+              <a:buChar char="•"/>
+              <a:defRPr sz="2000" kern="1200">
+                <a:solidFill>
+                  <a:schemeClr val="tx1"/>
+                </a:solidFill>
+                <a:latin typeface="+mn-lt"/>
+                <a:ea typeface="+mn-ea"/>
+                <a:cs typeface="+mn-cs"/>
+              </a:defRPr>
+            </a:lvl9pPr>
+          </a:lstStyle>
+          <a:p>
+            <a:pPr marL="0" indent="0" algn="ctr">
+              <a:buFont typeface="Arial" charset="0"/>
+              <a:buNone/>
+            </a:pPr>
+            <a:r>
+              <a:rPr lang="en-US" sz="1200" b="1" i="1" dirty="0"/>
+              <a:t>2,410 US Craft Beers</a:t>
+            </a:r>
+          </a:p>
+          <a:p>
+            <a:pPr marL="0" indent="0">
+              <a:buFont typeface="Arial" charset="0"/>
+              <a:buNone/>
+            </a:pPr>
+            <a:endParaRPr lang="en-US" sz="1200" dirty="0"/>
+          </a:p>
+          <a:p>
+            <a:endParaRPr lang="en-US" dirty="0"/>
+          </a:p>
+          <a:p>
+            <a:endParaRPr lang="en-US" dirty="0"/>
+          </a:p>
+          <a:p>
+            <a:endParaRPr lang="en-US" dirty="0"/>
+          </a:p>
+          <a:p>
+            <a:endParaRPr lang="en-US" dirty="0"/>
+          </a:p>
+          <a:p>
+            <a:pPr marL="0" indent="0">
+              <a:buFont typeface="Arial" charset="0"/>
+              <a:buNone/>
+            </a:pPr>
+            <a:endParaRPr lang="en-US" i="1" dirty="0"/>
+          </a:p>
+        </p:txBody>
+      </p:sp>
+      <p:sp>
+        <p:nvSpPr>
+          <p:cNvPr id="9" name="Content Placeholder 4">
+            <a:extLst>
+              <a:ext uri="{FF2B5EF4-FFF2-40B4-BE49-F238E27FC236}">
+                <a16:creationId xmlns:a16="http://schemas.microsoft.com/office/drawing/2014/main" id="{02F22577-FF19-4B6D-89D9-CFD9B2D65986}"/>
+              </a:ext>
+            </a:extLst>
+          </p:cNvPr>
+          <p:cNvSpPr txBox="1">
+            <a:spLocks/>
+          </p:cNvSpPr>
+          <p:nvPr/>
+        </p:nvSpPr>
+        <p:spPr>
+          <a:xfrm>
+            <a:off x="7581417" y="4582430"/>
+            <a:ext cx="1383295" cy="349625"/>
+          </a:xfrm>
+          <a:prstGeom prst="rect">
+            <a:avLst/>
+          </a:prstGeom>
+        </p:spPr>
+        <p:txBody>
+          <a:bodyPr vert="horz" lIns="91440" tIns="45720" rIns="91440" bIns="45720" rtlCol="0">
+            <a:noAutofit/>
+          </a:bodyPr>
+          <a:lstStyle>
+            <a:lvl1pPr marL="342900" indent="-342900" algn="l" defTabSz="914400" rtl="0" eaLnBrk="1" latinLnBrk="0" hangingPunct="1">
+              <a:spcBef>
+                <a:spcPts val="600"/>
+              </a:spcBef>
+              <a:buFont typeface="Arial" charset="0"/>
+              <a:buChar char="•"/>
+              <a:defRPr sz="3200" kern="1200">
+                <a:solidFill>
+                  <a:schemeClr val="tx1"/>
+                </a:solidFill>
+                <a:latin typeface="+mn-lt"/>
+                <a:ea typeface="+mn-ea"/>
+                <a:cs typeface="+mn-cs"/>
+              </a:defRPr>
+            </a:lvl1pPr>
+            <a:lvl2pPr marL="742950" indent="-285750" algn="l" defTabSz="914400" rtl="0" eaLnBrk="1" latinLnBrk="0" hangingPunct="1">
+              <a:spcBef>
+                <a:spcPts val="600"/>
+              </a:spcBef>
+              <a:buFont typeface="Arial" charset="0"/>
+              <a:buChar char="•"/>
+              <a:defRPr sz="2800" b="0" i="0" u="none" kern="1200">
+                <a:solidFill>
+                  <a:schemeClr val="tx1"/>
+                </a:solidFill>
+                <a:latin typeface="+mn-lt"/>
+                <a:ea typeface="+mn-ea"/>
+                <a:cs typeface="+mn-cs"/>
+              </a:defRPr>
+            </a:lvl2pPr>
+            <a:lvl3pPr marL="1143000" indent="-228600" algn="l" defTabSz="914400" rtl="0" eaLnBrk="1" latinLnBrk="0" hangingPunct="1">
+              <a:spcBef>
+                <a:spcPts val="600"/>
+              </a:spcBef>
+              <a:buFont typeface="Arial" charset="0"/>
+              <a:buChar char="•"/>
+              <a:defRPr sz="2400" kern="1200">
+                <a:solidFill>
+                  <a:schemeClr val="tx1"/>
+                </a:solidFill>
+                <a:latin typeface="+mn-lt"/>
+                <a:ea typeface="+mn-ea"/>
+                <a:cs typeface="+mn-cs"/>
+              </a:defRPr>
+            </a:lvl3pPr>
+            <a:lvl4pPr marL="1600200" indent="-228600" algn="l" defTabSz="914400" rtl="0" eaLnBrk="1" latinLnBrk="0" hangingPunct="1">
+              <a:spcBef>
+                <a:spcPts val="600"/>
+              </a:spcBef>
+              <a:buFont typeface="Arial" charset="0"/>
+              <a:buChar char="•"/>
+              <a:defRPr sz="2000" kern="1200">
+                <a:solidFill>
+                  <a:schemeClr val="tx1"/>
+                </a:solidFill>
+                <a:latin typeface="+mn-lt"/>
+                <a:ea typeface="+mn-ea"/>
+                <a:cs typeface="+mn-cs"/>
+              </a:defRPr>
+            </a:lvl4pPr>
+            <a:lvl5pPr marL="2057400" indent="-228600" algn="l" defTabSz="914400" rtl="0" eaLnBrk="1" latinLnBrk="0" hangingPunct="1">
+              <a:spcBef>
+                <a:spcPts val="600"/>
+              </a:spcBef>
+              <a:buFont typeface="Arial" charset="0"/>
+              <a:buChar char="•"/>
+              <a:defRPr sz="2000" kern="1200">
+                <a:solidFill>
+                  <a:schemeClr val="tx1"/>
+                </a:solidFill>
+                <a:latin typeface="+mn-lt"/>
+                <a:ea typeface="+mn-ea"/>
+                <a:cs typeface="+mn-cs"/>
+              </a:defRPr>
+            </a:lvl5pPr>
+            <a:lvl6pPr marL="2514600" indent="-228600" algn="l" defTabSz="914400" rtl="0" eaLnBrk="1" latinLnBrk="0" hangingPunct="1">
+              <a:spcBef>
+                <a:spcPct val="20000"/>
+              </a:spcBef>
+              <a:buFont typeface="Arial" panose="020B0604020202020204" pitchFamily="34" charset="0"/>
+              <a:buChar char="•"/>
+              <a:defRPr sz="2000" kern="1200">
+                <a:solidFill>
+                  <a:schemeClr val="tx1"/>
+                </a:solidFill>
+                <a:latin typeface="+mn-lt"/>
+                <a:ea typeface="+mn-ea"/>
+                <a:cs typeface="+mn-cs"/>
+              </a:defRPr>
+            </a:lvl6pPr>
+            <a:lvl7pPr marL="2971800" indent="-228600" algn="l" defTabSz="914400" rtl="0" eaLnBrk="1" latinLnBrk="0" hangingPunct="1">
+              <a:spcBef>
+                <a:spcPct val="20000"/>
+              </a:spcBef>
+              <a:buFont typeface="Arial" panose="020B0604020202020204" pitchFamily="34" charset="0"/>
+              <a:buChar char="•"/>
+              <a:defRPr sz="2000" kern="1200">
+                <a:solidFill>
+                  <a:schemeClr val="tx1"/>
+                </a:solidFill>
+                <a:latin typeface="+mn-lt"/>
+                <a:ea typeface="+mn-ea"/>
+                <a:cs typeface="+mn-cs"/>
+              </a:defRPr>
+            </a:lvl7pPr>
+            <a:lvl8pPr marL="3429000" indent="-228600" algn="l" defTabSz="914400" rtl="0" eaLnBrk="1" latinLnBrk="0" hangingPunct="1">
+              <a:spcBef>
+                <a:spcPct val="20000"/>
+              </a:spcBef>
+              <a:buFont typeface="Arial" panose="020B0604020202020204" pitchFamily="34" charset="0"/>
+              <a:buChar char="•"/>
+              <a:defRPr sz="2000" kern="1200">
+                <a:solidFill>
+                  <a:schemeClr val="tx1"/>
+                </a:solidFill>
+                <a:latin typeface="+mn-lt"/>
+                <a:ea typeface="+mn-ea"/>
+                <a:cs typeface="+mn-cs"/>
+              </a:defRPr>
+            </a:lvl8pPr>
+            <a:lvl9pPr marL="3886200" indent="-228600" algn="l" defTabSz="914400" rtl="0" eaLnBrk="1" latinLnBrk="0" hangingPunct="1">
+              <a:spcBef>
+                <a:spcPct val="20000"/>
+              </a:spcBef>
+              <a:buFont typeface="Arial" panose="020B0604020202020204" pitchFamily="34" charset="0"/>
+              <a:buChar char="•"/>
+              <a:defRPr sz="2000" kern="1200">
+                <a:solidFill>
+                  <a:schemeClr val="tx1"/>
+                </a:solidFill>
+                <a:latin typeface="+mn-lt"/>
+                <a:ea typeface="+mn-ea"/>
+                <a:cs typeface="+mn-cs"/>
+              </a:defRPr>
+            </a:lvl9pPr>
+          </a:lstStyle>
+          <a:p>
+            <a:pPr marL="0" indent="0" algn="ctr">
+              <a:buFont typeface="Arial" charset="0"/>
+              <a:buNone/>
+            </a:pPr>
+            <a:r>
+              <a:rPr lang="en-US" sz="1200" b="1" i="1" dirty="0"/>
+              <a:t>558 Breweries</a:t>
+            </a:r>
+          </a:p>
+          <a:p>
+            <a:pPr marL="0" indent="0">
+              <a:buFont typeface="Arial" charset="0"/>
+              <a:buNone/>
+            </a:pPr>
+            <a:endParaRPr lang="en-US" dirty="0"/>
+          </a:p>
+          <a:p>
+            <a:endParaRPr lang="en-US" dirty="0"/>
+          </a:p>
+          <a:p>
+            <a:endParaRPr lang="en-US" dirty="0"/>
+          </a:p>
+          <a:p>
+            <a:endParaRPr lang="en-US" dirty="0"/>
+          </a:p>
+          <a:p>
+            <a:endParaRPr lang="en-US" dirty="0"/>
+          </a:p>
+          <a:p>
+            <a:pPr marL="0" indent="0">
+              <a:buFont typeface="Arial" charset="0"/>
+              <a:buNone/>
+            </a:pPr>
+            <a:endParaRPr lang="en-US" i="1" dirty="0"/>
+          </a:p>
+        </p:txBody>
+      </p:sp>
+    </p:spTree>
+    <p:extLst>
+      <p:ext uri="{BB962C8B-B14F-4D97-AF65-F5344CB8AC3E}">
+        <p14:creationId xmlns:p14="http://schemas.microsoft.com/office/powerpoint/2010/main" val="170715436"/>
+      </p:ext>
+    </p:extLst>
+  </p:cSld>
+  <p:clrMapOvr>
+    <a:masterClrMapping/>
+  </p:clrMapOvr>
+</p:sld>
+</file>
+
+<file path=ppt/slides/slide17.xml><?xml version="1.0" encoding="utf-8"?>
 <p:sld xmlns:a="http://schemas.openxmlformats.org/drawingml/2006/main" xmlns:r="http://schemas.openxmlformats.org/officeDocument/2006/relationships" xmlns:p="http://schemas.openxmlformats.org/presentationml/2006/main">
   <p:cSld>
     <p:spTree>
@@ -6538,6 +6525,2814 @@
     <p:extLst>
       <p:ext uri="{BB962C8B-B14F-4D97-AF65-F5344CB8AC3E}">
         <p14:creationId xmlns:p14="http://schemas.microsoft.com/office/powerpoint/2010/main" val="3016725513"/>
+      </p:ext>
+    </p:extLst>
+  </p:cSld>
+  <p:clrMapOvr>
+    <a:masterClrMapping/>
+  </p:clrMapOvr>
+</p:sld>
+</file>
+
+<file path=ppt/slides/slide18.xml><?xml version="1.0" encoding="utf-8"?>
+<p:sld xmlns:a="http://schemas.openxmlformats.org/drawingml/2006/main" xmlns:r="http://schemas.openxmlformats.org/officeDocument/2006/relationships" xmlns:p="http://schemas.openxmlformats.org/presentationml/2006/main">
+  <p:cSld>
+    <p:spTree>
+      <p:nvGrpSpPr>
+        <p:cNvPr id="1" name=""/>
+        <p:cNvGrpSpPr/>
+        <p:nvPr/>
+      </p:nvGrpSpPr>
+      <p:grpSpPr>
+        <a:xfrm>
+          <a:off x="0" y="0"/>
+          <a:ext cx="0" cy="0"/>
+          <a:chOff x="0" y="0"/>
+          <a:chExt cx="0" cy="0"/>
+        </a:xfrm>
+      </p:grpSpPr>
+      <p:sp>
+        <p:nvSpPr>
+          <p:cNvPr id="2" name="Title 1">
+            <a:extLst>
+              <a:ext uri="{FF2B5EF4-FFF2-40B4-BE49-F238E27FC236}">
+                <a16:creationId xmlns:a16="http://schemas.microsoft.com/office/drawing/2014/main" id="{5B931770-76C9-F749-9B7D-08A4A1F13896}"/>
+              </a:ext>
+            </a:extLst>
+          </p:cNvPr>
+          <p:cNvSpPr>
+            <a:spLocks noGrp="1"/>
+          </p:cNvSpPr>
+          <p:nvPr>
+            <p:ph type="title"/>
+          </p:nvPr>
+        </p:nvSpPr>
+        <p:spPr>
+          <a:xfrm>
+            <a:off x="0" y="228600"/>
+            <a:ext cx="9144000" cy="1143000"/>
+          </a:xfrm>
+        </p:spPr>
+        <p:txBody>
+          <a:bodyPr/>
+          <a:lstStyle/>
+          <a:p>
+            <a:r>
+              <a:rPr lang="en-US" dirty="0"/>
+              <a:t>Missing Values</a:t>
+            </a:r>
+          </a:p>
+        </p:txBody>
+      </p:sp>
+      <p:sp>
+        <p:nvSpPr>
+          <p:cNvPr id="8" name="Content Placeholder 4">
+            <a:extLst>
+              <a:ext uri="{FF2B5EF4-FFF2-40B4-BE49-F238E27FC236}">
+                <a16:creationId xmlns:a16="http://schemas.microsoft.com/office/drawing/2014/main" id="{4642B19D-3DF3-4F9F-B645-7D34C2B298DB}"/>
+              </a:ext>
+            </a:extLst>
+          </p:cNvPr>
+          <p:cNvSpPr txBox="1">
+            <a:spLocks/>
+          </p:cNvSpPr>
+          <p:nvPr/>
+        </p:nvSpPr>
+        <p:spPr>
+          <a:xfrm>
+            <a:off x="457200" y="1631695"/>
+            <a:ext cx="8229600" cy="1885795"/>
+          </a:xfrm>
+          <a:prstGeom prst="rect">
+            <a:avLst/>
+          </a:prstGeom>
+        </p:spPr>
+        <p:txBody>
+          <a:bodyPr vert="horz" lIns="91440" tIns="45720" rIns="91440" bIns="45720" rtlCol="0">
+            <a:noAutofit/>
+          </a:bodyPr>
+          <a:lstStyle>
+            <a:lvl1pPr marL="342900" indent="-342900" algn="l" defTabSz="914400" rtl="0" eaLnBrk="1" latinLnBrk="0" hangingPunct="1">
+              <a:spcBef>
+                <a:spcPts val="600"/>
+              </a:spcBef>
+              <a:buFont typeface="Arial" charset="0"/>
+              <a:buChar char="•"/>
+              <a:defRPr sz="3200" kern="1200">
+                <a:solidFill>
+                  <a:schemeClr val="tx1"/>
+                </a:solidFill>
+                <a:latin typeface="+mn-lt"/>
+                <a:ea typeface="+mn-ea"/>
+                <a:cs typeface="+mn-cs"/>
+              </a:defRPr>
+            </a:lvl1pPr>
+            <a:lvl2pPr marL="742950" indent="-285750" algn="l" defTabSz="914400" rtl="0" eaLnBrk="1" latinLnBrk="0" hangingPunct="1">
+              <a:spcBef>
+                <a:spcPts val="600"/>
+              </a:spcBef>
+              <a:buFont typeface="Arial" charset="0"/>
+              <a:buChar char="•"/>
+              <a:defRPr sz="2800" b="0" i="0" u="none" kern="1200">
+                <a:solidFill>
+                  <a:schemeClr val="tx1"/>
+                </a:solidFill>
+                <a:latin typeface="+mn-lt"/>
+                <a:ea typeface="+mn-ea"/>
+                <a:cs typeface="+mn-cs"/>
+              </a:defRPr>
+            </a:lvl2pPr>
+            <a:lvl3pPr marL="1143000" indent="-228600" algn="l" defTabSz="914400" rtl="0" eaLnBrk="1" latinLnBrk="0" hangingPunct="1">
+              <a:spcBef>
+                <a:spcPts val="600"/>
+              </a:spcBef>
+              <a:buFont typeface="Arial" charset="0"/>
+              <a:buChar char="•"/>
+              <a:defRPr sz="2400" kern="1200">
+                <a:solidFill>
+                  <a:schemeClr val="tx1"/>
+                </a:solidFill>
+                <a:latin typeface="+mn-lt"/>
+                <a:ea typeface="+mn-ea"/>
+                <a:cs typeface="+mn-cs"/>
+              </a:defRPr>
+            </a:lvl3pPr>
+            <a:lvl4pPr marL="1600200" indent="-228600" algn="l" defTabSz="914400" rtl="0" eaLnBrk="1" latinLnBrk="0" hangingPunct="1">
+              <a:spcBef>
+                <a:spcPts val="600"/>
+              </a:spcBef>
+              <a:buFont typeface="Arial" charset="0"/>
+              <a:buChar char="•"/>
+              <a:defRPr sz="2000" kern="1200">
+                <a:solidFill>
+                  <a:schemeClr val="tx1"/>
+                </a:solidFill>
+                <a:latin typeface="+mn-lt"/>
+                <a:ea typeface="+mn-ea"/>
+                <a:cs typeface="+mn-cs"/>
+              </a:defRPr>
+            </a:lvl4pPr>
+            <a:lvl5pPr marL="2057400" indent="-228600" algn="l" defTabSz="914400" rtl="0" eaLnBrk="1" latinLnBrk="0" hangingPunct="1">
+              <a:spcBef>
+                <a:spcPts val="600"/>
+              </a:spcBef>
+              <a:buFont typeface="Arial" charset="0"/>
+              <a:buChar char="•"/>
+              <a:defRPr sz="2000" kern="1200">
+                <a:solidFill>
+                  <a:schemeClr val="tx1"/>
+                </a:solidFill>
+                <a:latin typeface="+mn-lt"/>
+                <a:ea typeface="+mn-ea"/>
+                <a:cs typeface="+mn-cs"/>
+              </a:defRPr>
+            </a:lvl5pPr>
+            <a:lvl6pPr marL="2514600" indent="-228600" algn="l" defTabSz="914400" rtl="0" eaLnBrk="1" latinLnBrk="0" hangingPunct="1">
+              <a:spcBef>
+                <a:spcPct val="20000"/>
+              </a:spcBef>
+              <a:buFont typeface="Arial" panose="020B0604020202020204" pitchFamily="34" charset="0"/>
+              <a:buChar char="•"/>
+              <a:defRPr sz="2000" kern="1200">
+                <a:solidFill>
+                  <a:schemeClr val="tx1"/>
+                </a:solidFill>
+                <a:latin typeface="+mn-lt"/>
+                <a:ea typeface="+mn-ea"/>
+                <a:cs typeface="+mn-cs"/>
+              </a:defRPr>
+            </a:lvl6pPr>
+            <a:lvl7pPr marL="2971800" indent="-228600" algn="l" defTabSz="914400" rtl="0" eaLnBrk="1" latinLnBrk="0" hangingPunct="1">
+              <a:spcBef>
+                <a:spcPct val="20000"/>
+              </a:spcBef>
+              <a:buFont typeface="Arial" panose="020B0604020202020204" pitchFamily="34" charset="0"/>
+              <a:buChar char="•"/>
+              <a:defRPr sz="2000" kern="1200">
+                <a:solidFill>
+                  <a:schemeClr val="tx1"/>
+                </a:solidFill>
+                <a:latin typeface="+mn-lt"/>
+                <a:ea typeface="+mn-ea"/>
+                <a:cs typeface="+mn-cs"/>
+              </a:defRPr>
+            </a:lvl7pPr>
+            <a:lvl8pPr marL="3429000" indent="-228600" algn="l" defTabSz="914400" rtl="0" eaLnBrk="1" latinLnBrk="0" hangingPunct="1">
+              <a:spcBef>
+                <a:spcPct val="20000"/>
+              </a:spcBef>
+              <a:buFont typeface="Arial" panose="020B0604020202020204" pitchFamily="34" charset="0"/>
+              <a:buChar char="•"/>
+              <a:defRPr sz="2000" kern="1200">
+                <a:solidFill>
+                  <a:schemeClr val="tx1"/>
+                </a:solidFill>
+                <a:latin typeface="+mn-lt"/>
+                <a:ea typeface="+mn-ea"/>
+                <a:cs typeface="+mn-cs"/>
+              </a:defRPr>
+            </a:lvl8pPr>
+            <a:lvl9pPr marL="3886200" indent="-228600" algn="l" defTabSz="914400" rtl="0" eaLnBrk="1" latinLnBrk="0" hangingPunct="1">
+              <a:spcBef>
+                <a:spcPct val="20000"/>
+              </a:spcBef>
+              <a:buFont typeface="Arial" panose="020B0604020202020204" pitchFamily="34" charset="0"/>
+              <a:buChar char="•"/>
+              <a:defRPr sz="2000" kern="1200">
+                <a:solidFill>
+                  <a:schemeClr val="tx1"/>
+                </a:solidFill>
+                <a:latin typeface="+mn-lt"/>
+                <a:ea typeface="+mn-ea"/>
+                <a:cs typeface="+mn-cs"/>
+              </a:defRPr>
+            </a:lvl9pPr>
+          </a:lstStyle>
+          <a:p>
+            <a:r>
+              <a:rPr lang="en-US" dirty="0"/>
+              <a:t>The </a:t>
+            </a:r>
+            <a:r>
+              <a:rPr lang="en-US" b="1" dirty="0"/>
+              <a:t>ABV</a:t>
+            </a:r>
+            <a:r>
+              <a:rPr lang="en-US" dirty="0"/>
+              <a:t> (Alcohol by Volume), </a:t>
+            </a:r>
+            <a:r>
+              <a:rPr lang="en-US" b="1" dirty="0"/>
+              <a:t>IBU</a:t>
+            </a:r>
+            <a:r>
+              <a:rPr lang="en-US" dirty="0"/>
+              <a:t> (International Bitterness Unit) and </a:t>
+            </a:r>
+            <a:r>
+              <a:rPr lang="en-US" b="1" dirty="0"/>
+              <a:t>Style</a:t>
+            </a:r>
+            <a:r>
+              <a:rPr lang="en-US" dirty="0"/>
+              <a:t> columns have missing values</a:t>
+            </a:r>
+          </a:p>
+          <a:p>
+            <a:pPr marL="0" indent="0">
+              <a:buFont typeface="Arial" charset="0"/>
+              <a:buNone/>
+            </a:pPr>
+            <a:endParaRPr lang="en-US" sz="1600" i="1" dirty="0"/>
+          </a:p>
+          <a:p>
+            <a:endParaRPr lang="en-US" dirty="0"/>
+          </a:p>
+          <a:p>
+            <a:pPr marL="0" indent="0">
+              <a:buFont typeface="Arial" charset="0"/>
+              <a:buNone/>
+            </a:pPr>
+            <a:endParaRPr lang="en-US" dirty="0"/>
+          </a:p>
+        </p:txBody>
+      </p:sp>
+      <p:sp>
+        <p:nvSpPr>
+          <p:cNvPr id="9" name="Rectangle 8">
+            <a:extLst>
+              <a:ext uri="{FF2B5EF4-FFF2-40B4-BE49-F238E27FC236}">
+                <a16:creationId xmlns:a16="http://schemas.microsoft.com/office/drawing/2014/main" id="{4375ED10-2269-47BD-AE58-7E98C7139453}"/>
+              </a:ext>
+            </a:extLst>
+          </p:cNvPr>
+          <p:cNvSpPr/>
+          <p:nvPr/>
+        </p:nvSpPr>
+        <p:spPr>
+          <a:xfrm>
+            <a:off x="2192977" y="5582685"/>
+            <a:ext cx="4758045" cy="646331"/>
+          </a:xfrm>
+          <a:prstGeom prst="rect">
+            <a:avLst/>
+          </a:prstGeom>
+        </p:spPr>
+        <p:txBody>
+          <a:bodyPr wrap="square">
+            <a:spAutoFit/>
+          </a:bodyPr>
+          <a:lstStyle/>
+          <a:p>
+            <a:r>
+              <a:rPr lang="en-US" i="1" dirty="0"/>
+              <a:t>In particular, the IBU field as over 41% of the records with a blank value for this data point.</a:t>
+            </a:r>
+          </a:p>
+        </p:txBody>
+      </p:sp>
+      <p:pic>
+        <p:nvPicPr>
+          <p:cNvPr id="3" name="Picture 2">
+            <a:extLst>
+              <a:ext uri="{FF2B5EF4-FFF2-40B4-BE49-F238E27FC236}">
+                <a16:creationId xmlns:a16="http://schemas.microsoft.com/office/drawing/2014/main" id="{47359223-6B42-45E7-9BF3-ABF059A277DF}"/>
+              </a:ext>
+            </a:extLst>
+          </p:cNvPr>
+          <p:cNvPicPr>
+            <a:picLocks noChangeAspect="1"/>
+          </p:cNvPicPr>
+          <p:nvPr/>
+        </p:nvPicPr>
+        <p:blipFill>
+          <a:blip r:embed="rId2"/>
+          <a:stretch>
+            <a:fillRect/>
+          </a:stretch>
+        </p:blipFill>
+        <p:spPr>
+          <a:xfrm>
+            <a:off x="2664858" y="3357636"/>
+            <a:ext cx="3814284" cy="1868669"/>
+          </a:xfrm>
+          <a:prstGeom prst="rect">
+            <a:avLst/>
+          </a:prstGeom>
+        </p:spPr>
+      </p:pic>
+    </p:spTree>
+    <p:extLst>
+      <p:ext uri="{BB962C8B-B14F-4D97-AF65-F5344CB8AC3E}">
+        <p14:creationId xmlns:p14="http://schemas.microsoft.com/office/powerpoint/2010/main" val="2857780233"/>
+      </p:ext>
+    </p:extLst>
+  </p:cSld>
+  <p:clrMapOvr>
+    <a:masterClrMapping/>
+  </p:clrMapOvr>
+</p:sld>
+</file>
+
+<file path=ppt/slides/slide19.xml><?xml version="1.0" encoding="utf-8"?>
+<p:sld xmlns:a="http://schemas.openxmlformats.org/drawingml/2006/main" xmlns:r="http://schemas.openxmlformats.org/officeDocument/2006/relationships" xmlns:p="http://schemas.openxmlformats.org/presentationml/2006/main">
+  <p:cSld>
+    <p:spTree>
+      <p:nvGrpSpPr>
+        <p:cNvPr id="1" name=""/>
+        <p:cNvGrpSpPr/>
+        <p:nvPr/>
+      </p:nvGrpSpPr>
+      <p:grpSpPr>
+        <a:xfrm>
+          <a:off x="0" y="0"/>
+          <a:ext cx="0" cy="0"/>
+          <a:chOff x="0" y="0"/>
+          <a:chExt cx="0" cy="0"/>
+        </a:xfrm>
+      </p:grpSpPr>
+      <p:sp>
+        <p:nvSpPr>
+          <p:cNvPr id="2" name="Title 1">
+            <a:extLst>
+              <a:ext uri="{FF2B5EF4-FFF2-40B4-BE49-F238E27FC236}">
+                <a16:creationId xmlns:a16="http://schemas.microsoft.com/office/drawing/2014/main" id="{5B931770-76C9-F749-9B7D-08A4A1F13896}"/>
+              </a:ext>
+            </a:extLst>
+          </p:cNvPr>
+          <p:cNvSpPr>
+            <a:spLocks noGrp="1"/>
+          </p:cNvSpPr>
+          <p:nvPr>
+            <p:ph type="title"/>
+          </p:nvPr>
+        </p:nvSpPr>
+        <p:spPr>
+          <a:xfrm>
+            <a:off x="0" y="228600"/>
+            <a:ext cx="9144000" cy="1143000"/>
+          </a:xfrm>
+        </p:spPr>
+        <p:txBody>
+          <a:bodyPr/>
+          <a:lstStyle/>
+          <a:p>
+            <a:r>
+              <a:rPr lang="en-US" dirty="0"/>
+              <a:t>Median ABV per State</a:t>
+            </a:r>
+          </a:p>
+        </p:txBody>
+      </p:sp>
+      <p:sp>
+        <p:nvSpPr>
+          <p:cNvPr id="5" name="Content Placeholder 4">
+            <a:extLst>
+              <a:ext uri="{FF2B5EF4-FFF2-40B4-BE49-F238E27FC236}">
+                <a16:creationId xmlns:a16="http://schemas.microsoft.com/office/drawing/2014/main" id="{375CDB98-7F05-41AD-9F29-81E3D0CFBEFF}"/>
+              </a:ext>
+            </a:extLst>
+          </p:cNvPr>
+          <p:cNvSpPr>
+            <a:spLocks noGrp="1"/>
+          </p:cNvSpPr>
+          <p:nvPr>
+            <p:ph idx="1"/>
+          </p:nvPr>
+        </p:nvSpPr>
+        <p:spPr>
+          <a:xfrm>
+            <a:off x="457199" y="1627905"/>
+            <a:ext cx="8229600" cy="4854011"/>
+          </a:xfrm>
+        </p:spPr>
+        <p:txBody>
+          <a:bodyPr/>
+          <a:lstStyle/>
+          <a:p>
+            <a:endParaRPr lang="en-US" dirty="0"/>
+          </a:p>
+          <a:p>
+            <a:endParaRPr lang="en-US" dirty="0"/>
+          </a:p>
+          <a:p>
+            <a:endParaRPr lang="en-US" dirty="0"/>
+          </a:p>
+          <a:p>
+            <a:endParaRPr lang="en-US" dirty="0"/>
+          </a:p>
+          <a:p>
+            <a:endParaRPr lang="en-US" dirty="0"/>
+          </a:p>
+          <a:p>
+            <a:pPr marL="0" indent="0">
+              <a:buNone/>
+            </a:pPr>
+            <a:endParaRPr lang="en-US" sz="1600" i="1" dirty="0"/>
+          </a:p>
+          <a:p>
+            <a:pPr marL="0" indent="0">
+              <a:buNone/>
+            </a:pPr>
+            <a:endParaRPr lang="en-US" dirty="0"/>
+          </a:p>
+        </p:txBody>
+      </p:sp>
+      <p:sp>
+        <p:nvSpPr>
+          <p:cNvPr id="4" name="Rectangle 3">
+            <a:extLst>
+              <a:ext uri="{FF2B5EF4-FFF2-40B4-BE49-F238E27FC236}">
+                <a16:creationId xmlns:a16="http://schemas.microsoft.com/office/drawing/2014/main" id="{6608DBBE-C619-4CEB-9667-544ECD27A105}"/>
+              </a:ext>
+            </a:extLst>
+          </p:cNvPr>
+          <p:cNvSpPr/>
+          <p:nvPr/>
+        </p:nvSpPr>
+        <p:spPr>
+          <a:xfrm>
+            <a:off x="207115" y="5616258"/>
+            <a:ext cx="9062884" cy="923330"/>
+          </a:xfrm>
+          <a:prstGeom prst="rect">
+            <a:avLst/>
+          </a:prstGeom>
+        </p:spPr>
+        <p:txBody>
+          <a:bodyPr wrap="square">
+            <a:spAutoFit/>
+          </a:bodyPr>
+          <a:lstStyle/>
+          <a:p>
+            <a:r>
+              <a:rPr lang="en-US" i="1" dirty="0"/>
+              <a:t>From visually inspecting the graph, most states have a relatively close spread.  The summary statistics show that 50% of the available data fall within the interval </a:t>
+            </a:r>
+          </a:p>
+          <a:p>
+            <a:r>
+              <a:rPr lang="en-US" i="1" dirty="0"/>
+              <a:t>(0.05 to 0.067)</a:t>
+            </a:r>
+          </a:p>
+        </p:txBody>
+      </p:sp>
+      <p:pic>
+        <p:nvPicPr>
+          <p:cNvPr id="7" name="Picture 6" descr="A screenshot of a cell phone&#10;&#10;Description automatically generated">
+            <a:extLst>
+              <a:ext uri="{FF2B5EF4-FFF2-40B4-BE49-F238E27FC236}">
+                <a16:creationId xmlns:a16="http://schemas.microsoft.com/office/drawing/2014/main" id="{4A45DD21-7BF6-489C-9C57-8E649F4885DC}"/>
+              </a:ext>
+            </a:extLst>
+          </p:cNvPr>
+          <p:cNvPicPr>
+            <a:picLocks noChangeAspect="1"/>
+          </p:cNvPicPr>
+          <p:nvPr/>
+        </p:nvPicPr>
+        <p:blipFill>
+          <a:blip r:embed="rId2"/>
+          <a:stretch>
+            <a:fillRect/>
+          </a:stretch>
+        </p:blipFill>
+        <p:spPr>
+          <a:xfrm>
+            <a:off x="1237784" y="1436242"/>
+            <a:ext cx="6668431" cy="4115374"/>
+          </a:xfrm>
+          <a:prstGeom prst="rect">
+            <a:avLst/>
+          </a:prstGeom>
+        </p:spPr>
+      </p:pic>
+    </p:spTree>
+    <p:extLst>
+      <p:ext uri="{BB962C8B-B14F-4D97-AF65-F5344CB8AC3E}">
+        <p14:creationId xmlns:p14="http://schemas.microsoft.com/office/powerpoint/2010/main" val="3119558950"/>
+      </p:ext>
+    </p:extLst>
+  </p:cSld>
+  <p:clrMapOvr>
+    <a:masterClrMapping/>
+  </p:clrMapOvr>
+</p:sld>
+</file>
+
+<file path=ppt/slides/slide2.xml><?xml version="1.0" encoding="utf-8"?>
+<p:sld xmlns:a="http://schemas.openxmlformats.org/drawingml/2006/main" xmlns:r="http://schemas.openxmlformats.org/officeDocument/2006/relationships" xmlns:p="http://schemas.openxmlformats.org/presentationml/2006/main">
+  <p:cSld>
+    <p:spTree>
+      <p:nvGrpSpPr>
+        <p:cNvPr id="1" name=""/>
+        <p:cNvGrpSpPr/>
+        <p:nvPr/>
+      </p:nvGrpSpPr>
+      <p:grpSpPr>
+        <a:xfrm>
+          <a:off x="0" y="0"/>
+          <a:ext cx="0" cy="0"/>
+          <a:chOff x="0" y="0"/>
+          <a:chExt cx="0" cy="0"/>
+        </a:xfrm>
+      </p:grpSpPr>
+      <p:sp>
+        <p:nvSpPr>
+          <p:cNvPr id="2" name="Title 1">
+            <a:extLst>
+              <a:ext uri="{FF2B5EF4-FFF2-40B4-BE49-F238E27FC236}">
+                <a16:creationId xmlns:a16="http://schemas.microsoft.com/office/drawing/2014/main" id="{5B931770-76C9-F749-9B7D-08A4A1F13896}"/>
+              </a:ext>
+            </a:extLst>
+          </p:cNvPr>
+          <p:cNvSpPr>
+            <a:spLocks noGrp="1"/>
+          </p:cNvSpPr>
+          <p:nvPr>
+            <p:ph type="title"/>
+          </p:nvPr>
+        </p:nvSpPr>
+        <p:spPr>
+          <a:xfrm>
+            <a:off x="0" y="228600"/>
+            <a:ext cx="9144000" cy="1143000"/>
+          </a:xfrm>
+        </p:spPr>
+        <p:txBody>
+          <a:bodyPr/>
+          <a:lstStyle/>
+          <a:p>
+            <a:r>
+              <a:rPr lang="en-US" dirty="0"/>
+              <a:t>Abstract</a:t>
+            </a:r>
+          </a:p>
+        </p:txBody>
+      </p:sp>
+      <p:sp>
+        <p:nvSpPr>
+          <p:cNvPr id="11" name="TextBox 10">
+            <a:extLst>
+              <a:ext uri="{FF2B5EF4-FFF2-40B4-BE49-F238E27FC236}">
+                <a16:creationId xmlns:a16="http://schemas.microsoft.com/office/drawing/2014/main" id="{88FDCBAF-9F2B-436C-8858-0FF1B1F970A2}"/>
+              </a:ext>
+            </a:extLst>
+          </p:cNvPr>
+          <p:cNvSpPr txBox="1"/>
+          <p:nvPr/>
+        </p:nvSpPr>
+        <p:spPr>
+          <a:xfrm>
+            <a:off x="390525" y="1457325"/>
+            <a:ext cx="8601075" cy="5201424"/>
+          </a:xfrm>
+          <a:prstGeom prst="rect">
+            <a:avLst/>
+          </a:prstGeom>
+          <a:noFill/>
+        </p:spPr>
+        <p:txBody>
+          <a:bodyPr rot="0" spcFirstLastPara="0" vertOverflow="overflow" horzOverflow="overflow" vert="horz" wrap="square" lIns="91440" tIns="45720" rIns="91440" bIns="45720" numCol="1" spcCol="0" rtlCol="0" fromWordArt="0" anchor="t" anchorCtr="0" forceAA="0" compatLnSpc="1">
+            <a:prstTxWarp prst="textNoShape">
+              <a:avLst/>
+            </a:prstTxWarp>
+            <a:spAutoFit/>
+          </a:bodyPr>
+          <a:lstStyle/>
+          <a:p>
+            <a:r>
+              <a:rPr lang="en-US" sz="2400" b="1" dirty="0">
+                <a:solidFill>
+                  <a:srgbClr val="595959"/>
+                </a:solidFill>
+                <a:cs typeface="Arial"/>
+              </a:rPr>
+              <a:t>Goal of this project</a:t>
+            </a:r>
+            <a:endParaRPr lang="en-US" sz="1600" b="1" dirty="0">
+              <a:solidFill>
+                <a:srgbClr val="000000"/>
+              </a:solidFill>
+              <a:cs typeface="Arial"/>
+            </a:endParaRPr>
+          </a:p>
+          <a:p>
+            <a:pPr marL="285750" indent="-285750">
+              <a:buFont typeface="Arial"/>
+              <a:buChar char="•"/>
+            </a:pPr>
+            <a:r>
+              <a:rPr lang="en-US" sz="1400" dirty="0">
+                <a:solidFill>
+                  <a:srgbClr val="595959"/>
+                </a:solidFill>
+                <a:cs typeface="Arial"/>
+              </a:rPr>
+              <a:t>Research and development of cloud technology and it can be used to train a model and make predictions on cloud infrastructure.  </a:t>
+            </a:r>
+            <a:endParaRPr lang="en-US" sz="1400" dirty="0">
+              <a:solidFill>
+                <a:srgbClr val="000000"/>
+              </a:solidFill>
+              <a:cs typeface="Arial"/>
+            </a:endParaRPr>
+          </a:p>
+          <a:p>
+            <a:endParaRPr lang="en-US" sz="1000" dirty="0">
+              <a:solidFill>
+                <a:srgbClr val="595959"/>
+              </a:solidFill>
+              <a:cs typeface="Arial"/>
+            </a:endParaRPr>
+          </a:p>
+          <a:p>
+            <a:r>
+              <a:rPr lang="en-US" sz="2400" b="1" dirty="0">
+                <a:solidFill>
+                  <a:srgbClr val="595959"/>
+                </a:solidFill>
+                <a:cs typeface="Arial"/>
+              </a:rPr>
+              <a:t>Question of interest</a:t>
+            </a:r>
+            <a:endParaRPr lang="en-US" b="1" dirty="0">
+              <a:solidFill>
+                <a:srgbClr val="000000"/>
+              </a:solidFill>
+              <a:cs typeface="Arial"/>
+            </a:endParaRPr>
+          </a:p>
+          <a:p>
+            <a:pPr marL="171450" indent="-171450">
+              <a:buFont typeface="Arial"/>
+              <a:buChar char="•"/>
+            </a:pPr>
+            <a:r>
+              <a:rPr lang="en-US" sz="1400" dirty="0">
+                <a:solidFill>
+                  <a:srgbClr val="595959"/>
+                </a:solidFill>
+                <a:cs typeface="Arial"/>
+              </a:rPr>
+              <a:t>Given the size, location, date and other relevant features from the dataset, can we predict the cause of a wildfire in a cloud based, scalable way?</a:t>
+            </a:r>
+            <a:endParaRPr lang="en-US" sz="1400" dirty="0">
+              <a:solidFill>
+                <a:srgbClr val="000000"/>
+              </a:solidFill>
+              <a:cs typeface="Arial"/>
+            </a:endParaRPr>
+          </a:p>
+          <a:p>
+            <a:endParaRPr lang="en-US" sz="1000" dirty="0">
+              <a:solidFill>
+                <a:srgbClr val="595959"/>
+              </a:solidFill>
+              <a:cs typeface="Arial"/>
+            </a:endParaRPr>
+          </a:p>
+          <a:p>
+            <a:endParaRPr lang="en-US" sz="1000" dirty="0">
+              <a:solidFill>
+                <a:srgbClr val="595959"/>
+              </a:solidFill>
+              <a:cs typeface="Arial"/>
+            </a:endParaRPr>
+          </a:p>
+          <a:p>
+            <a:r>
+              <a:rPr lang="en-US" sz="2400" b="1" dirty="0">
+                <a:solidFill>
+                  <a:srgbClr val="595959"/>
+                </a:solidFill>
+                <a:cs typeface="Arial"/>
+              </a:rPr>
+              <a:t>Remember Cloud is:</a:t>
+            </a:r>
+            <a:endParaRPr lang="en-US" sz="2400" b="1" dirty="0">
+              <a:solidFill>
+                <a:srgbClr val="000000"/>
+              </a:solidFill>
+              <a:cs typeface="Arial"/>
+            </a:endParaRPr>
+          </a:p>
+          <a:p>
+            <a:pPr marL="171450" indent="-171450">
+              <a:buFont typeface="Arial"/>
+              <a:buChar char="•"/>
+            </a:pPr>
+            <a:r>
+              <a:rPr lang="en-US" sz="1400" dirty="0">
+                <a:solidFill>
+                  <a:srgbClr val="595959"/>
+                </a:solidFill>
+                <a:cs typeface="Arial"/>
+              </a:rPr>
+              <a:t>Model of computing where servers, networks, storage, development tools, and even applications (apps) are enabled through the internet.</a:t>
+            </a:r>
+            <a:endParaRPr lang="en-US" sz="2400" dirty="0">
+              <a:solidFill>
+                <a:srgbClr val="000000"/>
+              </a:solidFill>
+              <a:cs typeface="Arial"/>
+            </a:endParaRPr>
+          </a:p>
+          <a:p>
+            <a:pPr marL="171450" indent="-171450">
+              <a:buFont typeface="Arial"/>
+              <a:buChar char="•"/>
+            </a:pPr>
+            <a:r>
+              <a:rPr lang="en-US" sz="1400" dirty="0">
+                <a:solidFill>
+                  <a:srgbClr val="595959"/>
+                </a:solidFill>
+                <a:cs typeface="Arial"/>
+              </a:rPr>
+              <a:t>5 characteristics of cloud computing environment</a:t>
+            </a:r>
+            <a:endParaRPr lang="en-US" sz="1400" dirty="0">
+              <a:cs typeface="Arial"/>
+            </a:endParaRPr>
+          </a:p>
+          <a:p>
+            <a:pPr marL="742950" lvl="1" indent="-285750">
+              <a:buFont typeface="Arial"/>
+              <a:buChar char="•"/>
+            </a:pPr>
+            <a:r>
+              <a:rPr lang="en-US" sz="1400" b="1" i="1" dirty="0">
+                <a:solidFill>
+                  <a:srgbClr val="595959"/>
+                </a:solidFill>
+                <a:cs typeface="Arial"/>
+              </a:rPr>
+              <a:t>On-demand self-service</a:t>
+            </a:r>
+            <a:r>
+              <a:rPr lang="en-US" sz="1400" dirty="0">
+                <a:solidFill>
+                  <a:srgbClr val="595959"/>
+                </a:solidFill>
+                <a:cs typeface="Arial"/>
+              </a:rPr>
+              <a:t>: </a:t>
+            </a:r>
+            <a:r>
+              <a:rPr lang="en-US" sz="1000" dirty="0">
+                <a:solidFill>
+                  <a:srgbClr val="595959"/>
+                </a:solidFill>
+                <a:cs typeface="Arial"/>
+              </a:rPr>
+              <a:t>User can provision computing resources without human intervention including server time, storage, and software resources</a:t>
+            </a:r>
+          </a:p>
+          <a:p>
+            <a:pPr marL="742950" lvl="1" indent="-285750">
+              <a:buFont typeface="Arial"/>
+              <a:buChar char="•"/>
+            </a:pPr>
+            <a:r>
+              <a:rPr lang="en-US" sz="1400" b="1" i="1" dirty="0">
+                <a:solidFill>
+                  <a:srgbClr val="595959"/>
+                </a:solidFill>
+                <a:cs typeface="Arial"/>
+              </a:rPr>
+              <a:t>Broadband Network Access</a:t>
+            </a:r>
+            <a:r>
+              <a:rPr lang="en-US" sz="1400" dirty="0">
+                <a:solidFill>
+                  <a:srgbClr val="595959"/>
+                </a:solidFill>
+                <a:cs typeface="Arial"/>
+              </a:rPr>
+              <a:t>: </a:t>
+            </a:r>
+            <a:r>
+              <a:rPr lang="en-US" sz="1000" dirty="0">
+                <a:solidFill>
+                  <a:srgbClr val="595959"/>
+                </a:solidFill>
+                <a:cs typeface="Arial"/>
+              </a:rPr>
+              <a:t>Resources can be accessed through public network</a:t>
+            </a:r>
+            <a:endParaRPr lang="en-US" sz="1000" dirty="0">
+              <a:solidFill>
+                <a:srgbClr val="000000"/>
+              </a:solidFill>
+              <a:cs typeface="Arial"/>
+            </a:endParaRPr>
+          </a:p>
+          <a:p>
+            <a:pPr marL="742950" lvl="1" indent="-285750">
+              <a:buFont typeface="Arial"/>
+              <a:buChar char="•"/>
+            </a:pPr>
+            <a:r>
+              <a:rPr lang="en-US" sz="1400" b="1" i="1" dirty="0">
+                <a:solidFill>
+                  <a:srgbClr val="595959"/>
+                </a:solidFill>
+                <a:cs typeface="Arial"/>
+              </a:rPr>
+              <a:t>Resource Pooling</a:t>
+            </a:r>
+            <a:r>
+              <a:rPr lang="en-US" sz="1400" dirty="0">
+                <a:solidFill>
+                  <a:srgbClr val="595959"/>
+                </a:solidFill>
+                <a:cs typeface="Arial"/>
+              </a:rPr>
+              <a:t>: </a:t>
+            </a:r>
+            <a:r>
+              <a:rPr lang="en-US" sz="1000" dirty="0">
+                <a:solidFill>
+                  <a:srgbClr val="595959"/>
+                </a:solidFill>
+                <a:cs typeface="Arial"/>
+              </a:rPr>
+              <a:t>Services are pooled to serve multiple consumers using multi-tenant model.  Physical and virtual resources allocation are dynamic based upon demand</a:t>
+            </a:r>
+          </a:p>
+          <a:p>
+            <a:pPr marL="742950" lvl="1" indent="-285750">
+              <a:buFont typeface="Arial"/>
+              <a:buChar char="•"/>
+            </a:pPr>
+            <a:r>
+              <a:rPr lang="en-US" sz="1400" b="1" i="1" dirty="0">
+                <a:solidFill>
+                  <a:srgbClr val="595959"/>
+                </a:solidFill>
+                <a:cs typeface="Arial"/>
+              </a:rPr>
+              <a:t>Rapid Elasticity</a:t>
+            </a:r>
+            <a:r>
+              <a:rPr lang="en-US" sz="1400" dirty="0">
+                <a:solidFill>
+                  <a:srgbClr val="595959"/>
+                </a:solidFill>
+                <a:cs typeface="Arial"/>
+              </a:rPr>
+              <a:t>: </a:t>
+            </a:r>
+            <a:r>
+              <a:rPr lang="en-US" sz="1000" dirty="0">
+                <a:solidFill>
+                  <a:srgbClr val="595959"/>
+                </a:solidFill>
+                <a:cs typeface="Arial"/>
+              </a:rPr>
+              <a:t>Resources can be elastically provisioned and related to enable scaling whereas consumers seem to get virtually unlimited resources</a:t>
+            </a:r>
+            <a:endParaRPr lang="en-US" sz="1000" dirty="0">
+              <a:solidFill>
+                <a:srgbClr val="000000"/>
+              </a:solidFill>
+              <a:cs typeface="Arial"/>
+            </a:endParaRPr>
+          </a:p>
+          <a:p>
+            <a:pPr marL="742950" lvl="1" indent="-285750">
+              <a:buFont typeface="Arial"/>
+              <a:buChar char="•"/>
+            </a:pPr>
+            <a:r>
+              <a:rPr lang="en-US" sz="1400" b="1" i="1" dirty="0">
+                <a:solidFill>
+                  <a:srgbClr val="595959"/>
+                </a:solidFill>
+                <a:cs typeface="Arial"/>
+              </a:rPr>
+              <a:t>Measured Services</a:t>
+            </a:r>
+            <a:r>
+              <a:rPr lang="en-US" sz="1400" dirty="0">
+                <a:solidFill>
+                  <a:srgbClr val="595959"/>
+                </a:solidFill>
+                <a:cs typeface="Arial"/>
+              </a:rPr>
+              <a:t>: </a:t>
+            </a:r>
+            <a:r>
+              <a:rPr lang="en-US" sz="1000" dirty="0">
+                <a:solidFill>
+                  <a:srgbClr val="595959"/>
+                </a:solidFill>
+                <a:cs typeface="Arial"/>
+              </a:rPr>
+              <a:t>Automatically optimize and control resources where resources utilization can be monitored, reported and controlled.</a:t>
+            </a:r>
+            <a:r>
+              <a:rPr lang="en-US" sz="1400" dirty="0">
+                <a:solidFill>
+                  <a:srgbClr val="595959"/>
+                </a:solidFill>
+                <a:cs typeface="Arial"/>
+              </a:rPr>
+              <a:t> </a:t>
+            </a:r>
+            <a:r>
+              <a:rPr lang="en-US" sz="1000" dirty="0">
+                <a:solidFill>
+                  <a:srgbClr val="595959"/>
+                </a:solidFill>
+                <a:cs typeface="Arial"/>
+              </a:rPr>
+              <a:t> </a:t>
+            </a:r>
+            <a:endParaRPr lang="en-US" sz="1000" dirty="0">
+              <a:solidFill>
+                <a:srgbClr val="000000"/>
+              </a:solidFill>
+              <a:cs typeface="Arial"/>
+            </a:endParaRPr>
+          </a:p>
+          <a:p>
+            <a:endParaRPr lang="en-US" dirty="0"/>
+          </a:p>
+        </p:txBody>
+      </p:sp>
+    </p:spTree>
+    <p:extLst>
+      <p:ext uri="{BB962C8B-B14F-4D97-AF65-F5344CB8AC3E}">
+        <p14:creationId xmlns:p14="http://schemas.microsoft.com/office/powerpoint/2010/main" val="973086872"/>
+      </p:ext>
+    </p:extLst>
+  </p:cSld>
+  <p:clrMapOvr>
+    <a:masterClrMapping/>
+  </p:clrMapOvr>
+</p:sld>
+</file>
+
+<file path=ppt/slides/slide20.xml><?xml version="1.0" encoding="utf-8"?>
+<p:sld xmlns:a="http://schemas.openxmlformats.org/drawingml/2006/main" xmlns:r="http://schemas.openxmlformats.org/officeDocument/2006/relationships" xmlns:p="http://schemas.openxmlformats.org/presentationml/2006/main">
+  <p:cSld>
+    <p:spTree>
+      <p:nvGrpSpPr>
+        <p:cNvPr id="1" name=""/>
+        <p:cNvGrpSpPr/>
+        <p:nvPr/>
+      </p:nvGrpSpPr>
+      <p:grpSpPr>
+        <a:xfrm>
+          <a:off x="0" y="0"/>
+          <a:ext cx="0" cy="0"/>
+          <a:chOff x="0" y="0"/>
+          <a:chExt cx="0" cy="0"/>
+        </a:xfrm>
+      </p:grpSpPr>
+      <p:sp>
+        <p:nvSpPr>
+          <p:cNvPr id="2" name="Title 1">
+            <a:extLst>
+              <a:ext uri="{FF2B5EF4-FFF2-40B4-BE49-F238E27FC236}">
+                <a16:creationId xmlns:a16="http://schemas.microsoft.com/office/drawing/2014/main" id="{5B931770-76C9-F749-9B7D-08A4A1F13896}"/>
+              </a:ext>
+            </a:extLst>
+          </p:cNvPr>
+          <p:cNvSpPr>
+            <a:spLocks noGrp="1"/>
+          </p:cNvSpPr>
+          <p:nvPr>
+            <p:ph type="title"/>
+          </p:nvPr>
+        </p:nvSpPr>
+        <p:spPr>
+          <a:xfrm>
+            <a:off x="0" y="228600"/>
+            <a:ext cx="9144000" cy="1143000"/>
+          </a:xfrm>
+        </p:spPr>
+        <p:txBody>
+          <a:bodyPr/>
+          <a:lstStyle/>
+          <a:p>
+            <a:r>
+              <a:rPr lang="en-US" dirty="0"/>
+              <a:t>Median IBU per State</a:t>
+            </a:r>
+          </a:p>
+        </p:txBody>
+      </p:sp>
+      <p:sp>
+        <p:nvSpPr>
+          <p:cNvPr id="5" name="Content Placeholder 4">
+            <a:extLst>
+              <a:ext uri="{FF2B5EF4-FFF2-40B4-BE49-F238E27FC236}">
+                <a16:creationId xmlns:a16="http://schemas.microsoft.com/office/drawing/2014/main" id="{375CDB98-7F05-41AD-9F29-81E3D0CFBEFF}"/>
+              </a:ext>
+            </a:extLst>
+          </p:cNvPr>
+          <p:cNvSpPr>
+            <a:spLocks noGrp="1"/>
+          </p:cNvSpPr>
+          <p:nvPr>
+            <p:ph idx="1"/>
+          </p:nvPr>
+        </p:nvSpPr>
+        <p:spPr>
+          <a:xfrm>
+            <a:off x="457199" y="1627905"/>
+            <a:ext cx="8229600" cy="4854011"/>
+          </a:xfrm>
+        </p:spPr>
+        <p:txBody>
+          <a:bodyPr/>
+          <a:lstStyle/>
+          <a:p>
+            <a:endParaRPr lang="en-US" dirty="0"/>
+          </a:p>
+          <a:p>
+            <a:endParaRPr lang="en-US" dirty="0"/>
+          </a:p>
+          <a:p>
+            <a:endParaRPr lang="en-US" dirty="0"/>
+          </a:p>
+          <a:p>
+            <a:endParaRPr lang="en-US" dirty="0"/>
+          </a:p>
+          <a:p>
+            <a:endParaRPr lang="en-US" dirty="0"/>
+          </a:p>
+          <a:p>
+            <a:pPr marL="0" indent="0">
+              <a:buNone/>
+            </a:pPr>
+            <a:endParaRPr lang="en-US" sz="1600" i="1" dirty="0"/>
+          </a:p>
+          <a:p>
+            <a:pPr marL="0" indent="0">
+              <a:buNone/>
+            </a:pPr>
+            <a:endParaRPr lang="en-US" dirty="0"/>
+          </a:p>
+        </p:txBody>
+      </p:sp>
+      <p:sp>
+        <p:nvSpPr>
+          <p:cNvPr id="6" name="Rectangle 5">
+            <a:extLst>
+              <a:ext uri="{FF2B5EF4-FFF2-40B4-BE49-F238E27FC236}">
+                <a16:creationId xmlns:a16="http://schemas.microsoft.com/office/drawing/2014/main" id="{F8B83E26-92F5-4B23-ACBB-69BAFA025801}"/>
+              </a:ext>
+            </a:extLst>
+          </p:cNvPr>
+          <p:cNvSpPr/>
+          <p:nvPr/>
+        </p:nvSpPr>
+        <p:spPr>
+          <a:xfrm>
+            <a:off x="207115" y="5964581"/>
+            <a:ext cx="9062884" cy="646331"/>
+          </a:xfrm>
+          <a:prstGeom prst="rect">
+            <a:avLst/>
+          </a:prstGeom>
+        </p:spPr>
+        <p:txBody>
+          <a:bodyPr wrap="square">
+            <a:spAutoFit/>
+          </a:bodyPr>
+          <a:lstStyle/>
+          <a:p>
+            <a:r>
+              <a:rPr lang="en-US" i="1" dirty="0"/>
+              <a:t>There is much more variation in the IBU data, possibly due to missing values or regional preferences.</a:t>
+            </a:r>
+          </a:p>
+        </p:txBody>
+      </p:sp>
+      <p:pic>
+        <p:nvPicPr>
+          <p:cNvPr id="7" name="Picture 6" descr="A screenshot of a cell phone&#10;&#10;Description automatically generated">
+            <a:extLst>
+              <a:ext uri="{FF2B5EF4-FFF2-40B4-BE49-F238E27FC236}">
+                <a16:creationId xmlns:a16="http://schemas.microsoft.com/office/drawing/2014/main" id="{FF85213C-4012-4ADB-A556-14903EDF1BD7}"/>
+              </a:ext>
+            </a:extLst>
+          </p:cNvPr>
+          <p:cNvPicPr>
+            <a:picLocks noChangeAspect="1"/>
+          </p:cNvPicPr>
+          <p:nvPr/>
+        </p:nvPicPr>
+        <p:blipFill>
+          <a:blip r:embed="rId2"/>
+          <a:stretch>
+            <a:fillRect/>
+          </a:stretch>
+        </p:blipFill>
+        <p:spPr>
+          <a:xfrm>
+            <a:off x="1237783" y="1610403"/>
+            <a:ext cx="6668431" cy="4115374"/>
+          </a:xfrm>
+          <a:prstGeom prst="rect">
+            <a:avLst/>
+          </a:prstGeom>
+        </p:spPr>
+      </p:pic>
+    </p:spTree>
+    <p:extLst>
+      <p:ext uri="{BB962C8B-B14F-4D97-AF65-F5344CB8AC3E}">
+        <p14:creationId xmlns:p14="http://schemas.microsoft.com/office/powerpoint/2010/main" val="2253749982"/>
+      </p:ext>
+    </p:extLst>
+  </p:cSld>
+  <p:clrMapOvr>
+    <a:masterClrMapping/>
+  </p:clrMapOvr>
+</p:sld>
+</file>
+
+<file path=ppt/slides/slide21.xml><?xml version="1.0" encoding="utf-8"?>
+<p:sld xmlns:a="http://schemas.openxmlformats.org/drawingml/2006/main" xmlns:r="http://schemas.openxmlformats.org/officeDocument/2006/relationships" xmlns:p="http://schemas.openxmlformats.org/presentationml/2006/main">
+  <p:cSld>
+    <p:spTree>
+      <p:nvGrpSpPr>
+        <p:cNvPr id="1" name=""/>
+        <p:cNvGrpSpPr/>
+        <p:nvPr/>
+      </p:nvGrpSpPr>
+      <p:grpSpPr>
+        <a:xfrm>
+          <a:off x="0" y="0"/>
+          <a:ext cx="0" cy="0"/>
+          <a:chOff x="0" y="0"/>
+          <a:chExt cx="0" cy="0"/>
+        </a:xfrm>
+      </p:grpSpPr>
+      <p:sp>
+        <p:nvSpPr>
+          <p:cNvPr id="2" name="Title 1">
+            <a:extLst>
+              <a:ext uri="{FF2B5EF4-FFF2-40B4-BE49-F238E27FC236}">
+                <a16:creationId xmlns:a16="http://schemas.microsoft.com/office/drawing/2014/main" id="{5B931770-76C9-F749-9B7D-08A4A1F13896}"/>
+              </a:ext>
+            </a:extLst>
+          </p:cNvPr>
+          <p:cNvSpPr>
+            <a:spLocks noGrp="1"/>
+          </p:cNvSpPr>
+          <p:nvPr>
+            <p:ph type="title"/>
+          </p:nvPr>
+        </p:nvSpPr>
+        <p:spPr>
+          <a:xfrm>
+            <a:off x="0" y="228600"/>
+            <a:ext cx="9144000" cy="1143000"/>
+          </a:xfrm>
+        </p:spPr>
+        <p:txBody>
+          <a:bodyPr/>
+          <a:lstStyle/>
+          <a:p>
+            <a:r>
+              <a:rPr lang="en-US" dirty="0"/>
+              <a:t>Maximum Values by State (ABV)</a:t>
+            </a:r>
+          </a:p>
+        </p:txBody>
+      </p:sp>
+      <p:sp>
+        <p:nvSpPr>
+          <p:cNvPr id="5" name="Content Placeholder 4">
+            <a:extLst>
+              <a:ext uri="{FF2B5EF4-FFF2-40B4-BE49-F238E27FC236}">
+                <a16:creationId xmlns:a16="http://schemas.microsoft.com/office/drawing/2014/main" id="{375CDB98-7F05-41AD-9F29-81E3D0CFBEFF}"/>
+              </a:ext>
+            </a:extLst>
+          </p:cNvPr>
+          <p:cNvSpPr>
+            <a:spLocks noGrp="1"/>
+          </p:cNvSpPr>
+          <p:nvPr>
+            <p:ph idx="1"/>
+          </p:nvPr>
+        </p:nvSpPr>
+        <p:spPr>
+          <a:xfrm>
+            <a:off x="457199" y="1627905"/>
+            <a:ext cx="8229600" cy="4854011"/>
+          </a:xfrm>
+        </p:spPr>
+        <p:txBody>
+          <a:bodyPr/>
+          <a:lstStyle/>
+          <a:p>
+            <a:r>
+              <a:rPr lang="en-US" dirty="0"/>
+              <a:t>There are different measures of center, etc.. that might be useful in determining state trends.</a:t>
+            </a:r>
+          </a:p>
+          <a:p>
+            <a:pPr marL="0" indent="0">
+              <a:buNone/>
+            </a:pPr>
+            <a:endParaRPr lang="en-US" dirty="0"/>
+          </a:p>
+          <a:p>
+            <a:endParaRPr lang="en-US" dirty="0"/>
+          </a:p>
+          <a:p>
+            <a:endParaRPr lang="en-US" dirty="0"/>
+          </a:p>
+          <a:p>
+            <a:endParaRPr lang="en-US" dirty="0"/>
+          </a:p>
+          <a:p>
+            <a:endParaRPr lang="en-US" dirty="0"/>
+          </a:p>
+          <a:p>
+            <a:endParaRPr lang="en-US" dirty="0"/>
+          </a:p>
+          <a:p>
+            <a:pPr marL="0" indent="0">
+              <a:buNone/>
+            </a:pPr>
+            <a:endParaRPr lang="en-US" sz="1600" i="1" dirty="0"/>
+          </a:p>
+          <a:p>
+            <a:pPr marL="0" indent="0">
+              <a:buNone/>
+            </a:pPr>
+            <a:endParaRPr lang="en-US" dirty="0"/>
+          </a:p>
+          <a:p>
+            <a:pPr marL="0" indent="0">
+              <a:buNone/>
+            </a:pPr>
+            <a:endParaRPr lang="en-US" dirty="0"/>
+          </a:p>
+        </p:txBody>
+      </p:sp>
+      <p:sp>
+        <p:nvSpPr>
+          <p:cNvPr id="7" name="Rectangle 6">
+            <a:extLst>
+              <a:ext uri="{FF2B5EF4-FFF2-40B4-BE49-F238E27FC236}">
+                <a16:creationId xmlns:a16="http://schemas.microsoft.com/office/drawing/2014/main" id="{5958EAC4-08F2-4945-9F0D-E088897A9830}"/>
+              </a:ext>
+            </a:extLst>
+          </p:cNvPr>
+          <p:cNvSpPr/>
+          <p:nvPr/>
+        </p:nvSpPr>
+        <p:spPr>
+          <a:xfrm>
+            <a:off x="1748897" y="5738648"/>
+            <a:ext cx="5810866" cy="369332"/>
+          </a:xfrm>
+          <a:prstGeom prst="rect">
+            <a:avLst/>
+          </a:prstGeom>
+        </p:spPr>
+        <p:txBody>
+          <a:bodyPr wrap="square">
+            <a:spAutoFit/>
+          </a:bodyPr>
+          <a:lstStyle/>
+          <a:p>
+            <a:r>
+              <a:rPr lang="en-US" i="1" dirty="0"/>
+              <a:t>Depending on the statistic of interest, the answer varies</a:t>
+            </a:r>
+          </a:p>
+        </p:txBody>
+      </p:sp>
+      <p:pic>
+        <p:nvPicPr>
+          <p:cNvPr id="3" name="Picture 2">
+            <a:extLst>
+              <a:ext uri="{FF2B5EF4-FFF2-40B4-BE49-F238E27FC236}">
+                <a16:creationId xmlns:a16="http://schemas.microsoft.com/office/drawing/2014/main" id="{1AA8CDB8-E6C7-4E6D-A319-4015B9B92A22}"/>
+              </a:ext>
+            </a:extLst>
+          </p:cNvPr>
+          <p:cNvPicPr>
+            <a:picLocks noChangeAspect="1"/>
+          </p:cNvPicPr>
+          <p:nvPr/>
+        </p:nvPicPr>
+        <p:blipFill>
+          <a:blip r:embed="rId3"/>
+          <a:stretch>
+            <a:fillRect/>
+          </a:stretch>
+        </p:blipFill>
+        <p:spPr>
+          <a:xfrm>
+            <a:off x="2197561" y="3326014"/>
+            <a:ext cx="4748875" cy="2340995"/>
+          </a:xfrm>
+          <a:prstGeom prst="rect">
+            <a:avLst/>
+          </a:prstGeom>
+        </p:spPr>
+      </p:pic>
+    </p:spTree>
+    <p:extLst>
+      <p:ext uri="{BB962C8B-B14F-4D97-AF65-F5344CB8AC3E}">
+        <p14:creationId xmlns:p14="http://schemas.microsoft.com/office/powerpoint/2010/main" val="622800655"/>
+      </p:ext>
+    </p:extLst>
+  </p:cSld>
+  <p:clrMapOvr>
+    <a:masterClrMapping/>
+  </p:clrMapOvr>
+</p:sld>
+</file>
+
+<file path=ppt/slides/slide22.xml><?xml version="1.0" encoding="utf-8"?>
+<p:sld xmlns:a="http://schemas.openxmlformats.org/drawingml/2006/main" xmlns:r="http://schemas.openxmlformats.org/officeDocument/2006/relationships" xmlns:p="http://schemas.openxmlformats.org/presentationml/2006/main">
+  <p:cSld>
+    <p:spTree>
+      <p:nvGrpSpPr>
+        <p:cNvPr id="1" name=""/>
+        <p:cNvGrpSpPr/>
+        <p:nvPr/>
+      </p:nvGrpSpPr>
+      <p:grpSpPr>
+        <a:xfrm>
+          <a:off x="0" y="0"/>
+          <a:ext cx="0" cy="0"/>
+          <a:chOff x="0" y="0"/>
+          <a:chExt cx="0" cy="0"/>
+        </a:xfrm>
+      </p:grpSpPr>
+      <p:sp>
+        <p:nvSpPr>
+          <p:cNvPr id="2" name="Title 1">
+            <a:extLst>
+              <a:ext uri="{FF2B5EF4-FFF2-40B4-BE49-F238E27FC236}">
+                <a16:creationId xmlns:a16="http://schemas.microsoft.com/office/drawing/2014/main" id="{5B931770-76C9-F749-9B7D-08A4A1F13896}"/>
+              </a:ext>
+            </a:extLst>
+          </p:cNvPr>
+          <p:cNvSpPr>
+            <a:spLocks noGrp="1"/>
+          </p:cNvSpPr>
+          <p:nvPr>
+            <p:ph type="title"/>
+          </p:nvPr>
+        </p:nvSpPr>
+        <p:spPr>
+          <a:xfrm>
+            <a:off x="0" y="228600"/>
+            <a:ext cx="9144000" cy="1143000"/>
+          </a:xfrm>
+        </p:spPr>
+        <p:txBody>
+          <a:bodyPr/>
+          <a:lstStyle/>
+          <a:p>
+            <a:r>
+              <a:rPr lang="en-US" dirty="0"/>
+              <a:t>ABV and IBU Comparisons</a:t>
+            </a:r>
+          </a:p>
+        </p:txBody>
+      </p:sp>
+      <p:sp>
+        <p:nvSpPr>
+          <p:cNvPr id="5" name="Content Placeholder 4">
+            <a:extLst>
+              <a:ext uri="{FF2B5EF4-FFF2-40B4-BE49-F238E27FC236}">
+                <a16:creationId xmlns:a16="http://schemas.microsoft.com/office/drawing/2014/main" id="{375CDB98-7F05-41AD-9F29-81E3D0CFBEFF}"/>
+              </a:ext>
+            </a:extLst>
+          </p:cNvPr>
+          <p:cNvSpPr>
+            <a:spLocks noGrp="1"/>
+          </p:cNvSpPr>
+          <p:nvPr>
+            <p:ph idx="1"/>
+          </p:nvPr>
+        </p:nvSpPr>
+        <p:spPr>
+          <a:xfrm>
+            <a:off x="457199" y="1627905"/>
+            <a:ext cx="8229600" cy="4854011"/>
+          </a:xfrm>
+        </p:spPr>
+        <p:txBody>
+          <a:bodyPr/>
+          <a:lstStyle/>
+          <a:p>
+            <a:r>
+              <a:rPr lang="en-US" dirty="0"/>
+              <a:t>The ABU and IBV data show similarities in spread/ variance</a:t>
+            </a:r>
+          </a:p>
+          <a:p>
+            <a:endParaRPr lang="en-US" dirty="0"/>
+          </a:p>
+          <a:p>
+            <a:endParaRPr lang="en-US" dirty="0"/>
+          </a:p>
+          <a:p>
+            <a:endParaRPr lang="en-US" dirty="0"/>
+          </a:p>
+          <a:p>
+            <a:endParaRPr lang="en-US" dirty="0"/>
+          </a:p>
+          <a:p>
+            <a:endParaRPr lang="en-US" dirty="0"/>
+          </a:p>
+          <a:p>
+            <a:pPr marL="0" indent="0">
+              <a:buNone/>
+            </a:pPr>
+            <a:endParaRPr lang="en-US" sz="1600" i="1" dirty="0"/>
+          </a:p>
+          <a:p>
+            <a:endParaRPr lang="en-US" dirty="0"/>
+          </a:p>
+          <a:p>
+            <a:pPr marL="0" indent="0">
+              <a:buNone/>
+            </a:pPr>
+            <a:endParaRPr lang="en-US" dirty="0"/>
+          </a:p>
+        </p:txBody>
+      </p:sp>
+      <p:pic>
+        <p:nvPicPr>
+          <p:cNvPr id="6" name="Picture 5">
+            <a:extLst>
+              <a:ext uri="{FF2B5EF4-FFF2-40B4-BE49-F238E27FC236}">
+                <a16:creationId xmlns:a16="http://schemas.microsoft.com/office/drawing/2014/main" id="{60AAC40B-54E0-4C58-A5D8-E029F4AC17D3}"/>
+              </a:ext>
+            </a:extLst>
+          </p:cNvPr>
+          <p:cNvPicPr>
+            <a:picLocks noChangeAspect="1"/>
+          </p:cNvPicPr>
+          <p:nvPr/>
+        </p:nvPicPr>
+        <p:blipFill>
+          <a:blip r:embed="rId3"/>
+          <a:stretch>
+            <a:fillRect/>
+          </a:stretch>
+        </p:blipFill>
+        <p:spPr>
+          <a:xfrm>
+            <a:off x="146236" y="2860127"/>
+            <a:ext cx="4197868" cy="3517524"/>
+          </a:xfrm>
+          <a:prstGeom prst="rect">
+            <a:avLst/>
+          </a:prstGeom>
+        </p:spPr>
+      </p:pic>
+      <p:pic>
+        <p:nvPicPr>
+          <p:cNvPr id="7" name="Picture 6">
+            <a:extLst>
+              <a:ext uri="{FF2B5EF4-FFF2-40B4-BE49-F238E27FC236}">
+                <a16:creationId xmlns:a16="http://schemas.microsoft.com/office/drawing/2014/main" id="{37A11D5E-512A-49AC-A7C8-282913FA3E42}"/>
+              </a:ext>
+            </a:extLst>
+          </p:cNvPr>
+          <p:cNvPicPr>
+            <a:picLocks noChangeAspect="1"/>
+          </p:cNvPicPr>
+          <p:nvPr/>
+        </p:nvPicPr>
+        <p:blipFill>
+          <a:blip r:embed="rId4"/>
+          <a:stretch>
+            <a:fillRect/>
+          </a:stretch>
+        </p:blipFill>
+        <p:spPr>
+          <a:xfrm>
+            <a:off x="4655067" y="2860127"/>
+            <a:ext cx="4187529" cy="3517524"/>
+          </a:xfrm>
+          <a:prstGeom prst="rect">
+            <a:avLst/>
+          </a:prstGeom>
+        </p:spPr>
+      </p:pic>
+    </p:spTree>
+    <p:extLst>
+      <p:ext uri="{BB962C8B-B14F-4D97-AF65-F5344CB8AC3E}">
+        <p14:creationId xmlns:p14="http://schemas.microsoft.com/office/powerpoint/2010/main" val="147759718"/>
+      </p:ext>
+    </p:extLst>
+  </p:cSld>
+  <p:clrMapOvr>
+    <a:masterClrMapping/>
+  </p:clrMapOvr>
+</p:sld>
+</file>
+
+<file path=ppt/slides/slide23.xml><?xml version="1.0" encoding="utf-8"?>
+<p:sld xmlns:a="http://schemas.openxmlformats.org/drawingml/2006/main" xmlns:r="http://schemas.openxmlformats.org/officeDocument/2006/relationships" xmlns:p="http://schemas.openxmlformats.org/presentationml/2006/main">
+  <p:cSld>
+    <p:spTree>
+      <p:nvGrpSpPr>
+        <p:cNvPr id="1" name=""/>
+        <p:cNvGrpSpPr/>
+        <p:nvPr/>
+      </p:nvGrpSpPr>
+      <p:grpSpPr>
+        <a:xfrm>
+          <a:off x="0" y="0"/>
+          <a:ext cx="0" cy="0"/>
+          <a:chOff x="0" y="0"/>
+          <a:chExt cx="0" cy="0"/>
+        </a:xfrm>
+      </p:grpSpPr>
+      <p:sp>
+        <p:nvSpPr>
+          <p:cNvPr id="2" name="Title 1">
+            <a:extLst>
+              <a:ext uri="{FF2B5EF4-FFF2-40B4-BE49-F238E27FC236}">
+                <a16:creationId xmlns:a16="http://schemas.microsoft.com/office/drawing/2014/main" id="{5B931770-76C9-F749-9B7D-08A4A1F13896}"/>
+              </a:ext>
+            </a:extLst>
+          </p:cNvPr>
+          <p:cNvSpPr>
+            <a:spLocks noGrp="1"/>
+          </p:cNvSpPr>
+          <p:nvPr>
+            <p:ph type="title"/>
+          </p:nvPr>
+        </p:nvSpPr>
+        <p:spPr>
+          <a:xfrm>
+            <a:off x="0" y="228600"/>
+            <a:ext cx="9144000" cy="1143000"/>
+          </a:xfrm>
+        </p:spPr>
+        <p:txBody>
+          <a:bodyPr/>
+          <a:lstStyle/>
+          <a:p>
+            <a:r>
+              <a:rPr lang="en-US" dirty="0"/>
+              <a:t>Beer Style Predictions</a:t>
+            </a:r>
+          </a:p>
+        </p:txBody>
+      </p:sp>
+      <p:sp>
+        <p:nvSpPr>
+          <p:cNvPr id="5" name="Content Placeholder 4">
+            <a:extLst>
+              <a:ext uri="{FF2B5EF4-FFF2-40B4-BE49-F238E27FC236}">
+                <a16:creationId xmlns:a16="http://schemas.microsoft.com/office/drawing/2014/main" id="{375CDB98-7F05-41AD-9F29-81E3D0CFBEFF}"/>
+              </a:ext>
+            </a:extLst>
+          </p:cNvPr>
+          <p:cNvSpPr>
+            <a:spLocks noGrp="1"/>
+          </p:cNvSpPr>
+          <p:nvPr>
+            <p:ph idx="1"/>
+          </p:nvPr>
+        </p:nvSpPr>
+        <p:spPr>
+          <a:xfrm>
+            <a:off x="243347" y="1555954"/>
+            <a:ext cx="8155857" cy="5014451"/>
+          </a:xfrm>
+        </p:spPr>
+        <p:txBody>
+          <a:bodyPr/>
+          <a:lstStyle/>
+          <a:p>
+            <a:r>
+              <a:rPr lang="en-US" sz="2800" dirty="0"/>
+              <a:t>ABV and IBU served as good predictors of a beer’s style</a:t>
+            </a:r>
+          </a:p>
+          <a:p>
+            <a:pPr marL="0" indent="0">
+              <a:buNone/>
+            </a:pPr>
+            <a:endParaRPr lang="en-US" dirty="0"/>
+          </a:p>
+          <a:p>
+            <a:endParaRPr lang="en-US" dirty="0"/>
+          </a:p>
+          <a:p>
+            <a:endParaRPr lang="en-US" dirty="0"/>
+          </a:p>
+          <a:p>
+            <a:endParaRPr lang="en-US" dirty="0"/>
+          </a:p>
+          <a:p>
+            <a:endParaRPr lang="en-US" dirty="0"/>
+          </a:p>
+          <a:p>
+            <a:endParaRPr lang="en-US" dirty="0"/>
+          </a:p>
+          <a:p>
+            <a:pPr marL="0" indent="0">
+              <a:buNone/>
+            </a:pPr>
+            <a:endParaRPr lang="en-US" sz="1600" i="1" dirty="0"/>
+          </a:p>
+          <a:p>
+            <a:pPr marL="0" indent="0">
+              <a:buNone/>
+            </a:pPr>
+            <a:endParaRPr lang="en-US" dirty="0"/>
+          </a:p>
+          <a:p>
+            <a:pPr marL="0" indent="0">
+              <a:buNone/>
+            </a:pPr>
+            <a:endParaRPr lang="en-US" dirty="0"/>
+          </a:p>
+        </p:txBody>
+      </p:sp>
+      <p:pic>
+        <p:nvPicPr>
+          <p:cNvPr id="3" name="Picture 2">
+            <a:extLst>
+              <a:ext uri="{FF2B5EF4-FFF2-40B4-BE49-F238E27FC236}">
+                <a16:creationId xmlns:a16="http://schemas.microsoft.com/office/drawing/2014/main" id="{077B3C9D-2A2B-443B-B3CC-FA13AE7F280E}"/>
+              </a:ext>
+            </a:extLst>
+          </p:cNvPr>
+          <p:cNvPicPr>
+            <a:picLocks noChangeAspect="1"/>
+          </p:cNvPicPr>
+          <p:nvPr/>
+        </p:nvPicPr>
+        <p:blipFill>
+          <a:blip r:embed="rId3"/>
+          <a:stretch>
+            <a:fillRect/>
+          </a:stretch>
+        </p:blipFill>
+        <p:spPr>
+          <a:xfrm>
+            <a:off x="5604070" y="2708056"/>
+            <a:ext cx="2493356" cy="3666700"/>
+          </a:xfrm>
+          <a:prstGeom prst="rect">
+            <a:avLst/>
+          </a:prstGeom>
+        </p:spPr>
+      </p:pic>
+      <p:pic>
+        <p:nvPicPr>
+          <p:cNvPr id="7" name="Picture 6">
+            <a:extLst>
+              <a:ext uri="{FF2B5EF4-FFF2-40B4-BE49-F238E27FC236}">
+                <a16:creationId xmlns:a16="http://schemas.microsoft.com/office/drawing/2014/main" id="{62552021-6B49-4D83-AD44-4791A7C5502D}"/>
+              </a:ext>
+            </a:extLst>
+          </p:cNvPr>
+          <p:cNvPicPr>
+            <a:picLocks noChangeAspect="1"/>
+          </p:cNvPicPr>
+          <p:nvPr/>
+        </p:nvPicPr>
+        <p:blipFill>
+          <a:blip r:embed="rId4"/>
+          <a:stretch>
+            <a:fillRect/>
+          </a:stretch>
+        </p:blipFill>
+        <p:spPr>
+          <a:xfrm>
+            <a:off x="243347" y="2708056"/>
+            <a:ext cx="5058945" cy="3565421"/>
+          </a:xfrm>
+          <a:prstGeom prst="rect">
+            <a:avLst/>
+          </a:prstGeom>
+        </p:spPr>
+      </p:pic>
+    </p:spTree>
+    <p:extLst>
+      <p:ext uri="{BB962C8B-B14F-4D97-AF65-F5344CB8AC3E}">
+        <p14:creationId xmlns:p14="http://schemas.microsoft.com/office/powerpoint/2010/main" val="1044861800"/>
+      </p:ext>
+    </p:extLst>
+  </p:cSld>
+  <p:clrMapOvr>
+    <a:masterClrMapping/>
+  </p:clrMapOvr>
+</p:sld>
+</file>
+
+<file path=ppt/slides/slide24.xml><?xml version="1.0" encoding="utf-8"?>
+<p:sld xmlns:a="http://schemas.openxmlformats.org/drawingml/2006/main" xmlns:r="http://schemas.openxmlformats.org/officeDocument/2006/relationships" xmlns:p="http://schemas.openxmlformats.org/presentationml/2006/main">
+  <p:cSld>
+    <p:spTree>
+      <p:nvGrpSpPr>
+        <p:cNvPr id="1" name=""/>
+        <p:cNvGrpSpPr/>
+        <p:nvPr/>
+      </p:nvGrpSpPr>
+      <p:grpSpPr>
+        <a:xfrm>
+          <a:off x="0" y="0"/>
+          <a:ext cx="0" cy="0"/>
+          <a:chOff x="0" y="0"/>
+          <a:chExt cx="0" cy="0"/>
+        </a:xfrm>
+      </p:grpSpPr>
+      <p:sp>
+        <p:nvSpPr>
+          <p:cNvPr id="2" name="Title 1">
+            <a:extLst>
+              <a:ext uri="{FF2B5EF4-FFF2-40B4-BE49-F238E27FC236}">
+                <a16:creationId xmlns:a16="http://schemas.microsoft.com/office/drawing/2014/main" id="{5B931770-76C9-F749-9B7D-08A4A1F13896}"/>
+              </a:ext>
+            </a:extLst>
+          </p:cNvPr>
+          <p:cNvSpPr>
+            <a:spLocks noGrp="1"/>
+          </p:cNvSpPr>
+          <p:nvPr>
+            <p:ph type="title"/>
+          </p:nvPr>
+        </p:nvSpPr>
+        <p:spPr>
+          <a:xfrm>
+            <a:off x="0" y="228600"/>
+            <a:ext cx="9144000" cy="1143000"/>
+          </a:xfrm>
+        </p:spPr>
+        <p:txBody>
+          <a:bodyPr/>
+          <a:lstStyle/>
+          <a:p>
+            <a:r>
+              <a:rPr lang="en-US" dirty="0"/>
+              <a:t>Regional Comparisons</a:t>
+            </a:r>
+          </a:p>
+        </p:txBody>
+      </p:sp>
+      <p:sp>
+        <p:nvSpPr>
+          <p:cNvPr id="5" name="Content Placeholder 4">
+            <a:extLst>
+              <a:ext uri="{FF2B5EF4-FFF2-40B4-BE49-F238E27FC236}">
+                <a16:creationId xmlns:a16="http://schemas.microsoft.com/office/drawing/2014/main" id="{375CDB98-7F05-41AD-9F29-81E3D0CFBEFF}"/>
+              </a:ext>
+            </a:extLst>
+          </p:cNvPr>
+          <p:cNvSpPr>
+            <a:spLocks noGrp="1"/>
+          </p:cNvSpPr>
+          <p:nvPr>
+            <p:ph idx="1"/>
+          </p:nvPr>
+        </p:nvSpPr>
+        <p:spPr>
+          <a:xfrm>
+            <a:off x="457199" y="1627905"/>
+            <a:ext cx="8229600" cy="4854011"/>
+          </a:xfrm>
+        </p:spPr>
+        <p:txBody>
+          <a:bodyPr/>
+          <a:lstStyle/>
+          <a:p>
+            <a:r>
+              <a:rPr lang="en-US" dirty="0"/>
+              <a:t>Many of these states happen to be in regions with lower craft beer counts</a:t>
+            </a:r>
+          </a:p>
+          <a:p>
+            <a:endParaRPr lang="en-US" dirty="0"/>
+          </a:p>
+          <a:p>
+            <a:endParaRPr lang="en-US" dirty="0"/>
+          </a:p>
+          <a:p>
+            <a:endParaRPr lang="en-US" dirty="0"/>
+          </a:p>
+          <a:p>
+            <a:endParaRPr lang="en-US" dirty="0"/>
+          </a:p>
+          <a:p>
+            <a:endParaRPr lang="en-US" dirty="0"/>
+          </a:p>
+          <a:p>
+            <a:pPr marL="0" indent="0">
+              <a:buNone/>
+            </a:pPr>
+            <a:endParaRPr lang="en-US" sz="1600" i="1" dirty="0"/>
+          </a:p>
+          <a:p>
+            <a:endParaRPr lang="en-US" dirty="0"/>
+          </a:p>
+          <a:p>
+            <a:pPr marL="0" indent="0">
+              <a:buNone/>
+            </a:pPr>
+            <a:endParaRPr lang="en-US" dirty="0"/>
+          </a:p>
+        </p:txBody>
+      </p:sp>
+      <p:pic>
+        <p:nvPicPr>
+          <p:cNvPr id="3" name="Picture 2">
+            <a:extLst>
+              <a:ext uri="{FF2B5EF4-FFF2-40B4-BE49-F238E27FC236}">
+                <a16:creationId xmlns:a16="http://schemas.microsoft.com/office/drawing/2014/main" id="{7904B170-5731-499C-9F4D-1A7AEFB35961}"/>
+              </a:ext>
+            </a:extLst>
+          </p:cNvPr>
+          <p:cNvPicPr>
+            <a:picLocks noChangeAspect="1"/>
+          </p:cNvPicPr>
+          <p:nvPr/>
+        </p:nvPicPr>
+        <p:blipFill>
+          <a:blip r:embed="rId3"/>
+          <a:stretch>
+            <a:fillRect/>
+          </a:stretch>
+        </p:blipFill>
+        <p:spPr>
+          <a:xfrm>
+            <a:off x="1584791" y="2942957"/>
+            <a:ext cx="5776708" cy="3538959"/>
+          </a:xfrm>
+          <a:prstGeom prst="rect">
+            <a:avLst/>
+          </a:prstGeom>
+        </p:spPr>
+      </p:pic>
+    </p:spTree>
+    <p:extLst>
+      <p:ext uri="{BB962C8B-B14F-4D97-AF65-F5344CB8AC3E}">
+        <p14:creationId xmlns:p14="http://schemas.microsoft.com/office/powerpoint/2010/main" val="1683861339"/>
+      </p:ext>
+    </p:extLst>
+  </p:cSld>
+  <p:clrMapOvr>
+    <a:masterClrMapping/>
+  </p:clrMapOvr>
+</p:sld>
+</file>
+
+<file path=ppt/slides/slide25.xml><?xml version="1.0" encoding="utf-8"?>
+<p:sld xmlns:a="http://schemas.openxmlformats.org/drawingml/2006/main" xmlns:r="http://schemas.openxmlformats.org/officeDocument/2006/relationships" xmlns:p="http://schemas.openxmlformats.org/presentationml/2006/main">
+  <p:cSld>
+    <p:spTree>
+      <p:nvGrpSpPr>
+        <p:cNvPr id="1" name=""/>
+        <p:cNvGrpSpPr/>
+        <p:nvPr/>
+      </p:nvGrpSpPr>
+      <p:grpSpPr>
+        <a:xfrm>
+          <a:off x="0" y="0"/>
+          <a:ext cx="0" cy="0"/>
+          <a:chOff x="0" y="0"/>
+          <a:chExt cx="0" cy="0"/>
+        </a:xfrm>
+      </p:grpSpPr>
+      <p:sp>
+        <p:nvSpPr>
+          <p:cNvPr id="2" name="Title 1">
+            <a:extLst>
+              <a:ext uri="{FF2B5EF4-FFF2-40B4-BE49-F238E27FC236}">
+                <a16:creationId xmlns:a16="http://schemas.microsoft.com/office/drawing/2014/main" id="{5B931770-76C9-F749-9B7D-08A4A1F13896}"/>
+              </a:ext>
+            </a:extLst>
+          </p:cNvPr>
+          <p:cNvSpPr>
+            <a:spLocks noGrp="1"/>
+          </p:cNvSpPr>
+          <p:nvPr>
+            <p:ph type="title"/>
+          </p:nvPr>
+        </p:nvSpPr>
+        <p:spPr>
+          <a:xfrm>
+            <a:off x="0" y="228600"/>
+            <a:ext cx="9144000" cy="1143000"/>
+          </a:xfrm>
+        </p:spPr>
+        <p:txBody>
+          <a:bodyPr/>
+          <a:lstStyle/>
+          <a:p>
+            <a:r>
+              <a:rPr lang="en-US" dirty="0"/>
+              <a:t>Conclusion</a:t>
+            </a:r>
+          </a:p>
+        </p:txBody>
+      </p:sp>
+      <p:sp>
+        <p:nvSpPr>
+          <p:cNvPr id="8" name="Content Placeholder 4">
+            <a:extLst>
+              <a:ext uri="{FF2B5EF4-FFF2-40B4-BE49-F238E27FC236}">
+                <a16:creationId xmlns:a16="http://schemas.microsoft.com/office/drawing/2014/main" id="{4642B19D-3DF3-4F9F-B645-7D34C2B298DB}"/>
+              </a:ext>
+            </a:extLst>
+          </p:cNvPr>
+          <p:cNvSpPr txBox="1">
+            <a:spLocks/>
+          </p:cNvSpPr>
+          <p:nvPr/>
+        </p:nvSpPr>
+        <p:spPr>
+          <a:xfrm>
+            <a:off x="457200" y="1631695"/>
+            <a:ext cx="8229600" cy="1885795"/>
+          </a:xfrm>
+          <a:prstGeom prst="rect">
+            <a:avLst/>
+          </a:prstGeom>
+        </p:spPr>
+        <p:txBody>
+          <a:bodyPr vert="horz" lIns="91440" tIns="45720" rIns="91440" bIns="45720" rtlCol="0">
+            <a:noAutofit/>
+          </a:bodyPr>
+          <a:lstStyle>
+            <a:lvl1pPr marL="342900" indent="-342900" algn="l" defTabSz="914400" rtl="0" eaLnBrk="1" latinLnBrk="0" hangingPunct="1">
+              <a:spcBef>
+                <a:spcPts val="600"/>
+              </a:spcBef>
+              <a:buFont typeface="Arial" charset="0"/>
+              <a:buChar char="•"/>
+              <a:defRPr sz="3200" kern="1200">
+                <a:solidFill>
+                  <a:schemeClr val="tx1"/>
+                </a:solidFill>
+                <a:latin typeface="+mn-lt"/>
+                <a:ea typeface="+mn-ea"/>
+                <a:cs typeface="+mn-cs"/>
+              </a:defRPr>
+            </a:lvl1pPr>
+            <a:lvl2pPr marL="742950" indent="-285750" algn="l" defTabSz="914400" rtl="0" eaLnBrk="1" latinLnBrk="0" hangingPunct="1">
+              <a:spcBef>
+                <a:spcPts val="600"/>
+              </a:spcBef>
+              <a:buFont typeface="Arial" charset="0"/>
+              <a:buChar char="•"/>
+              <a:defRPr sz="2800" b="0" i="0" u="none" kern="1200">
+                <a:solidFill>
+                  <a:schemeClr val="tx1"/>
+                </a:solidFill>
+                <a:latin typeface="+mn-lt"/>
+                <a:ea typeface="+mn-ea"/>
+                <a:cs typeface="+mn-cs"/>
+              </a:defRPr>
+            </a:lvl2pPr>
+            <a:lvl3pPr marL="1143000" indent="-228600" algn="l" defTabSz="914400" rtl="0" eaLnBrk="1" latinLnBrk="0" hangingPunct="1">
+              <a:spcBef>
+                <a:spcPts val="600"/>
+              </a:spcBef>
+              <a:buFont typeface="Arial" charset="0"/>
+              <a:buChar char="•"/>
+              <a:defRPr sz="2400" kern="1200">
+                <a:solidFill>
+                  <a:schemeClr val="tx1"/>
+                </a:solidFill>
+                <a:latin typeface="+mn-lt"/>
+                <a:ea typeface="+mn-ea"/>
+                <a:cs typeface="+mn-cs"/>
+              </a:defRPr>
+            </a:lvl3pPr>
+            <a:lvl4pPr marL="1600200" indent="-228600" algn="l" defTabSz="914400" rtl="0" eaLnBrk="1" latinLnBrk="0" hangingPunct="1">
+              <a:spcBef>
+                <a:spcPts val="600"/>
+              </a:spcBef>
+              <a:buFont typeface="Arial" charset="0"/>
+              <a:buChar char="•"/>
+              <a:defRPr sz="2000" kern="1200">
+                <a:solidFill>
+                  <a:schemeClr val="tx1"/>
+                </a:solidFill>
+                <a:latin typeface="+mn-lt"/>
+                <a:ea typeface="+mn-ea"/>
+                <a:cs typeface="+mn-cs"/>
+              </a:defRPr>
+            </a:lvl4pPr>
+            <a:lvl5pPr marL="2057400" indent="-228600" algn="l" defTabSz="914400" rtl="0" eaLnBrk="1" latinLnBrk="0" hangingPunct="1">
+              <a:spcBef>
+                <a:spcPts val="600"/>
+              </a:spcBef>
+              <a:buFont typeface="Arial" charset="0"/>
+              <a:buChar char="•"/>
+              <a:defRPr sz="2000" kern="1200">
+                <a:solidFill>
+                  <a:schemeClr val="tx1"/>
+                </a:solidFill>
+                <a:latin typeface="+mn-lt"/>
+                <a:ea typeface="+mn-ea"/>
+                <a:cs typeface="+mn-cs"/>
+              </a:defRPr>
+            </a:lvl5pPr>
+            <a:lvl6pPr marL="2514600" indent="-228600" algn="l" defTabSz="914400" rtl="0" eaLnBrk="1" latinLnBrk="0" hangingPunct="1">
+              <a:spcBef>
+                <a:spcPct val="20000"/>
+              </a:spcBef>
+              <a:buFont typeface="Arial" panose="020B0604020202020204" pitchFamily="34" charset="0"/>
+              <a:buChar char="•"/>
+              <a:defRPr sz="2000" kern="1200">
+                <a:solidFill>
+                  <a:schemeClr val="tx1"/>
+                </a:solidFill>
+                <a:latin typeface="+mn-lt"/>
+                <a:ea typeface="+mn-ea"/>
+                <a:cs typeface="+mn-cs"/>
+              </a:defRPr>
+            </a:lvl6pPr>
+            <a:lvl7pPr marL="2971800" indent="-228600" algn="l" defTabSz="914400" rtl="0" eaLnBrk="1" latinLnBrk="0" hangingPunct="1">
+              <a:spcBef>
+                <a:spcPct val="20000"/>
+              </a:spcBef>
+              <a:buFont typeface="Arial" panose="020B0604020202020204" pitchFamily="34" charset="0"/>
+              <a:buChar char="•"/>
+              <a:defRPr sz="2000" kern="1200">
+                <a:solidFill>
+                  <a:schemeClr val="tx1"/>
+                </a:solidFill>
+                <a:latin typeface="+mn-lt"/>
+                <a:ea typeface="+mn-ea"/>
+                <a:cs typeface="+mn-cs"/>
+              </a:defRPr>
+            </a:lvl7pPr>
+            <a:lvl8pPr marL="3429000" indent="-228600" algn="l" defTabSz="914400" rtl="0" eaLnBrk="1" latinLnBrk="0" hangingPunct="1">
+              <a:spcBef>
+                <a:spcPct val="20000"/>
+              </a:spcBef>
+              <a:buFont typeface="Arial" panose="020B0604020202020204" pitchFamily="34" charset="0"/>
+              <a:buChar char="•"/>
+              <a:defRPr sz="2000" kern="1200">
+                <a:solidFill>
+                  <a:schemeClr val="tx1"/>
+                </a:solidFill>
+                <a:latin typeface="+mn-lt"/>
+                <a:ea typeface="+mn-ea"/>
+                <a:cs typeface="+mn-cs"/>
+              </a:defRPr>
+            </a:lvl8pPr>
+            <a:lvl9pPr marL="3886200" indent="-228600" algn="l" defTabSz="914400" rtl="0" eaLnBrk="1" latinLnBrk="0" hangingPunct="1">
+              <a:spcBef>
+                <a:spcPct val="20000"/>
+              </a:spcBef>
+              <a:buFont typeface="Arial" panose="020B0604020202020204" pitchFamily="34" charset="0"/>
+              <a:buChar char="•"/>
+              <a:defRPr sz="2000" kern="1200">
+                <a:solidFill>
+                  <a:schemeClr val="tx1"/>
+                </a:solidFill>
+                <a:latin typeface="+mn-lt"/>
+                <a:ea typeface="+mn-ea"/>
+                <a:cs typeface="+mn-cs"/>
+              </a:defRPr>
+            </a:lvl9pPr>
+          </a:lstStyle>
+          <a:p>
+            <a:r>
+              <a:rPr lang="en-US" sz="2800" b="1" dirty="0"/>
+              <a:t>ABV</a:t>
+            </a:r>
+            <a:r>
+              <a:rPr lang="en-US" sz="2800" dirty="0"/>
+              <a:t> (Alcohol by Volume) and </a:t>
+            </a:r>
+            <a:r>
+              <a:rPr lang="en-US" sz="2800" b="1" dirty="0"/>
+              <a:t>IBU</a:t>
+            </a:r>
+            <a:r>
+              <a:rPr lang="en-US" sz="2800" dirty="0"/>
+              <a:t> (International Bitterness Units) serve as good predictors of beer styles</a:t>
+            </a:r>
+          </a:p>
+          <a:p>
+            <a:r>
+              <a:rPr lang="en-US" sz="2800" b="1" dirty="0"/>
+              <a:t>Regional preferences </a:t>
+            </a:r>
+            <a:r>
+              <a:rPr lang="en-US" sz="2800" dirty="0"/>
+              <a:t>can be seen in the charts for a beer’s bitterness</a:t>
+            </a:r>
+          </a:p>
+          <a:p>
+            <a:r>
+              <a:rPr lang="en-US" sz="2800" dirty="0"/>
+              <a:t>There are fewer craft beers/ breweries in the </a:t>
+            </a:r>
+            <a:r>
+              <a:rPr lang="en-US" sz="2800" b="1" dirty="0"/>
+              <a:t>Northeast</a:t>
+            </a:r>
+            <a:r>
+              <a:rPr lang="en-US" sz="2800" dirty="0"/>
+              <a:t> and </a:t>
+            </a:r>
+            <a:r>
+              <a:rPr lang="en-US" sz="2800" b="1" dirty="0"/>
+              <a:t>South</a:t>
+            </a:r>
+            <a:r>
+              <a:rPr lang="en-US" sz="2800" dirty="0"/>
+              <a:t> regions</a:t>
+            </a:r>
+          </a:p>
+          <a:p>
+            <a:r>
+              <a:rPr lang="en-US" sz="2800" b="1" dirty="0"/>
+              <a:t>Opportunities</a:t>
+            </a:r>
+            <a:r>
+              <a:rPr lang="en-US" sz="2800" dirty="0"/>
+              <a:t> for product differentiation with </a:t>
+            </a:r>
+            <a:r>
+              <a:rPr lang="en-US" sz="2800" b="1" dirty="0"/>
+              <a:t>lower IBU </a:t>
+            </a:r>
+            <a:r>
+              <a:rPr lang="en-US" sz="2800" dirty="0"/>
+              <a:t>ratings</a:t>
+            </a:r>
+          </a:p>
+          <a:p>
+            <a:pPr marL="0" indent="0">
+              <a:buFont typeface="Arial" charset="0"/>
+              <a:buNone/>
+            </a:pPr>
+            <a:endParaRPr lang="en-US" sz="1600" i="1" dirty="0"/>
+          </a:p>
+          <a:p>
+            <a:endParaRPr lang="en-US" dirty="0"/>
+          </a:p>
+          <a:p>
+            <a:pPr marL="0" indent="0">
+              <a:buFont typeface="Arial" charset="0"/>
+              <a:buNone/>
+            </a:pPr>
+            <a:endParaRPr lang="en-US" dirty="0"/>
+          </a:p>
+        </p:txBody>
+      </p:sp>
+    </p:spTree>
+    <p:extLst>
+      <p:ext uri="{BB962C8B-B14F-4D97-AF65-F5344CB8AC3E}">
+        <p14:creationId xmlns:p14="http://schemas.microsoft.com/office/powerpoint/2010/main" val="1981835246"/>
+      </p:ext>
+    </p:extLst>
+  </p:cSld>
+  <p:clrMapOvr>
+    <a:masterClrMapping/>
+  </p:clrMapOvr>
+</p:sld>
+</file>
+
+<file path=ppt/slides/slide26.xml><?xml version="1.0" encoding="utf-8"?>
+<p:sld xmlns:a="http://schemas.openxmlformats.org/drawingml/2006/main" xmlns:r="http://schemas.openxmlformats.org/officeDocument/2006/relationships" xmlns:p="http://schemas.openxmlformats.org/presentationml/2006/main">
+  <p:cSld>
+    <p:spTree>
+      <p:nvGrpSpPr>
+        <p:cNvPr id="1" name=""/>
+        <p:cNvGrpSpPr/>
+        <p:nvPr/>
+      </p:nvGrpSpPr>
+      <p:grpSpPr>
+        <a:xfrm>
+          <a:off x="0" y="0"/>
+          <a:ext cx="0" cy="0"/>
+          <a:chOff x="0" y="0"/>
+          <a:chExt cx="0" cy="0"/>
+        </a:xfrm>
+      </p:grpSpPr>
+    </p:spTree>
+    <p:extLst>
+      <p:ext uri="{BB962C8B-B14F-4D97-AF65-F5344CB8AC3E}">
+        <p14:creationId xmlns:p14="http://schemas.microsoft.com/office/powerpoint/2010/main" val="876298325"/>
+      </p:ext>
+    </p:extLst>
+  </p:cSld>
+  <p:clrMapOvr>
+    <a:masterClrMapping/>
+  </p:clrMapOvr>
+</p:sld>
+</file>
+
+<file path=ppt/slides/slide3.xml><?xml version="1.0" encoding="utf-8"?>
+<p:sld xmlns:a="http://schemas.openxmlformats.org/drawingml/2006/main" xmlns:r="http://schemas.openxmlformats.org/officeDocument/2006/relationships" xmlns:p="http://schemas.openxmlformats.org/presentationml/2006/main">
+  <p:cSld>
+    <p:spTree>
+      <p:nvGrpSpPr>
+        <p:cNvPr id="1" name=""/>
+        <p:cNvGrpSpPr/>
+        <p:nvPr/>
+      </p:nvGrpSpPr>
+      <p:grpSpPr>
+        <a:xfrm>
+          <a:off x="0" y="0"/>
+          <a:ext cx="0" cy="0"/>
+          <a:chOff x="0" y="0"/>
+          <a:chExt cx="0" cy="0"/>
+        </a:xfrm>
+      </p:grpSpPr>
+      <p:sp>
+        <p:nvSpPr>
+          <p:cNvPr id="2" name="Title 1">
+            <a:extLst>
+              <a:ext uri="{FF2B5EF4-FFF2-40B4-BE49-F238E27FC236}">
+                <a16:creationId xmlns:a16="http://schemas.microsoft.com/office/drawing/2014/main" id="{B1AC9C15-90E5-4304-8A55-B2A517ADB20D}"/>
+              </a:ext>
+            </a:extLst>
+          </p:cNvPr>
+          <p:cNvSpPr>
+            <a:spLocks noGrp="1"/>
+          </p:cNvSpPr>
+          <p:nvPr>
+            <p:ph type="title"/>
+          </p:nvPr>
+        </p:nvSpPr>
+        <p:spPr/>
+        <p:txBody>
+          <a:bodyPr/>
+          <a:lstStyle/>
+          <a:p>
+            <a:r>
+              <a:rPr lang="en-US" dirty="0"/>
+              <a:t>Data set Overview</a:t>
+            </a:r>
+          </a:p>
+        </p:txBody>
+      </p:sp>
+      <p:sp>
+        <p:nvSpPr>
+          <p:cNvPr id="3" name="TextBox 2">
+            <a:extLst>
+              <a:ext uri="{FF2B5EF4-FFF2-40B4-BE49-F238E27FC236}">
+                <a16:creationId xmlns:a16="http://schemas.microsoft.com/office/drawing/2014/main" id="{C7F5466F-99C1-4526-BF64-CB4B58758F9A}"/>
+              </a:ext>
+            </a:extLst>
+          </p:cNvPr>
+          <p:cNvSpPr txBox="1"/>
+          <p:nvPr/>
+        </p:nvSpPr>
+        <p:spPr>
+          <a:xfrm>
+            <a:off x="390525" y="1457325"/>
+            <a:ext cx="8601075" cy="246221"/>
+          </a:xfrm>
+          <a:prstGeom prst="rect">
+            <a:avLst/>
+          </a:prstGeom>
+          <a:noFill/>
+        </p:spPr>
+        <p:txBody>
+          <a:bodyPr rot="0" spcFirstLastPara="0" vertOverflow="overflow" horzOverflow="overflow" vert="horz" wrap="square" lIns="91440" tIns="45720" rIns="91440" bIns="45720" numCol="1" spcCol="0" rtlCol="0" fromWordArt="0" anchor="t" anchorCtr="0" forceAA="0" compatLnSpc="1">
+            <a:prstTxWarp prst="textNoShape">
+              <a:avLst/>
+            </a:prstTxWarp>
+            <a:spAutoFit/>
+          </a:bodyPr>
+          <a:lstStyle/>
+          <a:p>
+            <a:endParaRPr lang="en-US" sz="1000" dirty="0">
+              <a:solidFill>
+                <a:srgbClr val="595959"/>
+              </a:solidFill>
+              <a:cs typeface="Arial"/>
+            </a:endParaRPr>
+          </a:p>
+        </p:txBody>
+      </p:sp>
+      <p:sp>
+        <p:nvSpPr>
+          <p:cNvPr id="5" name="TextBox 4">
+            <a:extLst>
+              <a:ext uri="{FF2B5EF4-FFF2-40B4-BE49-F238E27FC236}">
+                <a16:creationId xmlns:a16="http://schemas.microsoft.com/office/drawing/2014/main" id="{F431C594-07A5-4661-B7B8-18DA62F7910F}"/>
+              </a:ext>
+            </a:extLst>
+          </p:cNvPr>
+          <p:cNvSpPr txBox="1"/>
+          <p:nvPr/>
+        </p:nvSpPr>
+        <p:spPr>
+          <a:xfrm>
+            <a:off x="390525" y="1580435"/>
+            <a:ext cx="8601075" cy="5139869"/>
+          </a:xfrm>
+          <a:prstGeom prst="rect">
+            <a:avLst/>
+          </a:prstGeom>
+          <a:noFill/>
+        </p:spPr>
+        <p:txBody>
+          <a:bodyPr rot="0" spcFirstLastPara="0" vertOverflow="overflow" horzOverflow="overflow" vert="horz" wrap="square" lIns="91440" tIns="45720" rIns="91440" bIns="45720" numCol="1" spcCol="0" rtlCol="0" fromWordArt="0" anchor="t" anchorCtr="0" forceAA="0" compatLnSpc="1">
+            <a:prstTxWarp prst="textNoShape">
+              <a:avLst/>
+            </a:prstTxWarp>
+            <a:spAutoFit/>
+          </a:bodyPr>
+          <a:lstStyle/>
+          <a:p>
+            <a:r>
+              <a:rPr lang="en-US" sz="2000" b="1" dirty="0">
+                <a:ea typeface="+mn-lt"/>
+                <a:cs typeface="+mn-lt"/>
+              </a:rPr>
+              <a:t>1.88 Million US Wildfires - 24 years of geo-referenced wildfire records</a:t>
+            </a:r>
+          </a:p>
+          <a:p>
+            <a:endParaRPr lang="en-US" sz="1000" dirty="0">
+              <a:cs typeface="Arial"/>
+            </a:endParaRPr>
+          </a:p>
+          <a:p>
+            <a:r>
+              <a:rPr lang="en-US" sz="1200" dirty="0">
+                <a:ea typeface="+mn-lt"/>
+                <a:cs typeface="+mn-lt"/>
+              </a:rPr>
+              <a:t>Wildfires have broken out all over the western region of the United States in 2020, devastating communities and creating smoke plumes that can be seen even from space via satellite images. Some billows of smoke have carried over to places as far away as London, and it has been said that cities such as San Francisco and Seattle have some of the lowest quality of air on the entire planet currently due to the fires. As one of us lives close to the Bobcat Fire in California, which has currently burned over 93 thousand acres of land, the team thought it would be an interesting topic to delve into the data that has been collected in this domain over the past quarter century or so to mine any insights.</a:t>
+            </a:r>
+            <a:endParaRPr lang="en-US" sz="1200" dirty="0"/>
+          </a:p>
+          <a:p>
+            <a:endParaRPr lang="en-US" dirty="0"/>
+          </a:p>
+          <a:p>
+            <a:r>
+              <a:rPr lang="en-US" dirty="0">
+                <a:ea typeface="+mn-lt"/>
+                <a:cs typeface="+mn-lt"/>
+                <a:hlinkClick r:id="rId2"/>
+              </a:rPr>
+              <a:t>Kaggle dataset</a:t>
+            </a:r>
+            <a:r>
+              <a:rPr lang="en-US" dirty="0">
+                <a:ea typeface="+mn-lt"/>
+                <a:cs typeface="+mn-lt"/>
+              </a:rPr>
+              <a:t> on 24 years of wildfires in the United States from 1992 to 2015. </a:t>
+            </a:r>
+          </a:p>
+          <a:p>
+            <a:endParaRPr lang="en-US" dirty="0">
+              <a:ea typeface="+mn-lt"/>
+              <a:cs typeface="+mn-lt"/>
+            </a:endParaRPr>
+          </a:p>
+          <a:p>
+            <a:r>
+              <a:rPr lang="en-US" b="1" dirty="0">
+                <a:ea typeface="+mn-lt"/>
+                <a:cs typeface="+mn-lt"/>
+              </a:rPr>
+              <a:t>Core attributes on each fire captured including:</a:t>
+            </a:r>
+            <a:endParaRPr lang="en-US" b="1" dirty="0">
+              <a:cs typeface="Arial"/>
+            </a:endParaRPr>
+          </a:p>
+          <a:p>
+            <a:pPr marL="285750" indent="-285750">
+              <a:buFont typeface="Arial"/>
+              <a:buChar char="•"/>
+            </a:pPr>
+            <a:r>
+              <a:rPr lang="en-US" sz="1400" dirty="0">
+                <a:ea typeface="+mn-lt"/>
+                <a:cs typeface="+mn-lt"/>
+              </a:rPr>
+              <a:t>Discovery Date</a:t>
+            </a:r>
+            <a:endParaRPr lang="en-US" sz="1400" dirty="0">
+              <a:cs typeface="Arial"/>
+            </a:endParaRPr>
+          </a:p>
+          <a:p>
+            <a:pPr marL="285750" indent="-285750">
+              <a:buFont typeface="Arial"/>
+              <a:buChar char="•"/>
+            </a:pPr>
+            <a:r>
+              <a:rPr lang="en-US" sz="1400" dirty="0">
+                <a:ea typeface="+mn-lt"/>
+                <a:cs typeface="+mn-lt"/>
+              </a:rPr>
+              <a:t>Final fire size</a:t>
+            </a:r>
+            <a:endParaRPr lang="en-US" sz="1400" dirty="0">
+              <a:cs typeface="Arial"/>
+            </a:endParaRPr>
+          </a:p>
+          <a:p>
+            <a:pPr marL="285750" indent="-285750">
+              <a:buFont typeface="Arial"/>
+              <a:buChar char="•"/>
+            </a:pPr>
+            <a:r>
+              <a:rPr lang="en-US" sz="1400" dirty="0">
+                <a:ea typeface="+mn-lt"/>
+                <a:cs typeface="+mn-lt"/>
+              </a:rPr>
+              <a:t>Point location (least as precise as Public Land Survey System) section (1-square mile grid)</a:t>
+            </a:r>
+            <a:endParaRPr lang="en-US" sz="1400" dirty="0">
+              <a:cs typeface="Arial"/>
+            </a:endParaRPr>
+          </a:p>
+          <a:p>
+            <a:br>
+              <a:rPr lang="en-US" dirty="0"/>
+            </a:br>
+            <a:endParaRPr lang="en-US" dirty="0"/>
+          </a:p>
+          <a:p>
+            <a:r>
+              <a:rPr lang="en-US" sz="2000" dirty="0">
+                <a:ea typeface="+mn-lt"/>
+                <a:cs typeface="+mn-lt"/>
+              </a:rPr>
+              <a:t>In all, the data set includes 1.88 million geo-referenced wildfire records that equates to 140 million acres burned over the 24-year timeframe.</a:t>
+            </a:r>
+            <a:endParaRPr lang="en-US" sz="2000" dirty="0">
+              <a:cs typeface="Arial"/>
+            </a:endParaRPr>
+          </a:p>
+          <a:p>
+            <a:br>
+              <a:rPr lang="en-US" dirty="0"/>
+            </a:br>
+            <a:endParaRPr lang="en-US" dirty="0"/>
+          </a:p>
+        </p:txBody>
+      </p:sp>
+    </p:spTree>
+    <p:extLst>
+      <p:ext uri="{BB962C8B-B14F-4D97-AF65-F5344CB8AC3E}">
+        <p14:creationId xmlns:p14="http://schemas.microsoft.com/office/powerpoint/2010/main" val="2369930309"/>
+      </p:ext>
+    </p:extLst>
+  </p:cSld>
+  <p:clrMapOvr>
+    <a:masterClrMapping/>
+  </p:clrMapOvr>
+</p:sld>
+</file>
+
+<file path=ppt/slides/slide4.xml><?xml version="1.0" encoding="utf-8"?>
+<p:sld xmlns:a="http://schemas.openxmlformats.org/drawingml/2006/main" xmlns:r="http://schemas.openxmlformats.org/officeDocument/2006/relationships" xmlns:p="http://schemas.openxmlformats.org/presentationml/2006/main">
+  <p:cSld>
+    <p:spTree>
+      <p:nvGrpSpPr>
+        <p:cNvPr id="1" name=""/>
+        <p:cNvGrpSpPr/>
+        <p:nvPr/>
+      </p:nvGrpSpPr>
+      <p:grpSpPr>
+        <a:xfrm>
+          <a:off x="0" y="0"/>
+          <a:ext cx="0" cy="0"/>
+          <a:chOff x="0" y="0"/>
+          <a:chExt cx="0" cy="0"/>
+        </a:xfrm>
+      </p:grpSpPr>
+      <p:sp>
+        <p:nvSpPr>
+          <p:cNvPr id="2" name="Title 1">
+            <a:extLst>
+              <a:ext uri="{FF2B5EF4-FFF2-40B4-BE49-F238E27FC236}">
+                <a16:creationId xmlns:a16="http://schemas.microsoft.com/office/drawing/2014/main" id="{5B931770-76C9-F749-9B7D-08A4A1F13896}"/>
+              </a:ext>
+            </a:extLst>
+          </p:cNvPr>
+          <p:cNvSpPr>
+            <a:spLocks noGrp="1"/>
+          </p:cNvSpPr>
+          <p:nvPr>
+            <p:ph type="title"/>
+          </p:nvPr>
+        </p:nvSpPr>
+        <p:spPr>
+          <a:xfrm>
+            <a:off x="0" y="228600"/>
+            <a:ext cx="9144000" cy="1143000"/>
+          </a:xfrm>
+        </p:spPr>
+        <p:txBody>
+          <a:bodyPr/>
+          <a:lstStyle/>
+          <a:p>
+            <a:r>
+              <a:rPr lang="en-US" dirty="0"/>
+              <a:t>Solution Aspect - Methodology</a:t>
+            </a:r>
+          </a:p>
+        </p:txBody>
+      </p:sp>
+      <p:sp>
+        <p:nvSpPr>
+          <p:cNvPr id="10" name="TextBox 9">
+            <a:extLst>
+              <a:ext uri="{FF2B5EF4-FFF2-40B4-BE49-F238E27FC236}">
+                <a16:creationId xmlns:a16="http://schemas.microsoft.com/office/drawing/2014/main" id="{91CFA85A-1BC0-4D92-93B6-B4FC78FA09F5}"/>
+              </a:ext>
+            </a:extLst>
+          </p:cNvPr>
+          <p:cNvSpPr txBox="1"/>
+          <p:nvPr/>
+        </p:nvSpPr>
+        <p:spPr>
+          <a:xfrm>
+            <a:off x="396153" y="1500660"/>
+            <a:ext cx="8601075" cy="5996450"/>
+          </a:xfrm>
+          <a:prstGeom prst="rect">
+            <a:avLst/>
+          </a:prstGeom>
+          <a:noFill/>
+        </p:spPr>
+        <p:txBody>
+          <a:bodyPr rot="0" spcFirstLastPara="0" vertOverflow="overflow" horzOverflow="overflow" vert="horz" wrap="square" lIns="91440" tIns="45720" rIns="91440" bIns="45720" numCol="1" spcCol="0" rtlCol="0" fromWordArt="0" anchor="t" anchorCtr="0" forceAA="0" compatLnSpc="1">
+            <a:prstTxWarp prst="textNoShape">
+              <a:avLst/>
+            </a:prstTxWarp>
+            <a:spAutoFit/>
+          </a:bodyPr>
+          <a:lstStyle/>
+          <a:p>
+            <a:pPr>
+              <a:lnSpc>
+                <a:spcPct val="150000"/>
+              </a:lnSpc>
+            </a:pPr>
+            <a:r>
+              <a:rPr lang="en-US" sz="2400" b="1" dirty="0">
+                <a:ea typeface="+mn-lt"/>
+                <a:cs typeface="+mn-lt"/>
+              </a:rPr>
+              <a:t>Cloud to help predict the cause of wildfires:</a:t>
+            </a:r>
+            <a:endParaRPr lang="en-US" b="1" dirty="0"/>
+          </a:p>
+          <a:p>
+            <a:pPr marL="171450" indent="-171450">
+              <a:lnSpc>
+                <a:spcPct val="150000"/>
+              </a:lnSpc>
+              <a:buFont typeface="Arial"/>
+              <a:buChar char="•"/>
+            </a:pPr>
+            <a:r>
+              <a:rPr lang="en-US" dirty="0">
+                <a:ea typeface="+mn-lt"/>
+                <a:cs typeface="+mn-lt"/>
+              </a:rPr>
+              <a:t>Ascertain dataset</a:t>
+            </a:r>
+          </a:p>
+          <a:p>
+            <a:pPr marL="171450" indent="-171450">
+              <a:lnSpc>
+                <a:spcPct val="150000"/>
+              </a:lnSpc>
+              <a:buFont typeface="Arial"/>
+              <a:buChar char="•"/>
+            </a:pPr>
+            <a:r>
+              <a:rPr lang="en-US" dirty="0">
+                <a:ea typeface="+mn-lt"/>
+                <a:cs typeface="+mn-lt"/>
+              </a:rPr>
+              <a:t>Explore data doing exploratory data analysis</a:t>
+            </a:r>
+          </a:p>
+          <a:p>
+            <a:pPr marL="171450" indent="-171450">
+              <a:lnSpc>
+                <a:spcPct val="150000"/>
+              </a:lnSpc>
+              <a:buFont typeface="Arial"/>
+              <a:buChar char="•"/>
+            </a:pPr>
+            <a:r>
+              <a:rPr lang="en-US" dirty="0">
+                <a:ea typeface="+mn-lt"/>
+                <a:cs typeface="+mn-lt"/>
+              </a:rPr>
+              <a:t>Create classification models</a:t>
+            </a:r>
+          </a:p>
+          <a:p>
+            <a:pPr marL="628650" lvl="1" indent="-171450">
+              <a:lnSpc>
+                <a:spcPct val="150000"/>
+              </a:lnSpc>
+              <a:buFont typeface="Arial"/>
+              <a:buChar char="•"/>
+            </a:pPr>
+            <a:r>
+              <a:rPr lang="en-US" dirty="0">
+                <a:ea typeface="+mn-lt"/>
+                <a:cs typeface="+mn-lt"/>
+              </a:rPr>
+              <a:t>Naive Bayes</a:t>
+            </a:r>
+            <a:endParaRPr lang="en-US" dirty="0">
+              <a:cs typeface="Arial"/>
+            </a:endParaRPr>
+          </a:p>
+          <a:p>
+            <a:pPr marL="628650" lvl="1" indent="-171450">
+              <a:lnSpc>
+                <a:spcPct val="150000"/>
+              </a:lnSpc>
+              <a:buFont typeface="Arial"/>
+              <a:buChar char="•"/>
+            </a:pPr>
+            <a:r>
+              <a:rPr lang="en-US" dirty="0">
+                <a:ea typeface="+mn-lt"/>
+                <a:cs typeface="+mn-lt"/>
+              </a:rPr>
+              <a:t>Decision Trees</a:t>
+            </a:r>
+            <a:endParaRPr lang="en-US" dirty="0">
+              <a:cs typeface="Arial"/>
+            </a:endParaRPr>
+          </a:p>
+          <a:p>
+            <a:pPr marL="628650" lvl="1" indent="-171450">
+              <a:lnSpc>
+                <a:spcPct val="150000"/>
+              </a:lnSpc>
+              <a:buFont typeface="Arial"/>
+              <a:buChar char="•"/>
+            </a:pPr>
+            <a:r>
+              <a:rPr lang="en-US" dirty="0">
+                <a:ea typeface="+mn-lt"/>
+                <a:cs typeface="+mn-lt"/>
+              </a:rPr>
+              <a:t>Measure model performance </a:t>
+            </a:r>
+          </a:p>
+          <a:p>
+            <a:pPr marL="171450" indent="-171450">
+              <a:lnSpc>
+                <a:spcPct val="150000"/>
+              </a:lnSpc>
+              <a:buFont typeface="Arial"/>
+              <a:buChar char="•"/>
+            </a:pPr>
+            <a:r>
+              <a:rPr lang="en-US" dirty="0">
+                <a:ea typeface="+mn-lt"/>
+                <a:cs typeface="+mn-lt"/>
+              </a:rPr>
+              <a:t>Deploy model to AWS infrastructure</a:t>
+            </a:r>
+            <a:endParaRPr lang="en-US" dirty="0">
+              <a:cs typeface="Arial"/>
+            </a:endParaRPr>
+          </a:p>
+          <a:p>
+            <a:pPr marL="742950" lvl="1" indent="-285750">
+              <a:lnSpc>
+                <a:spcPct val="150000"/>
+              </a:lnSpc>
+              <a:buFont typeface="Arial"/>
+              <a:buChar char="•"/>
+            </a:pPr>
+            <a:r>
+              <a:rPr lang="en-US" dirty="0">
+                <a:ea typeface="+mn-lt"/>
+                <a:cs typeface="+mn-lt"/>
+              </a:rPr>
+              <a:t>Create gateway for REST based API call</a:t>
+            </a:r>
+            <a:endParaRPr lang="en-US" dirty="0">
+              <a:cs typeface="Arial"/>
+            </a:endParaRPr>
+          </a:p>
+          <a:p>
+            <a:pPr marL="742950" lvl="1" indent="-285750">
+              <a:lnSpc>
+                <a:spcPct val="150000"/>
+              </a:lnSpc>
+              <a:buFont typeface="Arial"/>
+              <a:buChar char="•"/>
+            </a:pPr>
+            <a:r>
+              <a:rPr lang="en-US" dirty="0">
+                <a:ea typeface="+mn-lt"/>
+                <a:cs typeface="+mn-lt"/>
+              </a:rPr>
+              <a:t>Use AWS lambda to deploy model to then fulfill prediction request</a:t>
+            </a:r>
+            <a:endParaRPr lang="en-US" dirty="0">
+              <a:cs typeface="Arial"/>
+            </a:endParaRPr>
+          </a:p>
+          <a:p>
+            <a:pPr marL="742950" lvl="1" indent="-285750">
+              <a:lnSpc>
+                <a:spcPct val="150000"/>
+              </a:lnSpc>
+              <a:buFont typeface="Arial"/>
+              <a:buChar char="•"/>
+            </a:pPr>
+            <a:r>
+              <a:rPr lang="en-US" dirty="0">
+                <a:ea typeface="+mn-lt"/>
+                <a:cs typeface="+mn-lt"/>
+              </a:rPr>
+              <a:t>Track model execution request using Amazon’s Relational Database Service (Amazon RDS) </a:t>
+            </a:r>
+            <a:endParaRPr lang="en-US" dirty="0">
+              <a:cs typeface="Arial"/>
+            </a:endParaRPr>
+          </a:p>
+          <a:p>
+            <a:pPr>
+              <a:lnSpc>
+                <a:spcPct val="150000"/>
+              </a:lnSpc>
+            </a:pPr>
+            <a:br>
+              <a:rPr lang="en-US" dirty="0"/>
+            </a:br>
+            <a:endParaRPr lang="en-US" dirty="0">
+              <a:cs typeface="Arial"/>
+            </a:endParaRPr>
+          </a:p>
+        </p:txBody>
+      </p:sp>
+    </p:spTree>
+    <p:extLst>
+      <p:ext uri="{BB962C8B-B14F-4D97-AF65-F5344CB8AC3E}">
+        <p14:creationId xmlns:p14="http://schemas.microsoft.com/office/powerpoint/2010/main" val="2501262239"/>
       </p:ext>
     </p:extLst>
   </p:cSld>
@@ -6592,264 +9387,61 @@
           <a:p>
             <a:r>
               <a:rPr lang="en-US" dirty="0"/>
-              <a:t>Missing Values</a:t>
+              <a:t>EDA - Visualization</a:t>
             </a:r>
           </a:p>
         </p:txBody>
       </p:sp>
       <p:sp>
         <p:nvSpPr>
-          <p:cNvPr id="8" name="Content Placeholder 4">
+          <p:cNvPr id="10" name="TextBox 9">
             <a:extLst>
               <a:ext uri="{FF2B5EF4-FFF2-40B4-BE49-F238E27FC236}">
-                <a16:creationId xmlns:a16="http://schemas.microsoft.com/office/drawing/2014/main" id="{4642B19D-3DF3-4F9F-B645-7D34C2B298DB}"/>
+                <a16:creationId xmlns:a16="http://schemas.microsoft.com/office/drawing/2014/main" id="{91CFA85A-1BC0-4D92-93B6-B4FC78FA09F5}"/>
               </a:ext>
             </a:extLst>
           </p:cNvPr>
-          <p:cNvSpPr txBox="1">
-            <a:spLocks/>
-          </p:cNvSpPr>
+          <p:cNvSpPr txBox="1"/>
           <p:nvPr/>
         </p:nvSpPr>
         <p:spPr>
           <a:xfrm>
-            <a:off x="457200" y="1631695"/>
-            <a:ext cx="8229600" cy="1885795"/>
+            <a:off x="390525" y="1457325"/>
+            <a:ext cx="8601075" cy="307777"/>
           </a:xfrm>
           <a:prstGeom prst="rect">
             <a:avLst/>
           </a:prstGeom>
+          <a:noFill/>
         </p:spPr>
         <p:txBody>
-          <a:bodyPr vert="horz" lIns="91440" tIns="45720" rIns="91440" bIns="45720" rtlCol="0">
-            <a:noAutofit/>
-          </a:bodyPr>
-          <a:lstStyle>
-            <a:lvl1pPr marL="342900" indent="-342900" algn="l" defTabSz="914400" rtl="0" eaLnBrk="1" latinLnBrk="0" hangingPunct="1">
-              <a:spcBef>
-                <a:spcPts val="600"/>
-              </a:spcBef>
-              <a:buFont typeface="Arial" charset="0"/>
-              <a:buChar char="•"/>
-              <a:defRPr sz="3200" kern="1200">
-                <a:solidFill>
-                  <a:schemeClr val="tx1"/>
-                </a:solidFill>
-                <a:latin typeface="+mn-lt"/>
-                <a:ea typeface="+mn-ea"/>
-                <a:cs typeface="+mn-cs"/>
-              </a:defRPr>
-            </a:lvl1pPr>
-            <a:lvl2pPr marL="742950" indent="-285750" algn="l" defTabSz="914400" rtl="0" eaLnBrk="1" latinLnBrk="0" hangingPunct="1">
-              <a:spcBef>
-                <a:spcPts val="600"/>
-              </a:spcBef>
-              <a:buFont typeface="Arial" charset="0"/>
-              <a:buChar char="•"/>
-              <a:defRPr sz="2800" b="0" i="0" u="none" kern="1200">
-                <a:solidFill>
-                  <a:schemeClr val="tx1"/>
-                </a:solidFill>
-                <a:latin typeface="+mn-lt"/>
-                <a:ea typeface="+mn-ea"/>
-                <a:cs typeface="+mn-cs"/>
-              </a:defRPr>
-            </a:lvl2pPr>
-            <a:lvl3pPr marL="1143000" indent="-228600" algn="l" defTabSz="914400" rtl="0" eaLnBrk="1" latinLnBrk="0" hangingPunct="1">
-              <a:spcBef>
-                <a:spcPts val="600"/>
-              </a:spcBef>
-              <a:buFont typeface="Arial" charset="0"/>
-              <a:buChar char="•"/>
-              <a:defRPr sz="2400" kern="1200">
-                <a:solidFill>
-                  <a:schemeClr val="tx1"/>
-                </a:solidFill>
-                <a:latin typeface="+mn-lt"/>
-                <a:ea typeface="+mn-ea"/>
-                <a:cs typeface="+mn-cs"/>
-              </a:defRPr>
-            </a:lvl3pPr>
-            <a:lvl4pPr marL="1600200" indent="-228600" algn="l" defTabSz="914400" rtl="0" eaLnBrk="1" latinLnBrk="0" hangingPunct="1">
-              <a:spcBef>
-                <a:spcPts val="600"/>
-              </a:spcBef>
-              <a:buFont typeface="Arial" charset="0"/>
-              <a:buChar char="•"/>
-              <a:defRPr sz="2000" kern="1200">
-                <a:solidFill>
-                  <a:schemeClr val="tx1"/>
-                </a:solidFill>
-                <a:latin typeface="+mn-lt"/>
-                <a:ea typeface="+mn-ea"/>
-                <a:cs typeface="+mn-cs"/>
-              </a:defRPr>
-            </a:lvl4pPr>
-            <a:lvl5pPr marL="2057400" indent="-228600" algn="l" defTabSz="914400" rtl="0" eaLnBrk="1" latinLnBrk="0" hangingPunct="1">
-              <a:spcBef>
-                <a:spcPts val="600"/>
-              </a:spcBef>
-              <a:buFont typeface="Arial" charset="0"/>
-              <a:buChar char="•"/>
-              <a:defRPr sz="2000" kern="1200">
-                <a:solidFill>
-                  <a:schemeClr val="tx1"/>
-                </a:solidFill>
-                <a:latin typeface="+mn-lt"/>
-                <a:ea typeface="+mn-ea"/>
-                <a:cs typeface="+mn-cs"/>
-              </a:defRPr>
-            </a:lvl5pPr>
-            <a:lvl6pPr marL="2514600" indent="-228600" algn="l" defTabSz="914400" rtl="0" eaLnBrk="1" latinLnBrk="0" hangingPunct="1">
-              <a:spcBef>
-                <a:spcPct val="20000"/>
-              </a:spcBef>
-              <a:buFont typeface="Arial" panose="020B0604020202020204" pitchFamily="34" charset="0"/>
-              <a:buChar char="•"/>
-              <a:defRPr sz="2000" kern="1200">
-                <a:solidFill>
-                  <a:schemeClr val="tx1"/>
-                </a:solidFill>
-                <a:latin typeface="+mn-lt"/>
-                <a:ea typeface="+mn-ea"/>
-                <a:cs typeface="+mn-cs"/>
-              </a:defRPr>
-            </a:lvl6pPr>
-            <a:lvl7pPr marL="2971800" indent="-228600" algn="l" defTabSz="914400" rtl="0" eaLnBrk="1" latinLnBrk="0" hangingPunct="1">
-              <a:spcBef>
-                <a:spcPct val="20000"/>
-              </a:spcBef>
-              <a:buFont typeface="Arial" panose="020B0604020202020204" pitchFamily="34" charset="0"/>
-              <a:buChar char="•"/>
-              <a:defRPr sz="2000" kern="1200">
-                <a:solidFill>
-                  <a:schemeClr val="tx1"/>
-                </a:solidFill>
-                <a:latin typeface="+mn-lt"/>
-                <a:ea typeface="+mn-ea"/>
-                <a:cs typeface="+mn-cs"/>
-              </a:defRPr>
-            </a:lvl7pPr>
-            <a:lvl8pPr marL="3429000" indent="-228600" algn="l" defTabSz="914400" rtl="0" eaLnBrk="1" latinLnBrk="0" hangingPunct="1">
-              <a:spcBef>
-                <a:spcPct val="20000"/>
-              </a:spcBef>
-              <a:buFont typeface="Arial" panose="020B0604020202020204" pitchFamily="34" charset="0"/>
-              <a:buChar char="•"/>
-              <a:defRPr sz="2000" kern="1200">
-                <a:solidFill>
-                  <a:schemeClr val="tx1"/>
-                </a:solidFill>
-                <a:latin typeface="+mn-lt"/>
-                <a:ea typeface="+mn-ea"/>
-                <a:cs typeface="+mn-cs"/>
-              </a:defRPr>
-            </a:lvl8pPr>
-            <a:lvl9pPr marL="3886200" indent="-228600" algn="l" defTabSz="914400" rtl="0" eaLnBrk="1" latinLnBrk="0" hangingPunct="1">
-              <a:spcBef>
-                <a:spcPct val="20000"/>
-              </a:spcBef>
-              <a:buFont typeface="Arial" panose="020B0604020202020204" pitchFamily="34" charset="0"/>
-              <a:buChar char="•"/>
-              <a:defRPr sz="2000" kern="1200">
-                <a:solidFill>
-                  <a:schemeClr val="tx1"/>
-                </a:solidFill>
-                <a:latin typeface="+mn-lt"/>
-                <a:ea typeface="+mn-ea"/>
-                <a:cs typeface="+mn-cs"/>
-              </a:defRPr>
-            </a:lvl9pPr>
-          </a:lstStyle>
-          <a:p>
-            <a:r>
-              <a:rPr lang="en-US" dirty="0"/>
-              <a:t>The </a:t>
-            </a:r>
-            <a:r>
-              <a:rPr lang="en-US" b="1" dirty="0"/>
-              <a:t>ABV</a:t>
-            </a:r>
-            <a:r>
-              <a:rPr lang="en-US" dirty="0"/>
-              <a:t> (Alcohol by Volume), </a:t>
-            </a:r>
-            <a:r>
-              <a:rPr lang="en-US" b="1" dirty="0"/>
-              <a:t>IBU</a:t>
-            </a:r>
-            <a:r>
-              <a:rPr lang="en-US" dirty="0"/>
-              <a:t> (International Bitterness Unit) and </a:t>
-            </a:r>
-            <a:r>
-              <a:rPr lang="en-US" b="1" dirty="0"/>
-              <a:t>Style</a:t>
-            </a:r>
-            <a:r>
-              <a:rPr lang="en-US" dirty="0"/>
-              <a:t> columns have missing values</a:t>
-            </a:r>
-          </a:p>
-          <a:p>
-            <a:pPr marL="0" indent="0">
-              <a:buFont typeface="Arial" charset="0"/>
-              <a:buNone/>
-            </a:pPr>
-            <a:endParaRPr lang="en-US" sz="1600" i="1" dirty="0"/>
-          </a:p>
-          <a:p>
-            <a:endParaRPr lang="en-US" dirty="0"/>
-          </a:p>
-          <a:p>
-            <a:pPr marL="0" indent="0">
-              <a:buFont typeface="Arial" charset="0"/>
-              <a:buNone/>
-            </a:pPr>
-            <a:endParaRPr lang="en-US" dirty="0"/>
-          </a:p>
-        </p:txBody>
-      </p:sp>
-      <p:sp>
-        <p:nvSpPr>
-          <p:cNvPr id="9" name="Rectangle 8">
-            <a:extLst>
-              <a:ext uri="{FF2B5EF4-FFF2-40B4-BE49-F238E27FC236}">
-                <a16:creationId xmlns:a16="http://schemas.microsoft.com/office/drawing/2014/main" id="{4375ED10-2269-47BD-AE58-7E98C7139453}"/>
-              </a:ext>
-            </a:extLst>
-          </p:cNvPr>
-          <p:cNvSpPr/>
-          <p:nvPr/>
-        </p:nvSpPr>
-        <p:spPr>
-          <a:xfrm>
-            <a:off x="2192977" y="5582685"/>
-            <a:ext cx="4758045" cy="646331"/>
-          </a:xfrm>
-          <a:prstGeom prst="rect">
-            <a:avLst/>
-          </a:prstGeom>
-        </p:spPr>
-        <p:txBody>
-          <a:bodyPr wrap="square">
+          <a:bodyPr rot="0" spcFirstLastPara="0" vertOverflow="overflow" horzOverflow="overflow" vert="horz" wrap="square" lIns="91440" tIns="45720" rIns="91440" bIns="45720" numCol="1" spcCol="0" rtlCol="0" fromWordArt="0" anchor="t" anchorCtr="0" forceAA="0" compatLnSpc="1">
+            <a:prstTxWarp prst="textNoShape">
+              <a:avLst/>
+            </a:prstTxWarp>
             <a:spAutoFit/>
           </a:bodyPr>
           <a:lstStyle/>
           <a:p>
             <a:r>
-              <a:rPr lang="en-US" i="1" dirty="0"/>
-              <a:t>In particular, the IBU field as over 41% of the records with a blank value for this data point.</a:t>
-            </a:r>
+              <a:rPr lang="en-US" sz="1400" dirty="0">
+                <a:ea typeface="+mn-lt"/>
+                <a:cs typeface="+mn-lt"/>
+              </a:rPr>
+              <a:t>Distribution of the causes of wildfires as seen in Fig 1.</a:t>
+            </a:r>
+            <a:endParaRPr lang="en-US" sz="1400">
+              <a:cs typeface="Arial"/>
+            </a:endParaRPr>
           </a:p>
         </p:txBody>
       </p:sp>
       <p:pic>
         <p:nvPicPr>
-          <p:cNvPr id="3" name="Picture 2">
+          <p:cNvPr id="3" name="Picture 3" descr="Fig 1 - Causes of US Wildfires">
             <a:extLst>
               <a:ext uri="{FF2B5EF4-FFF2-40B4-BE49-F238E27FC236}">
-                <a16:creationId xmlns:a16="http://schemas.microsoft.com/office/drawing/2014/main" id="{47359223-6B42-45E7-9BF3-ABF059A277DF}"/>
+                <a16:creationId xmlns:a16="http://schemas.microsoft.com/office/drawing/2014/main" id="{23F2AB38-7E9A-4CCF-B5DF-B051D93C0070}"/>
               </a:ext>
             </a:extLst>
           </p:cNvPr>
@@ -6866,18 +9458,62 @@
         </p:blipFill>
         <p:spPr>
           <a:xfrm>
-            <a:off x="2664858" y="3357636"/>
-            <a:ext cx="3814284" cy="1868669"/>
+            <a:off x="609600" y="1943100"/>
+            <a:ext cx="7924800" cy="4324350"/>
           </a:xfrm>
           <a:prstGeom prst="rect">
             <a:avLst/>
           </a:prstGeom>
         </p:spPr>
       </p:pic>
+      <p:sp>
+        <p:nvSpPr>
+          <p:cNvPr id="5" name="TextBox 4">
+            <a:extLst>
+              <a:ext uri="{FF2B5EF4-FFF2-40B4-BE49-F238E27FC236}">
+                <a16:creationId xmlns:a16="http://schemas.microsoft.com/office/drawing/2014/main" id="{D00F2BCE-66B4-4C46-BAFC-8FFD1034CE40}"/>
+              </a:ext>
+            </a:extLst>
+          </p:cNvPr>
+          <p:cNvSpPr txBox="1"/>
+          <p:nvPr/>
+        </p:nvSpPr>
+        <p:spPr>
+          <a:xfrm>
+            <a:off x="542925" y="6267450"/>
+            <a:ext cx="3619500" cy="230832"/>
+          </a:xfrm>
+          <a:prstGeom prst="rect">
+            <a:avLst/>
+          </a:prstGeom>
+          <a:noFill/>
+        </p:spPr>
+        <p:txBody>
+          <a:bodyPr rot="0" spcFirstLastPara="0" vertOverflow="overflow" horzOverflow="overflow" vert="horz" wrap="square" lIns="91440" tIns="45720" rIns="91440" bIns="45720" numCol="1" spcCol="0" rtlCol="0" fromWordArt="0" anchor="t" anchorCtr="0" forceAA="0" compatLnSpc="1">
+            <a:prstTxWarp prst="textNoShape">
+              <a:avLst/>
+            </a:prstTxWarp>
+            <a:spAutoFit/>
+          </a:bodyPr>
+          <a:lstStyle/>
+          <a:p>
+            <a:r>
+              <a:rPr lang="en-US" sz="900" dirty="0">
+                <a:ea typeface="+mn-lt"/>
+                <a:cs typeface="+mn-lt"/>
+              </a:rPr>
+              <a:t>Fig 1 - Causes of US Wildfires</a:t>
+            </a:r>
+            <a:endParaRPr lang="en-US" sz="900">
+              <a:cs typeface="Arial"/>
+            </a:endParaRPr>
+          </a:p>
+        </p:txBody>
+      </p:sp>
     </p:spTree>
     <p:extLst>
       <p:ext uri="{BB962C8B-B14F-4D97-AF65-F5344CB8AC3E}">
-        <p14:creationId xmlns:p14="http://schemas.microsoft.com/office/powerpoint/2010/main" val="2857780233"/>
+        <p14:creationId xmlns:p14="http://schemas.microsoft.com/office/powerpoint/2010/main" val="2844380785"/>
       </p:ext>
     </p:extLst>
   </p:cSld>
@@ -6932,111 +9568,99 @@
           <a:p>
             <a:r>
               <a:rPr lang="en-US" dirty="0"/>
-              <a:t>Median ABV per State</a:t>
+              <a:t>EDA - Visualization</a:t>
             </a:r>
           </a:p>
         </p:txBody>
       </p:sp>
       <p:sp>
         <p:nvSpPr>
-          <p:cNvPr id="5" name="Content Placeholder 4">
+          <p:cNvPr id="10" name="TextBox 9">
             <a:extLst>
               <a:ext uri="{FF2B5EF4-FFF2-40B4-BE49-F238E27FC236}">
-                <a16:creationId xmlns:a16="http://schemas.microsoft.com/office/drawing/2014/main" id="{375CDB98-7F05-41AD-9F29-81E3D0CFBEFF}"/>
+                <a16:creationId xmlns:a16="http://schemas.microsoft.com/office/drawing/2014/main" id="{91CFA85A-1BC0-4D92-93B6-B4FC78FA09F5}"/>
               </a:ext>
             </a:extLst>
           </p:cNvPr>
-          <p:cNvSpPr>
-            <a:spLocks noGrp="1"/>
-          </p:cNvSpPr>
-          <p:nvPr>
-            <p:ph idx="1"/>
-          </p:nvPr>
+          <p:cNvSpPr txBox="1"/>
+          <p:nvPr/>
         </p:nvSpPr>
         <p:spPr>
           <a:xfrm>
-            <a:off x="457199" y="1627905"/>
-            <a:ext cx="8229600" cy="4854011"/>
-          </a:xfrm>
+            <a:off x="390525" y="1457325"/>
+            <a:ext cx="8601075" cy="523220"/>
+          </a:xfrm>
+          <a:prstGeom prst="rect">
+            <a:avLst/>
+          </a:prstGeom>
+          <a:noFill/>
         </p:spPr>
         <p:txBody>
-          <a:bodyPr/>
+          <a:bodyPr rot="0" spcFirstLastPara="0" vertOverflow="overflow" horzOverflow="overflow" vert="horz" wrap="square" lIns="91440" tIns="45720" rIns="91440" bIns="45720" numCol="1" spcCol="0" rtlCol="0" fromWordArt="0" anchor="t" anchorCtr="0" forceAA="0" compatLnSpc="1">
+            <a:prstTxWarp prst="textNoShape">
+              <a:avLst/>
+            </a:prstTxWarp>
+            <a:spAutoFit/>
+          </a:bodyPr>
           <a:lstStyle/>
           <a:p>
-            <a:endParaRPr lang="en-US" dirty="0"/>
-          </a:p>
-          <a:p>
-            <a:endParaRPr lang="en-US" dirty="0"/>
-          </a:p>
-          <a:p>
-            <a:endParaRPr lang="en-US" dirty="0"/>
-          </a:p>
-          <a:p>
-            <a:endParaRPr lang="en-US" dirty="0"/>
-          </a:p>
-          <a:p>
-            <a:endParaRPr lang="en-US" dirty="0"/>
-          </a:p>
-          <a:p>
-            <a:pPr marL="0" indent="0">
-              <a:buNone/>
-            </a:pPr>
-            <a:endParaRPr lang="en-US" sz="1600" i="1" dirty="0"/>
-          </a:p>
-          <a:p>
-            <a:pPr marL="0" indent="0">
-              <a:buNone/>
-            </a:pPr>
-            <a:endParaRPr lang="en-US" dirty="0"/>
+            <a:r>
+              <a:rPr lang="en-US" sz="1400" dirty="0">
+                <a:ea typeface="+mn-lt"/>
+                <a:cs typeface="+mn-lt"/>
+              </a:rPr>
+              <a:t>Looking at the number of wildfires per year, it’s somewhat consistent year over year.  While some years are higher, especially 2006, distribution of fires is spread out over the years as seen in Fig 2.</a:t>
+            </a:r>
           </a:p>
         </p:txBody>
       </p:sp>
       <p:sp>
         <p:nvSpPr>
-          <p:cNvPr id="4" name="Rectangle 3">
+          <p:cNvPr id="5" name="TextBox 4">
             <a:extLst>
               <a:ext uri="{FF2B5EF4-FFF2-40B4-BE49-F238E27FC236}">
-                <a16:creationId xmlns:a16="http://schemas.microsoft.com/office/drawing/2014/main" id="{6608DBBE-C619-4CEB-9667-544ECD27A105}"/>
+                <a16:creationId xmlns:a16="http://schemas.microsoft.com/office/drawing/2014/main" id="{D00F2BCE-66B4-4C46-BAFC-8FFD1034CE40}"/>
               </a:ext>
             </a:extLst>
           </p:cNvPr>
-          <p:cNvSpPr/>
+          <p:cNvSpPr txBox="1"/>
           <p:nvPr/>
         </p:nvSpPr>
         <p:spPr>
           <a:xfrm>
-            <a:off x="207115" y="5616258"/>
-            <a:ext cx="9062884" cy="923330"/>
+            <a:off x="552450" y="5953125"/>
+            <a:ext cx="3619500" cy="230832"/>
           </a:xfrm>
           <a:prstGeom prst="rect">
             <a:avLst/>
           </a:prstGeom>
+          <a:noFill/>
         </p:spPr>
         <p:txBody>
-          <a:bodyPr wrap="square">
+          <a:bodyPr rot="0" spcFirstLastPara="0" vertOverflow="overflow" horzOverflow="overflow" vert="horz" wrap="square" lIns="91440" tIns="45720" rIns="91440" bIns="45720" numCol="1" spcCol="0" rtlCol="0" fromWordArt="0" anchor="t" anchorCtr="0" forceAA="0" compatLnSpc="1">
+            <a:prstTxWarp prst="textNoShape">
+              <a:avLst/>
+            </a:prstTxWarp>
             <a:spAutoFit/>
           </a:bodyPr>
           <a:lstStyle/>
           <a:p>
             <a:r>
-              <a:rPr lang="en-US" i="1" dirty="0"/>
-              <a:t>From visually inspecting the graph, most states have a relatively close spread.  The summary statistics show that 50% of the available data fall within the interval </a:t>
-            </a:r>
-          </a:p>
-          <a:p>
-            <a:r>
-              <a:rPr lang="en-US" i="1" dirty="0"/>
-              <a:t>(0.05 to 0.067)</a:t>
+              <a:rPr lang="en-US" sz="900" dirty="0">
+                <a:ea typeface="+mn-lt"/>
+                <a:cs typeface="+mn-lt"/>
+              </a:rPr>
+              <a:t>Fig 2 - Annual Count of US Wildfires</a:t>
             </a:r>
           </a:p>
         </p:txBody>
       </p:sp>
       <p:pic>
         <p:nvPicPr>
-          <p:cNvPr id="7" name="Picture 6" descr="A screenshot of a cell phone&#10;&#10;Description automatically generated">
+          <p:cNvPr id="4" name="Picture 5" descr="Chart, bar chart&#10;&#10;Description automatically generated">
             <a:extLst>
               <a:ext uri="{FF2B5EF4-FFF2-40B4-BE49-F238E27FC236}">
-                <a16:creationId xmlns:a16="http://schemas.microsoft.com/office/drawing/2014/main" id="{4A45DD21-7BF6-489C-9C57-8E649F4885DC}"/>
+                <a16:creationId xmlns:a16="http://schemas.microsoft.com/office/drawing/2014/main" id="{81DCC094-9D77-4CBD-846D-BBEACEA63082}"/>
               </a:ext>
             </a:extLst>
           </p:cNvPr>
@@ -7053,8 +9677,8 @@
         </p:blipFill>
         <p:spPr>
           <a:xfrm>
-            <a:off x="1237784" y="1436242"/>
-            <a:ext cx="6668431" cy="4115374"/>
+            <a:off x="547687" y="2009775"/>
+            <a:ext cx="7953375" cy="3981450"/>
           </a:xfrm>
           <a:prstGeom prst="rect">
             <a:avLst/>
@@ -7064,7 +9688,7 @@
     </p:spTree>
     <p:extLst>
       <p:ext uri="{BB962C8B-B14F-4D97-AF65-F5344CB8AC3E}">
-        <p14:creationId xmlns:p14="http://schemas.microsoft.com/office/powerpoint/2010/main" val="3119558950"/>
+        <p14:creationId xmlns:p14="http://schemas.microsoft.com/office/powerpoint/2010/main" val="2022351482"/>
       </p:ext>
     </p:extLst>
   </p:cSld>
@@ -7119,105 +9743,102 @@
           <a:p>
             <a:r>
               <a:rPr lang="en-US" dirty="0"/>
-              <a:t>Median IBU per State</a:t>
+              <a:t>EDA - Visualization</a:t>
             </a:r>
           </a:p>
         </p:txBody>
       </p:sp>
       <p:sp>
         <p:nvSpPr>
-          <p:cNvPr id="5" name="Content Placeholder 4">
+          <p:cNvPr id="10" name="TextBox 9">
             <a:extLst>
               <a:ext uri="{FF2B5EF4-FFF2-40B4-BE49-F238E27FC236}">
-                <a16:creationId xmlns:a16="http://schemas.microsoft.com/office/drawing/2014/main" id="{375CDB98-7F05-41AD-9F29-81E3D0CFBEFF}"/>
+                <a16:creationId xmlns:a16="http://schemas.microsoft.com/office/drawing/2014/main" id="{91CFA85A-1BC0-4D92-93B6-B4FC78FA09F5}"/>
               </a:ext>
             </a:extLst>
           </p:cNvPr>
-          <p:cNvSpPr>
-            <a:spLocks noGrp="1"/>
-          </p:cNvSpPr>
-          <p:nvPr>
-            <p:ph idx="1"/>
-          </p:nvPr>
+          <p:cNvSpPr txBox="1"/>
+          <p:nvPr/>
         </p:nvSpPr>
         <p:spPr>
           <a:xfrm>
-            <a:off x="457199" y="1627905"/>
-            <a:ext cx="8229600" cy="4854011"/>
-          </a:xfrm>
+            <a:off x="390525" y="1457325"/>
+            <a:ext cx="8601075" cy="523220"/>
+          </a:xfrm>
+          <a:prstGeom prst="rect">
+            <a:avLst/>
+          </a:prstGeom>
+          <a:noFill/>
         </p:spPr>
         <p:txBody>
-          <a:bodyPr/>
+          <a:bodyPr rot="0" spcFirstLastPara="0" vertOverflow="overflow" horzOverflow="overflow" vert="horz" wrap="square" lIns="91440" tIns="45720" rIns="91440" bIns="45720" numCol="1" spcCol="0" rtlCol="0" fromWordArt="0" anchor="t" anchorCtr="0" forceAA="0" compatLnSpc="1">
+            <a:prstTxWarp prst="textNoShape">
+              <a:avLst/>
+            </a:prstTxWarp>
+            <a:spAutoFit/>
+          </a:bodyPr>
           <a:lstStyle/>
           <a:p>
-            <a:endParaRPr lang="en-US" dirty="0"/>
-          </a:p>
-          <a:p>
-            <a:endParaRPr lang="en-US" dirty="0"/>
-          </a:p>
-          <a:p>
-            <a:endParaRPr lang="en-US" dirty="0"/>
-          </a:p>
-          <a:p>
-            <a:endParaRPr lang="en-US" dirty="0"/>
-          </a:p>
-          <a:p>
-            <a:endParaRPr lang="en-US" dirty="0"/>
-          </a:p>
-          <a:p>
-            <a:pPr marL="0" indent="0">
-              <a:buNone/>
-            </a:pPr>
-            <a:endParaRPr lang="en-US" sz="1600" i="1" dirty="0"/>
-          </a:p>
-          <a:p>
-            <a:pPr marL="0" indent="0">
-              <a:buNone/>
-            </a:pPr>
-            <a:endParaRPr lang="en-US" dirty="0"/>
+            <a:r>
+              <a:rPr lang="en-US" sz="1400" dirty="0">
+                <a:ea typeface="+mn-lt"/>
+                <a:cs typeface="+mn-lt"/>
+              </a:rPr>
+              <a:t>Now looking at the wildfires by state, there’s definitely a skew in the data on the state.  The first 10 states make up a large majority of total number of wildfires as seen in Fig 3.</a:t>
+            </a:r>
           </a:p>
         </p:txBody>
       </p:sp>
       <p:sp>
         <p:nvSpPr>
-          <p:cNvPr id="6" name="Rectangle 5">
+          <p:cNvPr id="5" name="TextBox 4">
             <a:extLst>
               <a:ext uri="{FF2B5EF4-FFF2-40B4-BE49-F238E27FC236}">
-                <a16:creationId xmlns:a16="http://schemas.microsoft.com/office/drawing/2014/main" id="{F8B83E26-92F5-4B23-ACBB-69BAFA025801}"/>
+                <a16:creationId xmlns:a16="http://schemas.microsoft.com/office/drawing/2014/main" id="{D00F2BCE-66B4-4C46-BAFC-8FFD1034CE40}"/>
               </a:ext>
             </a:extLst>
           </p:cNvPr>
-          <p:cNvSpPr/>
+          <p:cNvSpPr txBox="1"/>
           <p:nvPr/>
         </p:nvSpPr>
         <p:spPr>
           <a:xfrm>
-            <a:off x="207115" y="5964581"/>
-            <a:ext cx="9062884" cy="646331"/>
+            <a:off x="542925" y="5972175"/>
+            <a:ext cx="3619500" cy="230832"/>
           </a:xfrm>
           <a:prstGeom prst="rect">
             <a:avLst/>
           </a:prstGeom>
+          <a:noFill/>
         </p:spPr>
         <p:txBody>
-          <a:bodyPr wrap="square">
+          <a:bodyPr rot="0" spcFirstLastPara="0" vertOverflow="overflow" horzOverflow="overflow" vert="horz" wrap="square" lIns="91440" tIns="45720" rIns="91440" bIns="45720" numCol="1" spcCol="0" rtlCol="0" fromWordArt="0" anchor="t" anchorCtr="0" forceAA="0" compatLnSpc="1">
+            <a:prstTxWarp prst="textNoShape">
+              <a:avLst/>
+            </a:prstTxWarp>
             <a:spAutoFit/>
           </a:bodyPr>
           <a:lstStyle/>
           <a:p>
             <a:r>
-              <a:rPr lang="en-US" i="1" dirty="0"/>
-              <a:t>There is much more variation in the IBU data, possibly due to missing values or regional preferences.</a:t>
-            </a:r>
+              <a:rPr lang="en-US" sz="900" dirty="0">
+                <a:ea typeface="+mn-lt"/>
+                <a:cs typeface="+mn-lt"/>
+              </a:rPr>
+              <a:t>Fig 3 - US Wildfires by State</a:t>
+            </a:r>
+            <a:endParaRPr lang="en-US" sz="900">
+              <a:cs typeface="Arial"/>
+            </a:endParaRPr>
           </a:p>
         </p:txBody>
       </p:sp>
       <p:pic>
         <p:nvPicPr>
-          <p:cNvPr id="7" name="Picture 6" descr="A screenshot of a cell phone&#10;&#10;Description automatically generated">
+          <p:cNvPr id="4" name="Picture 5" descr="Chart, bar chart&#10;&#10;Description automatically generated">
             <a:extLst>
               <a:ext uri="{FF2B5EF4-FFF2-40B4-BE49-F238E27FC236}">
-                <a16:creationId xmlns:a16="http://schemas.microsoft.com/office/drawing/2014/main" id="{FF85213C-4012-4ADB-A556-14903EDF1BD7}"/>
+                <a16:creationId xmlns:a16="http://schemas.microsoft.com/office/drawing/2014/main" id="{81DCC094-9D77-4CBD-846D-BBEACEA63082}"/>
               </a:ext>
             </a:extLst>
           </p:cNvPr>
@@ -7234,8 +9855,8 @@
         </p:blipFill>
         <p:spPr>
           <a:xfrm>
-            <a:off x="1237783" y="1610403"/>
-            <a:ext cx="6668431" cy="4115374"/>
+            <a:off x="547687" y="2009775"/>
+            <a:ext cx="7953375" cy="3981450"/>
           </a:xfrm>
           <a:prstGeom prst="rect">
             <a:avLst/>
@@ -7245,7 +9866,7 @@
     </p:spTree>
     <p:extLst>
       <p:ext uri="{BB962C8B-B14F-4D97-AF65-F5344CB8AC3E}">
-        <p14:creationId xmlns:p14="http://schemas.microsoft.com/office/powerpoint/2010/main" val="2253749982"/>
+        <p14:creationId xmlns:p14="http://schemas.microsoft.com/office/powerpoint/2010/main" val="1402217141"/>
       </p:ext>
     </p:extLst>
   </p:cSld>
@@ -7300,123 +9921,245 @@
           <a:p>
             <a:r>
               <a:rPr lang="en-US" dirty="0"/>
-              <a:t>Maximum Values by State (ABV)</a:t>
+              <a:t>Model Performance</a:t>
             </a:r>
           </a:p>
         </p:txBody>
       </p:sp>
       <p:sp>
         <p:nvSpPr>
-          <p:cNvPr id="5" name="Content Placeholder 4">
+          <p:cNvPr id="10" name="TextBox 9">
             <a:extLst>
               <a:ext uri="{FF2B5EF4-FFF2-40B4-BE49-F238E27FC236}">
-                <a16:creationId xmlns:a16="http://schemas.microsoft.com/office/drawing/2014/main" id="{375CDB98-7F05-41AD-9F29-81E3D0CFBEFF}"/>
+                <a16:creationId xmlns:a16="http://schemas.microsoft.com/office/drawing/2014/main" id="{91CFA85A-1BC0-4D92-93B6-B4FC78FA09F5}"/>
               </a:ext>
             </a:extLst>
           </p:cNvPr>
-          <p:cNvSpPr>
-            <a:spLocks noGrp="1"/>
-          </p:cNvSpPr>
-          <p:nvPr>
-            <p:ph idx="1"/>
-          </p:nvPr>
+          <p:cNvSpPr txBox="1"/>
+          <p:nvPr/>
         </p:nvSpPr>
         <p:spPr>
           <a:xfrm>
-            <a:off x="457199" y="1627905"/>
-            <a:ext cx="8229600" cy="4854011"/>
-          </a:xfrm>
+            <a:off x="380672" y="1619250"/>
+            <a:ext cx="8601075" cy="646331"/>
+          </a:xfrm>
+          <a:prstGeom prst="rect">
+            <a:avLst/>
+          </a:prstGeom>
+          <a:noFill/>
         </p:spPr>
         <p:txBody>
-          <a:bodyPr/>
+          <a:bodyPr rot="0" spcFirstLastPara="0" vertOverflow="overflow" horzOverflow="overflow" vert="horz" wrap="square" lIns="91440" tIns="45720" rIns="91440" bIns="45720" numCol="1" spcCol="0" rtlCol="0" fromWordArt="0" anchor="t" anchorCtr="0" forceAA="0" compatLnSpc="1">
+            <a:prstTxWarp prst="textNoShape">
+              <a:avLst/>
+            </a:prstTxWarp>
+            <a:spAutoFit/>
+          </a:bodyPr>
           <a:lstStyle/>
           <a:p>
             <a:r>
-              <a:rPr lang="en-US" dirty="0"/>
-              <a:t>There are different measures of center, etc.. that might be useful in determining state trends.</a:t>
-            </a:r>
-          </a:p>
-          <a:p>
-            <a:pPr marL="0" indent="0">
-              <a:buNone/>
-            </a:pPr>
-            <a:endParaRPr lang="en-US" dirty="0"/>
-          </a:p>
-          <a:p>
-            <a:endParaRPr lang="en-US" dirty="0"/>
-          </a:p>
-          <a:p>
-            <a:endParaRPr lang="en-US" dirty="0"/>
-          </a:p>
-          <a:p>
-            <a:endParaRPr lang="en-US" dirty="0"/>
-          </a:p>
-          <a:p>
-            <a:endParaRPr lang="en-US" dirty="0"/>
-          </a:p>
-          <a:p>
-            <a:endParaRPr lang="en-US" dirty="0"/>
-          </a:p>
-          <a:p>
-            <a:pPr marL="0" indent="0">
-              <a:buNone/>
-            </a:pPr>
-            <a:endParaRPr lang="en-US" sz="1600" i="1" dirty="0"/>
-          </a:p>
-          <a:p>
-            <a:pPr marL="0" indent="0">
-              <a:buNone/>
-            </a:pPr>
-            <a:endParaRPr lang="en-US" dirty="0"/>
-          </a:p>
-          <a:p>
-            <a:pPr marL="0" indent="0">
-              <a:buNone/>
-            </a:pPr>
-            <a:endParaRPr lang="en-US" dirty="0"/>
+              <a:rPr lang="en-US" dirty="0">
+                <a:ea typeface="+mn-lt"/>
+                <a:cs typeface="+mn-lt"/>
+              </a:rPr>
+              <a:t>Once the model has been defined, predictions can be made on new and unseen data.  Table 3 below shows the performance of each of the models</a:t>
+            </a:r>
+            <a:endParaRPr lang="en-US" dirty="0">
+              <a:cs typeface="Arial"/>
+            </a:endParaRPr>
           </a:p>
         </p:txBody>
       </p:sp>
       <p:sp>
         <p:nvSpPr>
-          <p:cNvPr id="7" name="Rectangle 6">
+          <p:cNvPr id="5" name="TextBox 4">
             <a:extLst>
               <a:ext uri="{FF2B5EF4-FFF2-40B4-BE49-F238E27FC236}">
-                <a16:creationId xmlns:a16="http://schemas.microsoft.com/office/drawing/2014/main" id="{5958EAC4-08F2-4945-9F0D-E088897A9830}"/>
+                <a16:creationId xmlns:a16="http://schemas.microsoft.com/office/drawing/2014/main" id="{D00F2BCE-66B4-4C46-BAFC-8FFD1034CE40}"/>
               </a:ext>
             </a:extLst>
           </p:cNvPr>
-          <p:cNvSpPr/>
+          <p:cNvSpPr txBox="1"/>
           <p:nvPr/>
         </p:nvSpPr>
         <p:spPr>
           <a:xfrm>
-            <a:off x="1748897" y="5738648"/>
-            <a:ext cx="5810866" cy="369332"/>
+            <a:off x="561975" y="5524500"/>
+            <a:ext cx="3619500" cy="230832"/>
           </a:xfrm>
           <a:prstGeom prst="rect">
             <a:avLst/>
           </a:prstGeom>
+          <a:noFill/>
         </p:spPr>
         <p:txBody>
-          <a:bodyPr wrap="square">
+          <a:bodyPr rot="0" spcFirstLastPara="0" vertOverflow="overflow" horzOverflow="overflow" vert="horz" wrap="square" lIns="91440" tIns="45720" rIns="91440" bIns="45720" numCol="1" spcCol="0" rtlCol="0" fromWordArt="0" anchor="t" anchorCtr="0" forceAA="0" compatLnSpc="1">
+            <a:prstTxWarp prst="textNoShape">
+              <a:avLst/>
+            </a:prstTxWarp>
             <a:spAutoFit/>
           </a:bodyPr>
           <a:lstStyle/>
           <a:p>
             <a:r>
-              <a:rPr lang="en-US" i="1" dirty="0"/>
-              <a:t>Depending on the statistic of interest, the answer varies</a:t>
-            </a:r>
+              <a:rPr lang="en-US" sz="900" dirty="0">
+                <a:ea typeface="+mn-lt"/>
+                <a:cs typeface="+mn-lt"/>
+              </a:rPr>
+              <a:t>Table 3 – Model Performance</a:t>
+            </a:r>
+            <a:endParaRPr lang="en-US" sz="900">
+              <a:cs typeface="Arial"/>
+            </a:endParaRPr>
           </a:p>
         </p:txBody>
       </p:sp>
+      <p:graphicFrame>
+        <p:nvGraphicFramePr>
+          <p:cNvPr id="4" name="Table 5">
+            <a:extLst>
+              <a:ext uri="{FF2B5EF4-FFF2-40B4-BE49-F238E27FC236}">
+                <a16:creationId xmlns:a16="http://schemas.microsoft.com/office/drawing/2014/main" id="{C848E221-F138-460A-B4E6-DA3BCEE39FBA}"/>
+              </a:ext>
+            </a:extLst>
+          </p:cNvPr>
+          <p:cNvGraphicFramePr>
+            <a:graphicFrameLocks noGrp="1"/>
+          </p:cNvGraphicFramePr>
+          <p:nvPr>
+            <p:extLst>
+              <p:ext uri="{D42A27DB-BD31-4B8C-83A1-F6EECF244321}">
+                <p14:modId xmlns:p14="http://schemas.microsoft.com/office/powerpoint/2010/main" val="4130670676"/>
+              </p:ext>
+            </p:extLst>
+          </p:nvPr>
+        </p:nvGraphicFramePr>
+        <p:xfrm>
+          <a:off x="630555" y="2752471"/>
+          <a:ext cx="8101310" cy="3038474"/>
+        </p:xfrm>
+        <a:graphic>
+          <a:graphicData uri="http://schemas.openxmlformats.org/drawingml/2006/table">
+            <a:tbl>
+              <a:tblPr firstRow="1" bandRow="1">
+                <a:tableStyleId>{5C22544A-7EE6-4342-B048-85BDC9FD1C3A}</a:tableStyleId>
+              </a:tblPr>
+              <a:tblGrid>
+                <a:gridCol w="4050655">
+                  <a:extLst>
+                    <a:ext uri="{9D8B030D-6E8A-4147-A177-3AD203B41FA5}">
+                      <a16:colId xmlns:a16="http://schemas.microsoft.com/office/drawing/2014/main" val="2162036562"/>
+                    </a:ext>
+                  </a:extLst>
+                </a:gridCol>
+                <a:gridCol w="4050655">
+                  <a:extLst>
+                    <a:ext uri="{9D8B030D-6E8A-4147-A177-3AD203B41FA5}">
+                      <a16:colId xmlns:a16="http://schemas.microsoft.com/office/drawing/2014/main" val="1839060096"/>
+                    </a:ext>
+                  </a:extLst>
+                </a:gridCol>
+              </a:tblGrid>
+              <a:tr h="523874">
+                <a:tc>
+                  <a:txBody>
+                    <a:bodyPr/>
+                    <a:lstStyle/>
+                    <a:p>
+                      <a:r>
+                        <a:rPr lang="en-US" dirty="0"/>
+                        <a:t>Naïve Bayes</a:t>
+                      </a:r>
+                    </a:p>
+                  </a:txBody>
+                  <a:tcPr/>
+                </a:tc>
+                <a:tc>
+                  <a:txBody>
+                    <a:bodyPr/>
+                    <a:lstStyle/>
+                    <a:p>
+                      <a:r>
+                        <a:rPr lang="en-US" dirty="0"/>
+                        <a:t>Decision Tree</a:t>
+                      </a:r>
+                    </a:p>
+                  </a:txBody>
+                  <a:tcPr/>
+                </a:tc>
+                <a:extLst>
+                  <a:ext uri="{0D108BD9-81ED-4DB2-BD59-A6C34878D82A}">
+                    <a16:rowId xmlns:a16="http://schemas.microsoft.com/office/drawing/2014/main" val="1462554081"/>
+                  </a:ext>
+                </a:extLst>
+              </a:tr>
+              <a:tr h="2514600">
+                <a:tc>
+                  <a:txBody>
+                    <a:bodyPr/>
+                    <a:lstStyle/>
+                    <a:p>
+                      <a:endParaRPr lang="en-US" dirty="0"/>
+                    </a:p>
+                  </a:txBody>
+                  <a:tcPr/>
+                </a:tc>
+                <a:tc>
+                  <a:txBody>
+                    <a:bodyPr/>
+                    <a:lstStyle/>
+                    <a:p>
+                      <a:endParaRPr lang="en-US" dirty="0"/>
+                    </a:p>
+                  </a:txBody>
+                  <a:tcPr/>
+                </a:tc>
+                <a:extLst>
+                  <a:ext uri="{0D108BD9-81ED-4DB2-BD59-A6C34878D82A}">
+                    <a16:rowId xmlns:a16="http://schemas.microsoft.com/office/drawing/2014/main" val="888878679"/>
+                  </a:ext>
+                </a:extLst>
+              </a:tr>
+            </a:tbl>
+          </a:graphicData>
+        </a:graphic>
+      </p:graphicFrame>
       <p:pic>
         <p:nvPicPr>
-          <p:cNvPr id="3" name="Picture 2">
+          <p:cNvPr id="6" name="Picture 6" descr="Table&#10;&#10;Description automatically generated">
             <a:extLst>
               <a:ext uri="{FF2B5EF4-FFF2-40B4-BE49-F238E27FC236}">
-                <a16:creationId xmlns:a16="http://schemas.microsoft.com/office/drawing/2014/main" id="{1AA8CDB8-E6C7-4E6D-A319-4015B9B92A22}"/>
+                <a16:creationId xmlns:a16="http://schemas.microsoft.com/office/drawing/2014/main" id="{1327F434-4395-4975-B8B5-B01C0BD55403}"/>
+              </a:ext>
+            </a:extLst>
+          </p:cNvPr>
+          <p:cNvPicPr>
+            <a:picLocks noChangeAspect="1"/>
+          </p:cNvPicPr>
+          <p:nvPr/>
+        </p:nvPicPr>
+        <p:blipFill>
+          <a:blip r:embed="rId2"/>
+          <a:stretch>
+            <a:fillRect/>
+          </a:stretch>
+        </p:blipFill>
+        <p:spPr>
+          <a:xfrm>
+            <a:off x="938212" y="3219450"/>
+            <a:ext cx="3381375" cy="2057400"/>
+          </a:xfrm>
+          <a:prstGeom prst="rect">
+            <a:avLst/>
+          </a:prstGeom>
+        </p:spPr>
+      </p:pic>
+      <p:pic>
+        <p:nvPicPr>
+          <p:cNvPr id="7" name="Picture 7" descr="A close up of a piece of paper&#10;&#10;Description automatically generated">
+            <a:extLst>
+              <a:ext uri="{FF2B5EF4-FFF2-40B4-BE49-F238E27FC236}">
+                <a16:creationId xmlns:a16="http://schemas.microsoft.com/office/drawing/2014/main" id="{B72A4832-4FBD-42BB-A2EF-9B5F637561D0}"/>
               </a:ext>
             </a:extLst>
           </p:cNvPr>
@@ -7433,8 +10176,8 @@
         </p:blipFill>
         <p:spPr>
           <a:xfrm>
-            <a:off x="2197561" y="3326014"/>
-            <a:ext cx="4748875" cy="2340995"/>
+            <a:off x="4938712" y="3205162"/>
+            <a:ext cx="3350890" cy="2105025"/>
           </a:xfrm>
           <a:prstGeom prst="rect">
             <a:avLst/>
@@ -7444,7 +10187,7 @@
     </p:spTree>
     <p:extLst>
       <p:ext uri="{BB962C8B-B14F-4D97-AF65-F5344CB8AC3E}">
-        <p14:creationId xmlns:p14="http://schemas.microsoft.com/office/powerpoint/2010/main" val="622800655"/>
+        <p14:creationId xmlns:p14="http://schemas.microsoft.com/office/powerpoint/2010/main" val="2822207609"/>
       </p:ext>
     </p:extLst>
   </p:cSld>
@@ -7476,7 +10219,7 @@
           <p:cNvPr id="2" name="Title 1">
             <a:extLst>
               <a:ext uri="{FF2B5EF4-FFF2-40B4-BE49-F238E27FC236}">
-                <a16:creationId xmlns:a16="http://schemas.microsoft.com/office/drawing/2014/main" id="{5B931770-76C9-F749-9B7D-08A4A1F13896}"/>
+                <a16:creationId xmlns:a16="http://schemas.microsoft.com/office/drawing/2014/main" id="{5F201760-3C2B-4914-802C-7921866DC72E}"/>
               </a:ext>
             </a:extLst>
           </p:cNvPr>
@@ -7487,29 +10230,27 @@
             <p:ph type="title"/>
           </p:nvPr>
         </p:nvSpPr>
-        <p:spPr>
-          <a:xfrm>
-            <a:off x="0" y="228600"/>
-            <a:ext cx="9144000" cy="1143000"/>
-          </a:xfrm>
-        </p:spPr>
+        <p:spPr/>
         <p:txBody>
           <a:bodyPr/>
           <a:lstStyle/>
           <a:p>
             <a:r>
-              <a:rPr lang="en-US" dirty="0"/>
-              <a:t>Maximum Values by State (IBU)</a:t>
-            </a:r>
+              <a:rPr lang="en-US" dirty="0">
+                <a:cs typeface="Arial"/>
+              </a:rPr>
+              <a:t>Cloud Deployment</a:t>
+            </a:r>
+            <a:endParaRPr lang="en-US" dirty="0"/>
           </a:p>
         </p:txBody>
       </p:sp>
       <p:sp>
         <p:nvSpPr>
-          <p:cNvPr id="5" name="Content Placeholder 4">
+          <p:cNvPr id="6" name="Content Placeholder 5">
             <a:extLst>
               <a:ext uri="{FF2B5EF4-FFF2-40B4-BE49-F238E27FC236}">
-                <a16:creationId xmlns:a16="http://schemas.microsoft.com/office/drawing/2014/main" id="{375CDB98-7F05-41AD-9F29-81E3D0CFBEFF}"/>
+                <a16:creationId xmlns:a16="http://schemas.microsoft.com/office/drawing/2014/main" id="{296B1057-D90B-4F6F-ABBD-3E9179C32A23}"/>
               </a:ext>
             </a:extLst>
           </p:cNvPr>
@@ -7522,94 +10263,103 @@
         </p:nvSpPr>
         <p:spPr>
           <a:xfrm>
-            <a:off x="457199" y="1627905"/>
-            <a:ext cx="8229600" cy="4854011"/>
+            <a:off x="457200" y="1877291"/>
+            <a:ext cx="8229600" cy="2625436"/>
           </a:xfrm>
         </p:spPr>
         <p:txBody>
-          <a:bodyPr/>
+          <a:bodyPr vert="horz" lIns="91440" tIns="45720" rIns="91440" bIns="45720" rtlCol="0" anchor="t">
+            <a:noAutofit/>
+          </a:bodyPr>
           <a:lstStyle/>
           <a:p>
-            <a:r>
-              <a:rPr lang="en-US" dirty="0"/>
-              <a:t>Similar differences can be seen across the IBU statistics</a:t>
-            </a:r>
-          </a:p>
-          <a:p>
-            <a:pPr marL="0" indent="0">
-              <a:buNone/>
+            <a:pPr>
+              <a:buFont typeface="Arial"/>
             </a:pPr>
-            <a:endParaRPr lang="en-US" dirty="0"/>
-          </a:p>
-          <a:p>
-            <a:endParaRPr lang="en-US" dirty="0"/>
-          </a:p>
-          <a:p>
-            <a:endParaRPr lang="en-US" dirty="0"/>
-          </a:p>
-          <a:p>
-            <a:endParaRPr lang="en-US" dirty="0"/>
-          </a:p>
-          <a:p>
-            <a:endParaRPr lang="en-US" dirty="0"/>
-          </a:p>
-          <a:p>
-            <a:endParaRPr lang="en-US" dirty="0"/>
-          </a:p>
-          <a:p>
-            <a:pPr marL="0" indent="0">
-              <a:buNone/>
-            </a:pPr>
-            <a:endParaRPr lang="en-US" sz="1600" i="1" dirty="0"/>
-          </a:p>
-          <a:p>
-            <a:pPr marL="0" indent="0">
-              <a:buNone/>
-            </a:pPr>
-            <a:endParaRPr lang="en-US" dirty="0"/>
-          </a:p>
-          <a:p>
-            <a:pPr marL="0" indent="0">
-              <a:buNone/>
-            </a:pPr>
-            <a:endParaRPr lang="en-US" dirty="0"/>
+            <a:r>
+              <a:rPr lang="en-US" sz="2800" dirty="0">
+                <a:ea typeface="+mn-lt"/>
+                <a:cs typeface="+mn-lt"/>
+              </a:rPr>
+              <a:t>Next is the cloud deployment and at a high overview utilized: </a:t>
+            </a:r>
+            <a:endParaRPr lang="en-US" sz="2800" dirty="0">
+              <a:cs typeface="Arial"/>
+            </a:endParaRPr>
+          </a:p>
+          <a:p>
+            <a:pPr lvl="1"/>
+            <a:r>
+              <a:rPr lang="en-US" sz="2400" dirty="0">
+                <a:ea typeface="+mn-lt"/>
+                <a:cs typeface="+mn-lt"/>
+              </a:rPr>
+              <a:t>Configure Serverless framework</a:t>
+            </a:r>
+            <a:endParaRPr lang="en-US" sz="2400" dirty="0">
+              <a:cs typeface="Arial"/>
+            </a:endParaRPr>
+          </a:p>
+          <a:p>
+            <a:pPr lvl="1"/>
+            <a:r>
+              <a:rPr lang="en-US" sz="2400" dirty="0">
+                <a:ea typeface="+mn-lt"/>
+                <a:cs typeface="+mn-lt"/>
+              </a:rPr>
+              <a:t>API Gateway</a:t>
+            </a:r>
+            <a:endParaRPr lang="en-US" sz="2400" dirty="0">
+              <a:cs typeface="Arial"/>
+            </a:endParaRPr>
+          </a:p>
+          <a:p>
+            <a:pPr lvl="1"/>
+            <a:r>
+              <a:rPr lang="en-US" sz="2400" dirty="0">
+                <a:ea typeface="+mn-lt"/>
+                <a:cs typeface="+mn-lt"/>
+              </a:rPr>
+              <a:t>Lambda functions</a:t>
+            </a:r>
+            <a:endParaRPr lang="en-US" sz="2400" dirty="0">
+              <a:cs typeface="Arial"/>
+            </a:endParaRPr>
+          </a:p>
+          <a:p>
+            <a:pPr lvl="1"/>
+            <a:r>
+              <a:rPr lang="en-US" sz="2400" dirty="0">
+                <a:ea typeface="+mn-lt"/>
+                <a:cs typeface="+mn-lt"/>
+              </a:rPr>
+              <a:t>RDS</a:t>
+            </a:r>
+            <a:endParaRPr lang="en-US" sz="2400" dirty="0">
+              <a:cs typeface="Arial"/>
+            </a:endParaRPr>
+          </a:p>
+          <a:p>
+            <a:r>
+              <a:rPr lang="en-US" sz="2800" dirty="0">
+                <a:ea typeface="+mn-lt"/>
+                <a:cs typeface="+mn-lt"/>
+              </a:rPr>
+              <a:t>Chance will now walk you through each of those cloud components and how it was deployed to AWS</a:t>
+            </a:r>
+            <a:br>
+              <a:rPr lang="en-US" sz="2800" dirty="0"/>
+            </a:br>
+            <a:endParaRPr lang="en-US" sz="2800" dirty="0">
+              <a:cs typeface="Arial"/>
+            </a:endParaRPr>
           </a:p>
         </p:txBody>
       </p:sp>
-      <p:pic>
-        <p:nvPicPr>
-          <p:cNvPr id="3" name="Picture 2">
-            <a:extLst>
-              <a:ext uri="{FF2B5EF4-FFF2-40B4-BE49-F238E27FC236}">
-                <a16:creationId xmlns:a16="http://schemas.microsoft.com/office/drawing/2014/main" id="{7E916713-11CD-435D-9CAE-60765E7A5662}"/>
-              </a:ext>
-            </a:extLst>
-          </p:cNvPr>
-          <p:cNvPicPr>
-            <a:picLocks noChangeAspect="1"/>
-          </p:cNvPicPr>
-          <p:nvPr/>
-        </p:nvPicPr>
-        <p:blipFill>
-          <a:blip r:embed="rId2"/>
-          <a:stretch>
-            <a:fillRect/>
-          </a:stretch>
-        </p:blipFill>
-        <p:spPr>
-          <a:xfrm>
-            <a:off x="2296137" y="3182435"/>
-            <a:ext cx="4551726" cy="2047660"/>
-          </a:xfrm>
-          <a:prstGeom prst="rect">
-            <a:avLst/>
-          </a:prstGeom>
-        </p:spPr>
-      </p:pic>
     </p:spTree>
     <p:extLst>
       <p:ext uri="{BB962C8B-B14F-4D97-AF65-F5344CB8AC3E}">
-        <p14:creationId xmlns:p14="http://schemas.microsoft.com/office/powerpoint/2010/main" val="724258878"/>
+        <p14:creationId xmlns:p14="http://schemas.microsoft.com/office/powerpoint/2010/main" val="1455677800"/>
       </p:ext>
     </p:extLst>
   </p:cSld>

--- a/presentation/DS7346_Cloud_Computing_Presentation.pptx
+++ b/presentation/DS7346_Cloud_Computing_Presentation.pptx
@@ -144,6 +144,7 @@
 <p1510:revInfo xmlns:a="http://schemas.openxmlformats.org/drawingml/2006/main" xmlns:r="http://schemas.openxmlformats.org/officeDocument/2006/relationships" xmlns:p1510="http://schemas.microsoft.com/office/powerpoint/2015/10/main">
   <p1510:revLst>
     <p1510:client id="{65C67A5B-D439-DD4E-A637-827378D75345}" v="59" dt="2019-10-10T15:48:12.011"/>
+    <p1510:client id="{983D3192-F7B4-7C41-4CAA-55B54D0A3C83}" v="13" dt="2020-11-22T22:17:48.944"/>
   </p1510:revLst>
 </p1510:revInfo>
 </file>
@@ -230,7 +231,7 @@
           <a:p>
             <a:fld id="{05A716D1-0E3B-43FE-813B-2DAFF8230A94}" type="datetimeFigureOut">
               <a:rPr lang="en-US" smtClean="0"/>
-              <a:t>11/22/20</a:t>
+              <a:t>11/22/2020</a:t>
             </a:fld>
             <a:endParaRPr lang="en-US"/>
           </a:p>
@@ -9784,61 +9785,17 @@
                 <a:ea typeface="+mn-lt"/>
                 <a:cs typeface="+mn-lt"/>
               </a:rPr>
-              <a:t>Now looking at the wildfires by state, there’s definitely a skew in the data on the state.  The first 10 states make up a large majority of total number of wildfires as seen in Fig 3.</a:t>
+              <a:t>Now looking at the wildfires by state, there’s a skew in the data on the state.  The first 10 states make up a large majority of total number of wildfires as seen in Fig 3.</a:t>
             </a:r>
           </a:p>
         </p:txBody>
       </p:sp>
-      <p:sp>
-        <p:nvSpPr>
-          <p:cNvPr id="5" name="TextBox 4">
+      <p:pic>
+        <p:nvPicPr>
+          <p:cNvPr id="3" name="Picture 5" descr="Chart, histogram&#10;&#10;Description automatically generated">
             <a:extLst>
               <a:ext uri="{FF2B5EF4-FFF2-40B4-BE49-F238E27FC236}">
-                <a16:creationId xmlns:a16="http://schemas.microsoft.com/office/drawing/2014/main" id="{D00F2BCE-66B4-4C46-BAFC-8FFD1034CE40}"/>
-              </a:ext>
-            </a:extLst>
-          </p:cNvPr>
-          <p:cNvSpPr txBox="1"/>
-          <p:nvPr/>
-        </p:nvSpPr>
-        <p:spPr>
-          <a:xfrm>
-            <a:off x="542925" y="5972175"/>
-            <a:ext cx="3619500" cy="230832"/>
-          </a:xfrm>
-          <a:prstGeom prst="rect">
-            <a:avLst/>
-          </a:prstGeom>
-          <a:noFill/>
-        </p:spPr>
-        <p:txBody>
-          <a:bodyPr rot="0" spcFirstLastPara="0" vertOverflow="overflow" horzOverflow="overflow" vert="horz" wrap="square" lIns="91440" tIns="45720" rIns="91440" bIns="45720" numCol="1" spcCol="0" rtlCol="0" fromWordArt="0" anchor="t" anchorCtr="0" forceAA="0" compatLnSpc="1">
-            <a:prstTxWarp prst="textNoShape">
-              <a:avLst/>
-            </a:prstTxWarp>
-            <a:spAutoFit/>
-          </a:bodyPr>
-          <a:lstStyle/>
-          <a:p>
-            <a:r>
-              <a:rPr lang="en-US" sz="900" dirty="0">
-                <a:ea typeface="+mn-lt"/>
-                <a:cs typeface="+mn-lt"/>
-              </a:rPr>
-              <a:t>Fig 3 - US Wildfires by State</a:t>
-            </a:r>
-            <a:endParaRPr lang="en-US" sz="900">
-              <a:cs typeface="Arial"/>
-            </a:endParaRPr>
-          </a:p>
-        </p:txBody>
-      </p:sp>
-      <p:pic>
-        <p:nvPicPr>
-          <p:cNvPr id="4" name="Picture 5" descr="Chart, bar chart&#10;&#10;Description automatically generated">
-            <a:extLst>
-              <a:ext uri="{FF2B5EF4-FFF2-40B4-BE49-F238E27FC236}">
-                <a16:creationId xmlns:a16="http://schemas.microsoft.com/office/drawing/2014/main" id="{81DCC094-9D77-4CBD-846D-BBEACEA63082}"/>
+                <a16:creationId xmlns:a16="http://schemas.microsoft.com/office/drawing/2014/main" id="{8F11E569-AC29-418C-B581-66BA3A1D0B00}"/>
               </a:ext>
             </a:extLst>
           </p:cNvPr>
@@ -9855,14 +9812,58 @@
         </p:blipFill>
         <p:spPr>
           <a:xfrm>
-            <a:off x="547687" y="2009775"/>
-            <a:ext cx="7953375" cy="3981450"/>
+            <a:off x="438150" y="2074214"/>
+            <a:ext cx="8058150" cy="3976398"/>
           </a:xfrm>
           <a:prstGeom prst="rect">
             <a:avLst/>
           </a:prstGeom>
         </p:spPr>
       </p:pic>
+      <p:sp>
+        <p:nvSpPr>
+          <p:cNvPr id="5" name="TextBox 4">
+            <a:extLst>
+              <a:ext uri="{FF2B5EF4-FFF2-40B4-BE49-F238E27FC236}">
+                <a16:creationId xmlns:a16="http://schemas.microsoft.com/office/drawing/2014/main" id="{D00F2BCE-66B4-4C46-BAFC-8FFD1034CE40}"/>
+              </a:ext>
+            </a:extLst>
+          </p:cNvPr>
+          <p:cNvSpPr txBox="1"/>
+          <p:nvPr/>
+        </p:nvSpPr>
+        <p:spPr>
+          <a:xfrm>
+            <a:off x="542925" y="5972175"/>
+            <a:ext cx="3619500" cy="230832"/>
+          </a:xfrm>
+          <a:prstGeom prst="rect">
+            <a:avLst/>
+          </a:prstGeom>
+          <a:noFill/>
+        </p:spPr>
+        <p:txBody>
+          <a:bodyPr rot="0" spcFirstLastPara="0" vertOverflow="overflow" horzOverflow="overflow" vert="horz" wrap="square" lIns="91440" tIns="45720" rIns="91440" bIns="45720" numCol="1" spcCol="0" rtlCol="0" fromWordArt="0" anchor="t" anchorCtr="0" forceAA="0" compatLnSpc="1">
+            <a:prstTxWarp prst="textNoShape">
+              <a:avLst/>
+            </a:prstTxWarp>
+            <a:spAutoFit/>
+          </a:bodyPr>
+          <a:lstStyle/>
+          <a:p>
+            <a:r>
+              <a:rPr lang="en-US" sz="900" dirty="0">
+                <a:ea typeface="+mn-lt"/>
+                <a:cs typeface="+mn-lt"/>
+              </a:rPr>
+              <a:t>Fig 3 - US Wildfires by State</a:t>
+            </a:r>
+            <a:endParaRPr lang="en-US" sz="900">
+              <a:cs typeface="Arial"/>
+            </a:endParaRPr>
+          </a:p>
+        </p:txBody>
+      </p:sp>
     </p:spTree>
     <p:extLst>
       <p:ext uri="{BB962C8B-B14F-4D97-AF65-F5344CB8AC3E}">
@@ -10146,7 +10147,7 @@
         </p:blipFill>
         <p:spPr>
           <a:xfrm>
-            <a:off x="938212" y="3219450"/>
+            <a:off x="938212" y="3476625"/>
             <a:ext cx="3381375" cy="2057400"/>
           </a:xfrm>
           <a:prstGeom prst="rect">
@@ -10176,7 +10177,7 @@
         </p:blipFill>
         <p:spPr>
           <a:xfrm>
-            <a:off x="4938712" y="3205162"/>
+            <a:off x="4938712" y="3471862"/>
             <a:ext cx="3350890" cy="2105025"/>
           </a:xfrm>
           <a:prstGeom prst="rect">

--- a/presentation/DS7346_Cloud_Computing_Presentation.pptx
+++ b/presentation/DS7346_Cloud_Computing_Presentation.pptx
@@ -5,7 +5,7 @@
     <p:sldMasterId id="2147483672" r:id="rId1"/>
   </p:sldMasterIdLst>
   <p:notesMasterIdLst>
-    <p:notesMasterId r:id="rId28"/>
+    <p:notesMasterId r:id="rId18"/>
   </p:notesMasterIdLst>
   <p:sldIdLst>
     <p:sldId id="580" r:id="rId2"/>
@@ -22,18 +22,8 @@
     <p:sldId id="634" r:id="rId13"/>
     <p:sldId id="631" r:id="rId14"/>
     <p:sldId id="630" r:id="rId15"/>
-    <p:sldId id="627" r:id="rId16"/>
-    <p:sldId id="622" r:id="rId17"/>
-    <p:sldId id="621" r:id="rId18"/>
-    <p:sldId id="623" r:id="rId19"/>
-    <p:sldId id="624" r:id="rId20"/>
-    <p:sldId id="625" r:id="rId21"/>
-    <p:sldId id="626" r:id="rId22"/>
-    <p:sldId id="632" r:id="rId23"/>
-    <p:sldId id="633" r:id="rId24"/>
-    <p:sldId id="635" r:id="rId25"/>
-    <p:sldId id="636" r:id="rId26"/>
-    <p:sldId id="526" r:id="rId27"/>
+    <p:sldId id="645" r:id="rId16"/>
+    <p:sldId id="526" r:id="rId17"/>
   </p:sldIdLst>
   <p:sldSz cx="9144000" cy="6858000" type="screen4x3"/>
   <p:notesSz cx="6858000" cy="9144000"/>
@@ -144,7 +134,7 @@
 <p1510:revInfo xmlns:a="http://schemas.openxmlformats.org/drawingml/2006/main" xmlns:r="http://schemas.openxmlformats.org/officeDocument/2006/relationships" xmlns:p1510="http://schemas.microsoft.com/office/powerpoint/2015/10/main">
   <p1510:revLst>
     <p1510:client id="{65C67A5B-D439-DD4E-A637-827378D75345}" v="59" dt="2019-10-10T15:48:12.011"/>
-    <p1510:client id="{983D3192-F7B4-7C41-4CAA-55B54D0A3C83}" v="13" dt="2020-11-22T22:17:48.944"/>
+    <p1510:client id="{983D3192-F7B4-7C41-4CAA-55B54D0A3C83}" v="29" dt="2020-11-22T22:30:09.115"/>
   </p1510:revLst>
 </p1510:revInfo>
 </file>
@@ -628,99 +618,6 @@
 </p:notes>
 </file>
 
-<file path=ppt/notesSlides/notesSlide10.xml><?xml version="1.0" encoding="utf-8"?>
-<p:notes xmlns:a="http://schemas.openxmlformats.org/drawingml/2006/main" xmlns:r="http://schemas.openxmlformats.org/officeDocument/2006/relationships" xmlns:p="http://schemas.openxmlformats.org/presentationml/2006/main">
-  <p:cSld>
-    <p:spTree>
-      <p:nvGrpSpPr>
-        <p:cNvPr id="1" name=""/>
-        <p:cNvGrpSpPr/>
-        <p:nvPr/>
-      </p:nvGrpSpPr>
-      <p:grpSpPr>
-        <a:xfrm>
-          <a:off x="0" y="0"/>
-          <a:ext cx="0" cy="0"/>
-          <a:chOff x="0" y="0"/>
-          <a:chExt cx="0" cy="0"/>
-        </a:xfrm>
-      </p:grpSpPr>
-      <p:sp>
-        <p:nvSpPr>
-          <p:cNvPr id="2" name="Slide Image Placeholder 1"/>
-          <p:cNvSpPr>
-            <a:spLocks noGrp="1" noRot="1" noChangeAspect="1"/>
-          </p:cNvSpPr>
-          <p:nvPr>
-            <p:ph type="sldImg"/>
-          </p:nvPr>
-        </p:nvSpPr>
-        <p:spPr/>
-      </p:sp>
-      <p:sp>
-        <p:nvSpPr>
-          <p:cNvPr id="3" name="Notes Placeholder 2"/>
-          <p:cNvSpPr>
-            <a:spLocks noGrp="1"/>
-          </p:cNvSpPr>
-          <p:nvPr>
-            <p:ph type="body" idx="1"/>
-          </p:nvPr>
-        </p:nvSpPr>
-        <p:spPr/>
-        <p:txBody>
-          <a:bodyPr/>
-          <a:lstStyle/>
-          <a:p>
-            <a:r>
-              <a:rPr lang="en-US" dirty="0"/>
-              <a:t>Florida and Main in particular</a:t>
-            </a:r>
-          </a:p>
-          <a:p>
-            <a:endParaRPr lang="en-US" dirty="0"/>
-          </a:p>
-          <a:p>
-            <a:endParaRPr lang="en-US" dirty="0"/>
-          </a:p>
-        </p:txBody>
-      </p:sp>
-      <p:sp>
-        <p:nvSpPr>
-          <p:cNvPr id="4" name="Slide Number Placeholder 3"/>
-          <p:cNvSpPr>
-            <a:spLocks noGrp="1"/>
-          </p:cNvSpPr>
-          <p:nvPr>
-            <p:ph type="sldNum" sz="quarter" idx="5"/>
-          </p:nvPr>
-        </p:nvSpPr>
-        <p:spPr/>
-        <p:txBody>
-          <a:bodyPr/>
-          <a:lstStyle/>
-          <a:p>
-            <a:fld id="{1B0D91D7-F22D-4CDC-8F75-E7F369B9B3B7}" type="slidenum">
-              <a:rPr lang="en-US" smtClean="0"/>
-              <a:t>24</a:t>
-            </a:fld>
-            <a:endParaRPr lang="en-US"/>
-          </a:p>
-        </p:txBody>
-      </p:sp>
-    </p:spTree>
-    <p:extLst>
-      <p:ext uri="{BB962C8B-B14F-4D97-AF65-F5344CB8AC3E}">
-        <p14:creationId xmlns:p14="http://schemas.microsoft.com/office/powerpoint/2010/main" val="1021268098"/>
-      </p:ext>
-    </p:extLst>
-  </p:cSld>
-  <p:clrMapOvr>
-    <a:masterClrMapping/>
-  </p:clrMapOvr>
-</p:notes>
-</file>
-
 <file path=ppt/notesSlides/notesSlide2.xml><?xml version="1.0" encoding="utf-8"?>
 <p:notes xmlns:a="http://schemas.openxmlformats.org/drawingml/2006/main" xmlns:r="http://schemas.openxmlformats.org/officeDocument/2006/relationships" xmlns:p="http://schemas.openxmlformats.org/presentationml/2006/main">
   <p:cSld>
@@ -1278,437 +1175,6 @@
     <p:extLst>
       <p:ext uri="{BB962C8B-B14F-4D97-AF65-F5344CB8AC3E}">
         <p14:creationId xmlns:p14="http://schemas.microsoft.com/office/powerpoint/2010/main" val="3353241369"/>
-      </p:ext>
-    </p:extLst>
-  </p:cSld>
-  <p:clrMapOvr>
-    <a:masterClrMapping/>
-  </p:clrMapOvr>
-</p:notes>
-</file>
-
-<file path=ppt/notesSlides/notesSlide6.xml><?xml version="1.0" encoding="utf-8"?>
-<p:notes xmlns:a="http://schemas.openxmlformats.org/drawingml/2006/main" xmlns:r="http://schemas.openxmlformats.org/officeDocument/2006/relationships" xmlns:p="http://schemas.openxmlformats.org/presentationml/2006/main">
-  <p:cSld>
-    <p:spTree>
-      <p:nvGrpSpPr>
-        <p:cNvPr id="1" name=""/>
-        <p:cNvGrpSpPr/>
-        <p:nvPr/>
-      </p:nvGrpSpPr>
-      <p:grpSpPr>
-        <a:xfrm>
-          <a:off x="0" y="0"/>
-          <a:ext cx="0" cy="0"/>
-          <a:chOff x="0" y="0"/>
-          <a:chExt cx="0" cy="0"/>
-        </a:xfrm>
-      </p:grpSpPr>
-      <p:sp>
-        <p:nvSpPr>
-          <p:cNvPr id="2" name="Slide Image Placeholder 1"/>
-          <p:cNvSpPr>
-            <a:spLocks noGrp="1" noRot="1" noChangeAspect="1"/>
-          </p:cNvSpPr>
-          <p:nvPr>
-            <p:ph type="sldImg"/>
-          </p:nvPr>
-        </p:nvSpPr>
-        <p:spPr/>
-      </p:sp>
-      <p:sp>
-        <p:nvSpPr>
-          <p:cNvPr id="3" name="Notes Placeholder 2"/>
-          <p:cNvSpPr>
-            <a:spLocks noGrp="1"/>
-          </p:cNvSpPr>
-          <p:nvPr>
-            <p:ph type="body" idx="1"/>
-          </p:nvPr>
-        </p:nvSpPr>
-        <p:spPr/>
-        <p:txBody>
-          <a:bodyPr/>
-          <a:lstStyle/>
-          <a:p>
-            <a:pPr marL="0" marR="0" lvl="0" indent="0" algn="l" defTabSz="914400" rtl="0" eaLnBrk="1" fontAlgn="auto" latinLnBrk="0" hangingPunct="1">
-              <a:lnSpc>
-                <a:spcPct val="100000"/>
-              </a:lnSpc>
-              <a:spcBef>
-                <a:spcPts val="0"/>
-              </a:spcBef>
-              <a:spcAft>
-                <a:spcPts val="0"/>
-              </a:spcAft>
-              <a:buClrTx/>
-              <a:buSzTx/>
-              <a:buFontTx/>
-              <a:buNone/>
-              <a:tabLst/>
-              <a:defRPr/>
-            </a:pPr>
-            <a:r>
-              <a:rPr lang="en-US" i="1" dirty="0"/>
-              <a:t>2,410 US craft beers</a:t>
-            </a:r>
-          </a:p>
-          <a:p>
-            <a:pPr marL="0" marR="0" lvl="0" indent="0" algn="l" defTabSz="914400" rtl="0" eaLnBrk="1" fontAlgn="auto" latinLnBrk="0" hangingPunct="1">
-              <a:lnSpc>
-                <a:spcPct val="100000"/>
-              </a:lnSpc>
-              <a:spcBef>
-                <a:spcPts val="0"/>
-              </a:spcBef>
-              <a:spcAft>
-                <a:spcPts val="0"/>
-              </a:spcAft>
-              <a:buClrTx/>
-              <a:buSzTx/>
-              <a:buFontTx/>
-              <a:buNone/>
-              <a:tabLst/>
-              <a:defRPr/>
-            </a:pPr>
-            <a:r>
-              <a:rPr lang="en-US" i="1" dirty="0"/>
-              <a:t>558 US craft breweries</a:t>
-            </a:r>
-          </a:p>
-          <a:p>
-            <a:endParaRPr lang="en-US" dirty="0"/>
-          </a:p>
-        </p:txBody>
-      </p:sp>
-      <p:sp>
-        <p:nvSpPr>
-          <p:cNvPr id="4" name="Slide Number Placeholder 3"/>
-          <p:cNvSpPr>
-            <a:spLocks noGrp="1"/>
-          </p:cNvSpPr>
-          <p:nvPr>
-            <p:ph type="sldNum" sz="quarter" idx="5"/>
-          </p:nvPr>
-        </p:nvSpPr>
-        <p:spPr/>
-        <p:txBody>
-          <a:bodyPr/>
-          <a:lstStyle/>
-          <a:p>
-            <a:fld id="{1B0D91D7-F22D-4CDC-8F75-E7F369B9B3B7}" type="slidenum">
-              <a:rPr lang="en-US" smtClean="0"/>
-              <a:t>16</a:t>
-            </a:fld>
-            <a:endParaRPr lang="en-US"/>
-          </a:p>
-        </p:txBody>
-      </p:sp>
-    </p:spTree>
-    <p:extLst>
-      <p:ext uri="{BB962C8B-B14F-4D97-AF65-F5344CB8AC3E}">
-        <p14:creationId xmlns:p14="http://schemas.microsoft.com/office/powerpoint/2010/main" val="1036460107"/>
-      </p:ext>
-    </p:extLst>
-  </p:cSld>
-  <p:clrMapOvr>
-    <a:masterClrMapping/>
-  </p:clrMapOvr>
-</p:notes>
-</file>
-
-<file path=ppt/notesSlides/notesSlide7.xml><?xml version="1.0" encoding="utf-8"?>
-<p:notes xmlns:a="http://schemas.openxmlformats.org/drawingml/2006/main" xmlns:r="http://schemas.openxmlformats.org/officeDocument/2006/relationships" xmlns:p="http://schemas.openxmlformats.org/presentationml/2006/main">
-  <p:cSld>
-    <p:spTree>
-      <p:nvGrpSpPr>
-        <p:cNvPr id="1" name=""/>
-        <p:cNvGrpSpPr/>
-        <p:nvPr/>
-      </p:nvGrpSpPr>
-      <p:grpSpPr>
-        <a:xfrm>
-          <a:off x="0" y="0"/>
-          <a:ext cx="0" cy="0"/>
-          <a:chOff x="0" y="0"/>
-          <a:chExt cx="0" cy="0"/>
-        </a:xfrm>
-      </p:grpSpPr>
-      <p:sp>
-        <p:nvSpPr>
-          <p:cNvPr id="2" name="Slide Image Placeholder 1"/>
-          <p:cNvSpPr>
-            <a:spLocks noGrp="1" noRot="1" noChangeAspect="1"/>
-          </p:cNvSpPr>
-          <p:nvPr>
-            <p:ph type="sldImg"/>
-          </p:nvPr>
-        </p:nvSpPr>
-        <p:spPr/>
-      </p:sp>
-      <p:sp>
-        <p:nvSpPr>
-          <p:cNvPr id="3" name="Notes Placeholder 2"/>
-          <p:cNvSpPr>
-            <a:spLocks noGrp="1"/>
-          </p:cNvSpPr>
-          <p:nvPr>
-            <p:ph type="body" idx="1"/>
-          </p:nvPr>
-        </p:nvSpPr>
-        <p:spPr/>
-        <p:txBody>
-          <a:bodyPr/>
-          <a:lstStyle/>
-          <a:p>
-            <a:r>
-              <a:rPr lang="en-US" sz="1200" b="0" i="0" kern="1200" dirty="0">
-                <a:solidFill>
-                  <a:schemeClr val="tx1"/>
-                </a:solidFill>
-                <a:effectLst/>
-                <a:latin typeface="+mn-lt"/>
-                <a:ea typeface="+mn-ea"/>
-                <a:cs typeface="+mn-cs"/>
-              </a:rPr>
-              <a:t>maximum alcoholic (ABV) beer? Colorado</a:t>
-            </a:r>
-          </a:p>
-          <a:p>
-            <a:r>
-              <a:rPr lang="en-US" sz="1200" b="0" i="0" kern="1200" dirty="0">
-                <a:solidFill>
-                  <a:schemeClr val="tx1"/>
-                </a:solidFill>
-                <a:effectLst/>
-                <a:latin typeface="+mn-lt"/>
-                <a:ea typeface="+mn-ea"/>
-                <a:cs typeface="+mn-cs"/>
-              </a:rPr>
-              <a:t>most bitter (IBU) beer? Oregon</a:t>
-            </a:r>
-          </a:p>
-          <a:p>
-            <a:endParaRPr lang="en-US" dirty="0"/>
-          </a:p>
-        </p:txBody>
-      </p:sp>
-      <p:sp>
-        <p:nvSpPr>
-          <p:cNvPr id="4" name="Slide Number Placeholder 3"/>
-          <p:cNvSpPr>
-            <a:spLocks noGrp="1"/>
-          </p:cNvSpPr>
-          <p:nvPr>
-            <p:ph type="sldNum" sz="quarter" idx="5"/>
-          </p:nvPr>
-        </p:nvSpPr>
-        <p:spPr/>
-        <p:txBody>
-          <a:bodyPr/>
-          <a:lstStyle/>
-          <a:p>
-            <a:fld id="{1B0D91D7-F22D-4CDC-8F75-E7F369B9B3B7}" type="slidenum">
-              <a:rPr lang="en-US" smtClean="0"/>
-              <a:t>21</a:t>
-            </a:fld>
-            <a:endParaRPr lang="en-US"/>
-          </a:p>
-        </p:txBody>
-      </p:sp>
-    </p:spTree>
-    <p:extLst>
-      <p:ext uri="{BB962C8B-B14F-4D97-AF65-F5344CB8AC3E}">
-        <p14:creationId xmlns:p14="http://schemas.microsoft.com/office/powerpoint/2010/main" val="2715228628"/>
-      </p:ext>
-    </p:extLst>
-  </p:cSld>
-  <p:clrMapOvr>
-    <a:masterClrMapping/>
-  </p:clrMapOvr>
-</p:notes>
-</file>
-
-<file path=ppt/notesSlides/notesSlide8.xml><?xml version="1.0" encoding="utf-8"?>
-<p:notes xmlns:a="http://schemas.openxmlformats.org/drawingml/2006/main" xmlns:r="http://schemas.openxmlformats.org/officeDocument/2006/relationships" xmlns:p="http://schemas.openxmlformats.org/presentationml/2006/main">
-  <p:cSld>
-    <p:spTree>
-      <p:nvGrpSpPr>
-        <p:cNvPr id="1" name=""/>
-        <p:cNvGrpSpPr/>
-        <p:nvPr/>
-      </p:nvGrpSpPr>
-      <p:grpSpPr>
-        <a:xfrm>
-          <a:off x="0" y="0"/>
-          <a:ext cx="0" cy="0"/>
-          <a:chOff x="0" y="0"/>
-          <a:chExt cx="0" cy="0"/>
-        </a:xfrm>
-      </p:grpSpPr>
-      <p:sp>
-        <p:nvSpPr>
-          <p:cNvPr id="2" name="Slide Image Placeholder 1"/>
-          <p:cNvSpPr>
-            <a:spLocks noGrp="1" noRot="1" noChangeAspect="1"/>
-          </p:cNvSpPr>
-          <p:nvPr>
-            <p:ph type="sldImg"/>
-          </p:nvPr>
-        </p:nvSpPr>
-        <p:spPr/>
-      </p:sp>
-      <p:sp>
-        <p:nvSpPr>
-          <p:cNvPr id="3" name="Notes Placeholder 2"/>
-          <p:cNvSpPr>
-            <a:spLocks noGrp="1"/>
-          </p:cNvSpPr>
-          <p:nvPr>
-            <p:ph type="body" idx="1"/>
-          </p:nvPr>
-        </p:nvSpPr>
-        <p:spPr/>
-        <p:txBody>
-          <a:bodyPr/>
-          <a:lstStyle/>
-          <a:p>
-            <a:r>
-              <a:rPr lang="en-US" dirty="0"/>
-              <a:t>This could be beneficial with the missingness of the IBU values as Alcohol by Volume could serve as a substitute.</a:t>
-            </a:r>
-          </a:p>
-          <a:p>
-            <a:endParaRPr lang="en-US" dirty="0"/>
-          </a:p>
-          <a:p>
-            <a:endParaRPr lang="en-US" dirty="0"/>
-          </a:p>
-        </p:txBody>
-      </p:sp>
-      <p:sp>
-        <p:nvSpPr>
-          <p:cNvPr id="4" name="Slide Number Placeholder 3"/>
-          <p:cNvSpPr>
-            <a:spLocks noGrp="1"/>
-          </p:cNvSpPr>
-          <p:nvPr>
-            <p:ph type="sldNum" sz="quarter" idx="5"/>
-          </p:nvPr>
-        </p:nvSpPr>
-        <p:spPr/>
-        <p:txBody>
-          <a:bodyPr/>
-          <a:lstStyle/>
-          <a:p>
-            <a:fld id="{1B0D91D7-F22D-4CDC-8F75-E7F369B9B3B7}" type="slidenum">
-              <a:rPr lang="en-US" smtClean="0"/>
-              <a:t>22</a:t>
-            </a:fld>
-            <a:endParaRPr lang="en-US"/>
-          </a:p>
-        </p:txBody>
-      </p:sp>
-    </p:spTree>
-    <p:extLst>
-      <p:ext uri="{BB962C8B-B14F-4D97-AF65-F5344CB8AC3E}">
-        <p14:creationId xmlns:p14="http://schemas.microsoft.com/office/powerpoint/2010/main" val="1838331574"/>
-      </p:ext>
-    </p:extLst>
-  </p:cSld>
-  <p:clrMapOvr>
-    <a:masterClrMapping/>
-  </p:clrMapOvr>
-</p:notes>
-</file>
-
-<file path=ppt/notesSlides/notesSlide9.xml><?xml version="1.0" encoding="utf-8"?>
-<p:notes xmlns:a="http://schemas.openxmlformats.org/drawingml/2006/main" xmlns:r="http://schemas.openxmlformats.org/officeDocument/2006/relationships" xmlns:p="http://schemas.openxmlformats.org/presentationml/2006/main">
-  <p:cSld>
-    <p:spTree>
-      <p:nvGrpSpPr>
-        <p:cNvPr id="1" name=""/>
-        <p:cNvGrpSpPr/>
-        <p:nvPr/>
-      </p:nvGrpSpPr>
-      <p:grpSpPr>
-        <a:xfrm>
-          <a:off x="0" y="0"/>
-          <a:ext cx="0" cy="0"/>
-          <a:chOff x="0" y="0"/>
-          <a:chExt cx="0" cy="0"/>
-        </a:xfrm>
-      </p:grpSpPr>
-      <p:sp>
-        <p:nvSpPr>
-          <p:cNvPr id="2" name="Slide Image Placeholder 1"/>
-          <p:cNvSpPr>
-            <a:spLocks noGrp="1" noRot="1" noChangeAspect="1"/>
-          </p:cNvSpPr>
-          <p:nvPr>
-            <p:ph type="sldImg"/>
-          </p:nvPr>
-        </p:nvSpPr>
-        <p:spPr/>
-      </p:sp>
-      <p:sp>
-        <p:nvSpPr>
-          <p:cNvPr id="3" name="Notes Placeholder 2"/>
-          <p:cNvSpPr>
-            <a:spLocks noGrp="1"/>
-          </p:cNvSpPr>
-          <p:nvPr>
-            <p:ph type="body" idx="1"/>
-          </p:nvPr>
-        </p:nvSpPr>
-        <p:spPr/>
-        <p:txBody>
-          <a:bodyPr/>
-          <a:lstStyle/>
-          <a:p>
-            <a:r>
-              <a:rPr lang="en-US" sz="1200" b="0" i="0" kern="1200" dirty="0">
-                <a:solidFill>
-                  <a:schemeClr val="tx1"/>
-                </a:solidFill>
-                <a:effectLst/>
-                <a:latin typeface="+mn-lt"/>
-                <a:ea typeface="+mn-ea"/>
-                <a:cs typeface="+mn-cs"/>
-              </a:rPr>
-              <a:t>he distribution of the ABV data is slightly right skewed, with most values falling within ~0.014 units of the mean of ~0.06.</a:t>
-            </a:r>
-            <a:endParaRPr lang="en-US" dirty="0"/>
-          </a:p>
-        </p:txBody>
-      </p:sp>
-      <p:sp>
-        <p:nvSpPr>
-          <p:cNvPr id="4" name="Slide Number Placeholder 3"/>
-          <p:cNvSpPr>
-            <a:spLocks noGrp="1"/>
-          </p:cNvSpPr>
-          <p:nvPr>
-            <p:ph type="sldNum" sz="quarter" idx="5"/>
-          </p:nvPr>
-        </p:nvSpPr>
-        <p:spPr/>
-        <p:txBody>
-          <a:bodyPr/>
-          <a:lstStyle/>
-          <a:p>
-            <a:fld id="{1B0D91D7-F22D-4CDC-8F75-E7F369B9B3B7}" type="slidenum">
-              <a:rPr lang="en-US" smtClean="0"/>
-              <a:t>23</a:t>
-            </a:fld>
-            <a:endParaRPr lang="en-US"/>
-          </a:p>
-        </p:txBody>
-      </p:sp>
-    </p:spTree>
-    <p:extLst>
-      <p:ext uri="{BB962C8B-B14F-4D97-AF65-F5344CB8AC3E}">
-        <p14:creationId xmlns:p14="http://schemas.microsoft.com/office/powerpoint/2010/main" val="903642149"/>
       </p:ext>
     </p:extLst>
   </p:cSld>
@@ -5408,7 +4874,7 @@
           <p:cNvPr id="2" name="Title 1">
             <a:extLst>
               <a:ext uri="{FF2B5EF4-FFF2-40B4-BE49-F238E27FC236}">
-                <a16:creationId xmlns:a16="http://schemas.microsoft.com/office/drawing/2014/main" id="{5B931770-76C9-F749-9B7D-08A4A1F13896}"/>
+                <a16:creationId xmlns:a16="http://schemas.microsoft.com/office/drawing/2014/main" id="{CCCE867A-C4F6-495A-B5B9-8ECEC8380CB6}"/>
               </a:ext>
             </a:extLst>
           </p:cNvPr>
@@ -5419,29 +4885,27 @@
             <p:ph type="title"/>
           </p:nvPr>
         </p:nvSpPr>
-        <p:spPr>
-          <a:xfrm>
-            <a:off x="0" y="228600"/>
-            <a:ext cx="9144000" cy="1143000"/>
-          </a:xfrm>
-        </p:spPr>
+        <p:spPr/>
         <p:txBody>
           <a:bodyPr/>
           <a:lstStyle/>
           <a:p>
             <a:r>
-              <a:rPr lang="en-US" dirty="0"/>
-              <a:t>Maximum Values by State (IBU)</a:t>
-            </a:r>
+              <a:rPr lang="en-US" dirty="0">
+                <a:cs typeface="Arial"/>
+              </a:rPr>
+              <a:t>Sreeni Stuff goes here</a:t>
+            </a:r>
+            <a:endParaRPr lang="en-US" dirty="0"/>
           </a:p>
         </p:txBody>
       </p:sp>
       <p:sp>
         <p:nvSpPr>
-          <p:cNvPr id="5" name="Content Placeholder 4">
+          <p:cNvPr id="3" name="Content Placeholder 2">
             <a:extLst>
               <a:ext uri="{FF2B5EF4-FFF2-40B4-BE49-F238E27FC236}">
-                <a16:creationId xmlns:a16="http://schemas.microsoft.com/office/drawing/2014/main" id="{375CDB98-7F05-41AD-9F29-81E3D0CFBEFF}"/>
+                <a16:creationId xmlns:a16="http://schemas.microsoft.com/office/drawing/2014/main" id="{D3B6111A-2981-4F16-A1AE-17B3B448F9C5}"/>
               </a:ext>
             </a:extLst>
           </p:cNvPr>
@@ -5452,96 +4916,19 @@
             <p:ph idx="1"/>
           </p:nvPr>
         </p:nvSpPr>
-        <p:spPr>
-          <a:xfrm>
-            <a:off x="457199" y="1627905"/>
-            <a:ext cx="8229600" cy="4854011"/>
-          </a:xfrm>
-        </p:spPr>
+        <p:spPr/>
         <p:txBody>
           <a:bodyPr/>
           <a:lstStyle/>
           <a:p>
-            <a:r>
-              <a:rPr lang="en-US" dirty="0"/>
-              <a:t>Similar differences can be seen across the IBU statistics</a:t>
-            </a:r>
-          </a:p>
-          <a:p>
-            <a:pPr marL="0" indent="0">
-              <a:buNone/>
-            </a:pPr>
-            <a:endParaRPr lang="en-US" dirty="0"/>
-          </a:p>
-          <a:p>
-            <a:endParaRPr lang="en-US" dirty="0"/>
-          </a:p>
-          <a:p>
-            <a:endParaRPr lang="en-US" dirty="0"/>
-          </a:p>
-          <a:p>
-            <a:endParaRPr lang="en-US" dirty="0"/>
-          </a:p>
-          <a:p>
-            <a:endParaRPr lang="en-US" dirty="0"/>
-          </a:p>
-          <a:p>
-            <a:endParaRPr lang="en-US" dirty="0"/>
-          </a:p>
-          <a:p>
-            <a:pPr marL="0" indent="0">
-              <a:buNone/>
-            </a:pPr>
-            <a:endParaRPr lang="en-US" sz="1600" i="1" dirty="0"/>
-          </a:p>
-          <a:p>
-            <a:pPr marL="0" indent="0">
-              <a:buNone/>
-            </a:pPr>
-            <a:endParaRPr lang="en-US" dirty="0"/>
-          </a:p>
-          <a:p>
-            <a:pPr marL="0" indent="0">
-              <a:buNone/>
-            </a:pPr>
-            <a:endParaRPr lang="en-US" dirty="0"/>
+            <a:endParaRPr lang="en-US"/>
           </a:p>
         </p:txBody>
       </p:sp>
-      <p:pic>
-        <p:nvPicPr>
-          <p:cNvPr id="3" name="Picture 2">
-            <a:extLst>
-              <a:ext uri="{FF2B5EF4-FFF2-40B4-BE49-F238E27FC236}">
-                <a16:creationId xmlns:a16="http://schemas.microsoft.com/office/drawing/2014/main" id="{7E916713-11CD-435D-9CAE-60765E7A5662}"/>
-              </a:ext>
-            </a:extLst>
-          </p:cNvPr>
-          <p:cNvPicPr>
-            <a:picLocks noChangeAspect="1"/>
-          </p:cNvPicPr>
-          <p:nvPr/>
-        </p:nvPicPr>
-        <p:blipFill>
-          <a:blip r:embed="rId2"/>
-          <a:stretch>
-            <a:fillRect/>
-          </a:stretch>
-        </p:blipFill>
-        <p:spPr>
-          <a:xfrm>
-            <a:off x="2296137" y="3182435"/>
-            <a:ext cx="4551726" cy="2047660"/>
-          </a:xfrm>
-          <a:prstGeom prst="rect">
-            <a:avLst/>
-          </a:prstGeom>
-        </p:spPr>
-      </p:pic>
     </p:spTree>
     <p:extLst>
       <p:ext uri="{BB962C8B-B14F-4D97-AF65-F5344CB8AC3E}">
-        <p14:creationId xmlns:p14="http://schemas.microsoft.com/office/powerpoint/2010/main" val="724258878"/>
+        <p14:creationId xmlns:p14="http://schemas.microsoft.com/office/powerpoint/2010/main" val="2533674786"/>
       </p:ext>
     </p:extLst>
   </p:cSld>
@@ -5568,1491 +4955,10 @@
           <a:chExt cx="0" cy="0"/>
         </a:xfrm>
       </p:grpSpPr>
-      <p:sp>
-        <p:nvSpPr>
-          <p:cNvPr id="2" name="Title 1">
-            <a:extLst>
-              <a:ext uri="{FF2B5EF4-FFF2-40B4-BE49-F238E27FC236}">
-                <a16:creationId xmlns:a16="http://schemas.microsoft.com/office/drawing/2014/main" id="{5B931770-76C9-F749-9B7D-08A4A1F13896}"/>
-              </a:ext>
-            </a:extLst>
-          </p:cNvPr>
-          <p:cNvSpPr>
-            <a:spLocks noGrp="1"/>
-          </p:cNvSpPr>
-          <p:nvPr>
-            <p:ph type="title"/>
-          </p:nvPr>
-        </p:nvSpPr>
-        <p:spPr>
-          <a:xfrm>
-            <a:off x="0" y="228600"/>
-            <a:ext cx="9144000" cy="1143000"/>
-          </a:xfrm>
-        </p:spPr>
-        <p:txBody>
-          <a:bodyPr/>
-          <a:lstStyle/>
-          <a:p>
-            <a:r>
-              <a:rPr lang="en-US" dirty="0"/>
-              <a:t>Data Sets and Definitions</a:t>
-            </a:r>
-          </a:p>
-        </p:txBody>
-      </p:sp>
-      <p:sp>
-        <p:nvSpPr>
-          <p:cNvPr id="5" name="Content Placeholder 4">
-            <a:extLst>
-              <a:ext uri="{FF2B5EF4-FFF2-40B4-BE49-F238E27FC236}">
-                <a16:creationId xmlns:a16="http://schemas.microsoft.com/office/drawing/2014/main" id="{375CDB98-7F05-41AD-9F29-81E3D0CFBEFF}"/>
-              </a:ext>
-            </a:extLst>
-          </p:cNvPr>
-          <p:cNvSpPr>
-            <a:spLocks noGrp="1"/>
-          </p:cNvSpPr>
-          <p:nvPr>
-            <p:ph idx="1"/>
-          </p:nvPr>
-        </p:nvSpPr>
-        <p:spPr>
-          <a:xfrm>
-            <a:off x="1084006" y="2148682"/>
-            <a:ext cx="2455607" cy="672843"/>
-          </a:xfrm>
-        </p:spPr>
-        <p:txBody>
-          <a:bodyPr/>
-          <a:lstStyle/>
-          <a:p>
-            <a:pPr marL="0" indent="0" algn="ctr">
-              <a:buNone/>
-            </a:pPr>
-            <a:r>
-              <a:rPr lang="en-US" dirty="0"/>
-              <a:t>Beers</a:t>
-            </a:r>
-          </a:p>
-          <a:p>
-            <a:pPr marL="0" indent="0">
-              <a:buNone/>
-            </a:pPr>
-            <a:endParaRPr lang="en-US" dirty="0"/>
-          </a:p>
-          <a:p>
-            <a:endParaRPr lang="en-US" dirty="0"/>
-          </a:p>
-          <a:p>
-            <a:endParaRPr lang="en-US" dirty="0"/>
-          </a:p>
-          <a:p>
-            <a:endParaRPr lang="en-US" dirty="0"/>
-          </a:p>
-          <a:p>
-            <a:endParaRPr lang="en-US" dirty="0"/>
-          </a:p>
-          <a:p>
-            <a:pPr marL="0" indent="0">
-              <a:buNone/>
-            </a:pPr>
-            <a:endParaRPr lang="en-US" dirty="0"/>
-          </a:p>
-        </p:txBody>
-      </p:sp>
-      <p:pic>
-        <p:nvPicPr>
-          <p:cNvPr id="3" name="Picture 2">
-            <a:extLst>
-              <a:ext uri="{FF2B5EF4-FFF2-40B4-BE49-F238E27FC236}">
-                <a16:creationId xmlns:a16="http://schemas.microsoft.com/office/drawing/2014/main" id="{144A0483-CFE7-4D0B-9162-730F48F7B7F4}"/>
-              </a:ext>
-            </a:extLst>
-          </p:cNvPr>
-          <p:cNvPicPr>
-            <a:picLocks noChangeAspect="1"/>
-          </p:cNvPicPr>
-          <p:nvPr/>
-        </p:nvPicPr>
-        <p:blipFill>
-          <a:blip r:embed="rId3"/>
-          <a:stretch>
-            <a:fillRect/>
-          </a:stretch>
-        </p:blipFill>
-        <p:spPr>
-          <a:xfrm>
-            <a:off x="221225" y="2821525"/>
-            <a:ext cx="4181170" cy="2581468"/>
-          </a:xfrm>
-          <a:prstGeom prst="rect">
-            <a:avLst/>
-          </a:prstGeom>
-        </p:spPr>
-      </p:pic>
-      <p:pic>
-        <p:nvPicPr>
-          <p:cNvPr id="4" name="Picture 3">
-            <a:extLst>
-              <a:ext uri="{FF2B5EF4-FFF2-40B4-BE49-F238E27FC236}">
-                <a16:creationId xmlns:a16="http://schemas.microsoft.com/office/drawing/2014/main" id="{DC96259F-E6CE-4B04-9F81-522004CCF1CE}"/>
-              </a:ext>
-            </a:extLst>
-          </p:cNvPr>
-          <p:cNvPicPr>
-            <a:picLocks noChangeAspect="1"/>
-          </p:cNvPicPr>
-          <p:nvPr/>
-        </p:nvPicPr>
-        <p:blipFill>
-          <a:blip r:embed="rId4"/>
-          <a:stretch>
-            <a:fillRect/>
-          </a:stretch>
-        </p:blipFill>
-        <p:spPr>
-          <a:xfrm>
-            <a:off x="4741606" y="2821525"/>
-            <a:ext cx="4223107" cy="1715061"/>
-          </a:xfrm>
-          <a:prstGeom prst="rect">
-            <a:avLst/>
-          </a:prstGeom>
-        </p:spPr>
-      </p:pic>
-      <p:sp>
-        <p:nvSpPr>
-          <p:cNvPr id="8" name="Content Placeholder 4">
-            <a:extLst>
-              <a:ext uri="{FF2B5EF4-FFF2-40B4-BE49-F238E27FC236}">
-                <a16:creationId xmlns:a16="http://schemas.microsoft.com/office/drawing/2014/main" id="{BBBA70E4-5DB7-4EDB-9C20-ED3B83ABB498}"/>
-              </a:ext>
-            </a:extLst>
-          </p:cNvPr>
-          <p:cNvSpPr txBox="1">
-            <a:spLocks/>
-          </p:cNvSpPr>
-          <p:nvPr/>
-        </p:nvSpPr>
-        <p:spPr>
-          <a:xfrm>
-            <a:off x="5625355" y="2172263"/>
-            <a:ext cx="2455607" cy="672843"/>
-          </a:xfrm>
-          <a:prstGeom prst="rect">
-            <a:avLst/>
-          </a:prstGeom>
-        </p:spPr>
-        <p:txBody>
-          <a:bodyPr vert="horz" lIns="91440" tIns="45720" rIns="91440" bIns="45720" rtlCol="0">
-            <a:noAutofit/>
-          </a:bodyPr>
-          <a:lstStyle>
-            <a:lvl1pPr marL="342900" indent="-342900" algn="l" defTabSz="914400" rtl="0" eaLnBrk="1" latinLnBrk="0" hangingPunct="1">
-              <a:spcBef>
-                <a:spcPts val="600"/>
-              </a:spcBef>
-              <a:buFont typeface="Arial" charset="0"/>
-              <a:buChar char="•"/>
-              <a:defRPr sz="3200" kern="1200">
-                <a:solidFill>
-                  <a:schemeClr val="tx1"/>
-                </a:solidFill>
-                <a:latin typeface="+mn-lt"/>
-                <a:ea typeface="+mn-ea"/>
-                <a:cs typeface="+mn-cs"/>
-              </a:defRPr>
-            </a:lvl1pPr>
-            <a:lvl2pPr marL="742950" indent="-285750" algn="l" defTabSz="914400" rtl="0" eaLnBrk="1" latinLnBrk="0" hangingPunct="1">
-              <a:spcBef>
-                <a:spcPts val="600"/>
-              </a:spcBef>
-              <a:buFont typeface="Arial" charset="0"/>
-              <a:buChar char="•"/>
-              <a:defRPr sz="2800" b="0" i="0" u="none" kern="1200">
-                <a:solidFill>
-                  <a:schemeClr val="tx1"/>
-                </a:solidFill>
-                <a:latin typeface="+mn-lt"/>
-                <a:ea typeface="+mn-ea"/>
-                <a:cs typeface="+mn-cs"/>
-              </a:defRPr>
-            </a:lvl2pPr>
-            <a:lvl3pPr marL="1143000" indent="-228600" algn="l" defTabSz="914400" rtl="0" eaLnBrk="1" latinLnBrk="0" hangingPunct="1">
-              <a:spcBef>
-                <a:spcPts val="600"/>
-              </a:spcBef>
-              <a:buFont typeface="Arial" charset="0"/>
-              <a:buChar char="•"/>
-              <a:defRPr sz="2400" kern="1200">
-                <a:solidFill>
-                  <a:schemeClr val="tx1"/>
-                </a:solidFill>
-                <a:latin typeface="+mn-lt"/>
-                <a:ea typeface="+mn-ea"/>
-                <a:cs typeface="+mn-cs"/>
-              </a:defRPr>
-            </a:lvl3pPr>
-            <a:lvl4pPr marL="1600200" indent="-228600" algn="l" defTabSz="914400" rtl="0" eaLnBrk="1" latinLnBrk="0" hangingPunct="1">
-              <a:spcBef>
-                <a:spcPts val="600"/>
-              </a:spcBef>
-              <a:buFont typeface="Arial" charset="0"/>
-              <a:buChar char="•"/>
-              <a:defRPr sz="2000" kern="1200">
-                <a:solidFill>
-                  <a:schemeClr val="tx1"/>
-                </a:solidFill>
-                <a:latin typeface="+mn-lt"/>
-                <a:ea typeface="+mn-ea"/>
-                <a:cs typeface="+mn-cs"/>
-              </a:defRPr>
-            </a:lvl4pPr>
-            <a:lvl5pPr marL="2057400" indent="-228600" algn="l" defTabSz="914400" rtl="0" eaLnBrk="1" latinLnBrk="0" hangingPunct="1">
-              <a:spcBef>
-                <a:spcPts val="600"/>
-              </a:spcBef>
-              <a:buFont typeface="Arial" charset="0"/>
-              <a:buChar char="•"/>
-              <a:defRPr sz="2000" kern="1200">
-                <a:solidFill>
-                  <a:schemeClr val="tx1"/>
-                </a:solidFill>
-                <a:latin typeface="+mn-lt"/>
-                <a:ea typeface="+mn-ea"/>
-                <a:cs typeface="+mn-cs"/>
-              </a:defRPr>
-            </a:lvl5pPr>
-            <a:lvl6pPr marL="2514600" indent="-228600" algn="l" defTabSz="914400" rtl="0" eaLnBrk="1" latinLnBrk="0" hangingPunct="1">
-              <a:spcBef>
-                <a:spcPct val="20000"/>
-              </a:spcBef>
-              <a:buFont typeface="Arial" panose="020B0604020202020204" pitchFamily="34" charset="0"/>
-              <a:buChar char="•"/>
-              <a:defRPr sz="2000" kern="1200">
-                <a:solidFill>
-                  <a:schemeClr val="tx1"/>
-                </a:solidFill>
-                <a:latin typeface="+mn-lt"/>
-                <a:ea typeface="+mn-ea"/>
-                <a:cs typeface="+mn-cs"/>
-              </a:defRPr>
-            </a:lvl6pPr>
-            <a:lvl7pPr marL="2971800" indent="-228600" algn="l" defTabSz="914400" rtl="0" eaLnBrk="1" latinLnBrk="0" hangingPunct="1">
-              <a:spcBef>
-                <a:spcPct val="20000"/>
-              </a:spcBef>
-              <a:buFont typeface="Arial" panose="020B0604020202020204" pitchFamily="34" charset="0"/>
-              <a:buChar char="•"/>
-              <a:defRPr sz="2000" kern="1200">
-                <a:solidFill>
-                  <a:schemeClr val="tx1"/>
-                </a:solidFill>
-                <a:latin typeface="+mn-lt"/>
-                <a:ea typeface="+mn-ea"/>
-                <a:cs typeface="+mn-cs"/>
-              </a:defRPr>
-            </a:lvl7pPr>
-            <a:lvl8pPr marL="3429000" indent="-228600" algn="l" defTabSz="914400" rtl="0" eaLnBrk="1" latinLnBrk="0" hangingPunct="1">
-              <a:spcBef>
-                <a:spcPct val="20000"/>
-              </a:spcBef>
-              <a:buFont typeface="Arial" panose="020B0604020202020204" pitchFamily="34" charset="0"/>
-              <a:buChar char="•"/>
-              <a:defRPr sz="2000" kern="1200">
-                <a:solidFill>
-                  <a:schemeClr val="tx1"/>
-                </a:solidFill>
-                <a:latin typeface="+mn-lt"/>
-                <a:ea typeface="+mn-ea"/>
-                <a:cs typeface="+mn-cs"/>
-              </a:defRPr>
-            </a:lvl8pPr>
-            <a:lvl9pPr marL="3886200" indent="-228600" algn="l" defTabSz="914400" rtl="0" eaLnBrk="1" latinLnBrk="0" hangingPunct="1">
-              <a:spcBef>
-                <a:spcPct val="20000"/>
-              </a:spcBef>
-              <a:buFont typeface="Arial" panose="020B0604020202020204" pitchFamily="34" charset="0"/>
-              <a:buChar char="•"/>
-              <a:defRPr sz="2000" kern="1200">
-                <a:solidFill>
-                  <a:schemeClr val="tx1"/>
-                </a:solidFill>
-                <a:latin typeface="+mn-lt"/>
-                <a:ea typeface="+mn-ea"/>
-                <a:cs typeface="+mn-cs"/>
-              </a:defRPr>
-            </a:lvl9pPr>
-          </a:lstStyle>
-          <a:p>
-            <a:pPr marL="0" indent="0" algn="ctr">
-              <a:buFont typeface="Arial" charset="0"/>
-              <a:buNone/>
-            </a:pPr>
-            <a:r>
-              <a:rPr lang="en-US" dirty="0"/>
-              <a:t>Breweries</a:t>
-            </a:r>
-          </a:p>
-          <a:p>
-            <a:pPr marL="0" indent="0">
-              <a:buFont typeface="Arial" charset="0"/>
-              <a:buNone/>
-            </a:pPr>
-            <a:endParaRPr lang="en-US" dirty="0"/>
-          </a:p>
-          <a:p>
-            <a:endParaRPr lang="en-US" dirty="0"/>
-          </a:p>
-          <a:p>
-            <a:endParaRPr lang="en-US" dirty="0"/>
-          </a:p>
-          <a:p>
-            <a:endParaRPr lang="en-US" dirty="0"/>
-          </a:p>
-          <a:p>
-            <a:endParaRPr lang="en-US" dirty="0"/>
-          </a:p>
-          <a:p>
-            <a:pPr marL="0" indent="0">
-              <a:buFont typeface="Arial" charset="0"/>
-              <a:buNone/>
-            </a:pPr>
-            <a:endParaRPr lang="en-US" dirty="0"/>
-          </a:p>
-        </p:txBody>
-      </p:sp>
-      <p:sp>
-        <p:nvSpPr>
-          <p:cNvPr id="7" name="Content Placeholder 4">
-            <a:extLst>
-              <a:ext uri="{FF2B5EF4-FFF2-40B4-BE49-F238E27FC236}">
-                <a16:creationId xmlns:a16="http://schemas.microsoft.com/office/drawing/2014/main" id="{2FC15A3F-ACC5-4C6F-82AA-3766F8873C78}"/>
-              </a:ext>
-            </a:extLst>
-          </p:cNvPr>
-          <p:cNvSpPr txBox="1">
-            <a:spLocks/>
-          </p:cNvSpPr>
-          <p:nvPr/>
-        </p:nvSpPr>
-        <p:spPr>
-          <a:xfrm>
-            <a:off x="2395960" y="5402993"/>
-            <a:ext cx="2006436" cy="349625"/>
-          </a:xfrm>
-          <a:prstGeom prst="rect">
-            <a:avLst/>
-          </a:prstGeom>
-        </p:spPr>
-        <p:txBody>
-          <a:bodyPr vert="horz" lIns="91440" tIns="45720" rIns="91440" bIns="45720" rtlCol="0">
-            <a:noAutofit/>
-          </a:bodyPr>
-          <a:lstStyle>
-            <a:lvl1pPr marL="342900" indent="-342900" algn="l" defTabSz="914400" rtl="0" eaLnBrk="1" latinLnBrk="0" hangingPunct="1">
-              <a:spcBef>
-                <a:spcPts val="600"/>
-              </a:spcBef>
-              <a:buFont typeface="Arial" charset="0"/>
-              <a:buChar char="•"/>
-              <a:defRPr sz="3200" kern="1200">
-                <a:solidFill>
-                  <a:schemeClr val="tx1"/>
-                </a:solidFill>
-                <a:latin typeface="+mn-lt"/>
-                <a:ea typeface="+mn-ea"/>
-                <a:cs typeface="+mn-cs"/>
-              </a:defRPr>
-            </a:lvl1pPr>
-            <a:lvl2pPr marL="742950" indent="-285750" algn="l" defTabSz="914400" rtl="0" eaLnBrk="1" latinLnBrk="0" hangingPunct="1">
-              <a:spcBef>
-                <a:spcPts val="600"/>
-              </a:spcBef>
-              <a:buFont typeface="Arial" charset="0"/>
-              <a:buChar char="•"/>
-              <a:defRPr sz="2800" b="0" i="0" u="none" kern="1200">
-                <a:solidFill>
-                  <a:schemeClr val="tx1"/>
-                </a:solidFill>
-                <a:latin typeface="+mn-lt"/>
-                <a:ea typeface="+mn-ea"/>
-                <a:cs typeface="+mn-cs"/>
-              </a:defRPr>
-            </a:lvl2pPr>
-            <a:lvl3pPr marL="1143000" indent="-228600" algn="l" defTabSz="914400" rtl="0" eaLnBrk="1" latinLnBrk="0" hangingPunct="1">
-              <a:spcBef>
-                <a:spcPts val="600"/>
-              </a:spcBef>
-              <a:buFont typeface="Arial" charset="0"/>
-              <a:buChar char="•"/>
-              <a:defRPr sz="2400" kern="1200">
-                <a:solidFill>
-                  <a:schemeClr val="tx1"/>
-                </a:solidFill>
-                <a:latin typeface="+mn-lt"/>
-                <a:ea typeface="+mn-ea"/>
-                <a:cs typeface="+mn-cs"/>
-              </a:defRPr>
-            </a:lvl3pPr>
-            <a:lvl4pPr marL="1600200" indent="-228600" algn="l" defTabSz="914400" rtl="0" eaLnBrk="1" latinLnBrk="0" hangingPunct="1">
-              <a:spcBef>
-                <a:spcPts val="600"/>
-              </a:spcBef>
-              <a:buFont typeface="Arial" charset="0"/>
-              <a:buChar char="•"/>
-              <a:defRPr sz="2000" kern="1200">
-                <a:solidFill>
-                  <a:schemeClr val="tx1"/>
-                </a:solidFill>
-                <a:latin typeface="+mn-lt"/>
-                <a:ea typeface="+mn-ea"/>
-                <a:cs typeface="+mn-cs"/>
-              </a:defRPr>
-            </a:lvl4pPr>
-            <a:lvl5pPr marL="2057400" indent="-228600" algn="l" defTabSz="914400" rtl="0" eaLnBrk="1" latinLnBrk="0" hangingPunct="1">
-              <a:spcBef>
-                <a:spcPts val="600"/>
-              </a:spcBef>
-              <a:buFont typeface="Arial" charset="0"/>
-              <a:buChar char="•"/>
-              <a:defRPr sz="2000" kern="1200">
-                <a:solidFill>
-                  <a:schemeClr val="tx1"/>
-                </a:solidFill>
-                <a:latin typeface="+mn-lt"/>
-                <a:ea typeface="+mn-ea"/>
-                <a:cs typeface="+mn-cs"/>
-              </a:defRPr>
-            </a:lvl5pPr>
-            <a:lvl6pPr marL="2514600" indent="-228600" algn="l" defTabSz="914400" rtl="0" eaLnBrk="1" latinLnBrk="0" hangingPunct="1">
-              <a:spcBef>
-                <a:spcPct val="20000"/>
-              </a:spcBef>
-              <a:buFont typeface="Arial" panose="020B0604020202020204" pitchFamily="34" charset="0"/>
-              <a:buChar char="•"/>
-              <a:defRPr sz="2000" kern="1200">
-                <a:solidFill>
-                  <a:schemeClr val="tx1"/>
-                </a:solidFill>
-                <a:latin typeface="+mn-lt"/>
-                <a:ea typeface="+mn-ea"/>
-                <a:cs typeface="+mn-cs"/>
-              </a:defRPr>
-            </a:lvl6pPr>
-            <a:lvl7pPr marL="2971800" indent="-228600" algn="l" defTabSz="914400" rtl="0" eaLnBrk="1" latinLnBrk="0" hangingPunct="1">
-              <a:spcBef>
-                <a:spcPct val="20000"/>
-              </a:spcBef>
-              <a:buFont typeface="Arial" panose="020B0604020202020204" pitchFamily="34" charset="0"/>
-              <a:buChar char="•"/>
-              <a:defRPr sz="2000" kern="1200">
-                <a:solidFill>
-                  <a:schemeClr val="tx1"/>
-                </a:solidFill>
-                <a:latin typeface="+mn-lt"/>
-                <a:ea typeface="+mn-ea"/>
-                <a:cs typeface="+mn-cs"/>
-              </a:defRPr>
-            </a:lvl7pPr>
-            <a:lvl8pPr marL="3429000" indent="-228600" algn="l" defTabSz="914400" rtl="0" eaLnBrk="1" latinLnBrk="0" hangingPunct="1">
-              <a:spcBef>
-                <a:spcPct val="20000"/>
-              </a:spcBef>
-              <a:buFont typeface="Arial" panose="020B0604020202020204" pitchFamily="34" charset="0"/>
-              <a:buChar char="•"/>
-              <a:defRPr sz="2000" kern="1200">
-                <a:solidFill>
-                  <a:schemeClr val="tx1"/>
-                </a:solidFill>
-                <a:latin typeface="+mn-lt"/>
-                <a:ea typeface="+mn-ea"/>
-                <a:cs typeface="+mn-cs"/>
-              </a:defRPr>
-            </a:lvl8pPr>
-            <a:lvl9pPr marL="3886200" indent="-228600" algn="l" defTabSz="914400" rtl="0" eaLnBrk="1" latinLnBrk="0" hangingPunct="1">
-              <a:spcBef>
-                <a:spcPct val="20000"/>
-              </a:spcBef>
-              <a:buFont typeface="Arial" panose="020B0604020202020204" pitchFamily="34" charset="0"/>
-              <a:buChar char="•"/>
-              <a:defRPr sz="2000" kern="1200">
-                <a:solidFill>
-                  <a:schemeClr val="tx1"/>
-                </a:solidFill>
-                <a:latin typeface="+mn-lt"/>
-                <a:ea typeface="+mn-ea"/>
-                <a:cs typeface="+mn-cs"/>
-              </a:defRPr>
-            </a:lvl9pPr>
-          </a:lstStyle>
-          <a:p>
-            <a:pPr marL="0" indent="0" algn="ctr">
-              <a:buFont typeface="Arial" charset="0"/>
-              <a:buNone/>
-            </a:pPr>
-            <a:r>
-              <a:rPr lang="en-US" sz="1200" b="1" i="1" dirty="0"/>
-              <a:t>2,410 US Craft Beers</a:t>
-            </a:r>
-          </a:p>
-          <a:p>
-            <a:pPr marL="0" indent="0">
-              <a:buFont typeface="Arial" charset="0"/>
-              <a:buNone/>
-            </a:pPr>
-            <a:endParaRPr lang="en-US" sz="1200" dirty="0"/>
-          </a:p>
-          <a:p>
-            <a:endParaRPr lang="en-US" dirty="0"/>
-          </a:p>
-          <a:p>
-            <a:endParaRPr lang="en-US" dirty="0"/>
-          </a:p>
-          <a:p>
-            <a:endParaRPr lang="en-US" dirty="0"/>
-          </a:p>
-          <a:p>
-            <a:endParaRPr lang="en-US" dirty="0"/>
-          </a:p>
-          <a:p>
-            <a:pPr marL="0" indent="0">
-              <a:buFont typeface="Arial" charset="0"/>
-              <a:buNone/>
-            </a:pPr>
-            <a:endParaRPr lang="en-US" i="1" dirty="0"/>
-          </a:p>
-        </p:txBody>
-      </p:sp>
-      <p:sp>
-        <p:nvSpPr>
-          <p:cNvPr id="9" name="Content Placeholder 4">
-            <a:extLst>
-              <a:ext uri="{FF2B5EF4-FFF2-40B4-BE49-F238E27FC236}">
-                <a16:creationId xmlns:a16="http://schemas.microsoft.com/office/drawing/2014/main" id="{02F22577-FF19-4B6D-89D9-CFD9B2D65986}"/>
-              </a:ext>
-            </a:extLst>
-          </p:cNvPr>
-          <p:cNvSpPr txBox="1">
-            <a:spLocks/>
-          </p:cNvSpPr>
-          <p:nvPr/>
-        </p:nvSpPr>
-        <p:spPr>
-          <a:xfrm>
-            <a:off x="7581417" y="4582430"/>
-            <a:ext cx="1383295" cy="349625"/>
-          </a:xfrm>
-          <a:prstGeom prst="rect">
-            <a:avLst/>
-          </a:prstGeom>
-        </p:spPr>
-        <p:txBody>
-          <a:bodyPr vert="horz" lIns="91440" tIns="45720" rIns="91440" bIns="45720" rtlCol="0">
-            <a:noAutofit/>
-          </a:bodyPr>
-          <a:lstStyle>
-            <a:lvl1pPr marL="342900" indent="-342900" algn="l" defTabSz="914400" rtl="0" eaLnBrk="1" latinLnBrk="0" hangingPunct="1">
-              <a:spcBef>
-                <a:spcPts val="600"/>
-              </a:spcBef>
-              <a:buFont typeface="Arial" charset="0"/>
-              <a:buChar char="•"/>
-              <a:defRPr sz="3200" kern="1200">
-                <a:solidFill>
-                  <a:schemeClr val="tx1"/>
-                </a:solidFill>
-                <a:latin typeface="+mn-lt"/>
-                <a:ea typeface="+mn-ea"/>
-                <a:cs typeface="+mn-cs"/>
-              </a:defRPr>
-            </a:lvl1pPr>
-            <a:lvl2pPr marL="742950" indent="-285750" algn="l" defTabSz="914400" rtl="0" eaLnBrk="1" latinLnBrk="0" hangingPunct="1">
-              <a:spcBef>
-                <a:spcPts val="600"/>
-              </a:spcBef>
-              <a:buFont typeface="Arial" charset="0"/>
-              <a:buChar char="•"/>
-              <a:defRPr sz="2800" b="0" i="0" u="none" kern="1200">
-                <a:solidFill>
-                  <a:schemeClr val="tx1"/>
-                </a:solidFill>
-                <a:latin typeface="+mn-lt"/>
-                <a:ea typeface="+mn-ea"/>
-                <a:cs typeface="+mn-cs"/>
-              </a:defRPr>
-            </a:lvl2pPr>
-            <a:lvl3pPr marL="1143000" indent="-228600" algn="l" defTabSz="914400" rtl="0" eaLnBrk="1" latinLnBrk="0" hangingPunct="1">
-              <a:spcBef>
-                <a:spcPts val="600"/>
-              </a:spcBef>
-              <a:buFont typeface="Arial" charset="0"/>
-              <a:buChar char="•"/>
-              <a:defRPr sz="2400" kern="1200">
-                <a:solidFill>
-                  <a:schemeClr val="tx1"/>
-                </a:solidFill>
-                <a:latin typeface="+mn-lt"/>
-                <a:ea typeface="+mn-ea"/>
-                <a:cs typeface="+mn-cs"/>
-              </a:defRPr>
-            </a:lvl3pPr>
-            <a:lvl4pPr marL="1600200" indent="-228600" algn="l" defTabSz="914400" rtl="0" eaLnBrk="1" latinLnBrk="0" hangingPunct="1">
-              <a:spcBef>
-                <a:spcPts val="600"/>
-              </a:spcBef>
-              <a:buFont typeface="Arial" charset="0"/>
-              <a:buChar char="•"/>
-              <a:defRPr sz="2000" kern="1200">
-                <a:solidFill>
-                  <a:schemeClr val="tx1"/>
-                </a:solidFill>
-                <a:latin typeface="+mn-lt"/>
-                <a:ea typeface="+mn-ea"/>
-                <a:cs typeface="+mn-cs"/>
-              </a:defRPr>
-            </a:lvl4pPr>
-            <a:lvl5pPr marL="2057400" indent="-228600" algn="l" defTabSz="914400" rtl="0" eaLnBrk="1" latinLnBrk="0" hangingPunct="1">
-              <a:spcBef>
-                <a:spcPts val="600"/>
-              </a:spcBef>
-              <a:buFont typeface="Arial" charset="0"/>
-              <a:buChar char="•"/>
-              <a:defRPr sz="2000" kern="1200">
-                <a:solidFill>
-                  <a:schemeClr val="tx1"/>
-                </a:solidFill>
-                <a:latin typeface="+mn-lt"/>
-                <a:ea typeface="+mn-ea"/>
-                <a:cs typeface="+mn-cs"/>
-              </a:defRPr>
-            </a:lvl5pPr>
-            <a:lvl6pPr marL="2514600" indent="-228600" algn="l" defTabSz="914400" rtl="0" eaLnBrk="1" latinLnBrk="0" hangingPunct="1">
-              <a:spcBef>
-                <a:spcPct val="20000"/>
-              </a:spcBef>
-              <a:buFont typeface="Arial" panose="020B0604020202020204" pitchFamily="34" charset="0"/>
-              <a:buChar char="•"/>
-              <a:defRPr sz="2000" kern="1200">
-                <a:solidFill>
-                  <a:schemeClr val="tx1"/>
-                </a:solidFill>
-                <a:latin typeface="+mn-lt"/>
-                <a:ea typeface="+mn-ea"/>
-                <a:cs typeface="+mn-cs"/>
-              </a:defRPr>
-            </a:lvl6pPr>
-            <a:lvl7pPr marL="2971800" indent="-228600" algn="l" defTabSz="914400" rtl="0" eaLnBrk="1" latinLnBrk="0" hangingPunct="1">
-              <a:spcBef>
-                <a:spcPct val="20000"/>
-              </a:spcBef>
-              <a:buFont typeface="Arial" panose="020B0604020202020204" pitchFamily="34" charset="0"/>
-              <a:buChar char="•"/>
-              <a:defRPr sz="2000" kern="1200">
-                <a:solidFill>
-                  <a:schemeClr val="tx1"/>
-                </a:solidFill>
-                <a:latin typeface="+mn-lt"/>
-                <a:ea typeface="+mn-ea"/>
-                <a:cs typeface="+mn-cs"/>
-              </a:defRPr>
-            </a:lvl7pPr>
-            <a:lvl8pPr marL="3429000" indent="-228600" algn="l" defTabSz="914400" rtl="0" eaLnBrk="1" latinLnBrk="0" hangingPunct="1">
-              <a:spcBef>
-                <a:spcPct val="20000"/>
-              </a:spcBef>
-              <a:buFont typeface="Arial" panose="020B0604020202020204" pitchFamily="34" charset="0"/>
-              <a:buChar char="•"/>
-              <a:defRPr sz="2000" kern="1200">
-                <a:solidFill>
-                  <a:schemeClr val="tx1"/>
-                </a:solidFill>
-                <a:latin typeface="+mn-lt"/>
-                <a:ea typeface="+mn-ea"/>
-                <a:cs typeface="+mn-cs"/>
-              </a:defRPr>
-            </a:lvl8pPr>
-            <a:lvl9pPr marL="3886200" indent="-228600" algn="l" defTabSz="914400" rtl="0" eaLnBrk="1" latinLnBrk="0" hangingPunct="1">
-              <a:spcBef>
-                <a:spcPct val="20000"/>
-              </a:spcBef>
-              <a:buFont typeface="Arial" panose="020B0604020202020204" pitchFamily="34" charset="0"/>
-              <a:buChar char="•"/>
-              <a:defRPr sz="2000" kern="1200">
-                <a:solidFill>
-                  <a:schemeClr val="tx1"/>
-                </a:solidFill>
-                <a:latin typeface="+mn-lt"/>
-                <a:ea typeface="+mn-ea"/>
-                <a:cs typeface="+mn-cs"/>
-              </a:defRPr>
-            </a:lvl9pPr>
-          </a:lstStyle>
-          <a:p>
-            <a:pPr marL="0" indent="0" algn="ctr">
-              <a:buFont typeface="Arial" charset="0"/>
-              <a:buNone/>
-            </a:pPr>
-            <a:r>
-              <a:rPr lang="en-US" sz="1200" b="1" i="1" dirty="0"/>
-              <a:t>558 Breweries</a:t>
-            </a:r>
-          </a:p>
-          <a:p>
-            <a:pPr marL="0" indent="0">
-              <a:buFont typeface="Arial" charset="0"/>
-              <a:buNone/>
-            </a:pPr>
-            <a:endParaRPr lang="en-US" dirty="0"/>
-          </a:p>
-          <a:p>
-            <a:endParaRPr lang="en-US" dirty="0"/>
-          </a:p>
-          <a:p>
-            <a:endParaRPr lang="en-US" dirty="0"/>
-          </a:p>
-          <a:p>
-            <a:endParaRPr lang="en-US" dirty="0"/>
-          </a:p>
-          <a:p>
-            <a:endParaRPr lang="en-US" dirty="0"/>
-          </a:p>
-          <a:p>
-            <a:pPr marL="0" indent="0">
-              <a:buFont typeface="Arial" charset="0"/>
-              <a:buNone/>
-            </a:pPr>
-            <a:endParaRPr lang="en-US" i="1" dirty="0"/>
-          </a:p>
-        </p:txBody>
-      </p:sp>
     </p:spTree>
     <p:extLst>
       <p:ext uri="{BB962C8B-B14F-4D97-AF65-F5344CB8AC3E}">
-        <p14:creationId xmlns:p14="http://schemas.microsoft.com/office/powerpoint/2010/main" val="170715436"/>
-      </p:ext>
-    </p:extLst>
-  </p:cSld>
-  <p:clrMapOvr>
-    <a:masterClrMapping/>
-  </p:clrMapOvr>
-</p:sld>
-</file>
-
-<file path=ppt/slides/slide17.xml><?xml version="1.0" encoding="utf-8"?>
-<p:sld xmlns:a="http://schemas.openxmlformats.org/drawingml/2006/main" xmlns:r="http://schemas.openxmlformats.org/officeDocument/2006/relationships" xmlns:p="http://schemas.openxmlformats.org/presentationml/2006/main">
-  <p:cSld>
-    <p:spTree>
-      <p:nvGrpSpPr>
-        <p:cNvPr id="1" name=""/>
-        <p:cNvGrpSpPr/>
-        <p:nvPr/>
-      </p:nvGrpSpPr>
-      <p:grpSpPr>
-        <a:xfrm>
-          <a:off x="0" y="0"/>
-          <a:ext cx="0" cy="0"/>
-          <a:chOff x="0" y="0"/>
-          <a:chExt cx="0" cy="0"/>
-        </a:xfrm>
-      </p:grpSpPr>
-      <p:sp>
-        <p:nvSpPr>
-          <p:cNvPr id="2" name="Title 1">
-            <a:extLst>
-              <a:ext uri="{FF2B5EF4-FFF2-40B4-BE49-F238E27FC236}">
-                <a16:creationId xmlns:a16="http://schemas.microsoft.com/office/drawing/2014/main" id="{5B931770-76C9-F749-9B7D-08A4A1F13896}"/>
-              </a:ext>
-            </a:extLst>
-          </p:cNvPr>
-          <p:cNvSpPr>
-            <a:spLocks noGrp="1"/>
-          </p:cNvSpPr>
-          <p:nvPr>
-            <p:ph type="title"/>
-          </p:nvPr>
-        </p:nvSpPr>
-        <p:spPr>
-          <a:xfrm>
-            <a:off x="0" y="228600"/>
-            <a:ext cx="9144000" cy="1143000"/>
-          </a:xfrm>
-        </p:spPr>
-        <p:txBody>
-          <a:bodyPr/>
-          <a:lstStyle/>
-          <a:p>
-            <a:r>
-              <a:rPr lang="en-US" dirty="0"/>
-              <a:t>Brewery Count by State</a:t>
-            </a:r>
-          </a:p>
-        </p:txBody>
-      </p:sp>
-      <p:sp>
-        <p:nvSpPr>
-          <p:cNvPr id="5" name="Content Placeholder 4">
-            <a:extLst>
-              <a:ext uri="{FF2B5EF4-FFF2-40B4-BE49-F238E27FC236}">
-                <a16:creationId xmlns:a16="http://schemas.microsoft.com/office/drawing/2014/main" id="{375CDB98-7F05-41AD-9F29-81E3D0CFBEFF}"/>
-              </a:ext>
-            </a:extLst>
-          </p:cNvPr>
-          <p:cNvSpPr>
-            <a:spLocks noGrp="1"/>
-          </p:cNvSpPr>
-          <p:nvPr>
-            <p:ph idx="1"/>
-          </p:nvPr>
-        </p:nvSpPr>
-        <p:spPr>
-          <a:xfrm>
-            <a:off x="457199" y="1627905"/>
-            <a:ext cx="8229600" cy="4854011"/>
-          </a:xfrm>
-        </p:spPr>
-        <p:txBody>
-          <a:bodyPr/>
-          <a:lstStyle/>
-          <a:p>
-            <a:r>
-              <a:rPr lang="en-US" dirty="0"/>
-              <a:t>How many breweries are present in each state?</a:t>
-            </a:r>
-          </a:p>
-          <a:p>
-            <a:endParaRPr lang="en-US" dirty="0"/>
-          </a:p>
-          <a:p>
-            <a:endParaRPr lang="en-US" dirty="0"/>
-          </a:p>
-          <a:p>
-            <a:endParaRPr lang="en-US" dirty="0"/>
-          </a:p>
-          <a:p>
-            <a:endParaRPr lang="en-US" dirty="0"/>
-          </a:p>
-          <a:p>
-            <a:endParaRPr lang="en-US" dirty="0"/>
-          </a:p>
-          <a:p>
-            <a:pPr marL="0" indent="0">
-              <a:buNone/>
-            </a:pPr>
-            <a:endParaRPr lang="en-US" sz="1600" i="1" dirty="0"/>
-          </a:p>
-          <a:p>
-            <a:pPr marL="0" indent="0">
-              <a:buNone/>
-            </a:pPr>
-            <a:r>
-              <a:rPr lang="en-US" sz="1600" i="1" dirty="0"/>
-              <a:t>Note that all 50 states have at least one brewery listed, including the District of Columbia (DC), for a total of 51.</a:t>
-            </a:r>
-          </a:p>
-          <a:p>
-            <a:endParaRPr lang="en-US" dirty="0"/>
-          </a:p>
-          <a:p>
-            <a:pPr marL="0" indent="0">
-              <a:buNone/>
-            </a:pPr>
-            <a:endParaRPr lang="en-US" dirty="0"/>
-          </a:p>
-        </p:txBody>
-      </p:sp>
-      <p:pic>
-        <p:nvPicPr>
-          <p:cNvPr id="3" name="Picture 2">
-            <a:extLst>
-              <a:ext uri="{FF2B5EF4-FFF2-40B4-BE49-F238E27FC236}">
-                <a16:creationId xmlns:a16="http://schemas.microsoft.com/office/drawing/2014/main" id="{17A5D552-F225-44DA-9777-952224944CDF}"/>
-              </a:ext>
-            </a:extLst>
-          </p:cNvPr>
-          <p:cNvPicPr>
-            <a:picLocks noChangeAspect="1"/>
-          </p:cNvPicPr>
-          <p:nvPr/>
-        </p:nvPicPr>
-        <p:blipFill>
-          <a:blip r:embed="rId2"/>
-          <a:stretch>
-            <a:fillRect/>
-          </a:stretch>
-        </p:blipFill>
-        <p:spPr>
-          <a:xfrm>
-            <a:off x="325701" y="2824126"/>
-            <a:ext cx="4418776" cy="2712516"/>
-          </a:xfrm>
-          <a:prstGeom prst="rect">
-            <a:avLst/>
-          </a:prstGeom>
-        </p:spPr>
-      </p:pic>
-      <p:pic>
-        <p:nvPicPr>
-          <p:cNvPr id="4" name="Picture 3">
-            <a:extLst>
-              <a:ext uri="{FF2B5EF4-FFF2-40B4-BE49-F238E27FC236}">
-                <a16:creationId xmlns:a16="http://schemas.microsoft.com/office/drawing/2014/main" id="{05E12C6C-F6AF-4A12-9246-2A612A40C3DA}"/>
-              </a:ext>
-            </a:extLst>
-          </p:cNvPr>
-          <p:cNvPicPr>
-            <a:picLocks noChangeAspect="1"/>
-          </p:cNvPicPr>
-          <p:nvPr/>
-        </p:nvPicPr>
-        <p:blipFill>
-          <a:blip r:embed="rId3"/>
-          <a:stretch>
-            <a:fillRect/>
-          </a:stretch>
-        </p:blipFill>
-        <p:spPr>
-          <a:xfrm>
-            <a:off x="4744476" y="2824127"/>
-            <a:ext cx="4254235" cy="2759956"/>
-          </a:xfrm>
-          <a:prstGeom prst="rect">
-            <a:avLst/>
-          </a:prstGeom>
-        </p:spPr>
-      </p:pic>
-    </p:spTree>
-    <p:extLst>
-      <p:ext uri="{BB962C8B-B14F-4D97-AF65-F5344CB8AC3E}">
-        <p14:creationId xmlns:p14="http://schemas.microsoft.com/office/powerpoint/2010/main" val="3016725513"/>
-      </p:ext>
-    </p:extLst>
-  </p:cSld>
-  <p:clrMapOvr>
-    <a:masterClrMapping/>
-  </p:clrMapOvr>
-</p:sld>
-</file>
-
-<file path=ppt/slides/slide18.xml><?xml version="1.0" encoding="utf-8"?>
-<p:sld xmlns:a="http://schemas.openxmlformats.org/drawingml/2006/main" xmlns:r="http://schemas.openxmlformats.org/officeDocument/2006/relationships" xmlns:p="http://schemas.openxmlformats.org/presentationml/2006/main">
-  <p:cSld>
-    <p:spTree>
-      <p:nvGrpSpPr>
-        <p:cNvPr id="1" name=""/>
-        <p:cNvGrpSpPr/>
-        <p:nvPr/>
-      </p:nvGrpSpPr>
-      <p:grpSpPr>
-        <a:xfrm>
-          <a:off x="0" y="0"/>
-          <a:ext cx="0" cy="0"/>
-          <a:chOff x="0" y="0"/>
-          <a:chExt cx="0" cy="0"/>
-        </a:xfrm>
-      </p:grpSpPr>
-      <p:sp>
-        <p:nvSpPr>
-          <p:cNvPr id="2" name="Title 1">
-            <a:extLst>
-              <a:ext uri="{FF2B5EF4-FFF2-40B4-BE49-F238E27FC236}">
-                <a16:creationId xmlns:a16="http://schemas.microsoft.com/office/drawing/2014/main" id="{5B931770-76C9-F749-9B7D-08A4A1F13896}"/>
-              </a:ext>
-            </a:extLst>
-          </p:cNvPr>
-          <p:cNvSpPr>
-            <a:spLocks noGrp="1"/>
-          </p:cNvSpPr>
-          <p:nvPr>
-            <p:ph type="title"/>
-          </p:nvPr>
-        </p:nvSpPr>
-        <p:spPr>
-          <a:xfrm>
-            <a:off x="0" y="228600"/>
-            <a:ext cx="9144000" cy="1143000"/>
-          </a:xfrm>
-        </p:spPr>
-        <p:txBody>
-          <a:bodyPr/>
-          <a:lstStyle/>
-          <a:p>
-            <a:r>
-              <a:rPr lang="en-US" dirty="0"/>
-              <a:t>Missing Values</a:t>
-            </a:r>
-          </a:p>
-        </p:txBody>
-      </p:sp>
-      <p:sp>
-        <p:nvSpPr>
-          <p:cNvPr id="8" name="Content Placeholder 4">
-            <a:extLst>
-              <a:ext uri="{FF2B5EF4-FFF2-40B4-BE49-F238E27FC236}">
-                <a16:creationId xmlns:a16="http://schemas.microsoft.com/office/drawing/2014/main" id="{4642B19D-3DF3-4F9F-B645-7D34C2B298DB}"/>
-              </a:ext>
-            </a:extLst>
-          </p:cNvPr>
-          <p:cNvSpPr txBox="1">
-            <a:spLocks/>
-          </p:cNvSpPr>
-          <p:nvPr/>
-        </p:nvSpPr>
-        <p:spPr>
-          <a:xfrm>
-            <a:off x="457200" y="1631695"/>
-            <a:ext cx="8229600" cy="1885795"/>
-          </a:xfrm>
-          <a:prstGeom prst="rect">
-            <a:avLst/>
-          </a:prstGeom>
-        </p:spPr>
-        <p:txBody>
-          <a:bodyPr vert="horz" lIns="91440" tIns="45720" rIns="91440" bIns="45720" rtlCol="0">
-            <a:noAutofit/>
-          </a:bodyPr>
-          <a:lstStyle>
-            <a:lvl1pPr marL="342900" indent="-342900" algn="l" defTabSz="914400" rtl="0" eaLnBrk="1" latinLnBrk="0" hangingPunct="1">
-              <a:spcBef>
-                <a:spcPts val="600"/>
-              </a:spcBef>
-              <a:buFont typeface="Arial" charset="0"/>
-              <a:buChar char="•"/>
-              <a:defRPr sz="3200" kern="1200">
-                <a:solidFill>
-                  <a:schemeClr val="tx1"/>
-                </a:solidFill>
-                <a:latin typeface="+mn-lt"/>
-                <a:ea typeface="+mn-ea"/>
-                <a:cs typeface="+mn-cs"/>
-              </a:defRPr>
-            </a:lvl1pPr>
-            <a:lvl2pPr marL="742950" indent="-285750" algn="l" defTabSz="914400" rtl="0" eaLnBrk="1" latinLnBrk="0" hangingPunct="1">
-              <a:spcBef>
-                <a:spcPts val="600"/>
-              </a:spcBef>
-              <a:buFont typeface="Arial" charset="0"/>
-              <a:buChar char="•"/>
-              <a:defRPr sz="2800" b="0" i="0" u="none" kern="1200">
-                <a:solidFill>
-                  <a:schemeClr val="tx1"/>
-                </a:solidFill>
-                <a:latin typeface="+mn-lt"/>
-                <a:ea typeface="+mn-ea"/>
-                <a:cs typeface="+mn-cs"/>
-              </a:defRPr>
-            </a:lvl2pPr>
-            <a:lvl3pPr marL="1143000" indent="-228600" algn="l" defTabSz="914400" rtl="0" eaLnBrk="1" latinLnBrk="0" hangingPunct="1">
-              <a:spcBef>
-                <a:spcPts val="600"/>
-              </a:spcBef>
-              <a:buFont typeface="Arial" charset="0"/>
-              <a:buChar char="•"/>
-              <a:defRPr sz="2400" kern="1200">
-                <a:solidFill>
-                  <a:schemeClr val="tx1"/>
-                </a:solidFill>
-                <a:latin typeface="+mn-lt"/>
-                <a:ea typeface="+mn-ea"/>
-                <a:cs typeface="+mn-cs"/>
-              </a:defRPr>
-            </a:lvl3pPr>
-            <a:lvl4pPr marL="1600200" indent="-228600" algn="l" defTabSz="914400" rtl="0" eaLnBrk="1" latinLnBrk="0" hangingPunct="1">
-              <a:spcBef>
-                <a:spcPts val="600"/>
-              </a:spcBef>
-              <a:buFont typeface="Arial" charset="0"/>
-              <a:buChar char="•"/>
-              <a:defRPr sz="2000" kern="1200">
-                <a:solidFill>
-                  <a:schemeClr val="tx1"/>
-                </a:solidFill>
-                <a:latin typeface="+mn-lt"/>
-                <a:ea typeface="+mn-ea"/>
-                <a:cs typeface="+mn-cs"/>
-              </a:defRPr>
-            </a:lvl4pPr>
-            <a:lvl5pPr marL="2057400" indent="-228600" algn="l" defTabSz="914400" rtl="0" eaLnBrk="1" latinLnBrk="0" hangingPunct="1">
-              <a:spcBef>
-                <a:spcPts val="600"/>
-              </a:spcBef>
-              <a:buFont typeface="Arial" charset="0"/>
-              <a:buChar char="•"/>
-              <a:defRPr sz="2000" kern="1200">
-                <a:solidFill>
-                  <a:schemeClr val="tx1"/>
-                </a:solidFill>
-                <a:latin typeface="+mn-lt"/>
-                <a:ea typeface="+mn-ea"/>
-                <a:cs typeface="+mn-cs"/>
-              </a:defRPr>
-            </a:lvl5pPr>
-            <a:lvl6pPr marL="2514600" indent="-228600" algn="l" defTabSz="914400" rtl="0" eaLnBrk="1" latinLnBrk="0" hangingPunct="1">
-              <a:spcBef>
-                <a:spcPct val="20000"/>
-              </a:spcBef>
-              <a:buFont typeface="Arial" panose="020B0604020202020204" pitchFamily="34" charset="0"/>
-              <a:buChar char="•"/>
-              <a:defRPr sz="2000" kern="1200">
-                <a:solidFill>
-                  <a:schemeClr val="tx1"/>
-                </a:solidFill>
-                <a:latin typeface="+mn-lt"/>
-                <a:ea typeface="+mn-ea"/>
-                <a:cs typeface="+mn-cs"/>
-              </a:defRPr>
-            </a:lvl6pPr>
-            <a:lvl7pPr marL="2971800" indent="-228600" algn="l" defTabSz="914400" rtl="0" eaLnBrk="1" latinLnBrk="0" hangingPunct="1">
-              <a:spcBef>
-                <a:spcPct val="20000"/>
-              </a:spcBef>
-              <a:buFont typeface="Arial" panose="020B0604020202020204" pitchFamily="34" charset="0"/>
-              <a:buChar char="•"/>
-              <a:defRPr sz="2000" kern="1200">
-                <a:solidFill>
-                  <a:schemeClr val="tx1"/>
-                </a:solidFill>
-                <a:latin typeface="+mn-lt"/>
-                <a:ea typeface="+mn-ea"/>
-                <a:cs typeface="+mn-cs"/>
-              </a:defRPr>
-            </a:lvl7pPr>
-            <a:lvl8pPr marL="3429000" indent="-228600" algn="l" defTabSz="914400" rtl="0" eaLnBrk="1" latinLnBrk="0" hangingPunct="1">
-              <a:spcBef>
-                <a:spcPct val="20000"/>
-              </a:spcBef>
-              <a:buFont typeface="Arial" panose="020B0604020202020204" pitchFamily="34" charset="0"/>
-              <a:buChar char="•"/>
-              <a:defRPr sz="2000" kern="1200">
-                <a:solidFill>
-                  <a:schemeClr val="tx1"/>
-                </a:solidFill>
-                <a:latin typeface="+mn-lt"/>
-                <a:ea typeface="+mn-ea"/>
-                <a:cs typeface="+mn-cs"/>
-              </a:defRPr>
-            </a:lvl8pPr>
-            <a:lvl9pPr marL="3886200" indent="-228600" algn="l" defTabSz="914400" rtl="0" eaLnBrk="1" latinLnBrk="0" hangingPunct="1">
-              <a:spcBef>
-                <a:spcPct val="20000"/>
-              </a:spcBef>
-              <a:buFont typeface="Arial" panose="020B0604020202020204" pitchFamily="34" charset="0"/>
-              <a:buChar char="•"/>
-              <a:defRPr sz="2000" kern="1200">
-                <a:solidFill>
-                  <a:schemeClr val="tx1"/>
-                </a:solidFill>
-                <a:latin typeface="+mn-lt"/>
-                <a:ea typeface="+mn-ea"/>
-                <a:cs typeface="+mn-cs"/>
-              </a:defRPr>
-            </a:lvl9pPr>
-          </a:lstStyle>
-          <a:p>
-            <a:r>
-              <a:rPr lang="en-US" dirty="0"/>
-              <a:t>The </a:t>
-            </a:r>
-            <a:r>
-              <a:rPr lang="en-US" b="1" dirty="0"/>
-              <a:t>ABV</a:t>
-            </a:r>
-            <a:r>
-              <a:rPr lang="en-US" dirty="0"/>
-              <a:t> (Alcohol by Volume), </a:t>
-            </a:r>
-            <a:r>
-              <a:rPr lang="en-US" b="1" dirty="0"/>
-              <a:t>IBU</a:t>
-            </a:r>
-            <a:r>
-              <a:rPr lang="en-US" dirty="0"/>
-              <a:t> (International Bitterness Unit) and </a:t>
-            </a:r>
-            <a:r>
-              <a:rPr lang="en-US" b="1" dirty="0"/>
-              <a:t>Style</a:t>
-            </a:r>
-            <a:r>
-              <a:rPr lang="en-US" dirty="0"/>
-              <a:t> columns have missing values</a:t>
-            </a:r>
-          </a:p>
-          <a:p>
-            <a:pPr marL="0" indent="0">
-              <a:buFont typeface="Arial" charset="0"/>
-              <a:buNone/>
-            </a:pPr>
-            <a:endParaRPr lang="en-US" sz="1600" i="1" dirty="0"/>
-          </a:p>
-          <a:p>
-            <a:endParaRPr lang="en-US" dirty="0"/>
-          </a:p>
-          <a:p>
-            <a:pPr marL="0" indent="0">
-              <a:buFont typeface="Arial" charset="0"/>
-              <a:buNone/>
-            </a:pPr>
-            <a:endParaRPr lang="en-US" dirty="0"/>
-          </a:p>
-        </p:txBody>
-      </p:sp>
-      <p:sp>
-        <p:nvSpPr>
-          <p:cNvPr id="9" name="Rectangle 8">
-            <a:extLst>
-              <a:ext uri="{FF2B5EF4-FFF2-40B4-BE49-F238E27FC236}">
-                <a16:creationId xmlns:a16="http://schemas.microsoft.com/office/drawing/2014/main" id="{4375ED10-2269-47BD-AE58-7E98C7139453}"/>
-              </a:ext>
-            </a:extLst>
-          </p:cNvPr>
-          <p:cNvSpPr/>
-          <p:nvPr/>
-        </p:nvSpPr>
-        <p:spPr>
-          <a:xfrm>
-            <a:off x="2192977" y="5582685"/>
-            <a:ext cx="4758045" cy="646331"/>
-          </a:xfrm>
-          <a:prstGeom prst="rect">
-            <a:avLst/>
-          </a:prstGeom>
-        </p:spPr>
-        <p:txBody>
-          <a:bodyPr wrap="square">
-            <a:spAutoFit/>
-          </a:bodyPr>
-          <a:lstStyle/>
-          <a:p>
-            <a:r>
-              <a:rPr lang="en-US" i="1" dirty="0"/>
-              <a:t>In particular, the IBU field as over 41% of the records with a blank value for this data point.</a:t>
-            </a:r>
-          </a:p>
-        </p:txBody>
-      </p:sp>
-      <p:pic>
-        <p:nvPicPr>
-          <p:cNvPr id="3" name="Picture 2">
-            <a:extLst>
-              <a:ext uri="{FF2B5EF4-FFF2-40B4-BE49-F238E27FC236}">
-                <a16:creationId xmlns:a16="http://schemas.microsoft.com/office/drawing/2014/main" id="{47359223-6B42-45E7-9BF3-ABF059A277DF}"/>
-              </a:ext>
-            </a:extLst>
-          </p:cNvPr>
-          <p:cNvPicPr>
-            <a:picLocks noChangeAspect="1"/>
-          </p:cNvPicPr>
-          <p:nvPr/>
-        </p:nvPicPr>
-        <p:blipFill>
-          <a:blip r:embed="rId2"/>
-          <a:stretch>
-            <a:fillRect/>
-          </a:stretch>
-        </p:blipFill>
-        <p:spPr>
-          <a:xfrm>
-            <a:off x="2664858" y="3357636"/>
-            <a:ext cx="3814284" cy="1868669"/>
-          </a:xfrm>
-          <a:prstGeom prst="rect">
-            <a:avLst/>
-          </a:prstGeom>
-        </p:spPr>
-      </p:pic>
-    </p:spTree>
-    <p:extLst>
-      <p:ext uri="{BB962C8B-B14F-4D97-AF65-F5344CB8AC3E}">
-        <p14:creationId xmlns:p14="http://schemas.microsoft.com/office/powerpoint/2010/main" val="2857780233"/>
-      </p:ext>
-    </p:extLst>
-  </p:cSld>
-  <p:clrMapOvr>
-    <a:masterClrMapping/>
-  </p:clrMapOvr>
-</p:sld>
-</file>
-
-<file path=ppt/slides/slide19.xml><?xml version="1.0" encoding="utf-8"?>
-<p:sld xmlns:a="http://schemas.openxmlformats.org/drawingml/2006/main" xmlns:r="http://schemas.openxmlformats.org/officeDocument/2006/relationships" xmlns:p="http://schemas.openxmlformats.org/presentationml/2006/main">
-  <p:cSld>
-    <p:spTree>
-      <p:nvGrpSpPr>
-        <p:cNvPr id="1" name=""/>
-        <p:cNvGrpSpPr/>
-        <p:nvPr/>
-      </p:nvGrpSpPr>
-      <p:grpSpPr>
-        <a:xfrm>
-          <a:off x="0" y="0"/>
-          <a:ext cx="0" cy="0"/>
-          <a:chOff x="0" y="0"/>
-          <a:chExt cx="0" cy="0"/>
-        </a:xfrm>
-      </p:grpSpPr>
-      <p:sp>
-        <p:nvSpPr>
-          <p:cNvPr id="2" name="Title 1">
-            <a:extLst>
-              <a:ext uri="{FF2B5EF4-FFF2-40B4-BE49-F238E27FC236}">
-                <a16:creationId xmlns:a16="http://schemas.microsoft.com/office/drawing/2014/main" id="{5B931770-76C9-F749-9B7D-08A4A1F13896}"/>
-              </a:ext>
-            </a:extLst>
-          </p:cNvPr>
-          <p:cNvSpPr>
-            <a:spLocks noGrp="1"/>
-          </p:cNvSpPr>
-          <p:nvPr>
-            <p:ph type="title"/>
-          </p:nvPr>
-        </p:nvSpPr>
-        <p:spPr>
-          <a:xfrm>
-            <a:off x="0" y="228600"/>
-            <a:ext cx="9144000" cy="1143000"/>
-          </a:xfrm>
-        </p:spPr>
-        <p:txBody>
-          <a:bodyPr/>
-          <a:lstStyle/>
-          <a:p>
-            <a:r>
-              <a:rPr lang="en-US" dirty="0"/>
-              <a:t>Median ABV per State</a:t>
-            </a:r>
-          </a:p>
-        </p:txBody>
-      </p:sp>
-      <p:sp>
-        <p:nvSpPr>
-          <p:cNvPr id="5" name="Content Placeholder 4">
-            <a:extLst>
-              <a:ext uri="{FF2B5EF4-FFF2-40B4-BE49-F238E27FC236}">
-                <a16:creationId xmlns:a16="http://schemas.microsoft.com/office/drawing/2014/main" id="{375CDB98-7F05-41AD-9F29-81E3D0CFBEFF}"/>
-              </a:ext>
-            </a:extLst>
-          </p:cNvPr>
-          <p:cNvSpPr>
-            <a:spLocks noGrp="1"/>
-          </p:cNvSpPr>
-          <p:nvPr>
-            <p:ph idx="1"/>
-          </p:nvPr>
-        </p:nvSpPr>
-        <p:spPr>
-          <a:xfrm>
-            <a:off x="457199" y="1627905"/>
-            <a:ext cx="8229600" cy="4854011"/>
-          </a:xfrm>
-        </p:spPr>
-        <p:txBody>
-          <a:bodyPr/>
-          <a:lstStyle/>
-          <a:p>
-            <a:endParaRPr lang="en-US" dirty="0"/>
-          </a:p>
-          <a:p>
-            <a:endParaRPr lang="en-US" dirty="0"/>
-          </a:p>
-          <a:p>
-            <a:endParaRPr lang="en-US" dirty="0"/>
-          </a:p>
-          <a:p>
-            <a:endParaRPr lang="en-US" dirty="0"/>
-          </a:p>
-          <a:p>
-            <a:endParaRPr lang="en-US" dirty="0"/>
-          </a:p>
-          <a:p>
-            <a:pPr marL="0" indent="0">
-              <a:buNone/>
-            </a:pPr>
-            <a:endParaRPr lang="en-US" sz="1600" i="1" dirty="0"/>
-          </a:p>
-          <a:p>
-            <a:pPr marL="0" indent="0">
-              <a:buNone/>
-            </a:pPr>
-            <a:endParaRPr lang="en-US" dirty="0"/>
-          </a:p>
-        </p:txBody>
-      </p:sp>
-      <p:sp>
-        <p:nvSpPr>
-          <p:cNvPr id="4" name="Rectangle 3">
-            <a:extLst>
-              <a:ext uri="{FF2B5EF4-FFF2-40B4-BE49-F238E27FC236}">
-                <a16:creationId xmlns:a16="http://schemas.microsoft.com/office/drawing/2014/main" id="{6608DBBE-C619-4CEB-9667-544ECD27A105}"/>
-              </a:ext>
-            </a:extLst>
-          </p:cNvPr>
-          <p:cNvSpPr/>
-          <p:nvPr/>
-        </p:nvSpPr>
-        <p:spPr>
-          <a:xfrm>
-            <a:off x="207115" y="5616258"/>
-            <a:ext cx="9062884" cy="923330"/>
-          </a:xfrm>
-          <a:prstGeom prst="rect">
-            <a:avLst/>
-          </a:prstGeom>
-        </p:spPr>
-        <p:txBody>
-          <a:bodyPr wrap="square">
-            <a:spAutoFit/>
-          </a:bodyPr>
-          <a:lstStyle/>
-          <a:p>
-            <a:r>
-              <a:rPr lang="en-US" i="1" dirty="0"/>
-              <a:t>From visually inspecting the graph, most states have a relatively close spread.  The summary statistics show that 50% of the available data fall within the interval </a:t>
-            </a:r>
-          </a:p>
-          <a:p>
-            <a:r>
-              <a:rPr lang="en-US" i="1" dirty="0"/>
-              <a:t>(0.05 to 0.067)</a:t>
-            </a:r>
-          </a:p>
-        </p:txBody>
-      </p:sp>
-      <p:pic>
-        <p:nvPicPr>
-          <p:cNvPr id="7" name="Picture 6" descr="A screenshot of a cell phone&#10;&#10;Description automatically generated">
-            <a:extLst>
-              <a:ext uri="{FF2B5EF4-FFF2-40B4-BE49-F238E27FC236}">
-                <a16:creationId xmlns:a16="http://schemas.microsoft.com/office/drawing/2014/main" id="{4A45DD21-7BF6-489C-9C57-8E649F4885DC}"/>
-              </a:ext>
-            </a:extLst>
-          </p:cNvPr>
-          <p:cNvPicPr>
-            <a:picLocks noChangeAspect="1"/>
-          </p:cNvPicPr>
-          <p:nvPr/>
-        </p:nvPicPr>
-        <p:blipFill>
-          <a:blip r:embed="rId2"/>
-          <a:stretch>
-            <a:fillRect/>
-          </a:stretch>
-        </p:blipFill>
-        <p:spPr>
-          <a:xfrm>
-            <a:off x="1237784" y="1436242"/>
-            <a:ext cx="6668431" cy="4115374"/>
-          </a:xfrm>
-          <a:prstGeom prst="rect">
-            <a:avLst/>
-          </a:prstGeom>
-        </p:spPr>
-      </p:pic>
-    </p:spTree>
-    <p:extLst>
-      <p:ext uri="{BB962C8B-B14F-4D97-AF65-F5344CB8AC3E}">
-        <p14:creationId xmlns:p14="http://schemas.microsoft.com/office/powerpoint/2010/main" val="3119558950"/>
+        <p14:creationId xmlns:p14="http://schemas.microsoft.com/office/powerpoint/2010/main" val="876298325"/>
       </p:ext>
     </p:extLst>
   </p:cSld>
@@ -7508,1267 +5414,6 @@
     <p:extLst>
       <p:ext uri="{BB962C8B-B14F-4D97-AF65-F5344CB8AC3E}">
         <p14:creationId xmlns:p14="http://schemas.microsoft.com/office/powerpoint/2010/main" val="973086872"/>
-      </p:ext>
-    </p:extLst>
-  </p:cSld>
-  <p:clrMapOvr>
-    <a:masterClrMapping/>
-  </p:clrMapOvr>
-</p:sld>
-</file>
-
-<file path=ppt/slides/slide20.xml><?xml version="1.0" encoding="utf-8"?>
-<p:sld xmlns:a="http://schemas.openxmlformats.org/drawingml/2006/main" xmlns:r="http://schemas.openxmlformats.org/officeDocument/2006/relationships" xmlns:p="http://schemas.openxmlformats.org/presentationml/2006/main">
-  <p:cSld>
-    <p:spTree>
-      <p:nvGrpSpPr>
-        <p:cNvPr id="1" name=""/>
-        <p:cNvGrpSpPr/>
-        <p:nvPr/>
-      </p:nvGrpSpPr>
-      <p:grpSpPr>
-        <a:xfrm>
-          <a:off x="0" y="0"/>
-          <a:ext cx="0" cy="0"/>
-          <a:chOff x="0" y="0"/>
-          <a:chExt cx="0" cy="0"/>
-        </a:xfrm>
-      </p:grpSpPr>
-      <p:sp>
-        <p:nvSpPr>
-          <p:cNvPr id="2" name="Title 1">
-            <a:extLst>
-              <a:ext uri="{FF2B5EF4-FFF2-40B4-BE49-F238E27FC236}">
-                <a16:creationId xmlns:a16="http://schemas.microsoft.com/office/drawing/2014/main" id="{5B931770-76C9-F749-9B7D-08A4A1F13896}"/>
-              </a:ext>
-            </a:extLst>
-          </p:cNvPr>
-          <p:cNvSpPr>
-            <a:spLocks noGrp="1"/>
-          </p:cNvSpPr>
-          <p:nvPr>
-            <p:ph type="title"/>
-          </p:nvPr>
-        </p:nvSpPr>
-        <p:spPr>
-          <a:xfrm>
-            <a:off x="0" y="228600"/>
-            <a:ext cx="9144000" cy="1143000"/>
-          </a:xfrm>
-        </p:spPr>
-        <p:txBody>
-          <a:bodyPr/>
-          <a:lstStyle/>
-          <a:p>
-            <a:r>
-              <a:rPr lang="en-US" dirty="0"/>
-              <a:t>Median IBU per State</a:t>
-            </a:r>
-          </a:p>
-        </p:txBody>
-      </p:sp>
-      <p:sp>
-        <p:nvSpPr>
-          <p:cNvPr id="5" name="Content Placeholder 4">
-            <a:extLst>
-              <a:ext uri="{FF2B5EF4-FFF2-40B4-BE49-F238E27FC236}">
-                <a16:creationId xmlns:a16="http://schemas.microsoft.com/office/drawing/2014/main" id="{375CDB98-7F05-41AD-9F29-81E3D0CFBEFF}"/>
-              </a:ext>
-            </a:extLst>
-          </p:cNvPr>
-          <p:cNvSpPr>
-            <a:spLocks noGrp="1"/>
-          </p:cNvSpPr>
-          <p:nvPr>
-            <p:ph idx="1"/>
-          </p:nvPr>
-        </p:nvSpPr>
-        <p:spPr>
-          <a:xfrm>
-            <a:off x="457199" y="1627905"/>
-            <a:ext cx="8229600" cy="4854011"/>
-          </a:xfrm>
-        </p:spPr>
-        <p:txBody>
-          <a:bodyPr/>
-          <a:lstStyle/>
-          <a:p>
-            <a:endParaRPr lang="en-US" dirty="0"/>
-          </a:p>
-          <a:p>
-            <a:endParaRPr lang="en-US" dirty="0"/>
-          </a:p>
-          <a:p>
-            <a:endParaRPr lang="en-US" dirty="0"/>
-          </a:p>
-          <a:p>
-            <a:endParaRPr lang="en-US" dirty="0"/>
-          </a:p>
-          <a:p>
-            <a:endParaRPr lang="en-US" dirty="0"/>
-          </a:p>
-          <a:p>
-            <a:pPr marL="0" indent="0">
-              <a:buNone/>
-            </a:pPr>
-            <a:endParaRPr lang="en-US" sz="1600" i="1" dirty="0"/>
-          </a:p>
-          <a:p>
-            <a:pPr marL="0" indent="0">
-              <a:buNone/>
-            </a:pPr>
-            <a:endParaRPr lang="en-US" dirty="0"/>
-          </a:p>
-        </p:txBody>
-      </p:sp>
-      <p:sp>
-        <p:nvSpPr>
-          <p:cNvPr id="6" name="Rectangle 5">
-            <a:extLst>
-              <a:ext uri="{FF2B5EF4-FFF2-40B4-BE49-F238E27FC236}">
-                <a16:creationId xmlns:a16="http://schemas.microsoft.com/office/drawing/2014/main" id="{F8B83E26-92F5-4B23-ACBB-69BAFA025801}"/>
-              </a:ext>
-            </a:extLst>
-          </p:cNvPr>
-          <p:cNvSpPr/>
-          <p:nvPr/>
-        </p:nvSpPr>
-        <p:spPr>
-          <a:xfrm>
-            <a:off x="207115" y="5964581"/>
-            <a:ext cx="9062884" cy="646331"/>
-          </a:xfrm>
-          <a:prstGeom prst="rect">
-            <a:avLst/>
-          </a:prstGeom>
-        </p:spPr>
-        <p:txBody>
-          <a:bodyPr wrap="square">
-            <a:spAutoFit/>
-          </a:bodyPr>
-          <a:lstStyle/>
-          <a:p>
-            <a:r>
-              <a:rPr lang="en-US" i="1" dirty="0"/>
-              <a:t>There is much more variation in the IBU data, possibly due to missing values or regional preferences.</a:t>
-            </a:r>
-          </a:p>
-        </p:txBody>
-      </p:sp>
-      <p:pic>
-        <p:nvPicPr>
-          <p:cNvPr id="7" name="Picture 6" descr="A screenshot of a cell phone&#10;&#10;Description automatically generated">
-            <a:extLst>
-              <a:ext uri="{FF2B5EF4-FFF2-40B4-BE49-F238E27FC236}">
-                <a16:creationId xmlns:a16="http://schemas.microsoft.com/office/drawing/2014/main" id="{FF85213C-4012-4ADB-A556-14903EDF1BD7}"/>
-              </a:ext>
-            </a:extLst>
-          </p:cNvPr>
-          <p:cNvPicPr>
-            <a:picLocks noChangeAspect="1"/>
-          </p:cNvPicPr>
-          <p:nvPr/>
-        </p:nvPicPr>
-        <p:blipFill>
-          <a:blip r:embed="rId2"/>
-          <a:stretch>
-            <a:fillRect/>
-          </a:stretch>
-        </p:blipFill>
-        <p:spPr>
-          <a:xfrm>
-            <a:off x="1237783" y="1610403"/>
-            <a:ext cx="6668431" cy="4115374"/>
-          </a:xfrm>
-          <a:prstGeom prst="rect">
-            <a:avLst/>
-          </a:prstGeom>
-        </p:spPr>
-      </p:pic>
-    </p:spTree>
-    <p:extLst>
-      <p:ext uri="{BB962C8B-B14F-4D97-AF65-F5344CB8AC3E}">
-        <p14:creationId xmlns:p14="http://schemas.microsoft.com/office/powerpoint/2010/main" val="2253749982"/>
-      </p:ext>
-    </p:extLst>
-  </p:cSld>
-  <p:clrMapOvr>
-    <a:masterClrMapping/>
-  </p:clrMapOvr>
-</p:sld>
-</file>
-
-<file path=ppt/slides/slide21.xml><?xml version="1.0" encoding="utf-8"?>
-<p:sld xmlns:a="http://schemas.openxmlformats.org/drawingml/2006/main" xmlns:r="http://schemas.openxmlformats.org/officeDocument/2006/relationships" xmlns:p="http://schemas.openxmlformats.org/presentationml/2006/main">
-  <p:cSld>
-    <p:spTree>
-      <p:nvGrpSpPr>
-        <p:cNvPr id="1" name=""/>
-        <p:cNvGrpSpPr/>
-        <p:nvPr/>
-      </p:nvGrpSpPr>
-      <p:grpSpPr>
-        <a:xfrm>
-          <a:off x="0" y="0"/>
-          <a:ext cx="0" cy="0"/>
-          <a:chOff x="0" y="0"/>
-          <a:chExt cx="0" cy="0"/>
-        </a:xfrm>
-      </p:grpSpPr>
-      <p:sp>
-        <p:nvSpPr>
-          <p:cNvPr id="2" name="Title 1">
-            <a:extLst>
-              <a:ext uri="{FF2B5EF4-FFF2-40B4-BE49-F238E27FC236}">
-                <a16:creationId xmlns:a16="http://schemas.microsoft.com/office/drawing/2014/main" id="{5B931770-76C9-F749-9B7D-08A4A1F13896}"/>
-              </a:ext>
-            </a:extLst>
-          </p:cNvPr>
-          <p:cNvSpPr>
-            <a:spLocks noGrp="1"/>
-          </p:cNvSpPr>
-          <p:nvPr>
-            <p:ph type="title"/>
-          </p:nvPr>
-        </p:nvSpPr>
-        <p:spPr>
-          <a:xfrm>
-            <a:off x="0" y="228600"/>
-            <a:ext cx="9144000" cy="1143000"/>
-          </a:xfrm>
-        </p:spPr>
-        <p:txBody>
-          <a:bodyPr/>
-          <a:lstStyle/>
-          <a:p>
-            <a:r>
-              <a:rPr lang="en-US" dirty="0"/>
-              <a:t>Maximum Values by State (ABV)</a:t>
-            </a:r>
-          </a:p>
-        </p:txBody>
-      </p:sp>
-      <p:sp>
-        <p:nvSpPr>
-          <p:cNvPr id="5" name="Content Placeholder 4">
-            <a:extLst>
-              <a:ext uri="{FF2B5EF4-FFF2-40B4-BE49-F238E27FC236}">
-                <a16:creationId xmlns:a16="http://schemas.microsoft.com/office/drawing/2014/main" id="{375CDB98-7F05-41AD-9F29-81E3D0CFBEFF}"/>
-              </a:ext>
-            </a:extLst>
-          </p:cNvPr>
-          <p:cNvSpPr>
-            <a:spLocks noGrp="1"/>
-          </p:cNvSpPr>
-          <p:nvPr>
-            <p:ph idx="1"/>
-          </p:nvPr>
-        </p:nvSpPr>
-        <p:spPr>
-          <a:xfrm>
-            <a:off x="457199" y="1627905"/>
-            <a:ext cx="8229600" cy="4854011"/>
-          </a:xfrm>
-        </p:spPr>
-        <p:txBody>
-          <a:bodyPr/>
-          <a:lstStyle/>
-          <a:p>
-            <a:r>
-              <a:rPr lang="en-US" dirty="0"/>
-              <a:t>There are different measures of center, etc.. that might be useful in determining state trends.</a:t>
-            </a:r>
-          </a:p>
-          <a:p>
-            <a:pPr marL="0" indent="0">
-              <a:buNone/>
-            </a:pPr>
-            <a:endParaRPr lang="en-US" dirty="0"/>
-          </a:p>
-          <a:p>
-            <a:endParaRPr lang="en-US" dirty="0"/>
-          </a:p>
-          <a:p>
-            <a:endParaRPr lang="en-US" dirty="0"/>
-          </a:p>
-          <a:p>
-            <a:endParaRPr lang="en-US" dirty="0"/>
-          </a:p>
-          <a:p>
-            <a:endParaRPr lang="en-US" dirty="0"/>
-          </a:p>
-          <a:p>
-            <a:endParaRPr lang="en-US" dirty="0"/>
-          </a:p>
-          <a:p>
-            <a:pPr marL="0" indent="0">
-              <a:buNone/>
-            </a:pPr>
-            <a:endParaRPr lang="en-US" sz="1600" i="1" dirty="0"/>
-          </a:p>
-          <a:p>
-            <a:pPr marL="0" indent="0">
-              <a:buNone/>
-            </a:pPr>
-            <a:endParaRPr lang="en-US" dirty="0"/>
-          </a:p>
-          <a:p>
-            <a:pPr marL="0" indent="0">
-              <a:buNone/>
-            </a:pPr>
-            <a:endParaRPr lang="en-US" dirty="0"/>
-          </a:p>
-        </p:txBody>
-      </p:sp>
-      <p:sp>
-        <p:nvSpPr>
-          <p:cNvPr id="7" name="Rectangle 6">
-            <a:extLst>
-              <a:ext uri="{FF2B5EF4-FFF2-40B4-BE49-F238E27FC236}">
-                <a16:creationId xmlns:a16="http://schemas.microsoft.com/office/drawing/2014/main" id="{5958EAC4-08F2-4945-9F0D-E088897A9830}"/>
-              </a:ext>
-            </a:extLst>
-          </p:cNvPr>
-          <p:cNvSpPr/>
-          <p:nvPr/>
-        </p:nvSpPr>
-        <p:spPr>
-          <a:xfrm>
-            <a:off x="1748897" y="5738648"/>
-            <a:ext cx="5810866" cy="369332"/>
-          </a:xfrm>
-          <a:prstGeom prst="rect">
-            <a:avLst/>
-          </a:prstGeom>
-        </p:spPr>
-        <p:txBody>
-          <a:bodyPr wrap="square">
-            <a:spAutoFit/>
-          </a:bodyPr>
-          <a:lstStyle/>
-          <a:p>
-            <a:r>
-              <a:rPr lang="en-US" i="1" dirty="0"/>
-              <a:t>Depending on the statistic of interest, the answer varies</a:t>
-            </a:r>
-          </a:p>
-        </p:txBody>
-      </p:sp>
-      <p:pic>
-        <p:nvPicPr>
-          <p:cNvPr id="3" name="Picture 2">
-            <a:extLst>
-              <a:ext uri="{FF2B5EF4-FFF2-40B4-BE49-F238E27FC236}">
-                <a16:creationId xmlns:a16="http://schemas.microsoft.com/office/drawing/2014/main" id="{1AA8CDB8-E6C7-4E6D-A319-4015B9B92A22}"/>
-              </a:ext>
-            </a:extLst>
-          </p:cNvPr>
-          <p:cNvPicPr>
-            <a:picLocks noChangeAspect="1"/>
-          </p:cNvPicPr>
-          <p:nvPr/>
-        </p:nvPicPr>
-        <p:blipFill>
-          <a:blip r:embed="rId3"/>
-          <a:stretch>
-            <a:fillRect/>
-          </a:stretch>
-        </p:blipFill>
-        <p:spPr>
-          <a:xfrm>
-            <a:off x="2197561" y="3326014"/>
-            <a:ext cx="4748875" cy="2340995"/>
-          </a:xfrm>
-          <a:prstGeom prst="rect">
-            <a:avLst/>
-          </a:prstGeom>
-        </p:spPr>
-      </p:pic>
-    </p:spTree>
-    <p:extLst>
-      <p:ext uri="{BB962C8B-B14F-4D97-AF65-F5344CB8AC3E}">
-        <p14:creationId xmlns:p14="http://schemas.microsoft.com/office/powerpoint/2010/main" val="622800655"/>
-      </p:ext>
-    </p:extLst>
-  </p:cSld>
-  <p:clrMapOvr>
-    <a:masterClrMapping/>
-  </p:clrMapOvr>
-</p:sld>
-</file>
-
-<file path=ppt/slides/slide22.xml><?xml version="1.0" encoding="utf-8"?>
-<p:sld xmlns:a="http://schemas.openxmlformats.org/drawingml/2006/main" xmlns:r="http://schemas.openxmlformats.org/officeDocument/2006/relationships" xmlns:p="http://schemas.openxmlformats.org/presentationml/2006/main">
-  <p:cSld>
-    <p:spTree>
-      <p:nvGrpSpPr>
-        <p:cNvPr id="1" name=""/>
-        <p:cNvGrpSpPr/>
-        <p:nvPr/>
-      </p:nvGrpSpPr>
-      <p:grpSpPr>
-        <a:xfrm>
-          <a:off x="0" y="0"/>
-          <a:ext cx="0" cy="0"/>
-          <a:chOff x="0" y="0"/>
-          <a:chExt cx="0" cy="0"/>
-        </a:xfrm>
-      </p:grpSpPr>
-      <p:sp>
-        <p:nvSpPr>
-          <p:cNvPr id="2" name="Title 1">
-            <a:extLst>
-              <a:ext uri="{FF2B5EF4-FFF2-40B4-BE49-F238E27FC236}">
-                <a16:creationId xmlns:a16="http://schemas.microsoft.com/office/drawing/2014/main" id="{5B931770-76C9-F749-9B7D-08A4A1F13896}"/>
-              </a:ext>
-            </a:extLst>
-          </p:cNvPr>
-          <p:cNvSpPr>
-            <a:spLocks noGrp="1"/>
-          </p:cNvSpPr>
-          <p:nvPr>
-            <p:ph type="title"/>
-          </p:nvPr>
-        </p:nvSpPr>
-        <p:spPr>
-          <a:xfrm>
-            <a:off x="0" y="228600"/>
-            <a:ext cx="9144000" cy="1143000"/>
-          </a:xfrm>
-        </p:spPr>
-        <p:txBody>
-          <a:bodyPr/>
-          <a:lstStyle/>
-          <a:p>
-            <a:r>
-              <a:rPr lang="en-US" dirty="0"/>
-              <a:t>ABV and IBU Comparisons</a:t>
-            </a:r>
-          </a:p>
-        </p:txBody>
-      </p:sp>
-      <p:sp>
-        <p:nvSpPr>
-          <p:cNvPr id="5" name="Content Placeholder 4">
-            <a:extLst>
-              <a:ext uri="{FF2B5EF4-FFF2-40B4-BE49-F238E27FC236}">
-                <a16:creationId xmlns:a16="http://schemas.microsoft.com/office/drawing/2014/main" id="{375CDB98-7F05-41AD-9F29-81E3D0CFBEFF}"/>
-              </a:ext>
-            </a:extLst>
-          </p:cNvPr>
-          <p:cNvSpPr>
-            <a:spLocks noGrp="1"/>
-          </p:cNvSpPr>
-          <p:nvPr>
-            <p:ph idx="1"/>
-          </p:nvPr>
-        </p:nvSpPr>
-        <p:spPr>
-          <a:xfrm>
-            <a:off x="457199" y="1627905"/>
-            <a:ext cx="8229600" cy="4854011"/>
-          </a:xfrm>
-        </p:spPr>
-        <p:txBody>
-          <a:bodyPr/>
-          <a:lstStyle/>
-          <a:p>
-            <a:r>
-              <a:rPr lang="en-US" dirty="0"/>
-              <a:t>The ABU and IBV data show similarities in spread/ variance</a:t>
-            </a:r>
-          </a:p>
-          <a:p>
-            <a:endParaRPr lang="en-US" dirty="0"/>
-          </a:p>
-          <a:p>
-            <a:endParaRPr lang="en-US" dirty="0"/>
-          </a:p>
-          <a:p>
-            <a:endParaRPr lang="en-US" dirty="0"/>
-          </a:p>
-          <a:p>
-            <a:endParaRPr lang="en-US" dirty="0"/>
-          </a:p>
-          <a:p>
-            <a:endParaRPr lang="en-US" dirty="0"/>
-          </a:p>
-          <a:p>
-            <a:pPr marL="0" indent="0">
-              <a:buNone/>
-            </a:pPr>
-            <a:endParaRPr lang="en-US" sz="1600" i="1" dirty="0"/>
-          </a:p>
-          <a:p>
-            <a:endParaRPr lang="en-US" dirty="0"/>
-          </a:p>
-          <a:p>
-            <a:pPr marL="0" indent="0">
-              <a:buNone/>
-            </a:pPr>
-            <a:endParaRPr lang="en-US" dirty="0"/>
-          </a:p>
-        </p:txBody>
-      </p:sp>
-      <p:pic>
-        <p:nvPicPr>
-          <p:cNvPr id="6" name="Picture 5">
-            <a:extLst>
-              <a:ext uri="{FF2B5EF4-FFF2-40B4-BE49-F238E27FC236}">
-                <a16:creationId xmlns:a16="http://schemas.microsoft.com/office/drawing/2014/main" id="{60AAC40B-54E0-4C58-A5D8-E029F4AC17D3}"/>
-              </a:ext>
-            </a:extLst>
-          </p:cNvPr>
-          <p:cNvPicPr>
-            <a:picLocks noChangeAspect="1"/>
-          </p:cNvPicPr>
-          <p:nvPr/>
-        </p:nvPicPr>
-        <p:blipFill>
-          <a:blip r:embed="rId3"/>
-          <a:stretch>
-            <a:fillRect/>
-          </a:stretch>
-        </p:blipFill>
-        <p:spPr>
-          <a:xfrm>
-            <a:off x="146236" y="2860127"/>
-            <a:ext cx="4197868" cy="3517524"/>
-          </a:xfrm>
-          <a:prstGeom prst="rect">
-            <a:avLst/>
-          </a:prstGeom>
-        </p:spPr>
-      </p:pic>
-      <p:pic>
-        <p:nvPicPr>
-          <p:cNvPr id="7" name="Picture 6">
-            <a:extLst>
-              <a:ext uri="{FF2B5EF4-FFF2-40B4-BE49-F238E27FC236}">
-                <a16:creationId xmlns:a16="http://schemas.microsoft.com/office/drawing/2014/main" id="{37A11D5E-512A-49AC-A7C8-282913FA3E42}"/>
-              </a:ext>
-            </a:extLst>
-          </p:cNvPr>
-          <p:cNvPicPr>
-            <a:picLocks noChangeAspect="1"/>
-          </p:cNvPicPr>
-          <p:nvPr/>
-        </p:nvPicPr>
-        <p:blipFill>
-          <a:blip r:embed="rId4"/>
-          <a:stretch>
-            <a:fillRect/>
-          </a:stretch>
-        </p:blipFill>
-        <p:spPr>
-          <a:xfrm>
-            <a:off x="4655067" y="2860127"/>
-            <a:ext cx="4187529" cy="3517524"/>
-          </a:xfrm>
-          <a:prstGeom prst="rect">
-            <a:avLst/>
-          </a:prstGeom>
-        </p:spPr>
-      </p:pic>
-    </p:spTree>
-    <p:extLst>
-      <p:ext uri="{BB962C8B-B14F-4D97-AF65-F5344CB8AC3E}">
-        <p14:creationId xmlns:p14="http://schemas.microsoft.com/office/powerpoint/2010/main" val="147759718"/>
-      </p:ext>
-    </p:extLst>
-  </p:cSld>
-  <p:clrMapOvr>
-    <a:masterClrMapping/>
-  </p:clrMapOvr>
-</p:sld>
-</file>
-
-<file path=ppt/slides/slide23.xml><?xml version="1.0" encoding="utf-8"?>
-<p:sld xmlns:a="http://schemas.openxmlformats.org/drawingml/2006/main" xmlns:r="http://schemas.openxmlformats.org/officeDocument/2006/relationships" xmlns:p="http://schemas.openxmlformats.org/presentationml/2006/main">
-  <p:cSld>
-    <p:spTree>
-      <p:nvGrpSpPr>
-        <p:cNvPr id="1" name=""/>
-        <p:cNvGrpSpPr/>
-        <p:nvPr/>
-      </p:nvGrpSpPr>
-      <p:grpSpPr>
-        <a:xfrm>
-          <a:off x="0" y="0"/>
-          <a:ext cx="0" cy="0"/>
-          <a:chOff x="0" y="0"/>
-          <a:chExt cx="0" cy="0"/>
-        </a:xfrm>
-      </p:grpSpPr>
-      <p:sp>
-        <p:nvSpPr>
-          <p:cNvPr id="2" name="Title 1">
-            <a:extLst>
-              <a:ext uri="{FF2B5EF4-FFF2-40B4-BE49-F238E27FC236}">
-                <a16:creationId xmlns:a16="http://schemas.microsoft.com/office/drawing/2014/main" id="{5B931770-76C9-F749-9B7D-08A4A1F13896}"/>
-              </a:ext>
-            </a:extLst>
-          </p:cNvPr>
-          <p:cNvSpPr>
-            <a:spLocks noGrp="1"/>
-          </p:cNvSpPr>
-          <p:nvPr>
-            <p:ph type="title"/>
-          </p:nvPr>
-        </p:nvSpPr>
-        <p:spPr>
-          <a:xfrm>
-            <a:off x="0" y="228600"/>
-            <a:ext cx="9144000" cy="1143000"/>
-          </a:xfrm>
-        </p:spPr>
-        <p:txBody>
-          <a:bodyPr/>
-          <a:lstStyle/>
-          <a:p>
-            <a:r>
-              <a:rPr lang="en-US" dirty="0"/>
-              <a:t>Beer Style Predictions</a:t>
-            </a:r>
-          </a:p>
-        </p:txBody>
-      </p:sp>
-      <p:sp>
-        <p:nvSpPr>
-          <p:cNvPr id="5" name="Content Placeholder 4">
-            <a:extLst>
-              <a:ext uri="{FF2B5EF4-FFF2-40B4-BE49-F238E27FC236}">
-                <a16:creationId xmlns:a16="http://schemas.microsoft.com/office/drawing/2014/main" id="{375CDB98-7F05-41AD-9F29-81E3D0CFBEFF}"/>
-              </a:ext>
-            </a:extLst>
-          </p:cNvPr>
-          <p:cNvSpPr>
-            <a:spLocks noGrp="1"/>
-          </p:cNvSpPr>
-          <p:nvPr>
-            <p:ph idx="1"/>
-          </p:nvPr>
-        </p:nvSpPr>
-        <p:spPr>
-          <a:xfrm>
-            <a:off x="243347" y="1555954"/>
-            <a:ext cx="8155857" cy="5014451"/>
-          </a:xfrm>
-        </p:spPr>
-        <p:txBody>
-          <a:bodyPr/>
-          <a:lstStyle/>
-          <a:p>
-            <a:r>
-              <a:rPr lang="en-US" sz="2800" dirty="0"/>
-              <a:t>ABV and IBU served as good predictors of a beer’s style</a:t>
-            </a:r>
-          </a:p>
-          <a:p>
-            <a:pPr marL="0" indent="0">
-              <a:buNone/>
-            </a:pPr>
-            <a:endParaRPr lang="en-US" dirty="0"/>
-          </a:p>
-          <a:p>
-            <a:endParaRPr lang="en-US" dirty="0"/>
-          </a:p>
-          <a:p>
-            <a:endParaRPr lang="en-US" dirty="0"/>
-          </a:p>
-          <a:p>
-            <a:endParaRPr lang="en-US" dirty="0"/>
-          </a:p>
-          <a:p>
-            <a:endParaRPr lang="en-US" dirty="0"/>
-          </a:p>
-          <a:p>
-            <a:endParaRPr lang="en-US" dirty="0"/>
-          </a:p>
-          <a:p>
-            <a:pPr marL="0" indent="0">
-              <a:buNone/>
-            </a:pPr>
-            <a:endParaRPr lang="en-US" sz="1600" i="1" dirty="0"/>
-          </a:p>
-          <a:p>
-            <a:pPr marL="0" indent="0">
-              <a:buNone/>
-            </a:pPr>
-            <a:endParaRPr lang="en-US" dirty="0"/>
-          </a:p>
-          <a:p>
-            <a:pPr marL="0" indent="0">
-              <a:buNone/>
-            </a:pPr>
-            <a:endParaRPr lang="en-US" dirty="0"/>
-          </a:p>
-        </p:txBody>
-      </p:sp>
-      <p:pic>
-        <p:nvPicPr>
-          <p:cNvPr id="3" name="Picture 2">
-            <a:extLst>
-              <a:ext uri="{FF2B5EF4-FFF2-40B4-BE49-F238E27FC236}">
-                <a16:creationId xmlns:a16="http://schemas.microsoft.com/office/drawing/2014/main" id="{077B3C9D-2A2B-443B-B3CC-FA13AE7F280E}"/>
-              </a:ext>
-            </a:extLst>
-          </p:cNvPr>
-          <p:cNvPicPr>
-            <a:picLocks noChangeAspect="1"/>
-          </p:cNvPicPr>
-          <p:nvPr/>
-        </p:nvPicPr>
-        <p:blipFill>
-          <a:blip r:embed="rId3"/>
-          <a:stretch>
-            <a:fillRect/>
-          </a:stretch>
-        </p:blipFill>
-        <p:spPr>
-          <a:xfrm>
-            <a:off x="5604070" y="2708056"/>
-            <a:ext cx="2493356" cy="3666700"/>
-          </a:xfrm>
-          <a:prstGeom prst="rect">
-            <a:avLst/>
-          </a:prstGeom>
-        </p:spPr>
-      </p:pic>
-      <p:pic>
-        <p:nvPicPr>
-          <p:cNvPr id="7" name="Picture 6">
-            <a:extLst>
-              <a:ext uri="{FF2B5EF4-FFF2-40B4-BE49-F238E27FC236}">
-                <a16:creationId xmlns:a16="http://schemas.microsoft.com/office/drawing/2014/main" id="{62552021-6B49-4D83-AD44-4791A7C5502D}"/>
-              </a:ext>
-            </a:extLst>
-          </p:cNvPr>
-          <p:cNvPicPr>
-            <a:picLocks noChangeAspect="1"/>
-          </p:cNvPicPr>
-          <p:nvPr/>
-        </p:nvPicPr>
-        <p:blipFill>
-          <a:blip r:embed="rId4"/>
-          <a:stretch>
-            <a:fillRect/>
-          </a:stretch>
-        </p:blipFill>
-        <p:spPr>
-          <a:xfrm>
-            <a:off x="243347" y="2708056"/>
-            <a:ext cx="5058945" cy="3565421"/>
-          </a:xfrm>
-          <a:prstGeom prst="rect">
-            <a:avLst/>
-          </a:prstGeom>
-        </p:spPr>
-      </p:pic>
-    </p:spTree>
-    <p:extLst>
-      <p:ext uri="{BB962C8B-B14F-4D97-AF65-F5344CB8AC3E}">
-        <p14:creationId xmlns:p14="http://schemas.microsoft.com/office/powerpoint/2010/main" val="1044861800"/>
-      </p:ext>
-    </p:extLst>
-  </p:cSld>
-  <p:clrMapOvr>
-    <a:masterClrMapping/>
-  </p:clrMapOvr>
-</p:sld>
-</file>
-
-<file path=ppt/slides/slide24.xml><?xml version="1.0" encoding="utf-8"?>
-<p:sld xmlns:a="http://schemas.openxmlformats.org/drawingml/2006/main" xmlns:r="http://schemas.openxmlformats.org/officeDocument/2006/relationships" xmlns:p="http://schemas.openxmlformats.org/presentationml/2006/main">
-  <p:cSld>
-    <p:spTree>
-      <p:nvGrpSpPr>
-        <p:cNvPr id="1" name=""/>
-        <p:cNvGrpSpPr/>
-        <p:nvPr/>
-      </p:nvGrpSpPr>
-      <p:grpSpPr>
-        <a:xfrm>
-          <a:off x="0" y="0"/>
-          <a:ext cx="0" cy="0"/>
-          <a:chOff x="0" y="0"/>
-          <a:chExt cx="0" cy="0"/>
-        </a:xfrm>
-      </p:grpSpPr>
-      <p:sp>
-        <p:nvSpPr>
-          <p:cNvPr id="2" name="Title 1">
-            <a:extLst>
-              <a:ext uri="{FF2B5EF4-FFF2-40B4-BE49-F238E27FC236}">
-                <a16:creationId xmlns:a16="http://schemas.microsoft.com/office/drawing/2014/main" id="{5B931770-76C9-F749-9B7D-08A4A1F13896}"/>
-              </a:ext>
-            </a:extLst>
-          </p:cNvPr>
-          <p:cNvSpPr>
-            <a:spLocks noGrp="1"/>
-          </p:cNvSpPr>
-          <p:nvPr>
-            <p:ph type="title"/>
-          </p:nvPr>
-        </p:nvSpPr>
-        <p:spPr>
-          <a:xfrm>
-            <a:off x="0" y="228600"/>
-            <a:ext cx="9144000" cy="1143000"/>
-          </a:xfrm>
-        </p:spPr>
-        <p:txBody>
-          <a:bodyPr/>
-          <a:lstStyle/>
-          <a:p>
-            <a:r>
-              <a:rPr lang="en-US" dirty="0"/>
-              <a:t>Regional Comparisons</a:t>
-            </a:r>
-          </a:p>
-        </p:txBody>
-      </p:sp>
-      <p:sp>
-        <p:nvSpPr>
-          <p:cNvPr id="5" name="Content Placeholder 4">
-            <a:extLst>
-              <a:ext uri="{FF2B5EF4-FFF2-40B4-BE49-F238E27FC236}">
-                <a16:creationId xmlns:a16="http://schemas.microsoft.com/office/drawing/2014/main" id="{375CDB98-7F05-41AD-9F29-81E3D0CFBEFF}"/>
-              </a:ext>
-            </a:extLst>
-          </p:cNvPr>
-          <p:cNvSpPr>
-            <a:spLocks noGrp="1"/>
-          </p:cNvSpPr>
-          <p:nvPr>
-            <p:ph idx="1"/>
-          </p:nvPr>
-        </p:nvSpPr>
-        <p:spPr>
-          <a:xfrm>
-            <a:off x="457199" y="1627905"/>
-            <a:ext cx="8229600" cy="4854011"/>
-          </a:xfrm>
-        </p:spPr>
-        <p:txBody>
-          <a:bodyPr/>
-          <a:lstStyle/>
-          <a:p>
-            <a:r>
-              <a:rPr lang="en-US" dirty="0"/>
-              <a:t>Many of these states happen to be in regions with lower craft beer counts</a:t>
-            </a:r>
-          </a:p>
-          <a:p>
-            <a:endParaRPr lang="en-US" dirty="0"/>
-          </a:p>
-          <a:p>
-            <a:endParaRPr lang="en-US" dirty="0"/>
-          </a:p>
-          <a:p>
-            <a:endParaRPr lang="en-US" dirty="0"/>
-          </a:p>
-          <a:p>
-            <a:endParaRPr lang="en-US" dirty="0"/>
-          </a:p>
-          <a:p>
-            <a:endParaRPr lang="en-US" dirty="0"/>
-          </a:p>
-          <a:p>
-            <a:pPr marL="0" indent="0">
-              <a:buNone/>
-            </a:pPr>
-            <a:endParaRPr lang="en-US" sz="1600" i="1" dirty="0"/>
-          </a:p>
-          <a:p>
-            <a:endParaRPr lang="en-US" dirty="0"/>
-          </a:p>
-          <a:p>
-            <a:pPr marL="0" indent="0">
-              <a:buNone/>
-            </a:pPr>
-            <a:endParaRPr lang="en-US" dirty="0"/>
-          </a:p>
-        </p:txBody>
-      </p:sp>
-      <p:pic>
-        <p:nvPicPr>
-          <p:cNvPr id="3" name="Picture 2">
-            <a:extLst>
-              <a:ext uri="{FF2B5EF4-FFF2-40B4-BE49-F238E27FC236}">
-                <a16:creationId xmlns:a16="http://schemas.microsoft.com/office/drawing/2014/main" id="{7904B170-5731-499C-9F4D-1A7AEFB35961}"/>
-              </a:ext>
-            </a:extLst>
-          </p:cNvPr>
-          <p:cNvPicPr>
-            <a:picLocks noChangeAspect="1"/>
-          </p:cNvPicPr>
-          <p:nvPr/>
-        </p:nvPicPr>
-        <p:blipFill>
-          <a:blip r:embed="rId3"/>
-          <a:stretch>
-            <a:fillRect/>
-          </a:stretch>
-        </p:blipFill>
-        <p:spPr>
-          <a:xfrm>
-            <a:off x="1584791" y="2942957"/>
-            <a:ext cx="5776708" cy="3538959"/>
-          </a:xfrm>
-          <a:prstGeom prst="rect">
-            <a:avLst/>
-          </a:prstGeom>
-        </p:spPr>
-      </p:pic>
-    </p:spTree>
-    <p:extLst>
-      <p:ext uri="{BB962C8B-B14F-4D97-AF65-F5344CB8AC3E}">
-        <p14:creationId xmlns:p14="http://schemas.microsoft.com/office/powerpoint/2010/main" val="1683861339"/>
-      </p:ext>
-    </p:extLst>
-  </p:cSld>
-  <p:clrMapOvr>
-    <a:masterClrMapping/>
-  </p:clrMapOvr>
-</p:sld>
-</file>
-
-<file path=ppt/slides/slide25.xml><?xml version="1.0" encoding="utf-8"?>
-<p:sld xmlns:a="http://schemas.openxmlformats.org/drawingml/2006/main" xmlns:r="http://schemas.openxmlformats.org/officeDocument/2006/relationships" xmlns:p="http://schemas.openxmlformats.org/presentationml/2006/main">
-  <p:cSld>
-    <p:spTree>
-      <p:nvGrpSpPr>
-        <p:cNvPr id="1" name=""/>
-        <p:cNvGrpSpPr/>
-        <p:nvPr/>
-      </p:nvGrpSpPr>
-      <p:grpSpPr>
-        <a:xfrm>
-          <a:off x="0" y="0"/>
-          <a:ext cx="0" cy="0"/>
-          <a:chOff x="0" y="0"/>
-          <a:chExt cx="0" cy="0"/>
-        </a:xfrm>
-      </p:grpSpPr>
-      <p:sp>
-        <p:nvSpPr>
-          <p:cNvPr id="2" name="Title 1">
-            <a:extLst>
-              <a:ext uri="{FF2B5EF4-FFF2-40B4-BE49-F238E27FC236}">
-                <a16:creationId xmlns:a16="http://schemas.microsoft.com/office/drawing/2014/main" id="{5B931770-76C9-F749-9B7D-08A4A1F13896}"/>
-              </a:ext>
-            </a:extLst>
-          </p:cNvPr>
-          <p:cNvSpPr>
-            <a:spLocks noGrp="1"/>
-          </p:cNvSpPr>
-          <p:nvPr>
-            <p:ph type="title"/>
-          </p:nvPr>
-        </p:nvSpPr>
-        <p:spPr>
-          <a:xfrm>
-            <a:off x="0" y="228600"/>
-            <a:ext cx="9144000" cy="1143000"/>
-          </a:xfrm>
-        </p:spPr>
-        <p:txBody>
-          <a:bodyPr/>
-          <a:lstStyle/>
-          <a:p>
-            <a:r>
-              <a:rPr lang="en-US" dirty="0"/>
-              <a:t>Conclusion</a:t>
-            </a:r>
-          </a:p>
-        </p:txBody>
-      </p:sp>
-      <p:sp>
-        <p:nvSpPr>
-          <p:cNvPr id="8" name="Content Placeholder 4">
-            <a:extLst>
-              <a:ext uri="{FF2B5EF4-FFF2-40B4-BE49-F238E27FC236}">
-                <a16:creationId xmlns:a16="http://schemas.microsoft.com/office/drawing/2014/main" id="{4642B19D-3DF3-4F9F-B645-7D34C2B298DB}"/>
-              </a:ext>
-            </a:extLst>
-          </p:cNvPr>
-          <p:cNvSpPr txBox="1">
-            <a:spLocks/>
-          </p:cNvSpPr>
-          <p:nvPr/>
-        </p:nvSpPr>
-        <p:spPr>
-          <a:xfrm>
-            <a:off x="457200" y="1631695"/>
-            <a:ext cx="8229600" cy="1885795"/>
-          </a:xfrm>
-          <a:prstGeom prst="rect">
-            <a:avLst/>
-          </a:prstGeom>
-        </p:spPr>
-        <p:txBody>
-          <a:bodyPr vert="horz" lIns="91440" tIns="45720" rIns="91440" bIns="45720" rtlCol="0">
-            <a:noAutofit/>
-          </a:bodyPr>
-          <a:lstStyle>
-            <a:lvl1pPr marL="342900" indent="-342900" algn="l" defTabSz="914400" rtl="0" eaLnBrk="1" latinLnBrk="0" hangingPunct="1">
-              <a:spcBef>
-                <a:spcPts val="600"/>
-              </a:spcBef>
-              <a:buFont typeface="Arial" charset="0"/>
-              <a:buChar char="•"/>
-              <a:defRPr sz="3200" kern="1200">
-                <a:solidFill>
-                  <a:schemeClr val="tx1"/>
-                </a:solidFill>
-                <a:latin typeface="+mn-lt"/>
-                <a:ea typeface="+mn-ea"/>
-                <a:cs typeface="+mn-cs"/>
-              </a:defRPr>
-            </a:lvl1pPr>
-            <a:lvl2pPr marL="742950" indent="-285750" algn="l" defTabSz="914400" rtl="0" eaLnBrk="1" latinLnBrk="0" hangingPunct="1">
-              <a:spcBef>
-                <a:spcPts val="600"/>
-              </a:spcBef>
-              <a:buFont typeface="Arial" charset="0"/>
-              <a:buChar char="•"/>
-              <a:defRPr sz="2800" b="0" i="0" u="none" kern="1200">
-                <a:solidFill>
-                  <a:schemeClr val="tx1"/>
-                </a:solidFill>
-                <a:latin typeface="+mn-lt"/>
-                <a:ea typeface="+mn-ea"/>
-                <a:cs typeface="+mn-cs"/>
-              </a:defRPr>
-            </a:lvl2pPr>
-            <a:lvl3pPr marL="1143000" indent="-228600" algn="l" defTabSz="914400" rtl="0" eaLnBrk="1" latinLnBrk="0" hangingPunct="1">
-              <a:spcBef>
-                <a:spcPts val="600"/>
-              </a:spcBef>
-              <a:buFont typeface="Arial" charset="0"/>
-              <a:buChar char="•"/>
-              <a:defRPr sz="2400" kern="1200">
-                <a:solidFill>
-                  <a:schemeClr val="tx1"/>
-                </a:solidFill>
-                <a:latin typeface="+mn-lt"/>
-                <a:ea typeface="+mn-ea"/>
-                <a:cs typeface="+mn-cs"/>
-              </a:defRPr>
-            </a:lvl3pPr>
-            <a:lvl4pPr marL="1600200" indent="-228600" algn="l" defTabSz="914400" rtl="0" eaLnBrk="1" latinLnBrk="0" hangingPunct="1">
-              <a:spcBef>
-                <a:spcPts val="600"/>
-              </a:spcBef>
-              <a:buFont typeface="Arial" charset="0"/>
-              <a:buChar char="•"/>
-              <a:defRPr sz="2000" kern="1200">
-                <a:solidFill>
-                  <a:schemeClr val="tx1"/>
-                </a:solidFill>
-                <a:latin typeface="+mn-lt"/>
-                <a:ea typeface="+mn-ea"/>
-                <a:cs typeface="+mn-cs"/>
-              </a:defRPr>
-            </a:lvl4pPr>
-            <a:lvl5pPr marL="2057400" indent="-228600" algn="l" defTabSz="914400" rtl="0" eaLnBrk="1" latinLnBrk="0" hangingPunct="1">
-              <a:spcBef>
-                <a:spcPts val="600"/>
-              </a:spcBef>
-              <a:buFont typeface="Arial" charset="0"/>
-              <a:buChar char="•"/>
-              <a:defRPr sz="2000" kern="1200">
-                <a:solidFill>
-                  <a:schemeClr val="tx1"/>
-                </a:solidFill>
-                <a:latin typeface="+mn-lt"/>
-                <a:ea typeface="+mn-ea"/>
-                <a:cs typeface="+mn-cs"/>
-              </a:defRPr>
-            </a:lvl5pPr>
-            <a:lvl6pPr marL="2514600" indent="-228600" algn="l" defTabSz="914400" rtl="0" eaLnBrk="1" latinLnBrk="0" hangingPunct="1">
-              <a:spcBef>
-                <a:spcPct val="20000"/>
-              </a:spcBef>
-              <a:buFont typeface="Arial" panose="020B0604020202020204" pitchFamily="34" charset="0"/>
-              <a:buChar char="•"/>
-              <a:defRPr sz="2000" kern="1200">
-                <a:solidFill>
-                  <a:schemeClr val="tx1"/>
-                </a:solidFill>
-                <a:latin typeface="+mn-lt"/>
-                <a:ea typeface="+mn-ea"/>
-                <a:cs typeface="+mn-cs"/>
-              </a:defRPr>
-            </a:lvl6pPr>
-            <a:lvl7pPr marL="2971800" indent="-228600" algn="l" defTabSz="914400" rtl="0" eaLnBrk="1" latinLnBrk="0" hangingPunct="1">
-              <a:spcBef>
-                <a:spcPct val="20000"/>
-              </a:spcBef>
-              <a:buFont typeface="Arial" panose="020B0604020202020204" pitchFamily="34" charset="0"/>
-              <a:buChar char="•"/>
-              <a:defRPr sz="2000" kern="1200">
-                <a:solidFill>
-                  <a:schemeClr val="tx1"/>
-                </a:solidFill>
-                <a:latin typeface="+mn-lt"/>
-                <a:ea typeface="+mn-ea"/>
-                <a:cs typeface="+mn-cs"/>
-              </a:defRPr>
-            </a:lvl7pPr>
-            <a:lvl8pPr marL="3429000" indent="-228600" algn="l" defTabSz="914400" rtl="0" eaLnBrk="1" latinLnBrk="0" hangingPunct="1">
-              <a:spcBef>
-                <a:spcPct val="20000"/>
-              </a:spcBef>
-              <a:buFont typeface="Arial" panose="020B0604020202020204" pitchFamily="34" charset="0"/>
-              <a:buChar char="•"/>
-              <a:defRPr sz="2000" kern="1200">
-                <a:solidFill>
-                  <a:schemeClr val="tx1"/>
-                </a:solidFill>
-                <a:latin typeface="+mn-lt"/>
-                <a:ea typeface="+mn-ea"/>
-                <a:cs typeface="+mn-cs"/>
-              </a:defRPr>
-            </a:lvl8pPr>
-            <a:lvl9pPr marL="3886200" indent="-228600" algn="l" defTabSz="914400" rtl="0" eaLnBrk="1" latinLnBrk="0" hangingPunct="1">
-              <a:spcBef>
-                <a:spcPct val="20000"/>
-              </a:spcBef>
-              <a:buFont typeface="Arial" panose="020B0604020202020204" pitchFamily="34" charset="0"/>
-              <a:buChar char="•"/>
-              <a:defRPr sz="2000" kern="1200">
-                <a:solidFill>
-                  <a:schemeClr val="tx1"/>
-                </a:solidFill>
-                <a:latin typeface="+mn-lt"/>
-                <a:ea typeface="+mn-ea"/>
-                <a:cs typeface="+mn-cs"/>
-              </a:defRPr>
-            </a:lvl9pPr>
-          </a:lstStyle>
-          <a:p>
-            <a:r>
-              <a:rPr lang="en-US" sz="2800" b="1" dirty="0"/>
-              <a:t>ABV</a:t>
-            </a:r>
-            <a:r>
-              <a:rPr lang="en-US" sz="2800" dirty="0"/>
-              <a:t> (Alcohol by Volume) and </a:t>
-            </a:r>
-            <a:r>
-              <a:rPr lang="en-US" sz="2800" b="1" dirty="0"/>
-              <a:t>IBU</a:t>
-            </a:r>
-            <a:r>
-              <a:rPr lang="en-US" sz="2800" dirty="0"/>
-              <a:t> (International Bitterness Units) serve as good predictors of beer styles</a:t>
-            </a:r>
-          </a:p>
-          <a:p>
-            <a:r>
-              <a:rPr lang="en-US" sz="2800" b="1" dirty="0"/>
-              <a:t>Regional preferences </a:t>
-            </a:r>
-            <a:r>
-              <a:rPr lang="en-US" sz="2800" dirty="0"/>
-              <a:t>can be seen in the charts for a beer’s bitterness</a:t>
-            </a:r>
-          </a:p>
-          <a:p>
-            <a:r>
-              <a:rPr lang="en-US" sz="2800" dirty="0"/>
-              <a:t>There are fewer craft beers/ breweries in the </a:t>
-            </a:r>
-            <a:r>
-              <a:rPr lang="en-US" sz="2800" b="1" dirty="0"/>
-              <a:t>Northeast</a:t>
-            </a:r>
-            <a:r>
-              <a:rPr lang="en-US" sz="2800" dirty="0"/>
-              <a:t> and </a:t>
-            </a:r>
-            <a:r>
-              <a:rPr lang="en-US" sz="2800" b="1" dirty="0"/>
-              <a:t>South</a:t>
-            </a:r>
-            <a:r>
-              <a:rPr lang="en-US" sz="2800" dirty="0"/>
-              <a:t> regions</a:t>
-            </a:r>
-          </a:p>
-          <a:p>
-            <a:r>
-              <a:rPr lang="en-US" sz="2800" b="1" dirty="0"/>
-              <a:t>Opportunities</a:t>
-            </a:r>
-            <a:r>
-              <a:rPr lang="en-US" sz="2800" dirty="0"/>
-              <a:t> for product differentiation with </a:t>
-            </a:r>
-            <a:r>
-              <a:rPr lang="en-US" sz="2800" b="1" dirty="0"/>
-              <a:t>lower IBU </a:t>
-            </a:r>
-            <a:r>
-              <a:rPr lang="en-US" sz="2800" dirty="0"/>
-              <a:t>ratings</a:t>
-            </a:r>
-          </a:p>
-          <a:p>
-            <a:pPr marL="0" indent="0">
-              <a:buFont typeface="Arial" charset="0"/>
-              <a:buNone/>
-            </a:pPr>
-            <a:endParaRPr lang="en-US" sz="1600" i="1" dirty="0"/>
-          </a:p>
-          <a:p>
-            <a:endParaRPr lang="en-US" dirty="0"/>
-          </a:p>
-          <a:p>
-            <a:pPr marL="0" indent="0">
-              <a:buFont typeface="Arial" charset="0"/>
-              <a:buNone/>
-            </a:pPr>
-            <a:endParaRPr lang="en-US" dirty="0"/>
-          </a:p>
-        </p:txBody>
-      </p:sp>
-    </p:spTree>
-    <p:extLst>
-      <p:ext uri="{BB962C8B-B14F-4D97-AF65-F5344CB8AC3E}">
-        <p14:creationId xmlns:p14="http://schemas.microsoft.com/office/powerpoint/2010/main" val="1981835246"/>
-      </p:ext>
-    </p:extLst>
-  </p:cSld>
-  <p:clrMapOvr>
-    <a:masterClrMapping/>
-  </p:clrMapOvr>
-</p:sld>
-</file>
-
-<file path=ppt/slides/slide26.xml><?xml version="1.0" encoding="utf-8"?>
-<p:sld xmlns:a="http://schemas.openxmlformats.org/drawingml/2006/main" xmlns:r="http://schemas.openxmlformats.org/officeDocument/2006/relationships" xmlns:p="http://schemas.openxmlformats.org/presentationml/2006/main">
-  <p:cSld>
-    <p:spTree>
-      <p:nvGrpSpPr>
-        <p:cNvPr id="1" name=""/>
-        <p:cNvGrpSpPr/>
-        <p:nvPr/>
-      </p:nvGrpSpPr>
-      <p:grpSpPr>
-        <a:xfrm>
-          <a:off x="0" y="0"/>
-          <a:ext cx="0" cy="0"/>
-          <a:chOff x="0" y="0"/>
-          <a:chExt cx="0" cy="0"/>
-        </a:xfrm>
-      </p:grpSpPr>
-    </p:spTree>
-    <p:extLst>
-      <p:ext uri="{BB962C8B-B14F-4D97-AF65-F5344CB8AC3E}">
-        <p14:creationId xmlns:p14="http://schemas.microsoft.com/office/powerpoint/2010/main" val="876298325"/>
       </p:ext>
     </p:extLst>
   </p:cSld>

--- a/presentation/DS7346_Cloud_Computing_Presentation.pptx
+++ b/presentation/DS7346_Cloud_Computing_Presentation.pptx
@@ -5,7 +5,7 @@
     <p:sldMasterId id="2147483672" r:id="rId1"/>
   </p:sldMasterIdLst>
   <p:notesMasterIdLst>
-    <p:notesMasterId r:id="rId18"/>
+    <p:notesMasterId r:id="rId22"/>
   </p:notesMasterIdLst>
   <p:sldIdLst>
     <p:sldId id="580" r:id="rId2"/>
@@ -22,8 +22,12 @@
     <p:sldId id="634" r:id="rId13"/>
     <p:sldId id="631" r:id="rId14"/>
     <p:sldId id="630" r:id="rId15"/>
-    <p:sldId id="645" r:id="rId16"/>
-    <p:sldId id="526" r:id="rId17"/>
+    <p:sldId id="646" r:id="rId16"/>
+    <p:sldId id="647" r:id="rId17"/>
+    <p:sldId id="648" r:id="rId18"/>
+    <p:sldId id="649" r:id="rId19"/>
+    <p:sldId id="650" r:id="rId20"/>
+    <p:sldId id="526" r:id="rId21"/>
   </p:sldIdLst>
   <p:sldSz cx="9144000" cy="6858000" type="screen4x3"/>
   <p:notesSz cx="6858000" cy="9144000"/>
@@ -221,7 +225,7 @@
           <a:p>
             <a:fld id="{05A716D1-0E3B-43FE-813B-2DAFF8230A94}" type="datetimeFigureOut">
               <a:rPr lang="en-US" smtClean="0"/>
-              <a:t>11/22/2020</a:t>
+              <a:t>11/23/2020</a:t>
             </a:fld>
             <a:endParaRPr lang="en-US"/>
           </a:p>
@@ -1175,6 +1179,363 @@
     <p:extLst>
       <p:ext uri="{BB962C8B-B14F-4D97-AF65-F5344CB8AC3E}">
         <p14:creationId xmlns:p14="http://schemas.microsoft.com/office/powerpoint/2010/main" val="3353241369"/>
+      </p:ext>
+    </p:extLst>
+  </p:cSld>
+  <p:clrMapOvr>
+    <a:masterClrMapping/>
+  </p:clrMapOvr>
+</p:notes>
+</file>
+
+<file path=ppt/notesSlides/notesSlide6.xml><?xml version="1.0" encoding="utf-8"?>
+<p:notes xmlns:a="http://schemas.openxmlformats.org/drawingml/2006/main" xmlns:r="http://schemas.openxmlformats.org/officeDocument/2006/relationships" xmlns:p="http://schemas.openxmlformats.org/presentationml/2006/main">
+  <p:cSld>
+    <p:spTree>
+      <p:nvGrpSpPr>
+        <p:cNvPr id="1" name=""/>
+        <p:cNvGrpSpPr/>
+        <p:nvPr/>
+      </p:nvGrpSpPr>
+      <p:grpSpPr>
+        <a:xfrm>
+          <a:off x="0" y="0"/>
+          <a:ext cx="0" cy="0"/>
+          <a:chOff x="0" y="0"/>
+          <a:chExt cx="0" cy="0"/>
+        </a:xfrm>
+      </p:grpSpPr>
+      <p:sp>
+        <p:nvSpPr>
+          <p:cNvPr id="2" name="Slide Image Placeholder 1"/>
+          <p:cNvSpPr>
+            <a:spLocks noGrp="1" noRot="1" noChangeAspect="1"/>
+          </p:cNvSpPr>
+          <p:nvPr>
+            <p:ph type="sldImg"/>
+          </p:nvPr>
+        </p:nvSpPr>
+        <p:spPr/>
+      </p:sp>
+      <p:sp>
+        <p:nvSpPr>
+          <p:cNvPr id="3" name="Notes Placeholder 2"/>
+          <p:cNvSpPr>
+            <a:spLocks noGrp="1"/>
+          </p:cNvSpPr>
+          <p:nvPr>
+            <p:ph type="body" idx="1"/>
+          </p:nvPr>
+        </p:nvSpPr>
+        <p:spPr/>
+        <p:txBody>
+          <a:bodyPr/>
+          <a:lstStyle/>
+          <a:p>
+            <a:endParaRPr lang="en-US" dirty="0"/>
+          </a:p>
+        </p:txBody>
+      </p:sp>
+      <p:sp>
+        <p:nvSpPr>
+          <p:cNvPr id="4" name="Slide Number Placeholder 3"/>
+          <p:cNvSpPr>
+            <a:spLocks noGrp="1"/>
+          </p:cNvSpPr>
+          <p:nvPr>
+            <p:ph type="sldNum" sz="quarter" idx="5"/>
+          </p:nvPr>
+        </p:nvSpPr>
+        <p:spPr/>
+        <p:txBody>
+          <a:bodyPr/>
+          <a:lstStyle/>
+          <a:p>
+            <a:fld id="{1B0D91D7-F22D-4CDC-8F75-E7F369B9B3B7}" type="slidenum">
+              <a:rPr lang="en-US" smtClean="0"/>
+              <a:t>16</a:t>
+            </a:fld>
+            <a:endParaRPr lang="en-US"/>
+          </a:p>
+        </p:txBody>
+      </p:sp>
+    </p:spTree>
+    <p:extLst>
+      <p:ext uri="{BB962C8B-B14F-4D97-AF65-F5344CB8AC3E}">
+        <p14:creationId xmlns:p14="http://schemas.microsoft.com/office/powerpoint/2010/main" val="236243604"/>
+      </p:ext>
+    </p:extLst>
+  </p:cSld>
+  <p:clrMapOvr>
+    <a:masterClrMapping/>
+  </p:clrMapOvr>
+</p:notes>
+</file>
+
+<file path=ppt/notesSlides/notesSlide7.xml><?xml version="1.0" encoding="utf-8"?>
+<p:notes xmlns:a="http://schemas.openxmlformats.org/drawingml/2006/main" xmlns:r="http://schemas.openxmlformats.org/officeDocument/2006/relationships" xmlns:p="http://schemas.openxmlformats.org/presentationml/2006/main">
+  <p:cSld>
+    <p:spTree>
+      <p:nvGrpSpPr>
+        <p:cNvPr id="1" name=""/>
+        <p:cNvGrpSpPr/>
+        <p:nvPr/>
+      </p:nvGrpSpPr>
+      <p:grpSpPr>
+        <a:xfrm>
+          <a:off x="0" y="0"/>
+          <a:ext cx="0" cy="0"/>
+          <a:chOff x="0" y="0"/>
+          <a:chExt cx="0" cy="0"/>
+        </a:xfrm>
+      </p:grpSpPr>
+      <p:sp>
+        <p:nvSpPr>
+          <p:cNvPr id="2" name="Slide Image Placeholder 1"/>
+          <p:cNvSpPr>
+            <a:spLocks noGrp="1" noRot="1" noChangeAspect="1"/>
+          </p:cNvSpPr>
+          <p:nvPr>
+            <p:ph type="sldImg"/>
+          </p:nvPr>
+        </p:nvSpPr>
+        <p:spPr/>
+      </p:sp>
+      <p:sp>
+        <p:nvSpPr>
+          <p:cNvPr id="3" name="Notes Placeholder 2"/>
+          <p:cNvSpPr>
+            <a:spLocks noGrp="1"/>
+          </p:cNvSpPr>
+          <p:nvPr>
+            <p:ph type="body" idx="1"/>
+          </p:nvPr>
+        </p:nvSpPr>
+        <p:spPr/>
+        <p:txBody>
+          <a:bodyPr/>
+          <a:lstStyle/>
+          <a:p>
+            <a:endParaRPr lang="en-US" dirty="0"/>
+          </a:p>
+        </p:txBody>
+      </p:sp>
+      <p:sp>
+        <p:nvSpPr>
+          <p:cNvPr id="4" name="Slide Number Placeholder 3"/>
+          <p:cNvSpPr>
+            <a:spLocks noGrp="1"/>
+          </p:cNvSpPr>
+          <p:nvPr>
+            <p:ph type="sldNum" sz="quarter" idx="5"/>
+          </p:nvPr>
+        </p:nvSpPr>
+        <p:spPr/>
+        <p:txBody>
+          <a:bodyPr/>
+          <a:lstStyle/>
+          <a:p>
+            <a:fld id="{1B0D91D7-F22D-4CDC-8F75-E7F369B9B3B7}" type="slidenum">
+              <a:rPr lang="en-US" smtClean="0"/>
+              <a:t>17</a:t>
+            </a:fld>
+            <a:endParaRPr lang="en-US"/>
+          </a:p>
+        </p:txBody>
+      </p:sp>
+    </p:spTree>
+    <p:extLst>
+      <p:ext uri="{BB962C8B-B14F-4D97-AF65-F5344CB8AC3E}">
+        <p14:creationId xmlns:p14="http://schemas.microsoft.com/office/powerpoint/2010/main" val="263870704"/>
+      </p:ext>
+    </p:extLst>
+  </p:cSld>
+  <p:clrMapOvr>
+    <a:masterClrMapping/>
+  </p:clrMapOvr>
+</p:notes>
+</file>
+
+<file path=ppt/notesSlides/notesSlide8.xml><?xml version="1.0" encoding="utf-8"?>
+<p:notes xmlns:a="http://schemas.openxmlformats.org/drawingml/2006/main" xmlns:r="http://schemas.openxmlformats.org/officeDocument/2006/relationships" xmlns:p="http://schemas.openxmlformats.org/presentationml/2006/main">
+  <p:cSld>
+    <p:spTree>
+      <p:nvGrpSpPr>
+        <p:cNvPr id="1" name=""/>
+        <p:cNvGrpSpPr/>
+        <p:nvPr/>
+      </p:nvGrpSpPr>
+      <p:grpSpPr>
+        <a:xfrm>
+          <a:off x="0" y="0"/>
+          <a:ext cx="0" cy="0"/>
+          <a:chOff x="0" y="0"/>
+          <a:chExt cx="0" cy="0"/>
+        </a:xfrm>
+      </p:grpSpPr>
+      <p:sp>
+        <p:nvSpPr>
+          <p:cNvPr id="2" name="Slide Image Placeholder 1"/>
+          <p:cNvSpPr>
+            <a:spLocks noGrp="1" noRot="1" noChangeAspect="1"/>
+          </p:cNvSpPr>
+          <p:nvPr>
+            <p:ph type="sldImg"/>
+          </p:nvPr>
+        </p:nvSpPr>
+        <p:spPr/>
+      </p:sp>
+      <p:sp>
+        <p:nvSpPr>
+          <p:cNvPr id="3" name="Notes Placeholder 2"/>
+          <p:cNvSpPr>
+            <a:spLocks noGrp="1"/>
+          </p:cNvSpPr>
+          <p:nvPr>
+            <p:ph type="body" idx="1"/>
+          </p:nvPr>
+        </p:nvSpPr>
+        <p:spPr/>
+        <p:txBody>
+          <a:bodyPr/>
+          <a:lstStyle/>
+          <a:p>
+            <a:r>
+              <a:rPr lang="en-US" dirty="0"/>
+              <a:t>User Pools – Shares authentication details; cannot deal with authorizations</a:t>
+            </a:r>
+          </a:p>
+          <a:p>
+            <a:r>
+              <a:rPr lang="en-US" dirty="0"/>
+              <a:t>IAM Federated – Validates accesses against IAM</a:t>
+            </a:r>
+          </a:p>
+          <a:p>
+            <a:r>
+              <a:rPr lang="en-US" dirty="0"/>
+              <a:t>Custom – checks cache; validates against IAM</a:t>
+            </a:r>
+          </a:p>
+          <a:p>
+            <a:endParaRPr lang="en-US" dirty="0"/>
+          </a:p>
+          <a:p>
+            <a:endParaRPr lang="en-US" dirty="0"/>
+          </a:p>
+        </p:txBody>
+      </p:sp>
+      <p:sp>
+        <p:nvSpPr>
+          <p:cNvPr id="4" name="Slide Number Placeholder 3"/>
+          <p:cNvSpPr>
+            <a:spLocks noGrp="1"/>
+          </p:cNvSpPr>
+          <p:nvPr>
+            <p:ph type="sldNum" sz="quarter" idx="5"/>
+          </p:nvPr>
+        </p:nvSpPr>
+        <p:spPr/>
+        <p:txBody>
+          <a:bodyPr/>
+          <a:lstStyle/>
+          <a:p>
+            <a:fld id="{1B0D91D7-F22D-4CDC-8F75-E7F369B9B3B7}" type="slidenum">
+              <a:rPr lang="en-US" smtClean="0"/>
+              <a:t>18</a:t>
+            </a:fld>
+            <a:endParaRPr lang="en-US"/>
+          </a:p>
+        </p:txBody>
+      </p:sp>
+    </p:spTree>
+    <p:extLst>
+      <p:ext uri="{BB962C8B-B14F-4D97-AF65-F5344CB8AC3E}">
+        <p14:creationId xmlns:p14="http://schemas.microsoft.com/office/powerpoint/2010/main" val="3660684656"/>
+      </p:ext>
+    </p:extLst>
+  </p:cSld>
+  <p:clrMapOvr>
+    <a:masterClrMapping/>
+  </p:clrMapOvr>
+</p:notes>
+</file>
+
+<file path=ppt/notesSlides/notesSlide9.xml><?xml version="1.0" encoding="utf-8"?>
+<p:notes xmlns:a="http://schemas.openxmlformats.org/drawingml/2006/main" xmlns:r="http://schemas.openxmlformats.org/officeDocument/2006/relationships" xmlns:p="http://schemas.openxmlformats.org/presentationml/2006/main">
+  <p:cSld>
+    <p:spTree>
+      <p:nvGrpSpPr>
+        <p:cNvPr id="1" name=""/>
+        <p:cNvGrpSpPr/>
+        <p:nvPr/>
+      </p:nvGrpSpPr>
+      <p:grpSpPr>
+        <a:xfrm>
+          <a:off x="0" y="0"/>
+          <a:ext cx="0" cy="0"/>
+          <a:chOff x="0" y="0"/>
+          <a:chExt cx="0" cy="0"/>
+        </a:xfrm>
+      </p:grpSpPr>
+      <p:sp>
+        <p:nvSpPr>
+          <p:cNvPr id="2" name="Slide Image Placeholder 1"/>
+          <p:cNvSpPr>
+            <a:spLocks noGrp="1" noRot="1" noChangeAspect="1"/>
+          </p:cNvSpPr>
+          <p:nvPr>
+            <p:ph type="sldImg"/>
+          </p:nvPr>
+        </p:nvSpPr>
+        <p:spPr/>
+      </p:sp>
+      <p:sp>
+        <p:nvSpPr>
+          <p:cNvPr id="3" name="Notes Placeholder 2"/>
+          <p:cNvSpPr>
+            <a:spLocks noGrp="1"/>
+          </p:cNvSpPr>
+          <p:nvPr>
+            <p:ph type="body" idx="1"/>
+          </p:nvPr>
+        </p:nvSpPr>
+        <p:spPr/>
+        <p:txBody>
+          <a:bodyPr/>
+          <a:lstStyle/>
+          <a:p>
+            <a:endParaRPr lang="en-US" dirty="0"/>
+          </a:p>
+        </p:txBody>
+      </p:sp>
+      <p:sp>
+        <p:nvSpPr>
+          <p:cNvPr id="4" name="Slide Number Placeholder 3"/>
+          <p:cNvSpPr>
+            <a:spLocks noGrp="1"/>
+          </p:cNvSpPr>
+          <p:nvPr>
+            <p:ph type="sldNum" sz="quarter" idx="5"/>
+          </p:nvPr>
+        </p:nvSpPr>
+        <p:spPr/>
+        <p:txBody>
+          <a:bodyPr/>
+          <a:lstStyle/>
+          <a:p>
+            <a:fld id="{1B0D91D7-F22D-4CDC-8F75-E7F369B9B3B7}" type="slidenum">
+              <a:rPr lang="en-US" smtClean="0"/>
+              <a:t>19</a:t>
+            </a:fld>
+            <a:endParaRPr lang="en-US"/>
+          </a:p>
+        </p:txBody>
+      </p:sp>
+    </p:spTree>
+    <p:extLst>
+      <p:ext uri="{BB962C8B-B14F-4D97-AF65-F5344CB8AC3E}">
+        <p14:creationId xmlns:p14="http://schemas.microsoft.com/office/powerpoint/2010/main" val="223015884"/>
       </p:ext>
     </p:extLst>
   </p:cSld>
@@ -4894,7 +5255,7 @@
               <a:rPr lang="en-US" dirty="0">
                 <a:cs typeface="Arial"/>
               </a:rPr>
-              <a:t>Sreeni Stuff goes here</a:t>
+              <a:t>RDS Integration</a:t>
             </a:r>
             <a:endParaRPr lang="en-US" dirty="0"/>
           </a:p>
@@ -4916,11 +5277,112 @@
             <p:ph idx="1"/>
           </p:nvPr>
         </p:nvSpPr>
-        <p:spPr/>
+        <p:spPr>
+          <a:xfrm>
+            <a:off x="457200" y="1464016"/>
+            <a:ext cx="8229600" cy="1809344"/>
+          </a:xfrm>
+        </p:spPr>
         <p:txBody>
           <a:bodyPr/>
           <a:lstStyle/>
           <a:p>
+            <a:r>
+              <a:rPr lang="en-US" sz="2400" dirty="0"/>
+              <a:t>Application uses a PostgreSQL on RDS to capture the predictions along with the corresponding payloads</a:t>
+            </a:r>
+          </a:p>
+          <a:p>
+            <a:r>
+              <a:rPr lang="en-US" sz="2400" dirty="0"/>
+              <a:t>Purpose of this data is to monitor the effectiveness of the prediction model, and tune it further as needed</a:t>
+            </a:r>
+          </a:p>
+        </p:txBody>
+      </p:sp>
+      <p:pic>
+        <p:nvPicPr>
+          <p:cNvPr id="5" name="Picture 4">
+            <a:extLst>
+              <a:ext uri="{FF2B5EF4-FFF2-40B4-BE49-F238E27FC236}">
+                <a16:creationId xmlns:a16="http://schemas.microsoft.com/office/drawing/2014/main" id="{15D41F1E-FF68-498D-81EA-B2452BED821B}"/>
+              </a:ext>
+            </a:extLst>
+          </p:cNvPr>
+          <p:cNvPicPr>
+            <a:picLocks noChangeAspect="1"/>
+          </p:cNvPicPr>
+          <p:nvPr/>
+        </p:nvPicPr>
+        <p:blipFill>
+          <a:blip r:embed="rId2"/>
+          <a:stretch>
+            <a:fillRect/>
+          </a:stretch>
+        </p:blipFill>
+        <p:spPr>
+          <a:xfrm>
+            <a:off x="609955" y="3448456"/>
+            <a:ext cx="7924090" cy="2047611"/>
+          </a:xfrm>
+          <a:prstGeom prst="rect">
+            <a:avLst/>
+          </a:prstGeom>
+          <a:ln>
+            <a:solidFill>
+              <a:srgbClr val="0070C0"/>
+            </a:solidFill>
+          </a:ln>
+        </p:spPr>
+      </p:pic>
+      <p:sp>
+        <p:nvSpPr>
+          <p:cNvPr id="6" name="Oval 5">
+            <a:extLst>
+              <a:ext uri="{FF2B5EF4-FFF2-40B4-BE49-F238E27FC236}">
+                <a16:creationId xmlns:a16="http://schemas.microsoft.com/office/drawing/2014/main" id="{C82BE0AB-3841-4580-AC52-1575169DDC5F}"/>
+              </a:ext>
+            </a:extLst>
+          </p:cNvPr>
+          <p:cNvSpPr/>
+          <p:nvPr/>
+        </p:nvSpPr>
+        <p:spPr>
+          <a:xfrm>
+            <a:off x="744166" y="4053972"/>
+            <a:ext cx="7655668" cy="836578"/>
+          </a:xfrm>
+          <a:prstGeom prst="ellipse">
+            <a:avLst/>
+          </a:prstGeom>
+          <a:noFill/>
+          <a:ln w="31750">
+            <a:solidFill>
+              <a:srgbClr val="FF0000"/>
+            </a:solidFill>
+          </a:ln>
+        </p:spPr>
+        <p:style>
+          <a:lnRef idx="2">
+            <a:schemeClr val="accent1">
+              <a:shade val="50000"/>
+            </a:schemeClr>
+          </a:lnRef>
+          <a:fillRef idx="1">
+            <a:schemeClr val="accent1"/>
+          </a:fillRef>
+          <a:effectRef idx="0">
+            <a:schemeClr val="accent1"/>
+          </a:effectRef>
+          <a:fontRef idx="minor">
+            <a:schemeClr val="lt1"/>
+          </a:fontRef>
+        </p:style>
+        <p:txBody>
+          <a:bodyPr rtlCol="0" anchor="ctr"/>
+          <a:lstStyle/>
+          <a:p>
+            <a:pPr algn="ctr"/>
             <a:endParaRPr lang="en-US"/>
           </a:p>
         </p:txBody>
@@ -4928,7 +5390,7 @@
     </p:spTree>
     <p:extLst>
       <p:ext uri="{BB962C8B-B14F-4D97-AF65-F5344CB8AC3E}">
-        <p14:creationId xmlns:p14="http://schemas.microsoft.com/office/powerpoint/2010/main" val="2533674786"/>
+        <p14:creationId xmlns:p14="http://schemas.microsoft.com/office/powerpoint/2010/main" val="3794785506"/>
       </p:ext>
     </p:extLst>
   </p:cSld>
@@ -4955,10 +5417,2216 @@
           <a:chExt cx="0" cy="0"/>
         </a:xfrm>
       </p:grpSpPr>
+      <p:sp>
+        <p:nvSpPr>
+          <p:cNvPr id="2" name="Title 1">
+            <a:extLst>
+              <a:ext uri="{FF2B5EF4-FFF2-40B4-BE49-F238E27FC236}">
+                <a16:creationId xmlns:a16="http://schemas.microsoft.com/office/drawing/2014/main" id="{CCCE867A-C4F6-495A-B5B9-8ECEC8380CB6}"/>
+              </a:ext>
+            </a:extLst>
+          </p:cNvPr>
+          <p:cNvSpPr>
+            <a:spLocks noGrp="1"/>
+          </p:cNvSpPr>
+          <p:nvPr>
+            <p:ph type="title"/>
+          </p:nvPr>
+        </p:nvSpPr>
+        <p:spPr/>
+        <p:txBody>
+          <a:bodyPr/>
+          <a:lstStyle/>
+          <a:p>
+            <a:r>
+              <a:rPr lang="en-US" dirty="0">
+                <a:cs typeface="Arial"/>
+              </a:rPr>
+              <a:t>Secrets Manager</a:t>
+            </a:r>
+            <a:endParaRPr lang="en-US" dirty="0"/>
+          </a:p>
+        </p:txBody>
+      </p:sp>
+      <p:sp>
+        <p:nvSpPr>
+          <p:cNvPr id="3" name="Content Placeholder 2">
+            <a:extLst>
+              <a:ext uri="{FF2B5EF4-FFF2-40B4-BE49-F238E27FC236}">
+                <a16:creationId xmlns:a16="http://schemas.microsoft.com/office/drawing/2014/main" id="{D3B6111A-2981-4F16-A1AE-17B3B448F9C5}"/>
+              </a:ext>
+            </a:extLst>
+          </p:cNvPr>
+          <p:cNvSpPr>
+            <a:spLocks noGrp="1"/>
+          </p:cNvSpPr>
+          <p:nvPr>
+            <p:ph idx="1"/>
+          </p:nvPr>
+        </p:nvSpPr>
+        <p:spPr>
+          <a:xfrm>
+            <a:off x="457200" y="1371601"/>
+            <a:ext cx="8229600" cy="3375498"/>
+          </a:xfrm>
+        </p:spPr>
+        <p:txBody>
+          <a:bodyPr/>
+          <a:lstStyle/>
+          <a:p>
+            <a:r>
+              <a:rPr lang="en-US" sz="1800" dirty="0"/>
+              <a:t>Advantages of Secrets Manager:</a:t>
+            </a:r>
+          </a:p>
+          <a:p>
+            <a:pPr lvl="1"/>
+            <a:r>
+              <a:rPr lang="en-US" sz="1600" dirty="0"/>
+              <a:t>Offers built-in integration for databases on RDS</a:t>
+            </a:r>
+          </a:p>
+          <a:p>
+            <a:pPr lvl="1"/>
+            <a:r>
+              <a:rPr lang="en-US" sz="1600" dirty="0"/>
+              <a:t>Secures applications </a:t>
+            </a:r>
+          </a:p>
+          <a:p>
+            <a:pPr lvl="1"/>
+            <a:r>
+              <a:rPr lang="en-US" sz="1600" dirty="0"/>
+              <a:t>Allows rotating credentials natively</a:t>
+            </a:r>
+          </a:p>
+          <a:p>
+            <a:pPr lvl="1"/>
+            <a:r>
+              <a:rPr lang="en-US" sz="1600" dirty="0"/>
+              <a:t>Enables access control using AWS AIM policies</a:t>
+            </a:r>
+          </a:p>
+          <a:p>
+            <a:pPr marL="342900" lvl="1" indent="-342900"/>
+            <a:r>
+              <a:rPr lang="en-US" sz="1800" dirty="0"/>
+              <a:t>Steps involved:</a:t>
+            </a:r>
+          </a:p>
+          <a:p>
+            <a:pPr lvl="1"/>
+            <a:r>
+              <a:rPr lang="en-US" sz="1600" dirty="0"/>
+              <a:t>Store a new secret - choose Credentials for RDS database; enable encryption</a:t>
+            </a:r>
+          </a:p>
+          <a:p>
+            <a:pPr lvl="1"/>
+            <a:r>
+              <a:rPr lang="en-US" sz="1600" dirty="0"/>
+              <a:t>Attach it to RDS DB instance that accesses this credential</a:t>
+            </a:r>
+          </a:p>
+          <a:p>
+            <a:pPr lvl="1"/>
+            <a:r>
+              <a:rPr lang="en-US" sz="1600" dirty="0"/>
+              <a:t>In the application, retrieve secret and decrypt using Secrets Manager API</a:t>
+            </a:r>
+          </a:p>
+          <a:p>
+            <a:pPr lvl="1"/>
+            <a:r>
+              <a:rPr lang="en-US" sz="1600" dirty="0"/>
+              <a:t>Use the secret to establish connection to the RDS database</a:t>
+            </a:r>
+          </a:p>
+        </p:txBody>
+      </p:sp>
+      <p:pic>
+        <p:nvPicPr>
+          <p:cNvPr id="9" name="Picture 8">
+            <a:extLst>
+              <a:ext uri="{FF2B5EF4-FFF2-40B4-BE49-F238E27FC236}">
+                <a16:creationId xmlns:a16="http://schemas.microsoft.com/office/drawing/2014/main" id="{1836C524-7DE2-4365-A307-9FA8D2329936}"/>
+              </a:ext>
+            </a:extLst>
+          </p:cNvPr>
+          <p:cNvPicPr>
+            <a:picLocks noChangeAspect="1"/>
+          </p:cNvPicPr>
+          <p:nvPr/>
+        </p:nvPicPr>
+        <p:blipFill>
+          <a:blip r:embed="rId3"/>
+          <a:stretch>
+            <a:fillRect/>
+          </a:stretch>
+        </p:blipFill>
+        <p:spPr>
+          <a:xfrm>
+            <a:off x="1034304" y="4747099"/>
+            <a:ext cx="7075391" cy="1937309"/>
+          </a:xfrm>
+          <a:prstGeom prst="rect">
+            <a:avLst/>
+          </a:prstGeom>
+          <a:ln>
+            <a:solidFill>
+              <a:srgbClr val="0070C0"/>
+            </a:solidFill>
+          </a:ln>
+        </p:spPr>
+      </p:pic>
     </p:spTree>
     <p:extLst>
       <p:ext uri="{BB962C8B-B14F-4D97-AF65-F5344CB8AC3E}">
-        <p14:creationId xmlns:p14="http://schemas.microsoft.com/office/powerpoint/2010/main" val="876298325"/>
+        <p14:creationId xmlns:p14="http://schemas.microsoft.com/office/powerpoint/2010/main" val="3984045547"/>
+      </p:ext>
+    </p:extLst>
+  </p:cSld>
+  <p:clrMapOvr>
+    <a:masterClrMapping/>
+  </p:clrMapOvr>
+</p:sld>
+</file>
+
+<file path=ppt/slides/slide17.xml><?xml version="1.0" encoding="utf-8"?>
+<p:sld xmlns:a="http://schemas.openxmlformats.org/drawingml/2006/main" xmlns:r="http://schemas.openxmlformats.org/officeDocument/2006/relationships" xmlns:p="http://schemas.openxmlformats.org/presentationml/2006/main">
+  <p:cSld>
+    <p:spTree>
+      <p:nvGrpSpPr>
+        <p:cNvPr id="1" name=""/>
+        <p:cNvGrpSpPr/>
+        <p:nvPr/>
+      </p:nvGrpSpPr>
+      <p:grpSpPr>
+        <a:xfrm>
+          <a:off x="0" y="0"/>
+          <a:ext cx="0" cy="0"/>
+          <a:chOff x="0" y="0"/>
+          <a:chExt cx="0" cy="0"/>
+        </a:xfrm>
+      </p:grpSpPr>
+      <p:sp>
+        <p:nvSpPr>
+          <p:cNvPr id="2" name="Title 1">
+            <a:extLst>
+              <a:ext uri="{FF2B5EF4-FFF2-40B4-BE49-F238E27FC236}">
+                <a16:creationId xmlns:a16="http://schemas.microsoft.com/office/drawing/2014/main" id="{CCCE867A-C4F6-495A-B5B9-8ECEC8380CB6}"/>
+              </a:ext>
+            </a:extLst>
+          </p:cNvPr>
+          <p:cNvSpPr>
+            <a:spLocks noGrp="1"/>
+          </p:cNvSpPr>
+          <p:nvPr>
+            <p:ph type="title"/>
+          </p:nvPr>
+        </p:nvSpPr>
+        <p:spPr/>
+        <p:txBody>
+          <a:bodyPr/>
+          <a:lstStyle/>
+          <a:p>
+            <a:r>
+              <a:rPr lang="en-US" dirty="0">
+                <a:cs typeface="Arial"/>
+              </a:rPr>
+              <a:t>RDS Proxy</a:t>
+            </a:r>
+            <a:endParaRPr lang="en-US" dirty="0"/>
+          </a:p>
+        </p:txBody>
+      </p:sp>
+      <p:sp>
+        <p:nvSpPr>
+          <p:cNvPr id="3" name="Content Placeholder 2">
+            <a:extLst>
+              <a:ext uri="{FF2B5EF4-FFF2-40B4-BE49-F238E27FC236}">
+                <a16:creationId xmlns:a16="http://schemas.microsoft.com/office/drawing/2014/main" id="{D3B6111A-2981-4F16-A1AE-17B3B448F9C5}"/>
+              </a:ext>
+            </a:extLst>
+          </p:cNvPr>
+          <p:cNvSpPr>
+            <a:spLocks noGrp="1"/>
+          </p:cNvSpPr>
+          <p:nvPr>
+            <p:ph idx="1"/>
+          </p:nvPr>
+        </p:nvSpPr>
+        <p:spPr>
+          <a:xfrm>
+            <a:off x="457200" y="1371600"/>
+            <a:ext cx="8229600" cy="5257799"/>
+          </a:xfrm>
+        </p:spPr>
+        <p:txBody>
+          <a:bodyPr/>
+          <a:lstStyle/>
+          <a:p>
+            <a:r>
+              <a:rPr lang="en-US" sz="1800" dirty="0"/>
+              <a:t>What is it?</a:t>
+            </a:r>
+          </a:p>
+          <a:p>
+            <a:pPr lvl="1"/>
+            <a:r>
+              <a:rPr lang="en-US" sz="1600" dirty="0"/>
+              <a:t>Fully managed, high-availability proxy for RDS</a:t>
+            </a:r>
+          </a:p>
+          <a:p>
+            <a:pPr lvl="1"/>
+            <a:r>
+              <a:rPr lang="en-US" sz="1600" dirty="0"/>
+              <a:t>Helps make applications scalable, secure, and resilient</a:t>
+            </a:r>
+          </a:p>
+          <a:p>
+            <a:pPr marL="342900" lvl="1" indent="-342900"/>
+            <a:r>
+              <a:rPr lang="en-US" sz="1800" dirty="0"/>
+              <a:t>Why do we use it?</a:t>
+            </a:r>
+          </a:p>
+          <a:p>
+            <a:pPr lvl="1"/>
+            <a:r>
+              <a:rPr lang="en-US" sz="1600" dirty="0"/>
+              <a:t>Serverless applications deal with database connections at a high rate causing memory and computing resources contention</a:t>
+            </a:r>
+          </a:p>
+          <a:p>
+            <a:pPr lvl="1"/>
+            <a:r>
+              <a:rPr lang="en-US" sz="1600" dirty="0"/>
+              <a:t>RDS Proxy allows pooling and sharing connections, improving the efficiency</a:t>
+            </a:r>
+          </a:p>
+          <a:p>
+            <a:pPr lvl="1"/>
+            <a:r>
+              <a:rPr lang="en-US" sz="1600" dirty="0"/>
+              <a:t>Authentication and access can be managed through Secrets Manager and IAM</a:t>
+            </a:r>
+          </a:p>
+          <a:p>
+            <a:pPr marL="342900" lvl="1" indent="-342900"/>
+            <a:r>
+              <a:rPr lang="en-US" sz="1800" dirty="0"/>
+              <a:t>How do we set it up?</a:t>
+            </a:r>
+          </a:p>
+          <a:p>
+            <a:pPr lvl="1"/>
+            <a:r>
+              <a:rPr lang="en-US" sz="1600" dirty="0"/>
+              <a:t>Setup network prerequisites, if not already present – VPC, subnets, EC2 instance, and internet gateway</a:t>
+            </a:r>
+          </a:p>
+          <a:p>
+            <a:pPr lvl="1"/>
+            <a:r>
+              <a:rPr lang="en-US" sz="1600" dirty="0"/>
+              <a:t>Setup DB credentials in Secrets Manager</a:t>
+            </a:r>
+          </a:p>
+          <a:p>
+            <a:pPr lvl="1"/>
+            <a:r>
+              <a:rPr lang="en-US" sz="1600" dirty="0"/>
+              <a:t>Setup IAM policy to access proxy through Secrets Manager</a:t>
+            </a:r>
+          </a:p>
+          <a:p>
+            <a:pPr lvl="1"/>
+            <a:r>
+              <a:rPr lang="en-US" sz="1600" dirty="0"/>
+              <a:t>Create RDS Proxy with relevant connectivity details above and required connection pool parameters</a:t>
+            </a:r>
+          </a:p>
+          <a:p>
+            <a:pPr lvl="1"/>
+            <a:r>
+              <a:rPr lang="en-US" sz="1600" dirty="0"/>
+              <a:t>In the application, retrieve secret and decrypt using Secrets Manager API</a:t>
+            </a:r>
+          </a:p>
+          <a:p>
+            <a:pPr lvl="1"/>
+            <a:r>
+              <a:rPr lang="en-US" sz="1600" dirty="0"/>
+              <a:t>Use the secret to establish connection to the RDS database</a:t>
+            </a:r>
+          </a:p>
+        </p:txBody>
+      </p:sp>
+    </p:spTree>
+    <p:extLst>
+      <p:ext uri="{BB962C8B-B14F-4D97-AF65-F5344CB8AC3E}">
+        <p14:creationId xmlns:p14="http://schemas.microsoft.com/office/powerpoint/2010/main" val="2509235422"/>
+      </p:ext>
+    </p:extLst>
+  </p:cSld>
+  <p:clrMapOvr>
+    <a:masterClrMapping/>
+  </p:clrMapOvr>
+</p:sld>
+</file>
+
+<file path=ppt/slides/slide18.xml><?xml version="1.0" encoding="utf-8"?>
+<p:sld xmlns:a="http://schemas.openxmlformats.org/drawingml/2006/main" xmlns:r="http://schemas.openxmlformats.org/officeDocument/2006/relationships" xmlns:p="http://schemas.openxmlformats.org/presentationml/2006/main">
+  <p:cSld>
+    <p:spTree>
+      <p:nvGrpSpPr>
+        <p:cNvPr id="1" name=""/>
+        <p:cNvGrpSpPr/>
+        <p:nvPr/>
+      </p:nvGrpSpPr>
+      <p:grpSpPr>
+        <a:xfrm>
+          <a:off x="0" y="0"/>
+          <a:ext cx="0" cy="0"/>
+          <a:chOff x="0" y="0"/>
+          <a:chExt cx="0" cy="0"/>
+        </a:xfrm>
+      </p:grpSpPr>
+      <p:sp>
+        <p:nvSpPr>
+          <p:cNvPr id="2" name="Title 1">
+            <a:extLst>
+              <a:ext uri="{FF2B5EF4-FFF2-40B4-BE49-F238E27FC236}">
+                <a16:creationId xmlns:a16="http://schemas.microsoft.com/office/drawing/2014/main" id="{CCCE867A-C4F6-495A-B5B9-8ECEC8380CB6}"/>
+              </a:ext>
+            </a:extLst>
+          </p:cNvPr>
+          <p:cNvSpPr>
+            <a:spLocks noGrp="1"/>
+          </p:cNvSpPr>
+          <p:nvPr>
+            <p:ph type="title"/>
+          </p:nvPr>
+        </p:nvSpPr>
+        <p:spPr/>
+        <p:txBody>
+          <a:bodyPr/>
+          <a:lstStyle/>
+          <a:p>
+            <a:r>
+              <a:rPr lang="en-US" dirty="0">
+                <a:cs typeface="Arial"/>
+              </a:rPr>
+              <a:t>API Gateway</a:t>
+            </a:r>
+            <a:endParaRPr lang="en-US" dirty="0"/>
+          </a:p>
+        </p:txBody>
+      </p:sp>
+      <p:sp>
+        <p:nvSpPr>
+          <p:cNvPr id="3" name="Content Placeholder 2">
+            <a:extLst>
+              <a:ext uri="{FF2B5EF4-FFF2-40B4-BE49-F238E27FC236}">
+                <a16:creationId xmlns:a16="http://schemas.microsoft.com/office/drawing/2014/main" id="{D3B6111A-2981-4F16-A1AE-17B3B448F9C5}"/>
+              </a:ext>
+            </a:extLst>
+          </p:cNvPr>
+          <p:cNvSpPr>
+            <a:spLocks noGrp="1"/>
+          </p:cNvSpPr>
+          <p:nvPr>
+            <p:ph idx="1"/>
+          </p:nvPr>
+        </p:nvSpPr>
+        <p:spPr>
+          <a:xfrm>
+            <a:off x="457200" y="3818106"/>
+            <a:ext cx="8229600" cy="2850204"/>
+          </a:xfrm>
+        </p:spPr>
+        <p:txBody>
+          <a:bodyPr/>
+          <a:lstStyle/>
+          <a:p>
+            <a:r>
+              <a:rPr lang="en-US" sz="1600" dirty="0"/>
+              <a:t>What is it?</a:t>
+            </a:r>
+          </a:p>
+          <a:p>
+            <a:pPr lvl="1"/>
+            <a:r>
+              <a:rPr lang="en-US" sz="1400" dirty="0"/>
+              <a:t>AWS service for creating, publishing, maintaining, monitoring, and securing REST, HTTP, and WebSocket APIs</a:t>
+            </a:r>
+          </a:p>
+          <a:p>
+            <a:r>
+              <a:rPr lang="en-US" sz="1600" dirty="0"/>
+              <a:t>What does it do?</a:t>
+            </a:r>
+          </a:p>
+          <a:p>
+            <a:pPr lvl="1"/>
+            <a:r>
+              <a:rPr lang="en-US" sz="1400" dirty="0"/>
+              <a:t>Creates a unified front-end for microservices</a:t>
+            </a:r>
+          </a:p>
+          <a:p>
+            <a:pPr lvl="1"/>
+            <a:r>
+              <a:rPr lang="en-US" sz="1400" dirty="0"/>
+              <a:t>Provides DDoS protection and throttling –CloudFront and API Gateway Cache</a:t>
+            </a:r>
+          </a:p>
+          <a:p>
+            <a:pPr lvl="1"/>
+            <a:r>
+              <a:rPr lang="en-US" sz="1400" dirty="0"/>
+              <a:t>Authenticates and authorizes requests – Cognito User Pools, Cognito Federated Identities, Custom Authorizers</a:t>
+            </a:r>
+          </a:p>
+          <a:p>
+            <a:pPr lvl="1"/>
+            <a:r>
+              <a:rPr lang="en-US" sz="1400" dirty="0"/>
+              <a:t>Throttles, meters, and monetizes API usage – CloudWatch &amp; Usage Plans</a:t>
+            </a:r>
+          </a:p>
+          <a:p>
+            <a:pPr marL="0" lvl="1" indent="0">
+              <a:buNone/>
+            </a:pPr>
+            <a:r>
+              <a:rPr lang="en-US" sz="1200" dirty="0"/>
+              <a:t>Reference: </a:t>
+            </a:r>
+            <a:r>
+              <a:rPr lang="en-US" sz="1200" dirty="0">
+                <a:hlinkClick r:id="rId3"/>
+              </a:rPr>
+              <a:t>https://docs.aws.amazon.com/apigateway/latest/developerguide/welcome.html</a:t>
+            </a:r>
+            <a:r>
+              <a:rPr lang="en-US" sz="1200" dirty="0"/>
+              <a:t> </a:t>
+            </a:r>
+          </a:p>
+        </p:txBody>
+      </p:sp>
+      <p:pic>
+        <p:nvPicPr>
+          <p:cNvPr id="7" name="Picture 6">
+            <a:extLst>
+              <a:ext uri="{FF2B5EF4-FFF2-40B4-BE49-F238E27FC236}">
+                <a16:creationId xmlns:a16="http://schemas.microsoft.com/office/drawing/2014/main" id="{143DA4C3-2880-4D35-9645-1E4703BEE975}"/>
+              </a:ext>
+            </a:extLst>
+          </p:cNvPr>
+          <p:cNvPicPr>
+            <a:picLocks noChangeAspect="1"/>
+          </p:cNvPicPr>
+          <p:nvPr/>
+        </p:nvPicPr>
+        <p:blipFill>
+          <a:blip r:embed="rId4"/>
+          <a:stretch>
+            <a:fillRect/>
+          </a:stretch>
+        </p:blipFill>
+        <p:spPr>
+          <a:xfrm>
+            <a:off x="1828800" y="1334514"/>
+            <a:ext cx="5486400" cy="2457450"/>
+          </a:xfrm>
+          <a:prstGeom prst="rect">
+            <a:avLst/>
+          </a:prstGeom>
+        </p:spPr>
+      </p:pic>
+    </p:spTree>
+    <p:extLst>
+      <p:ext uri="{BB962C8B-B14F-4D97-AF65-F5344CB8AC3E}">
+        <p14:creationId xmlns:p14="http://schemas.microsoft.com/office/powerpoint/2010/main" val="1088665777"/>
+      </p:ext>
+    </p:extLst>
+  </p:cSld>
+  <p:clrMapOvr>
+    <a:masterClrMapping/>
+  </p:clrMapOvr>
+</p:sld>
+</file>
+
+<file path=ppt/slides/slide19.xml><?xml version="1.0" encoding="utf-8"?>
+<p:sld xmlns:a="http://schemas.openxmlformats.org/drawingml/2006/main" xmlns:r="http://schemas.openxmlformats.org/officeDocument/2006/relationships" xmlns:p="http://schemas.openxmlformats.org/presentationml/2006/main">
+  <p:cSld>
+    <p:spTree>
+      <p:nvGrpSpPr>
+        <p:cNvPr id="1" name=""/>
+        <p:cNvGrpSpPr/>
+        <p:nvPr/>
+      </p:nvGrpSpPr>
+      <p:grpSpPr>
+        <a:xfrm>
+          <a:off x="0" y="0"/>
+          <a:ext cx="0" cy="0"/>
+          <a:chOff x="0" y="0"/>
+          <a:chExt cx="0" cy="0"/>
+        </a:xfrm>
+      </p:grpSpPr>
+      <p:sp>
+        <p:nvSpPr>
+          <p:cNvPr id="2" name="Title 1">
+            <a:extLst>
+              <a:ext uri="{FF2B5EF4-FFF2-40B4-BE49-F238E27FC236}">
+                <a16:creationId xmlns:a16="http://schemas.microsoft.com/office/drawing/2014/main" id="{CCCE867A-C4F6-495A-B5B9-8ECEC8380CB6}"/>
+              </a:ext>
+            </a:extLst>
+          </p:cNvPr>
+          <p:cNvSpPr>
+            <a:spLocks noGrp="1"/>
+          </p:cNvSpPr>
+          <p:nvPr>
+            <p:ph type="title"/>
+          </p:nvPr>
+        </p:nvSpPr>
+        <p:spPr>
+          <a:xfrm>
+            <a:off x="350195" y="228600"/>
+            <a:ext cx="8375515" cy="1143000"/>
+          </a:xfrm>
+        </p:spPr>
+        <p:txBody>
+          <a:bodyPr/>
+          <a:lstStyle/>
+          <a:p>
+            <a:r>
+              <a:rPr lang="en-US" dirty="0">
+                <a:cs typeface="Arial"/>
+              </a:rPr>
+              <a:t>Securing Serverless Applications</a:t>
+            </a:r>
+            <a:endParaRPr lang="en-US" dirty="0"/>
+          </a:p>
+        </p:txBody>
+      </p:sp>
+      <p:pic>
+        <p:nvPicPr>
+          <p:cNvPr id="1030" name="Picture 6" descr="Mobile App Icons - Download Free Vector Icons | Noun Project">
+            <a:extLst>
+              <a:ext uri="{FF2B5EF4-FFF2-40B4-BE49-F238E27FC236}">
+                <a16:creationId xmlns:a16="http://schemas.microsoft.com/office/drawing/2014/main" id="{8C201A74-AE53-4BFC-9D1C-442A42813565}"/>
+              </a:ext>
+            </a:extLst>
+          </p:cNvPr>
+          <p:cNvPicPr>
+            <a:picLocks noChangeAspect="1" noChangeArrowheads="1"/>
+          </p:cNvPicPr>
+          <p:nvPr/>
+        </p:nvPicPr>
+        <p:blipFill>
+          <a:blip r:embed="rId3">
+            <a:extLst>
+              <a:ext uri="{28A0092B-C50C-407E-A947-70E740481C1C}">
+                <a14:useLocalDpi xmlns:a14="http://schemas.microsoft.com/office/drawing/2010/main" val="0"/>
+              </a:ext>
+            </a:extLst>
+          </a:blip>
+          <a:srcRect/>
+          <a:stretch>
+            <a:fillRect/>
+          </a:stretch>
+        </p:blipFill>
+        <p:spPr bwMode="auto">
+          <a:xfrm>
+            <a:off x="220253" y="1421668"/>
+            <a:ext cx="952500" cy="952500"/>
+          </a:xfrm>
+          <a:prstGeom prst="rect">
+            <a:avLst/>
+          </a:prstGeom>
+          <a:noFill/>
+          <a:extLst>
+            <a:ext uri="{909E8E84-426E-40DD-AFC4-6F175D3DCCD1}">
+              <a14:hiddenFill xmlns:a14="http://schemas.microsoft.com/office/drawing/2010/main">
+                <a:solidFill>
+                  <a:srgbClr val="FFFFFF"/>
+                </a:solidFill>
+              </a14:hiddenFill>
+            </a:ext>
+          </a:extLst>
+        </p:spPr>
+      </p:pic>
+      <p:pic>
+        <p:nvPicPr>
+          <p:cNvPr id="1032" name="Picture 8" descr="Web - Free web icons">
+            <a:extLst>
+              <a:ext uri="{FF2B5EF4-FFF2-40B4-BE49-F238E27FC236}">
+                <a16:creationId xmlns:a16="http://schemas.microsoft.com/office/drawing/2014/main" id="{AB4BCFDE-C4E9-4D3B-B252-41B196F198A5}"/>
+              </a:ext>
+            </a:extLst>
+          </p:cNvPr>
+          <p:cNvPicPr>
+            <a:picLocks noChangeAspect="1" noChangeArrowheads="1"/>
+          </p:cNvPicPr>
+          <p:nvPr/>
+        </p:nvPicPr>
+        <p:blipFill>
+          <a:blip r:embed="rId4">
+            <a:extLst>
+              <a:ext uri="{28A0092B-C50C-407E-A947-70E740481C1C}">
+                <a14:useLocalDpi xmlns:a14="http://schemas.microsoft.com/office/drawing/2010/main" val="0"/>
+              </a:ext>
+            </a:extLst>
+          </a:blip>
+          <a:srcRect/>
+          <a:stretch>
+            <a:fillRect/>
+          </a:stretch>
+        </p:blipFill>
+        <p:spPr bwMode="auto">
+          <a:xfrm>
+            <a:off x="193034" y="2856497"/>
+            <a:ext cx="952501" cy="952501"/>
+          </a:xfrm>
+          <a:prstGeom prst="rect">
+            <a:avLst/>
+          </a:prstGeom>
+          <a:noFill/>
+          <a:extLst>
+            <a:ext uri="{909E8E84-426E-40DD-AFC4-6F175D3DCCD1}">
+              <a14:hiddenFill xmlns:a14="http://schemas.microsoft.com/office/drawing/2010/main">
+                <a:solidFill>
+                  <a:srgbClr val="FFFFFF"/>
+                </a:solidFill>
+              </a14:hiddenFill>
+            </a:ext>
+          </a:extLst>
+        </p:spPr>
+      </p:pic>
+      <p:pic>
+        <p:nvPicPr>
+          <p:cNvPr id="1034" name="Picture 10" descr="Some Examples of API Integration Pages In The Wild">
+            <a:extLst>
+              <a:ext uri="{FF2B5EF4-FFF2-40B4-BE49-F238E27FC236}">
+                <a16:creationId xmlns:a16="http://schemas.microsoft.com/office/drawing/2014/main" id="{91297945-3A20-4B07-99CF-DD3E999A0A90}"/>
+              </a:ext>
+            </a:extLst>
+          </p:cNvPr>
+          <p:cNvPicPr>
+            <a:picLocks noChangeAspect="1" noChangeArrowheads="1"/>
+          </p:cNvPicPr>
+          <p:nvPr/>
+        </p:nvPicPr>
+        <p:blipFill>
+          <a:blip r:embed="rId5">
+            <a:extLst>
+              <a:ext uri="{28A0092B-C50C-407E-A947-70E740481C1C}">
+                <a14:useLocalDpi xmlns:a14="http://schemas.microsoft.com/office/drawing/2010/main" val="0"/>
+              </a:ext>
+            </a:extLst>
+          </a:blip>
+          <a:srcRect/>
+          <a:stretch>
+            <a:fillRect/>
+          </a:stretch>
+        </p:blipFill>
+        <p:spPr bwMode="auto">
+          <a:xfrm>
+            <a:off x="194060" y="4388603"/>
+            <a:ext cx="1004887" cy="1138237"/>
+          </a:xfrm>
+          <a:prstGeom prst="rect">
+            <a:avLst/>
+          </a:prstGeom>
+          <a:noFill/>
+          <a:extLst>
+            <a:ext uri="{909E8E84-426E-40DD-AFC4-6F175D3DCCD1}">
+              <a14:hiddenFill xmlns:a14="http://schemas.microsoft.com/office/drawing/2010/main">
+                <a:solidFill>
+                  <a:srgbClr val="FFFFFF"/>
+                </a:solidFill>
+              </a14:hiddenFill>
+            </a:ext>
+          </a:extLst>
+        </p:spPr>
+      </p:pic>
+      <p:pic>
+        <p:nvPicPr>
+          <p:cNvPr id="1036" name="Picture 12" descr="Simple Cloud Icon Flat Base - Cloud Logo Black Clipart - Full Size Clipart  (#249700) - PinClipart">
+            <a:extLst>
+              <a:ext uri="{FF2B5EF4-FFF2-40B4-BE49-F238E27FC236}">
+                <a16:creationId xmlns:a16="http://schemas.microsoft.com/office/drawing/2014/main" id="{A30AFB06-E7AD-4F91-BB41-3633B94B2FF1}"/>
+              </a:ext>
+            </a:extLst>
+          </p:cNvPr>
+          <p:cNvPicPr>
+            <a:picLocks noChangeAspect="1" noChangeArrowheads="1"/>
+          </p:cNvPicPr>
+          <p:nvPr/>
+        </p:nvPicPr>
+        <p:blipFill>
+          <a:blip r:embed="rId6">
+            <a:extLst>
+              <a:ext uri="{28A0092B-C50C-407E-A947-70E740481C1C}">
+                <a14:useLocalDpi xmlns:a14="http://schemas.microsoft.com/office/drawing/2010/main" val="0"/>
+              </a:ext>
+            </a:extLst>
+          </a:blip>
+          <a:srcRect/>
+          <a:stretch>
+            <a:fillRect/>
+          </a:stretch>
+        </p:blipFill>
+        <p:spPr bwMode="auto">
+          <a:xfrm>
+            <a:off x="1668893" y="3019101"/>
+            <a:ext cx="1044264" cy="627394"/>
+          </a:xfrm>
+          <a:prstGeom prst="rect">
+            <a:avLst/>
+          </a:prstGeom>
+          <a:noFill/>
+          <a:extLst>
+            <a:ext uri="{909E8E84-426E-40DD-AFC4-6F175D3DCCD1}">
+              <a14:hiddenFill xmlns:a14="http://schemas.microsoft.com/office/drawing/2010/main">
+                <a:solidFill>
+                  <a:srgbClr val="FFFFFF"/>
+                </a:solidFill>
+              </a14:hiddenFill>
+            </a:ext>
+          </a:extLst>
+        </p:spPr>
+      </p:pic>
+      <p:pic>
+        <p:nvPicPr>
+          <p:cNvPr id="1038" name="Picture 14" descr="Amazon CloudFront with Drupal 8">
+            <a:extLst>
+              <a:ext uri="{FF2B5EF4-FFF2-40B4-BE49-F238E27FC236}">
+                <a16:creationId xmlns:a16="http://schemas.microsoft.com/office/drawing/2014/main" id="{56AB7DCE-6776-46FE-AE77-8B0FA0C51C55}"/>
+              </a:ext>
+            </a:extLst>
+          </p:cNvPr>
+          <p:cNvPicPr>
+            <a:picLocks noChangeAspect="1" noChangeArrowheads="1"/>
+          </p:cNvPicPr>
+          <p:nvPr/>
+        </p:nvPicPr>
+        <p:blipFill>
+          <a:blip r:embed="rId7">
+            <a:extLst>
+              <a:ext uri="{28A0092B-C50C-407E-A947-70E740481C1C}">
+                <a14:useLocalDpi xmlns:a14="http://schemas.microsoft.com/office/drawing/2010/main" val="0"/>
+              </a:ext>
+            </a:extLst>
+          </a:blip>
+          <a:srcRect/>
+          <a:stretch>
+            <a:fillRect/>
+          </a:stretch>
+        </p:blipFill>
+        <p:spPr bwMode="auto">
+          <a:xfrm>
+            <a:off x="3963104" y="1550305"/>
+            <a:ext cx="1554480" cy="892772"/>
+          </a:xfrm>
+          <a:prstGeom prst="rect">
+            <a:avLst/>
+          </a:prstGeom>
+          <a:noFill/>
+          <a:extLst>
+            <a:ext uri="{909E8E84-426E-40DD-AFC4-6F175D3DCCD1}">
+              <a14:hiddenFill xmlns:a14="http://schemas.microsoft.com/office/drawing/2010/main">
+                <a:solidFill>
+                  <a:srgbClr val="FFFFFF"/>
+                </a:solidFill>
+              </a14:hiddenFill>
+            </a:ext>
+          </a:extLst>
+        </p:spPr>
+      </p:pic>
+      <p:pic>
+        <p:nvPicPr>
+          <p:cNvPr id="1040" name="Picture 16" descr="Amazon S3 - Reviews, Pros &amp; Cons | Companies using Amazon S3">
+            <a:extLst>
+              <a:ext uri="{FF2B5EF4-FFF2-40B4-BE49-F238E27FC236}">
+                <a16:creationId xmlns:a16="http://schemas.microsoft.com/office/drawing/2014/main" id="{F3C51C17-40DA-4C8E-893D-B46955D2BA3A}"/>
+              </a:ext>
+            </a:extLst>
+          </p:cNvPr>
+          <p:cNvPicPr>
+            <a:picLocks noChangeAspect="1" noChangeArrowheads="1"/>
+          </p:cNvPicPr>
+          <p:nvPr/>
+        </p:nvPicPr>
+        <p:blipFill>
+          <a:blip r:embed="rId8">
+            <a:extLst>
+              <a:ext uri="{28A0092B-C50C-407E-A947-70E740481C1C}">
+                <a14:useLocalDpi xmlns:a14="http://schemas.microsoft.com/office/drawing/2010/main" val="0"/>
+              </a:ext>
+            </a:extLst>
+          </a:blip>
+          <a:srcRect/>
+          <a:stretch>
+            <a:fillRect/>
+          </a:stretch>
+        </p:blipFill>
+        <p:spPr bwMode="auto">
+          <a:xfrm>
+            <a:off x="6123982" y="1443757"/>
+            <a:ext cx="1097280" cy="1097280"/>
+          </a:xfrm>
+          <a:prstGeom prst="rect">
+            <a:avLst/>
+          </a:prstGeom>
+          <a:noFill/>
+          <a:extLst>
+            <a:ext uri="{909E8E84-426E-40DD-AFC4-6F175D3DCCD1}">
+              <a14:hiddenFill xmlns:a14="http://schemas.microsoft.com/office/drawing/2010/main">
+                <a:solidFill>
+                  <a:srgbClr val="FFFFFF"/>
+                </a:solidFill>
+              </a14:hiddenFill>
+            </a:ext>
+          </a:extLst>
+        </p:spPr>
+      </p:pic>
+      <p:pic>
+        <p:nvPicPr>
+          <p:cNvPr id="1042" name="Picture 18" descr="AWS Api Gateway Vector Logo - Download Free SVG Icon | Worldvectorlogo">
+            <a:extLst>
+              <a:ext uri="{FF2B5EF4-FFF2-40B4-BE49-F238E27FC236}">
+                <a16:creationId xmlns:a16="http://schemas.microsoft.com/office/drawing/2014/main" id="{67C2E511-7B0E-4E9B-9EFA-42E8E50766C2}"/>
+              </a:ext>
+            </a:extLst>
+          </p:cNvPr>
+          <p:cNvPicPr>
+            <a:picLocks noChangeAspect="1" noChangeArrowheads="1"/>
+          </p:cNvPicPr>
+          <p:nvPr/>
+        </p:nvPicPr>
+        <p:blipFill>
+          <a:blip r:embed="rId9">
+            <a:extLst>
+              <a:ext uri="{28A0092B-C50C-407E-A947-70E740481C1C}">
+                <a14:useLocalDpi xmlns:a14="http://schemas.microsoft.com/office/drawing/2010/main" val="0"/>
+              </a:ext>
+            </a:extLst>
+          </a:blip>
+          <a:srcRect/>
+          <a:stretch>
+            <a:fillRect/>
+          </a:stretch>
+        </p:blipFill>
+        <p:spPr bwMode="auto">
+          <a:xfrm>
+            <a:off x="4093046" y="3964945"/>
+            <a:ext cx="822960" cy="996426"/>
+          </a:xfrm>
+          <a:prstGeom prst="rect">
+            <a:avLst/>
+          </a:prstGeom>
+          <a:noFill/>
+          <a:extLst>
+            <a:ext uri="{909E8E84-426E-40DD-AFC4-6F175D3DCCD1}">
+              <a14:hiddenFill xmlns:a14="http://schemas.microsoft.com/office/drawing/2010/main">
+                <a:solidFill>
+                  <a:srgbClr val="FFFFFF"/>
+                </a:solidFill>
+              </a14:hiddenFill>
+            </a:ext>
+          </a:extLst>
+        </p:spPr>
+      </p:pic>
+      <p:pic>
+        <p:nvPicPr>
+          <p:cNvPr id="1044" name="Picture 20" descr="What is AWS Lambda or Serverless? | Hacker Noon">
+            <a:extLst>
+              <a:ext uri="{FF2B5EF4-FFF2-40B4-BE49-F238E27FC236}">
+                <a16:creationId xmlns:a16="http://schemas.microsoft.com/office/drawing/2014/main" id="{DBEB7C24-8331-4850-973B-672C9B171CD0}"/>
+              </a:ext>
+            </a:extLst>
+          </p:cNvPr>
+          <p:cNvPicPr>
+            <a:picLocks noChangeAspect="1" noChangeArrowheads="1"/>
+          </p:cNvPicPr>
+          <p:nvPr/>
+        </p:nvPicPr>
+        <p:blipFill>
+          <a:blip r:embed="rId10">
+            <a:extLst>
+              <a:ext uri="{28A0092B-C50C-407E-A947-70E740481C1C}">
+                <a14:useLocalDpi xmlns:a14="http://schemas.microsoft.com/office/drawing/2010/main" val="0"/>
+              </a:ext>
+            </a:extLst>
+          </a:blip>
+          <a:srcRect/>
+          <a:stretch>
+            <a:fillRect/>
+          </a:stretch>
+        </p:blipFill>
+        <p:spPr bwMode="auto">
+          <a:xfrm>
+            <a:off x="5653998" y="4059974"/>
+            <a:ext cx="1554480" cy="777240"/>
+          </a:xfrm>
+          <a:prstGeom prst="rect">
+            <a:avLst/>
+          </a:prstGeom>
+          <a:noFill/>
+          <a:extLst>
+            <a:ext uri="{909E8E84-426E-40DD-AFC4-6F175D3DCCD1}">
+              <a14:hiddenFill xmlns:a14="http://schemas.microsoft.com/office/drawing/2010/main">
+                <a:solidFill>
+                  <a:srgbClr val="FFFFFF"/>
+                </a:solidFill>
+              </a14:hiddenFill>
+            </a:ext>
+          </a:extLst>
+        </p:spPr>
+      </p:pic>
+      <p:pic>
+        <p:nvPicPr>
+          <p:cNvPr id="1046" name="Picture 22" descr="Amazon RDS | Cloud Relational Database | Amazon Web Services">
+            <a:extLst>
+              <a:ext uri="{FF2B5EF4-FFF2-40B4-BE49-F238E27FC236}">
+                <a16:creationId xmlns:a16="http://schemas.microsoft.com/office/drawing/2014/main" id="{E959BB83-F36D-43BE-AF70-B82B36E0A925}"/>
+              </a:ext>
+            </a:extLst>
+          </p:cNvPr>
+          <p:cNvPicPr>
+            <a:picLocks noChangeAspect="1" noChangeArrowheads="1"/>
+          </p:cNvPicPr>
+          <p:nvPr/>
+        </p:nvPicPr>
+        <p:blipFill>
+          <a:blip r:embed="rId11">
+            <a:extLst>
+              <a:ext uri="{28A0092B-C50C-407E-A947-70E740481C1C}">
+                <a14:useLocalDpi xmlns:a14="http://schemas.microsoft.com/office/drawing/2010/main" val="0"/>
+              </a:ext>
+            </a:extLst>
+          </a:blip>
+          <a:srcRect/>
+          <a:stretch>
+            <a:fillRect/>
+          </a:stretch>
+        </p:blipFill>
+        <p:spPr bwMode="auto">
+          <a:xfrm>
+            <a:off x="7573938" y="4059974"/>
+            <a:ext cx="822960" cy="822960"/>
+          </a:xfrm>
+          <a:prstGeom prst="rect">
+            <a:avLst/>
+          </a:prstGeom>
+          <a:noFill/>
+          <a:extLst>
+            <a:ext uri="{909E8E84-426E-40DD-AFC4-6F175D3DCCD1}">
+              <a14:hiddenFill xmlns:a14="http://schemas.microsoft.com/office/drawing/2010/main">
+                <a:solidFill>
+                  <a:srgbClr val="FFFFFF"/>
+                </a:solidFill>
+              </a14:hiddenFill>
+            </a:ext>
+          </a:extLst>
+        </p:spPr>
+      </p:pic>
+      <p:cxnSp>
+        <p:nvCxnSpPr>
+          <p:cNvPr id="7" name="Connector: Elbow 6">
+            <a:extLst>
+              <a:ext uri="{FF2B5EF4-FFF2-40B4-BE49-F238E27FC236}">
+                <a16:creationId xmlns:a16="http://schemas.microsoft.com/office/drawing/2014/main" id="{221D7B4C-0A37-4C33-A835-21D9D16684A8}"/>
+              </a:ext>
+            </a:extLst>
+          </p:cNvPr>
+          <p:cNvCxnSpPr>
+            <a:cxnSpLocks/>
+          </p:cNvCxnSpPr>
+          <p:nvPr/>
+        </p:nvCxnSpPr>
+        <p:spPr>
+          <a:xfrm>
+            <a:off x="1172753" y="1840768"/>
+            <a:ext cx="496140" cy="1434880"/>
+          </a:xfrm>
+          <a:prstGeom prst="bentConnector3">
+            <a:avLst>
+              <a:gd name="adj1" fmla="val 53840"/>
+            </a:avLst>
+          </a:prstGeom>
+          <a:ln w="15875">
+            <a:solidFill>
+              <a:schemeClr val="accent6"/>
+            </a:solidFill>
+            <a:tailEnd type="triangle"/>
+          </a:ln>
+        </p:spPr>
+        <p:style>
+          <a:lnRef idx="1">
+            <a:schemeClr val="accent1"/>
+          </a:lnRef>
+          <a:fillRef idx="0">
+            <a:schemeClr val="accent1"/>
+          </a:fillRef>
+          <a:effectRef idx="0">
+            <a:schemeClr val="accent1"/>
+          </a:effectRef>
+          <a:fontRef idx="minor">
+            <a:schemeClr val="tx1"/>
+          </a:fontRef>
+        </p:style>
+      </p:cxnSp>
+      <p:cxnSp>
+        <p:nvCxnSpPr>
+          <p:cNvPr id="10" name="Connector: Elbow 9">
+            <a:extLst>
+              <a:ext uri="{FF2B5EF4-FFF2-40B4-BE49-F238E27FC236}">
+                <a16:creationId xmlns:a16="http://schemas.microsoft.com/office/drawing/2014/main" id="{E541FF7F-C592-4E2A-B6D7-E3C83D00805B}"/>
+              </a:ext>
+            </a:extLst>
+          </p:cNvPr>
+          <p:cNvCxnSpPr>
+            <a:cxnSpLocks/>
+          </p:cNvCxnSpPr>
+          <p:nvPr/>
+        </p:nvCxnSpPr>
+        <p:spPr>
+          <a:xfrm flipV="1">
+            <a:off x="1198947" y="3399473"/>
+            <a:ext cx="469946" cy="1624924"/>
+          </a:xfrm>
+          <a:prstGeom prst="bentConnector3">
+            <a:avLst>
+              <a:gd name="adj1" fmla="val 50000"/>
+            </a:avLst>
+          </a:prstGeom>
+          <a:ln w="15875">
+            <a:solidFill>
+              <a:schemeClr val="accent6"/>
+            </a:solidFill>
+            <a:tailEnd type="triangle"/>
+          </a:ln>
+        </p:spPr>
+        <p:style>
+          <a:lnRef idx="1">
+            <a:schemeClr val="accent1"/>
+          </a:lnRef>
+          <a:fillRef idx="0">
+            <a:schemeClr val="accent1"/>
+          </a:fillRef>
+          <a:effectRef idx="0">
+            <a:schemeClr val="accent1"/>
+          </a:effectRef>
+          <a:fontRef idx="minor">
+            <a:schemeClr val="tx1"/>
+          </a:fontRef>
+        </p:style>
+      </p:cxnSp>
+      <p:cxnSp>
+        <p:nvCxnSpPr>
+          <p:cNvPr id="12" name="Straight Arrow Connector 11">
+            <a:extLst>
+              <a:ext uri="{FF2B5EF4-FFF2-40B4-BE49-F238E27FC236}">
+                <a16:creationId xmlns:a16="http://schemas.microsoft.com/office/drawing/2014/main" id="{38923CBB-07BF-4E48-9A0B-B8177FF7855C}"/>
+              </a:ext>
+            </a:extLst>
+          </p:cNvPr>
+          <p:cNvCxnSpPr>
+            <a:cxnSpLocks/>
+            <a:stCxn id="1032" idx="3"/>
+            <a:endCxn id="1036" idx="1"/>
+          </p:cNvCxnSpPr>
+          <p:nvPr/>
+        </p:nvCxnSpPr>
+        <p:spPr>
+          <a:xfrm>
+            <a:off x="1145535" y="3332748"/>
+            <a:ext cx="523358" cy="50"/>
+          </a:xfrm>
+          <a:prstGeom prst="straightConnector1">
+            <a:avLst/>
+          </a:prstGeom>
+          <a:ln w="15875">
+            <a:solidFill>
+              <a:schemeClr val="accent6"/>
+            </a:solidFill>
+            <a:tailEnd type="triangle"/>
+          </a:ln>
+        </p:spPr>
+        <p:style>
+          <a:lnRef idx="1">
+            <a:schemeClr val="accent1"/>
+          </a:lnRef>
+          <a:fillRef idx="0">
+            <a:schemeClr val="accent1"/>
+          </a:fillRef>
+          <a:effectRef idx="0">
+            <a:schemeClr val="accent1"/>
+          </a:effectRef>
+          <a:fontRef idx="minor">
+            <a:schemeClr val="tx1"/>
+          </a:fontRef>
+        </p:style>
+      </p:cxnSp>
+      <p:cxnSp>
+        <p:nvCxnSpPr>
+          <p:cNvPr id="24" name="Straight Connector 23">
+            <a:extLst>
+              <a:ext uri="{FF2B5EF4-FFF2-40B4-BE49-F238E27FC236}">
+                <a16:creationId xmlns:a16="http://schemas.microsoft.com/office/drawing/2014/main" id="{A315381B-3799-482A-BF5D-ED926EC0BB02}"/>
+              </a:ext>
+            </a:extLst>
+          </p:cNvPr>
+          <p:cNvCxnSpPr>
+            <a:cxnSpLocks/>
+          </p:cNvCxnSpPr>
+          <p:nvPr/>
+        </p:nvCxnSpPr>
+        <p:spPr>
+          <a:xfrm flipV="1">
+            <a:off x="2854469" y="2202644"/>
+            <a:ext cx="1161903" cy="1092479"/>
+          </a:xfrm>
+          <a:prstGeom prst="line">
+            <a:avLst/>
+          </a:prstGeom>
+          <a:ln w="15875">
+            <a:solidFill>
+              <a:schemeClr val="accent6"/>
+            </a:solidFill>
+          </a:ln>
+        </p:spPr>
+        <p:style>
+          <a:lnRef idx="1">
+            <a:schemeClr val="accent1"/>
+          </a:lnRef>
+          <a:fillRef idx="0">
+            <a:schemeClr val="accent1"/>
+          </a:fillRef>
+          <a:effectRef idx="0">
+            <a:schemeClr val="accent1"/>
+          </a:effectRef>
+          <a:fontRef idx="minor">
+            <a:schemeClr val="tx1"/>
+          </a:fontRef>
+        </p:style>
+      </p:cxnSp>
+      <p:cxnSp>
+        <p:nvCxnSpPr>
+          <p:cNvPr id="26" name="Straight Connector 25">
+            <a:extLst>
+              <a:ext uri="{FF2B5EF4-FFF2-40B4-BE49-F238E27FC236}">
+                <a16:creationId xmlns:a16="http://schemas.microsoft.com/office/drawing/2014/main" id="{6FA34BFD-7369-4E05-B439-1D34365008E9}"/>
+              </a:ext>
+            </a:extLst>
+          </p:cNvPr>
+          <p:cNvCxnSpPr>
+            <a:cxnSpLocks/>
+          </p:cNvCxnSpPr>
+          <p:nvPr/>
+        </p:nvCxnSpPr>
+        <p:spPr>
+          <a:xfrm>
+            <a:off x="2854469" y="3476609"/>
+            <a:ext cx="1161903" cy="763657"/>
+          </a:xfrm>
+          <a:prstGeom prst="line">
+            <a:avLst/>
+          </a:prstGeom>
+          <a:ln w="15875">
+            <a:solidFill>
+              <a:schemeClr val="accent6"/>
+            </a:solidFill>
+          </a:ln>
+        </p:spPr>
+        <p:style>
+          <a:lnRef idx="1">
+            <a:schemeClr val="accent1"/>
+          </a:lnRef>
+          <a:fillRef idx="0">
+            <a:schemeClr val="accent1"/>
+          </a:fillRef>
+          <a:effectRef idx="0">
+            <a:schemeClr val="accent1"/>
+          </a:effectRef>
+          <a:fontRef idx="minor">
+            <a:schemeClr val="tx1"/>
+          </a:fontRef>
+        </p:style>
+      </p:cxnSp>
+      <p:sp>
+        <p:nvSpPr>
+          <p:cNvPr id="27" name="TextBox 26">
+            <a:extLst>
+              <a:ext uri="{FF2B5EF4-FFF2-40B4-BE49-F238E27FC236}">
+                <a16:creationId xmlns:a16="http://schemas.microsoft.com/office/drawing/2014/main" id="{3F4E3A72-5EA5-4280-B18C-72C9338DEA3D}"/>
+              </a:ext>
+            </a:extLst>
+          </p:cNvPr>
+          <p:cNvSpPr txBox="1"/>
+          <p:nvPr/>
+        </p:nvSpPr>
+        <p:spPr>
+          <a:xfrm>
+            <a:off x="97697" y="2289657"/>
+            <a:ext cx="1197612" cy="307777"/>
+          </a:xfrm>
+          <a:prstGeom prst="rect">
+            <a:avLst/>
+          </a:prstGeom>
+          <a:noFill/>
+        </p:spPr>
+        <p:txBody>
+          <a:bodyPr wrap="square" rtlCol="0">
+            <a:spAutoFit/>
+          </a:bodyPr>
+          <a:lstStyle/>
+          <a:p>
+            <a:pPr algn="ctr"/>
+            <a:r>
+              <a:rPr lang="en-US" sz="1400" dirty="0"/>
+              <a:t>Mobile Apps</a:t>
+            </a:r>
+          </a:p>
+        </p:txBody>
+      </p:sp>
+      <p:sp>
+        <p:nvSpPr>
+          <p:cNvPr id="39" name="TextBox 38">
+            <a:extLst>
+              <a:ext uri="{FF2B5EF4-FFF2-40B4-BE49-F238E27FC236}">
+                <a16:creationId xmlns:a16="http://schemas.microsoft.com/office/drawing/2014/main" id="{3B85633E-6DD6-485A-8BF9-A67B9BF2C4B0}"/>
+              </a:ext>
+            </a:extLst>
+          </p:cNvPr>
+          <p:cNvSpPr txBox="1"/>
+          <p:nvPr/>
+        </p:nvSpPr>
+        <p:spPr>
+          <a:xfrm>
+            <a:off x="70478" y="3831438"/>
+            <a:ext cx="1197612" cy="307777"/>
+          </a:xfrm>
+          <a:prstGeom prst="rect">
+            <a:avLst/>
+          </a:prstGeom>
+          <a:noFill/>
+        </p:spPr>
+        <p:txBody>
+          <a:bodyPr wrap="square" rtlCol="0">
+            <a:spAutoFit/>
+          </a:bodyPr>
+          <a:lstStyle/>
+          <a:p>
+            <a:pPr algn="ctr"/>
+            <a:r>
+              <a:rPr lang="en-US" sz="1400" dirty="0"/>
+              <a:t>Websites</a:t>
+            </a:r>
+          </a:p>
+        </p:txBody>
+      </p:sp>
+      <p:sp>
+        <p:nvSpPr>
+          <p:cNvPr id="40" name="TextBox 39">
+            <a:extLst>
+              <a:ext uri="{FF2B5EF4-FFF2-40B4-BE49-F238E27FC236}">
+                <a16:creationId xmlns:a16="http://schemas.microsoft.com/office/drawing/2014/main" id="{AA2B4755-43C9-4E18-8F52-1A91204F30B9}"/>
+              </a:ext>
+            </a:extLst>
+          </p:cNvPr>
+          <p:cNvSpPr txBox="1"/>
+          <p:nvPr/>
+        </p:nvSpPr>
+        <p:spPr>
+          <a:xfrm>
+            <a:off x="97697" y="5496657"/>
+            <a:ext cx="1197612" cy="523220"/>
+          </a:xfrm>
+          <a:prstGeom prst="rect">
+            <a:avLst/>
+          </a:prstGeom>
+          <a:noFill/>
+        </p:spPr>
+        <p:txBody>
+          <a:bodyPr wrap="square" rtlCol="0">
+            <a:spAutoFit/>
+          </a:bodyPr>
+          <a:lstStyle/>
+          <a:p>
+            <a:pPr algn="ctr"/>
+            <a:r>
+              <a:rPr lang="en-US" sz="1400" dirty="0"/>
+              <a:t>3</a:t>
+            </a:r>
+            <a:r>
+              <a:rPr lang="en-US" sz="1400" baseline="30000" dirty="0"/>
+              <a:t>rd</a:t>
+            </a:r>
+            <a:r>
+              <a:rPr lang="en-US" sz="1400" dirty="0"/>
+              <a:t> Party Services</a:t>
+            </a:r>
+          </a:p>
+        </p:txBody>
+      </p:sp>
+      <p:sp>
+        <p:nvSpPr>
+          <p:cNvPr id="41" name="TextBox 40">
+            <a:extLst>
+              <a:ext uri="{FF2B5EF4-FFF2-40B4-BE49-F238E27FC236}">
+                <a16:creationId xmlns:a16="http://schemas.microsoft.com/office/drawing/2014/main" id="{2C43353E-2266-4AA0-A4DF-85FB59DF525F}"/>
+              </a:ext>
+            </a:extLst>
+          </p:cNvPr>
+          <p:cNvSpPr txBox="1"/>
+          <p:nvPr/>
+        </p:nvSpPr>
+        <p:spPr>
+          <a:xfrm>
+            <a:off x="3997160" y="2325480"/>
+            <a:ext cx="1197612" cy="523220"/>
+          </a:xfrm>
+          <a:prstGeom prst="rect">
+            <a:avLst/>
+          </a:prstGeom>
+          <a:noFill/>
+        </p:spPr>
+        <p:txBody>
+          <a:bodyPr wrap="square" rtlCol="0">
+            <a:spAutoFit/>
+          </a:bodyPr>
+          <a:lstStyle/>
+          <a:p>
+            <a:pPr algn="ctr"/>
+            <a:r>
+              <a:rPr lang="en-US" sz="1400" dirty="0"/>
+              <a:t>Amazon CloudFront</a:t>
+            </a:r>
+          </a:p>
+        </p:txBody>
+      </p:sp>
+      <p:sp>
+        <p:nvSpPr>
+          <p:cNvPr id="42" name="TextBox 41">
+            <a:extLst>
+              <a:ext uri="{FF2B5EF4-FFF2-40B4-BE49-F238E27FC236}">
+                <a16:creationId xmlns:a16="http://schemas.microsoft.com/office/drawing/2014/main" id="{956E2815-5FFE-4873-AD71-5B51EB19409C}"/>
+              </a:ext>
+            </a:extLst>
+          </p:cNvPr>
+          <p:cNvSpPr txBox="1"/>
+          <p:nvPr/>
+        </p:nvSpPr>
+        <p:spPr>
+          <a:xfrm>
+            <a:off x="6073816" y="2432300"/>
+            <a:ext cx="1197612" cy="307777"/>
+          </a:xfrm>
+          <a:prstGeom prst="rect">
+            <a:avLst/>
+          </a:prstGeom>
+          <a:noFill/>
+        </p:spPr>
+        <p:txBody>
+          <a:bodyPr wrap="square" rtlCol="0">
+            <a:spAutoFit/>
+          </a:bodyPr>
+          <a:lstStyle/>
+          <a:p>
+            <a:pPr algn="ctr"/>
+            <a:r>
+              <a:rPr lang="en-US" sz="1400" dirty="0"/>
+              <a:t>Amazon S3</a:t>
+            </a:r>
+          </a:p>
+        </p:txBody>
+      </p:sp>
+      <p:sp>
+        <p:nvSpPr>
+          <p:cNvPr id="43" name="TextBox 42">
+            <a:extLst>
+              <a:ext uri="{FF2B5EF4-FFF2-40B4-BE49-F238E27FC236}">
+                <a16:creationId xmlns:a16="http://schemas.microsoft.com/office/drawing/2014/main" id="{B9B5033B-D03B-45E5-9121-5522F7555F5A}"/>
+              </a:ext>
+            </a:extLst>
+          </p:cNvPr>
+          <p:cNvSpPr txBox="1"/>
+          <p:nvPr/>
+        </p:nvSpPr>
+        <p:spPr>
+          <a:xfrm>
+            <a:off x="3905720" y="4978930"/>
+            <a:ext cx="1197612" cy="523220"/>
+          </a:xfrm>
+          <a:prstGeom prst="rect">
+            <a:avLst/>
+          </a:prstGeom>
+          <a:noFill/>
+        </p:spPr>
+        <p:txBody>
+          <a:bodyPr wrap="square" rtlCol="0">
+            <a:spAutoFit/>
+          </a:bodyPr>
+          <a:lstStyle/>
+          <a:p>
+            <a:pPr algn="ctr"/>
+            <a:r>
+              <a:rPr lang="en-US" sz="1400" dirty="0"/>
+              <a:t>Amazon API Gateway</a:t>
+            </a:r>
+          </a:p>
+        </p:txBody>
+      </p:sp>
+      <p:sp>
+        <p:nvSpPr>
+          <p:cNvPr id="44" name="TextBox 43">
+            <a:extLst>
+              <a:ext uri="{FF2B5EF4-FFF2-40B4-BE49-F238E27FC236}">
+                <a16:creationId xmlns:a16="http://schemas.microsoft.com/office/drawing/2014/main" id="{C1C45F2E-475F-4340-ACF7-FF3DE927ABCF}"/>
+              </a:ext>
+            </a:extLst>
+          </p:cNvPr>
+          <p:cNvSpPr txBox="1"/>
+          <p:nvPr/>
+        </p:nvSpPr>
+        <p:spPr>
+          <a:xfrm>
+            <a:off x="5832432" y="4941935"/>
+            <a:ext cx="1197612" cy="523220"/>
+          </a:xfrm>
+          <a:prstGeom prst="rect">
+            <a:avLst/>
+          </a:prstGeom>
+          <a:noFill/>
+        </p:spPr>
+        <p:txBody>
+          <a:bodyPr wrap="square" rtlCol="0">
+            <a:spAutoFit/>
+          </a:bodyPr>
+          <a:lstStyle/>
+          <a:p>
+            <a:pPr algn="ctr"/>
+            <a:r>
+              <a:rPr lang="en-US" sz="1400" dirty="0"/>
+              <a:t>AWS Lambda</a:t>
+            </a:r>
+          </a:p>
+        </p:txBody>
+      </p:sp>
+      <p:sp>
+        <p:nvSpPr>
+          <p:cNvPr id="45" name="TextBox 44">
+            <a:extLst>
+              <a:ext uri="{FF2B5EF4-FFF2-40B4-BE49-F238E27FC236}">
+                <a16:creationId xmlns:a16="http://schemas.microsoft.com/office/drawing/2014/main" id="{638C29BA-F3E8-46FA-B44A-06C72C48909C}"/>
+              </a:ext>
+            </a:extLst>
+          </p:cNvPr>
+          <p:cNvSpPr txBox="1"/>
+          <p:nvPr/>
+        </p:nvSpPr>
+        <p:spPr>
+          <a:xfrm>
+            <a:off x="7386612" y="4903673"/>
+            <a:ext cx="1197612" cy="523220"/>
+          </a:xfrm>
+          <a:prstGeom prst="rect">
+            <a:avLst/>
+          </a:prstGeom>
+          <a:noFill/>
+        </p:spPr>
+        <p:txBody>
+          <a:bodyPr wrap="square" rtlCol="0">
+            <a:spAutoFit/>
+          </a:bodyPr>
+          <a:lstStyle/>
+          <a:p>
+            <a:pPr algn="ctr"/>
+            <a:r>
+              <a:rPr lang="en-US" sz="1400" dirty="0"/>
+              <a:t>Amazon RDS</a:t>
+            </a:r>
+          </a:p>
+        </p:txBody>
+      </p:sp>
+      <p:sp>
+        <p:nvSpPr>
+          <p:cNvPr id="28" name="TextBox 27">
+            <a:extLst>
+              <a:ext uri="{FF2B5EF4-FFF2-40B4-BE49-F238E27FC236}">
+                <a16:creationId xmlns:a16="http://schemas.microsoft.com/office/drawing/2014/main" id="{5ED1AE66-F9AA-4211-8B9D-E7F513CDA000}"/>
+              </a:ext>
+            </a:extLst>
+          </p:cNvPr>
+          <p:cNvSpPr txBox="1"/>
+          <p:nvPr/>
+        </p:nvSpPr>
+        <p:spPr>
+          <a:xfrm>
+            <a:off x="4054136" y="2875952"/>
+            <a:ext cx="1706067" cy="738664"/>
+          </a:xfrm>
+          <a:prstGeom prst="rect">
+            <a:avLst/>
+          </a:prstGeom>
+          <a:noFill/>
+        </p:spPr>
+        <p:txBody>
+          <a:bodyPr wrap="square" rtlCol="0">
+            <a:spAutoFit/>
+          </a:bodyPr>
+          <a:lstStyle/>
+          <a:p>
+            <a:pPr marL="168275" indent="-168275">
+              <a:buFont typeface="Arial" panose="020B0604020202020204" pitchFamily="34" charset="0"/>
+              <a:buChar char="•"/>
+            </a:pPr>
+            <a:r>
+              <a:rPr lang="en-US" sz="1400" dirty="0">
+                <a:solidFill>
+                  <a:schemeClr val="bg1">
+                    <a:lumMod val="50000"/>
+                  </a:schemeClr>
+                </a:solidFill>
+              </a:rPr>
+              <a:t>Geo-Restriction</a:t>
+            </a:r>
+          </a:p>
+          <a:p>
+            <a:pPr marL="168275" indent="-168275">
+              <a:buFont typeface="Arial" panose="020B0604020202020204" pitchFamily="34" charset="0"/>
+              <a:buChar char="•"/>
+            </a:pPr>
+            <a:r>
+              <a:rPr lang="en-US" sz="1400" dirty="0">
+                <a:solidFill>
+                  <a:schemeClr val="bg1">
+                    <a:lumMod val="50000"/>
+                  </a:schemeClr>
+                </a:solidFill>
+              </a:rPr>
+              <a:t>Private Content</a:t>
+            </a:r>
+          </a:p>
+          <a:p>
+            <a:pPr marL="168275" indent="-168275">
+              <a:buFont typeface="Arial" panose="020B0604020202020204" pitchFamily="34" charset="0"/>
+              <a:buChar char="•"/>
+            </a:pPr>
+            <a:r>
+              <a:rPr lang="en-US" sz="1400" dirty="0">
+                <a:solidFill>
+                  <a:schemeClr val="bg1">
+                    <a:lumMod val="50000"/>
+                  </a:schemeClr>
+                </a:solidFill>
+              </a:rPr>
+              <a:t>DDoS</a:t>
+            </a:r>
+          </a:p>
+        </p:txBody>
+      </p:sp>
+      <p:sp>
+        <p:nvSpPr>
+          <p:cNvPr id="47" name="TextBox 46">
+            <a:extLst>
+              <a:ext uri="{FF2B5EF4-FFF2-40B4-BE49-F238E27FC236}">
+                <a16:creationId xmlns:a16="http://schemas.microsoft.com/office/drawing/2014/main" id="{08A32DB3-B518-481A-A104-47CAD17B750F}"/>
+              </a:ext>
+            </a:extLst>
+          </p:cNvPr>
+          <p:cNvSpPr txBox="1"/>
+          <p:nvPr/>
+        </p:nvSpPr>
+        <p:spPr>
+          <a:xfrm>
+            <a:off x="6073816" y="2916305"/>
+            <a:ext cx="1706067" cy="523220"/>
+          </a:xfrm>
+          <a:prstGeom prst="rect">
+            <a:avLst/>
+          </a:prstGeom>
+          <a:noFill/>
+        </p:spPr>
+        <p:txBody>
+          <a:bodyPr wrap="square" rtlCol="0">
+            <a:spAutoFit/>
+          </a:bodyPr>
+          <a:lstStyle/>
+          <a:p>
+            <a:pPr marL="168275" indent="-168275">
+              <a:buFont typeface="Arial" panose="020B0604020202020204" pitchFamily="34" charset="0"/>
+              <a:buChar char="•"/>
+            </a:pPr>
+            <a:r>
+              <a:rPr lang="en-US" sz="1400" dirty="0">
+                <a:solidFill>
+                  <a:schemeClr val="bg1">
+                    <a:lumMod val="50000"/>
+                  </a:schemeClr>
+                </a:solidFill>
+              </a:rPr>
+              <a:t>Bucket Policies</a:t>
+            </a:r>
+          </a:p>
+          <a:p>
+            <a:pPr marL="168275" indent="-168275">
+              <a:buFont typeface="Arial" panose="020B0604020202020204" pitchFamily="34" charset="0"/>
+              <a:buChar char="•"/>
+            </a:pPr>
+            <a:r>
+              <a:rPr lang="en-US" sz="1400" dirty="0">
+                <a:solidFill>
+                  <a:schemeClr val="bg1">
+                    <a:lumMod val="50000"/>
+                  </a:schemeClr>
+                </a:solidFill>
+              </a:rPr>
+              <a:t>ACLs</a:t>
+            </a:r>
+          </a:p>
+        </p:txBody>
+      </p:sp>
+      <p:sp>
+        <p:nvSpPr>
+          <p:cNvPr id="48" name="TextBox 47">
+            <a:extLst>
+              <a:ext uri="{FF2B5EF4-FFF2-40B4-BE49-F238E27FC236}">
+                <a16:creationId xmlns:a16="http://schemas.microsoft.com/office/drawing/2014/main" id="{C3B0A923-D36B-45DB-A73A-8C927232AE00}"/>
+              </a:ext>
+            </a:extLst>
+          </p:cNvPr>
+          <p:cNvSpPr txBox="1"/>
+          <p:nvPr/>
+        </p:nvSpPr>
+        <p:spPr>
+          <a:xfrm>
+            <a:off x="3891213" y="5500738"/>
+            <a:ext cx="2193450" cy="1169551"/>
+          </a:xfrm>
+          <a:prstGeom prst="rect">
+            <a:avLst/>
+          </a:prstGeom>
+          <a:noFill/>
+        </p:spPr>
+        <p:txBody>
+          <a:bodyPr wrap="square" rtlCol="0">
+            <a:spAutoFit/>
+          </a:bodyPr>
+          <a:lstStyle/>
+          <a:p>
+            <a:pPr marL="168275" indent="-168275">
+              <a:buFont typeface="Arial" panose="020B0604020202020204" pitchFamily="34" charset="0"/>
+              <a:buChar char="•"/>
+            </a:pPr>
+            <a:r>
+              <a:rPr lang="en-US" sz="1400" dirty="0">
+                <a:solidFill>
+                  <a:schemeClr val="bg1">
+                    <a:lumMod val="50000"/>
+                  </a:schemeClr>
+                </a:solidFill>
+              </a:rPr>
+              <a:t>DDoS</a:t>
+            </a:r>
+          </a:p>
+          <a:p>
+            <a:pPr marL="168275" indent="-168275">
+              <a:buFont typeface="Arial" panose="020B0604020202020204" pitchFamily="34" charset="0"/>
+              <a:buChar char="•"/>
+            </a:pPr>
+            <a:r>
+              <a:rPr lang="en-US" sz="1400" dirty="0">
+                <a:solidFill>
+                  <a:schemeClr val="bg1">
+                    <a:lumMod val="50000"/>
+                  </a:schemeClr>
+                </a:solidFill>
+              </a:rPr>
+              <a:t>Identity Pools</a:t>
+            </a:r>
+          </a:p>
+          <a:p>
+            <a:pPr marL="168275" indent="-168275">
+              <a:buFont typeface="Arial" panose="020B0604020202020204" pitchFamily="34" charset="0"/>
+              <a:buChar char="•"/>
+            </a:pPr>
+            <a:r>
+              <a:rPr lang="en-US" sz="1400" dirty="0">
+                <a:solidFill>
+                  <a:schemeClr val="bg1">
+                    <a:lumMod val="50000"/>
+                  </a:schemeClr>
+                </a:solidFill>
+              </a:rPr>
+              <a:t>Federated Identities</a:t>
+            </a:r>
+          </a:p>
+          <a:p>
+            <a:pPr marL="168275" indent="-168275">
+              <a:buFont typeface="Arial" panose="020B0604020202020204" pitchFamily="34" charset="0"/>
+              <a:buChar char="•"/>
+            </a:pPr>
+            <a:r>
+              <a:rPr lang="en-US" sz="1400" dirty="0">
+                <a:solidFill>
+                  <a:schemeClr val="bg1">
+                    <a:lumMod val="50000"/>
+                  </a:schemeClr>
+                </a:solidFill>
+              </a:rPr>
+              <a:t>IAM Policies</a:t>
+            </a:r>
+          </a:p>
+          <a:p>
+            <a:pPr marL="168275" indent="-168275">
+              <a:buFont typeface="Arial" panose="020B0604020202020204" pitchFamily="34" charset="0"/>
+              <a:buChar char="•"/>
+            </a:pPr>
+            <a:r>
+              <a:rPr lang="en-US" sz="1400" dirty="0">
+                <a:solidFill>
+                  <a:schemeClr val="bg1">
+                    <a:lumMod val="50000"/>
+                  </a:schemeClr>
+                </a:solidFill>
+              </a:rPr>
+              <a:t>Throttling</a:t>
+            </a:r>
+          </a:p>
+        </p:txBody>
+      </p:sp>
+      <p:sp>
+        <p:nvSpPr>
+          <p:cNvPr id="49" name="TextBox 48">
+            <a:extLst>
+              <a:ext uri="{FF2B5EF4-FFF2-40B4-BE49-F238E27FC236}">
+                <a16:creationId xmlns:a16="http://schemas.microsoft.com/office/drawing/2014/main" id="{B510D3A3-C39A-4770-AEE7-8499027373B6}"/>
+              </a:ext>
+            </a:extLst>
+          </p:cNvPr>
+          <p:cNvSpPr txBox="1"/>
+          <p:nvPr/>
+        </p:nvSpPr>
+        <p:spPr>
+          <a:xfrm>
+            <a:off x="7478791" y="5592909"/>
+            <a:ext cx="2193450" cy="523220"/>
+          </a:xfrm>
+          <a:prstGeom prst="rect">
+            <a:avLst/>
+          </a:prstGeom>
+          <a:noFill/>
+        </p:spPr>
+        <p:txBody>
+          <a:bodyPr wrap="square" rtlCol="0">
+            <a:spAutoFit/>
+          </a:bodyPr>
+          <a:lstStyle/>
+          <a:p>
+            <a:pPr marL="168275" indent="-168275">
+              <a:buFont typeface="Arial" panose="020B0604020202020204" pitchFamily="34" charset="0"/>
+              <a:buChar char="•"/>
+            </a:pPr>
+            <a:r>
+              <a:rPr lang="en-US" sz="1400" dirty="0">
+                <a:solidFill>
+                  <a:schemeClr val="bg1">
+                    <a:lumMod val="50000"/>
+                  </a:schemeClr>
+                </a:solidFill>
+              </a:rPr>
+              <a:t>RDS Proxy</a:t>
+            </a:r>
+          </a:p>
+          <a:p>
+            <a:pPr marL="168275" indent="-168275">
+              <a:buFont typeface="Arial" panose="020B0604020202020204" pitchFamily="34" charset="0"/>
+              <a:buChar char="•"/>
+            </a:pPr>
+            <a:r>
+              <a:rPr lang="en-US" sz="1400" dirty="0">
+                <a:solidFill>
+                  <a:schemeClr val="bg1">
+                    <a:lumMod val="50000"/>
+                  </a:schemeClr>
+                </a:solidFill>
+              </a:rPr>
+              <a:t>Secrets Manager</a:t>
+            </a:r>
+          </a:p>
+        </p:txBody>
+      </p:sp>
+      <p:sp>
+        <p:nvSpPr>
+          <p:cNvPr id="52" name="TextBox 51">
+            <a:extLst>
+              <a:ext uri="{FF2B5EF4-FFF2-40B4-BE49-F238E27FC236}">
+                <a16:creationId xmlns:a16="http://schemas.microsoft.com/office/drawing/2014/main" id="{22AA660C-4AA6-40F0-AE36-6E60289C4F3B}"/>
+              </a:ext>
+            </a:extLst>
+          </p:cNvPr>
+          <p:cNvSpPr txBox="1"/>
+          <p:nvPr/>
+        </p:nvSpPr>
+        <p:spPr>
+          <a:xfrm>
+            <a:off x="1592219" y="3676061"/>
+            <a:ext cx="1197612" cy="307777"/>
+          </a:xfrm>
+          <a:prstGeom prst="rect">
+            <a:avLst/>
+          </a:prstGeom>
+          <a:noFill/>
+        </p:spPr>
+        <p:txBody>
+          <a:bodyPr wrap="square" rtlCol="0">
+            <a:spAutoFit/>
+          </a:bodyPr>
+          <a:lstStyle/>
+          <a:p>
+            <a:pPr algn="ctr"/>
+            <a:r>
+              <a:rPr lang="en-US" sz="1400" dirty="0"/>
+              <a:t>Internet</a:t>
+            </a:r>
+          </a:p>
+        </p:txBody>
+      </p:sp>
+      <p:sp>
+        <p:nvSpPr>
+          <p:cNvPr id="54" name="TextBox 53">
+            <a:extLst>
+              <a:ext uri="{FF2B5EF4-FFF2-40B4-BE49-F238E27FC236}">
+                <a16:creationId xmlns:a16="http://schemas.microsoft.com/office/drawing/2014/main" id="{0A41713C-BF21-4DC7-8FC7-44B9C9F4C2C6}"/>
+              </a:ext>
+            </a:extLst>
+          </p:cNvPr>
+          <p:cNvSpPr txBox="1"/>
+          <p:nvPr/>
+        </p:nvSpPr>
+        <p:spPr>
+          <a:xfrm rot="18965878">
+            <a:off x="2672413" y="2437868"/>
+            <a:ext cx="1371600" cy="307777"/>
+          </a:xfrm>
+          <a:prstGeom prst="rect">
+            <a:avLst/>
+          </a:prstGeom>
+          <a:noFill/>
+        </p:spPr>
+        <p:txBody>
+          <a:bodyPr wrap="square" rtlCol="0">
+            <a:spAutoFit/>
+          </a:bodyPr>
+          <a:lstStyle/>
+          <a:p>
+            <a:pPr algn="ctr"/>
+            <a:r>
+              <a:rPr lang="en-US" sz="1400" dirty="0"/>
+              <a:t>Static Content</a:t>
+            </a:r>
+          </a:p>
+        </p:txBody>
+      </p:sp>
+      <p:sp>
+        <p:nvSpPr>
+          <p:cNvPr id="55" name="TextBox 54">
+            <a:extLst>
+              <a:ext uri="{FF2B5EF4-FFF2-40B4-BE49-F238E27FC236}">
+                <a16:creationId xmlns:a16="http://schemas.microsoft.com/office/drawing/2014/main" id="{89F621C8-0A0B-47BB-B005-200CCEF30CA9}"/>
+              </a:ext>
+            </a:extLst>
+          </p:cNvPr>
+          <p:cNvSpPr txBox="1"/>
+          <p:nvPr/>
+        </p:nvSpPr>
+        <p:spPr>
+          <a:xfrm rot="2054461">
+            <a:off x="2451797" y="3849405"/>
+            <a:ext cx="1797497" cy="307777"/>
+          </a:xfrm>
+          <a:prstGeom prst="rect">
+            <a:avLst/>
+          </a:prstGeom>
+          <a:noFill/>
+        </p:spPr>
+        <p:txBody>
+          <a:bodyPr wrap="square" rtlCol="0">
+            <a:spAutoFit/>
+          </a:bodyPr>
+          <a:lstStyle/>
+          <a:p>
+            <a:pPr algn="ctr"/>
+            <a:r>
+              <a:rPr lang="en-US" sz="1400" dirty="0"/>
+              <a:t>Dynamic Content</a:t>
+            </a:r>
+          </a:p>
+        </p:txBody>
+      </p:sp>
+      <p:cxnSp>
+        <p:nvCxnSpPr>
+          <p:cNvPr id="56" name="Straight Connector 55">
+            <a:extLst>
+              <a:ext uri="{FF2B5EF4-FFF2-40B4-BE49-F238E27FC236}">
+                <a16:creationId xmlns:a16="http://schemas.microsoft.com/office/drawing/2014/main" id="{28C7D840-DDB4-4621-B199-851D4F81E9D1}"/>
+              </a:ext>
+            </a:extLst>
+          </p:cNvPr>
+          <p:cNvCxnSpPr>
+            <a:endCxn id="1040" idx="1"/>
+          </p:cNvCxnSpPr>
+          <p:nvPr/>
+        </p:nvCxnSpPr>
+        <p:spPr>
+          <a:xfrm>
+            <a:off x="5247710" y="1992397"/>
+            <a:ext cx="876272" cy="0"/>
+          </a:xfrm>
+          <a:prstGeom prst="line">
+            <a:avLst/>
+          </a:prstGeom>
+          <a:ln w="15875">
+            <a:solidFill>
+              <a:schemeClr val="accent6"/>
+            </a:solidFill>
+          </a:ln>
+        </p:spPr>
+        <p:style>
+          <a:lnRef idx="1">
+            <a:schemeClr val="accent1"/>
+          </a:lnRef>
+          <a:fillRef idx="0">
+            <a:schemeClr val="accent1"/>
+          </a:fillRef>
+          <a:effectRef idx="0">
+            <a:schemeClr val="accent1"/>
+          </a:effectRef>
+          <a:fontRef idx="minor">
+            <a:schemeClr val="tx1"/>
+          </a:fontRef>
+        </p:style>
+      </p:cxnSp>
+      <p:cxnSp>
+        <p:nvCxnSpPr>
+          <p:cNvPr id="58" name="Straight Connector 57">
+            <a:extLst>
+              <a:ext uri="{FF2B5EF4-FFF2-40B4-BE49-F238E27FC236}">
+                <a16:creationId xmlns:a16="http://schemas.microsoft.com/office/drawing/2014/main" id="{6C27A863-6893-4319-886C-205088B54A70}"/>
+              </a:ext>
+            </a:extLst>
+          </p:cNvPr>
+          <p:cNvCxnSpPr/>
+          <p:nvPr/>
+        </p:nvCxnSpPr>
+        <p:spPr>
+          <a:xfrm>
+            <a:off x="5103332" y="4471454"/>
+            <a:ext cx="656871" cy="0"/>
+          </a:xfrm>
+          <a:prstGeom prst="line">
+            <a:avLst/>
+          </a:prstGeom>
+          <a:ln w="15875">
+            <a:solidFill>
+              <a:schemeClr val="accent6"/>
+            </a:solidFill>
+          </a:ln>
+        </p:spPr>
+        <p:style>
+          <a:lnRef idx="1">
+            <a:schemeClr val="accent1"/>
+          </a:lnRef>
+          <a:fillRef idx="0">
+            <a:schemeClr val="accent1"/>
+          </a:fillRef>
+          <a:effectRef idx="0">
+            <a:schemeClr val="accent1"/>
+          </a:effectRef>
+          <a:fontRef idx="minor">
+            <a:schemeClr val="tx1"/>
+          </a:fontRef>
+        </p:style>
+      </p:cxnSp>
+      <p:cxnSp>
+        <p:nvCxnSpPr>
+          <p:cNvPr id="60" name="Straight Connector 59">
+            <a:extLst>
+              <a:ext uri="{FF2B5EF4-FFF2-40B4-BE49-F238E27FC236}">
+                <a16:creationId xmlns:a16="http://schemas.microsoft.com/office/drawing/2014/main" id="{C6E4B55D-E070-4012-8FCA-2CD601CB0D06}"/>
+              </a:ext>
+            </a:extLst>
+          </p:cNvPr>
+          <p:cNvCxnSpPr>
+            <a:cxnSpLocks/>
+            <a:endCxn id="1046" idx="1"/>
+          </p:cNvCxnSpPr>
+          <p:nvPr/>
+        </p:nvCxnSpPr>
+        <p:spPr>
+          <a:xfrm>
+            <a:off x="7030044" y="4471454"/>
+            <a:ext cx="543894" cy="0"/>
+          </a:xfrm>
+          <a:prstGeom prst="line">
+            <a:avLst/>
+          </a:prstGeom>
+          <a:ln w="15875">
+            <a:solidFill>
+              <a:schemeClr val="accent6"/>
+            </a:solidFill>
+          </a:ln>
+        </p:spPr>
+        <p:style>
+          <a:lnRef idx="1">
+            <a:schemeClr val="accent1"/>
+          </a:lnRef>
+          <a:fillRef idx="0">
+            <a:schemeClr val="accent1"/>
+          </a:fillRef>
+          <a:effectRef idx="0">
+            <a:schemeClr val="accent1"/>
+          </a:effectRef>
+          <a:fontRef idx="minor">
+            <a:schemeClr val="tx1"/>
+          </a:fontRef>
+        </p:style>
+      </p:cxnSp>
+      <p:sp>
+        <p:nvSpPr>
+          <p:cNvPr id="74" name="TextBox 73">
+            <a:extLst>
+              <a:ext uri="{FF2B5EF4-FFF2-40B4-BE49-F238E27FC236}">
+                <a16:creationId xmlns:a16="http://schemas.microsoft.com/office/drawing/2014/main" id="{05A56991-DB41-4C38-8B79-410B8A4B02EC}"/>
+              </a:ext>
+            </a:extLst>
+          </p:cNvPr>
+          <p:cNvSpPr txBox="1"/>
+          <p:nvPr/>
+        </p:nvSpPr>
+        <p:spPr>
+          <a:xfrm>
+            <a:off x="5891574" y="5491846"/>
+            <a:ext cx="2193450" cy="738664"/>
+          </a:xfrm>
+          <a:prstGeom prst="rect">
+            <a:avLst/>
+          </a:prstGeom>
+          <a:noFill/>
+        </p:spPr>
+        <p:txBody>
+          <a:bodyPr wrap="square" rtlCol="0">
+            <a:spAutoFit/>
+          </a:bodyPr>
+          <a:lstStyle/>
+          <a:p>
+            <a:pPr marL="168275" indent="-168275">
+              <a:buFont typeface="Arial" panose="020B0604020202020204" pitchFamily="34" charset="0"/>
+              <a:buChar char="•"/>
+            </a:pPr>
+            <a:r>
+              <a:rPr lang="en-US" sz="1400" dirty="0">
+                <a:solidFill>
+                  <a:schemeClr val="bg1">
+                    <a:lumMod val="50000"/>
+                  </a:schemeClr>
+                </a:solidFill>
+              </a:rPr>
+              <a:t>Code reviews</a:t>
+            </a:r>
+          </a:p>
+          <a:p>
+            <a:pPr marL="168275" indent="-168275">
+              <a:buFont typeface="Arial" panose="020B0604020202020204" pitchFamily="34" charset="0"/>
+              <a:buChar char="•"/>
+            </a:pPr>
+            <a:r>
+              <a:rPr lang="en-US" sz="1400" dirty="0">
+                <a:solidFill>
+                  <a:schemeClr val="bg1">
+                    <a:lumMod val="50000"/>
+                  </a:schemeClr>
+                </a:solidFill>
+              </a:rPr>
+              <a:t>Security scans</a:t>
+            </a:r>
+          </a:p>
+          <a:p>
+            <a:pPr marL="168275" indent="-168275">
+              <a:buFont typeface="Arial" panose="020B0604020202020204" pitchFamily="34" charset="0"/>
+              <a:buChar char="•"/>
+            </a:pPr>
+            <a:r>
+              <a:rPr lang="en-US" sz="1400" dirty="0">
+                <a:solidFill>
+                  <a:schemeClr val="bg1">
+                    <a:lumMod val="50000"/>
+                  </a:schemeClr>
+                </a:solidFill>
+              </a:rPr>
+              <a:t>Static analysis</a:t>
+            </a:r>
+          </a:p>
+        </p:txBody>
+      </p:sp>
+      <p:sp>
+        <p:nvSpPr>
+          <p:cNvPr id="89" name="TextBox 88">
+            <a:extLst>
+              <a:ext uri="{FF2B5EF4-FFF2-40B4-BE49-F238E27FC236}">
+                <a16:creationId xmlns:a16="http://schemas.microsoft.com/office/drawing/2014/main" id="{252E9E61-7886-4086-9311-064DDF633D34}"/>
+              </a:ext>
+            </a:extLst>
+          </p:cNvPr>
+          <p:cNvSpPr txBox="1"/>
+          <p:nvPr/>
+        </p:nvSpPr>
+        <p:spPr>
+          <a:xfrm>
+            <a:off x="10593" y="6553979"/>
+            <a:ext cx="7188646" cy="276999"/>
+          </a:xfrm>
+          <a:prstGeom prst="rect">
+            <a:avLst/>
+          </a:prstGeom>
+          <a:noFill/>
+        </p:spPr>
+        <p:txBody>
+          <a:bodyPr wrap="square">
+            <a:spAutoFit/>
+          </a:bodyPr>
+          <a:lstStyle/>
+          <a:p>
+            <a:r>
+              <a:rPr lang="en-US" sz="1200" dirty="0"/>
+              <a:t>Reference: </a:t>
+            </a:r>
+            <a:r>
+              <a:rPr lang="en-US" sz="1200" dirty="0">
+                <a:hlinkClick r:id="rId12"/>
+              </a:rPr>
+              <a:t>https://www.youtube.com/watch?v=AV24RTvbgWA</a:t>
+            </a:r>
+            <a:r>
+              <a:rPr lang="en-US" sz="1200" dirty="0"/>
+              <a:t> </a:t>
+            </a:r>
+          </a:p>
+        </p:txBody>
+      </p:sp>
+    </p:spTree>
+    <p:extLst>
+      <p:ext uri="{BB962C8B-B14F-4D97-AF65-F5344CB8AC3E}">
+        <p14:creationId xmlns:p14="http://schemas.microsoft.com/office/powerpoint/2010/main" val="283168004"/>
       </p:ext>
     </p:extLst>
   </p:cSld>
@@ -5414,6 +8082,36 @@
     <p:extLst>
       <p:ext uri="{BB962C8B-B14F-4D97-AF65-F5344CB8AC3E}">
         <p14:creationId xmlns:p14="http://schemas.microsoft.com/office/powerpoint/2010/main" val="973086872"/>
+      </p:ext>
+    </p:extLst>
+  </p:cSld>
+  <p:clrMapOvr>
+    <a:masterClrMapping/>
+  </p:clrMapOvr>
+</p:sld>
+</file>
+
+<file path=ppt/slides/slide20.xml><?xml version="1.0" encoding="utf-8"?>
+<p:sld xmlns:a="http://schemas.openxmlformats.org/drawingml/2006/main" xmlns:r="http://schemas.openxmlformats.org/officeDocument/2006/relationships" xmlns:p="http://schemas.openxmlformats.org/presentationml/2006/main">
+  <p:cSld>
+    <p:spTree>
+      <p:nvGrpSpPr>
+        <p:cNvPr id="1" name=""/>
+        <p:cNvGrpSpPr/>
+        <p:nvPr/>
+      </p:nvGrpSpPr>
+      <p:grpSpPr>
+        <a:xfrm>
+          <a:off x="0" y="0"/>
+          <a:ext cx="0" cy="0"/>
+          <a:chOff x="0" y="0"/>
+          <a:chExt cx="0" cy="0"/>
+        </a:xfrm>
+      </p:grpSpPr>
+    </p:spTree>
+    <p:extLst>
+      <p:ext uri="{BB962C8B-B14F-4D97-AF65-F5344CB8AC3E}">
+        <p14:creationId xmlns:p14="http://schemas.microsoft.com/office/powerpoint/2010/main" val="876298325"/>
       </p:ext>
     </p:extLst>
   </p:cSld>

--- a/presentation/DS7346_Cloud_Computing_Presentation.pptx
+++ b/presentation/DS7346_Cloud_Computing_Presentation.pptx
@@ -5,7 +5,7 @@
     <p:sldMasterId id="2147483672" r:id="rId1"/>
   </p:sldMasterIdLst>
   <p:notesMasterIdLst>
-    <p:notesMasterId r:id="rId22"/>
+    <p:notesMasterId r:id="rId23"/>
   </p:notesMasterIdLst>
   <p:sldIdLst>
     <p:sldId id="580" r:id="rId2"/>
@@ -15,19 +15,20 @@
     <p:sldId id="640" r:id="rId6"/>
     <p:sldId id="641" r:id="rId7"/>
     <p:sldId id="642" r:id="rId8"/>
-    <p:sldId id="643" r:id="rId9"/>
-    <p:sldId id="644" r:id="rId10"/>
-    <p:sldId id="629" r:id="rId11"/>
-    <p:sldId id="628" r:id="rId12"/>
-    <p:sldId id="634" r:id="rId13"/>
-    <p:sldId id="631" r:id="rId14"/>
-    <p:sldId id="630" r:id="rId15"/>
-    <p:sldId id="646" r:id="rId16"/>
-    <p:sldId id="647" r:id="rId17"/>
-    <p:sldId id="648" r:id="rId18"/>
-    <p:sldId id="649" r:id="rId19"/>
-    <p:sldId id="650" r:id="rId20"/>
-    <p:sldId id="526" r:id="rId21"/>
+    <p:sldId id="651" r:id="rId9"/>
+    <p:sldId id="643" r:id="rId10"/>
+    <p:sldId id="644" r:id="rId11"/>
+    <p:sldId id="629" r:id="rId12"/>
+    <p:sldId id="628" r:id="rId13"/>
+    <p:sldId id="634" r:id="rId14"/>
+    <p:sldId id="631" r:id="rId15"/>
+    <p:sldId id="630" r:id="rId16"/>
+    <p:sldId id="646" r:id="rId17"/>
+    <p:sldId id="647" r:id="rId18"/>
+    <p:sldId id="648" r:id="rId19"/>
+    <p:sldId id="649" r:id="rId20"/>
+    <p:sldId id="650" r:id="rId21"/>
+    <p:sldId id="526" r:id="rId22"/>
   </p:sldIdLst>
   <p:sldSz cx="9144000" cy="6858000" type="screen4x3"/>
   <p:notesSz cx="6858000" cy="9144000"/>
@@ -138,6 +139,7 @@
 <p1510:revInfo xmlns:a="http://schemas.openxmlformats.org/drawingml/2006/main" xmlns:r="http://schemas.openxmlformats.org/officeDocument/2006/relationships" xmlns:p1510="http://schemas.microsoft.com/office/powerpoint/2015/10/main">
   <p1510:revLst>
     <p1510:client id="{65C67A5B-D439-DD4E-A637-827378D75345}" v="59" dt="2019-10-10T15:48:12.011"/>
+    <p1510:client id="{854325B3-BCB0-E282-EDBB-DF2D9B900499}" v="152" dt="2020-11-24T01:12:10.290"/>
     <p1510:client id="{983D3192-F7B4-7C41-4CAA-55B54D0A3C83}" v="29" dt="2020-11-22T22:30:09.115"/>
   </p1510:revLst>
 </p1510:revInfo>
@@ -3791,7 +3793,7 @@
           <p:cNvPr id="2" name="Title 1">
             <a:extLst>
               <a:ext uri="{FF2B5EF4-FFF2-40B4-BE49-F238E27FC236}">
-                <a16:creationId xmlns:a16="http://schemas.microsoft.com/office/drawing/2014/main" id="{5B931770-76C9-F749-9B7D-08A4A1F13896}"/>
+                <a16:creationId xmlns:a16="http://schemas.microsoft.com/office/drawing/2014/main" id="{5F201760-3C2B-4914-802C-7921866DC72E}"/>
               </a:ext>
             </a:extLst>
           </p:cNvPr>
@@ -3802,29 +3804,27 @@
             <p:ph type="title"/>
           </p:nvPr>
         </p:nvSpPr>
-        <p:spPr>
-          <a:xfrm>
-            <a:off x="0" y="228600"/>
-            <a:ext cx="9144000" cy="1143000"/>
-          </a:xfrm>
-        </p:spPr>
+        <p:spPr/>
         <p:txBody>
           <a:bodyPr/>
           <a:lstStyle/>
           <a:p>
             <a:r>
-              <a:rPr lang="en-US" dirty="0"/>
-              <a:t>AWS Serverless Predication Flow</a:t>
-            </a:r>
-          </a:p>
-        </p:txBody>
-      </p:sp>
-      <p:sp>
-        <p:nvSpPr>
-          <p:cNvPr id="5" name="Content Placeholder 4">
+              <a:rPr lang="en-US" dirty="0">
+                <a:cs typeface="Arial"/>
+              </a:rPr>
+              <a:t>Cloud Deployment</a:t>
+            </a:r>
+            <a:endParaRPr lang="en-US" dirty="0"/>
+          </a:p>
+        </p:txBody>
+      </p:sp>
+      <p:sp>
+        <p:nvSpPr>
+          <p:cNvPr id="6" name="Content Placeholder 5">
             <a:extLst>
               <a:ext uri="{FF2B5EF4-FFF2-40B4-BE49-F238E27FC236}">
-                <a16:creationId xmlns:a16="http://schemas.microsoft.com/office/drawing/2014/main" id="{375CDB98-7F05-41AD-9F29-81E3D0CFBEFF}"/>
+                <a16:creationId xmlns:a16="http://schemas.microsoft.com/office/drawing/2014/main" id="{296B1057-D90B-4F6F-ABBD-3E9179C32A23}"/>
               </a:ext>
             </a:extLst>
           </p:cNvPr>
@@ -3837,97 +3837,103 @@
         </p:nvSpPr>
         <p:spPr>
           <a:xfrm>
-            <a:off x="709710" y="5767623"/>
-            <a:ext cx="8141108" cy="823900"/>
-          </a:xfrm>
-        </p:spPr>
-        <p:txBody>
-          <a:bodyPr/>
+            <a:off x="457200" y="1877291"/>
+            <a:ext cx="8229600" cy="2625436"/>
+          </a:xfrm>
+        </p:spPr>
+        <p:txBody>
+          <a:bodyPr vert="horz" lIns="91440" tIns="45720" rIns="91440" bIns="45720" rtlCol="0" anchor="t">
+            <a:noAutofit/>
+          </a:bodyPr>
           <a:lstStyle/>
           <a:p>
-            <a:pPr marL="0" indent="0">
-              <a:buNone/>
+            <a:pPr>
+              <a:buFont typeface="Arial"/>
             </a:pPr>
             <a:r>
-              <a:rPr lang="en-US" sz="2400" dirty="0"/>
-              <a:t>Serverless Framework generates cloud formation code through your project’s </a:t>
-            </a:r>
-            <a:r>
-              <a:rPr lang="en-US" sz="2400" b="1" dirty="0"/>
-              <a:t>YAML</a:t>
-            </a:r>
-            <a:r>
-              <a:rPr lang="en-US" sz="2400" dirty="0"/>
-              <a:t> file configuration.</a:t>
-            </a:r>
-            <a:endParaRPr lang="en-US" dirty="0"/>
-          </a:p>
-          <a:p>
-            <a:endParaRPr lang="en-US" dirty="0"/>
-          </a:p>
-          <a:p>
-            <a:endParaRPr lang="en-US" dirty="0"/>
-          </a:p>
-          <a:p>
-            <a:endParaRPr lang="en-US" dirty="0"/>
-          </a:p>
-          <a:p>
-            <a:endParaRPr lang="en-US" dirty="0"/>
-          </a:p>
-          <a:p>
-            <a:pPr marL="0" indent="0">
-              <a:buNone/>
-            </a:pPr>
-            <a:endParaRPr lang="en-US" sz="1600" i="1" dirty="0"/>
-          </a:p>
-          <a:p>
-            <a:pPr marL="0" indent="0">
-              <a:buNone/>
-            </a:pPr>
-            <a:endParaRPr lang="en-US" dirty="0"/>
-          </a:p>
-          <a:p>
-            <a:pPr marL="0" indent="0">
-              <a:buNone/>
-            </a:pPr>
-            <a:endParaRPr lang="en-US" dirty="0"/>
-          </a:p>
-        </p:txBody>
-      </p:sp>
-      <p:pic>
-        <p:nvPicPr>
-          <p:cNvPr id="4" name="Picture 3" descr="A picture containing graphical user interface, diagram&#10;&#10;Description automatically generated">
-            <a:extLst>
-              <a:ext uri="{FF2B5EF4-FFF2-40B4-BE49-F238E27FC236}">
-                <a16:creationId xmlns:a16="http://schemas.microsoft.com/office/drawing/2014/main" id="{24BB4181-4830-1B42-A19C-73A8F4A0180E}"/>
-              </a:ext>
-            </a:extLst>
-          </p:cNvPr>
-          <p:cNvPicPr>
-            <a:picLocks noChangeAspect="1"/>
-          </p:cNvPicPr>
-          <p:nvPr/>
-        </p:nvPicPr>
-        <p:blipFill>
-          <a:blip r:embed="rId3"/>
-          <a:stretch>
-            <a:fillRect/>
-          </a:stretch>
-        </p:blipFill>
-        <p:spPr>
-          <a:xfrm>
-            <a:off x="730250" y="1537611"/>
-            <a:ext cx="7683500" cy="4064000"/>
-          </a:xfrm>
-          <a:prstGeom prst="rect">
-            <a:avLst/>
-          </a:prstGeom>
-        </p:spPr>
-      </p:pic>
+              <a:rPr lang="en-US" sz="2800" dirty="0">
+                <a:ea typeface="+mn-lt"/>
+                <a:cs typeface="+mn-lt"/>
+              </a:rPr>
+              <a:t>Next is the cloud deployment and at a high overview utilized: </a:t>
+            </a:r>
+            <a:endParaRPr lang="en-US" sz="2800" dirty="0">
+              <a:cs typeface="Arial"/>
+            </a:endParaRPr>
+          </a:p>
+          <a:p>
+            <a:pPr lvl="1"/>
+            <a:r>
+              <a:rPr lang="en-US" sz="2400" dirty="0">
+                <a:ea typeface="+mn-lt"/>
+                <a:cs typeface="+mn-lt"/>
+              </a:rPr>
+              <a:t>Configure Serverless framework</a:t>
+            </a:r>
+            <a:endParaRPr lang="en-US" sz="2400" dirty="0">
+              <a:cs typeface="Arial"/>
+            </a:endParaRPr>
+          </a:p>
+          <a:p>
+            <a:pPr lvl="1"/>
+            <a:r>
+              <a:rPr lang="en-US" sz="2400" dirty="0">
+                <a:ea typeface="+mn-lt"/>
+                <a:cs typeface="+mn-lt"/>
+              </a:rPr>
+              <a:t>API Gateway</a:t>
+            </a:r>
+            <a:endParaRPr lang="en-US" sz="2400" dirty="0">
+              <a:cs typeface="Arial"/>
+            </a:endParaRPr>
+          </a:p>
+          <a:p>
+            <a:pPr lvl="1"/>
+            <a:r>
+              <a:rPr lang="en-US" sz="2400" dirty="0">
+                <a:ea typeface="+mn-lt"/>
+                <a:cs typeface="+mn-lt"/>
+              </a:rPr>
+              <a:t>Lambda functions</a:t>
+            </a:r>
+            <a:endParaRPr lang="en-US" sz="2400" dirty="0">
+              <a:cs typeface="Arial"/>
+            </a:endParaRPr>
+          </a:p>
+          <a:p>
+            <a:pPr lvl="1"/>
+            <a:r>
+              <a:rPr lang="en-US" sz="2400" dirty="0">
+                <a:ea typeface="+mn-lt"/>
+                <a:cs typeface="+mn-lt"/>
+              </a:rPr>
+              <a:t>RDS</a:t>
+            </a:r>
+            <a:endParaRPr lang="en-US" sz="2400" dirty="0">
+              <a:cs typeface="Arial"/>
+            </a:endParaRPr>
+          </a:p>
+          <a:p>
+            <a:r>
+              <a:rPr lang="en-US" sz="2800" dirty="0">
+                <a:ea typeface="+mn-lt"/>
+                <a:cs typeface="+mn-lt"/>
+              </a:rPr>
+              <a:t>Chance will now walk you through each of those cloud components and how it was deployed to AWS</a:t>
+            </a:r>
+            <a:br>
+              <a:rPr lang="en-US" sz="2800" dirty="0"/>
+            </a:br>
+            <a:endParaRPr lang="en-US" sz="2800" dirty="0">
+              <a:cs typeface="Arial"/>
+            </a:endParaRPr>
+          </a:p>
+        </p:txBody>
+      </p:sp>
     </p:spTree>
     <p:extLst>
       <p:ext uri="{BB962C8B-B14F-4D97-AF65-F5344CB8AC3E}">
-        <p14:creationId xmlns:p14="http://schemas.microsoft.com/office/powerpoint/2010/main" val="210876337"/>
+        <p14:creationId xmlns:p14="http://schemas.microsoft.com/office/powerpoint/2010/main" val="1455677800"/>
       </p:ext>
     </p:extLst>
   </p:cSld>
@@ -3982,7 +3988,7 @@
           <a:p>
             <a:r>
               <a:rPr lang="en-US" dirty="0"/>
-              <a:t>Serverless Framework</a:t>
+              <a:t>AWS Serverless Predication Flow</a:t>
             </a:r>
           </a:p>
         </p:txBody>
@@ -4005,50 +4011,48 @@
         </p:nvSpPr>
         <p:spPr>
           <a:xfrm>
-            <a:off x="243347" y="1555954"/>
-            <a:ext cx="8155857" cy="5014451"/>
+            <a:off x="709710" y="5767623"/>
+            <a:ext cx="8141108" cy="823900"/>
           </a:xfrm>
         </p:spPr>
         <p:txBody>
           <a:bodyPr/>
           <a:lstStyle/>
           <a:p>
-            <a:r>
-              <a:rPr lang="en-US" sz="2800" dirty="0"/>
-              <a:t>Open-source framework built with </a:t>
-            </a:r>
-            <a:r>
-              <a:rPr lang="en-US" sz="2800" b="1" dirty="0"/>
-              <a:t>Node.js </a:t>
-            </a:r>
-            <a:r>
-              <a:rPr lang="en-US" sz="2800" dirty="0"/>
-              <a:t>(supports a </a:t>
-            </a:r>
-            <a:r>
-              <a:rPr lang="en-US" sz="2800" b="1" dirty="0"/>
-              <a:t>variety</a:t>
-            </a:r>
-            <a:r>
-              <a:rPr lang="en-US" sz="2800" dirty="0"/>
-              <a:t> of </a:t>
-            </a:r>
-            <a:r>
-              <a:rPr lang="en-US" sz="2800" b="1" dirty="0"/>
-              <a:t>cloud platforms </a:t>
-            </a:r>
-            <a:r>
-              <a:rPr lang="en-US" sz="2800" dirty="0"/>
-              <a:t>and </a:t>
-            </a:r>
-            <a:r>
-              <a:rPr lang="en-US" sz="2800" b="1" dirty="0"/>
-              <a:t>programming languages</a:t>
-            </a:r>
-            <a:r>
-              <a:rPr lang="en-US" sz="2800" dirty="0"/>
-              <a:t>)</a:t>
-            </a:r>
+            <a:pPr marL="0" indent="0">
+              <a:buNone/>
+            </a:pPr>
+            <a:r>
+              <a:rPr lang="en-US" sz="2400" dirty="0"/>
+              <a:t>Serverless Framework generates cloud formation code through your project’s </a:t>
+            </a:r>
+            <a:r>
+              <a:rPr lang="en-US" sz="2400" b="1" dirty="0"/>
+              <a:t>YAML</a:t>
+            </a:r>
+            <a:r>
+              <a:rPr lang="en-US" sz="2400" dirty="0"/>
+              <a:t> file configuration.</a:t>
+            </a:r>
+            <a:endParaRPr lang="en-US" dirty="0"/>
+          </a:p>
+          <a:p>
+            <a:endParaRPr lang="en-US" dirty="0"/>
+          </a:p>
+          <a:p>
+            <a:endParaRPr lang="en-US" dirty="0"/>
+          </a:p>
+          <a:p>
+            <a:endParaRPr lang="en-US" dirty="0"/>
+          </a:p>
+          <a:p>
+            <a:endParaRPr lang="en-US" dirty="0"/>
+          </a:p>
+          <a:p>
+            <a:pPr marL="0" indent="0">
+              <a:buNone/>
+            </a:pPr>
+            <a:endParaRPr lang="en-US" sz="1600" i="1" dirty="0"/>
           </a:p>
           <a:p>
             <a:pPr marL="0" indent="0">
@@ -4057,46 +4061,19 @@
             <a:endParaRPr lang="en-US" dirty="0"/>
           </a:p>
           <a:p>
-            <a:endParaRPr lang="en-US" dirty="0"/>
-          </a:p>
-          <a:p>
-            <a:endParaRPr lang="en-US" dirty="0"/>
-          </a:p>
-          <a:p>
-            <a:endParaRPr lang="en-US" dirty="0"/>
-          </a:p>
-          <a:p>
-            <a:endParaRPr lang="en-US" dirty="0"/>
-          </a:p>
-          <a:p>
-            <a:endParaRPr lang="en-US" dirty="0"/>
-          </a:p>
-          <a:p>
-            <a:pPr marL="0" indent="0">
-              <a:buNone/>
-            </a:pPr>
-            <a:endParaRPr lang="en-US" sz="1600" i="1" dirty="0"/>
-          </a:p>
-          <a:p>
             <a:pPr marL="0" indent="0">
               <a:buNone/>
             </a:pPr>
             <a:endParaRPr lang="en-US" dirty="0"/>
           </a:p>
-          <a:p>
-            <a:pPr marL="0" indent="0">
-              <a:buNone/>
-            </a:pPr>
-            <a:endParaRPr lang="en-US" dirty="0"/>
-          </a:p>
         </p:txBody>
       </p:sp>
       <p:pic>
         <p:nvPicPr>
-          <p:cNvPr id="10" name="Picture 9">
+          <p:cNvPr id="4" name="Picture 3" descr="A picture containing graphical user interface, diagram&#10;&#10;Description automatically generated">
             <a:extLst>
               <a:ext uri="{FF2B5EF4-FFF2-40B4-BE49-F238E27FC236}">
-                <a16:creationId xmlns:a16="http://schemas.microsoft.com/office/drawing/2014/main" id="{684AEE9B-6E6E-7544-89C7-464335EA3841}"/>
+                <a16:creationId xmlns:a16="http://schemas.microsoft.com/office/drawing/2014/main" id="{24BB4181-4830-1B42-A19C-73A8F4A0180E}"/>
               </a:ext>
             </a:extLst>
           </p:cNvPr>
@@ -4113,38 +4090,8 @@
         </p:blipFill>
         <p:spPr>
           <a:xfrm>
-            <a:off x="5100930" y="3429000"/>
-            <a:ext cx="3413802" cy="2662336"/>
-          </a:xfrm>
-          <a:prstGeom prst="rect">
-            <a:avLst/>
-          </a:prstGeom>
-        </p:spPr>
-      </p:pic>
-      <p:pic>
-        <p:nvPicPr>
-          <p:cNvPr id="11" name="Picture 10">
-            <a:extLst>
-              <a:ext uri="{FF2B5EF4-FFF2-40B4-BE49-F238E27FC236}">
-                <a16:creationId xmlns:a16="http://schemas.microsoft.com/office/drawing/2014/main" id="{DAD9CDF4-5D64-764C-9985-1A4E768DD5ED}"/>
-              </a:ext>
-            </a:extLst>
-          </p:cNvPr>
-          <p:cNvPicPr>
-            <a:picLocks noChangeAspect="1"/>
-          </p:cNvPicPr>
-          <p:nvPr/>
-        </p:nvPicPr>
-        <p:blipFill>
-          <a:blip r:embed="rId4"/>
-          <a:stretch>
-            <a:fillRect/>
-          </a:stretch>
-        </p:blipFill>
-        <p:spPr>
-          <a:xfrm>
-            <a:off x="360071" y="3452068"/>
-            <a:ext cx="3683000" cy="2616200"/>
+            <a:off x="730250" y="1537611"/>
+            <a:ext cx="7683500" cy="4064000"/>
           </a:xfrm>
           <a:prstGeom prst="rect">
             <a:avLst/>
@@ -4154,7 +4101,7 @@
     </p:spTree>
     <p:extLst>
       <p:ext uri="{BB962C8B-B14F-4D97-AF65-F5344CB8AC3E}">
-        <p14:creationId xmlns:p14="http://schemas.microsoft.com/office/powerpoint/2010/main" val="3477306886"/>
+        <p14:creationId xmlns:p14="http://schemas.microsoft.com/office/powerpoint/2010/main" val="210876337"/>
       </p:ext>
     </p:extLst>
   </p:cSld>
@@ -4209,6 +4156,233 @@
           <a:p>
             <a:r>
               <a:rPr lang="en-US" dirty="0"/>
+              <a:t>Serverless Framework</a:t>
+            </a:r>
+          </a:p>
+        </p:txBody>
+      </p:sp>
+      <p:sp>
+        <p:nvSpPr>
+          <p:cNvPr id="5" name="Content Placeholder 4">
+            <a:extLst>
+              <a:ext uri="{FF2B5EF4-FFF2-40B4-BE49-F238E27FC236}">
+                <a16:creationId xmlns:a16="http://schemas.microsoft.com/office/drawing/2014/main" id="{375CDB98-7F05-41AD-9F29-81E3D0CFBEFF}"/>
+              </a:ext>
+            </a:extLst>
+          </p:cNvPr>
+          <p:cNvSpPr>
+            <a:spLocks noGrp="1"/>
+          </p:cNvSpPr>
+          <p:nvPr>
+            <p:ph idx="1"/>
+          </p:nvPr>
+        </p:nvSpPr>
+        <p:spPr>
+          <a:xfrm>
+            <a:off x="243347" y="1555954"/>
+            <a:ext cx="8155857" cy="5014451"/>
+          </a:xfrm>
+        </p:spPr>
+        <p:txBody>
+          <a:bodyPr/>
+          <a:lstStyle/>
+          <a:p>
+            <a:r>
+              <a:rPr lang="en-US" sz="2800" dirty="0"/>
+              <a:t>Open-source framework built with </a:t>
+            </a:r>
+            <a:r>
+              <a:rPr lang="en-US" sz="2800" b="1" dirty="0"/>
+              <a:t>Node.js </a:t>
+            </a:r>
+            <a:r>
+              <a:rPr lang="en-US" sz="2800" dirty="0"/>
+              <a:t>(supports a </a:t>
+            </a:r>
+            <a:r>
+              <a:rPr lang="en-US" sz="2800" b="1" dirty="0"/>
+              <a:t>variety</a:t>
+            </a:r>
+            <a:r>
+              <a:rPr lang="en-US" sz="2800" dirty="0"/>
+              <a:t> of </a:t>
+            </a:r>
+            <a:r>
+              <a:rPr lang="en-US" sz="2800" b="1" dirty="0"/>
+              <a:t>cloud platforms </a:t>
+            </a:r>
+            <a:r>
+              <a:rPr lang="en-US" sz="2800" dirty="0"/>
+              <a:t>and </a:t>
+            </a:r>
+            <a:r>
+              <a:rPr lang="en-US" sz="2800" b="1" dirty="0"/>
+              <a:t>programming languages</a:t>
+            </a:r>
+            <a:r>
+              <a:rPr lang="en-US" sz="2800" dirty="0"/>
+              <a:t>)</a:t>
+            </a:r>
+          </a:p>
+          <a:p>
+            <a:pPr marL="0" indent="0">
+              <a:buNone/>
+            </a:pPr>
+            <a:endParaRPr lang="en-US" dirty="0"/>
+          </a:p>
+          <a:p>
+            <a:endParaRPr lang="en-US" dirty="0"/>
+          </a:p>
+          <a:p>
+            <a:endParaRPr lang="en-US" dirty="0"/>
+          </a:p>
+          <a:p>
+            <a:endParaRPr lang="en-US" dirty="0"/>
+          </a:p>
+          <a:p>
+            <a:endParaRPr lang="en-US" dirty="0"/>
+          </a:p>
+          <a:p>
+            <a:endParaRPr lang="en-US" dirty="0"/>
+          </a:p>
+          <a:p>
+            <a:pPr marL="0" indent="0">
+              <a:buNone/>
+            </a:pPr>
+            <a:endParaRPr lang="en-US" sz="1600" i="1" dirty="0"/>
+          </a:p>
+          <a:p>
+            <a:pPr marL="0" indent="0">
+              <a:buNone/>
+            </a:pPr>
+            <a:endParaRPr lang="en-US" dirty="0"/>
+          </a:p>
+          <a:p>
+            <a:pPr marL="0" indent="0">
+              <a:buNone/>
+            </a:pPr>
+            <a:endParaRPr lang="en-US" dirty="0"/>
+          </a:p>
+        </p:txBody>
+      </p:sp>
+      <p:pic>
+        <p:nvPicPr>
+          <p:cNvPr id="10" name="Picture 9">
+            <a:extLst>
+              <a:ext uri="{FF2B5EF4-FFF2-40B4-BE49-F238E27FC236}">
+                <a16:creationId xmlns:a16="http://schemas.microsoft.com/office/drawing/2014/main" id="{684AEE9B-6E6E-7544-89C7-464335EA3841}"/>
+              </a:ext>
+            </a:extLst>
+          </p:cNvPr>
+          <p:cNvPicPr>
+            <a:picLocks noChangeAspect="1"/>
+          </p:cNvPicPr>
+          <p:nvPr/>
+        </p:nvPicPr>
+        <p:blipFill>
+          <a:blip r:embed="rId3"/>
+          <a:stretch>
+            <a:fillRect/>
+          </a:stretch>
+        </p:blipFill>
+        <p:spPr>
+          <a:xfrm>
+            <a:off x="5100930" y="3429000"/>
+            <a:ext cx="3413802" cy="2662336"/>
+          </a:xfrm>
+          <a:prstGeom prst="rect">
+            <a:avLst/>
+          </a:prstGeom>
+        </p:spPr>
+      </p:pic>
+      <p:pic>
+        <p:nvPicPr>
+          <p:cNvPr id="11" name="Picture 10">
+            <a:extLst>
+              <a:ext uri="{FF2B5EF4-FFF2-40B4-BE49-F238E27FC236}">
+                <a16:creationId xmlns:a16="http://schemas.microsoft.com/office/drawing/2014/main" id="{DAD9CDF4-5D64-764C-9985-1A4E768DD5ED}"/>
+              </a:ext>
+            </a:extLst>
+          </p:cNvPr>
+          <p:cNvPicPr>
+            <a:picLocks noChangeAspect="1"/>
+          </p:cNvPicPr>
+          <p:nvPr/>
+        </p:nvPicPr>
+        <p:blipFill>
+          <a:blip r:embed="rId4"/>
+          <a:stretch>
+            <a:fillRect/>
+          </a:stretch>
+        </p:blipFill>
+        <p:spPr>
+          <a:xfrm>
+            <a:off x="360071" y="3452068"/>
+            <a:ext cx="3683000" cy="2616200"/>
+          </a:xfrm>
+          <a:prstGeom prst="rect">
+            <a:avLst/>
+          </a:prstGeom>
+        </p:spPr>
+      </p:pic>
+    </p:spTree>
+    <p:extLst>
+      <p:ext uri="{BB962C8B-B14F-4D97-AF65-F5344CB8AC3E}">
+        <p14:creationId xmlns:p14="http://schemas.microsoft.com/office/powerpoint/2010/main" val="3477306886"/>
+      </p:ext>
+    </p:extLst>
+  </p:cSld>
+  <p:clrMapOvr>
+    <a:masterClrMapping/>
+  </p:clrMapOvr>
+</p:sld>
+</file>
+
+<file path=ppt/slides/slide13.xml><?xml version="1.0" encoding="utf-8"?>
+<p:sld xmlns:a="http://schemas.openxmlformats.org/drawingml/2006/main" xmlns:r="http://schemas.openxmlformats.org/officeDocument/2006/relationships" xmlns:p="http://schemas.openxmlformats.org/presentationml/2006/main">
+  <p:cSld>
+    <p:spTree>
+      <p:nvGrpSpPr>
+        <p:cNvPr id="1" name=""/>
+        <p:cNvGrpSpPr/>
+        <p:nvPr/>
+      </p:nvGrpSpPr>
+      <p:grpSpPr>
+        <a:xfrm>
+          <a:off x="0" y="0"/>
+          <a:ext cx="0" cy="0"/>
+          <a:chOff x="0" y="0"/>
+          <a:chExt cx="0" cy="0"/>
+        </a:xfrm>
+      </p:grpSpPr>
+      <p:sp>
+        <p:nvSpPr>
+          <p:cNvPr id="2" name="Title 1">
+            <a:extLst>
+              <a:ext uri="{FF2B5EF4-FFF2-40B4-BE49-F238E27FC236}">
+                <a16:creationId xmlns:a16="http://schemas.microsoft.com/office/drawing/2014/main" id="{5B931770-76C9-F749-9B7D-08A4A1F13896}"/>
+              </a:ext>
+            </a:extLst>
+          </p:cNvPr>
+          <p:cNvSpPr>
+            <a:spLocks noGrp="1"/>
+          </p:cNvSpPr>
+          <p:nvPr>
+            <p:ph type="title"/>
+          </p:nvPr>
+        </p:nvSpPr>
+        <p:spPr>
+          <a:xfrm>
+            <a:off x="0" y="228600"/>
+            <a:ext cx="9144000" cy="1143000"/>
+          </a:xfrm>
+        </p:spPr>
+        <p:txBody>
+          <a:bodyPr/>
+          <a:lstStyle/>
+          <a:p>
+            <a:r>
+              <a:rPr lang="en-US" dirty="0"/>
               <a:t>Local Setup and Validation</a:t>
             </a:r>
           </a:p>
@@ -4392,7 +4566,7 @@
 </p:sld>
 </file>
 
-<file path=ppt/slides/slide13.xml><?xml version="1.0" encoding="utf-8"?>
+<file path=ppt/slides/slide14.xml><?xml version="1.0" encoding="utf-8"?>
 <p:sld xmlns:a="http://schemas.openxmlformats.org/drawingml/2006/main" xmlns:r="http://schemas.openxmlformats.org/officeDocument/2006/relationships" xmlns:p="http://schemas.openxmlformats.org/presentationml/2006/main">
   <p:cSld>
     <p:spTree>
@@ -4706,7 +4880,7 @@
 </p:sld>
 </file>
 
-<file path=ppt/slides/slide14.xml><?xml version="1.0" encoding="utf-8"?>
+<file path=ppt/slides/slide15.xml><?xml version="1.0" encoding="utf-8"?>
 <p:sld xmlns:a="http://schemas.openxmlformats.org/drawingml/2006/main" xmlns:r="http://schemas.openxmlformats.org/officeDocument/2006/relationships" xmlns:p="http://schemas.openxmlformats.org/presentationml/2006/main">
   <p:cSld>
     <p:spTree>
@@ -5213,193 +5387,6 @@
 </p:sld>
 </file>
 
-<file path=ppt/slides/slide15.xml><?xml version="1.0" encoding="utf-8"?>
-<p:sld xmlns:a="http://schemas.openxmlformats.org/drawingml/2006/main" xmlns:r="http://schemas.openxmlformats.org/officeDocument/2006/relationships" xmlns:p="http://schemas.openxmlformats.org/presentationml/2006/main">
-  <p:cSld>
-    <p:spTree>
-      <p:nvGrpSpPr>
-        <p:cNvPr id="1" name=""/>
-        <p:cNvGrpSpPr/>
-        <p:nvPr/>
-      </p:nvGrpSpPr>
-      <p:grpSpPr>
-        <a:xfrm>
-          <a:off x="0" y="0"/>
-          <a:ext cx="0" cy="0"/>
-          <a:chOff x="0" y="0"/>
-          <a:chExt cx="0" cy="0"/>
-        </a:xfrm>
-      </p:grpSpPr>
-      <p:sp>
-        <p:nvSpPr>
-          <p:cNvPr id="2" name="Title 1">
-            <a:extLst>
-              <a:ext uri="{FF2B5EF4-FFF2-40B4-BE49-F238E27FC236}">
-                <a16:creationId xmlns:a16="http://schemas.microsoft.com/office/drawing/2014/main" id="{CCCE867A-C4F6-495A-B5B9-8ECEC8380CB6}"/>
-              </a:ext>
-            </a:extLst>
-          </p:cNvPr>
-          <p:cNvSpPr>
-            <a:spLocks noGrp="1"/>
-          </p:cNvSpPr>
-          <p:nvPr>
-            <p:ph type="title"/>
-          </p:nvPr>
-        </p:nvSpPr>
-        <p:spPr/>
-        <p:txBody>
-          <a:bodyPr/>
-          <a:lstStyle/>
-          <a:p>
-            <a:r>
-              <a:rPr lang="en-US" dirty="0">
-                <a:cs typeface="Arial"/>
-              </a:rPr>
-              <a:t>RDS Integration</a:t>
-            </a:r>
-            <a:endParaRPr lang="en-US" dirty="0"/>
-          </a:p>
-        </p:txBody>
-      </p:sp>
-      <p:sp>
-        <p:nvSpPr>
-          <p:cNvPr id="3" name="Content Placeholder 2">
-            <a:extLst>
-              <a:ext uri="{FF2B5EF4-FFF2-40B4-BE49-F238E27FC236}">
-                <a16:creationId xmlns:a16="http://schemas.microsoft.com/office/drawing/2014/main" id="{D3B6111A-2981-4F16-A1AE-17B3B448F9C5}"/>
-              </a:ext>
-            </a:extLst>
-          </p:cNvPr>
-          <p:cNvSpPr>
-            <a:spLocks noGrp="1"/>
-          </p:cNvSpPr>
-          <p:nvPr>
-            <p:ph idx="1"/>
-          </p:nvPr>
-        </p:nvSpPr>
-        <p:spPr>
-          <a:xfrm>
-            <a:off x="457200" y="1464016"/>
-            <a:ext cx="8229600" cy="1809344"/>
-          </a:xfrm>
-        </p:spPr>
-        <p:txBody>
-          <a:bodyPr/>
-          <a:lstStyle/>
-          <a:p>
-            <a:r>
-              <a:rPr lang="en-US" sz="2400" dirty="0"/>
-              <a:t>Application uses a PostgreSQL on RDS to capture the predictions along with the corresponding payloads</a:t>
-            </a:r>
-          </a:p>
-          <a:p>
-            <a:r>
-              <a:rPr lang="en-US" sz="2400" dirty="0"/>
-              <a:t>Purpose of this data is to monitor the effectiveness of the prediction model, and tune it further as needed</a:t>
-            </a:r>
-          </a:p>
-        </p:txBody>
-      </p:sp>
-      <p:pic>
-        <p:nvPicPr>
-          <p:cNvPr id="5" name="Picture 4">
-            <a:extLst>
-              <a:ext uri="{FF2B5EF4-FFF2-40B4-BE49-F238E27FC236}">
-                <a16:creationId xmlns:a16="http://schemas.microsoft.com/office/drawing/2014/main" id="{15D41F1E-FF68-498D-81EA-B2452BED821B}"/>
-              </a:ext>
-            </a:extLst>
-          </p:cNvPr>
-          <p:cNvPicPr>
-            <a:picLocks noChangeAspect="1"/>
-          </p:cNvPicPr>
-          <p:nvPr/>
-        </p:nvPicPr>
-        <p:blipFill>
-          <a:blip r:embed="rId2"/>
-          <a:stretch>
-            <a:fillRect/>
-          </a:stretch>
-        </p:blipFill>
-        <p:spPr>
-          <a:xfrm>
-            <a:off x="609955" y="3448456"/>
-            <a:ext cx="7924090" cy="2047611"/>
-          </a:xfrm>
-          <a:prstGeom prst="rect">
-            <a:avLst/>
-          </a:prstGeom>
-          <a:ln>
-            <a:solidFill>
-              <a:srgbClr val="0070C0"/>
-            </a:solidFill>
-          </a:ln>
-        </p:spPr>
-      </p:pic>
-      <p:sp>
-        <p:nvSpPr>
-          <p:cNvPr id="6" name="Oval 5">
-            <a:extLst>
-              <a:ext uri="{FF2B5EF4-FFF2-40B4-BE49-F238E27FC236}">
-                <a16:creationId xmlns:a16="http://schemas.microsoft.com/office/drawing/2014/main" id="{C82BE0AB-3841-4580-AC52-1575169DDC5F}"/>
-              </a:ext>
-            </a:extLst>
-          </p:cNvPr>
-          <p:cNvSpPr/>
-          <p:nvPr/>
-        </p:nvSpPr>
-        <p:spPr>
-          <a:xfrm>
-            <a:off x="744166" y="4053972"/>
-            <a:ext cx="7655668" cy="836578"/>
-          </a:xfrm>
-          <a:prstGeom prst="ellipse">
-            <a:avLst/>
-          </a:prstGeom>
-          <a:noFill/>
-          <a:ln w="31750">
-            <a:solidFill>
-              <a:srgbClr val="FF0000"/>
-            </a:solidFill>
-          </a:ln>
-        </p:spPr>
-        <p:style>
-          <a:lnRef idx="2">
-            <a:schemeClr val="accent1">
-              <a:shade val="50000"/>
-            </a:schemeClr>
-          </a:lnRef>
-          <a:fillRef idx="1">
-            <a:schemeClr val="accent1"/>
-          </a:fillRef>
-          <a:effectRef idx="0">
-            <a:schemeClr val="accent1"/>
-          </a:effectRef>
-          <a:fontRef idx="minor">
-            <a:schemeClr val="lt1"/>
-          </a:fontRef>
-        </p:style>
-        <p:txBody>
-          <a:bodyPr rtlCol="0" anchor="ctr"/>
-          <a:lstStyle/>
-          <a:p>
-            <a:pPr algn="ctr"/>
-            <a:endParaRPr lang="en-US"/>
-          </a:p>
-        </p:txBody>
-      </p:sp>
-    </p:spTree>
-    <p:extLst>
-      <p:ext uri="{BB962C8B-B14F-4D97-AF65-F5344CB8AC3E}">
-        <p14:creationId xmlns:p14="http://schemas.microsoft.com/office/powerpoint/2010/main" val="3794785506"/>
-      </p:ext>
-    </p:extLst>
-  </p:cSld>
-  <p:clrMapOvr>
-    <a:masterClrMapping/>
-  </p:clrMapOvr>
-</p:sld>
-</file>
-
 <file path=ppt/slides/slide16.xml><?xml version="1.0" encoding="utf-8"?>
 <p:sld xmlns:a="http://schemas.openxmlformats.org/drawingml/2006/main" xmlns:r="http://schemas.openxmlformats.org/officeDocument/2006/relationships" xmlns:p="http://schemas.openxmlformats.org/presentationml/2006/main">
   <p:cSld>
@@ -5442,7 +5429,7 @@
               <a:rPr lang="en-US" dirty="0">
                 <a:cs typeface="Arial"/>
               </a:rPr>
-              <a:t>Secrets Manager</a:t>
+              <a:t>RDS Integration</a:t>
             </a:r>
             <a:endParaRPr lang="en-US" dirty="0"/>
           </a:p>
@@ -5466,8 +5453,8 @@
         </p:nvSpPr>
         <p:spPr>
           <a:xfrm>
-            <a:off x="457200" y="1371601"/>
-            <a:ext cx="8229600" cy="3375498"/>
+            <a:off x="457200" y="1464016"/>
+            <a:ext cx="8229600" cy="1809344"/>
           </a:xfrm>
         </p:spPr>
         <p:txBody>
@@ -5475,81 +5462,24 @@
           <a:lstStyle/>
           <a:p>
             <a:r>
-              <a:rPr lang="en-US" sz="1800" dirty="0"/>
-              <a:t>Advantages of Secrets Manager:</a:t>
-            </a:r>
-          </a:p>
-          <a:p>
-            <a:pPr lvl="1"/>
-            <a:r>
-              <a:rPr lang="en-US" sz="1600" dirty="0"/>
-              <a:t>Offers built-in integration for databases on RDS</a:t>
-            </a:r>
-          </a:p>
-          <a:p>
-            <a:pPr lvl="1"/>
-            <a:r>
-              <a:rPr lang="en-US" sz="1600" dirty="0"/>
-              <a:t>Secures applications </a:t>
-            </a:r>
-          </a:p>
-          <a:p>
-            <a:pPr lvl="1"/>
-            <a:r>
-              <a:rPr lang="en-US" sz="1600" dirty="0"/>
-              <a:t>Allows rotating credentials natively</a:t>
-            </a:r>
-          </a:p>
-          <a:p>
-            <a:pPr lvl="1"/>
-            <a:r>
-              <a:rPr lang="en-US" sz="1600" dirty="0"/>
-              <a:t>Enables access control using AWS AIM policies</a:t>
-            </a:r>
-          </a:p>
-          <a:p>
-            <a:pPr marL="342900" lvl="1" indent="-342900"/>
-            <a:r>
-              <a:rPr lang="en-US" sz="1800" dirty="0"/>
-              <a:t>Steps involved:</a:t>
-            </a:r>
-          </a:p>
-          <a:p>
-            <a:pPr lvl="1"/>
-            <a:r>
-              <a:rPr lang="en-US" sz="1600" dirty="0"/>
-              <a:t>Store a new secret - choose Credentials for RDS database; enable encryption</a:t>
-            </a:r>
-          </a:p>
-          <a:p>
-            <a:pPr lvl="1"/>
-            <a:r>
-              <a:rPr lang="en-US" sz="1600" dirty="0"/>
-              <a:t>Attach it to RDS DB instance that accesses this credential</a:t>
-            </a:r>
-          </a:p>
-          <a:p>
-            <a:pPr lvl="1"/>
-            <a:r>
-              <a:rPr lang="en-US" sz="1600" dirty="0"/>
-              <a:t>In the application, retrieve secret and decrypt using Secrets Manager API</a:t>
-            </a:r>
-          </a:p>
-          <a:p>
-            <a:pPr lvl="1"/>
-            <a:r>
-              <a:rPr lang="en-US" sz="1600" dirty="0"/>
-              <a:t>Use the secret to establish connection to the RDS database</a:t>
+              <a:rPr lang="en-US" sz="2400" dirty="0"/>
+              <a:t>Application uses a PostgreSQL on RDS to capture the predictions along with the corresponding payloads</a:t>
+            </a:r>
+          </a:p>
+          <a:p>
+            <a:r>
+              <a:rPr lang="en-US" sz="2400" dirty="0"/>
+              <a:t>Purpose of this data is to monitor the effectiveness of the prediction model, and tune it further as needed</a:t>
             </a:r>
           </a:p>
         </p:txBody>
       </p:sp>
       <p:pic>
         <p:nvPicPr>
-          <p:cNvPr id="9" name="Picture 8">
+          <p:cNvPr id="5" name="Picture 4">
             <a:extLst>
               <a:ext uri="{FF2B5EF4-FFF2-40B4-BE49-F238E27FC236}">
-                <a16:creationId xmlns:a16="http://schemas.microsoft.com/office/drawing/2014/main" id="{1836C524-7DE2-4365-A307-9FA8D2329936}"/>
+                <a16:creationId xmlns:a16="http://schemas.microsoft.com/office/drawing/2014/main" id="{15D41F1E-FF68-498D-81EA-B2452BED821B}"/>
               </a:ext>
             </a:extLst>
           </p:cNvPr>
@@ -5559,15 +5489,15 @@
           <p:nvPr/>
         </p:nvPicPr>
         <p:blipFill>
-          <a:blip r:embed="rId3"/>
+          <a:blip r:embed="rId2"/>
           <a:stretch>
             <a:fillRect/>
           </a:stretch>
         </p:blipFill>
         <p:spPr>
           <a:xfrm>
-            <a:off x="1034304" y="4747099"/>
-            <a:ext cx="7075391" cy="1937309"/>
+            <a:off x="609955" y="3448456"/>
+            <a:ext cx="7924090" cy="2047611"/>
           </a:xfrm>
           <a:prstGeom prst="rect">
             <a:avLst/>
@@ -5579,10 +5509,62 @@
           </a:ln>
         </p:spPr>
       </p:pic>
+      <p:sp>
+        <p:nvSpPr>
+          <p:cNvPr id="6" name="Oval 5">
+            <a:extLst>
+              <a:ext uri="{FF2B5EF4-FFF2-40B4-BE49-F238E27FC236}">
+                <a16:creationId xmlns:a16="http://schemas.microsoft.com/office/drawing/2014/main" id="{C82BE0AB-3841-4580-AC52-1575169DDC5F}"/>
+              </a:ext>
+            </a:extLst>
+          </p:cNvPr>
+          <p:cNvSpPr/>
+          <p:nvPr/>
+        </p:nvSpPr>
+        <p:spPr>
+          <a:xfrm>
+            <a:off x="744166" y="4053972"/>
+            <a:ext cx="7655668" cy="836578"/>
+          </a:xfrm>
+          <a:prstGeom prst="ellipse">
+            <a:avLst/>
+          </a:prstGeom>
+          <a:noFill/>
+          <a:ln w="31750">
+            <a:solidFill>
+              <a:srgbClr val="FF0000"/>
+            </a:solidFill>
+          </a:ln>
+        </p:spPr>
+        <p:style>
+          <a:lnRef idx="2">
+            <a:schemeClr val="accent1">
+              <a:shade val="50000"/>
+            </a:schemeClr>
+          </a:lnRef>
+          <a:fillRef idx="1">
+            <a:schemeClr val="accent1"/>
+          </a:fillRef>
+          <a:effectRef idx="0">
+            <a:schemeClr val="accent1"/>
+          </a:effectRef>
+          <a:fontRef idx="minor">
+            <a:schemeClr val="lt1"/>
+          </a:fontRef>
+        </p:style>
+        <p:txBody>
+          <a:bodyPr rtlCol="0" anchor="ctr"/>
+          <a:lstStyle/>
+          <a:p>
+            <a:pPr algn="ctr"/>
+            <a:endParaRPr lang="en-US"/>
+          </a:p>
+        </p:txBody>
+      </p:sp>
     </p:spTree>
     <p:extLst>
       <p:ext uri="{BB962C8B-B14F-4D97-AF65-F5344CB8AC3E}">
-        <p14:creationId xmlns:p14="http://schemas.microsoft.com/office/powerpoint/2010/main" val="3984045547"/>
+        <p14:creationId xmlns:p14="http://schemas.microsoft.com/office/powerpoint/2010/main" val="3794785506"/>
       </p:ext>
     </p:extLst>
   </p:cSld>
@@ -5634,7 +5616,7 @@
               <a:rPr lang="en-US" dirty="0">
                 <a:cs typeface="Arial"/>
               </a:rPr>
-              <a:t>RDS Proxy</a:t>
+              <a:t>Secrets Manager</a:t>
             </a:r>
             <a:endParaRPr lang="en-US" dirty="0"/>
           </a:p>
@@ -5658,8 +5640,8 @@
         </p:nvSpPr>
         <p:spPr>
           <a:xfrm>
-            <a:off x="457200" y="1371600"/>
-            <a:ext cx="8229600" cy="5257799"/>
+            <a:off x="457200" y="1371601"/>
+            <a:ext cx="8229600" cy="3375498"/>
           </a:xfrm>
         </p:spPr>
         <p:txBody>
@@ -5668,84 +5650,56 @@
           <a:p>
             <a:r>
               <a:rPr lang="en-US" sz="1800" dirty="0"/>
-              <a:t>What is it?</a:t>
+              <a:t>Advantages of Secrets Manager:</a:t>
             </a:r>
           </a:p>
           <a:p>
             <a:pPr lvl="1"/>
             <a:r>
               <a:rPr lang="en-US" sz="1600" dirty="0"/>
-              <a:t>Fully managed, high-availability proxy for RDS</a:t>
+              <a:t>Offers built-in integration for databases on RDS</a:t>
             </a:r>
           </a:p>
           <a:p>
             <a:pPr lvl="1"/>
             <a:r>
               <a:rPr lang="en-US" sz="1600" dirty="0"/>
-              <a:t>Helps make applications scalable, secure, and resilient</a:t>
+              <a:t>Secures applications </a:t>
+            </a:r>
+          </a:p>
+          <a:p>
+            <a:pPr lvl="1"/>
+            <a:r>
+              <a:rPr lang="en-US" sz="1600" dirty="0"/>
+              <a:t>Allows rotating credentials natively</a:t>
+            </a:r>
+          </a:p>
+          <a:p>
+            <a:pPr lvl="1"/>
+            <a:r>
+              <a:rPr lang="en-US" sz="1600" dirty="0"/>
+              <a:t>Enables access control using AWS AIM policies</a:t>
             </a:r>
           </a:p>
           <a:p>
             <a:pPr marL="342900" lvl="1" indent="-342900"/>
             <a:r>
               <a:rPr lang="en-US" sz="1800" dirty="0"/>
-              <a:t>Why do we use it?</a:t>
+              <a:t>Steps involved:</a:t>
             </a:r>
           </a:p>
           <a:p>
             <a:pPr lvl="1"/>
             <a:r>
               <a:rPr lang="en-US" sz="1600" dirty="0"/>
-              <a:t>Serverless applications deal with database connections at a high rate causing memory and computing resources contention</a:t>
+              <a:t>Store a new secret - choose Credentials for RDS database; enable encryption</a:t>
             </a:r>
           </a:p>
           <a:p>
             <a:pPr lvl="1"/>
             <a:r>
               <a:rPr lang="en-US" sz="1600" dirty="0"/>
-              <a:t>RDS Proxy allows pooling and sharing connections, improving the efficiency</a:t>
-            </a:r>
-          </a:p>
-          <a:p>
-            <a:pPr lvl="1"/>
-            <a:r>
-              <a:rPr lang="en-US" sz="1600" dirty="0"/>
-              <a:t>Authentication and access can be managed through Secrets Manager and IAM</a:t>
-            </a:r>
-          </a:p>
-          <a:p>
-            <a:pPr marL="342900" lvl="1" indent="-342900"/>
-            <a:r>
-              <a:rPr lang="en-US" sz="1800" dirty="0"/>
-              <a:t>How do we set it up?</a:t>
-            </a:r>
-          </a:p>
-          <a:p>
-            <a:pPr lvl="1"/>
-            <a:r>
-              <a:rPr lang="en-US" sz="1600" dirty="0"/>
-              <a:t>Setup network prerequisites, if not already present – VPC, subnets, EC2 instance, and internet gateway</a:t>
-            </a:r>
-          </a:p>
-          <a:p>
-            <a:pPr lvl="1"/>
-            <a:r>
-              <a:rPr lang="en-US" sz="1600" dirty="0"/>
-              <a:t>Setup DB credentials in Secrets Manager</a:t>
-            </a:r>
-          </a:p>
-          <a:p>
-            <a:pPr lvl="1"/>
-            <a:r>
-              <a:rPr lang="en-US" sz="1600" dirty="0"/>
-              <a:t>Setup IAM policy to access proxy through Secrets Manager</a:t>
-            </a:r>
-          </a:p>
-          <a:p>
-            <a:pPr lvl="1"/>
-            <a:r>
-              <a:rPr lang="en-US" sz="1600" dirty="0"/>
-              <a:t>Create RDS Proxy with relevant connectivity details above and required connection pool parameters</a:t>
+              <a:t>Attach it to RDS DB instance that accesses this credential</a:t>
             </a:r>
           </a:p>
           <a:p>
@@ -5764,10 +5718,45 @@
           </a:p>
         </p:txBody>
       </p:sp>
+      <p:pic>
+        <p:nvPicPr>
+          <p:cNvPr id="9" name="Picture 8">
+            <a:extLst>
+              <a:ext uri="{FF2B5EF4-FFF2-40B4-BE49-F238E27FC236}">
+                <a16:creationId xmlns:a16="http://schemas.microsoft.com/office/drawing/2014/main" id="{1836C524-7DE2-4365-A307-9FA8D2329936}"/>
+              </a:ext>
+            </a:extLst>
+          </p:cNvPr>
+          <p:cNvPicPr>
+            <a:picLocks noChangeAspect="1"/>
+          </p:cNvPicPr>
+          <p:nvPr/>
+        </p:nvPicPr>
+        <p:blipFill>
+          <a:blip r:embed="rId3"/>
+          <a:stretch>
+            <a:fillRect/>
+          </a:stretch>
+        </p:blipFill>
+        <p:spPr>
+          <a:xfrm>
+            <a:off x="1034304" y="4747099"/>
+            <a:ext cx="7075391" cy="1937309"/>
+          </a:xfrm>
+          <a:prstGeom prst="rect">
+            <a:avLst/>
+          </a:prstGeom>
+          <a:ln>
+            <a:solidFill>
+              <a:srgbClr val="0070C0"/>
+            </a:solidFill>
+          </a:ln>
+        </p:spPr>
+      </p:pic>
     </p:spTree>
     <p:extLst>
       <p:ext uri="{BB962C8B-B14F-4D97-AF65-F5344CB8AC3E}">
-        <p14:creationId xmlns:p14="http://schemas.microsoft.com/office/powerpoint/2010/main" val="2509235422"/>
+        <p14:creationId xmlns:p14="http://schemas.microsoft.com/office/powerpoint/2010/main" val="3984045547"/>
       </p:ext>
     </p:extLst>
   </p:cSld>
@@ -5819,7 +5808,7 @@
               <a:rPr lang="en-US" dirty="0">
                 <a:cs typeface="Arial"/>
               </a:rPr>
-              <a:t>API Gateway</a:t>
+              <a:t>RDS Proxy</a:t>
             </a:r>
             <a:endParaRPr lang="en-US" dirty="0"/>
           </a:p>
@@ -5843,8 +5832,8 @@
         </p:nvSpPr>
         <p:spPr>
           <a:xfrm>
-            <a:off x="457200" y="3818106"/>
-            <a:ext cx="8229600" cy="2850204"/>
+            <a:off x="457200" y="1371600"/>
+            <a:ext cx="8229600" cy="5257799"/>
           </a:xfrm>
         </p:spPr>
         <p:txBody>
@@ -5852,106 +5841,107 @@
           <a:lstStyle/>
           <a:p>
             <a:r>
+              <a:rPr lang="en-US" sz="1800" dirty="0"/>
+              <a:t>What is it?</a:t>
+            </a:r>
+          </a:p>
+          <a:p>
+            <a:pPr lvl="1"/>
+            <a:r>
               <a:rPr lang="en-US" sz="1600" dirty="0"/>
-              <a:t>What is it?</a:t>
+              <a:t>Fully managed, high-availability proxy for RDS</a:t>
             </a:r>
           </a:p>
           <a:p>
             <a:pPr lvl="1"/>
             <a:r>
-              <a:rPr lang="en-US" sz="1400" dirty="0"/>
-              <a:t>AWS service for creating, publishing, maintaining, monitoring, and securing REST, HTTP, and WebSocket APIs</a:t>
-            </a:r>
-          </a:p>
-          <a:p>
-            <a:r>
               <a:rPr lang="en-US" sz="1600" dirty="0"/>
-              <a:t>What does it do?</a:t>
+              <a:t>Helps make applications scalable, secure, and resilient</a:t>
+            </a:r>
+          </a:p>
+          <a:p>
+            <a:pPr marL="342900" lvl="1" indent="-342900"/>
+            <a:r>
+              <a:rPr lang="en-US" sz="1800" dirty="0"/>
+              <a:t>Why do we use it?</a:t>
             </a:r>
           </a:p>
           <a:p>
             <a:pPr lvl="1"/>
             <a:r>
-              <a:rPr lang="en-US" sz="1400" dirty="0"/>
-              <a:t>Creates a unified front-end for microservices</a:t>
+              <a:rPr lang="en-US" sz="1600" dirty="0"/>
+              <a:t>Serverless applications deal with database connections at a high rate causing memory and computing resources contention</a:t>
             </a:r>
           </a:p>
           <a:p>
             <a:pPr lvl="1"/>
             <a:r>
-              <a:rPr lang="en-US" sz="1400" dirty="0"/>
-              <a:t>Provides DDoS protection and throttling –CloudFront and API Gateway Cache</a:t>
+              <a:rPr lang="en-US" sz="1600" dirty="0"/>
+              <a:t>RDS Proxy allows pooling and sharing connections, improving the efficiency</a:t>
             </a:r>
           </a:p>
           <a:p>
             <a:pPr lvl="1"/>
             <a:r>
-              <a:rPr lang="en-US" sz="1400" dirty="0"/>
-              <a:t>Authenticates and authorizes requests – Cognito User Pools, Cognito Federated Identities, Custom Authorizers</a:t>
+              <a:rPr lang="en-US" sz="1600" dirty="0"/>
+              <a:t>Authentication and access can be managed through Secrets Manager and IAM</a:t>
+            </a:r>
+          </a:p>
+          <a:p>
+            <a:pPr marL="342900" lvl="1" indent="-342900"/>
+            <a:r>
+              <a:rPr lang="en-US" sz="1800" dirty="0"/>
+              <a:t>How do we set it up?</a:t>
             </a:r>
           </a:p>
           <a:p>
             <a:pPr lvl="1"/>
             <a:r>
-              <a:rPr lang="en-US" sz="1400" dirty="0"/>
-              <a:t>Throttles, meters, and monetizes API usage – CloudWatch &amp; Usage Plans</a:t>
-            </a:r>
-          </a:p>
-          <a:p>
-            <a:pPr marL="0" lvl="1" indent="0">
-              <a:buNone/>
-            </a:pPr>
-            <a:r>
-              <a:rPr lang="en-US" sz="1200" dirty="0"/>
-              <a:t>Reference: </a:t>
-            </a:r>
-            <a:r>
-              <a:rPr lang="en-US" sz="1200" dirty="0">
-                <a:hlinkClick r:id="rId3"/>
-              </a:rPr>
-              <a:t>https://docs.aws.amazon.com/apigateway/latest/developerguide/welcome.html</a:t>
-            </a:r>
-            <a:r>
-              <a:rPr lang="en-US" sz="1200" dirty="0"/>
-              <a:t> </a:t>
-            </a:r>
-          </a:p>
-        </p:txBody>
-      </p:sp>
-      <p:pic>
-        <p:nvPicPr>
-          <p:cNvPr id="7" name="Picture 6">
-            <a:extLst>
-              <a:ext uri="{FF2B5EF4-FFF2-40B4-BE49-F238E27FC236}">
-                <a16:creationId xmlns:a16="http://schemas.microsoft.com/office/drawing/2014/main" id="{143DA4C3-2880-4D35-9645-1E4703BEE975}"/>
-              </a:ext>
-            </a:extLst>
-          </p:cNvPr>
-          <p:cNvPicPr>
-            <a:picLocks noChangeAspect="1"/>
-          </p:cNvPicPr>
-          <p:nvPr/>
-        </p:nvPicPr>
-        <p:blipFill>
-          <a:blip r:embed="rId4"/>
-          <a:stretch>
-            <a:fillRect/>
-          </a:stretch>
-        </p:blipFill>
-        <p:spPr>
-          <a:xfrm>
-            <a:off x="1828800" y="1334514"/>
-            <a:ext cx="5486400" cy="2457450"/>
-          </a:xfrm>
-          <a:prstGeom prst="rect">
-            <a:avLst/>
-          </a:prstGeom>
-        </p:spPr>
-      </p:pic>
+              <a:rPr lang="en-US" sz="1600" dirty="0"/>
+              <a:t>Setup network prerequisites, if not already present – VPC, subnets, EC2 instance, and internet gateway</a:t>
+            </a:r>
+          </a:p>
+          <a:p>
+            <a:pPr lvl="1"/>
+            <a:r>
+              <a:rPr lang="en-US" sz="1600" dirty="0"/>
+              <a:t>Setup DB credentials in Secrets Manager</a:t>
+            </a:r>
+          </a:p>
+          <a:p>
+            <a:pPr lvl="1"/>
+            <a:r>
+              <a:rPr lang="en-US" sz="1600" dirty="0"/>
+              <a:t>Setup IAM policy to access proxy through Secrets Manager</a:t>
+            </a:r>
+          </a:p>
+          <a:p>
+            <a:pPr lvl="1"/>
+            <a:r>
+              <a:rPr lang="en-US" sz="1600" dirty="0"/>
+              <a:t>Create RDS Proxy with relevant connectivity details above and required connection pool parameters</a:t>
+            </a:r>
+          </a:p>
+          <a:p>
+            <a:pPr lvl="1"/>
+            <a:r>
+              <a:rPr lang="en-US" sz="1600" dirty="0"/>
+              <a:t>In the application, retrieve secret and decrypt using Secrets Manager API</a:t>
+            </a:r>
+          </a:p>
+          <a:p>
+            <a:pPr lvl="1"/>
+            <a:r>
+              <a:rPr lang="en-US" sz="1600" dirty="0"/>
+              <a:t>Use the secret to establish connection to the RDS database</a:t>
+            </a:r>
+          </a:p>
+        </p:txBody>
+      </p:sp>
     </p:spTree>
     <p:extLst>
       <p:ext uri="{BB962C8B-B14F-4D97-AF65-F5344CB8AC3E}">
-        <p14:creationId xmlns:p14="http://schemas.microsoft.com/office/powerpoint/2010/main" val="1088665777"/>
+        <p14:creationId xmlns:p14="http://schemas.microsoft.com/office/powerpoint/2010/main" val="2509235422"/>
       </p:ext>
     </p:extLst>
   </p:cSld>
@@ -5994,12 +5984,7 @@
             <p:ph type="title"/>
           </p:nvPr>
         </p:nvSpPr>
-        <p:spPr>
-          <a:xfrm>
-            <a:off x="350195" y="228600"/>
-            <a:ext cx="8375515" cy="1143000"/>
-          </a:xfrm>
-        </p:spPr>
+        <p:spPr/>
         <p:txBody>
           <a:bodyPr/>
           <a:lstStyle/>
@@ -6008,1625 +5993,139 @@
               <a:rPr lang="en-US" dirty="0">
                 <a:cs typeface="Arial"/>
               </a:rPr>
-              <a:t>Securing Serverless Applications</a:t>
+              <a:t>API Gateway</a:t>
             </a:r>
             <a:endParaRPr lang="en-US" dirty="0"/>
+          </a:p>
+        </p:txBody>
+      </p:sp>
+      <p:sp>
+        <p:nvSpPr>
+          <p:cNvPr id="3" name="Content Placeholder 2">
+            <a:extLst>
+              <a:ext uri="{FF2B5EF4-FFF2-40B4-BE49-F238E27FC236}">
+                <a16:creationId xmlns:a16="http://schemas.microsoft.com/office/drawing/2014/main" id="{D3B6111A-2981-4F16-A1AE-17B3B448F9C5}"/>
+              </a:ext>
+            </a:extLst>
+          </p:cNvPr>
+          <p:cNvSpPr>
+            <a:spLocks noGrp="1"/>
+          </p:cNvSpPr>
+          <p:nvPr>
+            <p:ph idx="1"/>
+          </p:nvPr>
+        </p:nvSpPr>
+        <p:spPr>
+          <a:xfrm>
+            <a:off x="457200" y="3818106"/>
+            <a:ext cx="8229600" cy="2850204"/>
+          </a:xfrm>
+        </p:spPr>
+        <p:txBody>
+          <a:bodyPr/>
+          <a:lstStyle/>
+          <a:p>
+            <a:r>
+              <a:rPr lang="en-US" sz="1600" dirty="0"/>
+              <a:t>What is it?</a:t>
+            </a:r>
+          </a:p>
+          <a:p>
+            <a:pPr lvl="1"/>
+            <a:r>
+              <a:rPr lang="en-US" sz="1400" dirty="0"/>
+              <a:t>AWS service for creating, publishing, maintaining, monitoring, and securing REST, HTTP, and WebSocket APIs</a:t>
+            </a:r>
+          </a:p>
+          <a:p>
+            <a:r>
+              <a:rPr lang="en-US" sz="1600" dirty="0"/>
+              <a:t>What does it do?</a:t>
+            </a:r>
+          </a:p>
+          <a:p>
+            <a:pPr lvl="1"/>
+            <a:r>
+              <a:rPr lang="en-US" sz="1400" dirty="0"/>
+              <a:t>Creates a unified front-end for microservices</a:t>
+            </a:r>
+          </a:p>
+          <a:p>
+            <a:pPr lvl="1"/>
+            <a:r>
+              <a:rPr lang="en-US" sz="1400" dirty="0"/>
+              <a:t>Provides DDoS protection and throttling –CloudFront and API Gateway Cache</a:t>
+            </a:r>
+          </a:p>
+          <a:p>
+            <a:pPr lvl="1"/>
+            <a:r>
+              <a:rPr lang="en-US" sz="1400" dirty="0"/>
+              <a:t>Authenticates and authorizes requests – Cognito User Pools, Cognito Federated Identities, Custom Authorizers</a:t>
+            </a:r>
+          </a:p>
+          <a:p>
+            <a:pPr lvl="1"/>
+            <a:r>
+              <a:rPr lang="en-US" sz="1400" dirty="0"/>
+              <a:t>Throttles, meters, and monetizes API usage – CloudWatch &amp; Usage Plans</a:t>
+            </a:r>
+          </a:p>
+          <a:p>
+            <a:pPr marL="0" lvl="1" indent="0">
+              <a:buNone/>
+            </a:pPr>
+            <a:r>
+              <a:rPr lang="en-US" sz="1200" dirty="0"/>
+              <a:t>Reference: </a:t>
+            </a:r>
+            <a:r>
+              <a:rPr lang="en-US" sz="1200" dirty="0">
+                <a:hlinkClick r:id="rId3"/>
+              </a:rPr>
+              <a:t>https://docs.aws.amazon.com/apigateway/latest/developerguide/welcome.html</a:t>
+            </a:r>
+            <a:r>
+              <a:rPr lang="en-US" sz="1200" dirty="0"/>
+              <a:t> </a:t>
+            </a:r>
           </a:p>
         </p:txBody>
       </p:sp>
       <p:pic>
         <p:nvPicPr>
-          <p:cNvPr id="1030" name="Picture 6" descr="Mobile App Icons - Download Free Vector Icons | Noun Project">
+          <p:cNvPr id="7" name="Picture 6">
             <a:extLst>
               <a:ext uri="{FF2B5EF4-FFF2-40B4-BE49-F238E27FC236}">
-                <a16:creationId xmlns:a16="http://schemas.microsoft.com/office/drawing/2014/main" id="{8C201A74-AE53-4BFC-9D1C-442A42813565}"/>
+                <a16:creationId xmlns:a16="http://schemas.microsoft.com/office/drawing/2014/main" id="{143DA4C3-2880-4D35-9645-1E4703BEE975}"/>
               </a:ext>
             </a:extLst>
           </p:cNvPr>
           <p:cNvPicPr>
-            <a:picLocks noChangeAspect="1" noChangeArrowheads="1"/>
+            <a:picLocks noChangeAspect="1"/>
           </p:cNvPicPr>
           <p:nvPr/>
         </p:nvPicPr>
         <p:blipFill>
-          <a:blip r:embed="rId3">
-            <a:extLst>
-              <a:ext uri="{28A0092B-C50C-407E-A947-70E740481C1C}">
-                <a14:useLocalDpi xmlns:a14="http://schemas.microsoft.com/office/drawing/2010/main" val="0"/>
-              </a:ext>
-            </a:extLst>
-          </a:blip>
-          <a:srcRect/>
+          <a:blip r:embed="rId4"/>
           <a:stretch>
             <a:fillRect/>
           </a:stretch>
         </p:blipFill>
-        <p:spPr bwMode="auto">
-          <a:xfrm>
-            <a:off x="220253" y="1421668"/>
-            <a:ext cx="952500" cy="952500"/>
+        <p:spPr>
+          <a:xfrm>
+            <a:off x="1828800" y="1334514"/>
+            <a:ext cx="5486400" cy="2457450"/>
           </a:xfrm>
           <a:prstGeom prst="rect">
             <a:avLst/>
           </a:prstGeom>
-          <a:noFill/>
-          <a:extLst>
-            <a:ext uri="{909E8E84-426E-40DD-AFC4-6F175D3DCCD1}">
-              <a14:hiddenFill xmlns:a14="http://schemas.microsoft.com/office/drawing/2010/main">
-                <a:solidFill>
-                  <a:srgbClr val="FFFFFF"/>
-                </a:solidFill>
-              </a14:hiddenFill>
-            </a:ext>
-          </a:extLst>
         </p:spPr>
       </p:pic>
-      <p:pic>
-        <p:nvPicPr>
-          <p:cNvPr id="1032" name="Picture 8" descr="Web - Free web icons">
-            <a:extLst>
-              <a:ext uri="{FF2B5EF4-FFF2-40B4-BE49-F238E27FC236}">
-                <a16:creationId xmlns:a16="http://schemas.microsoft.com/office/drawing/2014/main" id="{AB4BCFDE-C4E9-4D3B-B252-41B196F198A5}"/>
-              </a:ext>
-            </a:extLst>
-          </p:cNvPr>
-          <p:cNvPicPr>
-            <a:picLocks noChangeAspect="1" noChangeArrowheads="1"/>
-          </p:cNvPicPr>
-          <p:nvPr/>
-        </p:nvPicPr>
-        <p:blipFill>
-          <a:blip r:embed="rId4">
-            <a:extLst>
-              <a:ext uri="{28A0092B-C50C-407E-A947-70E740481C1C}">
-                <a14:useLocalDpi xmlns:a14="http://schemas.microsoft.com/office/drawing/2010/main" val="0"/>
-              </a:ext>
-            </a:extLst>
-          </a:blip>
-          <a:srcRect/>
-          <a:stretch>
-            <a:fillRect/>
-          </a:stretch>
-        </p:blipFill>
-        <p:spPr bwMode="auto">
-          <a:xfrm>
-            <a:off x="193034" y="2856497"/>
-            <a:ext cx="952501" cy="952501"/>
-          </a:xfrm>
-          <a:prstGeom prst="rect">
-            <a:avLst/>
-          </a:prstGeom>
-          <a:noFill/>
-          <a:extLst>
-            <a:ext uri="{909E8E84-426E-40DD-AFC4-6F175D3DCCD1}">
-              <a14:hiddenFill xmlns:a14="http://schemas.microsoft.com/office/drawing/2010/main">
-                <a:solidFill>
-                  <a:srgbClr val="FFFFFF"/>
-                </a:solidFill>
-              </a14:hiddenFill>
-            </a:ext>
-          </a:extLst>
-        </p:spPr>
-      </p:pic>
-      <p:pic>
-        <p:nvPicPr>
-          <p:cNvPr id="1034" name="Picture 10" descr="Some Examples of API Integration Pages In The Wild">
-            <a:extLst>
-              <a:ext uri="{FF2B5EF4-FFF2-40B4-BE49-F238E27FC236}">
-                <a16:creationId xmlns:a16="http://schemas.microsoft.com/office/drawing/2014/main" id="{91297945-3A20-4B07-99CF-DD3E999A0A90}"/>
-              </a:ext>
-            </a:extLst>
-          </p:cNvPr>
-          <p:cNvPicPr>
-            <a:picLocks noChangeAspect="1" noChangeArrowheads="1"/>
-          </p:cNvPicPr>
-          <p:nvPr/>
-        </p:nvPicPr>
-        <p:blipFill>
-          <a:blip r:embed="rId5">
-            <a:extLst>
-              <a:ext uri="{28A0092B-C50C-407E-A947-70E740481C1C}">
-                <a14:useLocalDpi xmlns:a14="http://schemas.microsoft.com/office/drawing/2010/main" val="0"/>
-              </a:ext>
-            </a:extLst>
-          </a:blip>
-          <a:srcRect/>
-          <a:stretch>
-            <a:fillRect/>
-          </a:stretch>
-        </p:blipFill>
-        <p:spPr bwMode="auto">
-          <a:xfrm>
-            <a:off x="194060" y="4388603"/>
-            <a:ext cx="1004887" cy="1138237"/>
-          </a:xfrm>
-          <a:prstGeom prst="rect">
-            <a:avLst/>
-          </a:prstGeom>
-          <a:noFill/>
-          <a:extLst>
-            <a:ext uri="{909E8E84-426E-40DD-AFC4-6F175D3DCCD1}">
-              <a14:hiddenFill xmlns:a14="http://schemas.microsoft.com/office/drawing/2010/main">
-                <a:solidFill>
-                  <a:srgbClr val="FFFFFF"/>
-                </a:solidFill>
-              </a14:hiddenFill>
-            </a:ext>
-          </a:extLst>
-        </p:spPr>
-      </p:pic>
-      <p:pic>
-        <p:nvPicPr>
-          <p:cNvPr id="1036" name="Picture 12" descr="Simple Cloud Icon Flat Base - Cloud Logo Black Clipart - Full Size Clipart  (#249700) - PinClipart">
-            <a:extLst>
-              <a:ext uri="{FF2B5EF4-FFF2-40B4-BE49-F238E27FC236}">
-                <a16:creationId xmlns:a16="http://schemas.microsoft.com/office/drawing/2014/main" id="{A30AFB06-E7AD-4F91-BB41-3633B94B2FF1}"/>
-              </a:ext>
-            </a:extLst>
-          </p:cNvPr>
-          <p:cNvPicPr>
-            <a:picLocks noChangeAspect="1" noChangeArrowheads="1"/>
-          </p:cNvPicPr>
-          <p:nvPr/>
-        </p:nvPicPr>
-        <p:blipFill>
-          <a:blip r:embed="rId6">
-            <a:extLst>
-              <a:ext uri="{28A0092B-C50C-407E-A947-70E740481C1C}">
-                <a14:useLocalDpi xmlns:a14="http://schemas.microsoft.com/office/drawing/2010/main" val="0"/>
-              </a:ext>
-            </a:extLst>
-          </a:blip>
-          <a:srcRect/>
-          <a:stretch>
-            <a:fillRect/>
-          </a:stretch>
-        </p:blipFill>
-        <p:spPr bwMode="auto">
-          <a:xfrm>
-            <a:off x="1668893" y="3019101"/>
-            <a:ext cx="1044264" cy="627394"/>
-          </a:xfrm>
-          <a:prstGeom prst="rect">
-            <a:avLst/>
-          </a:prstGeom>
-          <a:noFill/>
-          <a:extLst>
-            <a:ext uri="{909E8E84-426E-40DD-AFC4-6F175D3DCCD1}">
-              <a14:hiddenFill xmlns:a14="http://schemas.microsoft.com/office/drawing/2010/main">
-                <a:solidFill>
-                  <a:srgbClr val="FFFFFF"/>
-                </a:solidFill>
-              </a14:hiddenFill>
-            </a:ext>
-          </a:extLst>
-        </p:spPr>
-      </p:pic>
-      <p:pic>
-        <p:nvPicPr>
-          <p:cNvPr id="1038" name="Picture 14" descr="Amazon CloudFront with Drupal 8">
-            <a:extLst>
-              <a:ext uri="{FF2B5EF4-FFF2-40B4-BE49-F238E27FC236}">
-                <a16:creationId xmlns:a16="http://schemas.microsoft.com/office/drawing/2014/main" id="{56AB7DCE-6776-46FE-AE77-8B0FA0C51C55}"/>
-              </a:ext>
-            </a:extLst>
-          </p:cNvPr>
-          <p:cNvPicPr>
-            <a:picLocks noChangeAspect="1" noChangeArrowheads="1"/>
-          </p:cNvPicPr>
-          <p:nvPr/>
-        </p:nvPicPr>
-        <p:blipFill>
-          <a:blip r:embed="rId7">
-            <a:extLst>
-              <a:ext uri="{28A0092B-C50C-407E-A947-70E740481C1C}">
-                <a14:useLocalDpi xmlns:a14="http://schemas.microsoft.com/office/drawing/2010/main" val="0"/>
-              </a:ext>
-            </a:extLst>
-          </a:blip>
-          <a:srcRect/>
-          <a:stretch>
-            <a:fillRect/>
-          </a:stretch>
-        </p:blipFill>
-        <p:spPr bwMode="auto">
-          <a:xfrm>
-            <a:off x="3963104" y="1550305"/>
-            <a:ext cx="1554480" cy="892772"/>
-          </a:xfrm>
-          <a:prstGeom prst="rect">
-            <a:avLst/>
-          </a:prstGeom>
-          <a:noFill/>
-          <a:extLst>
-            <a:ext uri="{909E8E84-426E-40DD-AFC4-6F175D3DCCD1}">
-              <a14:hiddenFill xmlns:a14="http://schemas.microsoft.com/office/drawing/2010/main">
-                <a:solidFill>
-                  <a:srgbClr val="FFFFFF"/>
-                </a:solidFill>
-              </a14:hiddenFill>
-            </a:ext>
-          </a:extLst>
-        </p:spPr>
-      </p:pic>
-      <p:pic>
-        <p:nvPicPr>
-          <p:cNvPr id="1040" name="Picture 16" descr="Amazon S3 - Reviews, Pros &amp; Cons | Companies using Amazon S3">
-            <a:extLst>
-              <a:ext uri="{FF2B5EF4-FFF2-40B4-BE49-F238E27FC236}">
-                <a16:creationId xmlns:a16="http://schemas.microsoft.com/office/drawing/2014/main" id="{F3C51C17-40DA-4C8E-893D-B46955D2BA3A}"/>
-              </a:ext>
-            </a:extLst>
-          </p:cNvPr>
-          <p:cNvPicPr>
-            <a:picLocks noChangeAspect="1" noChangeArrowheads="1"/>
-          </p:cNvPicPr>
-          <p:nvPr/>
-        </p:nvPicPr>
-        <p:blipFill>
-          <a:blip r:embed="rId8">
-            <a:extLst>
-              <a:ext uri="{28A0092B-C50C-407E-A947-70E740481C1C}">
-                <a14:useLocalDpi xmlns:a14="http://schemas.microsoft.com/office/drawing/2010/main" val="0"/>
-              </a:ext>
-            </a:extLst>
-          </a:blip>
-          <a:srcRect/>
-          <a:stretch>
-            <a:fillRect/>
-          </a:stretch>
-        </p:blipFill>
-        <p:spPr bwMode="auto">
-          <a:xfrm>
-            <a:off x="6123982" y="1443757"/>
-            <a:ext cx="1097280" cy="1097280"/>
-          </a:xfrm>
-          <a:prstGeom prst="rect">
-            <a:avLst/>
-          </a:prstGeom>
-          <a:noFill/>
-          <a:extLst>
-            <a:ext uri="{909E8E84-426E-40DD-AFC4-6F175D3DCCD1}">
-              <a14:hiddenFill xmlns:a14="http://schemas.microsoft.com/office/drawing/2010/main">
-                <a:solidFill>
-                  <a:srgbClr val="FFFFFF"/>
-                </a:solidFill>
-              </a14:hiddenFill>
-            </a:ext>
-          </a:extLst>
-        </p:spPr>
-      </p:pic>
-      <p:pic>
-        <p:nvPicPr>
-          <p:cNvPr id="1042" name="Picture 18" descr="AWS Api Gateway Vector Logo - Download Free SVG Icon | Worldvectorlogo">
-            <a:extLst>
-              <a:ext uri="{FF2B5EF4-FFF2-40B4-BE49-F238E27FC236}">
-                <a16:creationId xmlns:a16="http://schemas.microsoft.com/office/drawing/2014/main" id="{67C2E511-7B0E-4E9B-9EFA-42E8E50766C2}"/>
-              </a:ext>
-            </a:extLst>
-          </p:cNvPr>
-          <p:cNvPicPr>
-            <a:picLocks noChangeAspect="1" noChangeArrowheads="1"/>
-          </p:cNvPicPr>
-          <p:nvPr/>
-        </p:nvPicPr>
-        <p:blipFill>
-          <a:blip r:embed="rId9">
-            <a:extLst>
-              <a:ext uri="{28A0092B-C50C-407E-A947-70E740481C1C}">
-                <a14:useLocalDpi xmlns:a14="http://schemas.microsoft.com/office/drawing/2010/main" val="0"/>
-              </a:ext>
-            </a:extLst>
-          </a:blip>
-          <a:srcRect/>
-          <a:stretch>
-            <a:fillRect/>
-          </a:stretch>
-        </p:blipFill>
-        <p:spPr bwMode="auto">
-          <a:xfrm>
-            <a:off x="4093046" y="3964945"/>
-            <a:ext cx="822960" cy="996426"/>
-          </a:xfrm>
-          <a:prstGeom prst="rect">
-            <a:avLst/>
-          </a:prstGeom>
-          <a:noFill/>
-          <a:extLst>
-            <a:ext uri="{909E8E84-426E-40DD-AFC4-6F175D3DCCD1}">
-              <a14:hiddenFill xmlns:a14="http://schemas.microsoft.com/office/drawing/2010/main">
-                <a:solidFill>
-                  <a:srgbClr val="FFFFFF"/>
-                </a:solidFill>
-              </a14:hiddenFill>
-            </a:ext>
-          </a:extLst>
-        </p:spPr>
-      </p:pic>
-      <p:pic>
-        <p:nvPicPr>
-          <p:cNvPr id="1044" name="Picture 20" descr="What is AWS Lambda or Serverless? | Hacker Noon">
-            <a:extLst>
-              <a:ext uri="{FF2B5EF4-FFF2-40B4-BE49-F238E27FC236}">
-                <a16:creationId xmlns:a16="http://schemas.microsoft.com/office/drawing/2014/main" id="{DBEB7C24-8331-4850-973B-672C9B171CD0}"/>
-              </a:ext>
-            </a:extLst>
-          </p:cNvPr>
-          <p:cNvPicPr>
-            <a:picLocks noChangeAspect="1" noChangeArrowheads="1"/>
-          </p:cNvPicPr>
-          <p:nvPr/>
-        </p:nvPicPr>
-        <p:blipFill>
-          <a:blip r:embed="rId10">
-            <a:extLst>
-              <a:ext uri="{28A0092B-C50C-407E-A947-70E740481C1C}">
-                <a14:useLocalDpi xmlns:a14="http://schemas.microsoft.com/office/drawing/2010/main" val="0"/>
-              </a:ext>
-            </a:extLst>
-          </a:blip>
-          <a:srcRect/>
-          <a:stretch>
-            <a:fillRect/>
-          </a:stretch>
-        </p:blipFill>
-        <p:spPr bwMode="auto">
-          <a:xfrm>
-            <a:off x="5653998" y="4059974"/>
-            <a:ext cx="1554480" cy="777240"/>
-          </a:xfrm>
-          <a:prstGeom prst="rect">
-            <a:avLst/>
-          </a:prstGeom>
-          <a:noFill/>
-          <a:extLst>
-            <a:ext uri="{909E8E84-426E-40DD-AFC4-6F175D3DCCD1}">
-              <a14:hiddenFill xmlns:a14="http://schemas.microsoft.com/office/drawing/2010/main">
-                <a:solidFill>
-                  <a:srgbClr val="FFFFFF"/>
-                </a:solidFill>
-              </a14:hiddenFill>
-            </a:ext>
-          </a:extLst>
-        </p:spPr>
-      </p:pic>
-      <p:pic>
-        <p:nvPicPr>
-          <p:cNvPr id="1046" name="Picture 22" descr="Amazon RDS | Cloud Relational Database | Amazon Web Services">
-            <a:extLst>
-              <a:ext uri="{FF2B5EF4-FFF2-40B4-BE49-F238E27FC236}">
-                <a16:creationId xmlns:a16="http://schemas.microsoft.com/office/drawing/2014/main" id="{E959BB83-F36D-43BE-AF70-B82B36E0A925}"/>
-              </a:ext>
-            </a:extLst>
-          </p:cNvPr>
-          <p:cNvPicPr>
-            <a:picLocks noChangeAspect="1" noChangeArrowheads="1"/>
-          </p:cNvPicPr>
-          <p:nvPr/>
-        </p:nvPicPr>
-        <p:blipFill>
-          <a:blip r:embed="rId11">
-            <a:extLst>
-              <a:ext uri="{28A0092B-C50C-407E-A947-70E740481C1C}">
-                <a14:useLocalDpi xmlns:a14="http://schemas.microsoft.com/office/drawing/2010/main" val="0"/>
-              </a:ext>
-            </a:extLst>
-          </a:blip>
-          <a:srcRect/>
-          <a:stretch>
-            <a:fillRect/>
-          </a:stretch>
-        </p:blipFill>
-        <p:spPr bwMode="auto">
-          <a:xfrm>
-            <a:off x="7573938" y="4059974"/>
-            <a:ext cx="822960" cy="822960"/>
-          </a:xfrm>
-          <a:prstGeom prst="rect">
-            <a:avLst/>
-          </a:prstGeom>
-          <a:noFill/>
-          <a:extLst>
-            <a:ext uri="{909E8E84-426E-40DD-AFC4-6F175D3DCCD1}">
-              <a14:hiddenFill xmlns:a14="http://schemas.microsoft.com/office/drawing/2010/main">
-                <a:solidFill>
-                  <a:srgbClr val="FFFFFF"/>
-                </a:solidFill>
-              </a14:hiddenFill>
-            </a:ext>
-          </a:extLst>
-        </p:spPr>
-      </p:pic>
-      <p:cxnSp>
-        <p:nvCxnSpPr>
-          <p:cNvPr id="7" name="Connector: Elbow 6">
-            <a:extLst>
-              <a:ext uri="{FF2B5EF4-FFF2-40B4-BE49-F238E27FC236}">
-                <a16:creationId xmlns:a16="http://schemas.microsoft.com/office/drawing/2014/main" id="{221D7B4C-0A37-4C33-A835-21D9D16684A8}"/>
-              </a:ext>
-            </a:extLst>
-          </p:cNvPr>
-          <p:cNvCxnSpPr>
-            <a:cxnSpLocks/>
-          </p:cNvCxnSpPr>
-          <p:nvPr/>
-        </p:nvCxnSpPr>
-        <p:spPr>
-          <a:xfrm>
-            <a:off x="1172753" y="1840768"/>
-            <a:ext cx="496140" cy="1434880"/>
-          </a:xfrm>
-          <a:prstGeom prst="bentConnector3">
-            <a:avLst>
-              <a:gd name="adj1" fmla="val 53840"/>
-            </a:avLst>
-          </a:prstGeom>
-          <a:ln w="15875">
-            <a:solidFill>
-              <a:schemeClr val="accent6"/>
-            </a:solidFill>
-            <a:tailEnd type="triangle"/>
-          </a:ln>
-        </p:spPr>
-        <p:style>
-          <a:lnRef idx="1">
-            <a:schemeClr val="accent1"/>
-          </a:lnRef>
-          <a:fillRef idx="0">
-            <a:schemeClr val="accent1"/>
-          </a:fillRef>
-          <a:effectRef idx="0">
-            <a:schemeClr val="accent1"/>
-          </a:effectRef>
-          <a:fontRef idx="minor">
-            <a:schemeClr val="tx1"/>
-          </a:fontRef>
-        </p:style>
-      </p:cxnSp>
-      <p:cxnSp>
-        <p:nvCxnSpPr>
-          <p:cNvPr id="10" name="Connector: Elbow 9">
-            <a:extLst>
-              <a:ext uri="{FF2B5EF4-FFF2-40B4-BE49-F238E27FC236}">
-                <a16:creationId xmlns:a16="http://schemas.microsoft.com/office/drawing/2014/main" id="{E541FF7F-C592-4E2A-B6D7-E3C83D00805B}"/>
-              </a:ext>
-            </a:extLst>
-          </p:cNvPr>
-          <p:cNvCxnSpPr>
-            <a:cxnSpLocks/>
-          </p:cNvCxnSpPr>
-          <p:nvPr/>
-        </p:nvCxnSpPr>
-        <p:spPr>
-          <a:xfrm flipV="1">
-            <a:off x="1198947" y="3399473"/>
-            <a:ext cx="469946" cy="1624924"/>
-          </a:xfrm>
-          <a:prstGeom prst="bentConnector3">
-            <a:avLst>
-              <a:gd name="adj1" fmla="val 50000"/>
-            </a:avLst>
-          </a:prstGeom>
-          <a:ln w="15875">
-            <a:solidFill>
-              <a:schemeClr val="accent6"/>
-            </a:solidFill>
-            <a:tailEnd type="triangle"/>
-          </a:ln>
-        </p:spPr>
-        <p:style>
-          <a:lnRef idx="1">
-            <a:schemeClr val="accent1"/>
-          </a:lnRef>
-          <a:fillRef idx="0">
-            <a:schemeClr val="accent1"/>
-          </a:fillRef>
-          <a:effectRef idx="0">
-            <a:schemeClr val="accent1"/>
-          </a:effectRef>
-          <a:fontRef idx="minor">
-            <a:schemeClr val="tx1"/>
-          </a:fontRef>
-        </p:style>
-      </p:cxnSp>
-      <p:cxnSp>
-        <p:nvCxnSpPr>
-          <p:cNvPr id="12" name="Straight Arrow Connector 11">
-            <a:extLst>
-              <a:ext uri="{FF2B5EF4-FFF2-40B4-BE49-F238E27FC236}">
-                <a16:creationId xmlns:a16="http://schemas.microsoft.com/office/drawing/2014/main" id="{38923CBB-07BF-4E48-9A0B-B8177FF7855C}"/>
-              </a:ext>
-            </a:extLst>
-          </p:cNvPr>
-          <p:cNvCxnSpPr>
-            <a:cxnSpLocks/>
-            <a:stCxn id="1032" idx="3"/>
-            <a:endCxn id="1036" idx="1"/>
-          </p:cNvCxnSpPr>
-          <p:nvPr/>
-        </p:nvCxnSpPr>
-        <p:spPr>
-          <a:xfrm>
-            <a:off x="1145535" y="3332748"/>
-            <a:ext cx="523358" cy="50"/>
-          </a:xfrm>
-          <a:prstGeom prst="straightConnector1">
-            <a:avLst/>
-          </a:prstGeom>
-          <a:ln w="15875">
-            <a:solidFill>
-              <a:schemeClr val="accent6"/>
-            </a:solidFill>
-            <a:tailEnd type="triangle"/>
-          </a:ln>
-        </p:spPr>
-        <p:style>
-          <a:lnRef idx="1">
-            <a:schemeClr val="accent1"/>
-          </a:lnRef>
-          <a:fillRef idx="0">
-            <a:schemeClr val="accent1"/>
-          </a:fillRef>
-          <a:effectRef idx="0">
-            <a:schemeClr val="accent1"/>
-          </a:effectRef>
-          <a:fontRef idx="minor">
-            <a:schemeClr val="tx1"/>
-          </a:fontRef>
-        </p:style>
-      </p:cxnSp>
-      <p:cxnSp>
-        <p:nvCxnSpPr>
-          <p:cNvPr id="24" name="Straight Connector 23">
-            <a:extLst>
-              <a:ext uri="{FF2B5EF4-FFF2-40B4-BE49-F238E27FC236}">
-                <a16:creationId xmlns:a16="http://schemas.microsoft.com/office/drawing/2014/main" id="{A315381B-3799-482A-BF5D-ED926EC0BB02}"/>
-              </a:ext>
-            </a:extLst>
-          </p:cNvPr>
-          <p:cNvCxnSpPr>
-            <a:cxnSpLocks/>
-          </p:cNvCxnSpPr>
-          <p:nvPr/>
-        </p:nvCxnSpPr>
-        <p:spPr>
-          <a:xfrm flipV="1">
-            <a:off x="2854469" y="2202644"/>
-            <a:ext cx="1161903" cy="1092479"/>
-          </a:xfrm>
-          <a:prstGeom prst="line">
-            <a:avLst/>
-          </a:prstGeom>
-          <a:ln w="15875">
-            <a:solidFill>
-              <a:schemeClr val="accent6"/>
-            </a:solidFill>
-          </a:ln>
-        </p:spPr>
-        <p:style>
-          <a:lnRef idx="1">
-            <a:schemeClr val="accent1"/>
-          </a:lnRef>
-          <a:fillRef idx="0">
-            <a:schemeClr val="accent1"/>
-          </a:fillRef>
-          <a:effectRef idx="0">
-            <a:schemeClr val="accent1"/>
-          </a:effectRef>
-          <a:fontRef idx="minor">
-            <a:schemeClr val="tx1"/>
-          </a:fontRef>
-        </p:style>
-      </p:cxnSp>
-      <p:cxnSp>
-        <p:nvCxnSpPr>
-          <p:cNvPr id="26" name="Straight Connector 25">
-            <a:extLst>
-              <a:ext uri="{FF2B5EF4-FFF2-40B4-BE49-F238E27FC236}">
-                <a16:creationId xmlns:a16="http://schemas.microsoft.com/office/drawing/2014/main" id="{6FA34BFD-7369-4E05-B439-1D34365008E9}"/>
-              </a:ext>
-            </a:extLst>
-          </p:cNvPr>
-          <p:cNvCxnSpPr>
-            <a:cxnSpLocks/>
-          </p:cNvCxnSpPr>
-          <p:nvPr/>
-        </p:nvCxnSpPr>
-        <p:spPr>
-          <a:xfrm>
-            <a:off x="2854469" y="3476609"/>
-            <a:ext cx="1161903" cy="763657"/>
-          </a:xfrm>
-          <a:prstGeom prst="line">
-            <a:avLst/>
-          </a:prstGeom>
-          <a:ln w="15875">
-            <a:solidFill>
-              <a:schemeClr val="accent6"/>
-            </a:solidFill>
-          </a:ln>
-        </p:spPr>
-        <p:style>
-          <a:lnRef idx="1">
-            <a:schemeClr val="accent1"/>
-          </a:lnRef>
-          <a:fillRef idx="0">
-            <a:schemeClr val="accent1"/>
-          </a:fillRef>
-          <a:effectRef idx="0">
-            <a:schemeClr val="accent1"/>
-          </a:effectRef>
-          <a:fontRef idx="minor">
-            <a:schemeClr val="tx1"/>
-          </a:fontRef>
-        </p:style>
-      </p:cxnSp>
-      <p:sp>
-        <p:nvSpPr>
-          <p:cNvPr id="27" name="TextBox 26">
-            <a:extLst>
-              <a:ext uri="{FF2B5EF4-FFF2-40B4-BE49-F238E27FC236}">
-                <a16:creationId xmlns:a16="http://schemas.microsoft.com/office/drawing/2014/main" id="{3F4E3A72-5EA5-4280-B18C-72C9338DEA3D}"/>
-              </a:ext>
-            </a:extLst>
-          </p:cNvPr>
-          <p:cNvSpPr txBox="1"/>
-          <p:nvPr/>
-        </p:nvSpPr>
-        <p:spPr>
-          <a:xfrm>
-            <a:off x="97697" y="2289657"/>
-            <a:ext cx="1197612" cy="307777"/>
-          </a:xfrm>
-          <a:prstGeom prst="rect">
-            <a:avLst/>
-          </a:prstGeom>
-          <a:noFill/>
-        </p:spPr>
-        <p:txBody>
-          <a:bodyPr wrap="square" rtlCol="0">
-            <a:spAutoFit/>
-          </a:bodyPr>
-          <a:lstStyle/>
-          <a:p>
-            <a:pPr algn="ctr"/>
-            <a:r>
-              <a:rPr lang="en-US" sz="1400" dirty="0"/>
-              <a:t>Mobile Apps</a:t>
-            </a:r>
-          </a:p>
-        </p:txBody>
-      </p:sp>
-      <p:sp>
-        <p:nvSpPr>
-          <p:cNvPr id="39" name="TextBox 38">
-            <a:extLst>
-              <a:ext uri="{FF2B5EF4-FFF2-40B4-BE49-F238E27FC236}">
-                <a16:creationId xmlns:a16="http://schemas.microsoft.com/office/drawing/2014/main" id="{3B85633E-6DD6-485A-8BF9-A67B9BF2C4B0}"/>
-              </a:ext>
-            </a:extLst>
-          </p:cNvPr>
-          <p:cNvSpPr txBox="1"/>
-          <p:nvPr/>
-        </p:nvSpPr>
-        <p:spPr>
-          <a:xfrm>
-            <a:off x="70478" y="3831438"/>
-            <a:ext cx="1197612" cy="307777"/>
-          </a:xfrm>
-          <a:prstGeom prst="rect">
-            <a:avLst/>
-          </a:prstGeom>
-          <a:noFill/>
-        </p:spPr>
-        <p:txBody>
-          <a:bodyPr wrap="square" rtlCol="0">
-            <a:spAutoFit/>
-          </a:bodyPr>
-          <a:lstStyle/>
-          <a:p>
-            <a:pPr algn="ctr"/>
-            <a:r>
-              <a:rPr lang="en-US" sz="1400" dirty="0"/>
-              <a:t>Websites</a:t>
-            </a:r>
-          </a:p>
-        </p:txBody>
-      </p:sp>
-      <p:sp>
-        <p:nvSpPr>
-          <p:cNvPr id="40" name="TextBox 39">
-            <a:extLst>
-              <a:ext uri="{FF2B5EF4-FFF2-40B4-BE49-F238E27FC236}">
-                <a16:creationId xmlns:a16="http://schemas.microsoft.com/office/drawing/2014/main" id="{AA2B4755-43C9-4E18-8F52-1A91204F30B9}"/>
-              </a:ext>
-            </a:extLst>
-          </p:cNvPr>
-          <p:cNvSpPr txBox="1"/>
-          <p:nvPr/>
-        </p:nvSpPr>
-        <p:spPr>
-          <a:xfrm>
-            <a:off x="97697" y="5496657"/>
-            <a:ext cx="1197612" cy="523220"/>
-          </a:xfrm>
-          <a:prstGeom prst="rect">
-            <a:avLst/>
-          </a:prstGeom>
-          <a:noFill/>
-        </p:spPr>
-        <p:txBody>
-          <a:bodyPr wrap="square" rtlCol="0">
-            <a:spAutoFit/>
-          </a:bodyPr>
-          <a:lstStyle/>
-          <a:p>
-            <a:pPr algn="ctr"/>
-            <a:r>
-              <a:rPr lang="en-US" sz="1400" dirty="0"/>
-              <a:t>3</a:t>
-            </a:r>
-            <a:r>
-              <a:rPr lang="en-US" sz="1400" baseline="30000" dirty="0"/>
-              <a:t>rd</a:t>
-            </a:r>
-            <a:r>
-              <a:rPr lang="en-US" sz="1400" dirty="0"/>
-              <a:t> Party Services</a:t>
-            </a:r>
-          </a:p>
-        </p:txBody>
-      </p:sp>
-      <p:sp>
-        <p:nvSpPr>
-          <p:cNvPr id="41" name="TextBox 40">
-            <a:extLst>
-              <a:ext uri="{FF2B5EF4-FFF2-40B4-BE49-F238E27FC236}">
-                <a16:creationId xmlns:a16="http://schemas.microsoft.com/office/drawing/2014/main" id="{2C43353E-2266-4AA0-A4DF-85FB59DF525F}"/>
-              </a:ext>
-            </a:extLst>
-          </p:cNvPr>
-          <p:cNvSpPr txBox="1"/>
-          <p:nvPr/>
-        </p:nvSpPr>
-        <p:spPr>
-          <a:xfrm>
-            <a:off x="3997160" y="2325480"/>
-            <a:ext cx="1197612" cy="523220"/>
-          </a:xfrm>
-          <a:prstGeom prst="rect">
-            <a:avLst/>
-          </a:prstGeom>
-          <a:noFill/>
-        </p:spPr>
-        <p:txBody>
-          <a:bodyPr wrap="square" rtlCol="0">
-            <a:spAutoFit/>
-          </a:bodyPr>
-          <a:lstStyle/>
-          <a:p>
-            <a:pPr algn="ctr"/>
-            <a:r>
-              <a:rPr lang="en-US" sz="1400" dirty="0"/>
-              <a:t>Amazon CloudFront</a:t>
-            </a:r>
-          </a:p>
-        </p:txBody>
-      </p:sp>
-      <p:sp>
-        <p:nvSpPr>
-          <p:cNvPr id="42" name="TextBox 41">
-            <a:extLst>
-              <a:ext uri="{FF2B5EF4-FFF2-40B4-BE49-F238E27FC236}">
-                <a16:creationId xmlns:a16="http://schemas.microsoft.com/office/drawing/2014/main" id="{956E2815-5FFE-4873-AD71-5B51EB19409C}"/>
-              </a:ext>
-            </a:extLst>
-          </p:cNvPr>
-          <p:cNvSpPr txBox="1"/>
-          <p:nvPr/>
-        </p:nvSpPr>
-        <p:spPr>
-          <a:xfrm>
-            <a:off x="6073816" y="2432300"/>
-            <a:ext cx="1197612" cy="307777"/>
-          </a:xfrm>
-          <a:prstGeom prst="rect">
-            <a:avLst/>
-          </a:prstGeom>
-          <a:noFill/>
-        </p:spPr>
-        <p:txBody>
-          <a:bodyPr wrap="square" rtlCol="0">
-            <a:spAutoFit/>
-          </a:bodyPr>
-          <a:lstStyle/>
-          <a:p>
-            <a:pPr algn="ctr"/>
-            <a:r>
-              <a:rPr lang="en-US" sz="1400" dirty="0"/>
-              <a:t>Amazon S3</a:t>
-            </a:r>
-          </a:p>
-        </p:txBody>
-      </p:sp>
-      <p:sp>
-        <p:nvSpPr>
-          <p:cNvPr id="43" name="TextBox 42">
-            <a:extLst>
-              <a:ext uri="{FF2B5EF4-FFF2-40B4-BE49-F238E27FC236}">
-                <a16:creationId xmlns:a16="http://schemas.microsoft.com/office/drawing/2014/main" id="{B9B5033B-D03B-45E5-9121-5522F7555F5A}"/>
-              </a:ext>
-            </a:extLst>
-          </p:cNvPr>
-          <p:cNvSpPr txBox="1"/>
-          <p:nvPr/>
-        </p:nvSpPr>
-        <p:spPr>
-          <a:xfrm>
-            <a:off x="3905720" y="4978930"/>
-            <a:ext cx="1197612" cy="523220"/>
-          </a:xfrm>
-          <a:prstGeom prst="rect">
-            <a:avLst/>
-          </a:prstGeom>
-          <a:noFill/>
-        </p:spPr>
-        <p:txBody>
-          <a:bodyPr wrap="square" rtlCol="0">
-            <a:spAutoFit/>
-          </a:bodyPr>
-          <a:lstStyle/>
-          <a:p>
-            <a:pPr algn="ctr"/>
-            <a:r>
-              <a:rPr lang="en-US" sz="1400" dirty="0"/>
-              <a:t>Amazon API Gateway</a:t>
-            </a:r>
-          </a:p>
-        </p:txBody>
-      </p:sp>
-      <p:sp>
-        <p:nvSpPr>
-          <p:cNvPr id="44" name="TextBox 43">
-            <a:extLst>
-              <a:ext uri="{FF2B5EF4-FFF2-40B4-BE49-F238E27FC236}">
-                <a16:creationId xmlns:a16="http://schemas.microsoft.com/office/drawing/2014/main" id="{C1C45F2E-475F-4340-ACF7-FF3DE927ABCF}"/>
-              </a:ext>
-            </a:extLst>
-          </p:cNvPr>
-          <p:cNvSpPr txBox="1"/>
-          <p:nvPr/>
-        </p:nvSpPr>
-        <p:spPr>
-          <a:xfrm>
-            <a:off x="5832432" y="4941935"/>
-            <a:ext cx="1197612" cy="523220"/>
-          </a:xfrm>
-          <a:prstGeom prst="rect">
-            <a:avLst/>
-          </a:prstGeom>
-          <a:noFill/>
-        </p:spPr>
-        <p:txBody>
-          <a:bodyPr wrap="square" rtlCol="0">
-            <a:spAutoFit/>
-          </a:bodyPr>
-          <a:lstStyle/>
-          <a:p>
-            <a:pPr algn="ctr"/>
-            <a:r>
-              <a:rPr lang="en-US" sz="1400" dirty="0"/>
-              <a:t>AWS Lambda</a:t>
-            </a:r>
-          </a:p>
-        </p:txBody>
-      </p:sp>
-      <p:sp>
-        <p:nvSpPr>
-          <p:cNvPr id="45" name="TextBox 44">
-            <a:extLst>
-              <a:ext uri="{FF2B5EF4-FFF2-40B4-BE49-F238E27FC236}">
-                <a16:creationId xmlns:a16="http://schemas.microsoft.com/office/drawing/2014/main" id="{638C29BA-F3E8-46FA-B44A-06C72C48909C}"/>
-              </a:ext>
-            </a:extLst>
-          </p:cNvPr>
-          <p:cNvSpPr txBox="1"/>
-          <p:nvPr/>
-        </p:nvSpPr>
-        <p:spPr>
-          <a:xfrm>
-            <a:off x="7386612" y="4903673"/>
-            <a:ext cx="1197612" cy="523220"/>
-          </a:xfrm>
-          <a:prstGeom prst="rect">
-            <a:avLst/>
-          </a:prstGeom>
-          <a:noFill/>
-        </p:spPr>
-        <p:txBody>
-          <a:bodyPr wrap="square" rtlCol="0">
-            <a:spAutoFit/>
-          </a:bodyPr>
-          <a:lstStyle/>
-          <a:p>
-            <a:pPr algn="ctr"/>
-            <a:r>
-              <a:rPr lang="en-US" sz="1400" dirty="0"/>
-              <a:t>Amazon RDS</a:t>
-            </a:r>
-          </a:p>
-        </p:txBody>
-      </p:sp>
-      <p:sp>
-        <p:nvSpPr>
-          <p:cNvPr id="28" name="TextBox 27">
-            <a:extLst>
-              <a:ext uri="{FF2B5EF4-FFF2-40B4-BE49-F238E27FC236}">
-                <a16:creationId xmlns:a16="http://schemas.microsoft.com/office/drawing/2014/main" id="{5ED1AE66-F9AA-4211-8B9D-E7F513CDA000}"/>
-              </a:ext>
-            </a:extLst>
-          </p:cNvPr>
-          <p:cNvSpPr txBox="1"/>
-          <p:nvPr/>
-        </p:nvSpPr>
-        <p:spPr>
-          <a:xfrm>
-            <a:off x="4054136" y="2875952"/>
-            <a:ext cx="1706067" cy="738664"/>
-          </a:xfrm>
-          <a:prstGeom prst="rect">
-            <a:avLst/>
-          </a:prstGeom>
-          <a:noFill/>
-        </p:spPr>
-        <p:txBody>
-          <a:bodyPr wrap="square" rtlCol="0">
-            <a:spAutoFit/>
-          </a:bodyPr>
-          <a:lstStyle/>
-          <a:p>
-            <a:pPr marL="168275" indent="-168275">
-              <a:buFont typeface="Arial" panose="020B0604020202020204" pitchFamily="34" charset="0"/>
-              <a:buChar char="•"/>
-            </a:pPr>
-            <a:r>
-              <a:rPr lang="en-US" sz="1400" dirty="0">
-                <a:solidFill>
-                  <a:schemeClr val="bg1">
-                    <a:lumMod val="50000"/>
-                  </a:schemeClr>
-                </a:solidFill>
-              </a:rPr>
-              <a:t>Geo-Restriction</a:t>
-            </a:r>
-          </a:p>
-          <a:p>
-            <a:pPr marL="168275" indent="-168275">
-              <a:buFont typeface="Arial" panose="020B0604020202020204" pitchFamily="34" charset="0"/>
-              <a:buChar char="•"/>
-            </a:pPr>
-            <a:r>
-              <a:rPr lang="en-US" sz="1400" dirty="0">
-                <a:solidFill>
-                  <a:schemeClr val="bg1">
-                    <a:lumMod val="50000"/>
-                  </a:schemeClr>
-                </a:solidFill>
-              </a:rPr>
-              <a:t>Private Content</a:t>
-            </a:r>
-          </a:p>
-          <a:p>
-            <a:pPr marL="168275" indent="-168275">
-              <a:buFont typeface="Arial" panose="020B0604020202020204" pitchFamily="34" charset="0"/>
-              <a:buChar char="•"/>
-            </a:pPr>
-            <a:r>
-              <a:rPr lang="en-US" sz="1400" dirty="0">
-                <a:solidFill>
-                  <a:schemeClr val="bg1">
-                    <a:lumMod val="50000"/>
-                  </a:schemeClr>
-                </a:solidFill>
-              </a:rPr>
-              <a:t>DDoS</a:t>
-            </a:r>
-          </a:p>
-        </p:txBody>
-      </p:sp>
-      <p:sp>
-        <p:nvSpPr>
-          <p:cNvPr id="47" name="TextBox 46">
-            <a:extLst>
-              <a:ext uri="{FF2B5EF4-FFF2-40B4-BE49-F238E27FC236}">
-                <a16:creationId xmlns:a16="http://schemas.microsoft.com/office/drawing/2014/main" id="{08A32DB3-B518-481A-A104-47CAD17B750F}"/>
-              </a:ext>
-            </a:extLst>
-          </p:cNvPr>
-          <p:cNvSpPr txBox="1"/>
-          <p:nvPr/>
-        </p:nvSpPr>
-        <p:spPr>
-          <a:xfrm>
-            <a:off x="6073816" y="2916305"/>
-            <a:ext cx="1706067" cy="523220"/>
-          </a:xfrm>
-          <a:prstGeom prst="rect">
-            <a:avLst/>
-          </a:prstGeom>
-          <a:noFill/>
-        </p:spPr>
-        <p:txBody>
-          <a:bodyPr wrap="square" rtlCol="0">
-            <a:spAutoFit/>
-          </a:bodyPr>
-          <a:lstStyle/>
-          <a:p>
-            <a:pPr marL="168275" indent="-168275">
-              <a:buFont typeface="Arial" panose="020B0604020202020204" pitchFamily="34" charset="0"/>
-              <a:buChar char="•"/>
-            </a:pPr>
-            <a:r>
-              <a:rPr lang="en-US" sz="1400" dirty="0">
-                <a:solidFill>
-                  <a:schemeClr val="bg1">
-                    <a:lumMod val="50000"/>
-                  </a:schemeClr>
-                </a:solidFill>
-              </a:rPr>
-              <a:t>Bucket Policies</a:t>
-            </a:r>
-          </a:p>
-          <a:p>
-            <a:pPr marL="168275" indent="-168275">
-              <a:buFont typeface="Arial" panose="020B0604020202020204" pitchFamily="34" charset="0"/>
-              <a:buChar char="•"/>
-            </a:pPr>
-            <a:r>
-              <a:rPr lang="en-US" sz="1400" dirty="0">
-                <a:solidFill>
-                  <a:schemeClr val="bg1">
-                    <a:lumMod val="50000"/>
-                  </a:schemeClr>
-                </a:solidFill>
-              </a:rPr>
-              <a:t>ACLs</a:t>
-            </a:r>
-          </a:p>
-        </p:txBody>
-      </p:sp>
-      <p:sp>
-        <p:nvSpPr>
-          <p:cNvPr id="48" name="TextBox 47">
-            <a:extLst>
-              <a:ext uri="{FF2B5EF4-FFF2-40B4-BE49-F238E27FC236}">
-                <a16:creationId xmlns:a16="http://schemas.microsoft.com/office/drawing/2014/main" id="{C3B0A923-D36B-45DB-A73A-8C927232AE00}"/>
-              </a:ext>
-            </a:extLst>
-          </p:cNvPr>
-          <p:cNvSpPr txBox="1"/>
-          <p:nvPr/>
-        </p:nvSpPr>
-        <p:spPr>
-          <a:xfrm>
-            <a:off x="3891213" y="5500738"/>
-            <a:ext cx="2193450" cy="1169551"/>
-          </a:xfrm>
-          <a:prstGeom prst="rect">
-            <a:avLst/>
-          </a:prstGeom>
-          <a:noFill/>
-        </p:spPr>
-        <p:txBody>
-          <a:bodyPr wrap="square" rtlCol="0">
-            <a:spAutoFit/>
-          </a:bodyPr>
-          <a:lstStyle/>
-          <a:p>
-            <a:pPr marL="168275" indent="-168275">
-              <a:buFont typeface="Arial" panose="020B0604020202020204" pitchFamily="34" charset="0"/>
-              <a:buChar char="•"/>
-            </a:pPr>
-            <a:r>
-              <a:rPr lang="en-US" sz="1400" dirty="0">
-                <a:solidFill>
-                  <a:schemeClr val="bg1">
-                    <a:lumMod val="50000"/>
-                  </a:schemeClr>
-                </a:solidFill>
-              </a:rPr>
-              <a:t>DDoS</a:t>
-            </a:r>
-          </a:p>
-          <a:p>
-            <a:pPr marL="168275" indent="-168275">
-              <a:buFont typeface="Arial" panose="020B0604020202020204" pitchFamily="34" charset="0"/>
-              <a:buChar char="•"/>
-            </a:pPr>
-            <a:r>
-              <a:rPr lang="en-US" sz="1400" dirty="0">
-                <a:solidFill>
-                  <a:schemeClr val="bg1">
-                    <a:lumMod val="50000"/>
-                  </a:schemeClr>
-                </a:solidFill>
-              </a:rPr>
-              <a:t>Identity Pools</a:t>
-            </a:r>
-          </a:p>
-          <a:p>
-            <a:pPr marL="168275" indent="-168275">
-              <a:buFont typeface="Arial" panose="020B0604020202020204" pitchFamily="34" charset="0"/>
-              <a:buChar char="•"/>
-            </a:pPr>
-            <a:r>
-              <a:rPr lang="en-US" sz="1400" dirty="0">
-                <a:solidFill>
-                  <a:schemeClr val="bg1">
-                    <a:lumMod val="50000"/>
-                  </a:schemeClr>
-                </a:solidFill>
-              </a:rPr>
-              <a:t>Federated Identities</a:t>
-            </a:r>
-          </a:p>
-          <a:p>
-            <a:pPr marL="168275" indent="-168275">
-              <a:buFont typeface="Arial" panose="020B0604020202020204" pitchFamily="34" charset="0"/>
-              <a:buChar char="•"/>
-            </a:pPr>
-            <a:r>
-              <a:rPr lang="en-US" sz="1400" dirty="0">
-                <a:solidFill>
-                  <a:schemeClr val="bg1">
-                    <a:lumMod val="50000"/>
-                  </a:schemeClr>
-                </a:solidFill>
-              </a:rPr>
-              <a:t>IAM Policies</a:t>
-            </a:r>
-          </a:p>
-          <a:p>
-            <a:pPr marL="168275" indent="-168275">
-              <a:buFont typeface="Arial" panose="020B0604020202020204" pitchFamily="34" charset="0"/>
-              <a:buChar char="•"/>
-            </a:pPr>
-            <a:r>
-              <a:rPr lang="en-US" sz="1400" dirty="0">
-                <a:solidFill>
-                  <a:schemeClr val="bg1">
-                    <a:lumMod val="50000"/>
-                  </a:schemeClr>
-                </a:solidFill>
-              </a:rPr>
-              <a:t>Throttling</a:t>
-            </a:r>
-          </a:p>
-        </p:txBody>
-      </p:sp>
-      <p:sp>
-        <p:nvSpPr>
-          <p:cNvPr id="49" name="TextBox 48">
-            <a:extLst>
-              <a:ext uri="{FF2B5EF4-FFF2-40B4-BE49-F238E27FC236}">
-                <a16:creationId xmlns:a16="http://schemas.microsoft.com/office/drawing/2014/main" id="{B510D3A3-C39A-4770-AEE7-8499027373B6}"/>
-              </a:ext>
-            </a:extLst>
-          </p:cNvPr>
-          <p:cNvSpPr txBox="1"/>
-          <p:nvPr/>
-        </p:nvSpPr>
-        <p:spPr>
-          <a:xfrm>
-            <a:off x="7478791" y="5592909"/>
-            <a:ext cx="2193450" cy="523220"/>
-          </a:xfrm>
-          <a:prstGeom prst="rect">
-            <a:avLst/>
-          </a:prstGeom>
-          <a:noFill/>
-        </p:spPr>
-        <p:txBody>
-          <a:bodyPr wrap="square" rtlCol="0">
-            <a:spAutoFit/>
-          </a:bodyPr>
-          <a:lstStyle/>
-          <a:p>
-            <a:pPr marL="168275" indent="-168275">
-              <a:buFont typeface="Arial" panose="020B0604020202020204" pitchFamily="34" charset="0"/>
-              <a:buChar char="•"/>
-            </a:pPr>
-            <a:r>
-              <a:rPr lang="en-US" sz="1400" dirty="0">
-                <a:solidFill>
-                  <a:schemeClr val="bg1">
-                    <a:lumMod val="50000"/>
-                  </a:schemeClr>
-                </a:solidFill>
-              </a:rPr>
-              <a:t>RDS Proxy</a:t>
-            </a:r>
-          </a:p>
-          <a:p>
-            <a:pPr marL="168275" indent="-168275">
-              <a:buFont typeface="Arial" panose="020B0604020202020204" pitchFamily="34" charset="0"/>
-              <a:buChar char="•"/>
-            </a:pPr>
-            <a:r>
-              <a:rPr lang="en-US" sz="1400" dirty="0">
-                <a:solidFill>
-                  <a:schemeClr val="bg1">
-                    <a:lumMod val="50000"/>
-                  </a:schemeClr>
-                </a:solidFill>
-              </a:rPr>
-              <a:t>Secrets Manager</a:t>
-            </a:r>
-          </a:p>
-        </p:txBody>
-      </p:sp>
-      <p:sp>
-        <p:nvSpPr>
-          <p:cNvPr id="52" name="TextBox 51">
-            <a:extLst>
-              <a:ext uri="{FF2B5EF4-FFF2-40B4-BE49-F238E27FC236}">
-                <a16:creationId xmlns:a16="http://schemas.microsoft.com/office/drawing/2014/main" id="{22AA660C-4AA6-40F0-AE36-6E60289C4F3B}"/>
-              </a:ext>
-            </a:extLst>
-          </p:cNvPr>
-          <p:cNvSpPr txBox="1"/>
-          <p:nvPr/>
-        </p:nvSpPr>
-        <p:spPr>
-          <a:xfrm>
-            <a:off x="1592219" y="3676061"/>
-            <a:ext cx="1197612" cy="307777"/>
-          </a:xfrm>
-          <a:prstGeom prst="rect">
-            <a:avLst/>
-          </a:prstGeom>
-          <a:noFill/>
-        </p:spPr>
-        <p:txBody>
-          <a:bodyPr wrap="square" rtlCol="0">
-            <a:spAutoFit/>
-          </a:bodyPr>
-          <a:lstStyle/>
-          <a:p>
-            <a:pPr algn="ctr"/>
-            <a:r>
-              <a:rPr lang="en-US" sz="1400" dirty="0"/>
-              <a:t>Internet</a:t>
-            </a:r>
-          </a:p>
-        </p:txBody>
-      </p:sp>
-      <p:sp>
-        <p:nvSpPr>
-          <p:cNvPr id="54" name="TextBox 53">
-            <a:extLst>
-              <a:ext uri="{FF2B5EF4-FFF2-40B4-BE49-F238E27FC236}">
-                <a16:creationId xmlns:a16="http://schemas.microsoft.com/office/drawing/2014/main" id="{0A41713C-BF21-4DC7-8FC7-44B9C9F4C2C6}"/>
-              </a:ext>
-            </a:extLst>
-          </p:cNvPr>
-          <p:cNvSpPr txBox="1"/>
-          <p:nvPr/>
-        </p:nvSpPr>
-        <p:spPr>
-          <a:xfrm rot="18965878">
-            <a:off x="2672413" y="2437868"/>
-            <a:ext cx="1371600" cy="307777"/>
-          </a:xfrm>
-          <a:prstGeom prst="rect">
-            <a:avLst/>
-          </a:prstGeom>
-          <a:noFill/>
-        </p:spPr>
-        <p:txBody>
-          <a:bodyPr wrap="square" rtlCol="0">
-            <a:spAutoFit/>
-          </a:bodyPr>
-          <a:lstStyle/>
-          <a:p>
-            <a:pPr algn="ctr"/>
-            <a:r>
-              <a:rPr lang="en-US" sz="1400" dirty="0"/>
-              <a:t>Static Content</a:t>
-            </a:r>
-          </a:p>
-        </p:txBody>
-      </p:sp>
-      <p:sp>
-        <p:nvSpPr>
-          <p:cNvPr id="55" name="TextBox 54">
-            <a:extLst>
-              <a:ext uri="{FF2B5EF4-FFF2-40B4-BE49-F238E27FC236}">
-                <a16:creationId xmlns:a16="http://schemas.microsoft.com/office/drawing/2014/main" id="{89F621C8-0A0B-47BB-B005-200CCEF30CA9}"/>
-              </a:ext>
-            </a:extLst>
-          </p:cNvPr>
-          <p:cNvSpPr txBox="1"/>
-          <p:nvPr/>
-        </p:nvSpPr>
-        <p:spPr>
-          <a:xfrm rot="2054461">
-            <a:off x="2451797" y="3849405"/>
-            <a:ext cx="1797497" cy="307777"/>
-          </a:xfrm>
-          <a:prstGeom prst="rect">
-            <a:avLst/>
-          </a:prstGeom>
-          <a:noFill/>
-        </p:spPr>
-        <p:txBody>
-          <a:bodyPr wrap="square" rtlCol="0">
-            <a:spAutoFit/>
-          </a:bodyPr>
-          <a:lstStyle/>
-          <a:p>
-            <a:pPr algn="ctr"/>
-            <a:r>
-              <a:rPr lang="en-US" sz="1400" dirty="0"/>
-              <a:t>Dynamic Content</a:t>
-            </a:r>
-          </a:p>
-        </p:txBody>
-      </p:sp>
-      <p:cxnSp>
-        <p:nvCxnSpPr>
-          <p:cNvPr id="56" name="Straight Connector 55">
-            <a:extLst>
-              <a:ext uri="{FF2B5EF4-FFF2-40B4-BE49-F238E27FC236}">
-                <a16:creationId xmlns:a16="http://schemas.microsoft.com/office/drawing/2014/main" id="{28C7D840-DDB4-4621-B199-851D4F81E9D1}"/>
-              </a:ext>
-            </a:extLst>
-          </p:cNvPr>
-          <p:cNvCxnSpPr>
-            <a:endCxn id="1040" idx="1"/>
-          </p:cNvCxnSpPr>
-          <p:nvPr/>
-        </p:nvCxnSpPr>
-        <p:spPr>
-          <a:xfrm>
-            <a:off x="5247710" y="1992397"/>
-            <a:ext cx="876272" cy="0"/>
-          </a:xfrm>
-          <a:prstGeom prst="line">
-            <a:avLst/>
-          </a:prstGeom>
-          <a:ln w="15875">
-            <a:solidFill>
-              <a:schemeClr val="accent6"/>
-            </a:solidFill>
-          </a:ln>
-        </p:spPr>
-        <p:style>
-          <a:lnRef idx="1">
-            <a:schemeClr val="accent1"/>
-          </a:lnRef>
-          <a:fillRef idx="0">
-            <a:schemeClr val="accent1"/>
-          </a:fillRef>
-          <a:effectRef idx="0">
-            <a:schemeClr val="accent1"/>
-          </a:effectRef>
-          <a:fontRef idx="minor">
-            <a:schemeClr val="tx1"/>
-          </a:fontRef>
-        </p:style>
-      </p:cxnSp>
-      <p:cxnSp>
-        <p:nvCxnSpPr>
-          <p:cNvPr id="58" name="Straight Connector 57">
-            <a:extLst>
-              <a:ext uri="{FF2B5EF4-FFF2-40B4-BE49-F238E27FC236}">
-                <a16:creationId xmlns:a16="http://schemas.microsoft.com/office/drawing/2014/main" id="{6C27A863-6893-4319-886C-205088B54A70}"/>
-              </a:ext>
-            </a:extLst>
-          </p:cNvPr>
-          <p:cNvCxnSpPr/>
-          <p:nvPr/>
-        </p:nvCxnSpPr>
-        <p:spPr>
-          <a:xfrm>
-            <a:off x="5103332" y="4471454"/>
-            <a:ext cx="656871" cy="0"/>
-          </a:xfrm>
-          <a:prstGeom prst="line">
-            <a:avLst/>
-          </a:prstGeom>
-          <a:ln w="15875">
-            <a:solidFill>
-              <a:schemeClr val="accent6"/>
-            </a:solidFill>
-          </a:ln>
-        </p:spPr>
-        <p:style>
-          <a:lnRef idx="1">
-            <a:schemeClr val="accent1"/>
-          </a:lnRef>
-          <a:fillRef idx="0">
-            <a:schemeClr val="accent1"/>
-          </a:fillRef>
-          <a:effectRef idx="0">
-            <a:schemeClr val="accent1"/>
-          </a:effectRef>
-          <a:fontRef idx="minor">
-            <a:schemeClr val="tx1"/>
-          </a:fontRef>
-        </p:style>
-      </p:cxnSp>
-      <p:cxnSp>
-        <p:nvCxnSpPr>
-          <p:cNvPr id="60" name="Straight Connector 59">
-            <a:extLst>
-              <a:ext uri="{FF2B5EF4-FFF2-40B4-BE49-F238E27FC236}">
-                <a16:creationId xmlns:a16="http://schemas.microsoft.com/office/drawing/2014/main" id="{C6E4B55D-E070-4012-8FCA-2CD601CB0D06}"/>
-              </a:ext>
-            </a:extLst>
-          </p:cNvPr>
-          <p:cNvCxnSpPr>
-            <a:cxnSpLocks/>
-            <a:endCxn id="1046" idx="1"/>
-          </p:cNvCxnSpPr>
-          <p:nvPr/>
-        </p:nvCxnSpPr>
-        <p:spPr>
-          <a:xfrm>
-            <a:off x="7030044" y="4471454"/>
-            <a:ext cx="543894" cy="0"/>
-          </a:xfrm>
-          <a:prstGeom prst="line">
-            <a:avLst/>
-          </a:prstGeom>
-          <a:ln w="15875">
-            <a:solidFill>
-              <a:schemeClr val="accent6"/>
-            </a:solidFill>
-          </a:ln>
-        </p:spPr>
-        <p:style>
-          <a:lnRef idx="1">
-            <a:schemeClr val="accent1"/>
-          </a:lnRef>
-          <a:fillRef idx="0">
-            <a:schemeClr val="accent1"/>
-          </a:fillRef>
-          <a:effectRef idx="0">
-            <a:schemeClr val="accent1"/>
-          </a:effectRef>
-          <a:fontRef idx="minor">
-            <a:schemeClr val="tx1"/>
-          </a:fontRef>
-        </p:style>
-      </p:cxnSp>
-      <p:sp>
-        <p:nvSpPr>
-          <p:cNvPr id="74" name="TextBox 73">
-            <a:extLst>
-              <a:ext uri="{FF2B5EF4-FFF2-40B4-BE49-F238E27FC236}">
-                <a16:creationId xmlns:a16="http://schemas.microsoft.com/office/drawing/2014/main" id="{05A56991-DB41-4C38-8B79-410B8A4B02EC}"/>
-              </a:ext>
-            </a:extLst>
-          </p:cNvPr>
-          <p:cNvSpPr txBox="1"/>
-          <p:nvPr/>
-        </p:nvSpPr>
-        <p:spPr>
-          <a:xfrm>
-            <a:off x="5891574" y="5491846"/>
-            <a:ext cx="2193450" cy="738664"/>
-          </a:xfrm>
-          <a:prstGeom prst="rect">
-            <a:avLst/>
-          </a:prstGeom>
-          <a:noFill/>
-        </p:spPr>
-        <p:txBody>
-          <a:bodyPr wrap="square" rtlCol="0">
-            <a:spAutoFit/>
-          </a:bodyPr>
-          <a:lstStyle/>
-          <a:p>
-            <a:pPr marL="168275" indent="-168275">
-              <a:buFont typeface="Arial" panose="020B0604020202020204" pitchFamily="34" charset="0"/>
-              <a:buChar char="•"/>
-            </a:pPr>
-            <a:r>
-              <a:rPr lang="en-US" sz="1400" dirty="0">
-                <a:solidFill>
-                  <a:schemeClr val="bg1">
-                    <a:lumMod val="50000"/>
-                  </a:schemeClr>
-                </a:solidFill>
-              </a:rPr>
-              <a:t>Code reviews</a:t>
-            </a:r>
-          </a:p>
-          <a:p>
-            <a:pPr marL="168275" indent="-168275">
-              <a:buFont typeface="Arial" panose="020B0604020202020204" pitchFamily="34" charset="0"/>
-              <a:buChar char="•"/>
-            </a:pPr>
-            <a:r>
-              <a:rPr lang="en-US" sz="1400" dirty="0">
-                <a:solidFill>
-                  <a:schemeClr val="bg1">
-                    <a:lumMod val="50000"/>
-                  </a:schemeClr>
-                </a:solidFill>
-              </a:rPr>
-              <a:t>Security scans</a:t>
-            </a:r>
-          </a:p>
-          <a:p>
-            <a:pPr marL="168275" indent="-168275">
-              <a:buFont typeface="Arial" panose="020B0604020202020204" pitchFamily="34" charset="0"/>
-              <a:buChar char="•"/>
-            </a:pPr>
-            <a:r>
-              <a:rPr lang="en-US" sz="1400" dirty="0">
-                <a:solidFill>
-                  <a:schemeClr val="bg1">
-                    <a:lumMod val="50000"/>
-                  </a:schemeClr>
-                </a:solidFill>
-              </a:rPr>
-              <a:t>Static analysis</a:t>
-            </a:r>
-          </a:p>
-        </p:txBody>
-      </p:sp>
-      <p:sp>
-        <p:nvSpPr>
-          <p:cNvPr id="89" name="TextBox 88">
-            <a:extLst>
-              <a:ext uri="{FF2B5EF4-FFF2-40B4-BE49-F238E27FC236}">
-                <a16:creationId xmlns:a16="http://schemas.microsoft.com/office/drawing/2014/main" id="{252E9E61-7886-4086-9311-064DDF633D34}"/>
-              </a:ext>
-            </a:extLst>
-          </p:cNvPr>
-          <p:cNvSpPr txBox="1"/>
-          <p:nvPr/>
-        </p:nvSpPr>
-        <p:spPr>
-          <a:xfrm>
-            <a:off x="10593" y="6553979"/>
-            <a:ext cx="7188646" cy="276999"/>
-          </a:xfrm>
-          <a:prstGeom prst="rect">
-            <a:avLst/>
-          </a:prstGeom>
-          <a:noFill/>
-        </p:spPr>
-        <p:txBody>
-          <a:bodyPr wrap="square">
-            <a:spAutoFit/>
-          </a:bodyPr>
-          <a:lstStyle/>
-          <a:p>
-            <a:r>
-              <a:rPr lang="en-US" sz="1200" dirty="0"/>
-              <a:t>Reference: </a:t>
-            </a:r>
-            <a:r>
-              <a:rPr lang="en-US" sz="1200" dirty="0">
-                <a:hlinkClick r:id="rId12"/>
-              </a:rPr>
-              <a:t>https://www.youtube.com/watch?v=AV24RTvbgWA</a:t>
-            </a:r>
-            <a:r>
-              <a:rPr lang="en-US" sz="1200" dirty="0"/>
-              <a:t> </a:t>
-            </a:r>
-          </a:p>
-        </p:txBody>
-      </p:sp>
     </p:spTree>
     <p:extLst>
       <p:ext uri="{BB962C8B-B14F-4D97-AF65-F5344CB8AC3E}">
-        <p14:creationId xmlns:p14="http://schemas.microsoft.com/office/powerpoint/2010/main" val="283168004"/>
+        <p14:creationId xmlns:p14="http://schemas.microsoft.com/office/powerpoint/2010/main" val="1088665777"/>
       </p:ext>
     </p:extLst>
   </p:cSld>
@@ -7701,7 +6200,7 @@
         <p:spPr>
           <a:xfrm>
             <a:off x="390525" y="1457325"/>
-            <a:ext cx="8601075" cy="5201424"/>
+            <a:ext cx="8601075" cy="5262979"/>
           </a:xfrm>
           <a:prstGeom prst="rect">
             <a:avLst/>
@@ -7739,15 +6238,15 @@
               <a:buChar char="•"/>
             </a:pPr>
             <a:r>
-              <a:rPr lang="en-US" sz="1400" dirty="0">
+              <a:rPr lang="en-US" sz="1400">
                 <a:solidFill>
                   <a:srgbClr val="595959"/>
                 </a:solidFill>
                 <a:cs typeface="Arial"/>
               </a:rPr>
-              <a:t>Research and development of cloud technology and it can be used to train a model and make predictions on cloud infrastructure.  </a:t>
-            </a:r>
-            <a:endParaRPr lang="en-US" sz="1400" dirty="0">
+              <a:t>Research of cloud technology on how it can be used to deploy a machine learning model that is fronted by an API endpoint to make predictions on cloud infrastructure</a:t>
+            </a:r>
+            <a:endParaRPr lang="en-US" sz="1400">
               <a:solidFill>
                 <a:srgbClr val="000000"/>
               </a:solidFill>
@@ -7755,7 +6254,7 @@
             </a:endParaRPr>
           </a:p>
           <a:p>
-            <a:endParaRPr lang="en-US" sz="1000" dirty="0">
+            <a:endParaRPr lang="en-US" sz="1400" dirty="0">
               <a:solidFill>
                 <a:srgbClr val="595959"/>
               </a:solidFill>
@@ -8092,6 +6591,1681 @@
 </file>
 
 <file path=ppt/slides/slide20.xml><?xml version="1.0" encoding="utf-8"?>
+<p:sld xmlns:a="http://schemas.openxmlformats.org/drawingml/2006/main" xmlns:r="http://schemas.openxmlformats.org/officeDocument/2006/relationships" xmlns:p="http://schemas.openxmlformats.org/presentationml/2006/main">
+  <p:cSld>
+    <p:spTree>
+      <p:nvGrpSpPr>
+        <p:cNvPr id="1" name=""/>
+        <p:cNvGrpSpPr/>
+        <p:nvPr/>
+      </p:nvGrpSpPr>
+      <p:grpSpPr>
+        <a:xfrm>
+          <a:off x="0" y="0"/>
+          <a:ext cx="0" cy="0"/>
+          <a:chOff x="0" y="0"/>
+          <a:chExt cx="0" cy="0"/>
+        </a:xfrm>
+      </p:grpSpPr>
+      <p:sp>
+        <p:nvSpPr>
+          <p:cNvPr id="2" name="Title 1">
+            <a:extLst>
+              <a:ext uri="{FF2B5EF4-FFF2-40B4-BE49-F238E27FC236}">
+                <a16:creationId xmlns:a16="http://schemas.microsoft.com/office/drawing/2014/main" id="{CCCE867A-C4F6-495A-B5B9-8ECEC8380CB6}"/>
+              </a:ext>
+            </a:extLst>
+          </p:cNvPr>
+          <p:cNvSpPr>
+            <a:spLocks noGrp="1"/>
+          </p:cNvSpPr>
+          <p:nvPr>
+            <p:ph type="title"/>
+          </p:nvPr>
+        </p:nvSpPr>
+        <p:spPr>
+          <a:xfrm>
+            <a:off x="350195" y="228600"/>
+            <a:ext cx="8375515" cy="1143000"/>
+          </a:xfrm>
+        </p:spPr>
+        <p:txBody>
+          <a:bodyPr/>
+          <a:lstStyle/>
+          <a:p>
+            <a:r>
+              <a:rPr lang="en-US" dirty="0">
+                <a:cs typeface="Arial"/>
+              </a:rPr>
+              <a:t>Securing Serverless Applications</a:t>
+            </a:r>
+            <a:endParaRPr lang="en-US" dirty="0"/>
+          </a:p>
+        </p:txBody>
+      </p:sp>
+      <p:pic>
+        <p:nvPicPr>
+          <p:cNvPr id="1030" name="Picture 6" descr="Mobile App Icons - Download Free Vector Icons | Noun Project">
+            <a:extLst>
+              <a:ext uri="{FF2B5EF4-FFF2-40B4-BE49-F238E27FC236}">
+                <a16:creationId xmlns:a16="http://schemas.microsoft.com/office/drawing/2014/main" id="{8C201A74-AE53-4BFC-9D1C-442A42813565}"/>
+              </a:ext>
+            </a:extLst>
+          </p:cNvPr>
+          <p:cNvPicPr>
+            <a:picLocks noChangeAspect="1" noChangeArrowheads="1"/>
+          </p:cNvPicPr>
+          <p:nvPr/>
+        </p:nvPicPr>
+        <p:blipFill>
+          <a:blip r:embed="rId3">
+            <a:extLst>
+              <a:ext uri="{28A0092B-C50C-407E-A947-70E740481C1C}">
+                <a14:useLocalDpi xmlns:a14="http://schemas.microsoft.com/office/drawing/2010/main" val="0"/>
+              </a:ext>
+            </a:extLst>
+          </a:blip>
+          <a:srcRect/>
+          <a:stretch>
+            <a:fillRect/>
+          </a:stretch>
+        </p:blipFill>
+        <p:spPr bwMode="auto">
+          <a:xfrm>
+            <a:off x="220253" y="1421668"/>
+            <a:ext cx="952500" cy="952500"/>
+          </a:xfrm>
+          <a:prstGeom prst="rect">
+            <a:avLst/>
+          </a:prstGeom>
+          <a:noFill/>
+          <a:extLst>
+            <a:ext uri="{909E8E84-426E-40DD-AFC4-6F175D3DCCD1}">
+              <a14:hiddenFill xmlns:a14="http://schemas.microsoft.com/office/drawing/2010/main">
+                <a:solidFill>
+                  <a:srgbClr val="FFFFFF"/>
+                </a:solidFill>
+              </a14:hiddenFill>
+            </a:ext>
+          </a:extLst>
+        </p:spPr>
+      </p:pic>
+      <p:pic>
+        <p:nvPicPr>
+          <p:cNvPr id="1032" name="Picture 8" descr="Web - Free web icons">
+            <a:extLst>
+              <a:ext uri="{FF2B5EF4-FFF2-40B4-BE49-F238E27FC236}">
+                <a16:creationId xmlns:a16="http://schemas.microsoft.com/office/drawing/2014/main" id="{AB4BCFDE-C4E9-4D3B-B252-41B196F198A5}"/>
+              </a:ext>
+            </a:extLst>
+          </p:cNvPr>
+          <p:cNvPicPr>
+            <a:picLocks noChangeAspect="1" noChangeArrowheads="1"/>
+          </p:cNvPicPr>
+          <p:nvPr/>
+        </p:nvPicPr>
+        <p:blipFill>
+          <a:blip r:embed="rId4">
+            <a:extLst>
+              <a:ext uri="{28A0092B-C50C-407E-A947-70E740481C1C}">
+                <a14:useLocalDpi xmlns:a14="http://schemas.microsoft.com/office/drawing/2010/main" val="0"/>
+              </a:ext>
+            </a:extLst>
+          </a:blip>
+          <a:srcRect/>
+          <a:stretch>
+            <a:fillRect/>
+          </a:stretch>
+        </p:blipFill>
+        <p:spPr bwMode="auto">
+          <a:xfrm>
+            <a:off x="193034" y="2856497"/>
+            <a:ext cx="952501" cy="952501"/>
+          </a:xfrm>
+          <a:prstGeom prst="rect">
+            <a:avLst/>
+          </a:prstGeom>
+          <a:noFill/>
+          <a:extLst>
+            <a:ext uri="{909E8E84-426E-40DD-AFC4-6F175D3DCCD1}">
+              <a14:hiddenFill xmlns:a14="http://schemas.microsoft.com/office/drawing/2010/main">
+                <a:solidFill>
+                  <a:srgbClr val="FFFFFF"/>
+                </a:solidFill>
+              </a14:hiddenFill>
+            </a:ext>
+          </a:extLst>
+        </p:spPr>
+      </p:pic>
+      <p:pic>
+        <p:nvPicPr>
+          <p:cNvPr id="1034" name="Picture 10" descr="Some Examples of API Integration Pages In The Wild">
+            <a:extLst>
+              <a:ext uri="{FF2B5EF4-FFF2-40B4-BE49-F238E27FC236}">
+                <a16:creationId xmlns:a16="http://schemas.microsoft.com/office/drawing/2014/main" id="{91297945-3A20-4B07-99CF-DD3E999A0A90}"/>
+              </a:ext>
+            </a:extLst>
+          </p:cNvPr>
+          <p:cNvPicPr>
+            <a:picLocks noChangeAspect="1" noChangeArrowheads="1"/>
+          </p:cNvPicPr>
+          <p:nvPr/>
+        </p:nvPicPr>
+        <p:blipFill>
+          <a:blip r:embed="rId5">
+            <a:extLst>
+              <a:ext uri="{28A0092B-C50C-407E-A947-70E740481C1C}">
+                <a14:useLocalDpi xmlns:a14="http://schemas.microsoft.com/office/drawing/2010/main" val="0"/>
+              </a:ext>
+            </a:extLst>
+          </a:blip>
+          <a:srcRect/>
+          <a:stretch>
+            <a:fillRect/>
+          </a:stretch>
+        </p:blipFill>
+        <p:spPr bwMode="auto">
+          <a:xfrm>
+            <a:off x="194060" y="4388603"/>
+            <a:ext cx="1004887" cy="1138237"/>
+          </a:xfrm>
+          <a:prstGeom prst="rect">
+            <a:avLst/>
+          </a:prstGeom>
+          <a:noFill/>
+          <a:extLst>
+            <a:ext uri="{909E8E84-426E-40DD-AFC4-6F175D3DCCD1}">
+              <a14:hiddenFill xmlns:a14="http://schemas.microsoft.com/office/drawing/2010/main">
+                <a:solidFill>
+                  <a:srgbClr val="FFFFFF"/>
+                </a:solidFill>
+              </a14:hiddenFill>
+            </a:ext>
+          </a:extLst>
+        </p:spPr>
+      </p:pic>
+      <p:pic>
+        <p:nvPicPr>
+          <p:cNvPr id="1036" name="Picture 12" descr="Simple Cloud Icon Flat Base - Cloud Logo Black Clipart - Full Size Clipart  (#249700) - PinClipart">
+            <a:extLst>
+              <a:ext uri="{FF2B5EF4-FFF2-40B4-BE49-F238E27FC236}">
+                <a16:creationId xmlns:a16="http://schemas.microsoft.com/office/drawing/2014/main" id="{A30AFB06-E7AD-4F91-BB41-3633B94B2FF1}"/>
+              </a:ext>
+            </a:extLst>
+          </p:cNvPr>
+          <p:cNvPicPr>
+            <a:picLocks noChangeAspect="1" noChangeArrowheads="1"/>
+          </p:cNvPicPr>
+          <p:nvPr/>
+        </p:nvPicPr>
+        <p:blipFill>
+          <a:blip r:embed="rId6">
+            <a:extLst>
+              <a:ext uri="{28A0092B-C50C-407E-A947-70E740481C1C}">
+                <a14:useLocalDpi xmlns:a14="http://schemas.microsoft.com/office/drawing/2010/main" val="0"/>
+              </a:ext>
+            </a:extLst>
+          </a:blip>
+          <a:srcRect/>
+          <a:stretch>
+            <a:fillRect/>
+          </a:stretch>
+        </p:blipFill>
+        <p:spPr bwMode="auto">
+          <a:xfrm>
+            <a:off x="1668893" y="3019101"/>
+            <a:ext cx="1044264" cy="627394"/>
+          </a:xfrm>
+          <a:prstGeom prst="rect">
+            <a:avLst/>
+          </a:prstGeom>
+          <a:noFill/>
+          <a:extLst>
+            <a:ext uri="{909E8E84-426E-40DD-AFC4-6F175D3DCCD1}">
+              <a14:hiddenFill xmlns:a14="http://schemas.microsoft.com/office/drawing/2010/main">
+                <a:solidFill>
+                  <a:srgbClr val="FFFFFF"/>
+                </a:solidFill>
+              </a14:hiddenFill>
+            </a:ext>
+          </a:extLst>
+        </p:spPr>
+      </p:pic>
+      <p:pic>
+        <p:nvPicPr>
+          <p:cNvPr id="1038" name="Picture 14" descr="Amazon CloudFront with Drupal 8">
+            <a:extLst>
+              <a:ext uri="{FF2B5EF4-FFF2-40B4-BE49-F238E27FC236}">
+                <a16:creationId xmlns:a16="http://schemas.microsoft.com/office/drawing/2014/main" id="{56AB7DCE-6776-46FE-AE77-8B0FA0C51C55}"/>
+              </a:ext>
+            </a:extLst>
+          </p:cNvPr>
+          <p:cNvPicPr>
+            <a:picLocks noChangeAspect="1" noChangeArrowheads="1"/>
+          </p:cNvPicPr>
+          <p:nvPr/>
+        </p:nvPicPr>
+        <p:blipFill>
+          <a:blip r:embed="rId7">
+            <a:extLst>
+              <a:ext uri="{28A0092B-C50C-407E-A947-70E740481C1C}">
+                <a14:useLocalDpi xmlns:a14="http://schemas.microsoft.com/office/drawing/2010/main" val="0"/>
+              </a:ext>
+            </a:extLst>
+          </a:blip>
+          <a:srcRect/>
+          <a:stretch>
+            <a:fillRect/>
+          </a:stretch>
+        </p:blipFill>
+        <p:spPr bwMode="auto">
+          <a:xfrm>
+            <a:off x="3963104" y="1550305"/>
+            <a:ext cx="1554480" cy="892772"/>
+          </a:xfrm>
+          <a:prstGeom prst="rect">
+            <a:avLst/>
+          </a:prstGeom>
+          <a:noFill/>
+          <a:extLst>
+            <a:ext uri="{909E8E84-426E-40DD-AFC4-6F175D3DCCD1}">
+              <a14:hiddenFill xmlns:a14="http://schemas.microsoft.com/office/drawing/2010/main">
+                <a:solidFill>
+                  <a:srgbClr val="FFFFFF"/>
+                </a:solidFill>
+              </a14:hiddenFill>
+            </a:ext>
+          </a:extLst>
+        </p:spPr>
+      </p:pic>
+      <p:pic>
+        <p:nvPicPr>
+          <p:cNvPr id="1040" name="Picture 16" descr="Amazon S3 - Reviews, Pros &amp; Cons | Companies using Amazon S3">
+            <a:extLst>
+              <a:ext uri="{FF2B5EF4-FFF2-40B4-BE49-F238E27FC236}">
+                <a16:creationId xmlns:a16="http://schemas.microsoft.com/office/drawing/2014/main" id="{F3C51C17-40DA-4C8E-893D-B46955D2BA3A}"/>
+              </a:ext>
+            </a:extLst>
+          </p:cNvPr>
+          <p:cNvPicPr>
+            <a:picLocks noChangeAspect="1" noChangeArrowheads="1"/>
+          </p:cNvPicPr>
+          <p:nvPr/>
+        </p:nvPicPr>
+        <p:blipFill>
+          <a:blip r:embed="rId8">
+            <a:extLst>
+              <a:ext uri="{28A0092B-C50C-407E-A947-70E740481C1C}">
+                <a14:useLocalDpi xmlns:a14="http://schemas.microsoft.com/office/drawing/2010/main" val="0"/>
+              </a:ext>
+            </a:extLst>
+          </a:blip>
+          <a:srcRect/>
+          <a:stretch>
+            <a:fillRect/>
+          </a:stretch>
+        </p:blipFill>
+        <p:spPr bwMode="auto">
+          <a:xfrm>
+            <a:off x="6123982" y="1443757"/>
+            <a:ext cx="1097280" cy="1097280"/>
+          </a:xfrm>
+          <a:prstGeom prst="rect">
+            <a:avLst/>
+          </a:prstGeom>
+          <a:noFill/>
+          <a:extLst>
+            <a:ext uri="{909E8E84-426E-40DD-AFC4-6F175D3DCCD1}">
+              <a14:hiddenFill xmlns:a14="http://schemas.microsoft.com/office/drawing/2010/main">
+                <a:solidFill>
+                  <a:srgbClr val="FFFFFF"/>
+                </a:solidFill>
+              </a14:hiddenFill>
+            </a:ext>
+          </a:extLst>
+        </p:spPr>
+      </p:pic>
+      <p:pic>
+        <p:nvPicPr>
+          <p:cNvPr id="1042" name="Picture 18" descr="AWS Api Gateway Vector Logo - Download Free SVG Icon | Worldvectorlogo">
+            <a:extLst>
+              <a:ext uri="{FF2B5EF4-FFF2-40B4-BE49-F238E27FC236}">
+                <a16:creationId xmlns:a16="http://schemas.microsoft.com/office/drawing/2014/main" id="{67C2E511-7B0E-4E9B-9EFA-42E8E50766C2}"/>
+              </a:ext>
+            </a:extLst>
+          </p:cNvPr>
+          <p:cNvPicPr>
+            <a:picLocks noChangeAspect="1" noChangeArrowheads="1"/>
+          </p:cNvPicPr>
+          <p:nvPr/>
+        </p:nvPicPr>
+        <p:blipFill>
+          <a:blip r:embed="rId9">
+            <a:extLst>
+              <a:ext uri="{28A0092B-C50C-407E-A947-70E740481C1C}">
+                <a14:useLocalDpi xmlns:a14="http://schemas.microsoft.com/office/drawing/2010/main" val="0"/>
+              </a:ext>
+            </a:extLst>
+          </a:blip>
+          <a:srcRect/>
+          <a:stretch>
+            <a:fillRect/>
+          </a:stretch>
+        </p:blipFill>
+        <p:spPr bwMode="auto">
+          <a:xfrm>
+            <a:off x="4093046" y="3964945"/>
+            <a:ext cx="822960" cy="996426"/>
+          </a:xfrm>
+          <a:prstGeom prst="rect">
+            <a:avLst/>
+          </a:prstGeom>
+          <a:noFill/>
+          <a:extLst>
+            <a:ext uri="{909E8E84-426E-40DD-AFC4-6F175D3DCCD1}">
+              <a14:hiddenFill xmlns:a14="http://schemas.microsoft.com/office/drawing/2010/main">
+                <a:solidFill>
+                  <a:srgbClr val="FFFFFF"/>
+                </a:solidFill>
+              </a14:hiddenFill>
+            </a:ext>
+          </a:extLst>
+        </p:spPr>
+      </p:pic>
+      <p:pic>
+        <p:nvPicPr>
+          <p:cNvPr id="1044" name="Picture 20" descr="What is AWS Lambda or Serverless? | Hacker Noon">
+            <a:extLst>
+              <a:ext uri="{FF2B5EF4-FFF2-40B4-BE49-F238E27FC236}">
+                <a16:creationId xmlns:a16="http://schemas.microsoft.com/office/drawing/2014/main" id="{DBEB7C24-8331-4850-973B-672C9B171CD0}"/>
+              </a:ext>
+            </a:extLst>
+          </p:cNvPr>
+          <p:cNvPicPr>
+            <a:picLocks noChangeAspect="1" noChangeArrowheads="1"/>
+          </p:cNvPicPr>
+          <p:nvPr/>
+        </p:nvPicPr>
+        <p:blipFill>
+          <a:blip r:embed="rId10">
+            <a:extLst>
+              <a:ext uri="{28A0092B-C50C-407E-A947-70E740481C1C}">
+                <a14:useLocalDpi xmlns:a14="http://schemas.microsoft.com/office/drawing/2010/main" val="0"/>
+              </a:ext>
+            </a:extLst>
+          </a:blip>
+          <a:srcRect/>
+          <a:stretch>
+            <a:fillRect/>
+          </a:stretch>
+        </p:blipFill>
+        <p:spPr bwMode="auto">
+          <a:xfrm>
+            <a:off x="5653998" y="4059974"/>
+            <a:ext cx="1554480" cy="777240"/>
+          </a:xfrm>
+          <a:prstGeom prst="rect">
+            <a:avLst/>
+          </a:prstGeom>
+          <a:noFill/>
+          <a:extLst>
+            <a:ext uri="{909E8E84-426E-40DD-AFC4-6F175D3DCCD1}">
+              <a14:hiddenFill xmlns:a14="http://schemas.microsoft.com/office/drawing/2010/main">
+                <a:solidFill>
+                  <a:srgbClr val="FFFFFF"/>
+                </a:solidFill>
+              </a14:hiddenFill>
+            </a:ext>
+          </a:extLst>
+        </p:spPr>
+      </p:pic>
+      <p:pic>
+        <p:nvPicPr>
+          <p:cNvPr id="1046" name="Picture 22" descr="Amazon RDS | Cloud Relational Database | Amazon Web Services">
+            <a:extLst>
+              <a:ext uri="{FF2B5EF4-FFF2-40B4-BE49-F238E27FC236}">
+                <a16:creationId xmlns:a16="http://schemas.microsoft.com/office/drawing/2014/main" id="{E959BB83-F36D-43BE-AF70-B82B36E0A925}"/>
+              </a:ext>
+            </a:extLst>
+          </p:cNvPr>
+          <p:cNvPicPr>
+            <a:picLocks noChangeAspect="1" noChangeArrowheads="1"/>
+          </p:cNvPicPr>
+          <p:nvPr/>
+        </p:nvPicPr>
+        <p:blipFill>
+          <a:blip r:embed="rId11">
+            <a:extLst>
+              <a:ext uri="{28A0092B-C50C-407E-A947-70E740481C1C}">
+                <a14:useLocalDpi xmlns:a14="http://schemas.microsoft.com/office/drawing/2010/main" val="0"/>
+              </a:ext>
+            </a:extLst>
+          </a:blip>
+          <a:srcRect/>
+          <a:stretch>
+            <a:fillRect/>
+          </a:stretch>
+        </p:blipFill>
+        <p:spPr bwMode="auto">
+          <a:xfrm>
+            <a:off x="7573938" y="4059974"/>
+            <a:ext cx="822960" cy="822960"/>
+          </a:xfrm>
+          <a:prstGeom prst="rect">
+            <a:avLst/>
+          </a:prstGeom>
+          <a:noFill/>
+          <a:extLst>
+            <a:ext uri="{909E8E84-426E-40DD-AFC4-6F175D3DCCD1}">
+              <a14:hiddenFill xmlns:a14="http://schemas.microsoft.com/office/drawing/2010/main">
+                <a:solidFill>
+                  <a:srgbClr val="FFFFFF"/>
+                </a:solidFill>
+              </a14:hiddenFill>
+            </a:ext>
+          </a:extLst>
+        </p:spPr>
+      </p:pic>
+      <p:cxnSp>
+        <p:nvCxnSpPr>
+          <p:cNvPr id="7" name="Connector: Elbow 6">
+            <a:extLst>
+              <a:ext uri="{FF2B5EF4-FFF2-40B4-BE49-F238E27FC236}">
+                <a16:creationId xmlns:a16="http://schemas.microsoft.com/office/drawing/2014/main" id="{221D7B4C-0A37-4C33-A835-21D9D16684A8}"/>
+              </a:ext>
+            </a:extLst>
+          </p:cNvPr>
+          <p:cNvCxnSpPr>
+            <a:cxnSpLocks/>
+          </p:cNvCxnSpPr>
+          <p:nvPr/>
+        </p:nvCxnSpPr>
+        <p:spPr>
+          <a:xfrm>
+            <a:off x="1172753" y="1840768"/>
+            <a:ext cx="496140" cy="1434880"/>
+          </a:xfrm>
+          <a:prstGeom prst="bentConnector3">
+            <a:avLst>
+              <a:gd name="adj1" fmla="val 53840"/>
+            </a:avLst>
+          </a:prstGeom>
+          <a:ln w="15875">
+            <a:solidFill>
+              <a:schemeClr val="accent6"/>
+            </a:solidFill>
+            <a:tailEnd type="triangle"/>
+          </a:ln>
+        </p:spPr>
+        <p:style>
+          <a:lnRef idx="1">
+            <a:schemeClr val="accent1"/>
+          </a:lnRef>
+          <a:fillRef idx="0">
+            <a:schemeClr val="accent1"/>
+          </a:fillRef>
+          <a:effectRef idx="0">
+            <a:schemeClr val="accent1"/>
+          </a:effectRef>
+          <a:fontRef idx="minor">
+            <a:schemeClr val="tx1"/>
+          </a:fontRef>
+        </p:style>
+      </p:cxnSp>
+      <p:cxnSp>
+        <p:nvCxnSpPr>
+          <p:cNvPr id="10" name="Connector: Elbow 9">
+            <a:extLst>
+              <a:ext uri="{FF2B5EF4-FFF2-40B4-BE49-F238E27FC236}">
+                <a16:creationId xmlns:a16="http://schemas.microsoft.com/office/drawing/2014/main" id="{E541FF7F-C592-4E2A-B6D7-E3C83D00805B}"/>
+              </a:ext>
+            </a:extLst>
+          </p:cNvPr>
+          <p:cNvCxnSpPr>
+            <a:cxnSpLocks/>
+          </p:cNvCxnSpPr>
+          <p:nvPr/>
+        </p:nvCxnSpPr>
+        <p:spPr>
+          <a:xfrm flipV="1">
+            <a:off x="1198947" y="3399473"/>
+            <a:ext cx="469946" cy="1624924"/>
+          </a:xfrm>
+          <a:prstGeom prst="bentConnector3">
+            <a:avLst>
+              <a:gd name="adj1" fmla="val 50000"/>
+            </a:avLst>
+          </a:prstGeom>
+          <a:ln w="15875">
+            <a:solidFill>
+              <a:schemeClr val="accent6"/>
+            </a:solidFill>
+            <a:tailEnd type="triangle"/>
+          </a:ln>
+        </p:spPr>
+        <p:style>
+          <a:lnRef idx="1">
+            <a:schemeClr val="accent1"/>
+          </a:lnRef>
+          <a:fillRef idx="0">
+            <a:schemeClr val="accent1"/>
+          </a:fillRef>
+          <a:effectRef idx="0">
+            <a:schemeClr val="accent1"/>
+          </a:effectRef>
+          <a:fontRef idx="minor">
+            <a:schemeClr val="tx1"/>
+          </a:fontRef>
+        </p:style>
+      </p:cxnSp>
+      <p:cxnSp>
+        <p:nvCxnSpPr>
+          <p:cNvPr id="12" name="Straight Arrow Connector 11">
+            <a:extLst>
+              <a:ext uri="{FF2B5EF4-FFF2-40B4-BE49-F238E27FC236}">
+                <a16:creationId xmlns:a16="http://schemas.microsoft.com/office/drawing/2014/main" id="{38923CBB-07BF-4E48-9A0B-B8177FF7855C}"/>
+              </a:ext>
+            </a:extLst>
+          </p:cNvPr>
+          <p:cNvCxnSpPr>
+            <a:cxnSpLocks/>
+            <a:stCxn id="1032" idx="3"/>
+            <a:endCxn id="1036" idx="1"/>
+          </p:cNvCxnSpPr>
+          <p:nvPr/>
+        </p:nvCxnSpPr>
+        <p:spPr>
+          <a:xfrm>
+            <a:off x="1145535" y="3332748"/>
+            <a:ext cx="523358" cy="50"/>
+          </a:xfrm>
+          <a:prstGeom prst="straightConnector1">
+            <a:avLst/>
+          </a:prstGeom>
+          <a:ln w="15875">
+            <a:solidFill>
+              <a:schemeClr val="accent6"/>
+            </a:solidFill>
+            <a:tailEnd type="triangle"/>
+          </a:ln>
+        </p:spPr>
+        <p:style>
+          <a:lnRef idx="1">
+            <a:schemeClr val="accent1"/>
+          </a:lnRef>
+          <a:fillRef idx="0">
+            <a:schemeClr val="accent1"/>
+          </a:fillRef>
+          <a:effectRef idx="0">
+            <a:schemeClr val="accent1"/>
+          </a:effectRef>
+          <a:fontRef idx="minor">
+            <a:schemeClr val="tx1"/>
+          </a:fontRef>
+        </p:style>
+      </p:cxnSp>
+      <p:cxnSp>
+        <p:nvCxnSpPr>
+          <p:cNvPr id="24" name="Straight Connector 23">
+            <a:extLst>
+              <a:ext uri="{FF2B5EF4-FFF2-40B4-BE49-F238E27FC236}">
+                <a16:creationId xmlns:a16="http://schemas.microsoft.com/office/drawing/2014/main" id="{A315381B-3799-482A-BF5D-ED926EC0BB02}"/>
+              </a:ext>
+            </a:extLst>
+          </p:cNvPr>
+          <p:cNvCxnSpPr>
+            <a:cxnSpLocks/>
+          </p:cNvCxnSpPr>
+          <p:nvPr/>
+        </p:nvCxnSpPr>
+        <p:spPr>
+          <a:xfrm flipV="1">
+            <a:off x="2854469" y="2202644"/>
+            <a:ext cx="1161903" cy="1092479"/>
+          </a:xfrm>
+          <a:prstGeom prst="line">
+            <a:avLst/>
+          </a:prstGeom>
+          <a:ln w="15875">
+            <a:solidFill>
+              <a:schemeClr val="accent6"/>
+            </a:solidFill>
+          </a:ln>
+        </p:spPr>
+        <p:style>
+          <a:lnRef idx="1">
+            <a:schemeClr val="accent1"/>
+          </a:lnRef>
+          <a:fillRef idx="0">
+            <a:schemeClr val="accent1"/>
+          </a:fillRef>
+          <a:effectRef idx="0">
+            <a:schemeClr val="accent1"/>
+          </a:effectRef>
+          <a:fontRef idx="minor">
+            <a:schemeClr val="tx1"/>
+          </a:fontRef>
+        </p:style>
+      </p:cxnSp>
+      <p:cxnSp>
+        <p:nvCxnSpPr>
+          <p:cNvPr id="26" name="Straight Connector 25">
+            <a:extLst>
+              <a:ext uri="{FF2B5EF4-FFF2-40B4-BE49-F238E27FC236}">
+                <a16:creationId xmlns:a16="http://schemas.microsoft.com/office/drawing/2014/main" id="{6FA34BFD-7369-4E05-B439-1D34365008E9}"/>
+              </a:ext>
+            </a:extLst>
+          </p:cNvPr>
+          <p:cNvCxnSpPr>
+            <a:cxnSpLocks/>
+          </p:cNvCxnSpPr>
+          <p:nvPr/>
+        </p:nvCxnSpPr>
+        <p:spPr>
+          <a:xfrm>
+            <a:off x="2854469" y="3476609"/>
+            <a:ext cx="1161903" cy="763657"/>
+          </a:xfrm>
+          <a:prstGeom prst="line">
+            <a:avLst/>
+          </a:prstGeom>
+          <a:ln w="15875">
+            <a:solidFill>
+              <a:schemeClr val="accent6"/>
+            </a:solidFill>
+          </a:ln>
+        </p:spPr>
+        <p:style>
+          <a:lnRef idx="1">
+            <a:schemeClr val="accent1"/>
+          </a:lnRef>
+          <a:fillRef idx="0">
+            <a:schemeClr val="accent1"/>
+          </a:fillRef>
+          <a:effectRef idx="0">
+            <a:schemeClr val="accent1"/>
+          </a:effectRef>
+          <a:fontRef idx="minor">
+            <a:schemeClr val="tx1"/>
+          </a:fontRef>
+        </p:style>
+      </p:cxnSp>
+      <p:sp>
+        <p:nvSpPr>
+          <p:cNvPr id="27" name="TextBox 26">
+            <a:extLst>
+              <a:ext uri="{FF2B5EF4-FFF2-40B4-BE49-F238E27FC236}">
+                <a16:creationId xmlns:a16="http://schemas.microsoft.com/office/drawing/2014/main" id="{3F4E3A72-5EA5-4280-B18C-72C9338DEA3D}"/>
+              </a:ext>
+            </a:extLst>
+          </p:cNvPr>
+          <p:cNvSpPr txBox="1"/>
+          <p:nvPr/>
+        </p:nvSpPr>
+        <p:spPr>
+          <a:xfrm>
+            <a:off x="97697" y="2289657"/>
+            <a:ext cx="1197612" cy="307777"/>
+          </a:xfrm>
+          <a:prstGeom prst="rect">
+            <a:avLst/>
+          </a:prstGeom>
+          <a:noFill/>
+        </p:spPr>
+        <p:txBody>
+          <a:bodyPr wrap="square" rtlCol="0">
+            <a:spAutoFit/>
+          </a:bodyPr>
+          <a:lstStyle/>
+          <a:p>
+            <a:pPr algn="ctr"/>
+            <a:r>
+              <a:rPr lang="en-US" sz="1400" dirty="0"/>
+              <a:t>Mobile Apps</a:t>
+            </a:r>
+          </a:p>
+        </p:txBody>
+      </p:sp>
+      <p:sp>
+        <p:nvSpPr>
+          <p:cNvPr id="39" name="TextBox 38">
+            <a:extLst>
+              <a:ext uri="{FF2B5EF4-FFF2-40B4-BE49-F238E27FC236}">
+                <a16:creationId xmlns:a16="http://schemas.microsoft.com/office/drawing/2014/main" id="{3B85633E-6DD6-485A-8BF9-A67B9BF2C4B0}"/>
+              </a:ext>
+            </a:extLst>
+          </p:cNvPr>
+          <p:cNvSpPr txBox="1"/>
+          <p:nvPr/>
+        </p:nvSpPr>
+        <p:spPr>
+          <a:xfrm>
+            <a:off x="70478" y="3831438"/>
+            <a:ext cx="1197612" cy="307777"/>
+          </a:xfrm>
+          <a:prstGeom prst="rect">
+            <a:avLst/>
+          </a:prstGeom>
+          <a:noFill/>
+        </p:spPr>
+        <p:txBody>
+          <a:bodyPr wrap="square" rtlCol="0">
+            <a:spAutoFit/>
+          </a:bodyPr>
+          <a:lstStyle/>
+          <a:p>
+            <a:pPr algn="ctr"/>
+            <a:r>
+              <a:rPr lang="en-US" sz="1400" dirty="0"/>
+              <a:t>Websites</a:t>
+            </a:r>
+          </a:p>
+        </p:txBody>
+      </p:sp>
+      <p:sp>
+        <p:nvSpPr>
+          <p:cNvPr id="40" name="TextBox 39">
+            <a:extLst>
+              <a:ext uri="{FF2B5EF4-FFF2-40B4-BE49-F238E27FC236}">
+                <a16:creationId xmlns:a16="http://schemas.microsoft.com/office/drawing/2014/main" id="{AA2B4755-43C9-4E18-8F52-1A91204F30B9}"/>
+              </a:ext>
+            </a:extLst>
+          </p:cNvPr>
+          <p:cNvSpPr txBox="1"/>
+          <p:nvPr/>
+        </p:nvSpPr>
+        <p:spPr>
+          <a:xfrm>
+            <a:off x="97697" y="5496657"/>
+            <a:ext cx="1197612" cy="523220"/>
+          </a:xfrm>
+          <a:prstGeom prst="rect">
+            <a:avLst/>
+          </a:prstGeom>
+          <a:noFill/>
+        </p:spPr>
+        <p:txBody>
+          <a:bodyPr wrap="square" rtlCol="0">
+            <a:spAutoFit/>
+          </a:bodyPr>
+          <a:lstStyle/>
+          <a:p>
+            <a:pPr algn="ctr"/>
+            <a:r>
+              <a:rPr lang="en-US" sz="1400" dirty="0"/>
+              <a:t>3</a:t>
+            </a:r>
+            <a:r>
+              <a:rPr lang="en-US" sz="1400" baseline="30000" dirty="0"/>
+              <a:t>rd</a:t>
+            </a:r>
+            <a:r>
+              <a:rPr lang="en-US" sz="1400" dirty="0"/>
+              <a:t> Party Services</a:t>
+            </a:r>
+          </a:p>
+        </p:txBody>
+      </p:sp>
+      <p:sp>
+        <p:nvSpPr>
+          <p:cNvPr id="41" name="TextBox 40">
+            <a:extLst>
+              <a:ext uri="{FF2B5EF4-FFF2-40B4-BE49-F238E27FC236}">
+                <a16:creationId xmlns:a16="http://schemas.microsoft.com/office/drawing/2014/main" id="{2C43353E-2266-4AA0-A4DF-85FB59DF525F}"/>
+              </a:ext>
+            </a:extLst>
+          </p:cNvPr>
+          <p:cNvSpPr txBox="1"/>
+          <p:nvPr/>
+        </p:nvSpPr>
+        <p:spPr>
+          <a:xfrm>
+            <a:off x="3997160" y="2325480"/>
+            <a:ext cx="1197612" cy="523220"/>
+          </a:xfrm>
+          <a:prstGeom prst="rect">
+            <a:avLst/>
+          </a:prstGeom>
+          <a:noFill/>
+        </p:spPr>
+        <p:txBody>
+          <a:bodyPr wrap="square" rtlCol="0">
+            <a:spAutoFit/>
+          </a:bodyPr>
+          <a:lstStyle/>
+          <a:p>
+            <a:pPr algn="ctr"/>
+            <a:r>
+              <a:rPr lang="en-US" sz="1400" dirty="0"/>
+              <a:t>Amazon CloudFront</a:t>
+            </a:r>
+          </a:p>
+        </p:txBody>
+      </p:sp>
+      <p:sp>
+        <p:nvSpPr>
+          <p:cNvPr id="42" name="TextBox 41">
+            <a:extLst>
+              <a:ext uri="{FF2B5EF4-FFF2-40B4-BE49-F238E27FC236}">
+                <a16:creationId xmlns:a16="http://schemas.microsoft.com/office/drawing/2014/main" id="{956E2815-5FFE-4873-AD71-5B51EB19409C}"/>
+              </a:ext>
+            </a:extLst>
+          </p:cNvPr>
+          <p:cNvSpPr txBox="1"/>
+          <p:nvPr/>
+        </p:nvSpPr>
+        <p:spPr>
+          <a:xfrm>
+            <a:off x="6073816" y="2432300"/>
+            <a:ext cx="1197612" cy="307777"/>
+          </a:xfrm>
+          <a:prstGeom prst="rect">
+            <a:avLst/>
+          </a:prstGeom>
+          <a:noFill/>
+        </p:spPr>
+        <p:txBody>
+          <a:bodyPr wrap="square" rtlCol="0">
+            <a:spAutoFit/>
+          </a:bodyPr>
+          <a:lstStyle/>
+          <a:p>
+            <a:pPr algn="ctr"/>
+            <a:r>
+              <a:rPr lang="en-US" sz="1400" dirty="0"/>
+              <a:t>Amazon S3</a:t>
+            </a:r>
+          </a:p>
+        </p:txBody>
+      </p:sp>
+      <p:sp>
+        <p:nvSpPr>
+          <p:cNvPr id="43" name="TextBox 42">
+            <a:extLst>
+              <a:ext uri="{FF2B5EF4-FFF2-40B4-BE49-F238E27FC236}">
+                <a16:creationId xmlns:a16="http://schemas.microsoft.com/office/drawing/2014/main" id="{B9B5033B-D03B-45E5-9121-5522F7555F5A}"/>
+              </a:ext>
+            </a:extLst>
+          </p:cNvPr>
+          <p:cNvSpPr txBox="1"/>
+          <p:nvPr/>
+        </p:nvSpPr>
+        <p:spPr>
+          <a:xfrm>
+            <a:off x="3905720" y="4978930"/>
+            <a:ext cx="1197612" cy="523220"/>
+          </a:xfrm>
+          <a:prstGeom prst="rect">
+            <a:avLst/>
+          </a:prstGeom>
+          <a:noFill/>
+        </p:spPr>
+        <p:txBody>
+          <a:bodyPr wrap="square" rtlCol="0">
+            <a:spAutoFit/>
+          </a:bodyPr>
+          <a:lstStyle/>
+          <a:p>
+            <a:pPr algn="ctr"/>
+            <a:r>
+              <a:rPr lang="en-US" sz="1400" dirty="0"/>
+              <a:t>Amazon API Gateway</a:t>
+            </a:r>
+          </a:p>
+        </p:txBody>
+      </p:sp>
+      <p:sp>
+        <p:nvSpPr>
+          <p:cNvPr id="44" name="TextBox 43">
+            <a:extLst>
+              <a:ext uri="{FF2B5EF4-FFF2-40B4-BE49-F238E27FC236}">
+                <a16:creationId xmlns:a16="http://schemas.microsoft.com/office/drawing/2014/main" id="{C1C45F2E-475F-4340-ACF7-FF3DE927ABCF}"/>
+              </a:ext>
+            </a:extLst>
+          </p:cNvPr>
+          <p:cNvSpPr txBox="1"/>
+          <p:nvPr/>
+        </p:nvSpPr>
+        <p:spPr>
+          <a:xfrm>
+            <a:off x="5832432" y="4941935"/>
+            <a:ext cx="1197612" cy="523220"/>
+          </a:xfrm>
+          <a:prstGeom prst="rect">
+            <a:avLst/>
+          </a:prstGeom>
+          <a:noFill/>
+        </p:spPr>
+        <p:txBody>
+          <a:bodyPr wrap="square" rtlCol="0">
+            <a:spAutoFit/>
+          </a:bodyPr>
+          <a:lstStyle/>
+          <a:p>
+            <a:pPr algn="ctr"/>
+            <a:r>
+              <a:rPr lang="en-US" sz="1400" dirty="0"/>
+              <a:t>AWS Lambda</a:t>
+            </a:r>
+          </a:p>
+        </p:txBody>
+      </p:sp>
+      <p:sp>
+        <p:nvSpPr>
+          <p:cNvPr id="45" name="TextBox 44">
+            <a:extLst>
+              <a:ext uri="{FF2B5EF4-FFF2-40B4-BE49-F238E27FC236}">
+                <a16:creationId xmlns:a16="http://schemas.microsoft.com/office/drawing/2014/main" id="{638C29BA-F3E8-46FA-B44A-06C72C48909C}"/>
+              </a:ext>
+            </a:extLst>
+          </p:cNvPr>
+          <p:cNvSpPr txBox="1"/>
+          <p:nvPr/>
+        </p:nvSpPr>
+        <p:spPr>
+          <a:xfrm>
+            <a:off x="7386612" y="4903673"/>
+            <a:ext cx="1197612" cy="523220"/>
+          </a:xfrm>
+          <a:prstGeom prst="rect">
+            <a:avLst/>
+          </a:prstGeom>
+          <a:noFill/>
+        </p:spPr>
+        <p:txBody>
+          <a:bodyPr wrap="square" rtlCol="0">
+            <a:spAutoFit/>
+          </a:bodyPr>
+          <a:lstStyle/>
+          <a:p>
+            <a:pPr algn="ctr"/>
+            <a:r>
+              <a:rPr lang="en-US" sz="1400" dirty="0"/>
+              <a:t>Amazon RDS</a:t>
+            </a:r>
+          </a:p>
+        </p:txBody>
+      </p:sp>
+      <p:sp>
+        <p:nvSpPr>
+          <p:cNvPr id="28" name="TextBox 27">
+            <a:extLst>
+              <a:ext uri="{FF2B5EF4-FFF2-40B4-BE49-F238E27FC236}">
+                <a16:creationId xmlns:a16="http://schemas.microsoft.com/office/drawing/2014/main" id="{5ED1AE66-F9AA-4211-8B9D-E7F513CDA000}"/>
+              </a:ext>
+            </a:extLst>
+          </p:cNvPr>
+          <p:cNvSpPr txBox="1"/>
+          <p:nvPr/>
+        </p:nvSpPr>
+        <p:spPr>
+          <a:xfrm>
+            <a:off x="4054136" y="2875952"/>
+            <a:ext cx="1706067" cy="738664"/>
+          </a:xfrm>
+          <a:prstGeom prst="rect">
+            <a:avLst/>
+          </a:prstGeom>
+          <a:noFill/>
+        </p:spPr>
+        <p:txBody>
+          <a:bodyPr wrap="square" rtlCol="0">
+            <a:spAutoFit/>
+          </a:bodyPr>
+          <a:lstStyle/>
+          <a:p>
+            <a:pPr marL="168275" indent="-168275">
+              <a:buFont typeface="Arial" panose="020B0604020202020204" pitchFamily="34" charset="0"/>
+              <a:buChar char="•"/>
+            </a:pPr>
+            <a:r>
+              <a:rPr lang="en-US" sz="1400" dirty="0">
+                <a:solidFill>
+                  <a:schemeClr val="bg1">
+                    <a:lumMod val="50000"/>
+                  </a:schemeClr>
+                </a:solidFill>
+              </a:rPr>
+              <a:t>Geo-Restriction</a:t>
+            </a:r>
+          </a:p>
+          <a:p>
+            <a:pPr marL="168275" indent="-168275">
+              <a:buFont typeface="Arial" panose="020B0604020202020204" pitchFamily="34" charset="0"/>
+              <a:buChar char="•"/>
+            </a:pPr>
+            <a:r>
+              <a:rPr lang="en-US" sz="1400" dirty="0">
+                <a:solidFill>
+                  <a:schemeClr val="bg1">
+                    <a:lumMod val="50000"/>
+                  </a:schemeClr>
+                </a:solidFill>
+              </a:rPr>
+              <a:t>Private Content</a:t>
+            </a:r>
+          </a:p>
+          <a:p>
+            <a:pPr marL="168275" indent="-168275">
+              <a:buFont typeface="Arial" panose="020B0604020202020204" pitchFamily="34" charset="0"/>
+              <a:buChar char="•"/>
+            </a:pPr>
+            <a:r>
+              <a:rPr lang="en-US" sz="1400" dirty="0">
+                <a:solidFill>
+                  <a:schemeClr val="bg1">
+                    <a:lumMod val="50000"/>
+                  </a:schemeClr>
+                </a:solidFill>
+              </a:rPr>
+              <a:t>DDoS</a:t>
+            </a:r>
+          </a:p>
+        </p:txBody>
+      </p:sp>
+      <p:sp>
+        <p:nvSpPr>
+          <p:cNvPr id="47" name="TextBox 46">
+            <a:extLst>
+              <a:ext uri="{FF2B5EF4-FFF2-40B4-BE49-F238E27FC236}">
+                <a16:creationId xmlns:a16="http://schemas.microsoft.com/office/drawing/2014/main" id="{08A32DB3-B518-481A-A104-47CAD17B750F}"/>
+              </a:ext>
+            </a:extLst>
+          </p:cNvPr>
+          <p:cNvSpPr txBox="1"/>
+          <p:nvPr/>
+        </p:nvSpPr>
+        <p:spPr>
+          <a:xfrm>
+            <a:off x="6073816" y="2916305"/>
+            <a:ext cx="1706067" cy="523220"/>
+          </a:xfrm>
+          <a:prstGeom prst="rect">
+            <a:avLst/>
+          </a:prstGeom>
+          <a:noFill/>
+        </p:spPr>
+        <p:txBody>
+          <a:bodyPr wrap="square" rtlCol="0">
+            <a:spAutoFit/>
+          </a:bodyPr>
+          <a:lstStyle/>
+          <a:p>
+            <a:pPr marL="168275" indent="-168275">
+              <a:buFont typeface="Arial" panose="020B0604020202020204" pitchFamily="34" charset="0"/>
+              <a:buChar char="•"/>
+            </a:pPr>
+            <a:r>
+              <a:rPr lang="en-US" sz="1400" dirty="0">
+                <a:solidFill>
+                  <a:schemeClr val="bg1">
+                    <a:lumMod val="50000"/>
+                  </a:schemeClr>
+                </a:solidFill>
+              </a:rPr>
+              <a:t>Bucket Policies</a:t>
+            </a:r>
+          </a:p>
+          <a:p>
+            <a:pPr marL="168275" indent="-168275">
+              <a:buFont typeface="Arial" panose="020B0604020202020204" pitchFamily="34" charset="0"/>
+              <a:buChar char="•"/>
+            </a:pPr>
+            <a:r>
+              <a:rPr lang="en-US" sz="1400" dirty="0">
+                <a:solidFill>
+                  <a:schemeClr val="bg1">
+                    <a:lumMod val="50000"/>
+                  </a:schemeClr>
+                </a:solidFill>
+              </a:rPr>
+              <a:t>ACLs</a:t>
+            </a:r>
+          </a:p>
+        </p:txBody>
+      </p:sp>
+      <p:sp>
+        <p:nvSpPr>
+          <p:cNvPr id="48" name="TextBox 47">
+            <a:extLst>
+              <a:ext uri="{FF2B5EF4-FFF2-40B4-BE49-F238E27FC236}">
+                <a16:creationId xmlns:a16="http://schemas.microsoft.com/office/drawing/2014/main" id="{C3B0A923-D36B-45DB-A73A-8C927232AE00}"/>
+              </a:ext>
+            </a:extLst>
+          </p:cNvPr>
+          <p:cNvSpPr txBox="1"/>
+          <p:nvPr/>
+        </p:nvSpPr>
+        <p:spPr>
+          <a:xfrm>
+            <a:off x="3891213" y="5500738"/>
+            <a:ext cx="2193450" cy="1169551"/>
+          </a:xfrm>
+          <a:prstGeom prst="rect">
+            <a:avLst/>
+          </a:prstGeom>
+          <a:noFill/>
+        </p:spPr>
+        <p:txBody>
+          <a:bodyPr wrap="square" rtlCol="0">
+            <a:spAutoFit/>
+          </a:bodyPr>
+          <a:lstStyle/>
+          <a:p>
+            <a:pPr marL="168275" indent="-168275">
+              <a:buFont typeface="Arial" panose="020B0604020202020204" pitchFamily="34" charset="0"/>
+              <a:buChar char="•"/>
+            </a:pPr>
+            <a:r>
+              <a:rPr lang="en-US" sz="1400" dirty="0">
+                <a:solidFill>
+                  <a:schemeClr val="bg1">
+                    <a:lumMod val="50000"/>
+                  </a:schemeClr>
+                </a:solidFill>
+              </a:rPr>
+              <a:t>DDoS</a:t>
+            </a:r>
+          </a:p>
+          <a:p>
+            <a:pPr marL="168275" indent="-168275">
+              <a:buFont typeface="Arial" panose="020B0604020202020204" pitchFamily="34" charset="0"/>
+              <a:buChar char="•"/>
+            </a:pPr>
+            <a:r>
+              <a:rPr lang="en-US" sz="1400" dirty="0">
+                <a:solidFill>
+                  <a:schemeClr val="bg1">
+                    <a:lumMod val="50000"/>
+                  </a:schemeClr>
+                </a:solidFill>
+              </a:rPr>
+              <a:t>Identity Pools</a:t>
+            </a:r>
+          </a:p>
+          <a:p>
+            <a:pPr marL="168275" indent="-168275">
+              <a:buFont typeface="Arial" panose="020B0604020202020204" pitchFamily="34" charset="0"/>
+              <a:buChar char="•"/>
+            </a:pPr>
+            <a:r>
+              <a:rPr lang="en-US" sz="1400" dirty="0">
+                <a:solidFill>
+                  <a:schemeClr val="bg1">
+                    <a:lumMod val="50000"/>
+                  </a:schemeClr>
+                </a:solidFill>
+              </a:rPr>
+              <a:t>Federated Identities</a:t>
+            </a:r>
+          </a:p>
+          <a:p>
+            <a:pPr marL="168275" indent="-168275">
+              <a:buFont typeface="Arial" panose="020B0604020202020204" pitchFamily="34" charset="0"/>
+              <a:buChar char="•"/>
+            </a:pPr>
+            <a:r>
+              <a:rPr lang="en-US" sz="1400" dirty="0">
+                <a:solidFill>
+                  <a:schemeClr val="bg1">
+                    <a:lumMod val="50000"/>
+                  </a:schemeClr>
+                </a:solidFill>
+              </a:rPr>
+              <a:t>IAM Policies</a:t>
+            </a:r>
+          </a:p>
+          <a:p>
+            <a:pPr marL="168275" indent="-168275">
+              <a:buFont typeface="Arial" panose="020B0604020202020204" pitchFamily="34" charset="0"/>
+              <a:buChar char="•"/>
+            </a:pPr>
+            <a:r>
+              <a:rPr lang="en-US" sz="1400" dirty="0">
+                <a:solidFill>
+                  <a:schemeClr val="bg1">
+                    <a:lumMod val="50000"/>
+                  </a:schemeClr>
+                </a:solidFill>
+              </a:rPr>
+              <a:t>Throttling</a:t>
+            </a:r>
+          </a:p>
+        </p:txBody>
+      </p:sp>
+      <p:sp>
+        <p:nvSpPr>
+          <p:cNvPr id="49" name="TextBox 48">
+            <a:extLst>
+              <a:ext uri="{FF2B5EF4-FFF2-40B4-BE49-F238E27FC236}">
+                <a16:creationId xmlns:a16="http://schemas.microsoft.com/office/drawing/2014/main" id="{B510D3A3-C39A-4770-AEE7-8499027373B6}"/>
+              </a:ext>
+            </a:extLst>
+          </p:cNvPr>
+          <p:cNvSpPr txBox="1"/>
+          <p:nvPr/>
+        </p:nvSpPr>
+        <p:spPr>
+          <a:xfrm>
+            <a:off x="7478791" y="5592909"/>
+            <a:ext cx="2193450" cy="523220"/>
+          </a:xfrm>
+          <a:prstGeom prst="rect">
+            <a:avLst/>
+          </a:prstGeom>
+          <a:noFill/>
+        </p:spPr>
+        <p:txBody>
+          <a:bodyPr wrap="square" rtlCol="0">
+            <a:spAutoFit/>
+          </a:bodyPr>
+          <a:lstStyle/>
+          <a:p>
+            <a:pPr marL="168275" indent="-168275">
+              <a:buFont typeface="Arial" panose="020B0604020202020204" pitchFamily="34" charset="0"/>
+              <a:buChar char="•"/>
+            </a:pPr>
+            <a:r>
+              <a:rPr lang="en-US" sz="1400" dirty="0">
+                <a:solidFill>
+                  <a:schemeClr val="bg1">
+                    <a:lumMod val="50000"/>
+                  </a:schemeClr>
+                </a:solidFill>
+              </a:rPr>
+              <a:t>RDS Proxy</a:t>
+            </a:r>
+          </a:p>
+          <a:p>
+            <a:pPr marL="168275" indent="-168275">
+              <a:buFont typeface="Arial" panose="020B0604020202020204" pitchFamily="34" charset="0"/>
+              <a:buChar char="•"/>
+            </a:pPr>
+            <a:r>
+              <a:rPr lang="en-US" sz="1400" dirty="0">
+                <a:solidFill>
+                  <a:schemeClr val="bg1">
+                    <a:lumMod val="50000"/>
+                  </a:schemeClr>
+                </a:solidFill>
+              </a:rPr>
+              <a:t>Secrets Manager</a:t>
+            </a:r>
+          </a:p>
+        </p:txBody>
+      </p:sp>
+      <p:sp>
+        <p:nvSpPr>
+          <p:cNvPr id="52" name="TextBox 51">
+            <a:extLst>
+              <a:ext uri="{FF2B5EF4-FFF2-40B4-BE49-F238E27FC236}">
+                <a16:creationId xmlns:a16="http://schemas.microsoft.com/office/drawing/2014/main" id="{22AA660C-4AA6-40F0-AE36-6E60289C4F3B}"/>
+              </a:ext>
+            </a:extLst>
+          </p:cNvPr>
+          <p:cNvSpPr txBox="1"/>
+          <p:nvPr/>
+        </p:nvSpPr>
+        <p:spPr>
+          <a:xfrm>
+            <a:off x="1592219" y="3676061"/>
+            <a:ext cx="1197612" cy="307777"/>
+          </a:xfrm>
+          <a:prstGeom prst="rect">
+            <a:avLst/>
+          </a:prstGeom>
+          <a:noFill/>
+        </p:spPr>
+        <p:txBody>
+          <a:bodyPr wrap="square" rtlCol="0">
+            <a:spAutoFit/>
+          </a:bodyPr>
+          <a:lstStyle/>
+          <a:p>
+            <a:pPr algn="ctr"/>
+            <a:r>
+              <a:rPr lang="en-US" sz="1400" dirty="0"/>
+              <a:t>Internet</a:t>
+            </a:r>
+          </a:p>
+        </p:txBody>
+      </p:sp>
+      <p:sp>
+        <p:nvSpPr>
+          <p:cNvPr id="54" name="TextBox 53">
+            <a:extLst>
+              <a:ext uri="{FF2B5EF4-FFF2-40B4-BE49-F238E27FC236}">
+                <a16:creationId xmlns:a16="http://schemas.microsoft.com/office/drawing/2014/main" id="{0A41713C-BF21-4DC7-8FC7-44B9C9F4C2C6}"/>
+              </a:ext>
+            </a:extLst>
+          </p:cNvPr>
+          <p:cNvSpPr txBox="1"/>
+          <p:nvPr/>
+        </p:nvSpPr>
+        <p:spPr>
+          <a:xfrm rot="18965878">
+            <a:off x="2672413" y="2437868"/>
+            <a:ext cx="1371600" cy="307777"/>
+          </a:xfrm>
+          <a:prstGeom prst="rect">
+            <a:avLst/>
+          </a:prstGeom>
+          <a:noFill/>
+        </p:spPr>
+        <p:txBody>
+          <a:bodyPr wrap="square" rtlCol="0">
+            <a:spAutoFit/>
+          </a:bodyPr>
+          <a:lstStyle/>
+          <a:p>
+            <a:pPr algn="ctr"/>
+            <a:r>
+              <a:rPr lang="en-US" sz="1400" dirty="0"/>
+              <a:t>Static Content</a:t>
+            </a:r>
+          </a:p>
+        </p:txBody>
+      </p:sp>
+      <p:sp>
+        <p:nvSpPr>
+          <p:cNvPr id="55" name="TextBox 54">
+            <a:extLst>
+              <a:ext uri="{FF2B5EF4-FFF2-40B4-BE49-F238E27FC236}">
+                <a16:creationId xmlns:a16="http://schemas.microsoft.com/office/drawing/2014/main" id="{89F621C8-0A0B-47BB-B005-200CCEF30CA9}"/>
+              </a:ext>
+            </a:extLst>
+          </p:cNvPr>
+          <p:cNvSpPr txBox="1"/>
+          <p:nvPr/>
+        </p:nvSpPr>
+        <p:spPr>
+          <a:xfrm rot="2054461">
+            <a:off x="2451797" y="3849405"/>
+            <a:ext cx="1797497" cy="307777"/>
+          </a:xfrm>
+          <a:prstGeom prst="rect">
+            <a:avLst/>
+          </a:prstGeom>
+          <a:noFill/>
+        </p:spPr>
+        <p:txBody>
+          <a:bodyPr wrap="square" rtlCol="0">
+            <a:spAutoFit/>
+          </a:bodyPr>
+          <a:lstStyle/>
+          <a:p>
+            <a:pPr algn="ctr"/>
+            <a:r>
+              <a:rPr lang="en-US" sz="1400" dirty="0"/>
+              <a:t>Dynamic Content</a:t>
+            </a:r>
+          </a:p>
+        </p:txBody>
+      </p:sp>
+      <p:cxnSp>
+        <p:nvCxnSpPr>
+          <p:cNvPr id="56" name="Straight Connector 55">
+            <a:extLst>
+              <a:ext uri="{FF2B5EF4-FFF2-40B4-BE49-F238E27FC236}">
+                <a16:creationId xmlns:a16="http://schemas.microsoft.com/office/drawing/2014/main" id="{28C7D840-DDB4-4621-B199-851D4F81E9D1}"/>
+              </a:ext>
+            </a:extLst>
+          </p:cNvPr>
+          <p:cNvCxnSpPr>
+            <a:endCxn id="1040" idx="1"/>
+          </p:cNvCxnSpPr>
+          <p:nvPr/>
+        </p:nvCxnSpPr>
+        <p:spPr>
+          <a:xfrm>
+            <a:off x="5247710" y="1992397"/>
+            <a:ext cx="876272" cy="0"/>
+          </a:xfrm>
+          <a:prstGeom prst="line">
+            <a:avLst/>
+          </a:prstGeom>
+          <a:ln w="15875">
+            <a:solidFill>
+              <a:schemeClr val="accent6"/>
+            </a:solidFill>
+          </a:ln>
+        </p:spPr>
+        <p:style>
+          <a:lnRef idx="1">
+            <a:schemeClr val="accent1"/>
+          </a:lnRef>
+          <a:fillRef idx="0">
+            <a:schemeClr val="accent1"/>
+          </a:fillRef>
+          <a:effectRef idx="0">
+            <a:schemeClr val="accent1"/>
+          </a:effectRef>
+          <a:fontRef idx="minor">
+            <a:schemeClr val="tx1"/>
+          </a:fontRef>
+        </p:style>
+      </p:cxnSp>
+      <p:cxnSp>
+        <p:nvCxnSpPr>
+          <p:cNvPr id="58" name="Straight Connector 57">
+            <a:extLst>
+              <a:ext uri="{FF2B5EF4-FFF2-40B4-BE49-F238E27FC236}">
+                <a16:creationId xmlns:a16="http://schemas.microsoft.com/office/drawing/2014/main" id="{6C27A863-6893-4319-886C-205088B54A70}"/>
+              </a:ext>
+            </a:extLst>
+          </p:cNvPr>
+          <p:cNvCxnSpPr/>
+          <p:nvPr/>
+        </p:nvCxnSpPr>
+        <p:spPr>
+          <a:xfrm>
+            <a:off x="5103332" y="4471454"/>
+            <a:ext cx="656871" cy="0"/>
+          </a:xfrm>
+          <a:prstGeom prst="line">
+            <a:avLst/>
+          </a:prstGeom>
+          <a:ln w="15875">
+            <a:solidFill>
+              <a:schemeClr val="accent6"/>
+            </a:solidFill>
+          </a:ln>
+        </p:spPr>
+        <p:style>
+          <a:lnRef idx="1">
+            <a:schemeClr val="accent1"/>
+          </a:lnRef>
+          <a:fillRef idx="0">
+            <a:schemeClr val="accent1"/>
+          </a:fillRef>
+          <a:effectRef idx="0">
+            <a:schemeClr val="accent1"/>
+          </a:effectRef>
+          <a:fontRef idx="minor">
+            <a:schemeClr val="tx1"/>
+          </a:fontRef>
+        </p:style>
+      </p:cxnSp>
+      <p:cxnSp>
+        <p:nvCxnSpPr>
+          <p:cNvPr id="60" name="Straight Connector 59">
+            <a:extLst>
+              <a:ext uri="{FF2B5EF4-FFF2-40B4-BE49-F238E27FC236}">
+                <a16:creationId xmlns:a16="http://schemas.microsoft.com/office/drawing/2014/main" id="{C6E4B55D-E070-4012-8FCA-2CD601CB0D06}"/>
+              </a:ext>
+            </a:extLst>
+          </p:cNvPr>
+          <p:cNvCxnSpPr>
+            <a:cxnSpLocks/>
+            <a:endCxn id="1046" idx="1"/>
+          </p:cNvCxnSpPr>
+          <p:nvPr/>
+        </p:nvCxnSpPr>
+        <p:spPr>
+          <a:xfrm>
+            <a:off x="7030044" y="4471454"/>
+            <a:ext cx="543894" cy="0"/>
+          </a:xfrm>
+          <a:prstGeom prst="line">
+            <a:avLst/>
+          </a:prstGeom>
+          <a:ln w="15875">
+            <a:solidFill>
+              <a:schemeClr val="accent6"/>
+            </a:solidFill>
+          </a:ln>
+        </p:spPr>
+        <p:style>
+          <a:lnRef idx="1">
+            <a:schemeClr val="accent1"/>
+          </a:lnRef>
+          <a:fillRef idx="0">
+            <a:schemeClr val="accent1"/>
+          </a:fillRef>
+          <a:effectRef idx="0">
+            <a:schemeClr val="accent1"/>
+          </a:effectRef>
+          <a:fontRef idx="minor">
+            <a:schemeClr val="tx1"/>
+          </a:fontRef>
+        </p:style>
+      </p:cxnSp>
+      <p:sp>
+        <p:nvSpPr>
+          <p:cNvPr id="74" name="TextBox 73">
+            <a:extLst>
+              <a:ext uri="{FF2B5EF4-FFF2-40B4-BE49-F238E27FC236}">
+                <a16:creationId xmlns:a16="http://schemas.microsoft.com/office/drawing/2014/main" id="{05A56991-DB41-4C38-8B79-410B8A4B02EC}"/>
+              </a:ext>
+            </a:extLst>
+          </p:cNvPr>
+          <p:cNvSpPr txBox="1"/>
+          <p:nvPr/>
+        </p:nvSpPr>
+        <p:spPr>
+          <a:xfrm>
+            <a:off x="5891574" y="5491846"/>
+            <a:ext cx="2193450" cy="738664"/>
+          </a:xfrm>
+          <a:prstGeom prst="rect">
+            <a:avLst/>
+          </a:prstGeom>
+          <a:noFill/>
+        </p:spPr>
+        <p:txBody>
+          <a:bodyPr wrap="square" rtlCol="0">
+            <a:spAutoFit/>
+          </a:bodyPr>
+          <a:lstStyle/>
+          <a:p>
+            <a:pPr marL="168275" indent="-168275">
+              <a:buFont typeface="Arial" panose="020B0604020202020204" pitchFamily="34" charset="0"/>
+              <a:buChar char="•"/>
+            </a:pPr>
+            <a:r>
+              <a:rPr lang="en-US" sz="1400" dirty="0">
+                <a:solidFill>
+                  <a:schemeClr val="bg1">
+                    <a:lumMod val="50000"/>
+                  </a:schemeClr>
+                </a:solidFill>
+              </a:rPr>
+              <a:t>Code reviews</a:t>
+            </a:r>
+          </a:p>
+          <a:p>
+            <a:pPr marL="168275" indent="-168275">
+              <a:buFont typeface="Arial" panose="020B0604020202020204" pitchFamily="34" charset="0"/>
+              <a:buChar char="•"/>
+            </a:pPr>
+            <a:r>
+              <a:rPr lang="en-US" sz="1400" dirty="0">
+                <a:solidFill>
+                  <a:schemeClr val="bg1">
+                    <a:lumMod val="50000"/>
+                  </a:schemeClr>
+                </a:solidFill>
+              </a:rPr>
+              <a:t>Security scans</a:t>
+            </a:r>
+          </a:p>
+          <a:p>
+            <a:pPr marL="168275" indent="-168275">
+              <a:buFont typeface="Arial" panose="020B0604020202020204" pitchFamily="34" charset="0"/>
+              <a:buChar char="•"/>
+            </a:pPr>
+            <a:r>
+              <a:rPr lang="en-US" sz="1400" dirty="0">
+                <a:solidFill>
+                  <a:schemeClr val="bg1">
+                    <a:lumMod val="50000"/>
+                  </a:schemeClr>
+                </a:solidFill>
+              </a:rPr>
+              <a:t>Static analysis</a:t>
+            </a:r>
+          </a:p>
+        </p:txBody>
+      </p:sp>
+      <p:sp>
+        <p:nvSpPr>
+          <p:cNvPr id="89" name="TextBox 88">
+            <a:extLst>
+              <a:ext uri="{FF2B5EF4-FFF2-40B4-BE49-F238E27FC236}">
+                <a16:creationId xmlns:a16="http://schemas.microsoft.com/office/drawing/2014/main" id="{252E9E61-7886-4086-9311-064DDF633D34}"/>
+              </a:ext>
+            </a:extLst>
+          </p:cNvPr>
+          <p:cNvSpPr txBox="1"/>
+          <p:nvPr/>
+        </p:nvSpPr>
+        <p:spPr>
+          <a:xfrm>
+            <a:off x="10593" y="6553979"/>
+            <a:ext cx="7188646" cy="276999"/>
+          </a:xfrm>
+          <a:prstGeom prst="rect">
+            <a:avLst/>
+          </a:prstGeom>
+          <a:noFill/>
+        </p:spPr>
+        <p:txBody>
+          <a:bodyPr wrap="square">
+            <a:spAutoFit/>
+          </a:bodyPr>
+          <a:lstStyle/>
+          <a:p>
+            <a:r>
+              <a:rPr lang="en-US" sz="1200" dirty="0"/>
+              <a:t>Reference: </a:t>
+            </a:r>
+            <a:r>
+              <a:rPr lang="en-US" sz="1200" dirty="0">
+                <a:hlinkClick r:id="rId12"/>
+              </a:rPr>
+              <a:t>https://www.youtube.com/watch?v=AV24RTvbgWA</a:t>
+            </a:r>
+            <a:r>
+              <a:rPr lang="en-US" sz="1200" dirty="0"/>
+              <a:t> </a:t>
+            </a:r>
+          </a:p>
+        </p:txBody>
+      </p:sp>
+    </p:spTree>
+    <p:extLst>
+      <p:ext uri="{BB962C8B-B14F-4D97-AF65-F5344CB8AC3E}">
+        <p14:creationId xmlns:p14="http://schemas.microsoft.com/office/powerpoint/2010/main" val="283168004"/>
+      </p:ext>
+    </p:extLst>
+  </p:cSld>
+  <p:clrMapOvr>
+    <a:masterClrMapping/>
+  </p:clrMapOvr>
+</p:sld>
+</file>
+
+<file path=ppt/slides/slide21.xml><?xml version="1.0" encoding="utf-8"?>
 <p:sld xmlns:a="http://schemas.openxmlformats.org/drawingml/2006/main" xmlns:r="http://schemas.openxmlformats.org/officeDocument/2006/relationships" xmlns:p="http://schemas.openxmlformats.org/presentationml/2006/main">
   <p:cSld>
     <p:spTree>
@@ -9221,6 +9395,312 @@
 </file>
 
 <file path=ppt/slides/slide8.xml><?xml version="1.0" encoding="utf-8"?>
+<p:sld xmlns:a="http://schemas.openxmlformats.org/drawingml/2006/main" xmlns:r="http://schemas.openxmlformats.org/officeDocument/2006/relationships" xmlns:p="http://schemas.openxmlformats.org/presentationml/2006/main">
+  <p:cSld>
+    <p:spTree>
+      <p:nvGrpSpPr>
+        <p:cNvPr id="1" name=""/>
+        <p:cNvGrpSpPr/>
+        <p:nvPr/>
+      </p:nvGrpSpPr>
+      <p:grpSpPr>
+        <a:xfrm>
+          <a:off x="0" y="0"/>
+          <a:ext cx="0" cy="0"/>
+          <a:chOff x="0" y="0"/>
+          <a:chExt cx="0" cy="0"/>
+        </a:xfrm>
+      </p:grpSpPr>
+      <p:sp>
+        <p:nvSpPr>
+          <p:cNvPr id="2" name="Title 1">
+            <a:extLst>
+              <a:ext uri="{FF2B5EF4-FFF2-40B4-BE49-F238E27FC236}">
+                <a16:creationId xmlns:a16="http://schemas.microsoft.com/office/drawing/2014/main" id="{5B931770-76C9-F749-9B7D-08A4A1F13896}"/>
+              </a:ext>
+            </a:extLst>
+          </p:cNvPr>
+          <p:cNvSpPr>
+            <a:spLocks noGrp="1"/>
+          </p:cNvSpPr>
+          <p:nvPr>
+            <p:ph type="title"/>
+          </p:nvPr>
+        </p:nvSpPr>
+        <p:spPr>
+          <a:xfrm>
+            <a:off x="0" y="228600"/>
+            <a:ext cx="9144000" cy="1143000"/>
+          </a:xfrm>
+        </p:spPr>
+        <p:txBody>
+          <a:bodyPr/>
+          <a:lstStyle/>
+          <a:p>
+            <a:r>
+              <a:rPr lang="en-US" dirty="0"/>
+              <a:t>Modeling</a:t>
+            </a:r>
+          </a:p>
+        </p:txBody>
+      </p:sp>
+      <p:sp>
+        <p:nvSpPr>
+          <p:cNvPr id="10" name="TextBox 9">
+            <a:extLst>
+              <a:ext uri="{FF2B5EF4-FFF2-40B4-BE49-F238E27FC236}">
+                <a16:creationId xmlns:a16="http://schemas.microsoft.com/office/drawing/2014/main" id="{91CFA85A-1BC0-4D92-93B6-B4FC78FA09F5}"/>
+              </a:ext>
+            </a:extLst>
+          </p:cNvPr>
+          <p:cNvSpPr txBox="1"/>
+          <p:nvPr/>
+        </p:nvSpPr>
+        <p:spPr>
+          <a:xfrm>
+            <a:off x="514350" y="1457325"/>
+            <a:ext cx="8477250" cy="1323439"/>
+          </a:xfrm>
+          <a:prstGeom prst="rect">
+            <a:avLst/>
+          </a:prstGeom>
+          <a:noFill/>
+        </p:spPr>
+        <p:txBody>
+          <a:bodyPr rot="0" spcFirstLastPara="0" vertOverflow="overflow" horzOverflow="overflow" vert="horz" wrap="square" lIns="91440" tIns="45720" rIns="91440" bIns="45720" numCol="1" spcCol="0" rtlCol="0" fromWordArt="0" anchor="t" anchorCtr="0" forceAA="0" compatLnSpc="1">
+            <a:prstTxWarp prst="textNoShape">
+              <a:avLst/>
+            </a:prstTxWarp>
+            <a:spAutoFit/>
+          </a:bodyPr>
+          <a:lstStyle/>
+          <a:p>
+            <a:r>
+              <a:rPr lang="en-US" sz="1400">
+                <a:ea typeface="+mn-lt"/>
+                <a:cs typeface="+mn-lt"/>
+              </a:rPr>
+              <a:t>To predict cause of a fire, used classification modeling </a:t>
+            </a:r>
+          </a:p>
+          <a:p>
+            <a:pPr marL="171450" indent="-171450">
+              <a:buFont typeface="Arial"/>
+              <a:buChar char="•"/>
+            </a:pPr>
+            <a:r>
+              <a:rPr lang="en-US" sz="1400">
+                <a:ea typeface="+mn-lt"/>
+                <a:cs typeface="+mn-lt"/>
+              </a:rPr>
+              <a:t>Naive Bayes</a:t>
+            </a:r>
+          </a:p>
+          <a:p>
+            <a:pPr marL="171450" indent="-171450">
+              <a:buFont typeface="Arial"/>
+              <a:buChar char="•"/>
+            </a:pPr>
+            <a:r>
+              <a:rPr lang="en-US" sz="1400">
+                <a:ea typeface="+mn-lt"/>
+                <a:cs typeface="+mn-lt"/>
+              </a:rPr>
+              <a:t>Decision Tree </a:t>
+            </a:r>
+          </a:p>
+          <a:p>
+            <a:endParaRPr lang="en-US" sz="1000" dirty="0">
+              <a:ea typeface="+mn-lt"/>
+              <a:cs typeface="+mn-lt"/>
+            </a:endParaRPr>
+          </a:p>
+          <a:p>
+            <a:r>
+              <a:rPr lang="en-US" sz="1400" dirty="0">
+                <a:ea typeface="+mn-lt"/>
+                <a:cs typeface="+mn-lt"/>
+              </a:rPr>
+              <a:t>Table 1 describes the features that were used from the dataset and our predictor classification label is the STAT_CAUSE_DESCR with Table 2 showing the possible classifications</a:t>
+            </a:r>
+            <a:endParaRPr lang="en-US" sz="1400">
+              <a:cs typeface="Arial"/>
+            </a:endParaRPr>
+          </a:p>
+        </p:txBody>
+      </p:sp>
+      <p:sp>
+        <p:nvSpPr>
+          <p:cNvPr id="5" name="TextBox 4">
+            <a:extLst>
+              <a:ext uri="{FF2B5EF4-FFF2-40B4-BE49-F238E27FC236}">
+                <a16:creationId xmlns:a16="http://schemas.microsoft.com/office/drawing/2014/main" id="{D00F2BCE-66B4-4C46-BAFC-8FFD1034CE40}"/>
+              </a:ext>
+            </a:extLst>
+          </p:cNvPr>
+          <p:cNvSpPr txBox="1"/>
+          <p:nvPr/>
+        </p:nvSpPr>
+        <p:spPr>
+          <a:xfrm>
+            <a:off x="523875" y="4686300"/>
+            <a:ext cx="3619500" cy="230832"/>
+          </a:xfrm>
+          <a:prstGeom prst="rect">
+            <a:avLst/>
+          </a:prstGeom>
+          <a:noFill/>
+        </p:spPr>
+        <p:txBody>
+          <a:bodyPr rot="0" spcFirstLastPara="0" vertOverflow="overflow" horzOverflow="overflow" vert="horz" wrap="square" lIns="91440" tIns="45720" rIns="91440" bIns="45720" numCol="1" spcCol="0" rtlCol="0" fromWordArt="0" anchor="t" anchorCtr="0" forceAA="0" compatLnSpc="1">
+            <a:prstTxWarp prst="textNoShape">
+              <a:avLst/>
+            </a:prstTxWarp>
+            <a:spAutoFit/>
+          </a:bodyPr>
+          <a:lstStyle/>
+          <a:p>
+            <a:r>
+              <a:rPr lang="en-US" sz="900" dirty="0">
+                <a:ea typeface="+mn-lt"/>
+                <a:cs typeface="+mn-lt"/>
+              </a:rPr>
+              <a:t>Table 1 – Model Features</a:t>
+            </a:r>
+            <a:endParaRPr lang="en-US" sz="900">
+              <a:cs typeface="Arial"/>
+            </a:endParaRPr>
+          </a:p>
+        </p:txBody>
+      </p:sp>
+      <p:pic>
+        <p:nvPicPr>
+          <p:cNvPr id="3" name="Picture 5" descr="Table&#10;&#10;Description automatically generated">
+            <a:extLst>
+              <a:ext uri="{FF2B5EF4-FFF2-40B4-BE49-F238E27FC236}">
+                <a16:creationId xmlns:a16="http://schemas.microsoft.com/office/drawing/2014/main" id="{AF61C233-6CB7-4FE0-94D9-D7B7846C279F}"/>
+              </a:ext>
+            </a:extLst>
+          </p:cNvPr>
+          <p:cNvPicPr>
+            <a:picLocks noChangeAspect="1"/>
+          </p:cNvPicPr>
+          <p:nvPr/>
+        </p:nvPicPr>
+        <p:blipFill>
+          <a:blip r:embed="rId2"/>
+          <a:stretch>
+            <a:fillRect/>
+          </a:stretch>
+        </p:blipFill>
+        <p:spPr>
+          <a:xfrm>
+            <a:off x="590550" y="2876550"/>
+            <a:ext cx="7981950" cy="1809750"/>
+          </a:xfrm>
+          <a:prstGeom prst="rect">
+            <a:avLst/>
+          </a:prstGeom>
+          <a:ln>
+            <a:solidFill>
+              <a:schemeClr val="tx1"/>
+            </a:solidFill>
+          </a:ln>
+        </p:spPr>
+      </p:pic>
+      <p:pic>
+        <p:nvPicPr>
+          <p:cNvPr id="8" name="Picture 8" descr="A picture containing graphical user interface&#10;&#10;Description automatically generated">
+            <a:extLst>
+              <a:ext uri="{FF2B5EF4-FFF2-40B4-BE49-F238E27FC236}">
+                <a16:creationId xmlns:a16="http://schemas.microsoft.com/office/drawing/2014/main" id="{18A7D557-B865-4B9D-9EA3-415C7D70D2F1}"/>
+              </a:ext>
+            </a:extLst>
+          </p:cNvPr>
+          <p:cNvPicPr>
+            <a:picLocks noChangeAspect="1"/>
+          </p:cNvPicPr>
+          <p:nvPr/>
+        </p:nvPicPr>
+        <p:blipFill>
+          <a:blip r:embed="rId3"/>
+          <a:stretch>
+            <a:fillRect/>
+          </a:stretch>
+        </p:blipFill>
+        <p:spPr>
+          <a:xfrm>
+            <a:off x="609600" y="5298565"/>
+            <a:ext cx="2743200" cy="1023370"/>
+          </a:xfrm>
+          <a:prstGeom prst="rect">
+            <a:avLst/>
+          </a:prstGeom>
+          <a:ln>
+            <a:solidFill>
+              <a:schemeClr val="tx1"/>
+            </a:solidFill>
+          </a:ln>
+        </p:spPr>
+      </p:pic>
+      <p:sp>
+        <p:nvSpPr>
+          <p:cNvPr id="11" name="TextBox 10">
+            <a:extLst>
+              <a:ext uri="{FF2B5EF4-FFF2-40B4-BE49-F238E27FC236}">
+                <a16:creationId xmlns:a16="http://schemas.microsoft.com/office/drawing/2014/main" id="{2717E34F-754E-400C-8132-B8BD6F929F80}"/>
+              </a:ext>
+            </a:extLst>
+          </p:cNvPr>
+          <p:cNvSpPr txBox="1"/>
+          <p:nvPr/>
+        </p:nvSpPr>
+        <p:spPr>
+          <a:xfrm>
+            <a:off x="523875" y="6334125"/>
+            <a:ext cx="3619500" cy="230832"/>
+          </a:xfrm>
+          <a:prstGeom prst="rect">
+            <a:avLst/>
+          </a:prstGeom>
+          <a:noFill/>
+        </p:spPr>
+        <p:txBody>
+          <a:bodyPr rot="0" spcFirstLastPara="0" vertOverflow="overflow" horzOverflow="overflow" vert="horz" wrap="square" lIns="91440" tIns="45720" rIns="91440" bIns="45720" numCol="1" spcCol="0" rtlCol="0" fromWordArt="0" anchor="t" anchorCtr="0" forceAA="0" compatLnSpc="1">
+            <a:prstTxWarp prst="textNoShape">
+              <a:avLst/>
+            </a:prstTxWarp>
+            <a:spAutoFit/>
+          </a:bodyPr>
+          <a:lstStyle/>
+          <a:p>
+            <a:r>
+              <a:rPr lang="en-US" sz="900" dirty="0">
+                <a:ea typeface="+mn-lt"/>
+                <a:cs typeface="+mn-lt"/>
+              </a:rPr>
+              <a:t>Table 2 – Predictor Classification Labels</a:t>
+            </a:r>
+            <a:endParaRPr lang="en-US" sz="900">
+              <a:cs typeface="Arial"/>
+            </a:endParaRPr>
+          </a:p>
+        </p:txBody>
+      </p:sp>
+    </p:spTree>
+    <p:extLst>
+      <p:ext uri="{BB962C8B-B14F-4D97-AF65-F5344CB8AC3E}">
+        <p14:creationId xmlns:p14="http://schemas.microsoft.com/office/powerpoint/2010/main" val="3117773634"/>
+      </p:ext>
+    </p:extLst>
+  </p:cSld>
+  <p:clrMapOvr>
+    <a:masterClrMapping/>
+  </p:clrMapOvr>
+</p:sld>
+</file>
+
+<file path=ppt/slides/slide9.xml><?xml version="1.0" encoding="utf-8"?>
 <p:sld xmlns:a="http://schemas.openxmlformats.org/drawingml/2006/main" xmlns:r="http://schemas.openxmlformats.org/officeDocument/2006/relationships" xmlns:p="http://schemas.openxmlformats.org/presentationml/2006/main">
   <p:cSld>
     <p:spTree>
@@ -9532,178 +10012,6 @@
     <p:extLst>
       <p:ext uri="{BB962C8B-B14F-4D97-AF65-F5344CB8AC3E}">
         <p14:creationId xmlns:p14="http://schemas.microsoft.com/office/powerpoint/2010/main" val="2822207609"/>
-      </p:ext>
-    </p:extLst>
-  </p:cSld>
-  <p:clrMapOvr>
-    <a:masterClrMapping/>
-  </p:clrMapOvr>
-</p:sld>
-</file>
-
-<file path=ppt/slides/slide9.xml><?xml version="1.0" encoding="utf-8"?>
-<p:sld xmlns:a="http://schemas.openxmlformats.org/drawingml/2006/main" xmlns:r="http://schemas.openxmlformats.org/officeDocument/2006/relationships" xmlns:p="http://schemas.openxmlformats.org/presentationml/2006/main">
-  <p:cSld>
-    <p:spTree>
-      <p:nvGrpSpPr>
-        <p:cNvPr id="1" name=""/>
-        <p:cNvGrpSpPr/>
-        <p:nvPr/>
-      </p:nvGrpSpPr>
-      <p:grpSpPr>
-        <a:xfrm>
-          <a:off x="0" y="0"/>
-          <a:ext cx="0" cy="0"/>
-          <a:chOff x="0" y="0"/>
-          <a:chExt cx="0" cy="0"/>
-        </a:xfrm>
-      </p:grpSpPr>
-      <p:sp>
-        <p:nvSpPr>
-          <p:cNvPr id="2" name="Title 1">
-            <a:extLst>
-              <a:ext uri="{FF2B5EF4-FFF2-40B4-BE49-F238E27FC236}">
-                <a16:creationId xmlns:a16="http://schemas.microsoft.com/office/drawing/2014/main" id="{5F201760-3C2B-4914-802C-7921866DC72E}"/>
-              </a:ext>
-            </a:extLst>
-          </p:cNvPr>
-          <p:cNvSpPr>
-            <a:spLocks noGrp="1"/>
-          </p:cNvSpPr>
-          <p:nvPr>
-            <p:ph type="title"/>
-          </p:nvPr>
-        </p:nvSpPr>
-        <p:spPr/>
-        <p:txBody>
-          <a:bodyPr/>
-          <a:lstStyle/>
-          <a:p>
-            <a:r>
-              <a:rPr lang="en-US" dirty="0">
-                <a:cs typeface="Arial"/>
-              </a:rPr>
-              <a:t>Cloud Deployment</a:t>
-            </a:r>
-            <a:endParaRPr lang="en-US" dirty="0"/>
-          </a:p>
-        </p:txBody>
-      </p:sp>
-      <p:sp>
-        <p:nvSpPr>
-          <p:cNvPr id="6" name="Content Placeholder 5">
-            <a:extLst>
-              <a:ext uri="{FF2B5EF4-FFF2-40B4-BE49-F238E27FC236}">
-                <a16:creationId xmlns:a16="http://schemas.microsoft.com/office/drawing/2014/main" id="{296B1057-D90B-4F6F-ABBD-3E9179C32A23}"/>
-              </a:ext>
-            </a:extLst>
-          </p:cNvPr>
-          <p:cNvSpPr>
-            <a:spLocks noGrp="1"/>
-          </p:cNvSpPr>
-          <p:nvPr>
-            <p:ph idx="1"/>
-          </p:nvPr>
-        </p:nvSpPr>
-        <p:spPr>
-          <a:xfrm>
-            <a:off x="457200" y="1877291"/>
-            <a:ext cx="8229600" cy="2625436"/>
-          </a:xfrm>
-        </p:spPr>
-        <p:txBody>
-          <a:bodyPr vert="horz" lIns="91440" tIns="45720" rIns="91440" bIns="45720" rtlCol="0" anchor="t">
-            <a:noAutofit/>
-          </a:bodyPr>
-          <a:lstStyle/>
-          <a:p>
-            <a:pPr>
-              <a:buFont typeface="Arial"/>
-            </a:pPr>
-            <a:r>
-              <a:rPr lang="en-US" sz="2800" dirty="0">
-                <a:ea typeface="+mn-lt"/>
-                <a:cs typeface="+mn-lt"/>
-              </a:rPr>
-              <a:t>Next is the cloud deployment and at a high overview utilized: </a:t>
-            </a:r>
-            <a:endParaRPr lang="en-US" sz="2800" dirty="0">
-              <a:cs typeface="Arial"/>
-            </a:endParaRPr>
-          </a:p>
-          <a:p>
-            <a:pPr lvl="1"/>
-            <a:r>
-              <a:rPr lang="en-US" sz="2400" dirty="0">
-                <a:ea typeface="+mn-lt"/>
-                <a:cs typeface="+mn-lt"/>
-              </a:rPr>
-              <a:t>Configure Serverless framework</a:t>
-            </a:r>
-            <a:endParaRPr lang="en-US" sz="2400" dirty="0">
-              <a:cs typeface="Arial"/>
-            </a:endParaRPr>
-          </a:p>
-          <a:p>
-            <a:pPr lvl="1"/>
-            <a:r>
-              <a:rPr lang="en-US" sz="2400" dirty="0">
-                <a:ea typeface="+mn-lt"/>
-                <a:cs typeface="+mn-lt"/>
-              </a:rPr>
-              <a:t>API Gateway</a:t>
-            </a:r>
-            <a:endParaRPr lang="en-US" sz="2400" dirty="0">
-              <a:cs typeface="Arial"/>
-            </a:endParaRPr>
-          </a:p>
-          <a:p>
-            <a:pPr lvl="1"/>
-            <a:r>
-              <a:rPr lang="en-US" sz="2400" dirty="0">
-                <a:ea typeface="+mn-lt"/>
-                <a:cs typeface="+mn-lt"/>
-              </a:rPr>
-              <a:t>Lambda functions</a:t>
-            </a:r>
-            <a:endParaRPr lang="en-US" sz="2400" dirty="0">
-              <a:cs typeface="Arial"/>
-            </a:endParaRPr>
-          </a:p>
-          <a:p>
-            <a:pPr lvl="1"/>
-            <a:r>
-              <a:rPr lang="en-US" sz="2400" dirty="0">
-                <a:ea typeface="+mn-lt"/>
-                <a:cs typeface="+mn-lt"/>
-              </a:rPr>
-              <a:t>RDS</a:t>
-            </a:r>
-            <a:endParaRPr lang="en-US" sz="2400" dirty="0">
-              <a:cs typeface="Arial"/>
-            </a:endParaRPr>
-          </a:p>
-          <a:p>
-            <a:r>
-              <a:rPr lang="en-US" sz="2800" dirty="0">
-                <a:ea typeface="+mn-lt"/>
-                <a:cs typeface="+mn-lt"/>
-              </a:rPr>
-              <a:t>Chance will now walk you through each of those cloud components and how it was deployed to AWS</a:t>
-            </a:r>
-            <a:br>
-              <a:rPr lang="en-US" sz="2800" dirty="0"/>
-            </a:br>
-            <a:endParaRPr lang="en-US" sz="2800" dirty="0">
-              <a:cs typeface="Arial"/>
-            </a:endParaRPr>
-          </a:p>
-        </p:txBody>
-      </p:sp>
-    </p:spTree>
-    <p:extLst>
-      <p:ext uri="{BB962C8B-B14F-4D97-AF65-F5344CB8AC3E}">
-        <p14:creationId xmlns:p14="http://schemas.microsoft.com/office/powerpoint/2010/main" val="1455677800"/>
       </p:ext>
     </p:extLst>
   </p:cSld>

--- a/presentation/DS7346_Cloud_Computing_Presentation.pptx
+++ b/presentation/DS7346_Cloud_Computing_Presentation.pptx
@@ -689,7 +689,7 @@
           <a:p>
             <a:fld id="{1B0D91D7-F22D-4CDC-8F75-E7F369B9B3B7}" type="slidenum">
               <a:rPr lang="en-US" smtClean="0"/>
-              <a:t>10</a:t>
+              <a:t>11</a:t>
             </a:fld>
             <a:endParaRPr lang="en-US"/>
           </a:p>
@@ -846,7 +846,7 @@
           <a:p>
             <a:fld id="{1B0D91D7-F22D-4CDC-8F75-E7F369B9B3B7}" type="slidenum">
               <a:rPr lang="en-US" smtClean="0"/>
-              <a:t>11</a:t>
+              <a:t>12</a:t>
             </a:fld>
             <a:endParaRPr lang="en-US"/>
           </a:p>
@@ -930,7 +930,7 @@
           <a:p>
             <a:fld id="{1B0D91D7-F22D-4CDC-8F75-E7F369B9B3B7}" type="slidenum">
               <a:rPr lang="en-US" smtClean="0"/>
-              <a:t>12</a:t>
+              <a:t>13</a:t>
             </a:fld>
             <a:endParaRPr lang="en-US"/>
           </a:p>
@@ -1171,7 +1171,7 @@
           <a:p>
             <a:fld id="{1B0D91D7-F22D-4CDC-8F75-E7F369B9B3B7}" type="slidenum">
               <a:rPr lang="en-US" smtClean="0"/>
-              <a:t>13</a:t>
+              <a:t>14</a:t>
             </a:fld>
             <a:endParaRPr lang="en-US"/>
           </a:p>
@@ -1255,7 +1255,7 @@
           <a:p>
             <a:fld id="{1B0D91D7-F22D-4CDC-8F75-E7F369B9B3B7}" type="slidenum">
               <a:rPr lang="en-US" smtClean="0"/>
-              <a:t>16</a:t>
+              <a:t>17</a:t>
             </a:fld>
             <a:endParaRPr lang="en-US"/>
           </a:p>
@@ -1339,7 +1339,7 @@
           <a:p>
             <a:fld id="{1B0D91D7-F22D-4CDC-8F75-E7F369B9B3B7}" type="slidenum">
               <a:rPr lang="en-US" smtClean="0"/>
-              <a:t>17</a:t>
+              <a:t>18</a:t>
             </a:fld>
             <a:endParaRPr lang="en-US"/>
           </a:p>
@@ -1444,7 +1444,7 @@
           <a:p>
             <a:fld id="{1B0D91D7-F22D-4CDC-8F75-E7F369B9B3B7}" type="slidenum">
               <a:rPr lang="en-US" smtClean="0"/>
-              <a:t>18</a:t>
+              <a:t>19</a:t>
             </a:fld>
             <a:endParaRPr lang="en-US"/>
           </a:p>
@@ -1528,7 +1528,7 @@
           <a:p>
             <a:fld id="{1B0D91D7-F22D-4CDC-8F75-E7F369B9B3B7}" type="slidenum">
               <a:rPr lang="en-US" smtClean="0"/>
-              <a:t>19</a:t>
+              <a:t>20</a:t>
             </a:fld>
             <a:endParaRPr lang="en-US"/>
           </a:p>
@@ -3744,8 +3744,12 @@
           <a:lstStyle/>
           <a:p>
             <a:r>
+              <a:rPr lang="en-US"/>
+              <a:t>DS 7346: </a:t>
+            </a:r>
+            <a:r>
               <a:rPr lang="en-US" dirty="0"/>
-              <a:t>DS 6346: Cloud Computing</a:t>
+              <a:t>Cloud Computing</a:t>
             </a:r>
             <a:endParaRPr lang="en-IN" dirty="0"/>
           </a:p>
